--- a/[FastCampus] 커리큘럼_김경원박사.pptx
+++ b/[FastCampus] 커리큘럼_김경원박사.pptx
@@ -5,22 +5,24 @@
     <p:sldMasterId id="2147483648" r:id="rId1"/>
   </p:sldMasterIdLst>
   <p:notesMasterIdLst>
-    <p:notesMasterId r:id="rId4"/>
+    <p:notesMasterId r:id="rId6"/>
   </p:notesMasterIdLst>
   <p:handoutMasterIdLst>
-    <p:handoutMasterId r:id="rId5"/>
+    <p:handoutMasterId r:id="rId7"/>
   </p:handoutMasterIdLst>
   <p:sldIdLst>
     <p:sldId id="1066" r:id="rId2"/>
     <p:sldId id="1067" r:id="rId3"/>
+    <p:sldId id="1068" r:id="rId4"/>
+    <p:sldId id="1069" r:id="rId5"/>
   </p:sldIdLst>
   <p:sldSz cx="12160250" cy="6840538"/>
   <p:notesSz cx="9874250" cy="6797675"/>
   <p:embeddedFontLst>
     <p:embeddedFont>
       <p:font typeface="맑은 고딕" panose="020B0503020000020004" pitchFamily="50" charset="-127"/>
-      <p:regular r:id="rId6"/>
-      <p:bold r:id="rId7"/>
+      <p:regular r:id="rId8"/>
+      <p:bold r:id="rId9"/>
     </p:embeddedFont>
   </p:embeddedFontLst>
   <p:defaultTextStyle>
@@ -233,7 +235,7 @@
           <a:p>
             <a:fld id="{FC718EE8-BF93-4A17-BED5-FC99EECA5FC7}" type="datetimeFigureOut">
               <a:rPr lang="ko-KR" altLang="en-US" smtClean="0"/>
-              <a:t>2020-08-20</a:t>
+              <a:t>2020-08-23</a:t>
             </a:fld>
             <a:endParaRPr lang="ko-KR" altLang="en-US"/>
           </a:p>
@@ -398,7 +400,7 @@
           <a:p>
             <a:fld id="{6101F873-BA02-446B-9127-C4DE4310B943}" type="datetimeFigureOut">
               <a:rPr lang="ko-KR" altLang="en-US" smtClean="0"/>
-              <a:t>2020-08-20</a:t>
+              <a:t>2020-08-23</a:t>
             </a:fld>
             <a:endParaRPr lang="ko-KR" altLang="en-US"/>
           </a:p>
@@ -833,6 +835,174 @@
 </p:notes>
 </file>
 
+<file path=ppt/notesSlides/notesSlide3.xml><?xml version="1.0" encoding="utf-8"?>
+<p:notes xmlns:a="http://schemas.openxmlformats.org/drawingml/2006/main" xmlns:r="http://schemas.openxmlformats.org/officeDocument/2006/relationships" xmlns:p="http://schemas.openxmlformats.org/presentationml/2006/main">
+  <p:cSld>
+    <p:spTree>
+      <p:nvGrpSpPr>
+        <p:cNvPr id="1" name=""/>
+        <p:cNvGrpSpPr/>
+        <p:nvPr/>
+      </p:nvGrpSpPr>
+      <p:grpSpPr>
+        <a:xfrm>
+          <a:off x="0" y="0"/>
+          <a:ext cx="0" cy="0"/>
+          <a:chOff x="0" y="0"/>
+          <a:chExt cx="0" cy="0"/>
+        </a:xfrm>
+      </p:grpSpPr>
+      <p:sp>
+        <p:nvSpPr>
+          <p:cNvPr id="2" name="슬라이드 이미지 개체 틀 1"/>
+          <p:cNvSpPr>
+            <a:spLocks noGrp="1" noRot="1" noChangeAspect="1"/>
+          </p:cNvSpPr>
+          <p:nvPr>
+            <p:ph type="sldImg"/>
+          </p:nvPr>
+        </p:nvSpPr>
+        <p:spPr/>
+      </p:sp>
+      <p:sp>
+        <p:nvSpPr>
+          <p:cNvPr id="3" name="슬라이드 노트 개체 틀 2"/>
+          <p:cNvSpPr>
+            <a:spLocks noGrp="1"/>
+          </p:cNvSpPr>
+          <p:nvPr>
+            <p:ph type="body" idx="1"/>
+          </p:nvPr>
+        </p:nvSpPr>
+        <p:spPr/>
+        <p:txBody>
+          <a:bodyPr/>
+          <a:lstStyle/>
+          <a:p>
+            <a:endParaRPr lang="ko-KR" altLang="en-US" dirty="0"/>
+          </a:p>
+        </p:txBody>
+      </p:sp>
+      <p:sp>
+        <p:nvSpPr>
+          <p:cNvPr id="4" name="슬라이드 번호 개체 틀 3"/>
+          <p:cNvSpPr>
+            <a:spLocks noGrp="1"/>
+          </p:cNvSpPr>
+          <p:nvPr>
+            <p:ph type="sldNum" sz="quarter" idx="10"/>
+          </p:nvPr>
+        </p:nvSpPr>
+        <p:spPr/>
+        <p:txBody>
+          <a:bodyPr/>
+          <a:lstStyle/>
+          <a:p>
+            <a:fld id="{C191BC67-C438-4515-9D3F-F10D40F1354A}" type="slidenum">
+              <a:rPr lang="ko-KR" altLang="en-US" smtClean="0"/>
+              <a:t>3</a:t>
+            </a:fld>
+            <a:endParaRPr lang="ko-KR" altLang="en-US"/>
+          </a:p>
+        </p:txBody>
+      </p:sp>
+    </p:spTree>
+    <p:extLst>
+      <p:ext uri="{BB962C8B-B14F-4D97-AF65-F5344CB8AC3E}">
+        <p14:creationId xmlns:p14="http://schemas.microsoft.com/office/powerpoint/2010/main" val="2726265251"/>
+      </p:ext>
+    </p:extLst>
+  </p:cSld>
+  <p:clrMapOvr>
+    <a:masterClrMapping/>
+  </p:clrMapOvr>
+</p:notes>
+</file>
+
+<file path=ppt/notesSlides/notesSlide4.xml><?xml version="1.0" encoding="utf-8"?>
+<p:notes xmlns:a="http://schemas.openxmlformats.org/drawingml/2006/main" xmlns:r="http://schemas.openxmlformats.org/officeDocument/2006/relationships" xmlns:p="http://schemas.openxmlformats.org/presentationml/2006/main">
+  <p:cSld>
+    <p:spTree>
+      <p:nvGrpSpPr>
+        <p:cNvPr id="1" name=""/>
+        <p:cNvGrpSpPr/>
+        <p:nvPr/>
+      </p:nvGrpSpPr>
+      <p:grpSpPr>
+        <a:xfrm>
+          <a:off x="0" y="0"/>
+          <a:ext cx="0" cy="0"/>
+          <a:chOff x="0" y="0"/>
+          <a:chExt cx="0" cy="0"/>
+        </a:xfrm>
+      </p:grpSpPr>
+      <p:sp>
+        <p:nvSpPr>
+          <p:cNvPr id="2" name="슬라이드 이미지 개체 틀 1"/>
+          <p:cNvSpPr>
+            <a:spLocks noGrp="1" noRot="1" noChangeAspect="1"/>
+          </p:cNvSpPr>
+          <p:nvPr>
+            <p:ph type="sldImg"/>
+          </p:nvPr>
+        </p:nvSpPr>
+        <p:spPr/>
+      </p:sp>
+      <p:sp>
+        <p:nvSpPr>
+          <p:cNvPr id="3" name="슬라이드 노트 개체 틀 2"/>
+          <p:cNvSpPr>
+            <a:spLocks noGrp="1"/>
+          </p:cNvSpPr>
+          <p:nvPr>
+            <p:ph type="body" idx="1"/>
+          </p:nvPr>
+        </p:nvSpPr>
+        <p:spPr/>
+        <p:txBody>
+          <a:bodyPr/>
+          <a:lstStyle/>
+          <a:p>
+            <a:endParaRPr lang="ko-KR" altLang="en-US" dirty="0"/>
+          </a:p>
+        </p:txBody>
+      </p:sp>
+      <p:sp>
+        <p:nvSpPr>
+          <p:cNvPr id="4" name="슬라이드 번호 개체 틀 3"/>
+          <p:cNvSpPr>
+            <a:spLocks noGrp="1"/>
+          </p:cNvSpPr>
+          <p:nvPr>
+            <p:ph type="sldNum" sz="quarter" idx="10"/>
+          </p:nvPr>
+        </p:nvSpPr>
+        <p:spPr/>
+        <p:txBody>
+          <a:bodyPr/>
+          <a:lstStyle/>
+          <a:p>
+            <a:fld id="{C191BC67-C438-4515-9D3F-F10D40F1354A}" type="slidenum">
+              <a:rPr lang="ko-KR" altLang="en-US" smtClean="0"/>
+              <a:t>4</a:t>
+            </a:fld>
+            <a:endParaRPr lang="ko-KR" altLang="en-US"/>
+          </a:p>
+        </p:txBody>
+      </p:sp>
+    </p:spTree>
+    <p:extLst>
+      <p:ext uri="{BB962C8B-B14F-4D97-AF65-F5344CB8AC3E}">
+        <p14:creationId xmlns:p14="http://schemas.microsoft.com/office/powerpoint/2010/main" val="3519760741"/>
+      </p:ext>
+    </p:extLst>
+  </p:cSld>
+  <p:clrMapOvr>
+    <a:masterClrMapping/>
+  </p:clrMapOvr>
+</p:notes>
+</file>
+
 <file path=ppt/slideLayouts/slideLayout1.xml><?xml version="1.0" encoding="utf-8"?>
 <p:sldLayout xmlns:a="http://schemas.openxmlformats.org/drawingml/2006/main" xmlns:r="http://schemas.openxmlformats.org/officeDocument/2006/relationships" xmlns:p="http://schemas.openxmlformats.org/presentationml/2006/main" type="title" preserve="1">
   <p:cSld name="제목 슬라이드">
@@ -1012,7 +1182,7 @@
           <a:p>
             <a:fld id="{89B5E594-86C5-4F1D-8812-38DF40064943}" type="datetime1">
               <a:rPr lang="ko-KR" altLang="en-US" smtClean="0"/>
-              <a:t>2020-08-20</a:t>
+              <a:t>2020-08-23</a:t>
             </a:fld>
             <a:endParaRPr lang="ko-KR" altLang="en-US"/>
           </a:p>
@@ -1220,7 +1390,7 @@
           <a:p>
             <a:fld id="{05C0B17C-522D-4CD8-8139-01EDEBAB2AF6}" type="datetime1">
               <a:rPr lang="ko-KR" altLang="en-US" smtClean="0"/>
-              <a:t>2020-08-20</a:t>
+              <a:t>2020-08-23</a:t>
             </a:fld>
             <a:endParaRPr lang="ko-KR" altLang="en-US"/>
           </a:p>
@@ -1398,7 +1568,7 @@
           <a:p>
             <a:fld id="{7345261C-38F3-40E7-AAA6-CE27B727AA65}" type="datetime1">
               <a:rPr lang="ko-KR" altLang="en-US" smtClean="0"/>
-              <a:t>2020-08-20</a:t>
+              <a:t>2020-08-23</a:t>
             </a:fld>
             <a:endParaRPr lang="ko-KR" altLang="en-US"/>
           </a:p>
@@ -1566,7 +1736,7 @@
           <a:p>
             <a:fld id="{A8472951-AD8C-47B8-8787-30E2F4BFA1EA}" type="datetime1">
               <a:rPr lang="ko-KR" altLang="en-US" smtClean="0"/>
-              <a:t>2020-08-20</a:t>
+              <a:t>2020-08-23</a:t>
             </a:fld>
             <a:endParaRPr lang="ko-KR" altLang="en-US"/>
           </a:p>
@@ -1821,7 +1991,7 @@
           <a:p>
             <a:fld id="{8BCB1BBF-13D1-46E6-8B8B-C9F26A0BAD91}" type="datetime1">
               <a:rPr lang="ko-KR" altLang="en-US" smtClean="0"/>
-              <a:t>2020-08-20</a:t>
+              <a:t>2020-08-23</a:t>
             </a:fld>
             <a:endParaRPr lang="ko-KR" altLang="en-US"/>
           </a:p>
@@ -2106,7 +2276,7 @@
           <a:p>
             <a:fld id="{B16FDC3D-FD6A-49DF-B101-11717D57279F}" type="datetime1">
               <a:rPr lang="ko-KR" altLang="en-US" smtClean="0"/>
-              <a:t>2020-08-20</a:t>
+              <a:t>2020-08-23</a:t>
             </a:fld>
             <a:endParaRPr lang="ko-KR" altLang="en-US"/>
           </a:p>
@@ -2525,7 +2695,7 @@
           <a:p>
             <a:fld id="{42D411A2-FD90-4A19-98A8-25197A66BC26}" type="datetime1">
               <a:rPr lang="ko-KR" altLang="en-US" smtClean="0"/>
-              <a:t>2020-08-20</a:t>
+              <a:t>2020-08-23</a:t>
             </a:fld>
             <a:endParaRPr lang="ko-KR" altLang="en-US"/>
           </a:p>
@@ -2642,7 +2812,7 @@
           <a:p>
             <a:fld id="{F6E6B532-6471-449A-9A2F-4428556C2F98}" type="datetime1">
               <a:rPr lang="ko-KR" altLang="en-US" smtClean="0"/>
-              <a:t>2020-08-20</a:t>
+              <a:t>2020-08-23</a:t>
             </a:fld>
             <a:endParaRPr lang="ko-KR" altLang="en-US"/>
           </a:p>
@@ -2737,7 +2907,7 @@
           <a:p>
             <a:fld id="{45A9E13B-856D-4562-A86D-A2B6F7BF810F}" type="datetime1">
               <a:rPr lang="ko-KR" altLang="en-US" smtClean="0"/>
-              <a:t>2020-08-20</a:t>
+              <a:t>2020-08-23</a:t>
             </a:fld>
             <a:endParaRPr lang="ko-KR" altLang="en-US"/>
           </a:p>
@@ -3012,7 +3182,7 @@
           <a:p>
             <a:fld id="{A672FB3A-7E9E-4380-9381-6FCA87FBB41A}" type="datetime1">
               <a:rPr lang="ko-KR" altLang="en-US" smtClean="0"/>
-              <a:t>2020-08-20</a:t>
+              <a:t>2020-08-23</a:t>
             </a:fld>
             <a:endParaRPr lang="ko-KR" altLang="en-US"/>
           </a:p>
@@ -3264,7 +3434,7 @@
           <a:p>
             <a:fld id="{3948CCBA-1514-4E9E-888A-807450F810B0}" type="datetime1">
               <a:rPr lang="ko-KR" altLang="en-US" smtClean="0"/>
-              <a:t>2020-08-20</a:t>
+              <a:t>2020-08-23</a:t>
             </a:fld>
             <a:endParaRPr lang="ko-KR" altLang="en-US"/>
           </a:p>
@@ -3477,7 +3647,7 @@
           <a:p>
             <a:fld id="{170EDEE7-370E-499F-B978-ABF387098974}" type="datetime1">
               <a:rPr lang="ko-KR" altLang="en-US" smtClean="0"/>
-              <a:t>2020-08-20</a:t>
+              <a:t>2020-08-23</a:t>
             </a:fld>
             <a:endParaRPr lang="ko-KR" altLang="en-US" dirty="0"/>
           </a:p>
@@ -4864,6 +5034,918 @@
     <p:extLst>
       <p:ext uri="{BB962C8B-B14F-4D97-AF65-F5344CB8AC3E}">
         <p14:creationId xmlns:p14="http://schemas.microsoft.com/office/powerpoint/2010/main" val="1767787524"/>
+      </p:ext>
+    </p:extLst>
+  </p:cSld>
+  <p:clrMapOvr>
+    <a:masterClrMapping/>
+  </p:clrMapOvr>
+</p:sld>
+</file>
+
+<file path=ppt/slides/slide3.xml><?xml version="1.0" encoding="utf-8"?>
+<p:sld xmlns:a="http://schemas.openxmlformats.org/drawingml/2006/main" xmlns:r="http://schemas.openxmlformats.org/officeDocument/2006/relationships" xmlns:p="http://schemas.openxmlformats.org/presentationml/2006/main">
+  <p:cSld>
+    <p:bg>
+      <p:bgPr>
+        <a:solidFill>
+          <a:schemeClr val="bg1">
+            <a:lumMod val="65000"/>
+          </a:schemeClr>
+        </a:solidFill>
+        <a:effectLst/>
+      </p:bgPr>
+    </p:bg>
+    <p:spTree>
+      <p:nvGrpSpPr>
+        <p:cNvPr id="1" name=""/>
+        <p:cNvGrpSpPr/>
+        <p:nvPr/>
+      </p:nvGrpSpPr>
+      <p:grpSpPr>
+        <a:xfrm>
+          <a:off x="0" y="0"/>
+          <a:ext cx="0" cy="0"/>
+          <a:chOff x="0" y="0"/>
+          <a:chExt cx="0" cy="0"/>
+        </a:xfrm>
+      </p:grpSpPr>
+      <p:sp>
+        <p:nvSpPr>
+          <p:cNvPr id="4" name="슬라이드 번호 개체 틀 3"/>
+          <p:cNvSpPr>
+            <a:spLocks noGrp="1"/>
+          </p:cNvSpPr>
+          <p:nvPr>
+            <p:ph type="sldNum" sz="quarter" idx="12"/>
+          </p:nvPr>
+        </p:nvSpPr>
+        <p:spPr/>
+        <p:txBody>
+          <a:bodyPr/>
+          <a:lstStyle/>
+          <a:p>
+            <a:fld id="{6DDAE2C3-1A0B-474A-8CE8-AE55B8D9D4B1}" type="slidenum">
+              <a:rPr lang="ko-KR" altLang="en-US" smtClean="0"/>
+              <a:pPr/>
+              <a:t>3</a:t>
+            </a:fld>
+            <a:endParaRPr lang="ko-KR" altLang="en-US" dirty="0"/>
+          </a:p>
+        </p:txBody>
+      </p:sp>
+      <p:sp>
+        <p:nvSpPr>
+          <p:cNvPr id="11" name="TextBox 10"/>
+          <p:cNvSpPr txBox="1"/>
+          <p:nvPr/>
+        </p:nvSpPr>
+        <p:spPr>
+          <a:xfrm>
+            <a:off x="542135" y="855851"/>
+            <a:ext cx="11298630" cy="1107996"/>
+          </a:xfrm>
+          <a:prstGeom prst="rect">
+            <a:avLst/>
+          </a:prstGeom>
+          <a:noFill/>
+        </p:spPr>
+        <p:txBody>
+          <a:bodyPr wrap="square" lIns="0" tIns="0" rIns="0" bIns="0" rtlCol="0" anchor="t">
+            <a:spAutoFit/>
+          </a:bodyPr>
+          <a:lstStyle/>
+          <a:p>
+            <a:r>
+              <a:rPr lang="en-US" altLang="ko-KR" sz="2400" b="1" i="0" dirty="0">
+                <a:solidFill>
+                  <a:schemeClr val="bg1"/>
+                </a:solidFill>
+                <a:effectLst/>
+                <a:latin typeface="Arial" panose="020B0604020202020204" pitchFamily="34" charset="0"/>
+                <a:cs typeface="Arial" panose="020B0604020202020204" pitchFamily="34" charset="0"/>
+              </a:rPr>
+              <a:t>Chapter 01. </a:t>
+            </a:r>
+            <a:r>
+              <a:rPr lang="ko-KR" altLang="en-US" sz="2400" b="1" i="0" dirty="0">
+                <a:solidFill>
+                  <a:schemeClr val="bg1"/>
+                </a:solidFill>
+                <a:effectLst/>
+                <a:latin typeface="Arial" panose="020B0604020202020204" pitchFamily="34" charset="0"/>
+                <a:cs typeface="Arial" panose="020B0604020202020204" pitchFamily="34" charset="0"/>
+              </a:rPr>
+              <a:t>데이터분석 준비하기</a:t>
+            </a:r>
+            <a:endParaRPr lang="en-US" altLang="ko-KR" sz="2400" b="1" i="0" dirty="0">
+              <a:solidFill>
+                <a:schemeClr val="bg1"/>
+              </a:solidFill>
+              <a:effectLst/>
+              <a:latin typeface="Arial" panose="020B0604020202020204" pitchFamily="34" charset="0"/>
+              <a:cs typeface="Arial" panose="020B0604020202020204" pitchFamily="34" charset="0"/>
+            </a:endParaRPr>
+          </a:p>
+          <a:p>
+            <a:endParaRPr lang="en-US" altLang="ko-KR" sz="2400" b="1" i="0" dirty="0">
+              <a:solidFill>
+                <a:schemeClr val="bg1"/>
+              </a:solidFill>
+              <a:effectLst/>
+              <a:latin typeface="Arial" panose="020B0604020202020204" pitchFamily="34" charset="0"/>
+              <a:cs typeface="Arial" panose="020B0604020202020204" pitchFamily="34" charset="0"/>
+            </a:endParaRPr>
+          </a:p>
+          <a:p>
+            <a:r>
+              <a:rPr lang="en-US" altLang="ko-KR" sz="2400" b="1" i="0" dirty="0">
+                <a:solidFill>
+                  <a:schemeClr val="bg1"/>
+                </a:solidFill>
+                <a:effectLst/>
+                <a:latin typeface="Arial" panose="020B0604020202020204" pitchFamily="34" charset="0"/>
+                <a:cs typeface="Arial" panose="020B0604020202020204" pitchFamily="34" charset="0"/>
+              </a:rPr>
+              <a:t>: </a:t>
+            </a:r>
+            <a:r>
+              <a:rPr lang="ko-KR" altLang="en-US" sz="2400" b="1" i="0" dirty="0">
+                <a:solidFill>
+                  <a:schemeClr val="bg1"/>
+                </a:solidFill>
+                <a:effectLst/>
+                <a:latin typeface="Arial" panose="020B0604020202020204" pitchFamily="34" charset="0"/>
+                <a:cs typeface="Arial" panose="020B0604020202020204" pitchFamily="34" charset="0"/>
+              </a:rPr>
+              <a:t>분석싸이클</a:t>
+            </a:r>
+            <a:r>
+              <a:rPr lang="en-US" altLang="ko-KR" sz="2400" b="1" i="0" dirty="0">
+                <a:solidFill>
+                  <a:schemeClr val="bg1"/>
+                </a:solidFill>
+                <a:effectLst/>
+                <a:latin typeface="Arial" panose="020B0604020202020204" pitchFamily="34" charset="0"/>
+                <a:cs typeface="Arial" panose="020B0604020202020204" pitchFamily="34" charset="0"/>
+              </a:rPr>
+              <a:t>/</a:t>
+            </a:r>
+            <a:r>
+              <a:rPr lang="ko-KR" altLang="en-US" sz="2400" b="1" i="0" dirty="0">
+                <a:solidFill>
+                  <a:schemeClr val="bg1"/>
+                </a:solidFill>
+                <a:effectLst/>
+                <a:latin typeface="Arial" panose="020B0604020202020204" pitchFamily="34" charset="0"/>
+                <a:cs typeface="Arial" panose="020B0604020202020204" pitchFamily="34" charset="0"/>
+              </a:rPr>
+              <a:t>용어</a:t>
+            </a:r>
+            <a:r>
+              <a:rPr lang="en-US" altLang="ko-KR" sz="2400" b="1" i="0" dirty="0">
+                <a:solidFill>
+                  <a:schemeClr val="bg1"/>
+                </a:solidFill>
+                <a:effectLst/>
+                <a:latin typeface="Arial" panose="020B0604020202020204" pitchFamily="34" charset="0"/>
+                <a:cs typeface="Arial" panose="020B0604020202020204" pitchFamily="34" charset="0"/>
+              </a:rPr>
+              <a:t>/</a:t>
+            </a:r>
+            <a:r>
+              <a:rPr lang="ko-KR" altLang="en-US" sz="2400" b="1" i="0" dirty="0">
+                <a:solidFill>
+                  <a:schemeClr val="bg1"/>
+                </a:solidFill>
+                <a:effectLst/>
+                <a:latin typeface="Arial" panose="020B0604020202020204" pitchFamily="34" charset="0"/>
+                <a:cs typeface="Arial" panose="020B0604020202020204" pitchFamily="34" charset="0"/>
+              </a:rPr>
+              <a:t>결과해석 </a:t>
+            </a:r>
+            <a:r>
+              <a:rPr lang="en-US" altLang="ko-KR" sz="2400" b="1" i="0" dirty="0">
+                <a:solidFill>
+                  <a:schemeClr val="bg1"/>
+                </a:solidFill>
+                <a:effectLst/>
+                <a:latin typeface="Arial" panose="020B0604020202020204" pitchFamily="34" charset="0"/>
+                <a:cs typeface="Arial" panose="020B0604020202020204" pitchFamily="34" charset="0"/>
+              </a:rPr>
+              <a:t>- 03. </a:t>
+            </a:r>
+            <a:r>
+              <a:rPr lang="ko-KR" altLang="en-US" sz="2400" b="1" i="0" dirty="0">
+                <a:solidFill>
+                  <a:schemeClr val="bg1"/>
+                </a:solidFill>
+                <a:effectLst/>
+                <a:latin typeface="Arial" panose="020B0604020202020204" pitchFamily="34" charset="0"/>
+                <a:cs typeface="Arial" panose="020B0604020202020204" pitchFamily="34" charset="0"/>
+              </a:rPr>
+              <a:t>시계열 알고리즘 결과를 해석하기</a:t>
+            </a:r>
+            <a:endParaRPr lang="en-US" altLang="ko-KR" sz="2400" b="1" dirty="0">
+              <a:solidFill>
+                <a:schemeClr val="bg1"/>
+              </a:solidFill>
+              <a:latin typeface="Arial" panose="020B0604020202020204" pitchFamily="34" charset="0"/>
+              <a:ea typeface="Noto Sans CJK KR Black" panose="020B0A00000000000000" pitchFamily="34" charset="-127"/>
+              <a:cs typeface="Arial" panose="020B0604020202020204" pitchFamily="34" charset="0"/>
+            </a:endParaRPr>
+          </a:p>
+        </p:txBody>
+      </p:sp>
+      <p:sp>
+        <p:nvSpPr>
+          <p:cNvPr id="12" name="TextBox 11"/>
+          <p:cNvSpPr txBox="1"/>
+          <p:nvPr/>
+        </p:nvSpPr>
+        <p:spPr>
+          <a:xfrm>
+            <a:off x="4783981" y="611957"/>
+            <a:ext cx="7056784" cy="216726"/>
+          </a:xfrm>
+          <a:prstGeom prst="rect">
+            <a:avLst/>
+          </a:prstGeom>
+          <a:noFill/>
+        </p:spPr>
+        <p:txBody>
+          <a:bodyPr wrap="square" lIns="0" tIns="0" rIns="0" bIns="0" rtlCol="0" anchor="t">
+            <a:spAutoFit/>
+          </a:bodyPr>
+          <a:lstStyle/>
+          <a:p>
+            <a:pPr>
+              <a:lnSpc>
+                <a:spcPct val="150000"/>
+              </a:lnSpc>
+            </a:pPr>
+            <a:endParaRPr lang="en-US" altLang="ko-KR" sz="1050" dirty="0">
+              <a:solidFill>
+                <a:schemeClr val="bg1"/>
+              </a:solidFill>
+              <a:latin typeface="Noto Sans CJK KR Medium" panose="020B0600000000000000" pitchFamily="34" charset="-127"/>
+              <a:ea typeface="Noto Sans CJK KR Medium" panose="020B0600000000000000" pitchFamily="34" charset="-127"/>
+            </a:endParaRPr>
+          </a:p>
+        </p:txBody>
+      </p:sp>
+      <p:sp>
+        <p:nvSpPr>
+          <p:cNvPr id="6" name="TextBox 5">
+            <a:extLst>
+              <a:ext uri="{FF2B5EF4-FFF2-40B4-BE49-F238E27FC236}">
+                <a16:creationId xmlns:a16="http://schemas.microsoft.com/office/drawing/2014/main" id="{161CCAE4-E01F-4257-AFB1-00679BC318D7}"/>
+              </a:ext>
+            </a:extLst>
+          </p:cNvPr>
+          <p:cNvSpPr txBox="1"/>
+          <p:nvPr/>
+        </p:nvSpPr>
+        <p:spPr>
+          <a:xfrm>
+            <a:off x="2258841" y="2844205"/>
+            <a:ext cx="7865218" cy="2954655"/>
+          </a:xfrm>
+          <a:prstGeom prst="rect">
+            <a:avLst/>
+          </a:prstGeom>
+          <a:noFill/>
+        </p:spPr>
+        <p:txBody>
+          <a:bodyPr wrap="square" lIns="0" tIns="0" rIns="0" bIns="0" rtlCol="0" anchor="t">
+            <a:spAutoFit/>
+          </a:bodyPr>
+          <a:lstStyle/>
+          <a:p>
+            <a:pPr marL="342900" indent="-342900">
+              <a:buFont typeface="Wingdings" panose="05000000000000000000" pitchFamily="2" charset="2"/>
+              <a:buChar char="l"/>
+            </a:pPr>
+            <a:r>
+              <a:rPr lang="ko-KR" altLang="en-US" sz="2400" dirty="0">
+                <a:solidFill>
+                  <a:schemeClr val="bg1"/>
+                </a:solidFill>
+                <a:latin typeface="Noto Sans CJK KR Black" panose="020B0A00000000000000" pitchFamily="34" charset="-127"/>
+                <a:ea typeface="Noto Sans CJK KR Black" panose="020B0A00000000000000" pitchFamily="34" charset="-127"/>
+              </a:rPr>
+              <a:t>지난시간 내용정리</a:t>
+            </a:r>
+            <a:endParaRPr lang="en-US" altLang="ko-KR" sz="2400" dirty="0">
+              <a:solidFill>
+                <a:schemeClr val="bg1"/>
+              </a:solidFill>
+              <a:latin typeface="Noto Sans CJK KR Black" panose="020B0A00000000000000" pitchFamily="34" charset="-127"/>
+              <a:ea typeface="Noto Sans CJK KR Black" panose="020B0A00000000000000" pitchFamily="34" charset="-127"/>
+            </a:endParaRPr>
+          </a:p>
+          <a:p>
+            <a:pPr marL="896798" lvl="1" indent="-342900">
+              <a:buFont typeface="Wingdings" panose="05000000000000000000" pitchFamily="2" charset="2"/>
+              <a:buChar char="ü"/>
+            </a:pPr>
+            <a:r>
+              <a:rPr lang="ko-KR" altLang="en-US" sz="2000" dirty="0">
+                <a:solidFill>
+                  <a:schemeClr val="bg1"/>
+                </a:solidFill>
+                <a:latin typeface="Noto Sans CJK KR Black" panose="020B0A00000000000000" pitchFamily="34" charset="-127"/>
+                <a:ea typeface="Noto Sans CJK KR Black" panose="020B0A00000000000000" pitchFamily="34" charset="-127"/>
+              </a:rPr>
+              <a:t>데이터 종류</a:t>
+            </a:r>
+            <a:endParaRPr lang="en-US" altLang="ko-KR" sz="2000" dirty="0">
+              <a:solidFill>
+                <a:schemeClr val="bg1"/>
+              </a:solidFill>
+              <a:latin typeface="Noto Sans CJK KR Black" panose="020B0A00000000000000" pitchFamily="34" charset="-127"/>
+              <a:ea typeface="Noto Sans CJK KR Black" panose="020B0A00000000000000" pitchFamily="34" charset="-127"/>
+            </a:endParaRPr>
+          </a:p>
+          <a:p>
+            <a:pPr marL="896798" lvl="1" indent="-342900">
+              <a:buFont typeface="Wingdings" panose="05000000000000000000" pitchFamily="2" charset="2"/>
+              <a:buChar char="ü"/>
+            </a:pPr>
+            <a:r>
+              <a:rPr lang="ko-KR" altLang="en-US" sz="2000" dirty="0">
+                <a:solidFill>
+                  <a:schemeClr val="bg1"/>
+                </a:solidFill>
+                <a:latin typeface="Noto Sans CJK KR Black" panose="020B0A00000000000000" pitchFamily="34" charset="-127"/>
+                <a:ea typeface="Noto Sans CJK KR Black" panose="020B0A00000000000000" pitchFamily="34" charset="-127"/>
+              </a:rPr>
+              <a:t>필수적인 통계량</a:t>
+            </a:r>
+            <a:endParaRPr lang="en-US" altLang="ko-KR" sz="2000" dirty="0">
+              <a:solidFill>
+                <a:schemeClr val="bg1"/>
+              </a:solidFill>
+              <a:latin typeface="Noto Sans CJK KR Black" panose="020B0A00000000000000" pitchFamily="34" charset="-127"/>
+              <a:ea typeface="Noto Sans CJK KR Black" panose="020B0A00000000000000" pitchFamily="34" charset="-127"/>
+            </a:endParaRPr>
+          </a:p>
+          <a:p>
+            <a:pPr marL="896798" lvl="1" indent="-342900">
+              <a:buFont typeface="Wingdings" panose="05000000000000000000" pitchFamily="2" charset="2"/>
+              <a:buChar char="ü"/>
+            </a:pPr>
+            <a:r>
+              <a:rPr lang="ko-KR" altLang="en-US" sz="2000" dirty="0">
+                <a:solidFill>
+                  <a:schemeClr val="bg1"/>
+                </a:solidFill>
+                <a:latin typeface="Noto Sans CJK KR Black" panose="020B0A00000000000000" pitchFamily="34" charset="-127"/>
+                <a:ea typeface="Noto Sans CJK KR Black" panose="020B0A00000000000000" pitchFamily="34" charset="-127"/>
+              </a:rPr>
+              <a:t>데이터의 함정</a:t>
+            </a:r>
+            <a:endParaRPr lang="en-US" altLang="ko-KR" sz="2000" dirty="0">
+              <a:solidFill>
+                <a:schemeClr val="bg1"/>
+              </a:solidFill>
+              <a:latin typeface="Noto Sans CJK KR Black" panose="020B0A00000000000000" pitchFamily="34" charset="-127"/>
+              <a:ea typeface="Noto Sans CJK KR Black" panose="020B0A00000000000000" pitchFamily="34" charset="-127"/>
+            </a:endParaRPr>
+          </a:p>
+          <a:p>
+            <a:pPr marL="342900" indent="-342900">
+              <a:buFont typeface="Wingdings" panose="05000000000000000000" pitchFamily="2" charset="2"/>
+              <a:buChar char="l"/>
+            </a:pPr>
+            <a:endParaRPr lang="en-US" altLang="ko-KR" sz="2400" dirty="0">
+              <a:solidFill>
+                <a:schemeClr val="bg1"/>
+              </a:solidFill>
+              <a:latin typeface="Noto Sans CJK KR Black" panose="020B0A00000000000000" pitchFamily="34" charset="-127"/>
+              <a:ea typeface="Noto Sans CJK KR Black" panose="020B0A00000000000000" pitchFamily="34" charset="-127"/>
+            </a:endParaRPr>
+          </a:p>
+          <a:p>
+            <a:pPr marL="342900" indent="-342900">
+              <a:buFont typeface="Wingdings" panose="05000000000000000000" pitchFamily="2" charset="2"/>
+              <a:buChar char="l"/>
+            </a:pPr>
+            <a:r>
+              <a:rPr lang="ko-KR" altLang="en-US" sz="2400" dirty="0">
+                <a:solidFill>
+                  <a:schemeClr val="bg1"/>
+                </a:solidFill>
+                <a:latin typeface="Noto Sans CJK KR Black" panose="020B0A00000000000000" pitchFamily="34" charset="-127"/>
+                <a:ea typeface="Noto Sans CJK KR Black" panose="020B0A00000000000000" pitchFamily="34" charset="-127"/>
+              </a:rPr>
+              <a:t>이번시간 목표</a:t>
+            </a:r>
+            <a:endParaRPr lang="en-US" altLang="ko-KR" sz="2400" dirty="0">
+              <a:solidFill>
+                <a:schemeClr val="bg1"/>
+              </a:solidFill>
+              <a:latin typeface="Noto Sans CJK KR Black" panose="020B0A00000000000000" pitchFamily="34" charset="-127"/>
+              <a:ea typeface="Noto Sans CJK KR Black" panose="020B0A00000000000000" pitchFamily="34" charset="-127"/>
+            </a:endParaRPr>
+          </a:p>
+          <a:p>
+            <a:pPr marL="896798" lvl="1" indent="-342900">
+              <a:buFont typeface="Wingdings" panose="05000000000000000000" pitchFamily="2" charset="2"/>
+              <a:buChar char="ü"/>
+            </a:pPr>
+            <a:r>
+              <a:rPr lang="ko-KR" altLang="en-US" sz="2000" dirty="0">
+                <a:solidFill>
+                  <a:schemeClr val="bg1"/>
+                </a:solidFill>
+                <a:latin typeface="Noto Sans CJK KR Black" panose="020B0A00000000000000" pitchFamily="34" charset="-127"/>
+                <a:ea typeface="Noto Sans CJK KR Black" panose="020B0A00000000000000" pitchFamily="34" charset="-127"/>
+              </a:rPr>
+              <a:t>문제를 정의하는 방법</a:t>
+            </a:r>
+            <a:endParaRPr lang="en-US" altLang="ko-KR" sz="2000" dirty="0">
+              <a:solidFill>
+                <a:schemeClr val="bg1"/>
+              </a:solidFill>
+              <a:latin typeface="Noto Sans CJK KR Black" panose="020B0A00000000000000" pitchFamily="34" charset="-127"/>
+              <a:ea typeface="Noto Sans CJK KR Black" panose="020B0A00000000000000" pitchFamily="34" charset="-127"/>
+            </a:endParaRPr>
+          </a:p>
+          <a:p>
+            <a:pPr marL="896798" lvl="1" indent="-342900">
+              <a:buFont typeface="Wingdings" panose="05000000000000000000" pitchFamily="2" charset="2"/>
+              <a:buChar char="ü"/>
+            </a:pPr>
+            <a:r>
+              <a:rPr lang="ko-KR" altLang="en-US" sz="2000" dirty="0">
+                <a:solidFill>
+                  <a:schemeClr val="bg1"/>
+                </a:solidFill>
+                <a:latin typeface="Noto Sans CJK KR Black" panose="020B0A00000000000000" pitchFamily="34" charset="-127"/>
+                <a:ea typeface="Noto Sans CJK KR Black" panose="020B0A00000000000000" pitchFamily="34" charset="-127"/>
+              </a:rPr>
+              <a:t>추정된 결과를 해석하는 방법</a:t>
+            </a:r>
+            <a:endParaRPr lang="en-US" altLang="ko-KR" sz="2000" dirty="0">
+              <a:solidFill>
+                <a:schemeClr val="bg1"/>
+              </a:solidFill>
+              <a:latin typeface="Noto Sans CJK KR Black" panose="020B0A00000000000000" pitchFamily="34" charset="-127"/>
+              <a:ea typeface="Noto Sans CJK KR Black" panose="020B0A00000000000000" pitchFamily="34" charset="-127"/>
+            </a:endParaRPr>
+          </a:p>
+          <a:p>
+            <a:pPr marL="896798" lvl="1" indent="-342900">
+              <a:buFont typeface="Wingdings" panose="05000000000000000000" pitchFamily="2" charset="2"/>
+              <a:buChar char="ü"/>
+            </a:pPr>
+            <a:r>
+              <a:rPr lang="ko-KR" altLang="en-US" sz="2000" dirty="0">
+                <a:solidFill>
+                  <a:schemeClr val="bg1"/>
+                </a:solidFill>
+                <a:latin typeface="Noto Sans CJK KR Black" panose="020B0A00000000000000" pitchFamily="34" charset="-127"/>
+                <a:ea typeface="Noto Sans CJK KR Black" panose="020B0A00000000000000" pitchFamily="34" charset="-127"/>
+              </a:rPr>
+              <a:t>향후 분석에서의 활용 정리</a:t>
+            </a:r>
+            <a:endParaRPr lang="en-US" altLang="ko-KR" sz="2000" dirty="0">
+              <a:solidFill>
+                <a:schemeClr val="bg1"/>
+              </a:solidFill>
+              <a:latin typeface="Noto Sans CJK KR Black" panose="020B0A00000000000000" pitchFamily="34" charset="-127"/>
+              <a:ea typeface="Noto Sans CJK KR Black" panose="020B0A00000000000000" pitchFamily="34" charset="-127"/>
+            </a:endParaRPr>
+          </a:p>
+        </p:txBody>
+      </p:sp>
+    </p:spTree>
+    <p:extLst>
+      <p:ext uri="{BB962C8B-B14F-4D97-AF65-F5344CB8AC3E}">
+        <p14:creationId xmlns:p14="http://schemas.microsoft.com/office/powerpoint/2010/main" val="432829093"/>
+      </p:ext>
+    </p:extLst>
+  </p:cSld>
+  <p:clrMapOvr>
+    <a:masterClrMapping/>
+  </p:clrMapOvr>
+</p:sld>
+</file>
+
+<file path=ppt/slides/slide4.xml><?xml version="1.0" encoding="utf-8"?>
+<p:sld xmlns:a="http://schemas.openxmlformats.org/drawingml/2006/main" xmlns:r="http://schemas.openxmlformats.org/officeDocument/2006/relationships" xmlns:p="http://schemas.openxmlformats.org/presentationml/2006/main">
+  <p:cSld>
+    <p:bg>
+      <p:bgPr>
+        <a:solidFill>
+          <a:schemeClr val="bg1">
+            <a:lumMod val="65000"/>
+          </a:schemeClr>
+        </a:solidFill>
+        <a:effectLst/>
+      </p:bgPr>
+    </p:bg>
+    <p:spTree>
+      <p:nvGrpSpPr>
+        <p:cNvPr id="1" name=""/>
+        <p:cNvGrpSpPr/>
+        <p:nvPr/>
+      </p:nvGrpSpPr>
+      <p:grpSpPr>
+        <a:xfrm>
+          <a:off x="0" y="0"/>
+          <a:ext cx="0" cy="0"/>
+          <a:chOff x="0" y="0"/>
+          <a:chExt cx="0" cy="0"/>
+        </a:xfrm>
+      </p:grpSpPr>
+      <p:sp>
+        <p:nvSpPr>
+          <p:cNvPr id="4" name="슬라이드 번호 개체 틀 3"/>
+          <p:cNvSpPr>
+            <a:spLocks noGrp="1"/>
+          </p:cNvSpPr>
+          <p:nvPr>
+            <p:ph type="sldNum" sz="quarter" idx="12"/>
+          </p:nvPr>
+        </p:nvSpPr>
+        <p:spPr/>
+        <p:txBody>
+          <a:bodyPr/>
+          <a:lstStyle/>
+          <a:p>
+            <a:fld id="{6DDAE2C3-1A0B-474A-8CE8-AE55B8D9D4B1}" type="slidenum">
+              <a:rPr lang="ko-KR" altLang="en-US" smtClean="0"/>
+              <a:pPr/>
+              <a:t>4</a:t>
+            </a:fld>
+            <a:endParaRPr lang="ko-KR" altLang="en-US" dirty="0"/>
+          </a:p>
+        </p:txBody>
+      </p:sp>
+      <p:sp>
+        <p:nvSpPr>
+          <p:cNvPr id="11" name="TextBox 10"/>
+          <p:cNvSpPr txBox="1"/>
+          <p:nvPr/>
+        </p:nvSpPr>
+        <p:spPr>
+          <a:xfrm>
+            <a:off x="204828" y="854694"/>
+            <a:ext cx="11750594" cy="1107996"/>
+          </a:xfrm>
+          <a:prstGeom prst="rect">
+            <a:avLst/>
+          </a:prstGeom>
+          <a:noFill/>
+        </p:spPr>
+        <p:txBody>
+          <a:bodyPr wrap="square" lIns="0" tIns="0" rIns="0" bIns="0" rtlCol="0" anchor="t">
+            <a:spAutoFit/>
+          </a:bodyPr>
+          <a:lstStyle/>
+          <a:p>
+            <a:r>
+              <a:rPr lang="en-US" altLang="ko-KR" sz="2400" b="1" i="0" dirty="0">
+                <a:solidFill>
+                  <a:schemeClr val="bg1"/>
+                </a:solidFill>
+                <a:effectLst/>
+                <a:latin typeface="Arial" panose="020B0604020202020204" pitchFamily="34" charset="0"/>
+                <a:cs typeface="Arial" panose="020B0604020202020204" pitchFamily="34" charset="0"/>
+              </a:rPr>
+              <a:t>Chapter 02. </a:t>
+            </a:r>
+            <a:r>
+              <a:rPr lang="ko-KR" altLang="en-US" sz="2400" b="1" i="0" dirty="0">
+                <a:solidFill>
+                  <a:schemeClr val="bg1"/>
+                </a:solidFill>
+                <a:effectLst/>
+                <a:latin typeface="Arial" panose="020B0604020202020204" pitchFamily="34" charset="0"/>
+                <a:cs typeface="Arial" panose="020B0604020202020204" pitchFamily="34" charset="0"/>
+              </a:rPr>
+              <a:t>데이터분석 준비하기</a:t>
+            </a:r>
+            <a:endParaRPr lang="en-US" altLang="ko-KR" sz="2400" b="1" i="0" dirty="0">
+              <a:solidFill>
+                <a:schemeClr val="bg1"/>
+              </a:solidFill>
+              <a:effectLst/>
+              <a:latin typeface="Arial" panose="020B0604020202020204" pitchFamily="34" charset="0"/>
+              <a:cs typeface="Arial" panose="020B0604020202020204" pitchFamily="34" charset="0"/>
+            </a:endParaRPr>
+          </a:p>
+          <a:p>
+            <a:endParaRPr lang="en-US" altLang="ko-KR" sz="2400" b="1" dirty="0">
+              <a:solidFill>
+                <a:schemeClr val="bg1"/>
+              </a:solidFill>
+              <a:latin typeface="Arial" panose="020B0604020202020204" pitchFamily="34" charset="0"/>
+              <a:cs typeface="Arial" panose="020B0604020202020204" pitchFamily="34" charset="0"/>
+            </a:endParaRPr>
+          </a:p>
+          <a:p>
+            <a:r>
+              <a:rPr lang="en-US" altLang="ko-KR" sz="2400" b="1" i="0" dirty="0">
+                <a:solidFill>
+                  <a:schemeClr val="bg1"/>
+                </a:solidFill>
+                <a:effectLst/>
+                <a:latin typeface="Arial" panose="020B0604020202020204" pitchFamily="34" charset="0"/>
+                <a:cs typeface="Arial" panose="020B0604020202020204" pitchFamily="34" charset="0"/>
+              </a:rPr>
+              <a:t>: </a:t>
+            </a:r>
+            <a:r>
+              <a:rPr lang="ko-KR" altLang="en-US" sz="2400" b="1" i="0" dirty="0">
+                <a:solidFill>
+                  <a:schemeClr val="bg1"/>
+                </a:solidFill>
+                <a:effectLst/>
+                <a:latin typeface="Arial" panose="020B0604020202020204" pitchFamily="34" charset="0"/>
+                <a:cs typeface="Arial" panose="020B0604020202020204" pitchFamily="34" charset="0"/>
+              </a:rPr>
+              <a:t>시계열 분석 알고리즘 이해 </a:t>
+            </a:r>
+            <a:r>
+              <a:rPr lang="en-US" altLang="ko-KR" sz="2400" b="1" i="0" dirty="0">
+                <a:solidFill>
+                  <a:schemeClr val="bg1"/>
+                </a:solidFill>
+                <a:effectLst/>
+                <a:latin typeface="Arial" panose="020B0604020202020204" pitchFamily="34" charset="0"/>
+                <a:cs typeface="Arial" panose="020B0604020202020204" pitchFamily="34" charset="0"/>
+              </a:rPr>
+              <a:t>- 01. </a:t>
+            </a:r>
+            <a:r>
+              <a:rPr lang="ko-KR" altLang="en-US" sz="2400" b="1" i="0" dirty="0">
+                <a:solidFill>
+                  <a:schemeClr val="bg1"/>
+                </a:solidFill>
+                <a:effectLst/>
+                <a:latin typeface="Arial" panose="020B0604020202020204" pitchFamily="34" charset="0"/>
+                <a:cs typeface="Arial" panose="020B0604020202020204" pitchFamily="34" charset="0"/>
+              </a:rPr>
+              <a:t>알고리즘을 준비하는 방법과 시계열 알고리즘의 역할</a:t>
+            </a:r>
+            <a:endParaRPr lang="en-US" altLang="ko-KR" sz="2400" b="1" dirty="0">
+              <a:solidFill>
+                <a:schemeClr val="bg1"/>
+              </a:solidFill>
+              <a:latin typeface="Arial" panose="020B0604020202020204" pitchFamily="34" charset="0"/>
+              <a:ea typeface="Noto Sans CJK KR Black" panose="020B0A00000000000000" pitchFamily="34" charset="-127"/>
+              <a:cs typeface="Arial" panose="020B0604020202020204" pitchFamily="34" charset="0"/>
+            </a:endParaRPr>
+          </a:p>
+        </p:txBody>
+      </p:sp>
+      <p:sp>
+        <p:nvSpPr>
+          <p:cNvPr id="12" name="TextBox 11"/>
+          <p:cNvSpPr txBox="1"/>
+          <p:nvPr/>
+        </p:nvSpPr>
+        <p:spPr>
+          <a:xfrm>
+            <a:off x="4783981" y="611957"/>
+            <a:ext cx="7056784" cy="216726"/>
+          </a:xfrm>
+          <a:prstGeom prst="rect">
+            <a:avLst/>
+          </a:prstGeom>
+          <a:noFill/>
+        </p:spPr>
+        <p:txBody>
+          <a:bodyPr wrap="square" lIns="0" tIns="0" rIns="0" bIns="0" rtlCol="0" anchor="t">
+            <a:spAutoFit/>
+          </a:bodyPr>
+          <a:lstStyle/>
+          <a:p>
+            <a:pPr>
+              <a:lnSpc>
+                <a:spcPct val="150000"/>
+              </a:lnSpc>
+            </a:pPr>
+            <a:endParaRPr lang="en-US" altLang="ko-KR" sz="1050" dirty="0">
+              <a:solidFill>
+                <a:schemeClr val="bg1"/>
+              </a:solidFill>
+              <a:latin typeface="Noto Sans CJK KR Medium" panose="020B0600000000000000" pitchFamily="34" charset="-127"/>
+              <a:ea typeface="Noto Sans CJK KR Medium" panose="020B0600000000000000" pitchFamily="34" charset="-127"/>
+            </a:endParaRPr>
+          </a:p>
+        </p:txBody>
+      </p:sp>
+      <p:sp>
+        <p:nvSpPr>
+          <p:cNvPr id="6" name="TextBox 5">
+            <a:extLst>
+              <a:ext uri="{FF2B5EF4-FFF2-40B4-BE49-F238E27FC236}">
+                <a16:creationId xmlns:a16="http://schemas.microsoft.com/office/drawing/2014/main" id="{161CCAE4-E01F-4257-AFB1-00679BC318D7}"/>
+              </a:ext>
+            </a:extLst>
+          </p:cNvPr>
+          <p:cNvSpPr txBox="1"/>
+          <p:nvPr/>
+        </p:nvSpPr>
+        <p:spPr>
+          <a:xfrm>
+            <a:off x="2258841" y="2844205"/>
+            <a:ext cx="7865218" cy="2646878"/>
+          </a:xfrm>
+          <a:prstGeom prst="rect">
+            <a:avLst/>
+          </a:prstGeom>
+          <a:noFill/>
+        </p:spPr>
+        <p:txBody>
+          <a:bodyPr wrap="square" lIns="0" tIns="0" rIns="0" bIns="0" rtlCol="0" anchor="t">
+            <a:spAutoFit/>
+          </a:bodyPr>
+          <a:lstStyle/>
+          <a:p>
+            <a:pPr marL="342900" indent="-342900">
+              <a:buFont typeface="Wingdings" panose="05000000000000000000" pitchFamily="2" charset="2"/>
+              <a:buChar char="l"/>
+            </a:pPr>
+            <a:r>
+              <a:rPr lang="ko-KR" altLang="en-US" sz="2400" dirty="0">
+                <a:solidFill>
+                  <a:schemeClr val="bg1"/>
+                </a:solidFill>
+                <a:latin typeface="Noto Sans CJK KR Black" panose="020B0A00000000000000" pitchFamily="34" charset="-127"/>
+                <a:ea typeface="Noto Sans CJK KR Black" panose="020B0A00000000000000" pitchFamily="34" charset="-127"/>
+              </a:rPr>
+              <a:t>지난시간 내용정리</a:t>
+            </a:r>
+            <a:endParaRPr lang="en-US" altLang="ko-KR" sz="2400" dirty="0">
+              <a:solidFill>
+                <a:schemeClr val="bg1"/>
+              </a:solidFill>
+              <a:latin typeface="Noto Sans CJK KR Black" panose="020B0A00000000000000" pitchFamily="34" charset="-127"/>
+              <a:ea typeface="Noto Sans CJK KR Black" panose="020B0A00000000000000" pitchFamily="34" charset="-127"/>
+            </a:endParaRPr>
+          </a:p>
+          <a:p>
+            <a:pPr marL="896798" lvl="1" indent="-342900">
+              <a:buFont typeface="Wingdings" panose="05000000000000000000" pitchFamily="2" charset="2"/>
+              <a:buChar char="ü"/>
+            </a:pPr>
+            <a:r>
+              <a:rPr lang="ko-KR" altLang="en-US" sz="2000" dirty="0">
+                <a:solidFill>
+                  <a:schemeClr val="bg1"/>
+                </a:solidFill>
+                <a:latin typeface="Noto Sans CJK KR Black" panose="020B0A00000000000000" pitchFamily="34" charset="-127"/>
+                <a:ea typeface="Noto Sans CJK KR Black" panose="020B0A00000000000000" pitchFamily="34" charset="-127"/>
+              </a:rPr>
+              <a:t>문제를 정의하는 방법</a:t>
+            </a:r>
+            <a:endParaRPr lang="en-US" altLang="ko-KR" sz="2000" dirty="0">
+              <a:solidFill>
+                <a:schemeClr val="bg1"/>
+              </a:solidFill>
+              <a:latin typeface="Noto Sans CJK KR Black" panose="020B0A00000000000000" pitchFamily="34" charset="-127"/>
+              <a:ea typeface="Noto Sans CJK KR Black" panose="020B0A00000000000000" pitchFamily="34" charset="-127"/>
+            </a:endParaRPr>
+          </a:p>
+          <a:p>
+            <a:pPr marL="896798" lvl="1" indent="-342900">
+              <a:buFont typeface="Wingdings" panose="05000000000000000000" pitchFamily="2" charset="2"/>
+              <a:buChar char="ü"/>
+            </a:pPr>
+            <a:r>
+              <a:rPr lang="ko-KR" altLang="en-US" sz="2000" dirty="0">
+                <a:solidFill>
+                  <a:schemeClr val="bg1"/>
+                </a:solidFill>
+                <a:latin typeface="Noto Sans CJK KR Black" panose="020B0A00000000000000" pitchFamily="34" charset="-127"/>
+                <a:ea typeface="Noto Sans CJK KR Black" panose="020B0A00000000000000" pitchFamily="34" charset="-127"/>
+              </a:rPr>
+              <a:t>추정된 결과를 해석하는 방법</a:t>
+            </a:r>
+            <a:endParaRPr lang="en-US" altLang="ko-KR" sz="2000" dirty="0">
+              <a:solidFill>
+                <a:schemeClr val="bg1"/>
+              </a:solidFill>
+              <a:latin typeface="Noto Sans CJK KR Black" panose="020B0A00000000000000" pitchFamily="34" charset="-127"/>
+              <a:ea typeface="Noto Sans CJK KR Black" panose="020B0A00000000000000" pitchFamily="34" charset="-127"/>
+            </a:endParaRPr>
+          </a:p>
+          <a:p>
+            <a:pPr marL="896798" lvl="1" indent="-342900">
+              <a:buFont typeface="Wingdings" panose="05000000000000000000" pitchFamily="2" charset="2"/>
+              <a:buChar char="ü"/>
+            </a:pPr>
+            <a:r>
+              <a:rPr lang="ko-KR" altLang="en-US" sz="2000" dirty="0">
+                <a:solidFill>
+                  <a:schemeClr val="bg1"/>
+                </a:solidFill>
+                <a:latin typeface="Noto Sans CJK KR Black" panose="020B0A00000000000000" pitchFamily="34" charset="-127"/>
+                <a:ea typeface="Noto Sans CJK KR Black" panose="020B0A00000000000000" pitchFamily="34" charset="-127"/>
+              </a:rPr>
+              <a:t>향후 분석에서의 활용 정리</a:t>
+            </a:r>
+            <a:endParaRPr lang="en-US" altLang="ko-KR" sz="2000" dirty="0">
+              <a:solidFill>
+                <a:schemeClr val="bg1"/>
+              </a:solidFill>
+              <a:latin typeface="Noto Sans CJK KR Black" panose="020B0A00000000000000" pitchFamily="34" charset="-127"/>
+              <a:ea typeface="Noto Sans CJK KR Black" panose="020B0A00000000000000" pitchFamily="34" charset="-127"/>
+            </a:endParaRPr>
+          </a:p>
+          <a:p>
+            <a:pPr marL="342900" indent="-342900">
+              <a:buFont typeface="Wingdings" panose="05000000000000000000" pitchFamily="2" charset="2"/>
+              <a:buChar char="l"/>
+            </a:pPr>
+            <a:endParaRPr lang="en-US" altLang="ko-KR" sz="2400" dirty="0">
+              <a:solidFill>
+                <a:schemeClr val="bg1"/>
+              </a:solidFill>
+              <a:latin typeface="Noto Sans CJK KR Black" panose="020B0A00000000000000" pitchFamily="34" charset="-127"/>
+              <a:ea typeface="Noto Sans CJK KR Black" panose="020B0A00000000000000" pitchFamily="34" charset="-127"/>
+            </a:endParaRPr>
+          </a:p>
+          <a:p>
+            <a:pPr marL="342900" indent="-342900">
+              <a:buFont typeface="Wingdings" panose="05000000000000000000" pitchFamily="2" charset="2"/>
+              <a:buChar char="l"/>
+            </a:pPr>
+            <a:r>
+              <a:rPr lang="ko-KR" altLang="en-US" sz="2400" dirty="0">
+                <a:solidFill>
+                  <a:schemeClr val="bg1"/>
+                </a:solidFill>
+                <a:latin typeface="Noto Sans CJK KR Black" panose="020B0A00000000000000" pitchFamily="34" charset="-127"/>
+                <a:ea typeface="Noto Sans CJK KR Black" panose="020B0A00000000000000" pitchFamily="34" charset="-127"/>
+              </a:rPr>
+              <a:t>이번시간 목표</a:t>
+            </a:r>
+            <a:endParaRPr lang="en-US" altLang="ko-KR" sz="2400" dirty="0">
+              <a:solidFill>
+                <a:schemeClr val="bg1"/>
+              </a:solidFill>
+              <a:latin typeface="Noto Sans CJK KR Black" panose="020B0A00000000000000" pitchFamily="34" charset="-127"/>
+              <a:ea typeface="Noto Sans CJK KR Black" panose="020B0A00000000000000" pitchFamily="34" charset="-127"/>
+            </a:endParaRPr>
+          </a:p>
+          <a:p>
+            <a:pPr marL="896798" lvl="1" indent="-342900">
+              <a:buFont typeface="Wingdings" panose="05000000000000000000" pitchFamily="2" charset="2"/>
+              <a:buChar char="ü"/>
+            </a:pPr>
+            <a:r>
+              <a:rPr lang="ko-KR" altLang="en-US" sz="2000" dirty="0">
+                <a:solidFill>
+                  <a:schemeClr val="bg1"/>
+                </a:solidFill>
+                <a:latin typeface="Noto Sans CJK KR Black" panose="020B0A00000000000000" pitchFamily="34" charset="-127"/>
+                <a:ea typeface="Noto Sans CJK KR Black" panose="020B0A00000000000000" pitchFamily="34" charset="-127"/>
+              </a:rPr>
+              <a:t>알고리즘을 선택하는 방향</a:t>
+            </a:r>
+            <a:endParaRPr lang="en-US" altLang="ko-KR" sz="2000" dirty="0">
+              <a:solidFill>
+                <a:schemeClr val="bg1"/>
+              </a:solidFill>
+              <a:latin typeface="Noto Sans CJK KR Black" panose="020B0A00000000000000" pitchFamily="34" charset="-127"/>
+              <a:ea typeface="Noto Sans CJK KR Black" panose="020B0A00000000000000" pitchFamily="34" charset="-127"/>
+            </a:endParaRPr>
+          </a:p>
+          <a:p>
+            <a:pPr marL="896798" lvl="1" indent="-342900">
+              <a:buFont typeface="Wingdings" panose="05000000000000000000" pitchFamily="2" charset="2"/>
+              <a:buChar char="ü"/>
+            </a:pPr>
+            <a:r>
+              <a:rPr lang="ko-KR" altLang="en-US" sz="2000" dirty="0">
+                <a:solidFill>
+                  <a:schemeClr val="bg1"/>
+                </a:solidFill>
+                <a:latin typeface="Noto Sans CJK KR Black" panose="020B0A00000000000000" pitchFamily="34" charset="-127"/>
+                <a:ea typeface="Noto Sans CJK KR Black" panose="020B0A00000000000000" pitchFamily="34" charset="-127"/>
+              </a:rPr>
+              <a:t>알고리즘의 종류</a:t>
+            </a:r>
+            <a:endParaRPr lang="en-US" altLang="ko-KR" sz="2000" dirty="0">
+              <a:solidFill>
+                <a:schemeClr val="bg1"/>
+              </a:solidFill>
+              <a:latin typeface="Noto Sans CJK KR Black" panose="020B0A00000000000000" pitchFamily="34" charset="-127"/>
+              <a:ea typeface="Noto Sans CJK KR Black" panose="020B0A00000000000000" pitchFamily="34" charset="-127"/>
+            </a:endParaRPr>
+          </a:p>
+        </p:txBody>
+      </p:sp>
+    </p:spTree>
+    <p:extLst>
+      <p:ext uri="{BB962C8B-B14F-4D97-AF65-F5344CB8AC3E}">
+        <p14:creationId xmlns:p14="http://schemas.microsoft.com/office/powerpoint/2010/main" val="3045296900"/>
       </p:ext>
     </p:extLst>
   </p:cSld>

--- a/[FastCampus] 커리큘럼_김경원박사.pptx
+++ b/[FastCampus] 커리큘럼_김경원박사.pptx
@@ -5,24 +5,31 @@
     <p:sldMasterId id="2147483648" r:id="rId1"/>
   </p:sldMasterIdLst>
   <p:notesMasterIdLst>
-    <p:notesMasterId r:id="rId6"/>
+    <p:notesMasterId r:id="rId13"/>
   </p:notesMasterIdLst>
   <p:handoutMasterIdLst>
-    <p:handoutMasterId r:id="rId7"/>
+    <p:handoutMasterId r:id="rId14"/>
   </p:handoutMasterIdLst>
   <p:sldIdLst>
     <p:sldId id="1066" r:id="rId2"/>
-    <p:sldId id="1067" r:id="rId3"/>
-    <p:sldId id="1068" r:id="rId4"/>
-    <p:sldId id="1069" r:id="rId5"/>
+    <p:sldId id="1072" r:id="rId3"/>
+    <p:sldId id="1067" r:id="rId4"/>
+    <p:sldId id="1068" r:id="rId5"/>
+    <p:sldId id="1069" r:id="rId6"/>
+    <p:sldId id="1070" r:id="rId7"/>
+    <p:sldId id="1071" r:id="rId8"/>
+    <p:sldId id="1073" r:id="rId9"/>
+    <p:sldId id="1074" r:id="rId10"/>
+    <p:sldId id="1075" r:id="rId11"/>
+    <p:sldId id="1076" r:id="rId12"/>
   </p:sldIdLst>
   <p:sldSz cx="12160250" cy="6840538"/>
   <p:notesSz cx="9874250" cy="6797675"/>
   <p:embeddedFontLst>
     <p:embeddedFont>
       <p:font typeface="맑은 고딕" panose="020B0503020000020004" pitchFamily="50" charset="-127"/>
-      <p:regular r:id="rId8"/>
-      <p:bold r:id="rId9"/>
+      <p:regular r:id="rId15"/>
+      <p:bold r:id="rId16"/>
     </p:embeddedFont>
   </p:embeddedFontLst>
   <p:defaultTextStyle>
@@ -751,6 +758,174 @@
 </p:notes>
 </file>
 
+<file path=ppt/notesSlides/notesSlide10.xml><?xml version="1.0" encoding="utf-8"?>
+<p:notes xmlns:a="http://schemas.openxmlformats.org/drawingml/2006/main" xmlns:r="http://schemas.openxmlformats.org/officeDocument/2006/relationships" xmlns:p="http://schemas.openxmlformats.org/presentationml/2006/main">
+  <p:cSld>
+    <p:spTree>
+      <p:nvGrpSpPr>
+        <p:cNvPr id="1" name=""/>
+        <p:cNvGrpSpPr/>
+        <p:nvPr/>
+      </p:nvGrpSpPr>
+      <p:grpSpPr>
+        <a:xfrm>
+          <a:off x="0" y="0"/>
+          <a:ext cx="0" cy="0"/>
+          <a:chOff x="0" y="0"/>
+          <a:chExt cx="0" cy="0"/>
+        </a:xfrm>
+      </p:grpSpPr>
+      <p:sp>
+        <p:nvSpPr>
+          <p:cNvPr id="2" name="슬라이드 이미지 개체 틀 1"/>
+          <p:cNvSpPr>
+            <a:spLocks noGrp="1" noRot="1" noChangeAspect="1"/>
+          </p:cNvSpPr>
+          <p:nvPr>
+            <p:ph type="sldImg"/>
+          </p:nvPr>
+        </p:nvSpPr>
+        <p:spPr/>
+      </p:sp>
+      <p:sp>
+        <p:nvSpPr>
+          <p:cNvPr id="3" name="슬라이드 노트 개체 틀 2"/>
+          <p:cNvSpPr>
+            <a:spLocks noGrp="1"/>
+          </p:cNvSpPr>
+          <p:nvPr>
+            <p:ph type="body" idx="1"/>
+          </p:nvPr>
+        </p:nvSpPr>
+        <p:spPr/>
+        <p:txBody>
+          <a:bodyPr/>
+          <a:lstStyle/>
+          <a:p>
+            <a:endParaRPr lang="ko-KR" altLang="en-US" dirty="0"/>
+          </a:p>
+        </p:txBody>
+      </p:sp>
+      <p:sp>
+        <p:nvSpPr>
+          <p:cNvPr id="4" name="슬라이드 번호 개체 틀 3"/>
+          <p:cNvSpPr>
+            <a:spLocks noGrp="1"/>
+          </p:cNvSpPr>
+          <p:nvPr>
+            <p:ph type="sldNum" sz="quarter" idx="10"/>
+          </p:nvPr>
+        </p:nvSpPr>
+        <p:spPr/>
+        <p:txBody>
+          <a:bodyPr/>
+          <a:lstStyle/>
+          <a:p>
+            <a:fld id="{C191BC67-C438-4515-9D3F-F10D40F1354A}" type="slidenum">
+              <a:rPr lang="ko-KR" altLang="en-US" smtClean="0"/>
+              <a:t>10</a:t>
+            </a:fld>
+            <a:endParaRPr lang="ko-KR" altLang="en-US"/>
+          </a:p>
+        </p:txBody>
+      </p:sp>
+    </p:spTree>
+    <p:extLst>
+      <p:ext uri="{BB962C8B-B14F-4D97-AF65-F5344CB8AC3E}">
+        <p14:creationId xmlns:p14="http://schemas.microsoft.com/office/powerpoint/2010/main" val="4114687204"/>
+      </p:ext>
+    </p:extLst>
+  </p:cSld>
+  <p:clrMapOvr>
+    <a:masterClrMapping/>
+  </p:clrMapOvr>
+</p:notes>
+</file>
+
+<file path=ppt/notesSlides/notesSlide11.xml><?xml version="1.0" encoding="utf-8"?>
+<p:notes xmlns:a="http://schemas.openxmlformats.org/drawingml/2006/main" xmlns:r="http://schemas.openxmlformats.org/officeDocument/2006/relationships" xmlns:p="http://schemas.openxmlformats.org/presentationml/2006/main">
+  <p:cSld>
+    <p:spTree>
+      <p:nvGrpSpPr>
+        <p:cNvPr id="1" name=""/>
+        <p:cNvGrpSpPr/>
+        <p:nvPr/>
+      </p:nvGrpSpPr>
+      <p:grpSpPr>
+        <a:xfrm>
+          <a:off x="0" y="0"/>
+          <a:ext cx="0" cy="0"/>
+          <a:chOff x="0" y="0"/>
+          <a:chExt cx="0" cy="0"/>
+        </a:xfrm>
+      </p:grpSpPr>
+      <p:sp>
+        <p:nvSpPr>
+          <p:cNvPr id="2" name="슬라이드 이미지 개체 틀 1"/>
+          <p:cNvSpPr>
+            <a:spLocks noGrp="1" noRot="1" noChangeAspect="1"/>
+          </p:cNvSpPr>
+          <p:nvPr>
+            <p:ph type="sldImg"/>
+          </p:nvPr>
+        </p:nvSpPr>
+        <p:spPr/>
+      </p:sp>
+      <p:sp>
+        <p:nvSpPr>
+          <p:cNvPr id="3" name="슬라이드 노트 개체 틀 2"/>
+          <p:cNvSpPr>
+            <a:spLocks noGrp="1"/>
+          </p:cNvSpPr>
+          <p:nvPr>
+            <p:ph type="body" idx="1"/>
+          </p:nvPr>
+        </p:nvSpPr>
+        <p:spPr/>
+        <p:txBody>
+          <a:bodyPr/>
+          <a:lstStyle/>
+          <a:p>
+            <a:endParaRPr lang="ko-KR" altLang="en-US" dirty="0"/>
+          </a:p>
+        </p:txBody>
+      </p:sp>
+      <p:sp>
+        <p:nvSpPr>
+          <p:cNvPr id="4" name="슬라이드 번호 개체 틀 3"/>
+          <p:cNvSpPr>
+            <a:spLocks noGrp="1"/>
+          </p:cNvSpPr>
+          <p:nvPr>
+            <p:ph type="sldNum" sz="quarter" idx="10"/>
+          </p:nvPr>
+        </p:nvSpPr>
+        <p:spPr/>
+        <p:txBody>
+          <a:bodyPr/>
+          <a:lstStyle/>
+          <a:p>
+            <a:fld id="{C191BC67-C438-4515-9D3F-F10D40F1354A}" type="slidenum">
+              <a:rPr lang="ko-KR" altLang="en-US" smtClean="0"/>
+              <a:t>11</a:t>
+            </a:fld>
+            <a:endParaRPr lang="ko-KR" altLang="en-US"/>
+          </a:p>
+        </p:txBody>
+      </p:sp>
+    </p:spTree>
+    <p:extLst>
+      <p:ext uri="{BB962C8B-B14F-4D97-AF65-F5344CB8AC3E}">
+        <p14:creationId xmlns:p14="http://schemas.microsoft.com/office/powerpoint/2010/main" val="1075017340"/>
+      </p:ext>
+    </p:extLst>
+  </p:cSld>
+  <p:clrMapOvr>
+    <a:masterClrMapping/>
+  </p:clrMapOvr>
+</p:notes>
+</file>
+
 <file path=ppt/notesSlides/notesSlide2.xml><?xml version="1.0" encoding="utf-8"?>
 <p:notes xmlns:a="http://schemas.openxmlformats.org/drawingml/2006/main" xmlns:r="http://schemas.openxmlformats.org/officeDocument/2006/relationships" xmlns:p="http://schemas.openxmlformats.org/presentationml/2006/main">
   <p:cSld>
@@ -825,7 +1000,7 @@
     </p:spTree>
     <p:extLst>
       <p:ext uri="{BB962C8B-B14F-4D97-AF65-F5344CB8AC3E}">
-        <p14:creationId xmlns:p14="http://schemas.microsoft.com/office/powerpoint/2010/main" val="4252326208"/>
+        <p14:creationId xmlns:p14="http://schemas.microsoft.com/office/powerpoint/2010/main" val="2150978054"/>
       </p:ext>
     </p:extLst>
   </p:cSld>
@@ -909,7 +1084,7 @@
     </p:spTree>
     <p:extLst>
       <p:ext uri="{BB962C8B-B14F-4D97-AF65-F5344CB8AC3E}">
-        <p14:creationId xmlns:p14="http://schemas.microsoft.com/office/powerpoint/2010/main" val="2726265251"/>
+        <p14:creationId xmlns:p14="http://schemas.microsoft.com/office/powerpoint/2010/main" val="4252326208"/>
       </p:ext>
     </p:extLst>
   </p:cSld>
@@ -993,7 +1168,427 @@
     </p:spTree>
     <p:extLst>
       <p:ext uri="{BB962C8B-B14F-4D97-AF65-F5344CB8AC3E}">
+        <p14:creationId xmlns:p14="http://schemas.microsoft.com/office/powerpoint/2010/main" val="2726265251"/>
+      </p:ext>
+    </p:extLst>
+  </p:cSld>
+  <p:clrMapOvr>
+    <a:masterClrMapping/>
+  </p:clrMapOvr>
+</p:notes>
+</file>
+
+<file path=ppt/notesSlides/notesSlide5.xml><?xml version="1.0" encoding="utf-8"?>
+<p:notes xmlns:a="http://schemas.openxmlformats.org/drawingml/2006/main" xmlns:r="http://schemas.openxmlformats.org/officeDocument/2006/relationships" xmlns:p="http://schemas.openxmlformats.org/presentationml/2006/main">
+  <p:cSld>
+    <p:spTree>
+      <p:nvGrpSpPr>
+        <p:cNvPr id="1" name=""/>
+        <p:cNvGrpSpPr/>
+        <p:nvPr/>
+      </p:nvGrpSpPr>
+      <p:grpSpPr>
+        <a:xfrm>
+          <a:off x="0" y="0"/>
+          <a:ext cx="0" cy="0"/>
+          <a:chOff x="0" y="0"/>
+          <a:chExt cx="0" cy="0"/>
+        </a:xfrm>
+      </p:grpSpPr>
+      <p:sp>
+        <p:nvSpPr>
+          <p:cNvPr id="2" name="슬라이드 이미지 개체 틀 1"/>
+          <p:cNvSpPr>
+            <a:spLocks noGrp="1" noRot="1" noChangeAspect="1"/>
+          </p:cNvSpPr>
+          <p:nvPr>
+            <p:ph type="sldImg"/>
+          </p:nvPr>
+        </p:nvSpPr>
+        <p:spPr/>
+      </p:sp>
+      <p:sp>
+        <p:nvSpPr>
+          <p:cNvPr id="3" name="슬라이드 노트 개체 틀 2"/>
+          <p:cNvSpPr>
+            <a:spLocks noGrp="1"/>
+          </p:cNvSpPr>
+          <p:nvPr>
+            <p:ph type="body" idx="1"/>
+          </p:nvPr>
+        </p:nvSpPr>
+        <p:spPr/>
+        <p:txBody>
+          <a:bodyPr/>
+          <a:lstStyle/>
+          <a:p>
+            <a:endParaRPr lang="ko-KR" altLang="en-US" dirty="0"/>
+          </a:p>
+        </p:txBody>
+      </p:sp>
+      <p:sp>
+        <p:nvSpPr>
+          <p:cNvPr id="4" name="슬라이드 번호 개체 틀 3"/>
+          <p:cNvSpPr>
+            <a:spLocks noGrp="1"/>
+          </p:cNvSpPr>
+          <p:nvPr>
+            <p:ph type="sldNum" sz="quarter" idx="10"/>
+          </p:nvPr>
+        </p:nvSpPr>
+        <p:spPr/>
+        <p:txBody>
+          <a:bodyPr/>
+          <a:lstStyle/>
+          <a:p>
+            <a:fld id="{C191BC67-C438-4515-9D3F-F10D40F1354A}" type="slidenum">
+              <a:rPr lang="ko-KR" altLang="en-US" smtClean="0"/>
+              <a:t>5</a:t>
+            </a:fld>
+            <a:endParaRPr lang="ko-KR" altLang="en-US"/>
+          </a:p>
+        </p:txBody>
+      </p:sp>
+    </p:spTree>
+    <p:extLst>
+      <p:ext uri="{BB962C8B-B14F-4D97-AF65-F5344CB8AC3E}">
         <p14:creationId xmlns:p14="http://schemas.microsoft.com/office/powerpoint/2010/main" val="3519760741"/>
+      </p:ext>
+    </p:extLst>
+  </p:cSld>
+  <p:clrMapOvr>
+    <a:masterClrMapping/>
+  </p:clrMapOvr>
+</p:notes>
+</file>
+
+<file path=ppt/notesSlides/notesSlide6.xml><?xml version="1.0" encoding="utf-8"?>
+<p:notes xmlns:a="http://schemas.openxmlformats.org/drawingml/2006/main" xmlns:r="http://schemas.openxmlformats.org/officeDocument/2006/relationships" xmlns:p="http://schemas.openxmlformats.org/presentationml/2006/main">
+  <p:cSld>
+    <p:spTree>
+      <p:nvGrpSpPr>
+        <p:cNvPr id="1" name=""/>
+        <p:cNvGrpSpPr/>
+        <p:nvPr/>
+      </p:nvGrpSpPr>
+      <p:grpSpPr>
+        <a:xfrm>
+          <a:off x="0" y="0"/>
+          <a:ext cx="0" cy="0"/>
+          <a:chOff x="0" y="0"/>
+          <a:chExt cx="0" cy="0"/>
+        </a:xfrm>
+      </p:grpSpPr>
+      <p:sp>
+        <p:nvSpPr>
+          <p:cNvPr id="2" name="슬라이드 이미지 개체 틀 1"/>
+          <p:cNvSpPr>
+            <a:spLocks noGrp="1" noRot="1" noChangeAspect="1"/>
+          </p:cNvSpPr>
+          <p:nvPr>
+            <p:ph type="sldImg"/>
+          </p:nvPr>
+        </p:nvSpPr>
+        <p:spPr/>
+      </p:sp>
+      <p:sp>
+        <p:nvSpPr>
+          <p:cNvPr id="3" name="슬라이드 노트 개체 틀 2"/>
+          <p:cNvSpPr>
+            <a:spLocks noGrp="1"/>
+          </p:cNvSpPr>
+          <p:nvPr>
+            <p:ph type="body" idx="1"/>
+          </p:nvPr>
+        </p:nvSpPr>
+        <p:spPr/>
+        <p:txBody>
+          <a:bodyPr/>
+          <a:lstStyle/>
+          <a:p>
+            <a:endParaRPr lang="ko-KR" altLang="en-US" dirty="0"/>
+          </a:p>
+        </p:txBody>
+      </p:sp>
+      <p:sp>
+        <p:nvSpPr>
+          <p:cNvPr id="4" name="슬라이드 번호 개체 틀 3"/>
+          <p:cNvSpPr>
+            <a:spLocks noGrp="1"/>
+          </p:cNvSpPr>
+          <p:nvPr>
+            <p:ph type="sldNum" sz="quarter" idx="10"/>
+          </p:nvPr>
+        </p:nvSpPr>
+        <p:spPr/>
+        <p:txBody>
+          <a:bodyPr/>
+          <a:lstStyle/>
+          <a:p>
+            <a:fld id="{C191BC67-C438-4515-9D3F-F10D40F1354A}" type="slidenum">
+              <a:rPr lang="ko-KR" altLang="en-US" smtClean="0"/>
+              <a:t>6</a:t>
+            </a:fld>
+            <a:endParaRPr lang="ko-KR" altLang="en-US"/>
+          </a:p>
+        </p:txBody>
+      </p:sp>
+    </p:spTree>
+    <p:extLst>
+      <p:ext uri="{BB962C8B-B14F-4D97-AF65-F5344CB8AC3E}">
+        <p14:creationId xmlns:p14="http://schemas.microsoft.com/office/powerpoint/2010/main" val="3445192066"/>
+      </p:ext>
+    </p:extLst>
+  </p:cSld>
+  <p:clrMapOvr>
+    <a:masterClrMapping/>
+  </p:clrMapOvr>
+</p:notes>
+</file>
+
+<file path=ppt/notesSlides/notesSlide7.xml><?xml version="1.0" encoding="utf-8"?>
+<p:notes xmlns:a="http://schemas.openxmlformats.org/drawingml/2006/main" xmlns:r="http://schemas.openxmlformats.org/officeDocument/2006/relationships" xmlns:p="http://schemas.openxmlformats.org/presentationml/2006/main">
+  <p:cSld>
+    <p:spTree>
+      <p:nvGrpSpPr>
+        <p:cNvPr id="1" name=""/>
+        <p:cNvGrpSpPr/>
+        <p:nvPr/>
+      </p:nvGrpSpPr>
+      <p:grpSpPr>
+        <a:xfrm>
+          <a:off x="0" y="0"/>
+          <a:ext cx="0" cy="0"/>
+          <a:chOff x="0" y="0"/>
+          <a:chExt cx="0" cy="0"/>
+        </a:xfrm>
+      </p:grpSpPr>
+      <p:sp>
+        <p:nvSpPr>
+          <p:cNvPr id="2" name="슬라이드 이미지 개체 틀 1"/>
+          <p:cNvSpPr>
+            <a:spLocks noGrp="1" noRot="1" noChangeAspect="1"/>
+          </p:cNvSpPr>
+          <p:nvPr>
+            <p:ph type="sldImg"/>
+          </p:nvPr>
+        </p:nvSpPr>
+        <p:spPr/>
+      </p:sp>
+      <p:sp>
+        <p:nvSpPr>
+          <p:cNvPr id="3" name="슬라이드 노트 개체 틀 2"/>
+          <p:cNvSpPr>
+            <a:spLocks noGrp="1"/>
+          </p:cNvSpPr>
+          <p:nvPr>
+            <p:ph type="body" idx="1"/>
+          </p:nvPr>
+        </p:nvSpPr>
+        <p:spPr/>
+        <p:txBody>
+          <a:bodyPr/>
+          <a:lstStyle/>
+          <a:p>
+            <a:endParaRPr lang="ko-KR" altLang="en-US" dirty="0"/>
+          </a:p>
+        </p:txBody>
+      </p:sp>
+      <p:sp>
+        <p:nvSpPr>
+          <p:cNvPr id="4" name="슬라이드 번호 개체 틀 3"/>
+          <p:cNvSpPr>
+            <a:spLocks noGrp="1"/>
+          </p:cNvSpPr>
+          <p:nvPr>
+            <p:ph type="sldNum" sz="quarter" idx="10"/>
+          </p:nvPr>
+        </p:nvSpPr>
+        <p:spPr/>
+        <p:txBody>
+          <a:bodyPr/>
+          <a:lstStyle/>
+          <a:p>
+            <a:fld id="{C191BC67-C438-4515-9D3F-F10D40F1354A}" type="slidenum">
+              <a:rPr lang="ko-KR" altLang="en-US" smtClean="0"/>
+              <a:t>7</a:t>
+            </a:fld>
+            <a:endParaRPr lang="ko-KR" altLang="en-US"/>
+          </a:p>
+        </p:txBody>
+      </p:sp>
+    </p:spTree>
+    <p:extLst>
+      <p:ext uri="{BB962C8B-B14F-4D97-AF65-F5344CB8AC3E}">
+        <p14:creationId xmlns:p14="http://schemas.microsoft.com/office/powerpoint/2010/main" val="184069843"/>
+      </p:ext>
+    </p:extLst>
+  </p:cSld>
+  <p:clrMapOvr>
+    <a:masterClrMapping/>
+  </p:clrMapOvr>
+</p:notes>
+</file>
+
+<file path=ppt/notesSlides/notesSlide8.xml><?xml version="1.0" encoding="utf-8"?>
+<p:notes xmlns:a="http://schemas.openxmlformats.org/drawingml/2006/main" xmlns:r="http://schemas.openxmlformats.org/officeDocument/2006/relationships" xmlns:p="http://schemas.openxmlformats.org/presentationml/2006/main">
+  <p:cSld>
+    <p:spTree>
+      <p:nvGrpSpPr>
+        <p:cNvPr id="1" name=""/>
+        <p:cNvGrpSpPr/>
+        <p:nvPr/>
+      </p:nvGrpSpPr>
+      <p:grpSpPr>
+        <a:xfrm>
+          <a:off x="0" y="0"/>
+          <a:ext cx="0" cy="0"/>
+          <a:chOff x="0" y="0"/>
+          <a:chExt cx="0" cy="0"/>
+        </a:xfrm>
+      </p:grpSpPr>
+      <p:sp>
+        <p:nvSpPr>
+          <p:cNvPr id="2" name="슬라이드 이미지 개체 틀 1"/>
+          <p:cNvSpPr>
+            <a:spLocks noGrp="1" noRot="1" noChangeAspect="1"/>
+          </p:cNvSpPr>
+          <p:nvPr>
+            <p:ph type="sldImg"/>
+          </p:nvPr>
+        </p:nvSpPr>
+        <p:spPr/>
+      </p:sp>
+      <p:sp>
+        <p:nvSpPr>
+          <p:cNvPr id="3" name="슬라이드 노트 개체 틀 2"/>
+          <p:cNvSpPr>
+            <a:spLocks noGrp="1"/>
+          </p:cNvSpPr>
+          <p:nvPr>
+            <p:ph type="body" idx="1"/>
+          </p:nvPr>
+        </p:nvSpPr>
+        <p:spPr/>
+        <p:txBody>
+          <a:bodyPr/>
+          <a:lstStyle/>
+          <a:p>
+            <a:endParaRPr lang="ko-KR" altLang="en-US" dirty="0"/>
+          </a:p>
+        </p:txBody>
+      </p:sp>
+      <p:sp>
+        <p:nvSpPr>
+          <p:cNvPr id="4" name="슬라이드 번호 개체 틀 3"/>
+          <p:cNvSpPr>
+            <a:spLocks noGrp="1"/>
+          </p:cNvSpPr>
+          <p:nvPr>
+            <p:ph type="sldNum" sz="quarter" idx="10"/>
+          </p:nvPr>
+        </p:nvSpPr>
+        <p:spPr/>
+        <p:txBody>
+          <a:bodyPr/>
+          <a:lstStyle/>
+          <a:p>
+            <a:fld id="{C191BC67-C438-4515-9D3F-F10D40F1354A}" type="slidenum">
+              <a:rPr lang="ko-KR" altLang="en-US" smtClean="0"/>
+              <a:t>8</a:t>
+            </a:fld>
+            <a:endParaRPr lang="ko-KR" altLang="en-US"/>
+          </a:p>
+        </p:txBody>
+      </p:sp>
+    </p:spTree>
+    <p:extLst>
+      <p:ext uri="{BB962C8B-B14F-4D97-AF65-F5344CB8AC3E}">
+        <p14:creationId xmlns:p14="http://schemas.microsoft.com/office/powerpoint/2010/main" val="1911763749"/>
+      </p:ext>
+    </p:extLst>
+  </p:cSld>
+  <p:clrMapOvr>
+    <a:masterClrMapping/>
+  </p:clrMapOvr>
+</p:notes>
+</file>
+
+<file path=ppt/notesSlides/notesSlide9.xml><?xml version="1.0" encoding="utf-8"?>
+<p:notes xmlns:a="http://schemas.openxmlformats.org/drawingml/2006/main" xmlns:r="http://schemas.openxmlformats.org/officeDocument/2006/relationships" xmlns:p="http://schemas.openxmlformats.org/presentationml/2006/main">
+  <p:cSld>
+    <p:spTree>
+      <p:nvGrpSpPr>
+        <p:cNvPr id="1" name=""/>
+        <p:cNvGrpSpPr/>
+        <p:nvPr/>
+      </p:nvGrpSpPr>
+      <p:grpSpPr>
+        <a:xfrm>
+          <a:off x="0" y="0"/>
+          <a:ext cx="0" cy="0"/>
+          <a:chOff x="0" y="0"/>
+          <a:chExt cx="0" cy="0"/>
+        </a:xfrm>
+      </p:grpSpPr>
+      <p:sp>
+        <p:nvSpPr>
+          <p:cNvPr id="2" name="슬라이드 이미지 개체 틀 1"/>
+          <p:cNvSpPr>
+            <a:spLocks noGrp="1" noRot="1" noChangeAspect="1"/>
+          </p:cNvSpPr>
+          <p:nvPr>
+            <p:ph type="sldImg"/>
+          </p:nvPr>
+        </p:nvSpPr>
+        <p:spPr/>
+      </p:sp>
+      <p:sp>
+        <p:nvSpPr>
+          <p:cNvPr id="3" name="슬라이드 노트 개체 틀 2"/>
+          <p:cNvSpPr>
+            <a:spLocks noGrp="1"/>
+          </p:cNvSpPr>
+          <p:nvPr>
+            <p:ph type="body" idx="1"/>
+          </p:nvPr>
+        </p:nvSpPr>
+        <p:spPr/>
+        <p:txBody>
+          <a:bodyPr/>
+          <a:lstStyle/>
+          <a:p>
+            <a:endParaRPr lang="ko-KR" altLang="en-US" dirty="0"/>
+          </a:p>
+        </p:txBody>
+      </p:sp>
+      <p:sp>
+        <p:nvSpPr>
+          <p:cNvPr id="4" name="슬라이드 번호 개체 틀 3"/>
+          <p:cNvSpPr>
+            <a:spLocks noGrp="1"/>
+          </p:cNvSpPr>
+          <p:nvPr>
+            <p:ph type="sldNum" sz="quarter" idx="10"/>
+          </p:nvPr>
+        </p:nvSpPr>
+        <p:spPr/>
+        <p:txBody>
+          <a:bodyPr/>
+          <a:lstStyle/>
+          <a:p>
+            <a:fld id="{C191BC67-C438-4515-9D3F-F10D40F1354A}" type="slidenum">
+              <a:rPr lang="ko-KR" altLang="en-US" smtClean="0"/>
+              <a:t>9</a:t>
+            </a:fld>
+            <a:endParaRPr lang="ko-KR" altLang="en-US"/>
+          </a:p>
+        </p:txBody>
+      </p:sp>
+    </p:spTree>
+    <p:extLst>
+      <p:ext uri="{BB962C8B-B14F-4D97-AF65-F5344CB8AC3E}">
+        <p14:creationId xmlns:p14="http://schemas.microsoft.com/office/powerpoint/2010/main" val="2247159493"/>
       </p:ext>
     </p:extLst>
   </p:cSld>
@@ -4104,7 +4699,7 @@
         <p:spPr>
           <a:xfrm>
             <a:off x="542135" y="855851"/>
-            <a:ext cx="11298630" cy="1107996"/>
+            <a:ext cx="11298630" cy="4801314"/>
           </a:xfrm>
           <a:prstGeom prst="rect">
             <a:avLst/>
@@ -4124,8 +4719,9 @@
                 </a:solidFill>
                 <a:effectLst/>
                 <a:latin typeface="Arial" panose="020B0604020202020204" pitchFamily="34" charset="0"/>
-              </a:rPr>
-              <a:t>Chapter 01. </a:t>
+                <a:cs typeface="Arial" panose="020B0604020202020204" pitchFamily="34" charset="0"/>
+              </a:rPr>
+              <a:t>Part 01. </a:t>
             </a:r>
             <a:r>
               <a:rPr lang="ko-KR" altLang="en-US" sz="2400" b="1" i="0" dirty="0">
@@ -4134,8 +4730,50 @@
                 </a:solidFill>
                 <a:effectLst/>
                 <a:latin typeface="Arial" panose="020B0604020202020204" pitchFamily="34" charset="0"/>
-              </a:rPr>
-              <a:t>데이터분석 준비하기</a:t>
+                <a:cs typeface="Arial" panose="020B0604020202020204" pitchFamily="34" charset="0"/>
+              </a:rPr>
+              <a:t>데이터분석 준비하기 </a:t>
+            </a:r>
+            <a:r>
+              <a:rPr lang="en-US" altLang="ko-KR" sz="2400" b="1" i="0" dirty="0">
+                <a:solidFill>
+                  <a:schemeClr val="bg1"/>
+                </a:solidFill>
+                <a:effectLst/>
+                <a:latin typeface="Arial" panose="020B0604020202020204" pitchFamily="34" charset="0"/>
+                <a:cs typeface="Arial" panose="020B0604020202020204" pitchFamily="34" charset="0"/>
+              </a:rPr>
+              <a:t>(</a:t>
+            </a:r>
+            <a:r>
+              <a:rPr lang="en-US" altLang="ko-KR" sz="2400" b="1" dirty="0">
+                <a:solidFill>
+                  <a:schemeClr val="bg1"/>
+                </a:solidFill>
+                <a:latin typeface="Arial" panose="020B0604020202020204" pitchFamily="34" charset="0"/>
+                <a:cs typeface="Arial" panose="020B0604020202020204" pitchFamily="34" charset="0"/>
+              </a:rPr>
+              <a:t>Chapter</a:t>
+            </a:r>
+            <a:r>
+              <a:rPr lang="ko-KR" altLang="en-US" sz="2400" b="1" dirty="0">
+                <a:solidFill>
+                  <a:schemeClr val="bg1"/>
+                </a:solidFill>
+                <a:latin typeface="Arial" panose="020B0604020202020204" pitchFamily="34" charset="0"/>
+                <a:cs typeface="Arial" panose="020B0604020202020204" pitchFamily="34" charset="0"/>
+              </a:rPr>
+              <a:t> </a:t>
+            </a:r>
+            <a:r>
+              <a:rPr lang="en-US" altLang="ko-KR" sz="2400" b="1" dirty="0">
+                <a:solidFill>
+                  <a:schemeClr val="bg1"/>
+                </a:solidFill>
+                <a:latin typeface="Arial" panose="020B0604020202020204" pitchFamily="34" charset="0"/>
+                <a:cs typeface="Arial" panose="020B0604020202020204" pitchFamily="34" charset="0"/>
+              </a:rPr>
+              <a:t>01~05)</a:t>
             </a:r>
             <a:endParaRPr lang="en-US" altLang="ko-KR" sz="2400" b="1" i="0" dirty="0">
               <a:solidFill>
@@ -4143,6 +4781,7 @@
               </a:solidFill>
               <a:effectLst/>
               <a:latin typeface="Arial" panose="020B0604020202020204" pitchFamily="34" charset="0"/>
+              <a:cs typeface="Arial" panose="020B0604020202020204" pitchFamily="34" charset="0"/>
             </a:endParaRPr>
           </a:p>
           <a:p>
@@ -4152,6 +4791,7 @@
               </a:solidFill>
               <a:effectLst/>
               <a:latin typeface="Arial" panose="020B0604020202020204" pitchFamily="34" charset="0"/>
+              <a:cs typeface="Arial" panose="020B0604020202020204" pitchFamily="34" charset="0"/>
             </a:endParaRPr>
           </a:p>
           <a:p>
@@ -4162,6 +4802,7 @@
                 </a:solidFill>
                 <a:effectLst/>
                 <a:latin typeface="Arial" panose="020B0604020202020204" pitchFamily="34" charset="0"/>
+                <a:cs typeface="Arial" panose="020B0604020202020204" pitchFamily="34" charset="0"/>
               </a:rPr>
               <a:t>: </a:t>
             </a:r>
@@ -4172,6 +4813,7 @@
                 </a:solidFill>
                 <a:effectLst/>
                 <a:latin typeface="Arial" panose="020B0604020202020204" pitchFamily="34" charset="0"/>
+                <a:cs typeface="Arial" panose="020B0604020202020204" pitchFamily="34" charset="0"/>
               </a:rPr>
               <a:t>분석싸이클</a:t>
             </a:r>
@@ -4182,6 +4824,7 @@
                 </a:solidFill>
                 <a:effectLst/>
                 <a:latin typeface="Arial" panose="020B0604020202020204" pitchFamily="34" charset="0"/>
+                <a:cs typeface="Arial" panose="020B0604020202020204" pitchFamily="34" charset="0"/>
               </a:rPr>
               <a:t>/</a:t>
             </a:r>
@@ -4192,6 +4835,7 @@
                 </a:solidFill>
                 <a:effectLst/>
                 <a:latin typeface="Arial" panose="020B0604020202020204" pitchFamily="34" charset="0"/>
+                <a:cs typeface="Arial" panose="020B0604020202020204" pitchFamily="34" charset="0"/>
               </a:rPr>
               <a:t>용어</a:t>
             </a:r>
@@ -4202,6 +4846,7 @@
                 </a:solidFill>
                 <a:effectLst/>
                 <a:latin typeface="Arial" panose="020B0604020202020204" pitchFamily="34" charset="0"/>
+                <a:cs typeface="Arial" panose="020B0604020202020204" pitchFamily="34" charset="0"/>
               </a:rPr>
               <a:t>/</a:t>
             </a:r>
@@ -4212,9 +4857,158 @@
                 </a:solidFill>
                 <a:effectLst/>
                 <a:latin typeface="Arial" panose="020B0604020202020204" pitchFamily="34" charset="0"/>
-              </a:rPr>
-              <a:t>결과해석 </a:t>
-            </a:r>
+                <a:cs typeface="Arial" panose="020B0604020202020204" pitchFamily="34" charset="0"/>
+              </a:rPr>
+              <a:t>결과해석</a:t>
+            </a:r>
+            <a:endParaRPr lang="en-US" altLang="ko-KR" sz="2400" b="1" i="0" dirty="0">
+              <a:solidFill>
+                <a:schemeClr val="bg1"/>
+              </a:solidFill>
+              <a:effectLst/>
+              <a:latin typeface="Arial" panose="020B0604020202020204" pitchFamily="34" charset="0"/>
+              <a:cs typeface="Arial" panose="020B0604020202020204" pitchFamily="34" charset="0"/>
+            </a:endParaRPr>
+          </a:p>
+          <a:p>
+            <a:r>
+              <a:rPr lang="en-US" altLang="ko-KR" sz="2400" b="1" dirty="0">
+                <a:solidFill>
+                  <a:schemeClr val="bg1"/>
+                </a:solidFill>
+                <a:latin typeface="Arial" panose="020B0604020202020204" pitchFamily="34" charset="0"/>
+                <a:ea typeface="Noto Sans CJK KR Black" panose="020B0A00000000000000" pitchFamily="34" charset="-127"/>
+                <a:cs typeface="Arial" panose="020B0604020202020204" pitchFamily="34" charset="0"/>
+              </a:rPr>
+              <a:t>: </a:t>
+            </a:r>
+            <a:r>
+              <a:rPr lang="ko-KR" altLang="en-US" sz="2400" b="1" dirty="0">
+                <a:solidFill>
+                  <a:schemeClr val="bg1"/>
+                </a:solidFill>
+                <a:latin typeface="Arial" panose="020B0604020202020204" pitchFamily="34" charset="0"/>
+                <a:ea typeface="Noto Sans CJK KR Black" panose="020B0A00000000000000" pitchFamily="34" charset="-127"/>
+                <a:cs typeface="Arial" panose="020B0604020202020204" pitchFamily="34" charset="0"/>
+              </a:rPr>
+              <a:t>시계열 분석 알고리즘 이해</a:t>
+            </a:r>
+            <a:endParaRPr lang="en-US" altLang="ko-KR" sz="2400" b="1" dirty="0">
+              <a:solidFill>
+                <a:schemeClr val="bg1"/>
+              </a:solidFill>
+              <a:latin typeface="Arial" panose="020B0604020202020204" pitchFamily="34" charset="0"/>
+              <a:ea typeface="Noto Sans CJK KR Black" panose="020B0A00000000000000" pitchFamily="34" charset="-127"/>
+              <a:cs typeface="Arial" panose="020B0604020202020204" pitchFamily="34" charset="0"/>
+            </a:endParaRPr>
+          </a:p>
+          <a:p>
+            <a:r>
+              <a:rPr lang="en-US" altLang="ko-KR" sz="2400" b="1" dirty="0">
+                <a:solidFill>
+                  <a:schemeClr val="bg1"/>
+                </a:solidFill>
+                <a:latin typeface="Arial" panose="020B0604020202020204" pitchFamily="34" charset="0"/>
+                <a:ea typeface="Noto Sans CJK KR Black" panose="020B0A00000000000000" pitchFamily="34" charset="-127"/>
+                <a:cs typeface="Arial" panose="020B0604020202020204" pitchFamily="34" charset="0"/>
+              </a:rPr>
+              <a:t>: </a:t>
+            </a:r>
+            <a:r>
+              <a:rPr lang="ko-KR" altLang="en-US" sz="2400" b="1" dirty="0">
+                <a:solidFill>
+                  <a:schemeClr val="bg1"/>
+                </a:solidFill>
+                <a:latin typeface="Arial" panose="020B0604020202020204" pitchFamily="34" charset="0"/>
+                <a:ea typeface="Noto Sans CJK KR Black" panose="020B0A00000000000000" pitchFamily="34" charset="-127"/>
+                <a:cs typeface="Arial" panose="020B0604020202020204" pitchFamily="34" charset="0"/>
+              </a:rPr>
+              <a:t>시계열 데이터패턴 추출</a:t>
+            </a:r>
+            <a:endParaRPr lang="en-US" altLang="ko-KR" sz="2400" b="1" dirty="0">
+              <a:solidFill>
+                <a:schemeClr val="bg1"/>
+              </a:solidFill>
+              <a:latin typeface="Arial" panose="020B0604020202020204" pitchFamily="34" charset="0"/>
+              <a:ea typeface="Noto Sans CJK KR Black" panose="020B0A00000000000000" pitchFamily="34" charset="-127"/>
+              <a:cs typeface="Arial" panose="020B0604020202020204" pitchFamily="34" charset="0"/>
+            </a:endParaRPr>
+          </a:p>
+          <a:p>
+            <a:r>
+              <a:rPr lang="en-US" altLang="ko-KR" sz="2400" b="1" dirty="0">
+                <a:solidFill>
+                  <a:schemeClr val="bg1"/>
+                </a:solidFill>
+                <a:latin typeface="Arial" panose="020B0604020202020204" pitchFamily="34" charset="0"/>
+                <a:ea typeface="Noto Sans CJK KR Black" panose="020B0A00000000000000" pitchFamily="34" charset="-127"/>
+                <a:cs typeface="Arial" panose="020B0604020202020204" pitchFamily="34" charset="0"/>
+              </a:rPr>
+              <a:t>: </a:t>
+            </a:r>
+            <a:r>
+              <a:rPr lang="ko-KR" altLang="en-US" sz="2400" b="1" dirty="0">
+                <a:solidFill>
+                  <a:schemeClr val="bg1"/>
+                </a:solidFill>
+                <a:latin typeface="Arial" panose="020B0604020202020204" pitchFamily="34" charset="0"/>
+                <a:ea typeface="Noto Sans CJK KR Black" panose="020B0A00000000000000" pitchFamily="34" charset="-127"/>
+                <a:cs typeface="Arial" panose="020B0604020202020204" pitchFamily="34" charset="0"/>
+              </a:rPr>
+              <a:t>시계열 데이터 분리</a:t>
+            </a:r>
+            <a:endParaRPr lang="en-US" altLang="ko-KR" sz="2400" b="1" dirty="0">
+              <a:solidFill>
+                <a:schemeClr val="bg1"/>
+              </a:solidFill>
+              <a:latin typeface="Arial" panose="020B0604020202020204" pitchFamily="34" charset="0"/>
+              <a:ea typeface="Noto Sans CJK KR Black" panose="020B0A00000000000000" pitchFamily="34" charset="-127"/>
+              <a:cs typeface="Arial" panose="020B0604020202020204" pitchFamily="34" charset="0"/>
+            </a:endParaRPr>
+          </a:p>
+          <a:p>
+            <a:r>
+              <a:rPr lang="en-US" altLang="ko-KR" sz="2400" b="1" dirty="0">
+                <a:solidFill>
+                  <a:schemeClr val="bg1"/>
+                </a:solidFill>
+                <a:latin typeface="Arial" panose="020B0604020202020204" pitchFamily="34" charset="0"/>
+                <a:ea typeface="Noto Sans CJK KR Black" panose="020B0A00000000000000" pitchFamily="34" charset="-127"/>
+                <a:cs typeface="Arial" panose="020B0604020202020204" pitchFamily="34" charset="0"/>
+              </a:rPr>
+              <a:t>: </a:t>
+            </a:r>
+            <a:r>
+              <a:rPr lang="ko-KR" altLang="en-US" sz="2400" b="1" dirty="0">
+                <a:solidFill>
+                  <a:schemeClr val="bg1"/>
+                </a:solidFill>
+                <a:latin typeface="Arial" panose="020B0604020202020204" pitchFamily="34" charset="0"/>
+                <a:ea typeface="Noto Sans CJK KR Black" panose="020B0A00000000000000" pitchFamily="34" charset="-127"/>
+                <a:cs typeface="Arial" panose="020B0604020202020204" pitchFamily="34" charset="0"/>
+              </a:rPr>
+              <a:t>레퍼런스 알고리즘 마련</a:t>
+            </a:r>
+            <a:endParaRPr lang="en-US" altLang="ko-KR" sz="2400" b="1" dirty="0">
+              <a:solidFill>
+                <a:schemeClr val="bg1"/>
+              </a:solidFill>
+              <a:latin typeface="Arial" panose="020B0604020202020204" pitchFamily="34" charset="0"/>
+              <a:ea typeface="Noto Sans CJK KR Black" panose="020B0A00000000000000" pitchFamily="34" charset="-127"/>
+              <a:cs typeface="Arial" panose="020B0604020202020204" pitchFamily="34" charset="0"/>
+            </a:endParaRPr>
+          </a:p>
+          <a:p>
+            <a:endParaRPr lang="en-US" altLang="ko-KR" sz="2400" b="1" dirty="0">
+              <a:solidFill>
+                <a:schemeClr val="bg1"/>
+              </a:solidFill>
+              <a:latin typeface="Arial" panose="020B0604020202020204" pitchFamily="34" charset="0"/>
+              <a:ea typeface="Noto Sans CJK KR Black" panose="020B0A00000000000000" pitchFamily="34" charset="-127"/>
+              <a:cs typeface="Arial" panose="020B0604020202020204" pitchFamily="34" charset="0"/>
+            </a:endParaRPr>
+          </a:p>
+          <a:p>
             <a:r>
               <a:rPr lang="en-US" altLang="ko-KR" sz="2400" b="1" i="0" dirty="0">
                 <a:solidFill>
@@ -4222,8 +5016,9 @@
                 </a:solidFill>
                 <a:effectLst/>
                 <a:latin typeface="Arial" panose="020B0604020202020204" pitchFamily="34" charset="0"/>
-              </a:rPr>
-              <a:t>- 01. </a:t>
+                <a:cs typeface="Arial" panose="020B0604020202020204" pitchFamily="34" charset="0"/>
+              </a:rPr>
+              <a:t>Part 02. </a:t>
             </a:r>
             <a:r>
               <a:rPr lang="ko-KR" altLang="en-US" sz="2400" b="1" i="0" dirty="0">
@@ -4232,9 +5027,29 @@
                 </a:solidFill>
                 <a:effectLst/>
                 <a:latin typeface="Arial" panose="020B0604020202020204" pitchFamily="34" charset="0"/>
-              </a:rPr>
-              <a:t>현실적인 데이터분석 단계별 목적은</a:t>
-            </a:r>
+                <a:cs typeface="Arial" panose="020B0604020202020204" pitchFamily="34" charset="0"/>
+              </a:rPr>
+              <a:t>시계열 데이터분석</a:t>
+            </a:r>
+            <a:endParaRPr lang="en-US" altLang="ko-KR" sz="2400" b="1" i="0" dirty="0">
+              <a:solidFill>
+                <a:schemeClr val="bg1"/>
+              </a:solidFill>
+              <a:effectLst/>
+              <a:latin typeface="Arial" panose="020B0604020202020204" pitchFamily="34" charset="0"/>
+              <a:cs typeface="Arial" panose="020B0604020202020204" pitchFamily="34" charset="0"/>
+            </a:endParaRPr>
+          </a:p>
+          <a:p>
+            <a:endParaRPr lang="en-US" altLang="ko-KR" sz="2400" b="1" dirty="0">
+              <a:solidFill>
+                <a:schemeClr val="bg1"/>
+              </a:solidFill>
+              <a:latin typeface="Arial" panose="020B0604020202020204" pitchFamily="34" charset="0"/>
+              <a:cs typeface="Arial" panose="020B0604020202020204" pitchFamily="34" charset="0"/>
+            </a:endParaRPr>
+          </a:p>
+          <a:p>
             <a:r>
               <a:rPr lang="en-US" altLang="ko-KR" sz="2400" b="1" i="0" dirty="0">
                 <a:solidFill>
@@ -4242,15 +5057,87 @@
                 </a:solidFill>
                 <a:effectLst/>
                 <a:latin typeface="Arial" panose="020B0604020202020204" pitchFamily="34" charset="0"/>
-              </a:rPr>
-              <a:t>?</a:t>
-            </a:r>
-            <a:endParaRPr lang="en-US" altLang="ko-KR" sz="2800" b="1" dirty="0">
-              <a:solidFill>
-                <a:schemeClr val="bg1"/>
-              </a:solidFill>
-              <a:latin typeface="Noto Sans CJK KR Black" panose="020B0A00000000000000" pitchFamily="34" charset="-127"/>
-              <a:ea typeface="Noto Sans CJK KR Black" panose="020B0A00000000000000" pitchFamily="34" charset="-127"/>
+                <a:cs typeface="Arial" panose="020B0604020202020204" pitchFamily="34" charset="0"/>
+              </a:rPr>
+              <a:t>Part 03. </a:t>
+            </a:r>
+            <a:r>
+              <a:rPr lang="ko-KR" altLang="en-US" sz="2400" b="1" i="0" dirty="0">
+                <a:solidFill>
+                  <a:schemeClr val="bg1"/>
+                </a:solidFill>
+                <a:effectLst/>
+                <a:latin typeface="Arial" panose="020B0604020202020204" pitchFamily="34" charset="0"/>
+                <a:cs typeface="Arial" panose="020B0604020202020204" pitchFamily="34" charset="0"/>
+              </a:rPr>
+              <a:t>시계열 알고리즘</a:t>
+            </a:r>
+            <a:endParaRPr lang="en-US" altLang="ko-KR" sz="2400" b="1" i="0" dirty="0">
+              <a:solidFill>
+                <a:schemeClr val="bg1"/>
+              </a:solidFill>
+              <a:effectLst/>
+              <a:latin typeface="Arial" panose="020B0604020202020204" pitchFamily="34" charset="0"/>
+              <a:cs typeface="Arial" panose="020B0604020202020204" pitchFamily="34" charset="0"/>
+            </a:endParaRPr>
+          </a:p>
+          <a:p>
+            <a:endParaRPr lang="en-US" altLang="ko-KR" sz="2400" b="1" dirty="0">
+              <a:solidFill>
+                <a:schemeClr val="bg1"/>
+              </a:solidFill>
+              <a:latin typeface="Arial" panose="020B0604020202020204" pitchFamily="34" charset="0"/>
+              <a:cs typeface="Arial" panose="020B0604020202020204" pitchFamily="34" charset="0"/>
+            </a:endParaRPr>
+          </a:p>
+          <a:p>
+            <a:r>
+              <a:rPr lang="en-US" altLang="ko-KR" sz="2400" b="1" dirty="0">
+                <a:solidFill>
+                  <a:schemeClr val="bg1"/>
+                </a:solidFill>
+                <a:latin typeface="Arial" panose="020B0604020202020204" pitchFamily="34" charset="0"/>
+                <a:cs typeface="Arial" panose="020B0604020202020204" pitchFamily="34" charset="0"/>
+              </a:rPr>
+              <a:t>Part</a:t>
+            </a:r>
+            <a:r>
+              <a:rPr lang="ko-KR" altLang="en-US" sz="2400" b="1" dirty="0">
+                <a:solidFill>
+                  <a:schemeClr val="bg1"/>
+                </a:solidFill>
+                <a:latin typeface="Arial" panose="020B0604020202020204" pitchFamily="34" charset="0"/>
+                <a:cs typeface="Arial" panose="020B0604020202020204" pitchFamily="34" charset="0"/>
+              </a:rPr>
+              <a:t> </a:t>
+            </a:r>
+            <a:r>
+              <a:rPr lang="en-US" altLang="ko-KR" sz="2400" b="1" dirty="0">
+                <a:solidFill>
+                  <a:schemeClr val="bg1"/>
+                </a:solidFill>
+                <a:latin typeface="Arial" panose="020B0604020202020204" pitchFamily="34" charset="0"/>
+                <a:cs typeface="Arial" panose="020B0604020202020204" pitchFamily="34" charset="0"/>
+              </a:rPr>
+              <a:t>04.</a:t>
+            </a:r>
+            <a:r>
+              <a:rPr lang="ko-KR" altLang="en-US" sz="2400" b="1" dirty="0">
+                <a:solidFill>
+                  <a:schemeClr val="bg1"/>
+                </a:solidFill>
+                <a:latin typeface="Arial" panose="020B0604020202020204" pitchFamily="34" charset="0"/>
+                <a:cs typeface="Arial" panose="020B0604020202020204" pitchFamily="34" charset="0"/>
+              </a:rPr>
+              <a:t> 미니 프로젝트</a:t>
+            </a:r>
+            <a:endParaRPr lang="en-US" altLang="ko-KR" sz="2400" b="1" i="0" dirty="0">
+              <a:solidFill>
+                <a:schemeClr val="bg1"/>
+              </a:solidFill>
+              <a:effectLst/>
+              <a:latin typeface="Arial" panose="020B0604020202020204" pitchFamily="34" charset="0"/>
+              <a:cs typeface="Arial" panose="020B0604020202020204" pitchFamily="34" charset="0"/>
             </a:endParaRPr>
           </a:p>
         </p:txBody>
@@ -4292,6 +5179,258 @@
           </a:p>
         </p:txBody>
       </p:sp>
+    </p:spTree>
+    <p:extLst>
+      <p:ext uri="{BB962C8B-B14F-4D97-AF65-F5344CB8AC3E}">
+        <p14:creationId xmlns:p14="http://schemas.microsoft.com/office/powerpoint/2010/main" val="986375043"/>
+      </p:ext>
+    </p:extLst>
+  </p:cSld>
+  <p:clrMapOvr>
+    <a:masterClrMapping/>
+  </p:clrMapOvr>
+</p:sld>
+</file>
+
+<file path=ppt/slides/slide10.xml><?xml version="1.0" encoding="utf-8"?>
+<p:sld xmlns:a="http://schemas.openxmlformats.org/drawingml/2006/main" xmlns:r="http://schemas.openxmlformats.org/officeDocument/2006/relationships" xmlns:p="http://schemas.openxmlformats.org/presentationml/2006/main">
+  <p:cSld>
+    <p:bg>
+      <p:bgPr>
+        <a:solidFill>
+          <a:schemeClr val="bg1">
+            <a:lumMod val="65000"/>
+          </a:schemeClr>
+        </a:solidFill>
+        <a:effectLst/>
+      </p:bgPr>
+    </p:bg>
+    <p:spTree>
+      <p:nvGrpSpPr>
+        <p:cNvPr id="1" name=""/>
+        <p:cNvGrpSpPr/>
+        <p:nvPr/>
+      </p:nvGrpSpPr>
+      <p:grpSpPr>
+        <a:xfrm>
+          <a:off x="0" y="0"/>
+          <a:ext cx="0" cy="0"/>
+          <a:chOff x="0" y="0"/>
+          <a:chExt cx="0" cy="0"/>
+        </a:xfrm>
+      </p:grpSpPr>
+      <p:sp>
+        <p:nvSpPr>
+          <p:cNvPr id="4" name="슬라이드 번호 개체 틀 3"/>
+          <p:cNvSpPr>
+            <a:spLocks noGrp="1"/>
+          </p:cNvSpPr>
+          <p:nvPr>
+            <p:ph type="sldNum" sz="quarter" idx="12"/>
+          </p:nvPr>
+        </p:nvSpPr>
+        <p:spPr/>
+        <p:txBody>
+          <a:bodyPr/>
+          <a:lstStyle/>
+          <a:p>
+            <a:fld id="{6DDAE2C3-1A0B-474A-8CE8-AE55B8D9D4B1}" type="slidenum">
+              <a:rPr lang="ko-KR" altLang="en-US" smtClean="0"/>
+              <a:pPr/>
+              <a:t>10</a:t>
+            </a:fld>
+            <a:endParaRPr lang="ko-KR" altLang="en-US" dirty="0"/>
+          </a:p>
+        </p:txBody>
+      </p:sp>
+      <p:sp>
+        <p:nvSpPr>
+          <p:cNvPr id="11" name="TextBox 10"/>
+          <p:cNvSpPr txBox="1"/>
+          <p:nvPr/>
+        </p:nvSpPr>
+        <p:spPr>
+          <a:xfrm>
+            <a:off x="204828" y="854694"/>
+            <a:ext cx="11750594" cy="1107996"/>
+          </a:xfrm>
+          <a:prstGeom prst="rect">
+            <a:avLst/>
+          </a:prstGeom>
+          <a:noFill/>
+        </p:spPr>
+        <p:txBody>
+          <a:bodyPr wrap="square" lIns="0" tIns="0" rIns="0" bIns="0" rtlCol="0" anchor="t">
+            <a:spAutoFit/>
+          </a:bodyPr>
+          <a:lstStyle/>
+          <a:p>
+            <a:r>
+              <a:rPr lang="en-US" altLang="ko-KR" sz="2400" b="1" i="0" dirty="0">
+                <a:solidFill>
+                  <a:schemeClr val="bg1"/>
+                </a:solidFill>
+                <a:effectLst/>
+                <a:latin typeface="Arial" panose="020B0604020202020204" pitchFamily="34" charset="0"/>
+                <a:cs typeface="Arial" panose="020B0604020202020204" pitchFamily="34" charset="0"/>
+              </a:rPr>
+              <a:t>Part 01. </a:t>
+            </a:r>
+            <a:r>
+              <a:rPr lang="ko-KR" altLang="en-US" sz="2400" b="1" i="0" dirty="0">
+                <a:solidFill>
+                  <a:schemeClr val="bg1"/>
+                </a:solidFill>
+                <a:effectLst/>
+                <a:latin typeface="Arial" panose="020B0604020202020204" pitchFamily="34" charset="0"/>
+                <a:cs typeface="Arial" panose="020B0604020202020204" pitchFamily="34" charset="0"/>
+              </a:rPr>
+              <a:t>데이터분석 준비하기</a:t>
+            </a:r>
+            <a:endParaRPr lang="en-US" altLang="ko-KR" sz="2400" b="1" i="0" dirty="0">
+              <a:solidFill>
+                <a:schemeClr val="bg1"/>
+              </a:solidFill>
+              <a:effectLst/>
+              <a:latin typeface="Arial" panose="020B0604020202020204" pitchFamily="34" charset="0"/>
+              <a:cs typeface="Arial" panose="020B0604020202020204" pitchFamily="34" charset="0"/>
+            </a:endParaRPr>
+          </a:p>
+          <a:p>
+            <a:endParaRPr lang="en-US" altLang="ko-KR" sz="2400" b="1" dirty="0">
+              <a:solidFill>
+                <a:schemeClr val="bg1"/>
+              </a:solidFill>
+              <a:latin typeface="Arial" panose="020B0604020202020204" pitchFamily="34" charset="0"/>
+              <a:cs typeface="Arial" panose="020B0604020202020204" pitchFamily="34" charset="0"/>
+            </a:endParaRPr>
+          </a:p>
+          <a:p>
+            <a:r>
+              <a:rPr lang="en-US" altLang="ko-KR" sz="2400" b="1" i="0" dirty="0">
+                <a:solidFill>
+                  <a:schemeClr val="bg1"/>
+                </a:solidFill>
+                <a:effectLst/>
+                <a:latin typeface="Arial" panose="020B0604020202020204" pitchFamily="34" charset="0"/>
+                <a:cs typeface="Arial" panose="020B0604020202020204" pitchFamily="34" charset="0"/>
+              </a:rPr>
+              <a:t>: </a:t>
+            </a:r>
+            <a:r>
+              <a:rPr lang="ko-KR" altLang="en-US" sz="2400" b="1" i="0" dirty="0">
+                <a:solidFill>
+                  <a:schemeClr val="bg1"/>
+                </a:solidFill>
+                <a:effectLst/>
+                <a:latin typeface="Arial" panose="020B0604020202020204" pitchFamily="34" charset="0"/>
+                <a:cs typeface="Arial" panose="020B0604020202020204" pitchFamily="34" charset="0"/>
+              </a:rPr>
+              <a:t>시계열 데이터패턴 추출 </a:t>
+            </a:r>
+            <a:r>
+              <a:rPr lang="en-US" altLang="ko-KR" sz="2400" b="1" i="0" dirty="0">
+                <a:solidFill>
+                  <a:schemeClr val="bg1"/>
+                </a:solidFill>
+                <a:effectLst/>
+                <a:latin typeface="Arial" panose="020B0604020202020204" pitchFamily="34" charset="0"/>
+                <a:cs typeface="Arial" panose="020B0604020202020204" pitchFamily="34" charset="0"/>
+              </a:rPr>
+              <a:t>- 04. </a:t>
+            </a:r>
+            <a:r>
+              <a:rPr lang="ko-KR" altLang="en-US" sz="2400" b="1" i="0" dirty="0">
+                <a:solidFill>
+                  <a:schemeClr val="bg1"/>
+                </a:solidFill>
+                <a:effectLst/>
+                <a:latin typeface="Arial" panose="020B0604020202020204" pitchFamily="34" charset="0"/>
+                <a:cs typeface="Arial" panose="020B0604020202020204" pitchFamily="34" charset="0"/>
+              </a:rPr>
+              <a:t>시계열 데이터패턴 </a:t>
+            </a:r>
+            <a:r>
+              <a:rPr lang="en-US" altLang="ko-KR" sz="2400" b="1" i="0" dirty="0">
+                <a:solidFill>
+                  <a:schemeClr val="bg1"/>
+                </a:solidFill>
+                <a:effectLst/>
+                <a:latin typeface="Arial" panose="020B0604020202020204" pitchFamily="34" charset="0"/>
+                <a:cs typeface="Arial" panose="020B0604020202020204" pitchFamily="34" charset="0"/>
+              </a:rPr>
+              <a:t>- </a:t>
+            </a:r>
+            <a:r>
+              <a:rPr lang="ko-KR" altLang="en-US" sz="2400" b="1" i="0" dirty="0" err="1">
+                <a:solidFill>
+                  <a:schemeClr val="bg1"/>
+                </a:solidFill>
+                <a:effectLst/>
+                <a:latin typeface="Arial" panose="020B0604020202020204" pitchFamily="34" charset="0"/>
+                <a:cs typeface="Arial" panose="020B0604020202020204" pitchFamily="34" charset="0"/>
+              </a:rPr>
+              <a:t>지연값</a:t>
+            </a:r>
+            <a:r>
+              <a:rPr lang="ko-KR" altLang="en-US" sz="2400" b="1" i="0" dirty="0">
+                <a:solidFill>
+                  <a:schemeClr val="bg1"/>
+                </a:solidFill>
+                <a:effectLst/>
+                <a:latin typeface="Arial" panose="020B0604020202020204" pitchFamily="34" charset="0"/>
+                <a:cs typeface="Arial" panose="020B0604020202020204" pitchFamily="34" charset="0"/>
+              </a:rPr>
+              <a:t> 및 시간변수 추출</a:t>
+            </a:r>
+            <a:endParaRPr lang="en-US" altLang="ko-KR" sz="2400" b="1" dirty="0">
+              <a:solidFill>
+                <a:schemeClr val="bg1"/>
+              </a:solidFill>
+              <a:latin typeface="Arial" panose="020B0604020202020204" pitchFamily="34" charset="0"/>
+              <a:ea typeface="Noto Sans CJK KR Black" panose="020B0A00000000000000" pitchFamily="34" charset="-127"/>
+              <a:cs typeface="Arial" panose="020B0604020202020204" pitchFamily="34" charset="0"/>
+            </a:endParaRPr>
+          </a:p>
+        </p:txBody>
+      </p:sp>
+      <p:sp>
+        <p:nvSpPr>
+          <p:cNvPr id="12" name="TextBox 11"/>
+          <p:cNvSpPr txBox="1"/>
+          <p:nvPr/>
+        </p:nvSpPr>
+        <p:spPr>
+          <a:xfrm>
+            <a:off x="4783981" y="611957"/>
+            <a:ext cx="7056784" cy="216726"/>
+          </a:xfrm>
+          <a:prstGeom prst="rect">
+            <a:avLst/>
+          </a:prstGeom>
+          <a:noFill/>
+        </p:spPr>
+        <p:txBody>
+          <a:bodyPr wrap="square" lIns="0" tIns="0" rIns="0" bIns="0" rtlCol="0" anchor="t">
+            <a:spAutoFit/>
+          </a:bodyPr>
+          <a:lstStyle/>
+          <a:p>
+            <a:pPr>
+              <a:lnSpc>
+                <a:spcPct val="150000"/>
+              </a:lnSpc>
+            </a:pPr>
+            <a:endParaRPr lang="en-US" altLang="ko-KR" sz="1050" dirty="0">
+              <a:solidFill>
+                <a:schemeClr val="bg1"/>
+              </a:solidFill>
+              <a:latin typeface="Noto Sans CJK KR Medium" panose="020B0600000000000000" pitchFamily="34" charset="-127"/>
+              <a:ea typeface="Noto Sans CJK KR Medium" panose="020B0600000000000000" pitchFamily="34" charset="-127"/>
+            </a:endParaRPr>
+          </a:p>
+        </p:txBody>
+      </p:sp>
       <p:sp>
         <p:nvSpPr>
           <p:cNvPr id="6" name="TextBox 5">
@@ -4307,7 +5446,7 @@
         <p:spPr>
           <a:xfrm>
             <a:off x="2258841" y="2844205"/>
-            <a:ext cx="7865218" cy="2954655"/>
+            <a:ext cx="7865218" cy="1723549"/>
           </a:xfrm>
           <a:prstGeom prst="rect">
             <a:avLst/>
@@ -4355,44 +5494,18 @@
                 <a:latin typeface="Noto Sans CJK KR Black" panose="020B0A00000000000000" pitchFamily="34" charset="-127"/>
                 <a:ea typeface="Noto Sans CJK KR Black" panose="020B0A00000000000000" pitchFamily="34" charset="-127"/>
               </a:rPr>
-              <a:t>강사 소개</a:t>
-            </a:r>
-            <a:endParaRPr lang="en-US" altLang="ko-KR" sz="2000" dirty="0">
-              <a:solidFill>
-                <a:schemeClr val="bg1"/>
-              </a:solidFill>
-              <a:latin typeface="Noto Sans CJK KR Black" panose="020B0A00000000000000" pitchFamily="34" charset="-127"/>
-              <a:ea typeface="Noto Sans CJK KR Black" panose="020B0A00000000000000" pitchFamily="34" charset="-127"/>
-            </a:endParaRPr>
-          </a:p>
-          <a:p>
-            <a:pPr marL="896798" lvl="1" indent="-342900">
-              <a:buFont typeface="Wingdings" panose="05000000000000000000" pitchFamily="2" charset="2"/>
-              <a:buChar char="ü"/>
-            </a:pPr>
-            <a:r>
-              <a:rPr lang="ko-KR" altLang="en-US" sz="2000" dirty="0">
+              <a:t>더미변수를 </a:t>
+            </a:r>
+            <a:r>
+              <a:rPr lang="ko-KR" altLang="en-US" sz="2000" dirty="0" err="1">
                 <a:solidFill>
                   <a:schemeClr val="bg1"/>
                 </a:solidFill>
                 <a:latin typeface="Noto Sans CJK KR Black" panose="020B0A00000000000000" pitchFamily="34" charset="-127"/>
                 <a:ea typeface="Noto Sans CJK KR Black" panose="020B0A00000000000000" pitchFamily="34" charset="-127"/>
               </a:rPr>
-              <a:t>강의 준비물 및 진행방향</a:t>
-            </a:r>
-            <a:endParaRPr lang="en-US" altLang="ko-KR" sz="2000" dirty="0">
-              <a:solidFill>
-                <a:schemeClr val="bg1"/>
-              </a:solidFill>
-              <a:latin typeface="Noto Sans CJK KR Black" panose="020B0A00000000000000" pitchFamily="34" charset="-127"/>
-              <a:ea typeface="Noto Sans CJK KR Black" panose="020B0A00000000000000" pitchFamily="34" charset="-127"/>
-            </a:endParaRPr>
-          </a:p>
-          <a:p>
-            <a:pPr marL="896798" lvl="1" indent="-342900">
-              <a:buFont typeface="Wingdings" panose="05000000000000000000" pitchFamily="2" charset="2"/>
-              <a:buChar char="ü"/>
-            </a:pPr>
+              <a:t>할용한</a:t>
+            </a:r>
             <a:r>
               <a:rPr lang="ko-KR" altLang="en-US" sz="2000" dirty="0">
                 <a:solidFill>
@@ -4401,15 +5514,38 @@
                 <a:latin typeface="Noto Sans CJK KR Black" panose="020B0A00000000000000" pitchFamily="34" charset="-127"/>
                 <a:ea typeface="Noto Sans CJK KR Black" panose="020B0A00000000000000" pitchFamily="34" charset="-127"/>
               </a:rPr>
-              <a:t>시계열 데이터 분석의 필요성</a:t>
-            </a:r>
-            <a:endParaRPr lang="en-US" altLang="ko-KR" sz="2000" dirty="0">
-              <a:solidFill>
-                <a:schemeClr val="bg1"/>
-              </a:solidFill>
-              <a:latin typeface="Noto Sans CJK KR Black" panose="020B0A00000000000000" pitchFamily="34" charset="-127"/>
-              <a:ea typeface="Noto Sans CJK KR Black" panose="020B0A00000000000000" pitchFamily="34" charset="-127"/>
-            </a:endParaRPr>
+              <a:t> </a:t>
+            </a:r>
+            <a:r>
+              <a:rPr lang="en-US" altLang="ko-KR" sz="2000" dirty="0">
+                <a:solidFill>
+                  <a:schemeClr val="bg1"/>
+                </a:solidFill>
+                <a:latin typeface="Noto Sans CJK KR Black" panose="020B0A00000000000000" pitchFamily="34" charset="-127"/>
+                <a:ea typeface="Noto Sans CJK KR Black" panose="020B0A00000000000000" pitchFamily="34" charset="-127"/>
+              </a:rPr>
+              <a:t>Feature</a:t>
+            </a:r>
+            <a:r>
+              <a:rPr lang="ko-KR" altLang="en-US" sz="2000" dirty="0">
+                <a:solidFill>
+                  <a:schemeClr val="bg1"/>
+                </a:solidFill>
+                <a:latin typeface="Noto Sans CJK KR Black" panose="020B0A00000000000000" pitchFamily="34" charset="-127"/>
+                <a:ea typeface="Noto Sans CJK KR Black" panose="020B0A00000000000000" pitchFamily="34" charset="-127"/>
+              </a:rPr>
+              <a:t> </a:t>
+            </a:r>
+            <a:r>
+              <a:rPr lang="en-US" altLang="ko-KR" sz="2000" dirty="0">
+                <a:solidFill>
+                  <a:schemeClr val="bg1"/>
+                </a:solidFill>
+                <a:latin typeface="Noto Sans CJK KR Black" panose="020B0A00000000000000" pitchFamily="34" charset="-127"/>
+                <a:ea typeface="Noto Sans CJK KR Black" panose="020B0A00000000000000" pitchFamily="34" charset="-127"/>
+              </a:rPr>
+              <a:t>Engineering</a:t>
+            </a:r>
           </a:p>
           <a:p>
             <a:pPr marL="342900" indent="-342900">
@@ -4453,16 +5589,320 @@
               <a:buChar char="ü"/>
             </a:pPr>
             <a:r>
-              <a:rPr lang="ko-KR" altLang="en-US" sz="2000" dirty="0">
+              <a:rPr lang="ko-KR" altLang="en-US" sz="2000" dirty="0" err="1">
                 <a:solidFill>
                   <a:schemeClr val="bg1"/>
                 </a:solidFill>
                 <a:latin typeface="Noto Sans CJK KR Black" panose="020B0A00000000000000" pitchFamily="34" charset="-127"/>
                 <a:ea typeface="Noto Sans CJK KR Black" panose="020B0A00000000000000" pitchFamily="34" charset="-127"/>
               </a:rPr>
-              <a:t>데이터 분석의 현실</a:t>
-            </a:r>
-            <a:endParaRPr lang="en-US" altLang="ko-KR" sz="2000" dirty="0">
+              <a:t>지연값</a:t>
+            </a:r>
+            <a:r>
+              <a:rPr lang="ko-KR" altLang="en-US" sz="2000" dirty="0">
+                <a:solidFill>
+                  <a:schemeClr val="bg1"/>
+                </a:solidFill>
+                <a:latin typeface="Noto Sans CJK KR Black" panose="020B0A00000000000000" pitchFamily="34" charset="-127"/>
+                <a:ea typeface="Noto Sans CJK KR Black" panose="020B0A00000000000000" pitchFamily="34" charset="-127"/>
+              </a:rPr>
+              <a:t> 생성 및 시간정보 </a:t>
+            </a:r>
+            <a:r>
+              <a:rPr lang="en-US" altLang="ko-KR" sz="2000" dirty="0">
+                <a:solidFill>
+                  <a:schemeClr val="bg1"/>
+                </a:solidFill>
+                <a:latin typeface="Noto Sans CJK KR Black" panose="020B0A00000000000000" pitchFamily="34" charset="-127"/>
+                <a:ea typeface="Noto Sans CJK KR Black" panose="020B0A00000000000000" pitchFamily="34" charset="-127"/>
+              </a:rPr>
+              <a:t>Feature</a:t>
+            </a:r>
+            <a:r>
+              <a:rPr lang="ko-KR" altLang="en-US" sz="2000" dirty="0">
+                <a:solidFill>
+                  <a:schemeClr val="bg1"/>
+                </a:solidFill>
+                <a:latin typeface="Noto Sans CJK KR Black" panose="020B0A00000000000000" pitchFamily="34" charset="-127"/>
+                <a:ea typeface="Noto Sans CJK KR Black" panose="020B0A00000000000000" pitchFamily="34" charset="-127"/>
+              </a:rPr>
+              <a:t> </a:t>
+            </a:r>
+            <a:r>
+              <a:rPr lang="en-US" altLang="ko-KR" sz="2000" dirty="0">
+                <a:solidFill>
+                  <a:schemeClr val="bg1"/>
+                </a:solidFill>
+                <a:latin typeface="Noto Sans CJK KR Black" panose="020B0A00000000000000" pitchFamily="34" charset="-127"/>
+                <a:ea typeface="Noto Sans CJK KR Black" panose="020B0A00000000000000" pitchFamily="34" charset="-127"/>
+              </a:rPr>
+              <a:t>Engineering</a:t>
+            </a:r>
+          </a:p>
+        </p:txBody>
+      </p:sp>
+    </p:spTree>
+    <p:extLst>
+      <p:ext uri="{BB962C8B-B14F-4D97-AF65-F5344CB8AC3E}">
+        <p14:creationId xmlns:p14="http://schemas.microsoft.com/office/powerpoint/2010/main" val="4174241959"/>
+      </p:ext>
+    </p:extLst>
+  </p:cSld>
+  <p:clrMapOvr>
+    <a:masterClrMapping/>
+  </p:clrMapOvr>
+</p:sld>
+</file>
+
+<file path=ppt/slides/slide11.xml><?xml version="1.0" encoding="utf-8"?>
+<p:sld xmlns:a="http://schemas.openxmlformats.org/drawingml/2006/main" xmlns:r="http://schemas.openxmlformats.org/officeDocument/2006/relationships" xmlns:p="http://schemas.openxmlformats.org/presentationml/2006/main">
+  <p:cSld>
+    <p:bg>
+      <p:bgPr>
+        <a:solidFill>
+          <a:schemeClr val="bg1">
+            <a:lumMod val="65000"/>
+          </a:schemeClr>
+        </a:solidFill>
+        <a:effectLst/>
+      </p:bgPr>
+    </p:bg>
+    <p:spTree>
+      <p:nvGrpSpPr>
+        <p:cNvPr id="1" name=""/>
+        <p:cNvGrpSpPr/>
+        <p:nvPr/>
+      </p:nvGrpSpPr>
+      <p:grpSpPr>
+        <a:xfrm>
+          <a:off x="0" y="0"/>
+          <a:ext cx="0" cy="0"/>
+          <a:chOff x="0" y="0"/>
+          <a:chExt cx="0" cy="0"/>
+        </a:xfrm>
+      </p:grpSpPr>
+      <p:sp>
+        <p:nvSpPr>
+          <p:cNvPr id="4" name="슬라이드 번호 개체 틀 3"/>
+          <p:cNvSpPr>
+            <a:spLocks noGrp="1"/>
+          </p:cNvSpPr>
+          <p:nvPr>
+            <p:ph type="sldNum" sz="quarter" idx="12"/>
+          </p:nvPr>
+        </p:nvSpPr>
+        <p:spPr/>
+        <p:txBody>
+          <a:bodyPr/>
+          <a:lstStyle/>
+          <a:p>
+            <a:fld id="{6DDAE2C3-1A0B-474A-8CE8-AE55B8D9D4B1}" type="slidenum">
+              <a:rPr lang="ko-KR" altLang="en-US" smtClean="0"/>
+              <a:pPr/>
+              <a:t>11</a:t>
+            </a:fld>
+            <a:endParaRPr lang="ko-KR" altLang="en-US" dirty="0"/>
+          </a:p>
+        </p:txBody>
+      </p:sp>
+      <p:sp>
+        <p:nvSpPr>
+          <p:cNvPr id="11" name="TextBox 10"/>
+          <p:cNvSpPr txBox="1"/>
+          <p:nvPr/>
+        </p:nvSpPr>
+        <p:spPr>
+          <a:xfrm>
+            <a:off x="204828" y="854694"/>
+            <a:ext cx="11750594" cy="1107996"/>
+          </a:xfrm>
+          <a:prstGeom prst="rect">
+            <a:avLst/>
+          </a:prstGeom>
+          <a:noFill/>
+        </p:spPr>
+        <p:txBody>
+          <a:bodyPr wrap="square" lIns="0" tIns="0" rIns="0" bIns="0" rtlCol="0" anchor="t">
+            <a:spAutoFit/>
+          </a:bodyPr>
+          <a:lstStyle/>
+          <a:p>
+            <a:r>
+              <a:rPr lang="en-US" altLang="ko-KR" sz="2400" b="1" i="0" dirty="0">
+                <a:solidFill>
+                  <a:schemeClr val="bg1"/>
+                </a:solidFill>
+                <a:effectLst/>
+                <a:latin typeface="Arial" panose="020B0604020202020204" pitchFamily="34" charset="0"/>
+                <a:cs typeface="Arial" panose="020B0604020202020204" pitchFamily="34" charset="0"/>
+              </a:rPr>
+              <a:t>Part 01. </a:t>
+            </a:r>
+            <a:r>
+              <a:rPr lang="ko-KR" altLang="en-US" sz="2400" b="1" i="0" dirty="0">
+                <a:solidFill>
+                  <a:schemeClr val="bg1"/>
+                </a:solidFill>
+                <a:effectLst/>
+                <a:latin typeface="Arial" panose="020B0604020202020204" pitchFamily="34" charset="0"/>
+                <a:cs typeface="Arial" panose="020B0604020202020204" pitchFamily="34" charset="0"/>
+              </a:rPr>
+              <a:t>데이터분석 준비하기</a:t>
+            </a:r>
+            <a:endParaRPr lang="en-US" altLang="ko-KR" sz="2400" b="1" i="0" dirty="0">
+              <a:solidFill>
+                <a:schemeClr val="bg1"/>
+              </a:solidFill>
+              <a:effectLst/>
+              <a:latin typeface="Arial" panose="020B0604020202020204" pitchFamily="34" charset="0"/>
+              <a:cs typeface="Arial" panose="020B0604020202020204" pitchFamily="34" charset="0"/>
+            </a:endParaRPr>
+          </a:p>
+          <a:p>
+            <a:endParaRPr lang="en-US" altLang="ko-KR" sz="2400" b="1" dirty="0">
+              <a:solidFill>
+                <a:schemeClr val="bg1"/>
+              </a:solidFill>
+              <a:latin typeface="Arial" panose="020B0604020202020204" pitchFamily="34" charset="0"/>
+              <a:cs typeface="Arial" panose="020B0604020202020204" pitchFamily="34" charset="0"/>
+            </a:endParaRPr>
+          </a:p>
+          <a:p>
+            <a:r>
+              <a:rPr lang="en-US" altLang="ko-KR" sz="2400" b="1" i="0" dirty="0">
+                <a:solidFill>
+                  <a:schemeClr val="bg1"/>
+                </a:solidFill>
+                <a:effectLst/>
+                <a:latin typeface="Arial" panose="020B0604020202020204" pitchFamily="34" charset="0"/>
+                <a:cs typeface="Arial" panose="020B0604020202020204" pitchFamily="34" charset="0"/>
+              </a:rPr>
+              <a:t>: </a:t>
+            </a:r>
+            <a:r>
+              <a:rPr lang="ko-KR" altLang="en-US" sz="2400" b="1" i="0" dirty="0">
+                <a:solidFill>
+                  <a:schemeClr val="bg1"/>
+                </a:solidFill>
+                <a:effectLst/>
+                <a:latin typeface="Arial" panose="020B0604020202020204" pitchFamily="34" charset="0"/>
+                <a:cs typeface="Arial" panose="020B0604020202020204" pitchFamily="34" charset="0"/>
+              </a:rPr>
+              <a:t>시계열 데이터패턴 추출 </a:t>
+            </a:r>
+            <a:r>
+              <a:rPr lang="en-US" altLang="ko-KR" sz="2400" b="1" i="0" dirty="0">
+                <a:solidFill>
+                  <a:schemeClr val="bg1"/>
+                </a:solidFill>
+                <a:effectLst/>
+                <a:latin typeface="Arial" panose="020B0604020202020204" pitchFamily="34" charset="0"/>
+                <a:cs typeface="Arial" panose="020B0604020202020204" pitchFamily="34" charset="0"/>
+              </a:rPr>
+              <a:t>- 05. </a:t>
+            </a:r>
+            <a:r>
+              <a:rPr lang="ko-KR" altLang="en-US" sz="2400" b="1" i="0" dirty="0">
+                <a:solidFill>
+                  <a:schemeClr val="bg1"/>
+                </a:solidFill>
+                <a:effectLst/>
+                <a:latin typeface="Arial" panose="020B0604020202020204" pitchFamily="34" charset="0"/>
+                <a:cs typeface="Arial" panose="020B0604020202020204" pitchFamily="34" charset="0"/>
+              </a:rPr>
+              <a:t>시계열 데이터패턴의 추출 실습하기</a:t>
+            </a:r>
+            <a:endParaRPr lang="en-US" altLang="ko-KR" sz="2400" b="1" dirty="0">
+              <a:solidFill>
+                <a:schemeClr val="bg1"/>
+              </a:solidFill>
+              <a:latin typeface="Arial" panose="020B0604020202020204" pitchFamily="34" charset="0"/>
+              <a:ea typeface="Noto Sans CJK KR Black" panose="020B0A00000000000000" pitchFamily="34" charset="-127"/>
+              <a:cs typeface="Arial" panose="020B0604020202020204" pitchFamily="34" charset="0"/>
+            </a:endParaRPr>
+          </a:p>
+        </p:txBody>
+      </p:sp>
+      <p:sp>
+        <p:nvSpPr>
+          <p:cNvPr id="12" name="TextBox 11"/>
+          <p:cNvSpPr txBox="1"/>
+          <p:nvPr/>
+        </p:nvSpPr>
+        <p:spPr>
+          <a:xfrm>
+            <a:off x="4783981" y="611957"/>
+            <a:ext cx="7056784" cy="216726"/>
+          </a:xfrm>
+          <a:prstGeom prst="rect">
+            <a:avLst/>
+          </a:prstGeom>
+          <a:noFill/>
+        </p:spPr>
+        <p:txBody>
+          <a:bodyPr wrap="square" lIns="0" tIns="0" rIns="0" bIns="0" rtlCol="0" anchor="t">
+            <a:spAutoFit/>
+          </a:bodyPr>
+          <a:lstStyle/>
+          <a:p>
+            <a:pPr>
+              <a:lnSpc>
+                <a:spcPct val="150000"/>
+              </a:lnSpc>
+            </a:pPr>
+            <a:endParaRPr lang="en-US" altLang="ko-KR" sz="1050" dirty="0">
+              <a:solidFill>
+                <a:schemeClr val="bg1"/>
+              </a:solidFill>
+              <a:latin typeface="Noto Sans CJK KR Medium" panose="020B0600000000000000" pitchFamily="34" charset="-127"/>
+              <a:ea typeface="Noto Sans CJK KR Medium" panose="020B0600000000000000" pitchFamily="34" charset="-127"/>
+            </a:endParaRPr>
+          </a:p>
+        </p:txBody>
+      </p:sp>
+      <p:sp>
+        <p:nvSpPr>
+          <p:cNvPr id="6" name="TextBox 5">
+            <a:extLst>
+              <a:ext uri="{FF2B5EF4-FFF2-40B4-BE49-F238E27FC236}">
+                <a16:creationId xmlns:a16="http://schemas.microsoft.com/office/drawing/2014/main" id="{161CCAE4-E01F-4257-AFB1-00679BC318D7}"/>
+              </a:ext>
+            </a:extLst>
+          </p:cNvPr>
+          <p:cNvSpPr txBox="1"/>
+          <p:nvPr/>
+        </p:nvSpPr>
+        <p:spPr>
+          <a:xfrm>
+            <a:off x="2258841" y="2844205"/>
+            <a:ext cx="7865218" cy="1723549"/>
+          </a:xfrm>
+          <a:prstGeom prst="rect">
+            <a:avLst/>
+          </a:prstGeom>
+          <a:noFill/>
+        </p:spPr>
+        <p:txBody>
+          <a:bodyPr wrap="square" lIns="0" tIns="0" rIns="0" bIns="0" rtlCol="0" anchor="t">
+            <a:spAutoFit/>
+          </a:bodyPr>
+          <a:lstStyle/>
+          <a:p>
+            <a:pPr marL="342900" indent="-342900">
+              <a:buFont typeface="Wingdings" panose="05000000000000000000" pitchFamily="2" charset="2"/>
+              <a:buChar char="l"/>
+            </a:pPr>
+            <a:r>
+              <a:rPr lang="ko-KR" altLang="en-US" sz="2400" dirty="0">
+                <a:solidFill>
+                  <a:schemeClr val="bg1"/>
+                </a:solidFill>
+                <a:latin typeface="Noto Sans CJK KR Black" panose="020B0A00000000000000" pitchFamily="34" charset="-127"/>
+                <a:ea typeface="Noto Sans CJK KR Black" panose="020B0A00000000000000" pitchFamily="34" charset="-127"/>
+              </a:rPr>
+              <a:t>지난시간 내용정리</a:t>
+            </a:r>
+            <a:endParaRPr lang="en-US" altLang="ko-KR" sz="2400" dirty="0">
               <a:solidFill>
                 <a:schemeClr val="bg1"/>
               </a:solidFill>
@@ -4476,16 +5916,85 @@
               <a:buChar char="ü"/>
             </a:pPr>
             <a:r>
-              <a:rPr lang="ko-KR" altLang="en-US" sz="2000" dirty="0">
+              <a:rPr lang="ko-KR" altLang="en-US" sz="2000" dirty="0" err="1">
                 <a:solidFill>
                   <a:schemeClr val="bg1"/>
                 </a:solidFill>
                 <a:latin typeface="Noto Sans CJK KR Black" panose="020B0A00000000000000" pitchFamily="34" charset="-127"/>
                 <a:ea typeface="Noto Sans CJK KR Black" panose="020B0A00000000000000" pitchFamily="34" charset="-127"/>
               </a:rPr>
-              <a:t>데이터 분석의 단계 확인</a:t>
-            </a:r>
-            <a:endParaRPr lang="en-US" altLang="ko-KR" sz="2000" dirty="0">
+              <a:t>지연값</a:t>
+            </a:r>
+            <a:r>
+              <a:rPr lang="ko-KR" altLang="en-US" sz="2000" dirty="0">
+                <a:solidFill>
+                  <a:schemeClr val="bg1"/>
+                </a:solidFill>
+                <a:latin typeface="Noto Sans CJK KR Black" panose="020B0A00000000000000" pitchFamily="34" charset="-127"/>
+                <a:ea typeface="Noto Sans CJK KR Black" panose="020B0A00000000000000" pitchFamily="34" charset="-127"/>
+              </a:rPr>
+              <a:t> 생성 및 시간정보 </a:t>
+            </a:r>
+            <a:r>
+              <a:rPr lang="en-US" altLang="ko-KR" sz="2000" dirty="0">
+                <a:solidFill>
+                  <a:schemeClr val="bg1"/>
+                </a:solidFill>
+                <a:latin typeface="Noto Sans CJK KR Black" panose="020B0A00000000000000" pitchFamily="34" charset="-127"/>
+                <a:ea typeface="Noto Sans CJK KR Black" panose="020B0A00000000000000" pitchFamily="34" charset="-127"/>
+              </a:rPr>
+              <a:t>Feature</a:t>
+            </a:r>
+            <a:r>
+              <a:rPr lang="ko-KR" altLang="en-US" sz="2000" dirty="0">
+                <a:solidFill>
+                  <a:schemeClr val="bg1"/>
+                </a:solidFill>
+                <a:latin typeface="Noto Sans CJK KR Black" panose="020B0A00000000000000" pitchFamily="34" charset="-127"/>
+                <a:ea typeface="Noto Sans CJK KR Black" panose="020B0A00000000000000" pitchFamily="34" charset="-127"/>
+              </a:rPr>
+              <a:t> </a:t>
+            </a:r>
+            <a:r>
+              <a:rPr lang="en-US" altLang="ko-KR" sz="2000" dirty="0">
+                <a:solidFill>
+                  <a:schemeClr val="bg1"/>
+                </a:solidFill>
+                <a:latin typeface="Noto Sans CJK KR Black" panose="020B0A00000000000000" pitchFamily="34" charset="-127"/>
+                <a:ea typeface="Noto Sans CJK KR Black" panose="020B0A00000000000000" pitchFamily="34" charset="-127"/>
+              </a:rPr>
+              <a:t>Engineering</a:t>
+            </a:r>
+          </a:p>
+          <a:p>
+            <a:pPr marL="342900" indent="-342900">
+              <a:buFont typeface="Wingdings" panose="05000000000000000000" pitchFamily="2" charset="2"/>
+              <a:buChar char="l"/>
+            </a:pPr>
+            <a:endParaRPr lang="en-US" altLang="ko-KR" sz="2400" dirty="0">
+              <a:solidFill>
+                <a:schemeClr val="bg1"/>
+              </a:solidFill>
+              <a:latin typeface="Noto Sans CJK KR Black" panose="020B0A00000000000000" pitchFamily="34" charset="-127"/>
+              <a:ea typeface="Noto Sans CJK KR Black" panose="020B0A00000000000000" pitchFamily="34" charset="-127"/>
+            </a:endParaRPr>
+          </a:p>
+          <a:p>
+            <a:pPr marL="342900" indent="-342900">
+              <a:buFont typeface="Wingdings" panose="05000000000000000000" pitchFamily="2" charset="2"/>
+              <a:buChar char="l"/>
+            </a:pPr>
+            <a:r>
+              <a:rPr lang="ko-KR" altLang="en-US" sz="2400" dirty="0">
+                <a:solidFill>
+                  <a:schemeClr val="bg1"/>
+                </a:solidFill>
+                <a:latin typeface="Noto Sans CJK KR Black" panose="020B0A00000000000000" pitchFamily="34" charset="-127"/>
+                <a:ea typeface="Noto Sans CJK KR Black" panose="020B0A00000000000000" pitchFamily="34" charset="-127"/>
+              </a:rPr>
+              <a:t>이번시간 목표</a:t>
+            </a:r>
+            <a:endParaRPr lang="en-US" altLang="ko-KR" sz="2400" dirty="0">
               <a:solidFill>
                 <a:schemeClr val="bg1"/>
               </a:solidFill>
@@ -4506,7 +6015,27 @@
                 <a:latin typeface="Noto Sans CJK KR Black" panose="020B0A00000000000000" pitchFamily="34" charset="-127"/>
                 <a:ea typeface="Noto Sans CJK KR Black" panose="020B0A00000000000000" pitchFamily="34" charset="-127"/>
               </a:rPr>
-              <a:t>각 단계별 목적 확인하기</a:t>
+              <a:t>시계열 </a:t>
+            </a:r>
+            <a:r>
+              <a:rPr lang="en-US" altLang="ko-KR" sz="2000" dirty="0">
+                <a:solidFill>
+                  <a:schemeClr val="bg1"/>
+                </a:solidFill>
+                <a:latin typeface="Noto Sans CJK KR Black" panose="020B0A00000000000000" pitchFamily="34" charset="-127"/>
+                <a:ea typeface="Noto Sans CJK KR Black" panose="020B0A00000000000000" pitchFamily="34" charset="-127"/>
+              </a:rPr>
+              <a:t>Feature Engineering </a:t>
+            </a:r>
+            <a:r>
+              <a:rPr lang="ko-KR" altLang="en-US" sz="2000" dirty="0">
+                <a:solidFill>
+                  <a:schemeClr val="bg1"/>
+                </a:solidFill>
+                <a:latin typeface="Noto Sans CJK KR Black" panose="020B0A00000000000000" pitchFamily="34" charset="-127"/>
+                <a:ea typeface="Noto Sans CJK KR Black" panose="020B0A00000000000000" pitchFamily="34" charset="-127"/>
+              </a:rPr>
+              <a:t>실습</a:t>
             </a:r>
             <a:endParaRPr lang="en-US" altLang="ko-KR" sz="2000" dirty="0">
               <a:solidFill>
@@ -4521,7 +6050,7 @@
     </p:spTree>
     <p:extLst>
       <p:ext uri="{BB962C8B-B14F-4D97-AF65-F5344CB8AC3E}">
-        <p14:creationId xmlns:p14="http://schemas.microsoft.com/office/powerpoint/2010/main" val="986375043"/>
+        <p14:creationId xmlns:p14="http://schemas.microsoft.com/office/powerpoint/2010/main" val="1004321869"/>
       </p:ext>
     </p:extLst>
   </p:cSld>
@@ -4591,7 +6120,7 @@
         <p:spPr>
           <a:xfrm>
             <a:off x="542135" y="855851"/>
-            <a:ext cx="11298630" cy="1477328"/>
+            <a:ext cx="11298630" cy="1107996"/>
           </a:xfrm>
           <a:prstGeom prst="rect">
             <a:avLst/>
@@ -4611,9 +6140,8 @@
                 </a:solidFill>
                 <a:effectLst/>
                 <a:latin typeface="Arial" panose="020B0604020202020204" pitchFamily="34" charset="0"/>
-                <a:cs typeface="Arial" panose="020B0604020202020204" pitchFamily="34" charset="0"/>
-              </a:rPr>
-              <a:t>Chapter 01. </a:t>
+              </a:rPr>
+              <a:t>Part 01. </a:t>
             </a:r>
             <a:r>
               <a:rPr lang="ko-KR" altLang="en-US" sz="2400" b="1" i="0" dirty="0">
@@ -4622,7 +6150,6 @@
                 </a:solidFill>
                 <a:effectLst/>
                 <a:latin typeface="Arial" panose="020B0604020202020204" pitchFamily="34" charset="0"/>
-                <a:cs typeface="Arial" panose="020B0604020202020204" pitchFamily="34" charset="0"/>
               </a:rPr>
               <a:t>데이터분석 준비하기</a:t>
             </a:r>
@@ -4632,7 +6159,6 @@
               </a:solidFill>
               <a:effectLst/>
               <a:latin typeface="Arial" panose="020B0604020202020204" pitchFamily="34" charset="0"/>
-              <a:cs typeface="Arial" panose="020B0604020202020204" pitchFamily="34" charset="0"/>
             </a:endParaRPr>
           </a:p>
           <a:p>
@@ -4642,7 +6168,6 @@
               </a:solidFill>
               <a:effectLst/>
               <a:latin typeface="Arial" panose="020B0604020202020204" pitchFamily="34" charset="0"/>
-              <a:cs typeface="Arial" panose="020B0604020202020204" pitchFamily="34" charset="0"/>
             </a:endParaRPr>
           </a:p>
           <a:p>
@@ -4653,7 +6178,6 @@
                 </a:solidFill>
                 <a:effectLst/>
                 <a:latin typeface="Arial" panose="020B0604020202020204" pitchFamily="34" charset="0"/>
-                <a:cs typeface="Arial" panose="020B0604020202020204" pitchFamily="34" charset="0"/>
               </a:rPr>
               <a:t>: </a:t>
             </a:r>
@@ -4664,7 +6188,6 @@
                 </a:solidFill>
                 <a:effectLst/>
                 <a:latin typeface="Arial" panose="020B0604020202020204" pitchFamily="34" charset="0"/>
-                <a:cs typeface="Arial" panose="020B0604020202020204" pitchFamily="34" charset="0"/>
               </a:rPr>
               <a:t>분석싸이클</a:t>
             </a:r>
@@ -4675,7 +6198,6 @@
                 </a:solidFill>
                 <a:effectLst/>
                 <a:latin typeface="Arial" panose="020B0604020202020204" pitchFamily="34" charset="0"/>
-                <a:cs typeface="Arial" panose="020B0604020202020204" pitchFamily="34" charset="0"/>
               </a:rPr>
               <a:t>/</a:t>
             </a:r>
@@ -4686,7 +6208,6 @@
                 </a:solidFill>
                 <a:effectLst/>
                 <a:latin typeface="Arial" panose="020B0604020202020204" pitchFamily="34" charset="0"/>
-                <a:cs typeface="Arial" panose="020B0604020202020204" pitchFamily="34" charset="0"/>
               </a:rPr>
               <a:t>용어</a:t>
             </a:r>
@@ -4697,7 +6218,6 @@
                 </a:solidFill>
                 <a:effectLst/>
                 <a:latin typeface="Arial" panose="020B0604020202020204" pitchFamily="34" charset="0"/>
-                <a:cs typeface="Arial" panose="020B0604020202020204" pitchFamily="34" charset="0"/>
               </a:rPr>
               <a:t>/</a:t>
             </a:r>
@@ -4708,7 +6228,6 @@
                 </a:solidFill>
                 <a:effectLst/>
                 <a:latin typeface="Arial" panose="020B0604020202020204" pitchFamily="34" charset="0"/>
-                <a:cs typeface="Arial" panose="020B0604020202020204" pitchFamily="34" charset="0"/>
               </a:rPr>
               <a:t>결과해석 </a:t>
             </a:r>
@@ -4719,9 +6238,8 @@
                 </a:solidFill>
                 <a:effectLst/>
                 <a:latin typeface="Arial" panose="020B0604020202020204" pitchFamily="34" charset="0"/>
-                <a:cs typeface="Arial" panose="020B0604020202020204" pitchFamily="34" charset="0"/>
-              </a:rPr>
-              <a:t>- 02. </a:t>
+              </a:rPr>
+              <a:t>- 01. </a:t>
             </a:r>
             <a:r>
               <a:rPr lang="ko-KR" altLang="en-US" sz="2400" b="1" i="0" dirty="0">
@@ -4730,9 +6248,8 @@
                 </a:solidFill>
                 <a:effectLst/>
                 <a:latin typeface="Arial" panose="020B0604020202020204" pitchFamily="34" charset="0"/>
-                <a:cs typeface="Arial" panose="020B0604020202020204" pitchFamily="34" charset="0"/>
-              </a:rPr>
-              <a:t>시계열 알고리즘을 이해하기 위한 최소한의 수학</a:t>
+              </a:rPr>
+              <a:t>현실적인 데이터분석 단계별 목적은</a:t>
             </a:r>
             <a:r>
               <a:rPr lang="en-US" altLang="ko-KR" sz="2400" b="1" i="0" dirty="0">
@@ -4741,28 +6258,15 @@
                 </a:solidFill>
                 <a:effectLst/>
                 <a:latin typeface="Arial" panose="020B0604020202020204" pitchFamily="34" charset="0"/>
-                <a:cs typeface="Arial" panose="020B0604020202020204" pitchFamily="34" charset="0"/>
-              </a:rPr>
-              <a:t>/</a:t>
-            </a:r>
-            <a:r>
-              <a:rPr lang="ko-KR" altLang="en-US" sz="2400" b="1" i="0" dirty="0">
-                <a:solidFill>
-                  <a:schemeClr val="bg1"/>
-                </a:solidFill>
-                <a:effectLst/>
-                <a:latin typeface="Arial" panose="020B0604020202020204" pitchFamily="34" charset="0"/>
-                <a:cs typeface="Arial" panose="020B0604020202020204" pitchFamily="34" charset="0"/>
-              </a:rPr>
-              <a:t>통계 용어</a:t>
-            </a:r>
-            <a:endParaRPr lang="en-US" altLang="ko-KR" sz="2400" b="1" dirty="0">
-              <a:solidFill>
-                <a:schemeClr val="bg1"/>
-              </a:solidFill>
-              <a:latin typeface="Arial" panose="020B0604020202020204" pitchFamily="34" charset="0"/>
+              </a:rPr>
+              <a:t>?</a:t>
+            </a:r>
+            <a:endParaRPr lang="en-US" altLang="ko-KR" sz="2800" b="1" dirty="0">
+              <a:solidFill>
+                <a:schemeClr val="bg1"/>
+              </a:solidFill>
+              <a:latin typeface="Noto Sans CJK KR Black" panose="020B0A00000000000000" pitchFamily="34" charset="-127"/>
               <a:ea typeface="Noto Sans CJK KR Black" panose="020B0A00000000000000" pitchFamily="34" charset="-127"/>
-              <a:cs typeface="Arial" panose="020B0604020202020204" pitchFamily="34" charset="0"/>
             </a:endParaRPr>
           </a:p>
         </p:txBody>
@@ -4867,7 +6371,7 @@
                 <a:latin typeface="Noto Sans CJK KR Black" panose="020B0A00000000000000" pitchFamily="34" charset="-127"/>
                 <a:ea typeface="Noto Sans CJK KR Black" panose="020B0A00000000000000" pitchFamily="34" charset="-127"/>
               </a:rPr>
-              <a:t>데이터 분석의 현실</a:t>
+              <a:t>강사 소개</a:t>
             </a:r>
             <a:endParaRPr lang="en-US" altLang="ko-KR" sz="2000" dirty="0">
               <a:solidFill>
@@ -4890,7 +6394,7 @@
                 <a:latin typeface="Noto Sans CJK KR Black" panose="020B0A00000000000000" pitchFamily="34" charset="-127"/>
                 <a:ea typeface="Noto Sans CJK KR Black" panose="020B0A00000000000000" pitchFamily="34" charset="-127"/>
               </a:rPr>
-              <a:t>데이터 분석의 단계 확인</a:t>
+              <a:t>강의 준비물 및 진행방향</a:t>
             </a:r>
             <a:endParaRPr lang="en-US" altLang="ko-KR" sz="2000" dirty="0">
               <a:solidFill>
@@ -4913,7 +6417,7 @@
                 <a:latin typeface="Noto Sans CJK KR Black" panose="020B0A00000000000000" pitchFamily="34" charset="-127"/>
                 <a:ea typeface="Noto Sans CJK KR Black" panose="020B0A00000000000000" pitchFamily="34" charset="-127"/>
               </a:rPr>
-              <a:t>각 단계별 목적 확인하기</a:t>
+              <a:t>시계열 데이터 분석의 필요성</a:t>
             </a:r>
             <a:endParaRPr lang="en-US" altLang="ko-KR" sz="2000" dirty="0">
               <a:solidFill>
@@ -4972,7 +6476,7 @@
                 <a:latin typeface="Noto Sans CJK KR Black" panose="020B0A00000000000000" pitchFamily="34" charset="-127"/>
                 <a:ea typeface="Noto Sans CJK KR Black" panose="020B0A00000000000000" pitchFamily="34" charset="-127"/>
               </a:rPr>
-              <a:t>데이터 종류</a:t>
+              <a:t>데이터 분석의 현실</a:t>
             </a:r>
             <a:endParaRPr lang="en-US" altLang="ko-KR" sz="2000" dirty="0">
               <a:solidFill>
@@ -4995,7 +6499,7 @@
                 <a:latin typeface="Noto Sans CJK KR Black" panose="020B0A00000000000000" pitchFamily="34" charset="-127"/>
                 <a:ea typeface="Noto Sans CJK KR Black" panose="020B0A00000000000000" pitchFamily="34" charset="-127"/>
               </a:rPr>
-              <a:t>필수적인 통계량</a:t>
+              <a:t>데이터 분석의 단계 확인</a:t>
             </a:r>
             <a:endParaRPr lang="en-US" altLang="ko-KR" sz="2000" dirty="0">
               <a:solidFill>
@@ -5018,7 +6522,7 @@
                 <a:latin typeface="Noto Sans CJK KR Black" panose="020B0A00000000000000" pitchFamily="34" charset="-127"/>
                 <a:ea typeface="Noto Sans CJK KR Black" panose="020B0A00000000000000" pitchFamily="34" charset="-127"/>
               </a:rPr>
-              <a:t>데이터의 함정</a:t>
+              <a:t>각 단계별 목적 확인하기</a:t>
             </a:r>
             <a:endParaRPr lang="en-US" altLang="ko-KR" sz="2000" dirty="0">
               <a:solidFill>
@@ -5033,7 +6537,7 @@
     </p:spTree>
     <p:extLst>
       <p:ext uri="{BB962C8B-B14F-4D97-AF65-F5344CB8AC3E}">
-        <p14:creationId xmlns:p14="http://schemas.microsoft.com/office/powerpoint/2010/main" val="1767787524"/>
+        <p14:creationId xmlns:p14="http://schemas.microsoft.com/office/powerpoint/2010/main" val="530084672"/>
       </p:ext>
     </p:extLst>
   </p:cSld>
@@ -5103,7 +6607,7 @@
         <p:spPr>
           <a:xfrm>
             <a:off x="542135" y="855851"/>
-            <a:ext cx="11298630" cy="1107996"/>
+            <a:ext cx="11298630" cy="1477328"/>
           </a:xfrm>
           <a:prstGeom prst="rect">
             <a:avLst/>
@@ -5125,7 +6629,7 @@
                 <a:latin typeface="Arial" panose="020B0604020202020204" pitchFamily="34" charset="0"/>
                 <a:cs typeface="Arial" panose="020B0604020202020204" pitchFamily="34" charset="0"/>
               </a:rPr>
-              <a:t>Chapter 01. </a:t>
+              <a:t>Part 01. </a:t>
             </a:r>
             <a:r>
               <a:rPr lang="ko-KR" altLang="en-US" sz="2400" b="1" i="0" dirty="0">
@@ -5233,7 +6737,7 @@
                 <a:latin typeface="Arial" panose="020B0604020202020204" pitchFamily="34" charset="0"/>
                 <a:cs typeface="Arial" panose="020B0604020202020204" pitchFamily="34" charset="0"/>
               </a:rPr>
-              <a:t>- 03. </a:t>
+              <a:t>- 02. </a:t>
             </a:r>
             <a:r>
               <a:rPr lang="ko-KR" altLang="en-US" sz="2400" b="1" i="0" dirty="0">
@@ -5244,7 +6748,29 @@
                 <a:latin typeface="Arial" panose="020B0604020202020204" pitchFamily="34" charset="0"/>
                 <a:cs typeface="Arial" panose="020B0604020202020204" pitchFamily="34" charset="0"/>
               </a:rPr>
-              <a:t>시계열 알고리즘 결과를 해석하기</a:t>
+              <a:t>시계열 알고리즘을 이해하기 위한 최소한의 수학</a:t>
+            </a:r>
+            <a:r>
+              <a:rPr lang="en-US" altLang="ko-KR" sz="2400" b="1" i="0" dirty="0">
+                <a:solidFill>
+                  <a:schemeClr val="bg1"/>
+                </a:solidFill>
+                <a:effectLst/>
+                <a:latin typeface="Arial" panose="020B0604020202020204" pitchFamily="34" charset="0"/>
+                <a:cs typeface="Arial" panose="020B0604020202020204" pitchFamily="34" charset="0"/>
+              </a:rPr>
+              <a:t>/</a:t>
+            </a:r>
+            <a:r>
+              <a:rPr lang="ko-KR" altLang="en-US" sz="2400" b="1" i="0" dirty="0">
+                <a:solidFill>
+                  <a:schemeClr val="bg1"/>
+                </a:solidFill>
+                <a:effectLst/>
+                <a:latin typeface="Arial" panose="020B0604020202020204" pitchFamily="34" charset="0"/>
+                <a:cs typeface="Arial" panose="020B0604020202020204" pitchFamily="34" charset="0"/>
+              </a:rPr>
+              <a:t>통계 용어</a:t>
             </a:r>
             <a:endParaRPr lang="en-US" altLang="ko-KR" sz="2400" b="1" dirty="0">
               <a:solidFill>
@@ -5357,7 +6883,7 @@
                 <a:latin typeface="Noto Sans CJK KR Black" panose="020B0A00000000000000" pitchFamily="34" charset="-127"/>
                 <a:ea typeface="Noto Sans CJK KR Black" panose="020B0A00000000000000" pitchFamily="34" charset="-127"/>
               </a:rPr>
-              <a:t>데이터 종류</a:t>
+              <a:t>데이터 분석의 현실</a:t>
             </a:r>
             <a:endParaRPr lang="en-US" altLang="ko-KR" sz="2000" dirty="0">
               <a:solidFill>
@@ -5380,7 +6906,7 @@
                 <a:latin typeface="Noto Sans CJK KR Black" panose="020B0A00000000000000" pitchFamily="34" charset="-127"/>
                 <a:ea typeface="Noto Sans CJK KR Black" panose="020B0A00000000000000" pitchFamily="34" charset="-127"/>
               </a:rPr>
-              <a:t>필수적인 통계량</a:t>
+              <a:t>데이터 분석의 단계 확인</a:t>
             </a:r>
             <a:endParaRPr lang="en-US" altLang="ko-KR" sz="2000" dirty="0">
               <a:solidFill>
@@ -5403,7 +6929,7 @@
                 <a:latin typeface="Noto Sans CJK KR Black" panose="020B0A00000000000000" pitchFamily="34" charset="-127"/>
                 <a:ea typeface="Noto Sans CJK KR Black" panose="020B0A00000000000000" pitchFamily="34" charset="-127"/>
               </a:rPr>
-              <a:t>데이터의 함정</a:t>
+              <a:t>각 단계별 목적 확인하기</a:t>
             </a:r>
             <a:endParaRPr lang="en-US" altLang="ko-KR" sz="2000" dirty="0">
               <a:solidFill>
@@ -5462,7 +6988,7 @@
                 <a:latin typeface="Noto Sans CJK KR Black" panose="020B0A00000000000000" pitchFamily="34" charset="-127"/>
                 <a:ea typeface="Noto Sans CJK KR Black" panose="020B0A00000000000000" pitchFamily="34" charset="-127"/>
               </a:rPr>
-              <a:t>문제를 정의하는 방법</a:t>
+              <a:t>데이터 종류</a:t>
             </a:r>
             <a:endParaRPr lang="en-US" altLang="ko-KR" sz="2000" dirty="0">
               <a:solidFill>
@@ -5485,7 +7011,7 @@
                 <a:latin typeface="Noto Sans CJK KR Black" panose="020B0A00000000000000" pitchFamily="34" charset="-127"/>
                 <a:ea typeface="Noto Sans CJK KR Black" panose="020B0A00000000000000" pitchFamily="34" charset="-127"/>
               </a:rPr>
-              <a:t>추정된 결과를 해석하는 방법</a:t>
+              <a:t>필수적인 통계량</a:t>
             </a:r>
             <a:endParaRPr lang="en-US" altLang="ko-KR" sz="2000" dirty="0">
               <a:solidFill>
@@ -5508,7 +7034,7 @@
                 <a:latin typeface="Noto Sans CJK KR Black" panose="020B0A00000000000000" pitchFamily="34" charset="-127"/>
                 <a:ea typeface="Noto Sans CJK KR Black" panose="020B0A00000000000000" pitchFamily="34" charset="-127"/>
               </a:rPr>
-              <a:t>향후 분석에서의 활용 정리</a:t>
+              <a:t>데이터의 함정</a:t>
             </a:r>
             <a:endParaRPr lang="en-US" altLang="ko-KR" sz="2000" dirty="0">
               <a:solidFill>
@@ -5523,7 +7049,7 @@
     </p:spTree>
     <p:extLst>
       <p:ext uri="{BB962C8B-B14F-4D97-AF65-F5344CB8AC3E}">
-        <p14:creationId xmlns:p14="http://schemas.microsoft.com/office/powerpoint/2010/main" val="432829093"/>
+        <p14:creationId xmlns:p14="http://schemas.microsoft.com/office/powerpoint/2010/main" val="1767787524"/>
       </p:ext>
     </p:extLst>
   </p:cSld>
@@ -5592,8 +7118,8 @@
         </p:nvSpPr>
         <p:spPr>
           <a:xfrm>
-            <a:off x="204828" y="854694"/>
-            <a:ext cx="11750594" cy="1107996"/>
+            <a:off x="542135" y="855851"/>
+            <a:ext cx="11298630" cy="1107996"/>
           </a:xfrm>
           <a:prstGeom prst="rect">
             <a:avLst/>
@@ -5615,7 +7141,7 @@
                 <a:latin typeface="Arial" panose="020B0604020202020204" pitchFamily="34" charset="0"/>
                 <a:cs typeface="Arial" panose="020B0604020202020204" pitchFamily="34" charset="0"/>
               </a:rPr>
-              <a:t>Chapter 02. </a:t>
+              <a:t>Part 01. </a:t>
             </a:r>
             <a:r>
               <a:rPr lang="ko-KR" altLang="en-US" sz="2400" b="1" i="0" dirty="0">
@@ -5638,10 +7164,11 @@
             </a:endParaRPr>
           </a:p>
           <a:p>
-            <a:endParaRPr lang="en-US" altLang="ko-KR" sz="2400" b="1" dirty="0">
-              <a:solidFill>
-                <a:schemeClr val="bg1"/>
-              </a:solidFill>
+            <a:endParaRPr lang="en-US" altLang="ko-KR" sz="2400" b="1" i="0" dirty="0">
+              <a:solidFill>
+                <a:schemeClr val="bg1"/>
+              </a:solidFill>
+              <a:effectLst/>
               <a:latin typeface="Arial" panose="020B0604020202020204" pitchFamily="34" charset="0"/>
               <a:cs typeface="Arial" panose="020B0604020202020204" pitchFamily="34" charset="0"/>
             </a:endParaRPr>
@@ -5667,7 +7194,7 @@
                 <a:latin typeface="Arial" panose="020B0604020202020204" pitchFamily="34" charset="0"/>
                 <a:cs typeface="Arial" panose="020B0604020202020204" pitchFamily="34" charset="0"/>
               </a:rPr>
-              <a:t>시계열 분석 알고리즘 이해 </a:t>
+              <a:t>분석싸이클</a:t>
             </a:r>
             <a:r>
               <a:rPr lang="en-US" altLang="ko-KR" sz="2400" b="1" i="0" dirty="0">
@@ -5678,7 +7205,7 @@
                 <a:latin typeface="Arial" panose="020B0604020202020204" pitchFamily="34" charset="0"/>
                 <a:cs typeface="Arial" panose="020B0604020202020204" pitchFamily="34" charset="0"/>
               </a:rPr>
-              <a:t>- 01. </a:t>
+              <a:t>/</a:t>
             </a:r>
             <a:r>
               <a:rPr lang="ko-KR" altLang="en-US" sz="2400" b="1" i="0" dirty="0">
@@ -5689,7 +7216,51 @@
                 <a:latin typeface="Arial" panose="020B0604020202020204" pitchFamily="34" charset="0"/>
                 <a:cs typeface="Arial" panose="020B0604020202020204" pitchFamily="34" charset="0"/>
               </a:rPr>
-              <a:t>알고리즘을 준비하는 방법과 시계열 알고리즘의 역할</a:t>
+              <a:t>용어</a:t>
+            </a:r>
+            <a:r>
+              <a:rPr lang="en-US" altLang="ko-KR" sz="2400" b="1" i="0" dirty="0">
+                <a:solidFill>
+                  <a:schemeClr val="bg1"/>
+                </a:solidFill>
+                <a:effectLst/>
+                <a:latin typeface="Arial" panose="020B0604020202020204" pitchFamily="34" charset="0"/>
+                <a:cs typeface="Arial" panose="020B0604020202020204" pitchFamily="34" charset="0"/>
+              </a:rPr>
+              <a:t>/</a:t>
+            </a:r>
+            <a:r>
+              <a:rPr lang="ko-KR" altLang="en-US" sz="2400" b="1" i="0" dirty="0">
+                <a:solidFill>
+                  <a:schemeClr val="bg1"/>
+                </a:solidFill>
+                <a:effectLst/>
+                <a:latin typeface="Arial" panose="020B0604020202020204" pitchFamily="34" charset="0"/>
+                <a:cs typeface="Arial" panose="020B0604020202020204" pitchFamily="34" charset="0"/>
+              </a:rPr>
+              <a:t>결과해석 </a:t>
+            </a:r>
+            <a:r>
+              <a:rPr lang="en-US" altLang="ko-KR" sz="2400" b="1" i="0" dirty="0">
+                <a:solidFill>
+                  <a:schemeClr val="bg1"/>
+                </a:solidFill>
+                <a:effectLst/>
+                <a:latin typeface="Arial" panose="020B0604020202020204" pitchFamily="34" charset="0"/>
+                <a:cs typeface="Arial" panose="020B0604020202020204" pitchFamily="34" charset="0"/>
+              </a:rPr>
+              <a:t>- 03. </a:t>
+            </a:r>
+            <a:r>
+              <a:rPr lang="ko-KR" altLang="en-US" sz="2400" b="1" i="0" dirty="0">
+                <a:solidFill>
+                  <a:schemeClr val="bg1"/>
+                </a:solidFill>
+                <a:effectLst/>
+                <a:latin typeface="Arial" panose="020B0604020202020204" pitchFamily="34" charset="0"/>
+                <a:cs typeface="Arial" panose="020B0604020202020204" pitchFamily="34" charset="0"/>
+              </a:rPr>
+              <a:t>시계열 알고리즘 결과를 해석하기</a:t>
             </a:r>
             <a:endParaRPr lang="en-US" altLang="ko-KR" sz="2400" b="1" dirty="0">
               <a:solidFill>
@@ -5754,6 +7325,451 @@
         <p:spPr>
           <a:xfrm>
             <a:off x="2258841" y="2844205"/>
+            <a:ext cx="7865218" cy="2954655"/>
+          </a:xfrm>
+          <a:prstGeom prst="rect">
+            <a:avLst/>
+          </a:prstGeom>
+          <a:noFill/>
+        </p:spPr>
+        <p:txBody>
+          <a:bodyPr wrap="square" lIns="0" tIns="0" rIns="0" bIns="0" rtlCol="0" anchor="t">
+            <a:spAutoFit/>
+          </a:bodyPr>
+          <a:lstStyle/>
+          <a:p>
+            <a:pPr marL="342900" indent="-342900">
+              <a:buFont typeface="Wingdings" panose="05000000000000000000" pitchFamily="2" charset="2"/>
+              <a:buChar char="l"/>
+            </a:pPr>
+            <a:r>
+              <a:rPr lang="ko-KR" altLang="en-US" sz="2400" dirty="0">
+                <a:solidFill>
+                  <a:schemeClr val="bg1"/>
+                </a:solidFill>
+                <a:latin typeface="Noto Sans CJK KR Black" panose="020B0A00000000000000" pitchFamily="34" charset="-127"/>
+                <a:ea typeface="Noto Sans CJK KR Black" panose="020B0A00000000000000" pitchFamily="34" charset="-127"/>
+              </a:rPr>
+              <a:t>지난시간 내용정리</a:t>
+            </a:r>
+            <a:endParaRPr lang="en-US" altLang="ko-KR" sz="2400" dirty="0">
+              <a:solidFill>
+                <a:schemeClr val="bg1"/>
+              </a:solidFill>
+              <a:latin typeface="Noto Sans CJK KR Black" panose="020B0A00000000000000" pitchFamily="34" charset="-127"/>
+              <a:ea typeface="Noto Sans CJK KR Black" panose="020B0A00000000000000" pitchFamily="34" charset="-127"/>
+            </a:endParaRPr>
+          </a:p>
+          <a:p>
+            <a:pPr marL="896798" lvl="1" indent="-342900">
+              <a:buFont typeface="Wingdings" panose="05000000000000000000" pitchFamily="2" charset="2"/>
+              <a:buChar char="ü"/>
+            </a:pPr>
+            <a:r>
+              <a:rPr lang="ko-KR" altLang="en-US" sz="2000" dirty="0">
+                <a:solidFill>
+                  <a:schemeClr val="bg1"/>
+                </a:solidFill>
+                <a:latin typeface="Noto Sans CJK KR Black" panose="020B0A00000000000000" pitchFamily="34" charset="-127"/>
+                <a:ea typeface="Noto Sans CJK KR Black" panose="020B0A00000000000000" pitchFamily="34" charset="-127"/>
+              </a:rPr>
+              <a:t>데이터 종류</a:t>
+            </a:r>
+            <a:endParaRPr lang="en-US" altLang="ko-KR" sz="2000" dirty="0">
+              <a:solidFill>
+                <a:schemeClr val="bg1"/>
+              </a:solidFill>
+              <a:latin typeface="Noto Sans CJK KR Black" panose="020B0A00000000000000" pitchFamily="34" charset="-127"/>
+              <a:ea typeface="Noto Sans CJK KR Black" panose="020B0A00000000000000" pitchFamily="34" charset="-127"/>
+            </a:endParaRPr>
+          </a:p>
+          <a:p>
+            <a:pPr marL="896798" lvl="1" indent="-342900">
+              <a:buFont typeface="Wingdings" panose="05000000000000000000" pitchFamily="2" charset="2"/>
+              <a:buChar char="ü"/>
+            </a:pPr>
+            <a:r>
+              <a:rPr lang="ko-KR" altLang="en-US" sz="2000" dirty="0">
+                <a:solidFill>
+                  <a:schemeClr val="bg1"/>
+                </a:solidFill>
+                <a:latin typeface="Noto Sans CJK KR Black" panose="020B0A00000000000000" pitchFamily="34" charset="-127"/>
+                <a:ea typeface="Noto Sans CJK KR Black" panose="020B0A00000000000000" pitchFamily="34" charset="-127"/>
+              </a:rPr>
+              <a:t>필수적인 통계량</a:t>
+            </a:r>
+            <a:endParaRPr lang="en-US" altLang="ko-KR" sz="2000" dirty="0">
+              <a:solidFill>
+                <a:schemeClr val="bg1"/>
+              </a:solidFill>
+              <a:latin typeface="Noto Sans CJK KR Black" panose="020B0A00000000000000" pitchFamily="34" charset="-127"/>
+              <a:ea typeface="Noto Sans CJK KR Black" panose="020B0A00000000000000" pitchFamily="34" charset="-127"/>
+            </a:endParaRPr>
+          </a:p>
+          <a:p>
+            <a:pPr marL="896798" lvl="1" indent="-342900">
+              <a:buFont typeface="Wingdings" panose="05000000000000000000" pitchFamily="2" charset="2"/>
+              <a:buChar char="ü"/>
+            </a:pPr>
+            <a:r>
+              <a:rPr lang="ko-KR" altLang="en-US" sz="2000" dirty="0">
+                <a:solidFill>
+                  <a:schemeClr val="bg1"/>
+                </a:solidFill>
+                <a:latin typeface="Noto Sans CJK KR Black" panose="020B0A00000000000000" pitchFamily="34" charset="-127"/>
+                <a:ea typeface="Noto Sans CJK KR Black" panose="020B0A00000000000000" pitchFamily="34" charset="-127"/>
+              </a:rPr>
+              <a:t>데이터의 함정</a:t>
+            </a:r>
+            <a:endParaRPr lang="en-US" altLang="ko-KR" sz="2000" dirty="0">
+              <a:solidFill>
+                <a:schemeClr val="bg1"/>
+              </a:solidFill>
+              <a:latin typeface="Noto Sans CJK KR Black" panose="020B0A00000000000000" pitchFamily="34" charset="-127"/>
+              <a:ea typeface="Noto Sans CJK KR Black" panose="020B0A00000000000000" pitchFamily="34" charset="-127"/>
+            </a:endParaRPr>
+          </a:p>
+          <a:p>
+            <a:pPr marL="342900" indent="-342900">
+              <a:buFont typeface="Wingdings" panose="05000000000000000000" pitchFamily="2" charset="2"/>
+              <a:buChar char="l"/>
+            </a:pPr>
+            <a:endParaRPr lang="en-US" altLang="ko-KR" sz="2400" dirty="0">
+              <a:solidFill>
+                <a:schemeClr val="bg1"/>
+              </a:solidFill>
+              <a:latin typeface="Noto Sans CJK KR Black" panose="020B0A00000000000000" pitchFamily="34" charset="-127"/>
+              <a:ea typeface="Noto Sans CJK KR Black" panose="020B0A00000000000000" pitchFamily="34" charset="-127"/>
+            </a:endParaRPr>
+          </a:p>
+          <a:p>
+            <a:pPr marL="342900" indent="-342900">
+              <a:buFont typeface="Wingdings" panose="05000000000000000000" pitchFamily="2" charset="2"/>
+              <a:buChar char="l"/>
+            </a:pPr>
+            <a:r>
+              <a:rPr lang="ko-KR" altLang="en-US" sz="2400" dirty="0">
+                <a:solidFill>
+                  <a:schemeClr val="bg1"/>
+                </a:solidFill>
+                <a:latin typeface="Noto Sans CJK KR Black" panose="020B0A00000000000000" pitchFamily="34" charset="-127"/>
+                <a:ea typeface="Noto Sans CJK KR Black" panose="020B0A00000000000000" pitchFamily="34" charset="-127"/>
+              </a:rPr>
+              <a:t>이번시간 목표</a:t>
+            </a:r>
+            <a:endParaRPr lang="en-US" altLang="ko-KR" sz="2400" dirty="0">
+              <a:solidFill>
+                <a:schemeClr val="bg1"/>
+              </a:solidFill>
+              <a:latin typeface="Noto Sans CJK KR Black" panose="020B0A00000000000000" pitchFamily="34" charset="-127"/>
+              <a:ea typeface="Noto Sans CJK KR Black" panose="020B0A00000000000000" pitchFamily="34" charset="-127"/>
+            </a:endParaRPr>
+          </a:p>
+          <a:p>
+            <a:pPr marL="896798" lvl="1" indent="-342900">
+              <a:buFont typeface="Wingdings" panose="05000000000000000000" pitchFamily="2" charset="2"/>
+              <a:buChar char="ü"/>
+            </a:pPr>
+            <a:r>
+              <a:rPr lang="ko-KR" altLang="en-US" sz="2000" dirty="0">
+                <a:solidFill>
+                  <a:schemeClr val="bg1"/>
+                </a:solidFill>
+                <a:latin typeface="Noto Sans CJK KR Black" panose="020B0A00000000000000" pitchFamily="34" charset="-127"/>
+                <a:ea typeface="Noto Sans CJK KR Black" panose="020B0A00000000000000" pitchFamily="34" charset="-127"/>
+              </a:rPr>
+              <a:t>문제를 정의하는 방법</a:t>
+            </a:r>
+            <a:endParaRPr lang="en-US" altLang="ko-KR" sz="2000" dirty="0">
+              <a:solidFill>
+                <a:schemeClr val="bg1"/>
+              </a:solidFill>
+              <a:latin typeface="Noto Sans CJK KR Black" panose="020B0A00000000000000" pitchFamily="34" charset="-127"/>
+              <a:ea typeface="Noto Sans CJK KR Black" panose="020B0A00000000000000" pitchFamily="34" charset="-127"/>
+            </a:endParaRPr>
+          </a:p>
+          <a:p>
+            <a:pPr marL="896798" lvl="1" indent="-342900">
+              <a:buFont typeface="Wingdings" panose="05000000000000000000" pitchFamily="2" charset="2"/>
+              <a:buChar char="ü"/>
+            </a:pPr>
+            <a:r>
+              <a:rPr lang="ko-KR" altLang="en-US" sz="2000" dirty="0">
+                <a:solidFill>
+                  <a:schemeClr val="bg1"/>
+                </a:solidFill>
+                <a:latin typeface="Noto Sans CJK KR Black" panose="020B0A00000000000000" pitchFamily="34" charset="-127"/>
+                <a:ea typeface="Noto Sans CJK KR Black" panose="020B0A00000000000000" pitchFamily="34" charset="-127"/>
+              </a:rPr>
+              <a:t>추정된 결과를 해석하는 방법</a:t>
+            </a:r>
+            <a:endParaRPr lang="en-US" altLang="ko-KR" sz="2000" dirty="0">
+              <a:solidFill>
+                <a:schemeClr val="bg1"/>
+              </a:solidFill>
+              <a:latin typeface="Noto Sans CJK KR Black" panose="020B0A00000000000000" pitchFamily="34" charset="-127"/>
+              <a:ea typeface="Noto Sans CJK KR Black" panose="020B0A00000000000000" pitchFamily="34" charset="-127"/>
+            </a:endParaRPr>
+          </a:p>
+          <a:p>
+            <a:pPr marL="896798" lvl="1" indent="-342900">
+              <a:buFont typeface="Wingdings" panose="05000000000000000000" pitchFamily="2" charset="2"/>
+              <a:buChar char="ü"/>
+            </a:pPr>
+            <a:r>
+              <a:rPr lang="ko-KR" altLang="en-US" sz="2000" dirty="0">
+                <a:solidFill>
+                  <a:schemeClr val="bg1"/>
+                </a:solidFill>
+                <a:latin typeface="Noto Sans CJK KR Black" panose="020B0A00000000000000" pitchFamily="34" charset="-127"/>
+                <a:ea typeface="Noto Sans CJK KR Black" panose="020B0A00000000000000" pitchFamily="34" charset="-127"/>
+              </a:rPr>
+              <a:t>향후 분석에서의 활용 정리</a:t>
+            </a:r>
+            <a:endParaRPr lang="en-US" altLang="ko-KR" sz="2000" dirty="0">
+              <a:solidFill>
+                <a:schemeClr val="bg1"/>
+              </a:solidFill>
+              <a:latin typeface="Noto Sans CJK KR Black" panose="020B0A00000000000000" pitchFamily="34" charset="-127"/>
+              <a:ea typeface="Noto Sans CJK KR Black" panose="020B0A00000000000000" pitchFamily="34" charset="-127"/>
+            </a:endParaRPr>
+          </a:p>
+        </p:txBody>
+      </p:sp>
+    </p:spTree>
+    <p:extLst>
+      <p:ext uri="{BB962C8B-B14F-4D97-AF65-F5344CB8AC3E}">
+        <p14:creationId xmlns:p14="http://schemas.microsoft.com/office/powerpoint/2010/main" val="432829093"/>
+      </p:ext>
+    </p:extLst>
+  </p:cSld>
+  <p:clrMapOvr>
+    <a:masterClrMapping/>
+  </p:clrMapOvr>
+</p:sld>
+</file>
+
+<file path=ppt/slides/slide5.xml><?xml version="1.0" encoding="utf-8"?>
+<p:sld xmlns:a="http://schemas.openxmlformats.org/drawingml/2006/main" xmlns:r="http://schemas.openxmlformats.org/officeDocument/2006/relationships" xmlns:p="http://schemas.openxmlformats.org/presentationml/2006/main">
+  <p:cSld>
+    <p:bg>
+      <p:bgPr>
+        <a:solidFill>
+          <a:schemeClr val="bg1">
+            <a:lumMod val="65000"/>
+          </a:schemeClr>
+        </a:solidFill>
+        <a:effectLst/>
+      </p:bgPr>
+    </p:bg>
+    <p:spTree>
+      <p:nvGrpSpPr>
+        <p:cNvPr id="1" name=""/>
+        <p:cNvGrpSpPr/>
+        <p:nvPr/>
+      </p:nvGrpSpPr>
+      <p:grpSpPr>
+        <a:xfrm>
+          <a:off x="0" y="0"/>
+          <a:ext cx="0" cy="0"/>
+          <a:chOff x="0" y="0"/>
+          <a:chExt cx="0" cy="0"/>
+        </a:xfrm>
+      </p:grpSpPr>
+      <p:sp>
+        <p:nvSpPr>
+          <p:cNvPr id="4" name="슬라이드 번호 개체 틀 3"/>
+          <p:cNvSpPr>
+            <a:spLocks noGrp="1"/>
+          </p:cNvSpPr>
+          <p:nvPr>
+            <p:ph type="sldNum" sz="quarter" idx="12"/>
+          </p:nvPr>
+        </p:nvSpPr>
+        <p:spPr/>
+        <p:txBody>
+          <a:bodyPr/>
+          <a:lstStyle/>
+          <a:p>
+            <a:fld id="{6DDAE2C3-1A0B-474A-8CE8-AE55B8D9D4B1}" type="slidenum">
+              <a:rPr lang="ko-KR" altLang="en-US" smtClean="0"/>
+              <a:pPr/>
+              <a:t>5</a:t>
+            </a:fld>
+            <a:endParaRPr lang="ko-KR" altLang="en-US" dirty="0"/>
+          </a:p>
+        </p:txBody>
+      </p:sp>
+      <p:sp>
+        <p:nvSpPr>
+          <p:cNvPr id="11" name="TextBox 10"/>
+          <p:cNvSpPr txBox="1"/>
+          <p:nvPr/>
+        </p:nvSpPr>
+        <p:spPr>
+          <a:xfrm>
+            <a:off x="204828" y="854694"/>
+            <a:ext cx="11750594" cy="1107996"/>
+          </a:xfrm>
+          <a:prstGeom prst="rect">
+            <a:avLst/>
+          </a:prstGeom>
+          <a:noFill/>
+        </p:spPr>
+        <p:txBody>
+          <a:bodyPr wrap="square" lIns="0" tIns="0" rIns="0" bIns="0" rtlCol="0" anchor="t">
+            <a:spAutoFit/>
+          </a:bodyPr>
+          <a:lstStyle/>
+          <a:p>
+            <a:r>
+              <a:rPr lang="en-US" altLang="ko-KR" sz="2400" b="1" i="0" dirty="0">
+                <a:solidFill>
+                  <a:schemeClr val="bg1"/>
+                </a:solidFill>
+                <a:effectLst/>
+                <a:latin typeface="Arial" panose="020B0604020202020204" pitchFamily="34" charset="0"/>
+                <a:cs typeface="Arial" panose="020B0604020202020204" pitchFamily="34" charset="0"/>
+              </a:rPr>
+              <a:t>Part 01. </a:t>
+            </a:r>
+            <a:r>
+              <a:rPr lang="ko-KR" altLang="en-US" sz="2400" b="1" i="0" dirty="0">
+                <a:solidFill>
+                  <a:schemeClr val="bg1"/>
+                </a:solidFill>
+                <a:effectLst/>
+                <a:latin typeface="Arial" panose="020B0604020202020204" pitchFamily="34" charset="0"/>
+                <a:cs typeface="Arial" panose="020B0604020202020204" pitchFamily="34" charset="0"/>
+              </a:rPr>
+              <a:t>데이터분석 준비하기</a:t>
+            </a:r>
+            <a:endParaRPr lang="en-US" altLang="ko-KR" sz="2400" b="1" i="0" dirty="0">
+              <a:solidFill>
+                <a:schemeClr val="bg1"/>
+              </a:solidFill>
+              <a:effectLst/>
+              <a:latin typeface="Arial" panose="020B0604020202020204" pitchFamily="34" charset="0"/>
+              <a:cs typeface="Arial" panose="020B0604020202020204" pitchFamily="34" charset="0"/>
+            </a:endParaRPr>
+          </a:p>
+          <a:p>
+            <a:endParaRPr lang="en-US" altLang="ko-KR" sz="2400" b="1" dirty="0">
+              <a:solidFill>
+                <a:schemeClr val="bg1"/>
+              </a:solidFill>
+              <a:latin typeface="Arial" panose="020B0604020202020204" pitchFamily="34" charset="0"/>
+              <a:cs typeface="Arial" panose="020B0604020202020204" pitchFamily="34" charset="0"/>
+            </a:endParaRPr>
+          </a:p>
+          <a:p>
+            <a:r>
+              <a:rPr lang="en-US" altLang="ko-KR" sz="2400" b="1" i="0" dirty="0">
+                <a:solidFill>
+                  <a:schemeClr val="bg1"/>
+                </a:solidFill>
+                <a:effectLst/>
+                <a:latin typeface="Arial" panose="020B0604020202020204" pitchFamily="34" charset="0"/>
+                <a:cs typeface="Arial" panose="020B0604020202020204" pitchFamily="34" charset="0"/>
+              </a:rPr>
+              <a:t>: </a:t>
+            </a:r>
+            <a:r>
+              <a:rPr lang="ko-KR" altLang="en-US" sz="2400" b="1" i="0" dirty="0">
+                <a:solidFill>
+                  <a:schemeClr val="bg1"/>
+                </a:solidFill>
+                <a:effectLst/>
+                <a:latin typeface="Arial" panose="020B0604020202020204" pitchFamily="34" charset="0"/>
+                <a:cs typeface="Arial" panose="020B0604020202020204" pitchFamily="34" charset="0"/>
+              </a:rPr>
+              <a:t>시계열 분석 알고리즘 이해 </a:t>
+            </a:r>
+            <a:r>
+              <a:rPr lang="en-US" altLang="ko-KR" sz="2400" b="1" i="0" dirty="0">
+                <a:solidFill>
+                  <a:schemeClr val="bg1"/>
+                </a:solidFill>
+                <a:effectLst/>
+                <a:latin typeface="Arial" panose="020B0604020202020204" pitchFamily="34" charset="0"/>
+                <a:cs typeface="Arial" panose="020B0604020202020204" pitchFamily="34" charset="0"/>
+              </a:rPr>
+              <a:t>- 01. </a:t>
+            </a:r>
+            <a:r>
+              <a:rPr lang="ko-KR" altLang="en-US" sz="2400" b="1" i="0" dirty="0">
+                <a:solidFill>
+                  <a:schemeClr val="bg1"/>
+                </a:solidFill>
+                <a:effectLst/>
+                <a:latin typeface="Arial" panose="020B0604020202020204" pitchFamily="34" charset="0"/>
+                <a:cs typeface="Arial" panose="020B0604020202020204" pitchFamily="34" charset="0"/>
+              </a:rPr>
+              <a:t>알고리즘을 준비하는 방법과 시계열 알고리즘의 역할</a:t>
+            </a:r>
+            <a:endParaRPr lang="en-US" altLang="ko-KR" sz="2400" b="1" dirty="0">
+              <a:solidFill>
+                <a:schemeClr val="bg1"/>
+              </a:solidFill>
+              <a:latin typeface="Arial" panose="020B0604020202020204" pitchFamily="34" charset="0"/>
+              <a:ea typeface="Noto Sans CJK KR Black" panose="020B0A00000000000000" pitchFamily="34" charset="-127"/>
+              <a:cs typeface="Arial" panose="020B0604020202020204" pitchFamily="34" charset="0"/>
+            </a:endParaRPr>
+          </a:p>
+        </p:txBody>
+      </p:sp>
+      <p:sp>
+        <p:nvSpPr>
+          <p:cNvPr id="12" name="TextBox 11"/>
+          <p:cNvSpPr txBox="1"/>
+          <p:nvPr/>
+        </p:nvSpPr>
+        <p:spPr>
+          <a:xfrm>
+            <a:off x="4783981" y="611957"/>
+            <a:ext cx="7056784" cy="216726"/>
+          </a:xfrm>
+          <a:prstGeom prst="rect">
+            <a:avLst/>
+          </a:prstGeom>
+          <a:noFill/>
+        </p:spPr>
+        <p:txBody>
+          <a:bodyPr wrap="square" lIns="0" tIns="0" rIns="0" bIns="0" rtlCol="0" anchor="t">
+            <a:spAutoFit/>
+          </a:bodyPr>
+          <a:lstStyle/>
+          <a:p>
+            <a:pPr>
+              <a:lnSpc>
+                <a:spcPct val="150000"/>
+              </a:lnSpc>
+            </a:pPr>
+            <a:endParaRPr lang="en-US" altLang="ko-KR" sz="1050" dirty="0">
+              <a:solidFill>
+                <a:schemeClr val="bg1"/>
+              </a:solidFill>
+              <a:latin typeface="Noto Sans CJK KR Medium" panose="020B0600000000000000" pitchFamily="34" charset="-127"/>
+              <a:ea typeface="Noto Sans CJK KR Medium" panose="020B0600000000000000" pitchFamily="34" charset="-127"/>
+            </a:endParaRPr>
+          </a:p>
+        </p:txBody>
+      </p:sp>
+      <p:sp>
+        <p:nvSpPr>
+          <p:cNvPr id="6" name="TextBox 5">
+            <a:extLst>
+              <a:ext uri="{FF2B5EF4-FFF2-40B4-BE49-F238E27FC236}">
+                <a16:creationId xmlns:a16="http://schemas.microsoft.com/office/drawing/2014/main" id="{161CCAE4-E01F-4257-AFB1-00679BC318D7}"/>
+              </a:ext>
+            </a:extLst>
+          </p:cNvPr>
+          <p:cNvSpPr txBox="1"/>
+          <p:nvPr/>
+        </p:nvSpPr>
+        <p:spPr>
+          <a:xfrm>
+            <a:off x="2258841" y="2844205"/>
             <a:ext cx="7865218" cy="2646878"/>
           </a:xfrm>
           <a:prstGeom prst="rect">
@@ -5946,6 +7962,1851 @@
     <p:extLst>
       <p:ext uri="{BB962C8B-B14F-4D97-AF65-F5344CB8AC3E}">
         <p14:creationId xmlns:p14="http://schemas.microsoft.com/office/powerpoint/2010/main" val="3045296900"/>
+      </p:ext>
+    </p:extLst>
+  </p:cSld>
+  <p:clrMapOvr>
+    <a:masterClrMapping/>
+  </p:clrMapOvr>
+</p:sld>
+</file>
+
+<file path=ppt/slides/slide6.xml><?xml version="1.0" encoding="utf-8"?>
+<p:sld xmlns:a="http://schemas.openxmlformats.org/drawingml/2006/main" xmlns:r="http://schemas.openxmlformats.org/officeDocument/2006/relationships" xmlns:p="http://schemas.openxmlformats.org/presentationml/2006/main">
+  <p:cSld>
+    <p:bg>
+      <p:bgPr>
+        <a:solidFill>
+          <a:schemeClr val="bg1">
+            <a:lumMod val="65000"/>
+          </a:schemeClr>
+        </a:solidFill>
+        <a:effectLst/>
+      </p:bgPr>
+    </p:bg>
+    <p:spTree>
+      <p:nvGrpSpPr>
+        <p:cNvPr id="1" name=""/>
+        <p:cNvGrpSpPr/>
+        <p:nvPr/>
+      </p:nvGrpSpPr>
+      <p:grpSpPr>
+        <a:xfrm>
+          <a:off x="0" y="0"/>
+          <a:ext cx="0" cy="0"/>
+          <a:chOff x="0" y="0"/>
+          <a:chExt cx="0" cy="0"/>
+        </a:xfrm>
+      </p:grpSpPr>
+      <p:sp>
+        <p:nvSpPr>
+          <p:cNvPr id="4" name="슬라이드 번호 개체 틀 3"/>
+          <p:cNvSpPr>
+            <a:spLocks noGrp="1"/>
+          </p:cNvSpPr>
+          <p:nvPr>
+            <p:ph type="sldNum" sz="quarter" idx="12"/>
+          </p:nvPr>
+        </p:nvSpPr>
+        <p:spPr/>
+        <p:txBody>
+          <a:bodyPr/>
+          <a:lstStyle/>
+          <a:p>
+            <a:fld id="{6DDAE2C3-1A0B-474A-8CE8-AE55B8D9D4B1}" type="slidenum">
+              <a:rPr lang="ko-KR" altLang="en-US" smtClean="0"/>
+              <a:pPr/>
+              <a:t>6</a:t>
+            </a:fld>
+            <a:endParaRPr lang="ko-KR" altLang="en-US" dirty="0"/>
+          </a:p>
+        </p:txBody>
+      </p:sp>
+      <p:sp>
+        <p:nvSpPr>
+          <p:cNvPr id="11" name="TextBox 10"/>
+          <p:cNvSpPr txBox="1"/>
+          <p:nvPr/>
+        </p:nvSpPr>
+        <p:spPr>
+          <a:xfrm>
+            <a:off x="204828" y="854694"/>
+            <a:ext cx="11750594" cy="1107996"/>
+          </a:xfrm>
+          <a:prstGeom prst="rect">
+            <a:avLst/>
+          </a:prstGeom>
+          <a:noFill/>
+        </p:spPr>
+        <p:txBody>
+          <a:bodyPr wrap="square" lIns="0" tIns="0" rIns="0" bIns="0" rtlCol="0" anchor="t">
+            <a:spAutoFit/>
+          </a:bodyPr>
+          <a:lstStyle/>
+          <a:p>
+            <a:r>
+              <a:rPr lang="en-US" altLang="ko-KR" sz="2400" b="1" i="0" dirty="0">
+                <a:solidFill>
+                  <a:schemeClr val="bg1"/>
+                </a:solidFill>
+                <a:effectLst/>
+                <a:latin typeface="Arial" panose="020B0604020202020204" pitchFamily="34" charset="0"/>
+                <a:cs typeface="Arial" panose="020B0604020202020204" pitchFamily="34" charset="0"/>
+              </a:rPr>
+              <a:t>Part 01. </a:t>
+            </a:r>
+            <a:r>
+              <a:rPr lang="ko-KR" altLang="en-US" sz="2400" b="1" i="0" dirty="0">
+                <a:solidFill>
+                  <a:schemeClr val="bg1"/>
+                </a:solidFill>
+                <a:effectLst/>
+                <a:latin typeface="Arial" panose="020B0604020202020204" pitchFamily="34" charset="0"/>
+                <a:cs typeface="Arial" panose="020B0604020202020204" pitchFamily="34" charset="0"/>
+              </a:rPr>
+              <a:t>데이터분석 준비하기</a:t>
+            </a:r>
+            <a:endParaRPr lang="en-US" altLang="ko-KR" sz="2400" b="1" i="0" dirty="0">
+              <a:solidFill>
+                <a:schemeClr val="bg1"/>
+              </a:solidFill>
+              <a:effectLst/>
+              <a:latin typeface="Arial" panose="020B0604020202020204" pitchFamily="34" charset="0"/>
+              <a:cs typeface="Arial" panose="020B0604020202020204" pitchFamily="34" charset="0"/>
+            </a:endParaRPr>
+          </a:p>
+          <a:p>
+            <a:endParaRPr lang="en-US" altLang="ko-KR" sz="2400" b="1" dirty="0">
+              <a:solidFill>
+                <a:schemeClr val="bg1"/>
+              </a:solidFill>
+              <a:latin typeface="Arial" panose="020B0604020202020204" pitchFamily="34" charset="0"/>
+              <a:cs typeface="Arial" panose="020B0604020202020204" pitchFamily="34" charset="0"/>
+            </a:endParaRPr>
+          </a:p>
+          <a:p>
+            <a:r>
+              <a:rPr lang="en-US" altLang="ko-KR" sz="2400" b="1" i="0" dirty="0">
+                <a:solidFill>
+                  <a:schemeClr val="bg1"/>
+                </a:solidFill>
+                <a:effectLst/>
+                <a:latin typeface="Arial" panose="020B0604020202020204" pitchFamily="34" charset="0"/>
+                <a:cs typeface="Arial" panose="020B0604020202020204" pitchFamily="34" charset="0"/>
+              </a:rPr>
+              <a:t>: </a:t>
+            </a:r>
+            <a:r>
+              <a:rPr lang="ko-KR" altLang="en-US" sz="2400" b="1" i="0" dirty="0">
+                <a:solidFill>
+                  <a:schemeClr val="bg1"/>
+                </a:solidFill>
+                <a:effectLst/>
+                <a:latin typeface="Arial" panose="020B0604020202020204" pitchFamily="34" charset="0"/>
+                <a:cs typeface="Arial" panose="020B0604020202020204" pitchFamily="34" charset="0"/>
+              </a:rPr>
+              <a:t>시계열 분석 알고리즘 이해 </a:t>
+            </a:r>
+            <a:r>
+              <a:rPr lang="en-US" altLang="ko-KR" sz="2400" b="1" i="0" dirty="0">
+                <a:solidFill>
+                  <a:schemeClr val="bg1"/>
+                </a:solidFill>
+                <a:effectLst/>
+                <a:latin typeface="Arial" panose="020B0604020202020204" pitchFamily="34" charset="0"/>
+                <a:cs typeface="Arial" panose="020B0604020202020204" pitchFamily="34" charset="0"/>
+              </a:rPr>
+              <a:t>- 02. </a:t>
+            </a:r>
+            <a:r>
+              <a:rPr lang="ko-KR" altLang="en-US" sz="2400" b="1" i="0" dirty="0">
+                <a:solidFill>
+                  <a:schemeClr val="bg1"/>
+                </a:solidFill>
+                <a:effectLst/>
+                <a:latin typeface="Arial" panose="020B0604020202020204" pitchFamily="34" charset="0"/>
+                <a:cs typeface="Arial" panose="020B0604020202020204" pitchFamily="34" charset="0"/>
+              </a:rPr>
+              <a:t>시계열과 인공지능 알고리즘의 차이와 설명력</a:t>
+            </a:r>
+            <a:r>
+              <a:rPr lang="en-US" altLang="ko-KR" sz="2400" b="1" i="0" dirty="0">
+                <a:solidFill>
+                  <a:schemeClr val="bg1"/>
+                </a:solidFill>
+                <a:effectLst/>
+                <a:latin typeface="Arial" panose="020B0604020202020204" pitchFamily="34" charset="0"/>
+                <a:cs typeface="Arial" panose="020B0604020202020204" pitchFamily="34" charset="0"/>
+              </a:rPr>
+              <a:t>?</a:t>
+            </a:r>
+            <a:endParaRPr lang="en-US" altLang="ko-KR" sz="2400" b="1" dirty="0">
+              <a:solidFill>
+                <a:schemeClr val="bg1"/>
+              </a:solidFill>
+              <a:latin typeface="Arial" panose="020B0604020202020204" pitchFamily="34" charset="0"/>
+              <a:ea typeface="Noto Sans CJK KR Black" panose="020B0A00000000000000" pitchFamily="34" charset="-127"/>
+              <a:cs typeface="Arial" panose="020B0604020202020204" pitchFamily="34" charset="0"/>
+            </a:endParaRPr>
+          </a:p>
+        </p:txBody>
+      </p:sp>
+      <p:sp>
+        <p:nvSpPr>
+          <p:cNvPr id="12" name="TextBox 11"/>
+          <p:cNvSpPr txBox="1"/>
+          <p:nvPr/>
+        </p:nvSpPr>
+        <p:spPr>
+          <a:xfrm>
+            <a:off x="4783981" y="611957"/>
+            <a:ext cx="7056784" cy="216726"/>
+          </a:xfrm>
+          <a:prstGeom prst="rect">
+            <a:avLst/>
+          </a:prstGeom>
+          <a:noFill/>
+        </p:spPr>
+        <p:txBody>
+          <a:bodyPr wrap="square" lIns="0" tIns="0" rIns="0" bIns="0" rtlCol="0" anchor="t">
+            <a:spAutoFit/>
+          </a:bodyPr>
+          <a:lstStyle/>
+          <a:p>
+            <a:pPr>
+              <a:lnSpc>
+                <a:spcPct val="150000"/>
+              </a:lnSpc>
+            </a:pPr>
+            <a:endParaRPr lang="en-US" altLang="ko-KR" sz="1050" dirty="0">
+              <a:solidFill>
+                <a:schemeClr val="bg1"/>
+              </a:solidFill>
+              <a:latin typeface="Noto Sans CJK KR Medium" panose="020B0600000000000000" pitchFamily="34" charset="-127"/>
+              <a:ea typeface="Noto Sans CJK KR Medium" panose="020B0600000000000000" pitchFamily="34" charset="-127"/>
+            </a:endParaRPr>
+          </a:p>
+        </p:txBody>
+      </p:sp>
+      <p:sp>
+        <p:nvSpPr>
+          <p:cNvPr id="6" name="TextBox 5">
+            <a:extLst>
+              <a:ext uri="{FF2B5EF4-FFF2-40B4-BE49-F238E27FC236}">
+                <a16:creationId xmlns:a16="http://schemas.microsoft.com/office/drawing/2014/main" id="{161CCAE4-E01F-4257-AFB1-00679BC318D7}"/>
+              </a:ext>
+            </a:extLst>
+          </p:cNvPr>
+          <p:cNvSpPr txBox="1"/>
+          <p:nvPr/>
+        </p:nvSpPr>
+        <p:spPr>
+          <a:xfrm>
+            <a:off x="2258841" y="2844205"/>
+            <a:ext cx="7865218" cy="2339102"/>
+          </a:xfrm>
+          <a:prstGeom prst="rect">
+            <a:avLst/>
+          </a:prstGeom>
+          <a:noFill/>
+        </p:spPr>
+        <p:txBody>
+          <a:bodyPr wrap="square" lIns="0" tIns="0" rIns="0" bIns="0" rtlCol="0" anchor="t">
+            <a:spAutoFit/>
+          </a:bodyPr>
+          <a:lstStyle/>
+          <a:p>
+            <a:pPr marL="342900" indent="-342900">
+              <a:buFont typeface="Wingdings" panose="05000000000000000000" pitchFamily="2" charset="2"/>
+              <a:buChar char="l"/>
+            </a:pPr>
+            <a:r>
+              <a:rPr lang="ko-KR" altLang="en-US" sz="2400" dirty="0">
+                <a:solidFill>
+                  <a:schemeClr val="bg1"/>
+                </a:solidFill>
+                <a:latin typeface="Noto Sans CJK KR Black" panose="020B0A00000000000000" pitchFamily="34" charset="-127"/>
+                <a:ea typeface="Noto Sans CJK KR Black" panose="020B0A00000000000000" pitchFamily="34" charset="-127"/>
+              </a:rPr>
+              <a:t>지난시간 내용정리</a:t>
+            </a:r>
+            <a:endParaRPr lang="en-US" altLang="ko-KR" sz="2400" dirty="0">
+              <a:solidFill>
+                <a:schemeClr val="bg1"/>
+              </a:solidFill>
+              <a:latin typeface="Noto Sans CJK KR Black" panose="020B0A00000000000000" pitchFamily="34" charset="-127"/>
+              <a:ea typeface="Noto Sans CJK KR Black" panose="020B0A00000000000000" pitchFamily="34" charset="-127"/>
+            </a:endParaRPr>
+          </a:p>
+          <a:p>
+            <a:pPr marL="896798" lvl="1" indent="-342900">
+              <a:buFont typeface="Wingdings" panose="05000000000000000000" pitchFamily="2" charset="2"/>
+              <a:buChar char="ü"/>
+            </a:pPr>
+            <a:r>
+              <a:rPr lang="ko-KR" altLang="en-US" sz="2000" dirty="0">
+                <a:solidFill>
+                  <a:schemeClr val="bg1"/>
+                </a:solidFill>
+                <a:latin typeface="Noto Sans CJK KR Black" panose="020B0A00000000000000" pitchFamily="34" charset="-127"/>
+                <a:ea typeface="Noto Sans CJK KR Black" panose="020B0A00000000000000" pitchFamily="34" charset="-127"/>
+              </a:rPr>
+              <a:t>알고리즘을 선택하는 방향</a:t>
+            </a:r>
+            <a:endParaRPr lang="en-US" altLang="ko-KR" sz="2000" dirty="0">
+              <a:solidFill>
+                <a:schemeClr val="bg1"/>
+              </a:solidFill>
+              <a:latin typeface="Noto Sans CJK KR Black" panose="020B0A00000000000000" pitchFamily="34" charset="-127"/>
+              <a:ea typeface="Noto Sans CJK KR Black" panose="020B0A00000000000000" pitchFamily="34" charset="-127"/>
+            </a:endParaRPr>
+          </a:p>
+          <a:p>
+            <a:pPr marL="896798" lvl="1" indent="-342900">
+              <a:buFont typeface="Wingdings" panose="05000000000000000000" pitchFamily="2" charset="2"/>
+              <a:buChar char="ü"/>
+            </a:pPr>
+            <a:r>
+              <a:rPr lang="ko-KR" altLang="en-US" sz="2000" dirty="0">
+                <a:solidFill>
+                  <a:schemeClr val="bg1"/>
+                </a:solidFill>
+                <a:latin typeface="Noto Sans CJK KR Black" panose="020B0A00000000000000" pitchFamily="34" charset="-127"/>
+                <a:ea typeface="Noto Sans CJK KR Black" panose="020B0A00000000000000" pitchFamily="34" charset="-127"/>
+              </a:rPr>
+              <a:t>알고리즘의 종류</a:t>
+            </a:r>
+            <a:endParaRPr lang="en-US" altLang="ko-KR" sz="2000" dirty="0">
+              <a:solidFill>
+                <a:schemeClr val="bg1"/>
+              </a:solidFill>
+              <a:latin typeface="Noto Sans CJK KR Black" panose="020B0A00000000000000" pitchFamily="34" charset="-127"/>
+              <a:ea typeface="Noto Sans CJK KR Black" panose="020B0A00000000000000" pitchFamily="34" charset="-127"/>
+            </a:endParaRPr>
+          </a:p>
+          <a:p>
+            <a:pPr marL="342900" indent="-342900">
+              <a:buFont typeface="Wingdings" panose="05000000000000000000" pitchFamily="2" charset="2"/>
+              <a:buChar char="l"/>
+            </a:pPr>
+            <a:endParaRPr lang="en-US" altLang="ko-KR" sz="2400" dirty="0">
+              <a:solidFill>
+                <a:schemeClr val="bg1"/>
+              </a:solidFill>
+              <a:latin typeface="Noto Sans CJK KR Black" panose="020B0A00000000000000" pitchFamily="34" charset="-127"/>
+              <a:ea typeface="Noto Sans CJK KR Black" panose="020B0A00000000000000" pitchFamily="34" charset="-127"/>
+            </a:endParaRPr>
+          </a:p>
+          <a:p>
+            <a:pPr marL="342900" indent="-342900">
+              <a:buFont typeface="Wingdings" panose="05000000000000000000" pitchFamily="2" charset="2"/>
+              <a:buChar char="l"/>
+            </a:pPr>
+            <a:r>
+              <a:rPr lang="ko-KR" altLang="en-US" sz="2400" dirty="0">
+                <a:solidFill>
+                  <a:schemeClr val="bg1"/>
+                </a:solidFill>
+                <a:latin typeface="Noto Sans CJK KR Black" panose="020B0A00000000000000" pitchFamily="34" charset="-127"/>
+                <a:ea typeface="Noto Sans CJK KR Black" panose="020B0A00000000000000" pitchFamily="34" charset="-127"/>
+              </a:rPr>
+              <a:t>이번시간 목표</a:t>
+            </a:r>
+            <a:endParaRPr lang="en-US" altLang="ko-KR" sz="2400" dirty="0">
+              <a:solidFill>
+                <a:schemeClr val="bg1"/>
+              </a:solidFill>
+              <a:latin typeface="Noto Sans CJK KR Black" panose="020B0A00000000000000" pitchFamily="34" charset="-127"/>
+              <a:ea typeface="Noto Sans CJK KR Black" panose="020B0A00000000000000" pitchFamily="34" charset="-127"/>
+            </a:endParaRPr>
+          </a:p>
+          <a:p>
+            <a:pPr marL="896798" lvl="1" indent="-342900">
+              <a:buFont typeface="Wingdings" panose="05000000000000000000" pitchFamily="2" charset="2"/>
+              <a:buChar char="ü"/>
+            </a:pPr>
+            <a:r>
+              <a:rPr lang="ko-KR" altLang="en-US" sz="2000" dirty="0">
+                <a:solidFill>
+                  <a:schemeClr val="bg1"/>
+                </a:solidFill>
+                <a:latin typeface="Noto Sans CJK KR Black" panose="020B0A00000000000000" pitchFamily="34" charset="-127"/>
+                <a:ea typeface="Noto Sans CJK KR Black" panose="020B0A00000000000000" pitchFamily="34" charset="-127"/>
+              </a:rPr>
+              <a:t>정확성과 설명력의 반비례 관계</a:t>
+            </a:r>
+            <a:endParaRPr lang="en-US" altLang="ko-KR" sz="2000" dirty="0">
+              <a:solidFill>
+                <a:schemeClr val="bg1"/>
+              </a:solidFill>
+              <a:latin typeface="Noto Sans CJK KR Black" panose="020B0A00000000000000" pitchFamily="34" charset="-127"/>
+              <a:ea typeface="Noto Sans CJK KR Black" panose="020B0A00000000000000" pitchFamily="34" charset="-127"/>
+            </a:endParaRPr>
+          </a:p>
+          <a:p>
+            <a:pPr marL="896798" lvl="1" indent="-342900">
+              <a:buFont typeface="Wingdings" panose="05000000000000000000" pitchFamily="2" charset="2"/>
+              <a:buChar char="ü"/>
+            </a:pPr>
+            <a:r>
+              <a:rPr lang="ko-KR" altLang="en-US" sz="2000" dirty="0">
+                <a:solidFill>
+                  <a:schemeClr val="bg1"/>
+                </a:solidFill>
+                <a:latin typeface="Noto Sans CJK KR Black" panose="020B0A00000000000000" pitchFamily="34" charset="-127"/>
+                <a:ea typeface="Noto Sans CJK KR Black" panose="020B0A00000000000000" pitchFamily="34" charset="-127"/>
+              </a:rPr>
+              <a:t>전통적 알고리즘과 딥러닝 알고리즘의 비교</a:t>
+            </a:r>
+            <a:endParaRPr lang="en-US" altLang="ko-KR" sz="2000" dirty="0">
+              <a:solidFill>
+                <a:schemeClr val="bg1"/>
+              </a:solidFill>
+              <a:latin typeface="Noto Sans CJK KR Black" panose="020B0A00000000000000" pitchFamily="34" charset="-127"/>
+              <a:ea typeface="Noto Sans CJK KR Black" panose="020B0A00000000000000" pitchFamily="34" charset="-127"/>
+            </a:endParaRPr>
+          </a:p>
+        </p:txBody>
+      </p:sp>
+    </p:spTree>
+    <p:extLst>
+      <p:ext uri="{BB962C8B-B14F-4D97-AF65-F5344CB8AC3E}">
+        <p14:creationId xmlns:p14="http://schemas.microsoft.com/office/powerpoint/2010/main" val="3642836859"/>
+      </p:ext>
+    </p:extLst>
+  </p:cSld>
+  <p:clrMapOvr>
+    <a:masterClrMapping/>
+  </p:clrMapOvr>
+</p:sld>
+</file>
+
+<file path=ppt/slides/slide7.xml><?xml version="1.0" encoding="utf-8"?>
+<p:sld xmlns:a="http://schemas.openxmlformats.org/drawingml/2006/main" xmlns:r="http://schemas.openxmlformats.org/officeDocument/2006/relationships" xmlns:p="http://schemas.openxmlformats.org/presentationml/2006/main">
+  <p:cSld>
+    <p:bg>
+      <p:bgPr>
+        <a:solidFill>
+          <a:schemeClr val="bg1">
+            <a:lumMod val="65000"/>
+          </a:schemeClr>
+        </a:solidFill>
+        <a:effectLst/>
+      </p:bgPr>
+    </p:bg>
+    <p:spTree>
+      <p:nvGrpSpPr>
+        <p:cNvPr id="1" name=""/>
+        <p:cNvGrpSpPr/>
+        <p:nvPr/>
+      </p:nvGrpSpPr>
+      <p:grpSpPr>
+        <a:xfrm>
+          <a:off x="0" y="0"/>
+          <a:ext cx="0" cy="0"/>
+          <a:chOff x="0" y="0"/>
+          <a:chExt cx="0" cy="0"/>
+        </a:xfrm>
+      </p:grpSpPr>
+      <p:sp>
+        <p:nvSpPr>
+          <p:cNvPr id="4" name="슬라이드 번호 개체 틀 3"/>
+          <p:cNvSpPr>
+            <a:spLocks noGrp="1"/>
+          </p:cNvSpPr>
+          <p:nvPr>
+            <p:ph type="sldNum" sz="quarter" idx="12"/>
+          </p:nvPr>
+        </p:nvSpPr>
+        <p:spPr/>
+        <p:txBody>
+          <a:bodyPr/>
+          <a:lstStyle/>
+          <a:p>
+            <a:fld id="{6DDAE2C3-1A0B-474A-8CE8-AE55B8D9D4B1}" type="slidenum">
+              <a:rPr lang="ko-KR" altLang="en-US" smtClean="0"/>
+              <a:pPr/>
+              <a:t>7</a:t>
+            </a:fld>
+            <a:endParaRPr lang="ko-KR" altLang="en-US" dirty="0"/>
+          </a:p>
+        </p:txBody>
+      </p:sp>
+      <p:sp>
+        <p:nvSpPr>
+          <p:cNvPr id="11" name="TextBox 10"/>
+          <p:cNvSpPr txBox="1"/>
+          <p:nvPr/>
+        </p:nvSpPr>
+        <p:spPr>
+          <a:xfrm>
+            <a:off x="204828" y="854694"/>
+            <a:ext cx="11750594" cy="1107996"/>
+          </a:xfrm>
+          <a:prstGeom prst="rect">
+            <a:avLst/>
+          </a:prstGeom>
+          <a:noFill/>
+        </p:spPr>
+        <p:txBody>
+          <a:bodyPr wrap="square" lIns="0" tIns="0" rIns="0" bIns="0" rtlCol="0" anchor="t">
+            <a:spAutoFit/>
+          </a:bodyPr>
+          <a:lstStyle/>
+          <a:p>
+            <a:r>
+              <a:rPr lang="en-US" altLang="ko-KR" sz="2400" b="1" i="0" dirty="0">
+                <a:solidFill>
+                  <a:schemeClr val="bg1"/>
+                </a:solidFill>
+                <a:effectLst/>
+                <a:latin typeface="Arial" panose="020B0604020202020204" pitchFamily="34" charset="0"/>
+                <a:cs typeface="Arial" panose="020B0604020202020204" pitchFamily="34" charset="0"/>
+              </a:rPr>
+              <a:t>Part 01. </a:t>
+            </a:r>
+            <a:r>
+              <a:rPr lang="ko-KR" altLang="en-US" sz="2400" b="1" i="0" dirty="0">
+                <a:solidFill>
+                  <a:schemeClr val="bg1"/>
+                </a:solidFill>
+                <a:effectLst/>
+                <a:latin typeface="Arial" panose="020B0604020202020204" pitchFamily="34" charset="0"/>
+                <a:cs typeface="Arial" panose="020B0604020202020204" pitchFamily="34" charset="0"/>
+              </a:rPr>
+              <a:t>데이터분석 준비하기</a:t>
+            </a:r>
+            <a:endParaRPr lang="en-US" altLang="ko-KR" sz="2400" b="1" i="0" dirty="0">
+              <a:solidFill>
+                <a:schemeClr val="bg1"/>
+              </a:solidFill>
+              <a:effectLst/>
+              <a:latin typeface="Arial" panose="020B0604020202020204" pitchFamily="34" charset="0"/>
+              <a:cs typeface="Arial" panose="020B0604020202020204" pitchFamily="34" charset="0"/>
+            </a:endParaRPr>
+          </a:p>
+          <a:p>
+            <a:endParaRPr lang="en-US" altLang="ko-KR" sz="2400" b="1" dirty="0">
+              <a:solidFill>
+                <a:schemeClr val="bg1"/>
+              </a:solidFill>
+              <a:latin typeface="Arial" panose="020B0604020202020204" pitchFamily="34" charset="0"/>
+              <a:cs typeface="Arial" panose="020B0604020202020204" pitchFamily="34" charset="0"/>
+            </a:endParaRPr>
+          </a:p>
+          <a:p>
+            <a:r>
+              <a:rPr lang="en-US" altLang="ko-KR" sz="2400" b="1" i="0" dirty="0">
+                <a:solidFill>
+                  <a:schemeClr val="bg1"/>
+                </a:solidFill>
+                <a:effectLst/>
+                <a:latin typeface="Arial" panose="020B0604020202020204" pitchFamily="34" charset="0"/>
+                <a:cs typeface="Arial" panose="020B0604020202020204" pitchFamily="34" charset="0"/>
+              </a:rPr>
+              <a:t>: </a:t>
+            </a:r>
+            <a:r>
+              <a:rPr lang="ko-KR" altLang="en-US" sz="2400" b="1" i="0" dirty="0">
+                <a:solidFill>
+                  <a:schemeClr val="bg1"/>
+                </a:solidFill>
+                <a:effectLst/>
+                <a:latin typeface="Arial" panose="020B0604020202020204" pitchFamily="34" charset="0"/>
+                <a:cs typeface="Arial" panose="020B0604020202020204" pitchFamily="34" charset="0"/>
+              </a:rPr>
+              <a:t>시계열 데이터패턴 추출 </a:t>
+            </a:r>
+            <a:r>
+              <a:rPr lang="en-US" altLang="ko-KR" sz="2400" b="1" i="0" dirty="0">
+                <a:solidFill>
+                  <a:schemeClr val="bg1"/>
+                </a:solidFill>
+                <a:effectLst/>
+                <a:latin typeface="Arial" panose="020B0604020202020204" pitchFamily="34" charset="0"/>
+                <a:cs typeface="Arial" panose="020B0604020202020204" pitchFamily="34" charset="0"/>
+              </a:rPr>
+              <a:t>- 01. </a:t>
+            </a:r>
+            <a:r>
+              <a:rPr lang="ko-KR" altLang="en-US" sz="2400" b="1" i="0" dirty="0">
+                <a:solidFill>
+                  <a:schemeClr val="bg1"/>
+                </a:solidFill>
+                <a:effectLst/>
+                <a:latin typeface="Arial" panose="020B0604020202020204" pitchFamily="34" charset="0"/>
+                <a:cs typeface="Arial" panose="020B0604020202020204" pitchFamily="34" charset="0"/>
+              </a:rPr>
+              <a:t>시계열 데이터패턴의 성능과 빈도</a:t>
+            </a:r>
+            <a:endParaRPr lang="en-US" altLang="ko-KR" sz="2400" b="1" dirty="0">
+              <a:solidFill>
+                <a:schemeClr val="bg1"/>
+              </a:solidFill>
+              <a:latin typeface="Arial" panose="020B0604020202020204" pitchFamily="34" charset="0"/>
+              <a:ea typeface="Noto Sans CJK KR Black" panose="020B0A00000000000000" pitchFamily="34" charset="-127"/>
+              <a:cs typeface="Arial" panose="020B0604020202020204" pitchFamily="34" charset="0"/>
+            </a:endParaRPr>
+          </a:p>
+        </p:txBody>
+      </p:sp>
+      <p:sp>
+        <p:nvSpPr>
+          <p:cNvPr id="12" name="TextBox 11"/>
+          <p:cNvSpPr txBox="1"/>
+          <p:nvPr/>
+        </p:nvSpPr>
+        <p:spPr>
+          <a:xfrm>
+            <a:off x="4783981" y="611957"/>
+            <a:ext cx="7056784" cy="216726"/>
+          </a:xfrm>
+          <a:prstGeom prst="rect">
+            <a:avLst/>
+          </a:prstGeom>
+          <a:noFill/>
+        </p:spPr>
+        <p:txBody>
+          <a:bodyPr wrap="square" lIns="0" tIns="0" rIns="0" bIns="0" rtlCol="0" anchor="t">
+            <a:spAutoFit/>
+          </a:bodyPr>
+          <a:lstStyle/>
+          <a:p>
+            <a:pPr>
+              <a:lnSpc>
+                <a:spcPct val="150000"/>
+              </a:lnSpc>
+            </a:pPr>
+            <a:endParaRPr lang="en-US" altLang="ko-KR" sz="1050" dirty="0">
+              <a:solidFill>
+                <a:schemeClr val="bg1"/>
+              </a:solidFill>
+              <a:latin typeface="Noto Sans CJK KR Medium" panose="020B0600000000000000" pitchFamily="34" charset="-127"/>
+              <a:ea typeface="Noto Sans CJK KR Medium" panose="020B0600000000000000" pitchFamily="34" charset="-127"/>
+            </a:endParaRPr>
+          </a:p>
+        </p:txBody>
+      </p:sp>
+      <p:sp>
+        <p:nvSpPr>
+          <p:cNvPr id="6" name="TextBox 5">
+            <a:extLst>
+              <a:ext uri="{FF2B5EF4-FFF2-40B4-BE49-F238E27FC236}">
+                <a16:creationId xmlns:a16="http://schemas.microsoft.com/office/drawing/2014/main" id="{161CCAE4-E01F-4257-AFB1-00679BC318D7}"/>
+              </a:ext>
+            </a:extLst>
+          </p:cNvPr>
+          <p:cNvSpPr txBox="1"/>
+          <p:nvPr/>
+        </p:nvSpPr>
+        <p:spPr>
+          <a:xfrm>
+            <a:off x="2258841" y="2844205"/>
+            <a:ext cx="7865218" cy="2339102"/>
+          </a:xfrm>
+          <a:prstGeom prst="rect">
+            <a:avLst/>
+          </a:prstGeom>
+          <a:noFill/>
+        </p:spPr>
+        <p:txBody>
+          <a:bodyPr wrap="square" lIns="0" tIns="0" rIns="0" bIns="0" rtlCol="0" anchor="t">
+            <a:spAutoFit/>
+          </a:bodyPr>
+          <a:lstStyle/>
+          <a:p>
+            <a:pPr marL="342900" indent="-342900">
+              <a:buFont typeface="Wingdings" panose="05000000000000000000" pitchFamily="2" charset="2"/>
+              <a:buChar char="l"/>
+            </a:pPr>
+            <a:r>
+              <a:rPr lang="ko-KR" altLang="en-US" sz="2400" dirty="0">
+                <a:solidFill>
+                  <a:schemeClr val="bg1"/>
+                </a:solidFill>
+                <a:latin typeface="Noto Sans CJK KR Black" panose="020B0A00000000000000" pitchFamily="34" charset="-127"/>
+                <a:ea typeface="Noto Sans CJK KR Black" panose="020B0A00000000000000" pitchFamily="34" charset="-127"/>
+              </a:rPr>
+              <a:t>지난시간 내용정리</a:t>
+            </a:r>
+            <a:endParaRPr lang="en-US" altLang="ko-KR" sz="2400" dirty="0">
+              <a:solidFill>
+                <a:schemeClr val="bg1"/>
+              </a:solidFill>
+              <a:latin typeface="Noto Sans CJK KR Black" panose="020B0A00000000000000" pitchFamily="34" charset="-127"/>
+              <a:ea typeface="Noto Sans CJK KR Black" panose="020B0A00000000000000" pitchFamily="34" charset="-127"/>
+            </a:endParaRPr>
+          </a:p>
+          <a:p>
+            <a:pPr marL="896798" lvl="1" indent="-342900">
+              <a:buFont typeface="Wingdings" panose="05000000000000000000" pitchFamily="2" charset="2"/>
+              <a:buChar char="ü"/>
+            </a:pPr>
+            <a:r>
+              <a:rPr lang="ko-KR" altLang="en-US" sz="2000" dirty="0">
+                <a:solidFill>
+                  <a:schemeClr val="bg1"/>
+                </a:solidFill>
+                <a:latin typeface="Noto Sans CJK KR Black" panose="020B0A00000000000000" pitchFamily="34" charset="-127"/>
+                <a:ea typeface="Noto Sans CJK KR Black" panose="020B0A00000000000000" pitchFamily="34" charset="-127"/>
+              </a:rPr>
+              <a:t>정확성과 설명력의 반비례 관계</a:t>
+            </a:r>
+            <a:endParaRPr lang="en-US" altLang="ko-KR" sz="2000" dirty="0">
+              <a:solidFill>
+                <a:schemeClr val="bg1"/>
+              </a:solidFill>
+              <a:latin typeface="Noto Sans CJK KR Black" panose="020B0A00000000000000" pitchFamily="34" charset="-127"/>
+              <a:ea typeface="Noto Sans CJK KR Black" panose="020B0A00000000000000" pitchFamily="34" charset="-127"/>
+            </a:endParaRPr>
+          </a:p>
+          <a:p>
+            <a:pPr marL="896798" lvl="1" indent="-342900">
+              <a:buFont typeface="Wingdings" panose="05000000000000000000" pitchFamily="2" charset="2"/>
+              <a:buChar char="ü"/>
+            </a:pPr>
+            <a:r>
+              <a:rPr lang="ko-KR" altLang="en-US" sz="2000" dirty="0">
+                <a:solidFill>
+                  <a:schemeClr val="bg1"/>
+                </a:solidFill>
+                <a:latin typeface="Noto Sans CJK KR Black" panose="020B0A00000000000000" pitchFamily="34" charset="-127"/>
+                <a:ea typeface="Noto Sans CJK KR Black" panose="020B0A00000000000000" pitchFamily="34" charset="-127"/>
+              </a:rPr>
+              <a:t>전통적 알고리즘과 딥러닝 알고리즘의 비교</a:t>
+            </a:r>
+            <a:endParaRPr lang="en-US" altLang="ko-KR" sz="2000" dirty="0">
+              <a:solidFill>
+                <a:schemeClr val="bg1"/>
+              </a:solidFill>
+              <a:latin typeface="Noto Sans CJK KR Black" panose="020B0A00000000000000" pitchFamily="34" charset="-127"/>
+              <a:ea typeface="Noto Sans CJK KR Black" panose="020B0A00000000000000" pitchFamily="34" charset="-127"/>
+            </a:endParaRPr>
+          </a:p>
+          <a:p>
+            <a:pPr marL="342900" indent="-342900">
+              <a:buFont typeface="Wingdings" panose="05000000000000000000" pitchFamily="2" charset="2"/>
+              <a:buChar char="l"/>
+            </a:pPr>
+            <a:endParaRPr lang="en-US" altLang="ko-KR" sz="2400" dirty="0">
+              <a:solidFill>
+                <a:schemeClr val="bg1"/>
+              </a:solidFill>
+              <a:latin typeface="Noto Sans CJK KR Black" panose="020B0A00000000000000" pitchFamily="34" charset="-127"/>
+              <a:ea typeface="Noto Sans CJK KR Black" panose="020B0A00000000000000" pitchFamily="34" charset="-127"/>
+            </a:endParaRPr>
+          </a:p>
+          <a:p>
+            <a:pPr marL="342900" indent="-342900">
+              <a:buFont typeface="Wingdings" panose="05000000000000000000" pitchFamily="2" charset="2"/>
+              <a:buChar char="l"/>
+            </a:pPr>
+            <a:r>
+              <a:rPr lang="ko-KR" altLang="en-US" sz="2400" dirty="0">
+                <a:solidFill>
+                  <a:schemeClr val="bg1"/>
+                </a:solidFill>
+                <a:latin typeface="Noto Sans CJK KR Black" panose="020B0A00000000000000" pitchFamily="34" charset="-127"/>
+                <a:ea typeface="Noto Sans CJK KR Black" panose="020B0A00000000000000" pitchFamily="34" charset="-127"/>
+              </a:rPr>
+              <a:t>이번시간 목표</a:t>
+            </a:r>
+            <a:endParaRPr lang="en-US" altLang="ko-KR" sz="2400" dirty="0">
+              <a:solidFill>
+                <a:schemeClr val="bg1"/>
+              </a:solidFill>
+              <a:latin typeface="Noto Sans CJK KR Black" panose="020B0A00000000000000" pitchFamily="34" charset="-127"/>
+              <a:ea typeface="Noto Sans CJK KR Black" panose="020B0A00000000000000" pitchFamily="34" charset="-127"/>
+            </a:endParaRPr>
+          </a:p>
+          <a:p>
+            <a:pPr marL="896798" lvl="1" indent="-342900">
+              <a:buFont typeface="Wingdings" panose="05000000000000000000" pitchFamily="2" charset="2"/>
+              <a:buChar char="ü"/>
+            </a:pPr>
+            <a:r>
+              <a:rPr lang="ko-KR" altLang="en-US" sz="2000" dirty="0">
+                <a:solidFill>
+                  <a:schemeClr val="bg1"/>
+                </a:solidFill>
+                <a:latin typeface="Noto Sans CJK KR Black" panose="020B0A00000000000000" pitchFamily="34" charset="-127"/>
+                <a:ea typeface="Noto Sans CJK KR Black" panose="020B0A00000000000000" pitchFamily="34" charset="-127"/>
+              </a:rPr>
+              <a:t>시계열 데이터패턴</a:t>
+            </a:r>
+            <a:r>
+              <a:rPr lang="en-US" altLang="ko-KR" sz="2000" dirty="0">
+                <a:solidFill>
+                  <a:schemeClr val="bg1"/>
+                </a:solidFill>
+                <a:latin typeface="Noto Sans CJK KR Black" panose="020B0A00000000000000" pitchFamily="34" charset="-127"/>
+                <a:ea typeface="Noto Sans CJK KR Black" panose="020B0A00000000000000" pitchFamily="34" charset="-127"/>
+              </a:rPr>
+              <a:t>(Feature Engineering)</a:t>
+            </a:r>
+            <a:r>
+              <a:rPr lang="ko-KR" altLang="en-US" sz="2000" dirty="0">
+                <a:solidFill>
+                  <a:schemeClr val="bg1"/>
+                </a:solidFill>
+                <a:latin typeface="Noto Sans CJK KR Black" panose="020B0A00000000000000" pitchFamily="34" charset="-127"/>
+                <a:ea typeface="Noto Sans CJK KR Black" panose="020B0A00000000000000" pitchFamily="34" charset="-127"/>
+              </a:rPr>
+              <a:t>의 성능</a:t>
+            </a:r>
+            <a:endParaRPr lang="en-US" altLang="ko-KR" sz="2000" dirty="0">
+              <a:solidFill>
+                <a:schemeClr val="bg1"/>
+              </a:solidFill>
+              <a:latin typeface="Noto Sans CJK KR Black" panose="020B0A00000000000000" pitchFamily="34" charset="-127"/>
+              <a:ea typeface="Noto Sans CJK KR Black" panose="020B0A00000000000000" pitchFamily="34" charset="-127"/>
+            </a:endParaRPr>
+          </a:p>
+          <a:p>
+            <a:pPr marL="896798" lvl="1" indent="-342900">
+              <a:buFont typeface="Wingdings" panose="05000000000000000000" pitchFamily="2" charset="2"/>
+              <a:buChar char="ü"/>
+            </a:pPr>
+            <a:r>
+              <a:rPr lang="ko-KR" altLang="en-US" sz="2000" dirty="0">
+                <a:solidFill>
+                  <a:schemeClr val="bg1"/>
+                </a:solidFill>
+                <a:latin typeface="Noto Sans CJK KR Black" panose="020B0A00000000000000" pitchFamily="34" charset="-127"/>
+                <a:ea typeface="Noto Sans CJK KR Black" panose="020B0A00000000000000" pitchFamily="34" charset="-127"/>
+              </a:rPr>
+              <a:t>데이터패턴을 위한 </a:t>
+            </a:r>
+            <a:r>
+              <a:rPr lang="ko-KR" altLang="en-US" sz="2000">
+                <a:solidFill>
+                  <a:schemeClr val="bg1"/>
+                </a:solidFill>
+                <a:latin typeface="Noto Sans CJK KR Black" panose="020B0A00000000000000" pitchFamily="34" charset="-127"/>
+                <a:ea typeface="Noto Sans CJK KR Black" panose="020B0A00000000000000" pitchFamily="34" charset="-127"/>
+              </a:rPr>
+              <a:t>빈도 설정하기</a:t>
+            </a:r>
+            <a:endParaRPr lang="en-US" altLang="ko-KR" sz="2000" dirty="0">
+              <a:solidFill>
+                <a:schemeClr val="bg1"/>
+              </a:solidFill>
+              <a:latin typeface="Noto Sans CJK KR Black" panose="020B0A00000000000000" pitchFamily="34" charset="-127"/>
+              <a:ea typeface="Noto Sans CJK KR Black" panose="020B0A00000000000000" pitchFamily="34" charset="-127"/>
+            </a:endParaRPr>
+          </a:p>
+        </p:txBody>
+      </p:sp>
+    </p:spTree>
+    <p:extLst>
+      <p:ext uri="{BB962C8B-B14F-4D97-AF65-F5344CB8AC3E}">
+        <p14:creationId xmlns:p14="http://schemas.microsoft.com/office/powerpoint/2010/main" val="442772942"/>
+      </p:ext>
+    </p:extLst>
+  </p:cSld>
+  <p:clrMapOvr>
+    <a:masterClrMapping/>
+  </p:clrMapOvr>
+</p:sld>
+</file>
+
+<file path=ppt/slides/slide8.xml><?xml version="1.0" encoding="utf-8"?>
+<p:sld xmlns:a="http://schemas.openxmlformats.org/drawingml/2006/main" xmlns:r="http://schemas.openxmlformats.org/officeDocument/2006/relationships" xmlns:p="http://schemas.openxmlformats.org/presentationml/2006/main">
+  <p:cSld>
+    <p:bg>
+      <p:bgPr>
+        <a:solidFill>
+          <a:schemeClr val="bg1">
+            <a:lumMod val="65000"/>
+          </a:schemeClr>
+        </a:solidFill>
+        <a:effectLst/>
+      </p:bgPr>
+    </p:bg>
+    <p:spTree>
+      <p:nvGrpSpPr>
+        <p:cNvPr id="1" name=""/>
+        <p:cNvGrpSpPr/>
+        <p:nvPr/>
+      </p:nvGrpSpPr>
+      <p:grpSpPr>
+        <a:xfrm>
+          <a:off x="0" y="0"/>
+          <a:ext cx="0" cy="0"/>
+          <a:chOff x="0" y="0"/>
+          <a:chExt cx="0" cy="0"/>
+        </a:xfrm>
+      </p:grpSpPr>
+      <p:sp>
+        <p:nvSpPr>
+          <p:cNvPr id="4" name="슬라이드 번호 개체 틀 3"/>
+          <p:cNvSpPr>
+            <a:spLocks noGrp="1"/>
+          </p:cNvSpPr>
+          <p:nvPr>
+            <p:ph type="sldNum" sz="quarter" idx="12"/>
+          </p:nvPr>
+        </p:nvSpPr>
+        <p:spPr/>
+        <p:txBody>
+          <a:bodyPr/>
+          <a:lstStyle/>
+          <a:p>
+            <a:fld id="{6DDAE2C3-1A0B-474A-8CE8-AE55B8D9D4B1}" type="slidenum">
+              <a:rPr lang="ko-KR" altLang="en-US" smtClean="0"/>
+              <a:pPr/>
+              <a:t>8</a:t>
+            </a:fld>
+            <a:endParaRPr lang="ko-KR" altLang="en-US" dirty="0"/>
+          </a:p>
+        </p:txBody>
+      </p:sp>
+      <p:sp>
+        <p:nvSpPr>
+          <p:cNvPr id="11" name="TextBox 10"/>
+          <p:cNvSpPr txBox="1"/>
+          <p:nvPr/>
+        </p:nvSpPr>
+        <p:spPr>
+          <a:xfrm>
+            <a:off x="204828" y="854694"/>
+            <a:ext cx="11750594" cy="1107996"/>
+          </a:xfrm>
+          <a:prstGeom prst="rect">
+            <a:avLst/>
+          </a:prstGeom>
+          <a:noFill/>
+        </p:spPr>
+        <p:txBody>
+          <a:bodyPr wrap="square" lIns="0" tIns="0" rIns="0" bIns="0" rtlCol="0" anchor="t">
+            <a:spAutoFit/>
+          </a:bodyPr>
+          <a:lstStyle/>
+          <a:p>
+            <a:r>
+              <a:rPr lang="en-US" altLang="ko-KR" sz="2400" b="1" i="0" dirty="0">
+                <a:solidFill>
+                  <a:schemeClr val="bg1"/>
+                </a:solidFill>
+                <a:effectLst/>
+                <a:latin typeface="Arial" panose="020B0604020202020204" pitchFamily="34" charset="0"/>
+                <a:cs typeface="Arial" panose="020B0604020202020204" pitchFamily="34" charset="0"/>
+              </a:rPr>
+              <a:t>Part 01. </a:t>
+            </a:r>
+            <a:r>
+              <a:rPr lang="ko-KR" altLang="en-US" sz="2400" b="1" i="0" dirty="0">
+                <a:solidFill>
+                  <a:schemeClr val="bg1"/>
+                </a:solidFill>
+                <a:effectLst/>
+                <a:latin typeface="Arial" panose="020B0604020202020204" pitchFamily="34" charset="0"/>
+                <a:cs typeface="Arial" panose="020B0604020202020204" pitchFamily="34" charset="0"/>
+              </a:rPr>
+              <a:t>데이터분석 준비하기</a:t>
+            </a:r>
+            <a:endParaRPr lang="en-US" altLang="ko-KR" sz="2400" b="1" i="0" dirty="0">
+              <a:solidFill>
+                <a:schemeClr val="bg1"/>
+              </a:solidFill>
+              <a:effectLst/>
+              <a:latin typeface="Arial" panose="020B0604020202020204" pitchFamily="34" charset="0"/>
+              <a:cs typeface="Arial" panose="020B0604020202020204" pitchFamily="34" charset="0"/>
+            </a:endParaRPr>
+          </a:p>
+          <a:p>
+            <a:endParaRPr lang="en-US" altLang="ko-KR" sz="2400" b="1" dirty="0">
+              <a:solidFill>
+                <a:schemeClr val="bg1"/>
+              </a:solidFill>
+              <a:latin typeface="Arial" panose="020B0604020202020204" pitchFamily="34" charset="0"/>
+              <a:cs typeface="Arial" panose="020B0604020202020204" pitchFamily="34" charset="0"/>
+            </a:endParaRPr>
+          </a:p>
+          <a:p>
+            <a:r>
+              <a:rPr lang="en-US" altLang="ko-KR" sz="2400" b="1" i="0" dirty="0">
+                <a:solidFill>
+                  <a:schemeClr val="bg1"/>
+                </a:solidFill>
+                <a:effectLst/>
+                <a:latin typeface="Arial" panose="020B0604020202020204" pitchFamily="34" charset="0"/>
+                <a:cs typeface="Arial" panose="020B0604020202020204" pitchFamily="34" charset="0"/>
+              </a:rPr>
+              <a:t>: </a:t>
+            </a:r>
+            <a:r>
+              <a:rPr lang="ko-KR" altLang="en-US" sz="2400" b="1" i="0" dirty="0">
+                <a:solidFill>
+                  <a:schemeClr val="bg1"/>
+                </a:solidFill>
+                <a:effectLst/>
+                <a:latin typeface="Arial" panose="020B0604020202020204" pitchFamily="34" charset="0"/>
+                <a:cs typeface="Arial" panose="020B0604020202020204" pitchFamily="34" charset="0"/>
+              </a:rPr>
+              <a:t>시계열 데이터패턴 추출 </a:t>
+            </a:r>
+            <a:r>
+              <a:rPr lang="en-US" altLang="ko-KR" sz="2400" b="1" i="0" dirty="0">
+                <a:solidFill>
+                  <a:schemeClr val="bg1"/>
+                </a:solidFill>
+                <a:effectLst/>
+                <a:latin typeface="Arial" panose="020B0604020202020204" pitchFamily="34" charset="0"/>
+                <a:cs typeface="Arial" panose="020B0604020202020204" pitchFamily="34" charset="0"/>
+              </a:rPr>
+              <a:t>- 02. </a:t>
+            </a:r>
+            <a:r>
+              <a:rPr lang="ko-KR" altLang="en-US" sz="2400" b="1" i="0" dirty="0">
+                <a:solidFill>
+                  <a:schemeClr val="bg1"/>
+                </a:solidFill>
+                <a:effectLst/>
+                <a:latin typeface="Arial" panose="020B0604020202020204" pitchFamily="34" charset="0"/>
+                <a:cs typeface="Arial" panose="020B0604020202020204" pitchFamily="34" charset="0"/>
+              </a:rPr>
+              <a:t>시계열 데이터패턴 </a:t>
+            </a:r>
+            <a:r>
+              <a:rPr lang="en-US" altLang="ko-KR" sz="2400" b="1" i="0" dirty="0">
+                <a:solidFill>
+                  <a:schemeClr val="bg1"/>
+                </a:solidFill>
+                <a:effectLst/>
+                <a:latin typeface="Arial" panose="020B0604020202020204" pitchFamily="34" charset="0"/>
+                <a:cs typeface="Arial" panose="020B0604020202020204" pitchFamily="34" charset="0"/>
+              </a:rPr>
+              <a:t>- </a:t>
+            </a:r>
+            <a:r>
+              <a:rPr lang="ko-KR" altLang="en-US" sz="2400" b="1" i="0" dirty="0">
+                <a:solidFill>
+                  <a:schemeClr val="bg1"/>
+                </a:solidFill>
+                <a:effectLst/>
+                <a:latin typeface="Arial" panose="020B0604020202020204" pitchFamily="34" charset="0"/>
+                <a:cs typeface="Arial" panose="020B0604020202020204" pitchFamily="34" charset="0"/>
+              </a:rPr>
+              <a:t>추세</a:t>
+            </a:r>
+            <a:r>
+              <a:rPr lang="en-US" altLang="ko-KR" sz="2400" b="1" i="0" dirty="0">
+                <a:solidFill>
+                  <a:schemeClr val="bg1"/>
+                </a:solidFill>
+                <a:effectLst/>
+                <a:latin typeface="Arial" panose="020B0604020202020204" pitchFamily="34" charset="0"/>
+                <a:cs typeface="Arial" panose="020B0604020202020204" pitchFamily="34" charset="0"/>
+              </a:rPr>
+              <a:t>/</a:t>
+            </a:r>
+            <a:r>
+              <a:rPr lang="ko-KR" altLang="en-US" sz="2400" b="1" i="0" dirty="0">
+                <a:solidFill>
+                  <a:schemeClr val="bg1"/>
+                </a:solidFill>
+                <a:effectLst/>
+                <a:latin typeface="Arial" panose="020B0604020202020204" pitchFamily="34" charset="0"/>
+                <a:cs typeface="Arial" panose="020B0604020202020204" pitchFamily="34" charset="0"/>
+              </a:rPr>
+              <a:t>계절성</a:t>
+            </a:r>
+            <a:r>
+              <a:rPr lang="en-US" altLang="ko-KR" sz="2400" b="1" i="0" dirty="0">
+                <a:solidFill>
+                  <a:schemeClr val="bg1"/>
+                </a:solidFill>
+                <a:effectLst/>
+                <a:latin typeface="Arial" panose="020B0604020202020204" pitchFamily="34" charset="0"/>
+                <a:cs typeface="Arial" panose="020B0604020202020204" pitchFamily="34" charset="0"/>
+              </a:rPr>
+              <a:t>/</a:t>
+            </a:r>
+            <a:r>
+              <a:rPr lang="ko-KR" altLang="en-US" sz="2400" b="1" i="0" dirty="0">
+                <a:solidFill>
+                  <a:schemeClr val="bg1"/>
+                </a:solidFill>
+                <a:effectLst/>
+                <a:latin typeface="Arial" panose="020B0604020202020204" pitchFamily="34" charset="0"/>
+                <a:cs typeface="Arial" panose="020B0604020202020204" pitchFamily="34" charset="0"/>
+              </a:rPr>
+              <a:t>주기 분해</a:t>
+            </a:r>
+            <a:endParaRPr lang="en-US" altLang="ko-KR" sz="2400" b="1" dirty="0">
+              <a:solidFill>
+                <a:schemeClr val="bg1"/>
+              </a:solidFill>
+              <a:latin typeface="Arial" panose="020B0604020202020204" pitchFamily="34" charset="0"/>
+              <a:ea typeface="Noto Sans CJK KR Black" panose="020B0A00000000000000" pitchFamily="34" charset="-127"/>
+              <a:cs typeface="Arial" panose="020B0604020202020204" pitchFamily="34" charset="0"/>
+            </a:endParaRPr>
+          </a:p>
+        </p:txBody>
+      </p:sp>
+      <p:sp>
+        <p:nvSpPr>
+          <p:cNvPr id="12" name="TextBox 11"/>
+          <p:cNvSpPr txBox="1"/>
+          <p:nvPr/>
+        </p:nvSpPr>
+        <p:spPr>
+          <a:xfrm>
+            <a:off x="4783981" y="611957"/>
+            <a:ext cx="7056784" cy="216726"/>
+          </a:xfrm>
+          <a:prstGeom prst="rect">
+            <a:avLst/>
+          </a:prstGeom>
+          <a:noFill/>
+        </p:spPr>
+        <p:txBody>
+          <a:bodyPr wrap="square" lIns="0" tIns="0" rIns="0" bIns="0" rtlCol="0" anchor="t">
+            <a:spAutoFit/>
+          </a:bodyPr>
+          <a:lstStyle/>
+          <a:p>
+            <a:pPr>
+              <a:lnSpc>
+                <a:spcPct val="150000"/>
+              </a:lnSpc>
+            </a:pPr>
+            <a:endParaRPr lang="en-US" altLang="ko-KR" sz="1050" dirty="0">
+              <a:solidFill>
+                <a:schemeClr val="bg1"/>
+              </a:solidFill>
+              <a:latin typeface="Noto Sans CJK KR Medium" panose="020B0600000000000000" pitchFamily="34" charset="-127"/>
+              <a:ea typeface="Noto Sans CJK KR Medium" panose="020B0600000000000000" pitchFamily="34" charset="-127"/>
+            </a:endParaRPr>
+          </a:p>
+        </p:txBody>
+      </p:sp>
+      <p:sp>
+        <p:nvSpPr>
+          <p:cNvPr id="6" name="TextBox 5">
+            <a:extLst>
+              <a:ext uri="{FF2B5EF4-FFF2-40B4-BE49-F238E27FC236}">
+                <a16:creationId xmlns:a16="http://schemas.microsoft.com/office/drawing/2014/main" id="{161CCAE4-E01F-4257-AFB1-00679BC318D7}"/>
+              </a:ext>
+            </a:extLst>
+          </p:cNvPr>
+          <p:cNvSpPr txBox="1"/>
+          <p:nvPr/>
+        </p:nvSpPr>
+        <p:spPr>
+          <a:xfrm>
+            <a:off x="2258841" y="2844205"/>
+            <a:ext cx="7865218" cy="2031325"/>
+          </a:xfrm>
+          <a:prstGeom prst="rect">
+            <a:avLst/>
+          </a:prstGeom>
+          <a:noFill/>
+        </p:spPr>
+        <p:txBody>
+          <a:bodyPr wrap="square" lIns="0" tIns="0" rIns="0" bIns="0" rtlCol="0" anchor="t">
+            <a:spAutoFit/>
+          </a:bodyPr>
+          <a:lstStyle/>
+          <a:p>
+            <a:pPr marL="342900" indent="-342900">
+              <a:buFont typeface="Wingdings" panose="05000000000000000000" pitchFamily="2" charset="2"/>
+              <a:buChar char="l"/>
+            </a:pPr>
+            <a:r>
+              <a:rPr lang="ko-KR" altLang="en-US" sz="2400" dirty="0">
+                <a:solidFill>
+                  <a:schemeClr val="bg1"/>
+                </a:solidFill>
+                <a:latin typeface="Noto Sans CJK KR Black" panose="020B0A00000000000000" pitchFamily="34" charset="-127"/>
+                <a:ea typeface="Noto Sans CJK KR Black" panose="020B0A00000000000000" pitchFamily="34" charset="-127"/>
+              </a:rPr>
+              <a:t>지난시간 내용정리</a:t>
+            </a:r>
+            <a:endParaRPr lang="en-US" altLang="ko-KR" sz="2400" dirty="0">
+              <a:solidFill>
+                <a:schemeClr val="bg1"/>
+              </a:solidFill>
+              <a:latin typeface="Noto Sans CJK KR Black" panose="020B0A00000000000000" pitchFamily="34" charset="-127"/>
+              <a:ea typeface="Noto Sans CJK KR Black" panose="020B0A00000000000000" pitchFamily="34" charset="-127"/>
+            </a:endParaRPr>
+          </a:p>
+          <a:p>
+            <a:pPr marL="896798" lvl="1" indent="-342900">
+              <a:buFont typeface="Wingdings" panose="05000000000000000000" pitchFamily="2" charset="2"/>
+              <a:buChar char="ü"/>
+            </a:pPr>
+            <a:r>
+              <a:rPr lang="ko-KR" altLang="en-US" sz="2000" dirty="0">
+                <a:solidFill>
+                  <a:schemeClr val="bg1"/>
+                </a:solidFill>
+                <a:latin typeface="Noto Sans CJK KR Black" panose="020B0A00000000000000" pitchFamily="34" charset="-127"/>
+                <a:ea typeface="Noto Sans CJK KR Black" panose="020B0A00000000000000" pitchFamily="34" charset="-127"/>
+              </a:rPr>
+              <a:t>시계열 데이터패턴</a:t>
+            </a:r>
+            <a:r>
+              <a:rPr lang="en-US" altLang="ko-KR" sz="2000" dirty="0">
+                <a:solidFill>
+                  <a:schemeClr val="bg1"/>
+                </a:solidFill>
+                <a:latin typeface="Noto Sans CJK KR Black" panose="020B0A00000000000000" pitchFamily="34" charset="-127"/>
+                <a:ea typeface="Noto Sans CJK KR Black" panose="020B0A00000000000000" pitchFamily="34" charset="-127"/>
+              </a:rPr>
+              <a:t>(Feature Engineering)</a:t>
+            </a:r>
+            <a:r>
+              <a:rPr lang="ko-KR" altLang="en-US" sz="2000" dirty="0">
+                <a:solidFill>
+                  <a:schemeClr val="bg1"/>
+                </a:solidFill>
+                <a:latin typeface="Noto Sans CJK KR Black" panose="020B0A00000000000000" pitchFamily="34" charset="-127"/>
+                <a:ea typeface="Noto Sans CJK KR Black" panose="020B0A00000000000000" pitchFamily="34" charset="-127"/>
+              </a:rPr>
+              <a:t>의 성능</a:t>
+            </a:r>
+            <a:endParaRPr lang="en-US" altLang="ko-KR" sz="2000" dirty="0">
+              <a:solidFill>
+                <a:schemeClr val="bg1"/>
+              </a:solidFill>
+              <a:latin typeface="Noto Sans CJK KR Black" panose="020B0A00000000000000" pitchFamily="34" charset="-127"/>
+              <a:ea typeface="Noto Sans CJK KR Black" panose="020B0A00000000000000" pitchFamily="34" charset="-127"/>
+            </a:endParaRPr>
+          </a:p>
+          <a:p>
+            <a:pPr marL="896798" lvl="1" indent="-342900">
+              <a:buFont typeface="Wingdings" panose="05000000000000000000" pitchFamily="2" charset="2"/>
+              <a:buChar char="ü"/>
+            </a:pPr>
+            <a:r>
+              <a:rPr lang="ko-KR" altLang="en-US" sz="2000" dirty="0">
+                <a:solidFill>
+                  <a:schemeClr val="bg1"/>
+                </a:solidFill>
+                <a:latin typeface="Noto Sans CJK KR Black" panose="020B0A00000000000000" pitchFamily="34" charset="-127"/>
+                <a:ea typeface="Noto Sans CJK KR Black" panose="020B0A00000000000000" pitchFamily="34" charset="-127"/>
+              </a:rPr>
+              <a:t>데이터패턴을 위한 빈도 설정하기</a:t>
+            </a:r>
+            <a:endParaRPr lang="en-US" altLang="ko-KR" sz="2000" dirty="0">
+              <a:solidFill>
+                <a:schemeClr val="bg1"/>
+              </a:solidFill>
+              <a:latin typeface="Noto Sans CJK KR Black" panose="020B0A00000000000000" pitchFamily="34" charset="-127"/>
+              <a:ea typeface="Noto Sans CJK KR Black" panose="020B0A00000000000000" pitchFamily="34" charset="-127"/>
+            </a:endParaRPr>
+          </a:p>
+          <a:p>
+            <a:pPr marL="342900" indent="-342900">
+              <a:buFont typeface="Wingdings" panose="05000000000000000000" pitchFamily="2" charset="2"/>
+              <a:buChar char="l"/>
+            </a:pPr>
+            <a:endParaRPr lang="en-US" altLang="ko-KR" sz="2400" dirty="0">
+              <a:solidFill>
+                <a:schemeClr val="bg1"/>
+              </a:solidFill>
+              <a:latin typeface="Noto Sans CJK KR Black" panose="020B0A00000000000000" pitchFamily="34" charset="-127"/>
+              <a:ea typeface="Noto Sans CJK KR Black" panose="020B0A00000000000000" pitchFamily="34" charset="-127"/>
+            </a:endParaRPr>
+          </a:p>
+          <a:p>
+            <a:pPr marL="342900" indent="-342900">
+              <a:buFont typeface="Wingdings" panose="05000000000000000000" pitchFamily="2" charset="2"/>
+              <a:buChar char="l"/>
+            </a:pPr>
+            <a:r>
+              <a:rPr lang="ko-KR" altLang="en-US" sz="2400" dirty="0">
+                <a:solidFill>
+                  <a:schemeClr val="bg1"/>
+                </a:solidFill>
+                <a:latin typeface="Noto Sans CJK KR Black" panose="020B0A00000000000000" pitchFamily="34" charset="-127"/>
+                <a:ea typeface="Noto Sans CJK KR Black" panose="020B0A00000000000000" pitchFamily="34" charset="-127"/>
+              </a:rPr>
+              <a:t>이번시간 목표</a:t>
+            </a:r>
+            <a:endParaRPr lang="en-US" altLang="ko-KR" sz="2400" dirty="0">
+              <a:solidFill>
+                <a:schemeClr val="bg1"/>
+              </a:solidFill>
+              <a:latin typeface="Noto Sans CJK KR Black" panose="020B0A00000000000000" pitchFamily="34" charset="-127"/>
+              <a:ea typeface="Noto Sans CJK KR Black" panose="020B0A00000000000000" pitchFamily="34" charset="-127"/>
+            </a:endParaRPr>
+          </a:p>
+          <a:p>
+            <a:pPr marL="896798" lvl="1" indent="-342900">
+              <a:buFont typeface="Wingdings" panose="05000000000000000000" pitchFamily="2" charset="2"/>
+              <a:buChar char="ü"/>
+            </a:pPr>
+            <a:r>
+              <a:rPr lang="ko-KR" altLang="en-US" sz="2000" dirty="0">
+                <a:solidFill>
+                  <a:schemeClr val="bg1"/>
+                </a:solidFill>
+                <a:latin typeface="Noto Sans CJK KR Black" panose="020B0A00000000000000" pitchFamily="34" charset="-127"/>
+                <a:ea typeface="Noto Sans CJK KR Black" panose="020B0A00000000000000" pitchFamily="34" charset="-127"/>
+              </a:rPr>
+              <a:t>추세</a:t>
+            </a:r>
+            <a:r>
+              <a:rPr lang="en-US" altLang="ko-KR" sz="2000" dirty="0">
+                <a:solidFill>
+                  <a:schemeClr val="bg1"/>
+                </a:solidFill>
+                <a:latin typeface="Noto Sans CJK KR Black" panose="020B0A00000000000000" pitchFamily="34" charset="-127"/>
+                <a:ea typeface="Noto Sans CJK KR Black" panose="020B0A00000000000000" pitchFamily="34" charset="-127"/>
+              </a:rPr>
+              <a:t>/</a:t>
+            </a:r>
+            <a:r>
+              <a:rPr lang="ko-KR" altLang="en-US" sz="2000" dirty="0">
+                <a:solidFill>
+                  <a:schemeClr val="bg1"/>
+                </a:solidFill>
+                <a:latin typeface="Noto Sans CJK KR Black" panose="020B0A00000000000000" pitchFamily="34" charset="-127"/>
+                <a:ea typeface="Noto Sans CJK KR Black" panose="020B0A00000000000000" pitchFamily="34" charset="-127"/>
+              </a:rPr>
+              <a:t>계절성</a:t>
+            </a:r>
+            <a:r>
+              <a:rPr lang="en-US" altLang="ko-KR" sz="2000" dirty="0">
+                <a:solidFill>
+                  <a:schemeClr val="bg1"/>
+                </a:solidFill>
+                <a:latin typeface="Noto Sans CJK KR Black" panose="020B0A00000000000000" pitchFamily="34" charset="-127"/>
+                <a:ea typeface="Noto Sans CJK KR Black" panose="020B0A00000000000000" pitchFamily="34" charset="-127"/>
+              </a:rPr>
+              <a:t>/</a:t>
+            </a:r>
+            <a:r>
+              <a:rPr lang="ko-KR" altLang="en-US" sz="2000" dirty="0">
+                <a:solidFill>
+                  <a:schemeClr val="bg1"/>
+                </a:solidFill>
+                <a:latin typeface="Noto Sans CJK KR Black" panose="020B0A00000000000000" pitchFamily="34" charset="-127"/>
+                <a:ea typeface="Noto Sans CJK KR Black" panose="020B0A00000000000000" pitchFamily="34" charset="-127"/>
+              </a:rPr>
+              <a:t>주기 분해 </a:t>
+            </a:r>
+            <a:r>
+              <a:rPr lang="en-US" altLang="ko-KR" sz="2000" dirty="0">
+                <a:solidFill>
+                  <a:schemeClr val="bg1"/>
+                </a:solidFill>
+                <a:latin typeface="Noto Sans CJK KR Black" panose="020B0A00000000000000" pitchFamily="34" charset="-127"/>
+                <a:ea typeface="Noto Sans CJK KR Black" panose="020B0A00000000000000" pitchFamily="34" charset="-127"/>
+              </a:rPr>
+              <a:t>Feature</a:t>
+            </a:r>
+            <a:r>
+              <a:rPr lang="ko-KR" altLang="en-US" sz="2000" dirty="0">
+                <a:solidFill>
+                  <a:schemeClr val="bg1"/>
+                </a:solidFill>
+                <a:latin typeface="Noto Sans CJK KR Black" panose="020B0A00000000000000" pitchFamily="34" charset="-127"/>
+                <a:ea typeface="Noto Sans CJK KR Black" panose="020B0A00000000000000" pitchFamily="34" charset="-127"/>
+              </a:rPr>
+              <a:t> </a:t>
+            </a:r>
+            <a:r>
+              <a:rPr lang="en-US" altLang="ko-KR" sz="2000" dirty="0">
+                <a:solidFill>
+                  <a:schemeClr val="bg1"/>
+                </a:solidFill>
+                <a:latin typeface="Noto Sans CJK KR Black" panose="020B0A00000000000000" pitchFamily="34" charset="-127"/>
+                <a:ea typeface="Noto Sans CJK KR Black" panose="020B0A00000000000000" pitchFamily="34" charset="-127"/>
+              </a:rPr>
+              <a:t>Engineering</a:t>
+            </a:r>
+          </a:p>
+        </p:txBody>
+      </p:sp>
+    </p:spTree>
+    <p:extLst>
+      <p:ext uri="{BB962C8B-B14F-4D97-AF65-F5344CB8AC3E}">
+        <p14:creationId xmlns:p14="http://schemas.microsoft.com/office/powerpoint/2010/main" val="520866850"/>
+      </p:ext>
+    </p:extLst>
+  </p:cSld>
+  <p:clrMapOvr>
+    <a:masterClrMapping/>
+  </p:clrMapOvr>
+</p:sld>
+</file>
+
+<file path=ppt/slides/slide9.xml><?xml version="1.0" encoding="utf-8"?>
+<p:sld xmlns:a="http://schemas.openxmlformats.org/drawingml/2006/main" xmlns:r="http://schemas.openxmlformats.org/officeDocument/2006/relationships" xmlns:p="http://schemas.openxmlformats.org/presentationml/2006/main">
+  <p:cSld>
+    <p:bg>
+      <p:bgPr>
+        <a:solidFill>
+          <a:schemeClr val="bg1">
+            <a:lumMod val="65000"/>
+          </a:schemeClr>
+        </a:solidFill>
+        <a:effectLst/>
+      </p:bgPr>
+    </p:bg>
+    <p:spTree>
+      <p:nvGrpSpPr>
+        <p:cNvPr id="1" name=""/>
+        <p:cNvGrpSpPr/>
+        <p:nvPr/>
+      </p:nvGrpSpPr>
+      <p:grpSpPr>
+        <a:xfrm>
+          <a:off x="0" y="0"/>
+          <a:ext cx="0" cy="0"/>
+          <a:chOff x="0" y="0"/>
+          <a:chExt cx="0" cy="0"/>
+        </a:xfrm>
+      </p:grpSpPr>
+      <p:sp>
+        <p:nvSpPr>
+          <p:cNvPr id="4" name="슬라이드 번호 개체 틀 3"/>
+          <p:cNvSpPr>
+            <a:spLocks noGrp="1"/>
+          </p:cNvSpPr>
+          <p:nvPr>
+            <p:ph type="sldNum" sz="quarter" idx="12"/>
+          </p:nvPr>
+        </p:nvSpPr>
+        <p:spPr/>
+        <p:txBody>
+          <a:bodyPr/>
+          <a:lstStyle/>
+          <a:p>
+            <a:fld id="{6DDAE2C3-1A0B-474A-8CE8-AE55B8D9D4B1}" type="slidenum">
+              <a:rPr lang="ko-KR" altLang="en-US" smtClean="0"/>
+              <a:pPr/>
+              <a:t>9</a:t>
+            </a:fld>
+            <a:endParaRPr lang="ko-KR" altLang="en-US" dirty="0"/>
+          </a:p>
+        </p:txBody>
+      </p:sp>
+      <p:sp>
+        <p:nvSpPr>
+          <p:cNvPr id="11" name="TextBox 10"/>
+          <p:cNvSpPr txBox="1"/>
+          <p:nvPr/>
+        </p:nvSpPr>
+        <p:spPr>
+          <a:xfrm>
+            <a:off x="204828" y="854694"/>
+            <a:ext cx="11750594" cy="1107996"/>
+          </a:xfrm>
+          <a:prstGeom prst="rect">
+            <a:avLst/>
+          </a:prstGeom>
+          <a:noFill/>
+        </p:spPr>
+        <p:txBody>
+          <a:bodyPr wrap="square" lIns="0" tIns="0" rIns="0" bIns="0" rtlCol="0" anchor="t">
+            <a:spAutoFit/>
+          </a:bodyPr>
+          <a:lstStyle/>
+          <a:p>
+            <a:r>
+              <a:rPr lang="en-US" altLang="ko-KR" sz="2400" b="1" i="0" dirty="0">
+                <a:solidFill>
+                  <a:schemeClr val="bg1"/>
+                </a:solidFill>
+                <a:effectLst/>
+                <a:latin typeface="Arial" panose="020B0604020202020204" pitchFamily="34" charset="0"/>
+                <a:cs typeface="Arial" panose="020B0604020202020204" pitchFamily="34" charset="0"/>
+              </a:rPr>
+              <a:t>Part 01. </a:t>
+            </a:r>
+            <a:r>
+              <a:rPr lang="ko-KR" altLang="en-US" sz="2400" b="1" i="0" dirty="0">
+                <a:solidFill>
+                  <a:schemeClr val="bg1"/>
+                </a:solidFill>
+                <a:effectLst/>
+                <a:latin typeface="Arial" panose="020B0604020202020204" pitchFamily="34" charset="0"/>
+                <a:cs typeface="Arial" panose="020B0604020202020204" pitchFamily="34" charset="0"/>
+              </a:rPr>
+              <a:t>데이터분석 준비하기</a:t>
+            </a:r>
+            <a:endParaRPr lang="en-US" altLang="ko-KR" sz="2400" b="1" i="0" dirty="0">
+              <a:solidFill>
+                <a:schemeClr val="bg1"/>
+              </a:solidFill>
+              <a:effectLst/>
+              <a:latin typeface="Arial" panose="020B0604020202020204" pitchFamily="34" charset="0"/>
+              <a:cs typeface="Arial" panose="020B0604020202020204" pitchFamily="34" charset="0"/>
+            </a:endParaRPr>
+          </a:p>
+          <a:p>
+            <a:endParaRPr lang="en-US" altLang="ko-KR" sz="2400" b="1" dirty="0">
+              <a:solidFill>
+                <a:schemeClr val="bg1"/>
+              </a:solidFill>
+              <a:latin typeface="Arial" panose="020B0604020202020204" pitchFamily="34" charset="0"/>
+              <a:cs typeface="Arial" panose="020B0604020202020204" pitchFamily="34" charset="0"/>
+            </a:endParaRPr>
+          </a:p>
+          <a:p>
+            <a:r>
+              <a:rPr lang="en-US" altLang="ko-KR" sz="2400" b="1" i="0" dirty="0">
+                <a:solidFill>
+                  <a:schemeClr val="bg1"/>
+                </a:solidFill>
+                <a:effectLst/>
+                <a:latin typeface="Arial" panose="020B0604020202020204" pitchFamily="34" charset="0"/>
+                <a:cs typeface="Arial" panose="020B0604020202020204" pitchFamily="34" charset="0"/>
+              </a:rPr>
+              <a:t>: </a:t>
+            </a:r>
+            <a:r>
+              <a:rPr lang="ko-KR" altLang="en-US" sz="2400" b="1" i="0" dirty="0">
+                <a:solidFill>
+                  <a:schemeClr val="bg1"/>
+                </a:solidFill>
+                <a:effectLst/>
+                <a:latin typeface="Arial" panose="020B0604020202020204" pitchFamily="34" charset="0"/>
+                <a:cs typeface="Arial" panose="020B0604020202020204" pitchFamily="34" charset="0"/>
+              </a:rPr>
+              <a:t>시계열 데이터패턴 추출 </a:t>
+            </a:r>
+            <a:r>
+              <a:rPr lang="en-US" altLang="ko-KR" sz="2400" b="1" i="0" dirty="0">
+                <a:solidFill>
+                  <a:schemeClr val="bg1"/>
+                </a:solidFill>
+                <a:effectLst/>
+                <a:latin typeface="Arial" panose="020B0604020202020204" pitchFamily="34" charset="0"/>
+                <a:cs typeface="Arial" panose="020B0604020202020204" pitchFamily="34" charset="0"/>
+              </a:rPr>
+              <a:t>- 03. </a:t>
+            </a:r>
+            <a:r>
+              <a:rPr lang="ko-KR" altLang="en-US" sz="2400" b="1" i="0" dirty="0">
+                <a:solidFill>
+                  <a:schemeClr val="bg1"/>
+                </a:solidFill>
+                <a:effectLst/>
+                <a:latin typeface="Arial" panose="020B0604020202020204" pitchFamily="34" charset="0"/>
+                <a:cs typeface="Arial" panose="020B0604020202020204" pitchFamily="34" charset="0"/>
+              </a:rPr>
+              <a:t>시계열 데이터패턴 </a:t>
+            </a:r>
+            <a:r>
+              <a:rPr lang="en-US" altLang="ko-KR" sz="2400" b="1" i="0" dirty="0">
+                <a:solidFill>
+                  <a:schemeClr val="bg1"/>
+                </a:solidFill>
+                <a:effectLst/>
+                <a:latin typeface="Arial" panose="020B0604020202020204" pitchFamily="34" charset="0"/>
+                <a:cs typeface="Arial" panose="020B0604020202020204" pitchFamily="34" charset="0"/>
+              </a:rPr>
+              <a:t>- </a:t>
+            </a:r>
+            <a:r>
+              <a:rPr lang="ko-KR" altLang="en-US" sz="2400" b="1" i="0" dirty="0">
+                <a:solidFill>
+                  <a:schemeClr val="bg1"/>
+                </a:solidFill>
+                <a:effectLst/>
+                <a:latin typeface="Arial" panose="020B0604020202020204" pitchFamily="34" charset="0"/>
+                <a:cs typeface="Arial" panose="020B0604020202020204" pitchFamily="34" charset="0"/>
+              </a:rPr>
+              <a:t>더미변수 활용</a:t>
+            </a:r>
+            <a:endParaRPr lang="en-US" altLang="ko-KR" sz="2400" b="1" dirty="0">
+              <a:solidFill>
+                <a:schemeClr val="bg1"/>
+              </a:solidFill>
+              <a:latin typeface="Arial" panose="020B0604020202020204" pitchFamily="34" charset="0"/>
+              <a:ea typeface="Noto Sans CJK KR Black" panose="020B0A00000000000000" pitchFamily="34" charset="-127"/>
+              <a:cs typeface="Arial" panose="020B0604020202020204" pitchFamily="34" charset="0"/>
+            </a:endParaRPr>
+          </a:p>
+        </p:txBody>
+      </p:sp>
+      <p:sp>
+        <p:nvSpPr>
+          <p:cNvPr id="12" name="TextBox 11"/>
+          <p:cNvSpPr txBox="1"/>
+          <p:nvPr/>
+        </p:nvSpPr>
+        <p:spPr>
+          <a:xfrm>
+            <a:off x="4783981" y="611957"/>
+            <a:ext cx="7056784" cy="216726"/>
+          </a:xfrm>
+          <a:prstGeom prst="rect">
+            <a:avLst/>
+          </a:prstGeom>
+          <a:noFill/>
+        </p:spPr>
+        <p:txBody>
+          <a:bodyPr wrap="square" lIns="0" tIns="0" rIns="0" bIns="0" rtlCol="0" anchor="t">
+            <a:spAutoFit/>
+          </a:bodyPr>
+          <a:lstStyle/>
+          <a:p>
+            <a:pPr>
+              <a:lnSpc>
+                <a:spcPct val="150000"/>
+              </a:lnSpc>
+            </a:pPr>
+            <a:endParaRPr lang="en-US" altLang="ko-KR" sz="1050" dirty="0">
+              <a:solidFill>
+                <a:schemeClr val="bg1"/>
+              </a:solidFill>
+              <a:latin typeface="Noto Sans CJK KR Medium" panose="020B0600000000000000" pitchFamily="34" charset="-127"/>
+              <a:ea typeface="Noto Sans CJK KR Medium" panose="020B0600000000000000" pitchFamily="34" charset="-127"/>
+            </a:endParaRPr>
+          </a:p>
+        </p:txBody>
+      </p:sp>
+      <p:sp>
+        <p:nvSpPr>
+          <p:cNvPr id="6" name="TextBox 5">
+            <a:extLst>
+              <a:ext uri="{FF2B5EF4-FFF2-40B4-BE49-F238E27FC236}">
+                <a16:creationId xmlns:a16="http://schemas.microsoft.com/office/drawing/2014/main" id="{161CCAE4-E01F-4257-AFB1-00679BC318D7}"/>
+              </a:ext>
+            </a:extLst>
+          </p:cNvPr>
+          <p:cNvSpPr txBox="1"/>
+          <p:nvPr/>
+        </p:nvSpPr>
+        <p:spPr>
+          <a:xfrm>
+            <a:off x="2258841" y="2844205"/>
+            <a:ext cx="7865218" cy="1723549"/>
+          </a:xfrm>
+          <a:prstGeom prst="rect">
+            <a:avLst/>
+          </a:prstGeom>
+          <a:noFill/>
+        </p:spPr>
+        <p:txBody>
+          <a:bodyPr wrap="square" lIns="0" tIns="0" rIns="0" bIns="0" rtlCol="0" anchor="t">
+            <a:spAutoFit/>
+          </a:bodyPr>
+          <a:lstStyle/>
+          <a:p>
+            <a:pPr marL="342900" indent="-342900">
+              <a:buFont typeface="Wingdings" panose="05000000000000000000" pitchFamily="2" charset="2"/>
+              <a:buChar char="l"/>
+            </a:pPr>
+            <a:r>
+              <a:rPr lang="ko-KR" altLang="en-US" sz="2400" dirty="0">
+                <a:solidFill>
+                  <a:schemeClr val="bg1"/>
+                </a:solidFill>
+                <a:latin typeface="Noto Sans CJK KR Black" panose="020B0A00000000000000" pitchFamily="34" charset="-127"/>
+                <a:ea typeface="Noto Sans CJK KR Black" panose="020B0A00000000000000" pitchFamily="34" charset="-127"/>
+              </a:rPr>
+              <a:t>지난시간 내용정리</a:t>
+            </a:r>
+            <a:endParaRPr lang="en-US" altLang="ko-KR" sz="2400" dirty="0">
+              <a:solidFill>
+                <a:schemeClr val="bg1"/>
+              </a:solidFill>
+              <a:latin typeface="Noto Sans CJK KR Black" panose="020B0A00000000000000" pitchFamily="34" charset="-127"/>
+              <a:ea typeface="Noto Sans CJK KR Black" panose="020B0A00000000000000" pitchFamily="34" charset="-127"/>
+            </a:endParaRPr>
+          </a:p>
+          <a:p>
+            <a:pPr marL="896798" lvl="1" indent="-342900">
+              <a:buFont typeface="Wingdings" panose="05000000000000000000" pitchFamily="2" charset="2"/>
+              <a:buChar char="ü"/>
+            </a:pPr>
+            <a:r>
+              <a:rPr lang="ko-KR" altLang="en-US" sz="2000" dirty="0">
+                <a:solidFill>
+                  <a:schemeClr val="bg1"/>
+                </a:solidFill>
+                <a:latin typeface="Noto Sans CJK KR Black" panose="020B0A00000000000000" pitchFamily="34" charset="-127"/>
+                <a:ea typeface="Noto Sans CJK KR Black" panose="020B0A00000000000000" pitchFamily="34" charset="-127"/>
+              </a:rPr>
+              <a:t>추세</a:t>
+            </a:r>
+            <a:r>
+              <a:rPr lang="en-US" altLang="ko-KR" sz="2000" dirty="0">
+                <a:solidFill>
+                  <a:schemeClr val="bg1"/>
+                </a:solidFill>
+                <a:latin typeface="Noto Sans CJK KR Black" panose="020B0A00000000000000" pitchFamily="34" charset="-127"/>
+                <a:ea typeface="Noto Sans CJK KR Black" panose="020B0A00000000000000" pitchFamily="34" charset="-127"/>
+              </a:rPr>
+              <a:t>/</a:t>
+            </a:r>
+            <a:r>
+              <a:rPr lang="ko-KR" altLang="en-US" sz="2000" dirty="0">
+                <a:solidFill>
+                  <a:schemeClr val="bg1"/>
+                </a:solidFill>
+                <a:latin typeface="Noto Sans CJK KR Black" panose="020B0A00000000000000" pitchFamily="34" charset="-127"/>
+                <a:ea typeface="Noto Sans CJK KR Black" panose="020B0A00000000000000" pitchFamily="34" charset="-127"/>
+              </a:rPr>
+              <a:t>계절성</a:t>
+            </a:r>
+            <a:r>
+              <a:rPr lang="en-US" altLang="ko-KR" sz="2000" dirty="0">
+                <a:solidFill>
+                  <a:schemeClr val="bg1"/>
+                </a:solidFill>
+                <a:latin typeface="Noto Sans CJK KR Black" panose="020B0A00000000000000" pitchFamily="34" charset="-127"/>
+                <a:ea typeface="Noto Sans CJK KR Black" panose="020B0A00000000000000" pitchFamily="34" charset="-127"/>
+              </a:rPr>
+              <a:t>/</a:t>
+            </a:r>
+            <a:r>
+              <a:rPr lang="ko-KR" altLang="en-US" sz="2000" dirty="0">
+                <a:solidFill>
+                  <a:schemeClr val="bg1"/>
+                </a:solidFill>
+                <a:latin typeface="Noto Sans CJK KR Black" panose="020B0A00000000000000" pitchFamily="34" charset="-127"/>
+                <a:ea typeface="Noto Sans CJK KR Black" panose="020B0A00000000000000" pitchFamily="34" charset="-127"/>
+              </a:rPr>
+              <a:t>주기 분해 </a:t>
+            </a:r>
+            <a:r>
+              <a:rPr lang="en-US" altLang="ko-KR" sz="2000" dirty="0">
+                <a:solidFill>
+                  <a:schemeClr val="bg1"/>
+                </a:solidFill>
+                <a:latin typeface="Noto Sans CJK KR Black" panose="020B0A00000000000000" pitchFamily="34" charset="-127"/>
+                <a:ea typeface="Noto Sans CJK KR Black" panose="020B0A00000000000000" pitchFamily="34" charset="-127"/>
+              </a:rPr>
+              <a:t>Feature</a:t>
+            </a:r>
+            <a:r>
+              <a:rPr lang="ko-KR" altLang="en-US" sz="2000" dirty="0">
+                <a:solidFill>
+                  <a:schemeClr val="bg1"/>
+                </a:solidFill>
+                <a:latin typeface="Noto Sans CJK KR Black" panose="020B0A00000000000000" pitchFamily="34" charset="-127"/>
+                <a:ea typeface="Noto Sans CJK KR Black" panose="020B0A00000000000000" pitchFamily="34" charset="-127"/>
+              </a:rPr>
+              <a:t> </a:t>
+            </a:r>
+            <a:r>
+              <a:rPr lang="en-US" altLang="ko-KR" sz="2000" dirty="0">
+                <a:solidFill>
+                  <a:schemeClr val="bg1"/>
+                </a:solidFill>
+                <a:latin typeface="Noto Sans CJK KR Black" panose="020B0A00000000000000" pitchFamily="34" charset="-127"/>
+                <a:ea typeface="Noto Sans CJK KR Black" panose="020B0A00000000000000" pitchFamily="34" charset="-127"/>
+              </a:rPr>
+              <a:t>Engineering</a:t>
+            </a:r>
+          </a:p>
+          <a:p>
+            <a:pPr marL="342900" indent="-342900">
+              <a:buFont typeface="Wingdings" panose="05000000000000000000" pitchFamily="2" charset="2"/>
+              <a:buChar char="l"/>
+            </a:pPr>
+            <a:endParaRPr lang="en-US" altLang="ko-KR" sz="2400" dirty="0">
+              <a:solidFill>
+                <a:schemeClr val="bg1"/>
+              </a:solidFill>
+              <a:latin typeface="Noto Sans CJK KR Black" panose="020B0A00000000000000" pitchFamily="34" charset="-127"/>
+              <a:ea typeface="Noto Sans CJK KR Black" panose="020B0A00000000000000" pitchFamily="34" charset="-127"/>
+            </a:endParaRPr>
+          </a:p>
+          <a:p>
+            <a:pPr marL="342900" indent="-342900">
+              <a:buFont typeface="Wingdings" panose="05000000000000000000" pitchFamily="2" charset="2"/>
+              <a:buChar char="l"/>
+            </a:pPr>
+            <a:r>
+              <a:rPr lang="ko-KR" altLang="en-US" sz="2400" dirty="0">
+                <a:solidFill>
+                  <a:schemeClr val="bg1"/>
+                </a:solidFill>
+                <a:latin typeface="Noto Sans CJK KR Black" panose="020B0A00000000000000" pitchFamily="34" charset="-127"/>
+                <a:ea typeface="Noto Sans CJK KR Black" panose="020B0A00000000000000" pitchFamily="34" charset="-127"/>
+              </a:rPr>
+              <a:t>이번시간 목표</a:t>
+            </a:r>
+            <a:endParaRPr lang="en-US" altLang="ko-KR" sz="2400" dirty="0">
+              <a:solidFill>
+                <a:schemeClr val="bg1"/>
+              </a:solidFill>
+              <a:latin typeface="Noto Sans CJK KR Black" panose="020B0A00000000000000" pitchFamily="34" charset="-127"/>
+              <a:ea typeface="Noto Sans CJK KR Black" panose="020B0A00000000000000" pitchFamily="34" charset="-127"/>
+            </a:endParaRPr>
+          </a:p>
+          <a:p>
+            <a:pPr marL="896798" lvl="1" indent="-342900">
+              <a:buFont typeface="Wingdings" panose="05000000000000000000" pitchFamily="2" charset="2"/>
+              <a:buChar char="ü"/>
+            </a:pPr>
+            <a:r>
+              <a:rPr lang="ko-KR" altLang="en-US" sz="2000" dirty="0">
+                <a:solidFill>
+                  <a:schemeClr val="bg1"/>
+                </a:solidFill>
+                <a:latin typeface="Noto Sans CJK KR Black" panose="020B0A00000000000000" pitchFamily="34" charset="-127"/>
+                <a:ea typeface="Noto Sans CJK KR Black" panose="020B0A00000000000000" pitchFamily="34" charset="-127"/>
+              </a:rPr>
+              <a:t>더미변수를 </a:t>
+            </a:r>
+            <a:r>
+              <a:rPr lang="ko-KR" altLang="en-US" sz="2000" dirty="0" err="1">
+                <a:solidFill>
+                  <a:schemeClr val="bg1"/>
+                </a:solidFill>
+                <a:latin typeface="Noto Sans CJK KR Black" panose="020B0A00000000000000" pitchFamily="34" charset="-127"/>
+                <a:ea typeface="Noto Sans CJK KR Black" panose="020B0A00000000000000" pitchFamily="34" charset="-127"/>
+              </a:rPr>
+              <a:t>할용한</a:t>
+            </a:r>
+            <a:r>
+              <a:rPr lang="ko-KR" altLang="en-US" sz="2000" dirty="0">
+                <a:solidFill>
+                  <a:schemeClr val="bg1"/>
+                </a:solidFill>
+                <a:latin typeface="Noto Sans CJK KR Black" panose="020B0A00000000000000" pitchFamily="34" charset="-127"/>
+                <a:ea typeface="Noto Sans CJK KR Black" panose="020B0A00000000000000" pitchFamily="34" charset="-127"/>
+              </a:rPr>
+              <a:t> </a:t>
+            </a:r>
+            <a:r>
+              <a:rPr lang="en-US" altLang="ko-KR" sz="2000" dirty="0">
+                <a:solidFill>
+                  <a:schemeClr val="bg1"/>
+                </a:solidFill>
+                <a:latin typeface="Noto Sans CJK KR Black" panose="020B0A00000000000000" pitchFamily="34" charset="-127"/>
+                <a:ea typeface="Noto Sans CJK KR Black" panose="020B0A00000000000000" pitchFamily="34" charset="-127"/>
+              </a:rPr>
+              <a:t>Feature</a:t>
+            </a:r>
+            <a:r>
+              <a:rPr lang="ko-KR" altLang="en-US" sz="2000" dirty="0">
+                <a:solidFill>
+                  <a:schemeClr val="bg1"/>
+                </a:solidFill>
+                <a:latin typeface="Noto Sans CJK KR Black" panose="020B0A00000000000000" pitchFamily="34" charset="-127"/>
+                <a:ea typeface="Noto Sans CJK KR Black" panose="020B0A00000000000000" pitchFamily="34" charset="-127"/>
+              </a:rPr>
+              <a:t> </a:t>
+            </a:r>
+            <a:r>
+              <a:rPr lang="en-US" altLang="ko-KR" sz="2000" dirty="0">
+                <a:solidFill>
+                  <a:schemeClr val="bg1"/>
+                </a:solidFill>
+                <a:latin typeface="Noto Sans CJK KR Black" panose="020B0A00000000000000" pitchFamily="34" charset="-127"/>
+                <a:ea typeface="Noto Sans CJK KR Black" panose="020B0A00000000000000" pitchFamily="34" charset="-127"/>
+              </a:rPr>
+              <a:t>Engineering</a:t>
+            </a:r>
+          </a:p>
+        </p:txBody>
+      </p:sp>
+    </p:spTree>
+    <p:extLst>
+      <p:ext uri="{BB962C8B-B14F-4D97-AF65-F5344CB8AC3E}">
+        <p14:creationId xmlns:p14="http://schemas.microsoft.com/office/powerpoint/2010/main" val="3289510994"/>
       </p:ext>
     </p:extLst>
   </p:cSld>

--- a/[FastCampus] 커리큘럼_김경원박사.pptx
+++ b/[FastCampus] 커리큘럼_김경원박사.pptx
@@ -5,10 +5,10 @@
     <p:sldMasterId id="2147483648" r:id="rId1"/>
   </p:sldMasterIdLst>
   <p:notesMasterIdLst>
-    <p:notesMasterId r:id="rId13"/>
+    <p:notesMasterId r:id="rId16"/>
   </p:notesMasterIdLst>
   <p:handoutMasterIdLst>
-    <p:handoutMasterId r:id="rId14"/>
+    <p:handoutMasterId r:id="rId17"/>
   </p:handoutMasterIdLst>
   <p:sldIdLst>
     <p:sldId id="1066" r:id="rId2"/>
@@ -22,14 +22,17 @@
     <p:sldId id="1074" r:id="rId10"/>
     <p:sldId id="1075" r:id="rId11"/>
     <p:sldId id="1076" r:id="rId12"/>
+    <p:sldId id="1077" r:id="rId13"/>
+    <p:sldId id="1078" r:id="rId14"/>
+    <p:sldId id="1079" r:id="rId15"/>
   </p:sldIdLst>
   <p:sldSz cx="12160250" cy="6840538"/>
   <p:notesSz cx="9874250" cy="6797675"/>
   <p:embeddedFontLst>
     <p:embeddedFont>
       <p:font typeface="맑은 고딕" panose="020B0503020000020004" pitchFamily="50" charset="-127"/>
-      <p:regular r:id="rId15"/>
-      <p:bold r:id="rId16"/>
+      <p:regular r:id="rId18"/>
+      <p:bold r:id="rId19"/>
     </p:embeddedFont>
   </p:embeddedFontLst>
   <p:defaultTextStyle>
@@ -242,7 +245,7 @@
           <a:p>
             <a:fld id="{FC718EE8-BF93-4A17-BED5-FC99EECA5FC7}" type="datetimeFigureOut">
               <a:rPr lang="ko-KR" altLang="en-US" smtClean="0"/>
-              <a:t>2020-08-23</a:t>
+              <a:t>2020-08-25</a:t>
             </a:fld>
             <a:endParaRPr lang="ko-KR" altLang="en-US"/>
           </a:p>
@@ -407,7 +410,7 @@
           <a:p>
             <a:fld id="{6101F873-BA02-446B-9127-C4DE4310B943}" type="datetimeFigureOut">
               <a:rPr lang="ko-KR" altLang="en-US" smtClean="0"/>
-              <a:t>2020-08-23</a:t>
+              <a:t>2020-08-25</a:t>
             </a:fld>
             <a:endParaRPr lang="ko-KR" altLang="en-US"/>
           </a:p>
@@ -926,6 +929,258 @@
 </p:notes>
 </file>
 
+<file path=ppt/notesSlides/notesSlide12.xml><?xml version="1.0" encoding="utf-8"?>
+<p:notes xmlns:a="http://schemas.openxmlformats.org/drawingml/2006/main" xmlns:r="http://schemas.openxmlformats.org/officeDocument/2006/relationships" xmlns:p="http://schemas.openxmlformats.org/presentationml/2006/main">
+  <p:cSld>
+    <p:spTree>
+      <p:nvGrpSpPr>
+        <p:cNvPr id="1" name=""/>
+        <p:cNvGrpSpPr/>
+        <p:nvPr/>
+      </p:nvGrpSpPr>
+      <p:grpSpPr>
+        <a:xfrm>
+          <a:off x="0" y="0"/>
+          <a:ext cx="0" cy="0"/>
+          <a:chOff x="0" y="0"/>
+          <a:chExt cx="0" cy="0"/>
+        </a:xfrm>
+      </p:grpSpPr>
+      <p:sp>
+        <p:nvSpPr>
+          <p:cNvPr id="2" name="슬라이드 이미지 개체 틀 1"/>
+          <p:cNvSpPr>
+            <a:spLocks noGrp="1" noRot="1" noChangeAspect="1"/>
+          </p:cNvSpPr>
+          <p:nvPr>
+            <p:ph type="sldImg"/>
+          </p:nvPr>
+        </p:nvSpPr>
+        <p:spPr/>
+      </p:sp>
+      <p:sp>
+        <p:nvSpPr>
+          <p:cNvPr id="3" name="슬라이드 노트 개체 틀 2"/>
+          <p:cNvSpPr>
+            <a:spLocks noGrp="1"/>
+          </p:cNvSpPr>
+          <p:nvPr>
+            <p:ph type="body" idx="1"/>
+          </p:nvPr>
+        </p:nvSpPr>
+        <p:spPr/>
+        <p:txBody>
+          <a:bodyPr/>
+          <a:lstStyle/>
+          <a:p>
+            <a:endParaRPr lang="ko-KR" altLang="en-US" dirty="0"/>
+          </a:p>
+        </p:txBody>
+      </p:sp>
+      <p:sp>
+        <p:nvSpPr>
+          <p:cNvPr id="4" name="슬라이드 번호 개체 틀 3"/>
+          <p:cNvSpPr>
+            <a:spLocks noGrp="1"/>
+          </p:cNvSpPr>
+          <p:nvPr>
+            <p:ph type="sldNum" sz="quarter" idx="10"/>
+          </p:nvPr>
+        </p:nvSpPr>
+        <p:spPr/>
+        <p:txBody>
+          <a:bodyPr/>
+          <a:lstStyle/>
+          <a:p>
+            <a:fld id="{C191BC67-C438-4515-9D3F-F10D40F1354A}" type="slidenum">
+              <a:rPr lang="ko-KR" altLang="en-US" smtClean="0"/>
+              <a:t>12</a:t>
+            </a:fld>
+            <a:endParaRPr lang="ko-KR" altLang="en-US"/>
+          </a:p>
+        </p:txBody>
+      </p:sp>
+    </p:spTree>
+    <p:extLst>
+      <p:ext uri="{BB962C8B-B14F-4D97-AF65-F5344CB8AC3E}">
+        <p14:creationId xmlns:p14="http://schemas.microsoft.com/office/powerpoint/2010/main" val="2717830542"/>
+      </p:ext>
+    </p:extLst>
+  </p:cSld>
+  <p:clrMapOvr>
+    <a:masterClrMapping/>
+  </p:clrMapOvr>
+</p:notes>
+</file>
+
+<file path=ppt/notesSlides/notesSlide13.xml><?xml version="1.0" encoding="utf-8"?>
+<p:notes xmlns:a="http://schemas.openxmlformats.org/drawingml/2006/main" xmlns:r="http://schemas.openxmlformats.org/officeDocument/2006/relationships" xmlns:p="http://schemas.openxmlformats.org/presentationml/2006/main">
+  <p:cSld>
+    <p:spTree>
+      <p:nvGrpSpPr>
+        <p:cNvPr id="1" name=""/>
+        <p:cNvGrpSpPr/>
+        <p:nvPr/>
+      </p:nvGrpSpPr>
+      <p:grpSpPr>
+        <a:xfrm>
+          <a:off x="0" y="0"/>
+          <a:ext cx="0" cy="0"/>
+          <a:chOff x="0" y="0"/>
+          <a:chExt cx="0" cy="0"/>
+        </a:xfrm>
+      </p:grpSpPr>
+      <p:sp>
+        <p:nvSpPr>
+          <p:cNvPr id="2" name="슬라이드 이미지 개체 틀 1"/>
+          <p:cNvSpPr>
+            <a:spLocks noGrp="1" noRot="1" noChangeAspect="1"/>
+          </p:cNvSpPr>
+          <p:nvPr>
+            <p:ph type="sldImg"/>
+          </p:nvPr>
+        </p:nvSpPr>
+        <p:spPr/>
+      </p:sp>
+      <p:sp>
+        <p:nvSpPr>
+          <p:cNvPr id="3" name="슬라이드 노트 개체 틀 2"/>
+          <p:cNvSpPr>
+            <a:spLocks noGrp="1"/>
+          </p:cNvSpPr>
+          <p:nvPr>
+            <p:ph type="body" idx="1"/>
+          </p:nvPr>
+        </p:nvSpPr>
+        <p:spPr/>
+        <p:txBody>
+          <a:bodyPr/>
+          <a:lstStyle/>
+          <a:p>
+            <a:endParaRPr lang="ko-KR" altLang="en-US" dirty="0"/>
+          </a:p>
+        </p:txBody>
+      </p:sp>
+      <p:sp>
+        <p:nvSpPr>
+          <p:cNvPr id="4" name="슬라이드 번호 개체 틀 3"/>
+          <p:cNvSpPr>
+            <a:spLocks noGrp="1"/>
+          </p:cNvSpPr>
+          <p:nvPr>
+            <p:ph type="sldNum" sz="quarter" idx="10"/>
+          </p:nvPr>
+        </p:nvSpPr>
+        <p:spPr/>
+        <p:txBody>
+          <a:bodyPr/>
+          <a:lstStyle/>
+          <a:p>
+            <a:fld id="{C191BC67-C438-4515-9D3F-F10D40F1354A}" type="slidenum">
+              <a:rPr lang="ko-KR" altLang="en-US" smtClean="0"/>
+              <a:t>13</a:t>
+            </a:fld>
+            <a:endParaRPr lang="ko-KR" altLang="en-US"/>
+          </a:p>
+        </p:txBody>
+      </p:sp>
+    </p:spTree>
+    <p:extLst>
+      <p:ext uri="{BB962C8B-B14F-4D97-AF65-F5344CB8AC3E}">
+        <p14:creationId xmlns:p14="http://schemas.microsoft.com/office/powerpoint/2010/main" val="1034222124"/>
+      </p:ext>
+    </p:extLst>
+  </p:cSld>
+  <p:clrMapOvr>
+    <a:masterClrMapping/>
+  </p:clrMapOvr>
+</p:notes>
+</file>
+
+<file path=ppt/notesSlides/notesSlide14.xml><?xml version="1.0" encoding="utf-8"?>
+<p:notes xmlns:a="http://schemas.openxmlformats.org/drawingml/2006/main" xmlns:r="http://schemas.openxmlformats.org/officeDocument/2006/relationships" xmlns:p="http://schemas.openxmlformats.org/presentationml/2006/main">
+  <p:cSld>
+    <p:spTree>
+      <p:nvGrpSpPr>
+        <p:cNvPr id="1" name=""/>
+        <p:cNvGrpSpPr/>
+        <p:nvPr/>
+      </p:nvGrpSpPr>
+      <p:grpSpPr>
+        <a:xfrm>
+          <a:off x="0" y="0"/>
+          <a:ext cx="0" cy="0"/>
+          <a:chOff x="0" y="0"/>
+          <a:chExt cx="0" cy="0"/>
+        </a:xfrm>
+      </p:grpSpPr>
+      <p:sp>
+        <p:nvSpPr>
+          <p:cNvPr id="2" name="슬라이드 이미지 개체 틀 1"/>
+          <p:cNvSpPr>
+            <a:spLocks noGrp="1" noRot="1" noChangeAspect="1"/>
+          </p:cNvSpPr>
+          <p:nvPr>
+            <p:ph type="sldImg"/>
+          </p:nvPr>
+        </p:nvSpPr>
+        <p:spPr/>
+      </p:sp>
+      <p:sp>
+        <p:nvSpPr>
+          <p:cNvPr id="3" name="슬라이드 노트 개체 틀 2"/>
+          <p:cNvSpPr>
+            <a:spLocks noGrp="1"/>
+          </p:cNvSpPr>
+          <p:nvPr>
+            <p:ph type="body" idx="1"/>
+          </p:nvPr>
+        </p:nvSpPr>
+        <p:spPr/>
+        <p:txBody>
+          <a:bodyPr/>
+          <a:lstStyle/>
+          <a:p>
+            <a:endParaRPr lang="ko-KR" altLang="en-US" dirty="0"/>
+          </a:p>
+        </p:txBody>
+      </p:sp>
+      <p:sp>
+        <p:nvSpPr>
+          <p:cNvPr id="4" name="슬라이드 번호 개체 틀 3"/>
+          <p:cNvSpPr>
+            <a:spLocks noGrp="1"/>
+          </p:cNvSpPr>
+          <p:nvPr>
+            <p:ph type="sldNum" sz="quarter" idx="10"/>
+          </p:nvPr>
+        </p:nvSpPr>
+        <p:spPr/>
+        <p:txBody>
+          <a:bodyPr/>
+          <a:lstStyle/>
+          <a:p>
+            <a:fld id="{C191BC67-C438-4515-9D3F-F10D40F1354A}" type="slidenum">
+              <a:rPr lang="ko-KR" altLang="en-US" smtClean="0"/>
+              <a:t>14</a:t>
+            </a:fld>
+            <a:endParaRPr lang="ko-KR" altLang="en-US"/>
+          </a:p>
+        </p:txBody>
+      </p:sp>
+    </p:spTree>
+    <p:extLst>
+      <p:ext uri="{BB962C8B-B14F-4D97-AF65-F5344CB8AC3E}">
+        <p14:creationId xmlns:p14="http://schemas.microsoft.com/office/powerpoint/2010/main" val="4205345653"/>
+      </p:ext>
+    </p:extLst>
+  </p:cSld>
+  <p:clrMapOvr>
+    <a:masterClrMapping/>
+  </p:clrMapOvr>
+</p:notes>
+</file>
+
 <file path=ppt/notesSlides/notesSlide2.xml><?xml version="1.0" encoding="utf-8"?>
 <p:notes xmlns:a="http://schemas.openxmlformats.org/drawingml/2006/main" xmlns:r="http://schemas.openxmlformats.org/officeDocument/2006/relationships" xmlns:p="http://schemas.openxmlformats.org/presentationml/2006/main">
   <p:cSld>
@@ -1777,7 +2032,7 @@
           <a:p>
             <a:fld id="{89B5E594-86C5-4F1D-8812-38DF40064943}" type="datetime1">
               <a:rPr lang="ko-KR" altLang="en-US" smtClean="0"/>
-              <a:t>2020-08-23</a:t>
+              <a:t>2020-08-25</a:t>
             </a:fld>
             <a:endParaRPr lang="ko-KR" altLang="en-US"/>
           </a:p>
@@ -1985,7 +2240,7 @@
           <a:p>
             <a:fld id="{05C0B17C-522D-4CD8-8139-01EDEBAB2AF6}" type="datetime1">
               <a:rPr lang="ko-KR" altLang="en-US" smtClean="0"/>
-              <a:t>2020-08-23</a:t>
+              <a:t>2020-08-25</a:t>
             </a:fld>
             <a:endParaRPr lang="ko-KR" altLang="en-US"/>
           </a:p>
@@ -2163,7 +2418,7 @@
           <a:p>
             <a:fld id="{7345261C-38F3-40E7-AAA6-CE27B727AA65}" type="datetime1">
               <a:rPr lang="ko-KR" altLang="en-US" smtClean="0"/>
-              <a:t>2020-08-23</a:t>
+              <a:t>2020-08-25</a:t>
             </a:fld>
             <a:endParaRPr lang="ko-KR" altLang="en-US"/>
           </a:p>
@@ -2331,7 +2586,7 @@
           <a:p>
             <a:fld id="{A8472951-AD8C-47B8-8787-30E2F4BFA1EA}" type="datetime1">
               <a:rPr lang="ko-KR" altLang="en-US" smtClean="0"/>
-              <a:t>2020-08-23</a:t>
+              <a:t>2020-08-25</a:t>
             </a:fld>
             <a:endParaRPr lang="ko-KR" altLang="en-US"/>
           </a:p>
@@ -2586,7 +2841,7 @@
           <a:p>
             <a:fld id="{8BCB1BBF-13D1-46E6-8B8B-C9F26A0BAD91}" type="datetime1">
               <a:rPr lang="ko-KR" altLang="en-US" smtClean="0"/>
-              <a:t>2020-08-23</a:t>
+              <a:t>2020-08-25</a:t>
             </a:fld>
             <a:endParaRPr lang="ko-KR" altLang="en-US"/>
           </a:p>
@@ -2871,7 +3126,7 @@
           <a:p>
             <a:fld id="{B16FDC3D-FD6A-49DF-B101-11717D57279F}" type="datetime1">
               <a:rPr lang="ko-KR" altLang="en-US" smtClean="0"/>
-              <a:t>2020-08-23</a:t>
+              <a:t>2020-08-25</a:t>
             </a:fld>
             <a:endParaRPr lang="ko-KR" altLang="en-US"/>
           </a:p>
@@ -3290,7 +3545,7 @@
           <a:p>
             <a:fld id="{42D411A2-FD90-4A19-98A8-25197A66BC26}" type="datetime1">
               <a:rPr lang="ko-KR" altLang="en-US" smtClean="0"/>
-              <a:t>2020-08-23</a:t>
+              <a:t>2020-08-25</a:t>
             </a:fld>
             <a:endParaRPr lang="ko-KR" altLang="en-US"/>
           </a:p>
@@ -3407,7 +3662,7 @@
           <a:p>
             <a:fld id="{F6E6B532-6471-449A-9A2F-4428556C2F98}" type="datetime1">
               <a:rPr lang="ko-KR" altLang="en-US" smtClean="0"/>
-              <a:t>2020-08-23</a:t>
+              <a:t>2020-08-25</a:t>
             </a:fld>
             <a:endParaRPr lang="ko-KR" altLang="en-US"/>
           </a:p>
@@ -3502,7 +3757,7 @@
           <a:p>
             <a:fld id="{45A9E13B-856D-4562-A86D-A2B6F7BF810F}" type="datetime1">
               <a:rPr lang="ko-KR" altLang="en-US" smtClean="0"/>
-              <a:t>2020-08-23</a:t>
+              <a:t>2020-08-25</a:t>
             </a:fld>
             <a:endParaRPr lang="ko-KR" altLang="en-US"/>
           </a:p>
@@ -3777,7 +4032,7 @@
           <a:p>
             <a:fld id="{A672FB3A-7E9E-4380-9381-6FCA87FBB41A}" type="datetime1">
               <a:rPr lang="ko-KR" altLang="en-US" smtClean="0"/>
-              <a:t>2020-08-23</a:t>
+              <a:t>2020-08-25</a:t>
             </a:fld>
             <a:endParaRPr lang="ko-KR" altLang="en-US"/>
           </a:p>
@@ -4029,7 +4284,7 @@
           <a:p>
             <a:fld id="{3948CCBA-1514-4E9E-888A-807450F810B0}" type="datetime1">
               <a:rPr lang="ko-KR" altLang="en-US" smtClean="0"/>
-              <a:t>2020-08-23</a:t>
+              <a:t>2020-08-25</a:t>
             </a:fld>
             <a:endParaRPr lang="ko-KR" altLang="en-US"/>
           </a:p>
@@ -4242,7 +4497,7 @@
           <a:p>
             <a:fld id="{170EDEE7-370E-499F-B978-ABF387098974}" type="datetime1">
               <a:rPr lang="ko-KR" altLang="en-US" smtClean="0"/>
-              <a:t>2020-08-23</a:t>
+              <a:t>2020-08-25</a:t>
             </a:fld>
             <a:endParaRPr lang="ko-KR" altLang="en-US" dirty="0"/>
           </a:p>
@@ -4987,7 +5242,18 @@
                 <a:ea typeface="Noto Sans CJK KR Black" panose="020B0A00000000000000" pitchFamily="34" charset="-127"/>
                 <a:cs typeface="Arial" panose="020B0604020202020204" pitchFamily="34" charset="0"/>
               </a:rPr>
-              <a:t>레퍼런스 알고리즘 마련</a:t>
+              <a:t>레퍼런스 </a:t>
+            </a:r>
+            <a:r>
+              <a:rPr lang="ko-KR" altLang="en-US" sz="2400" b="1">
+                <a:solidFill>
+                  <a:schemeClr val="bg1"/>
+                </a:solidFill>
+                <a:latin typeface="Arial" panose="020B0604020202020204" pitchFamily="34" charset="0"/>
+                <a:ea typeface="Noto Sans CJK KR Black" panose="020B0A00000000000000" pitchFamily="34" charset="-127"/>
+                <a:cs typeface="Arial" panose="020B0604020202020204" pitchFamily="34" charset="0"/>
+              </a:rPr>
+              <a:t>알고리즘 구축</a:t>
             </a:r>
             <a:endParaRPr lang="en-US" altLang="ko-KR" sz="2400" b="1" dirty="0">
               <a:solidFill>
@@ -6051,6 +6317,1262 @@
     <p:extLst>
       <p:ext uri="{BB962C8B-B14F-4D97-AF65-F5344CB8AC3E}">
         <p14:creationId xmlns:p14="http://schemas.microsoft.com/office/powerpoint/2010/main" val="1004321869"/>
+      </p:ext>
+    </p:extLst>
+  </p:cSld>
+  <p:clrMapOvr>
+    <a:masterClrMapping/>
+  </p:clrMapOvr>
+</p:sld>
+</file>
+
+<file path=ppt/slides/slide12.xml><?xml version="1.0" encoding="utf-8"?>
+<p:sld xmlns:a="http://schemas.openxmlformats.org/drawingml/2006/main" xmlns:r="http://schemas.openxmlformats.org/officeDocument/2006/relationships" xmlns:p="http://schemas.openxmlformats.org/presentationml/2006/main">
+  <p:cSld>
+    <p:bg>
+      <p:bgPr>
+        <a:solidFill>
+          <a:schemeClr val="bg1">
+            <a:lumMod val="65000"/>
+          </a:schemeClr>
+        </a:solidFill>
+        <a:effectLst/>
+      </p:bgPr>
+    </p:bg>
+    <p:spTree>
+      <p:nvGrpSpPr>
+        <p:cNvPr id="1" name=""/>
+        <p:cNvGrpSpPr/>
+        <p:nvPr/>
+      </p:nvGrpSpPr>
+      <p:grpSpPr>
+        <a:xfrm>
+          <a:off x="0" y="0"/>
+          <a:ext cx="0" cy="0"/>
+          <a:chOff x="0" y="0"/>
+          <a:chExt cx="0" cy="0"/>
+        </a:xfrm>
+      </p:grpSpPr>
+      <p:sp>
+        <p:nvSpPr>
+          <p:cNvPr id="4" name="슬라이드 번호 개체 틀 3"/>
+          <p:cNvSpPr>
+            <a:spLocks noGrp="1"/>
+          </p:cNvSpPr>
+          <p:nvPr>
+            <p:ph type="sldNum" sz="quarter" idx="12"/>
+          </p:nvPr>
+        </p:nvSpPr>
+        <p:spPr/>
+        <p:txBody>
+          <a:bodyPr/>
+          <a:lstStyle/>
+          <a:p>
+            <a:fld id="{6DDAE2C3-1A0B-474A-8CE8-AE55B8D9D4B1}" type="slidenum">
+              <a:rPr lang="ko-KR" altLang="en-US" smtClean="0"/>
+              <a:pPr/>
+              <a:t>12</a:t>
+            </a:fld>
+            <a:endParaRPr lang="ko-KR" altLang="en-US" dirty="0"/>
+          </a:p>
+        </p:txBody>
+      </p:sp>
+      <p:sp>
+        <p:nvSpPr>
+          <p:cNvPr id="11" name="TextBox 10"/>
+          <p:cNvSpPr txBox="1"/>
+          <p:nvPr/>
+        </p:nvSpPr>
+        <p:spPr>
+          <a:xfrm>
+            <a:off x="204828" y="854694"/>
+            <a:ext cx="11750594" cy="1107996"/>
+          </a:xfrm>
+          <a:prstGeom prst="rect">
+            <a:avLst/>
+          </a:prstGeom>
+          <a:noFill/>
+        </p:spPr>
+        <p:txBody>
+          <a:bodyPr wrap="square" lIns="0" tIns="0" rIns="0" bIns="0" rtlCol="0" anchor="t">
+            <a:spAutoFit/>
+          </a:bodyPr>
+          <a:lstStyle/>
+          <a:p>
+            <a:r>
+              <a:rPr lang="en-US" altLang="ko-KR" sz="2400" b="1" i="0" dirty="0">
+                <a:solidFill>
+                  <a:schemeClr val="bg1"/>
+                </a:solidFill>
+                <a:effectLst/>
+                <a:latin typeface="Arial" panose="020B0604020202020204" pitchFamily="34" charset="0"/>
+                <a:cs typeface="Arial" panose="020B0604020202020204" pitchFamily="34" charset="0"/>
+              </a:rPr>
+              <a:t>Part 01. </a:t>
+            </a:r>
+            <a:r>
+              <a:rPr lang="ko-KR" altLang="en-US" sz="2400" b="1" i="0" dirty="0">
+                <a:solidFill>
+                  <a:schemeClr val="bg1"/>
+                </a:solidFill>
+                <a:effectLst/>
+                <a:latin typeface="Arial" panose="020B0604020202020204" pitchFamily="34" charset="0"/>
+                <a:cs typeface="Arial" panose="020B0604020202020204" pitchFamily="34" charset="0"/>
+              </a:rPr>
+              <a:t>데이터분석 준비하기</a:t>
+            </a:r>
+            <a:endParaRPr lang="en-US" altLang="ko-KR" sz="2400" b="1" i="0" dirty="0">
+              <a:solidFill>
+                <a:schemeClr val="bg1"/>
+              </a:solidFill>
+              <a:effectLst/>
+              <a:latin typeface="Arial" panose="020B0604020202020204" pitchFamily="34" charset="0"/>
+              <a:cs typeface="Arial" panose="020B0604020202020204" pitchFamily="34" charset="0"/>
+            </a:endParaRPr>
+          </a:p>
+          <a:p>
+            <a:endParaRPr lang="en-US" altLang="ko-KR" sz="2400" b="1" dirty="0">
+              <a:solidFill>
+                <a:schemeClr val="bg1"/>
+              </a:solidFill>
+              <a:latin typeface="Arial" panose="020B0604020202020204" pitchFamily="34" charset="0"/>
+              <a:cs typeface="Arial" panose="020B0604020202020204" pitchFamily="34" charset="0"/>
+            </a:endParaRPr>
+          </a:p>
+          <a:p>
+            <a:r>
+              <a:rPr lang="en-US" altLang="ko-KR" sz="2400" b="1" i="0" dirty="0">
+                <a:solidFill>
+                  <a:schemeClr val="bg1"/>
+                </a:solidFill>
+                <a:effectLst/>
+                <a:latin typeface="Arial" panose="020B0604020202020204" pitchFamily="34" charset="0"/>
+                <a:cs typeface="Arial" panose="020B0604020202020204" pitchFamily="34" charset="0"/>
+              </a:rPr>
+              <a:t>: </a:t>
+            </a:r>
+            <a:r>
+              <a:rPr lang="ko-KR" altLang="en-US" sz="2400" b="1" i="0" dirty="0">
+                <a:solidFill>
+                  <a:schemeClr val="bg1"/>
+                </a:solidFill>
+                <a:effectLst/>
+                <a:latin typeface="Arial" panose="020B0604020202020204" pitchFamily="34" charset="0"/>
+                <a:cs typeface="Arial" panose="020B0604020202020204" pitchFamily="34" charset="0"/>
+              </a:rPr>
+              <a:t>시계열 데이터 분리 </a:t>
+            </a:r>
+            <a:r>
+              <a:rPr lang="en-US" altLang="ko-KR" sz="2400" b="1" i="0" dirty="0">
+                <a:solidFill>
+                  <a:schemeClr val="bg1"/>
+                </a:solidFill>
+                <a:effectLst/>
+                <a:latin typeface="Arial" panose="020B0604020202020204" pitchFamily="34" charset="0"/>
+                <a:cs typeface="Arial" panose="020B0604020202020204" pitchFamily="34" charset="0"/>
+              </a:rPr>
+              <a:t>- 01. </a:t>
+            </a:r>
+            <a:r>
+              <a:rPr lang="ko-KR" altLang="en-US" sz="2400" b="1" i="0" dirty="0">
+                <a:solidFill>
+                  <a:schemeClr val="bg1"/>
+                </a:solidFill>
+                <a:effectLst/>
+                <a:latin typeface="Arial" panose="020B0604020202020204" pitchFamily="34" charset="0"/>
+                <a:cs typeface="Arial" panose="020B0604020202020204" pitchFamily="34" charset="0"/>
+              </a:rPr>
+              <a:t>시계열과 비시계열 데이터의 훈련</a:t>
+            </a:r>
+            <a:r>
+              <a:rPr lang="en-US" altLang="ko-KR" sz="2400" b="1" i="0" dirty="0">
+                <a:solidFill>
+                  <a:schemeClr val="bg1"/>
+                </a:solidFill>
+                <a:effectLst/>
+                <a:latin typeface="Arial" panose="020B0604020202020204" pitchFamily="34" charset="0"/>
+                <a:cs typeface="Arial" panose="020B0604020202020204" pitchFamily="34" charset="0"/>
+              </a:rPr>
+              <a:t>/</a:t>
+            </a:r>
+            <a:r>
+              <a:rPr lang="ko-KR" altLang="en-US" sz="2400" b="1" i="0" dirty="0">
+                <a:solidFill>
+                  <a:schemeClr val="bg1"/>
+                </a:solidFill>
+                <a:effectLst/>
+                <a:latin typeface="Arial" panose="020B0604020202020204" pitchFamily="34" charset="0"/>
+                <a:cs typeface="Arial" panose="020B0604020202020204" pitchFamily="34" charset="0"/>
+              </a:rPr>
+              <a:t>검증</a:t>
+            </a:r>
+            <a:r>
+              <a:rPr lang="en-US" altLang="ko-KR" sz="2400" b="1" i="0" dirty="0">
+                <a:solidFill>
+                  <a:schemeClr val="bg1"/>
+                </a:solidFill>
+                <a:effectLst/>
+                <a:latin typeface="Arial" panose="020B0604020202020204" pitchFamily="34" charset="0"/>
+                <a:cs typeface="Arial" panose="020B0604020202020204" pitchFamily="34" charset="0"/>
+              </a:rPr>
+              <a:t>/</a:t>
+            </a:r>
+            <a:r>
+              <a:rPr lang="ko-KR" altLang="en-US" sz="2400" b="1" i="0" dirty="0">
+                <a:solidFill>
+                  <a:schemeClr val="bg1"/>
+                </a:solidFill>
+                <a:effectLst/>
+                <a:latin typeface="Arial" panose="020B0604020202020204" pitchFamily="34" charset="0"/>
+                <a:cs typeface="Arial" panose="020B0604020202020204" pitchFamily="34" charset="0"/>
+              </a:rPr>
+              <a:t>실험 데이터 분리</a:t>
+            </a:r>
+            <a:endParaRPr lang="en-US" altLang="ko-KR" sz="2400" b="1" dirty="0">
+              <a:solidFill>
+                <a:schemeClr val="bg1"/>
+              </a:solidFill>
+              <a:latin typeface="Arial" panose="020B0604020202020204" pitchFamily="34" charset="0"/>
+              <a:ea typeface="Noto Sans CJK KR Black" panose="020B0A00000000000000" pitchFamily="34" charset="-127"/>
+              <a:cs typeface="Arial" panose="020B0604020202020204" pitchFamily="34" charset="0"/>
+            </a:endParaRPr>
+          </a:p>
+        </p:txBody>
+      </p:sp>
+      <p:sp>
+        <p:nvSpPr>
+          <p:cNvPr id="12" name="TextBox 11"/>
+          <p:cNvSpPr txBox="1"/>
+          <p:nvPr/>
+        </p:nvSpPr>
+        <p:spPr>
+          <a:xfrm>
+            <a:off x="4783981" y="611957"/>
+            <a:ext cx="7056784" cy="216726"/>
+          </a:xfrm>
+          <a:prstGeom prst="rect">
+            <a:avLst/>
+          </a:prstGeom>
+          <a:noFill/>
+        </p:spPr>
+        <p:txBody>
+          <a:bodyPr wrap="square" lIns="0" tIns="0" rIns="0" bIns="0" rtlCol="0" anchor="t">
+            <a:spAutoFit/>
+          </a:bodyPr>
+          <a:lstStyle/>
+          <a:p>
+            <a:pPr>
+              <a:lnSpc>
+                <a:spcPct val="150000"/>
+              </a:lnSpc>
+            </a:pPr>
+            <a:endParaRPr lang="en-US" altLang="ko-KR" sz="1050" dirty="0">
+              <a:solidFill>
+                <a:schemeClr val="bg1"/>
+              </a:solidFill>
+              <a:latin typeface="Noto Sans CJK KR Medium" panose="020B0600000000000000" pitchFamily="34" charset="-127"/>
+              <a:ea typeface="Noto Sans CJK KR Medium" panose="020B0600000000000000" pitchFamily="34" charset="-127"/>
+            </a:endParaRPr>
+          </a:p>
+        </p:txBody>
+      </p:sp>
+      <p:sp>
+        <p:nvSpPr>
+          <p:cNvPr id="6" name="TextBox 5">
+            <a:extLst>
+              <a:ext uri="{FF2B5EF4-FFF2-40B4-BE49-F238E27FC236}">
+                <a16:creationId xmlns:a16="http://schemas.microsoft.com/office/drawing/2014/main" id="{161CCAE4-E01F-4257-AFB1-00679BC318D7}"/>
+              </a:ext>
+            </a:extLst>
+          </p:cNvPr>
+          <p:cNvSpPr txBox="1"/>
+          <p:nvPr/>
+        </p:nvSpPr>
+        <p:spPr>
+          <a:xfrm>
+            <a:off x="2258841" y="2844205"/>
+            <a:ext cx="7865218" cy="2031325"/>
+          </a:xfrm>
+          <a:prstGeom prst="rect">
+            <a:avLst/>
+          </a:prstGeom>
+          <a:noFill/>
+        </p:spPr>
+        <p:txBody>
+          <a:bodyPr wrap="square" lIns="0" tIns="0" rIns="0" bIns="0" rtlCol="0" anchor="t">
+            <a:spAutoFit/>
+          </a:bodyPr>
+          <a:lstStyle/>
+          <a:p>
+            <a:pPr marL="342900" indent="-342900">
+              <a:buFont typeface="Wingdings" panose="05000000000000000000" pitchFamily="2" charset="2"/>
+              <a:buChar char="l"/>
+            </a:pPr>
+            <a:r>
+              <a:rPr lang="ko-KR" altLang="en-US" sz="2400" dirty="0">
+                <a:solidFill>
+                  <a:schemeClr val="bg1"/>
+                </a:solidFill>
+                <a:latin typeface="Noto Sans CJK KR Black" panose="020B0A00000000000000" pitchFamily="34" charset="-127"/>
+                <a:ea typeface="Noto Sans CJK KR Black" panose="020B0A00000000000000" pitchFamily="34" charset="-127"/>
+              </a:rPr>
+              <a:t>지난시간 내용정리</a:t>
+            </a:r>
+            <a:endParaRPr lang="en-US" altLang="ko-KR" sz="2400" dirty="0">
+              <a:solidFill>
+                <a:schemeClr val="bg1"/>
+              </a:solidFill>
+              <a:latin typeface="Noto Sans CJK KR Black" panose="020B0A00000000000000" pitchFamily="34" charset="-127"/>
+              <a:ea typeface="Noto Sans CJK KR Black" panose="020B0A00000000000000" pitchFamily="34" charset="-127"/>
+            </a:endParaRPr>
+          </a:p>
+          <a:p>
+            <a:pPr marL="896798" lvl="1" indent="-342900">
+              <a:buFont typeface="Wingdings" panose="05000000000000000000" pitchFamily="2" charset="2"/>
+              <a:buChar char="ü"/>
+            </a:pPr>
+            <a:r>
+              <a:rPr lang="ko-KR" altLang="en-US" sz="2000" dirty="0">
+                <a:solidFill>
+                  <a:schemeClr val="bg1"/>
+                </a:solidFill>
+                <a:latin typeface="Noto Sans CJK KR Black" panose="020B0A00000000000000" pitchFamily="34" charset="-127"/>
+                <a:ea typeface="Noto Sans CJK KR Black" panose="020B0A00000000000000" pitchFamily="34" charset="-127"/>
+              </a:rPr>
+              <a:t>시계열 </a:t>
+            </a:r>
+            <a:r>
+              <a:rPr lang="en-US" altLang="ko-KR" sz="2000" dirty="0">
+                <a:solidFill>
+                  <a:schemeClr val="bg1"/>
+                </a:solidFill>
+                <a:latin typeface="Noto Sans CJK KR Black" panose="020B0A00000000000000" pitchFamily="34" charset="-127"/>
+                <a:ea typeface="Noto Sans CJK KR Black" panose="020B0A00000000000000" pitchFamily="34" charset="-127"/>
+              </a:rPr>
+              <a:t>Feature Engineering </a:t>
+            </a:r>
+            <a:r>
+              <a:rPr lang="ko-KR" altLang="en-US" sz="2000" dirty="0">
+                <a:solidFill>
+                  <a:schemeClr val="bg1"/>
+                </a:solidFill>
+                <a:latin typeface="Noto Sans CJK KR Black" panose="020B0A00000000000000" pitchFamily="34" charset="-127"/>
+                <a:ea typeface="Noto Sans CJK KR Black" panose="020B0A00000000000000" pitchFamily="34" charset="-127"/>
+              </a:rPr>
+              <a:t>실습</a:t>
+            </a:r>
+            <a:endParaRPr lang="en-US" altLang="ko-KR" sz="2000" dirty="0">
+              <a:solidFill>
+                <a:schemeClr val="bg1"/>
+              </a:solidFill>
+              <a:latin typeface="Noto Sans CJK KR Black" panose="020B0A00000000000000" pitchFamily="34" charset="-127"/>
+              <a:ea typeface="Noto Sans CJK KR Black" panose="020B0A00000000000000" pitchFamily="34" charset="-127"/>
+            </a:endParaRPr>
+          </a:p>
+          <a:p>
+            <a:pPr marL="342900" indent="-342900">
+              <a:buFont typeface="Wingdings" panose="05000000000000000000" pitchFamily="2" charset="2"/>
+              <a:buChar char="l"/>
+            </a:pPr>
+            <a:endParaRPr lang="en-US" altLang="ko-KR" sz="2400" dirty="0">
+              <a:solidFill>
+                <a:schemeClr val="bg1"/>
+              </a:solidFill>
+              <a:latin typeface="Noto Sans CJK KR Black" panose="020B0A00000000000000" pitchFamily="34" charset="-127"/>
+              <a:ea typeface="Noto Sans CJK KR Black" panose="020B0A00000000000000" pitchFamily="34" charset="-127"/>
+            </a:endParaRPr>
+          </a:p>
+          <a:p>
+            <a:pPr marL="342900" indent="-342900">
+              <a:buFont typeface="Wingdings" panose="05000000000000000000" pitchFamily="2" charset="2"/>
+              <a:buChar char="l"/>
+            </a:pPr>
+            <a:r>
+              <a:rPr lang="ko-KR" altLang="en-US" sz="2400" dirty="0">
+                <a:solidFill>
+                  <a:schemeClr val="bg1"/>
+                </a:solidFill>
+                <a:latin typeface="Noto Sans CJK KR Black" panose="020B0A00000000000000" pitchFamily="34" charset="-127"/>
+                <a:ea typeface="Noto Sans CJK KR Black" panose="020B0A00000000000000" pitchFamily="34" charset="-127"/>
+              </a:rPr>
+              <a:t>이번시간 목표</a:t>
+            </a:r>
+            <a:endParaRPr lang="en-US" altLang="ko-KR" sz="2400" dirty="0">
+              <a:solidFill>
+                <a:schemeClr val="bg1"/>
+              </a:solidFill>
+              <a:latin typeface="Noto Sans CJK KR Black" panose="020B0A00000000000000" pitchFamily="34" charset="-127"/>
+              <a:ea typeface="Noto Sans CJK KR Black" panose="020B0A00000000000000" pitchFamily="34" charset="-127"/>
+            </a:endParaRPr>
+          </a:p>
+          <a:p>
+            <a:pPr marL="896798" lvl="1" indent="-342900">
+              <a:buFont typeface="Wingdings" panose="05000000000000000000" pitchFamily="2" charset="2"/>
+              <a:buChar char="ü"/>
+            </a:pPr>
+            <a:r>
+              <a:rPr lang="en-US" altLang="ko-KR" sz="2000" dirty="0">
+                <a:solidFill>
+                  <a:schemeClr val="bg1"/>
+                </a:solidFill>
+                <a:latin typeface="Noto Sans CJK KR Black" panose="020B0A00000000000000" pitchFamily="34" charset="-127"/>
+                <a:ea typeface="Noto Sans CJK KR Black" panose="020B0A00000000000000" pitchFamily="34" charset="-127"/>
+              </a:rPr>
+              <a:t>Train/Test/Validate </a:t>
+            </a:r>
+            <a:r>
+              <a:rPr lang="ko-KR" altLang="en-US" sz="2000" dirty="0">
+                <a:solidFill>
+                  <a:schemeClr val="bg1"/>
+                </a:solidFill>
+                <a:latin typeface="Noto Sans CJK KR Black" panose="020B0A00000000000000" pitchFamily="34" charset="-127"/>
+                <a:ea typeface="Noto Sans CJK KR Black" panose="020B0A00000000000000" pitchFamily="34" charset="-127"/>
+              </a:rPr>
+              <a:t>데이터로 분리하는 목적</a:t>
+            </a:r>
+            <a:endParaRPr lang="en-US" altLang="ko-KR" sz="2000" dirty="0">
+              <a:solidFill>
+                <a:schemeClr val="bg1"/>
+              </a:solidFill>
+              <a:latin typeface="Noto Sans CJK KR Black" panose="020B0A00000000000000" pitchFamily="34" charset="-127"/>
+              <a:ea typeface="Noto Sans CJK KR Black" panose="020B0A00000000000000" pitchFamily="34" charset="-127"/>
+            </a:endParaRPr>
+          </a:p>
+          <a:p>
+            <a:pPr marL="896798" lvl="1" indent="-342900">
+              <a:buFont typeface="Wingdings" panose="05000000000000000000" pitchFamily="2" charset="2"/>
+              <a:buChar char="ü"/>
+            </a:pPr>
+            <a:r>
+              <a:rPr lang="ko-KR" altLang="en-US" sz="2000" dirty="0">
+                <a:solidFill>
+                  <a:schemeClr val="bg1"/>
+                </a:solidFill>
+                <a:latin typeface="Noto Sans CJK KR Black" panose="020B0A00000000000000" pitchFamily="34" charset="-127"/>
+                <a:ea typeface="Noto Sans CJK KR Black" panose="020B0A00000000000000" pitchFamily="34" charset="-127"/>
+              </a:rPr>
+              <a:t>시계열분석과 비시계열분석의 데이터분리 방향</a:t>
+            </a:r>
+            <a:endParaRPr lang="en-US" altLang="ko-KR" sz="2000" dirty="0">
+              <a:solidFill>
+                <a:schemeClr val="bg1"/>
+              </a:solidFill>
+              <a:latin typeface="Noto Sans CJK KR Black" panose="020B0A00000000000000" pitchFamily="34" charset="-127"/>
+              <a:ea typeface="Noto Sans CJK KR Black" panose="020B0A00000000000000" pitchFamily="34" charset="-127"/>
+            </a:endParaRPr>
+          </a:p>
+        </p:txBody>
+      </p:sp>
+    </p:spTree>
+    <p:extLst>
+      <p:ext uri="{BB962C8B-B14F-4D97-AF65-F5344CB8AC3E}">
+        <p14:creationId xmlns:p14="http://schemas.microsoft.com/office/powerpoint/2010/main" val="3096168851"/>
+      </p:ext>
+    </p:extLst>
+  </p:cSld>
+  <p:clrMapOvr>
+    <a:masterClrMapping/>
+  </p:clrMapOvr>
+</p:sld>
+</file>
+
+<file path=ppt/slides/slide13.xml><?xml version="1.0" encoding="utf-8"?>
+<p:sld xmlns:a="http://schemas.openxmlformats.org/drawingml/2006/main" xmlns:r="http://schemas.openxmlformats.org/officeDocument/2006/relationships" xmlns:p="http://schemas.openxmlformats.org/presentationml/2006/main">
+  <p:cSld>
+    <p:bg>
+      <p:bgPr>
+        <a:solidFill>
+          <a:schemeClr val="bg1">
+            <a:lumMod val="65000"/>
+          </a:schemeClr>
+        </a:solidFill>
+        <a:effectLst/>
+      </p:bgPr>
+    </p:bg>
+    <p:spTree>
+      <p:nvGrpSpPr>
+        <p:cNvPr id="1" name=""/>
+        <p:cNvGrpSpPr/>
+        <p:nvPr/>
+      </p:nvGrpSpPr>
+      <p:grpSpPr>
+        <a:xfrm>
+          <a:off x="0" y="0"/>
+          <a:ext cx="0" cy="0"/>
+          <a:chOff x="0" y="0"/>
+          <a:chExt cx="0" cy="0"/>
+        </a:xfrm>
+      </p:grpSpPr>
+      <p:sp>
+        <p:nvSpPr>
+          <p:cNvPr id="4" name="슬라이드 번호 개체 틀 3"/>
+          <p:cNvSpPr>
+            <a:spLocks noGrp="1"/>
+          </p:cNvSpPr>
+          <p:nvPr>
+            <p:ph type="sldNum" sz="quarter" idx="12"/>
+          </p:nvPr>
+        </p:nvSpPr>
+        <p:spPr/>
+        <p:txBody>
+          <a:bodyPr/>
+          <a:lstStyle/>
+          <a:p>
+            <a:fld id="{6DDAE2C3-1A0B-474A-8CE8-AE55B8D9D4B1}" type="slidenum">
+              <a:rPr lang="ko-KR" altLang="en-US" smtClean="0"/>
+              <a:pPr/>
+              <a:t>13</a:t>
+            </a:fld>
+            <a:endParaRPr lang="ko-KR" altLang="en-US" dirty="0"/>
+          </a:p>
+        </p:txBody>
+      </p:sp>
+      <p:sp>
+        <p:nvSpPr>
+          <p:cNvPr id="11" name="TextBox 10"/>
+          <p:cNvSpPr txBox="1"/>
+          <p:nvPr/>
+        </p:nvSpPr>
+        <p:spPr>
+          <a:xfrm>
+            <a:off x="204828" y="854694"/>
+            <a:ext cx="11750594" cy="1107996"/>
+          </a:xfrm>
+          <a:prstGeom prst="rect">
+            <a:avLst/>
+          </a:prstGeom>
+          <a:noFill/>
+        </p:spPr>
+        <p:txBody>
+          <a:bodyPr wrap="square" lIns="0" tIns="0" rIns="0" bIns="0" rtlCol="0" anchor="t">
+            <a:spAutoFit/>
+          </a:bodyPr>
+          <a:lstStyle/>
+          <a:p>
+            <a:r>
+              <a:rPr lang="en-US" altLang="ko-KR" sz="2400" b="1" i="0" dirty="0">
+                <a:solidFill>
+                  <a:schemeClr val="bg1"/>
+                </a:solidFill>
+                <a:effectLst/>
+                <a:latin typeface="Arial" panose="020B0604020202020204" pitchFamily="34" charset="0"/>
+                <a:cs typeface="Arial" panose="020B0604020202020204" pitchFamily="34" charset="0"/>
+              </a:rPr>
+              <a:t>Part 01. </a:t>
+            </a:r>
+            <a:r>
+              <a:rPr lang="ko-KR" altLang="en-US" sz="2400" b="1" i="0" dirty="0">
+                <a:solidFill>
+                  <a:schemeClr val="bg1"/>
+                </a:solidFill>
+                <a:effectLst/>
+                <a:latin typeface="Arial" panose="020B0604020202020204" pitchFamily="34" charset="0"/>
+                <a:cs typeface="Arial" panose="020B0604020202020204" pitchFamily="34" charset="0"/>
+              </a:rPr>
+              <a:t>데이터분석 준비하기</a:t>
+            </a:r>
+            <a:endParaRPr lang="en-US" altLang="ko-KR" sz="2400" b="1" i="0" dirty="0">
+              <a:solidFill>
+                <a:schemeClr val="bg1"/>
+              </a:solidFill>
+              <a:effectLst/>
+              <a:latin typeface="Arial" panose="020B0604020202020204" pitchFamily="34" charset="0"/>
+              <a:cs typeface="Arial" panose="020B0604020202020204" pitchFamily="34" charset="0"/>
+            </a:endParaRPr>
+          </a:p>
+          <a:p>
+            <a:endParaRPr lang="en-US" altLang="ko-KR" sz="2400" b="1" dirty="0">
+              <a:solidFill>
+                <a:schemeClr val="bg1"/>
+              </a:solidFill>
+              <a:latin typeface="Arial" panose="020B0604020202020204" pitchFamily="34" charset="0"/>
+              <a:cs typeface="Arial" panose="020B0604020202020204" pitchFamily="34" charset="0"/>
+            </a:endParaRPr>
+          </a:p>
+          <a:p>
+            <a:r>
+              <a:rPr lang="en-US" altLang="ko-KR" sz="2400" b="1" i="0" dirty="0">
+                <a:solidFill>
+                  <a:schemeClr val="bg1"/>
+                </a:solidFill>
+                <a:effectLst/>
+                <a:latin typeface="Arial" panose="020B0604020202020204" pitchFamily="34" charset="0"/>
+                <a:cs typeface="Arial" panose="020B0604020202020204" pitchFamily="34" charset="0"/>
+              </a:rPr>
+              <a:t>: </a:t>
+            </a:r>
+            <a:r>
+              <a:rPr lang="ko-KR" altLang="en-US" sz="2400" b="1" i="0" dirty="0">
+                <a:solidFill>
+                  <a:schemeClr val="bg1"/>
+                </a:solidFill>
+                <a:effectLst/>
+                <a:latin typeface="Arial" panose="020B0604020202020204" pitchFamily="34" charset="0"/>
+                <a:cs typeface="Arial" panose="020B0604020202020204" pitchFamily="34" charset="0"/>
+              </a:rPr>
+              <a:t>시계열 데이터 분리 </a:t>
+            </a:r>
+            <a:r>
+              <a:rPr lang="en-US" altLang="ko-KR" sz="2400" b="1" i="0" dirty="0">
+                <a:solidFill>
+                  <a:schemeClr val="bg1"/>
+                </a:solidFill>
+                <a:effectLst/>
+                <a:latin typeface="Arial" panose="020B0604020202020204" pitchFamily="34" charset="0"/>
+                <a:cs typeface="Arial" panose="020B0604020202020204" pitchFamily="34" charset="0"/>
+              </a:rPr>
+              <a:t>- 02. </a:t>
+            </a:r>
+            <a:r>
+              <a:rPr lang="ko-KR" altLang="en-US" sz="2400" b="1" i="0" dirty="0">
+                <a:solidFill>
+                  <a:schemeClr val="bg1"/>
+                </a:solidFill>
+                <a:effectLst/>
+                <a:latin typeface="Arial" panose="020B0604020202020204" pitchFamily="34" charset="0"/>
+                <a:cs typeface="Arial" panose="020B0604020202020204" pitchFamily="34" charset="0"/>
+              </a:rPr>
+              <a:t>시계열과 데이터의 훈련</a:t>
+            </a:r>
+            <a:r>
+              <a:rPr lang="en-US" altLang="ko-KR" sz="2400" b="1" i="0" dirty="0">
+                <a:solidFill>
+                  <a:schemeClr val="bg1"/>
+                </a:solidFill>
+                <a:effectLst/>
+                <a:latin typeface="Arial" panose="020B0604020202020204" pitchFamily="34" charset="0"/>
+                <a:cs typeface="Arial" panose="020B0604020202020204" pitchFamily="34" charset="0"/>
+              </a:rPr>
+              <a:t>/</a:t>
+            </a:r>
+            <a:r>
+              <a:rPr lang="ko-KR" altLang="en-US" sz="2400" b="1" i="0" dirty="0">
+                <a:solidFill>
+                  <a:schemeClr val="bg1"/>
+                </a:solidFill>
+                <a:effectLst/>
+                <a:latin typeface="Arial" panose="020B0604020202020204" pitchFamily="34" charset="0"/>
+                <a:cs typeface="Arial" panose="020B0604020202020204" pitchFamily="34" charset="0"/>
+              </a:rPr>
+              <a:t>검증</a:t>
+            </a:r>
+            <a:r>
+              <a:rPr lang="en-US" altLang="ko-KR" sz="2400" b="1" i="0" dirty="0">
+                <a:solidFill>
+                  <a:schemeClr val="bg1"/>
+                </a:solidFill>
+                <a:effectLst/>
+                <a:latin typeface="Arial" panose="020B0604020202020204" pitchFamily="34" charset="0"/>
+                <a:cs typeface="Arial" panose="020B0604020202020204" pitchFamily="34" charset="0"/>
+              </a:rPr>
+              <a:t>/</a:t>
+            </a:r>
+            <a:r>
+              <a:rPr lang="ko-KR" altLang="en-US" sz="2400" b="1" i="0" dirty="0">
+                <a:solidFill>
+                  <a:schemeClr val="bg1"/>
+                </a:solidFill>
+                <a:effectLst/>
+                <a:latin typeface="Arial" panose="020B0604020202020204" pitchFamily="34" charset="0"/>
+                <a:cs typeface="Arial" panose="020B0604020202020204" pitchFamily="34" charset="0"/>
+              </a:rPr>
+              <a:t>실험 데이터 분리 실습하기</a:t>
+            </a:r>
+            <a:endParaRPr lang="en-US" altLang="ko-KR" sz="2400" b="1" dirty="0">
+              <a:solidFill>
+                <a:schemeClr val="bg1"/>
+              </a:solidFill>
+              <a:latin typeface="Arial" panose="020B0604020202020204" pitchFamily="34" charset="0"/>
+              <a:ea typeface="Noto Sans CJK KR Black" panose="020B0A00000000000000" pitchFamily="34" charset="-127"/>
+              <a:cs typeface="Arial" panose="020B0604020202020204" pitchFamily="34" charset="0"/>
+            </a:endParaRPr>
+          </a:p>
+        </p:txBody>
+      </p:sp>
+      <p:sp>
+        <p:nvSpPr>
+          <p:cNvPr id="12" name="TextBox 11"/>
+          <p:cNvSpPr txBox="1"/>
+          <p:nvPr/>
+        </p:nvSpPr>
+        <p:spPr>
+          <a:xfrm>
+            <a:off x="4783981" y="611957"/>
+            <a:ext cx="7056784" cy="216726"/>
+          </a:xfrm>
+          <a:prstGeom prst="rect">
+            <a:avLst/>
+          </a:prstGeom>
+          <a:noFill/>
+        </p:spPr>
+        <p:txBody>
+          <a:bodyPr wrap="square" lIns="0" tIns="0" rIns="0" bIns="0" rtlCol="0" anchor="t">
+            <a:spAutoFit/>
+          </a:bodyPr>
+          <a:lstStyle/>
+          <a:p>
+            <a:pPr>
+              <a:lnSpc>
+                <a:spcPct val="150000"/>
+              </a:lnSpc>
+            </a:pPr>
+            <a:endParaRPr lang="en-US" altLang="ko-KR" sz="1050" dirty="0">
+              <a:solidFill>
+                <a:schemeClr val="bg1"/>
+              </a:solidFill>
+              <a:latin typeface="Noto Sans CJK KR Medium" panose="020B0600000000000000" pitchFamily="34" charset="-127"/>
+              <a:ea typeface="Noto Sans CJK KR Medium" panose="020B0600000000000000" pitchFamily="34" charset="-127"/>
+            </a:endParaRPr>
+          </a:p>
+        </p:txBody>
+      </p:sp>
+      <p:sp>
+        <p:nvSpPr>
+          <p:cNvPr id="6" name="TextBox 5">
+            <a:extLst>
+              <a:ext uri="{FF2B5EF4-FFF2-40B4-BE49-F238E27FC236}">
+                <a16:creationId xmlns:a16="http://schemas.microsoft.com/office/drawing/2014/main" id="{161CCAE4-E01F-4257-AFB1-00679BC318D7}"/>
+              </a:ext>
+            </a:extLst>
+          </p:cNvPr>
+          <p:cNvSpPr txBox="1"/>
+          <p:nvPr/>
+        </p:nvSpPr>
+        <p:spPr>
+          <a:xfrm>
+            <a:off x="2258841" y="2844205"/>
+            <a:ext cx="7865218" cy="2031325"/>
+          </a:xfrm>
+          <a:prstGeom prst="rect">
+            <a:avLst/>
+          </a:prstGeom>
+          <a:noFill/>
+        </p:spPr>
+        <p:txBody>
+          <a:bodyPr wrap="square" lIns="0" tIns="0" rIns="0" bIns="0" rtlCol="0" anchor="t">
+            <a:spAutoFit/>
+          </a:bodyPr>
+          <a:lstStyle/>
+          <a:p>
+            <a:pPr marL="342900" indent="-342900">
+              <a:buFont typeface="Wingdings" panose="05000000000000000000" pitchFamily="2" charset="2"/>
+              <a:buChar char="l"/>
+            </a:pPr>
+            <a:r>
+              <a:rPr lang="ko-KR" altLang="en-US" sz="2400" dirty="0">
+                <a:solidFill>
+                  <a:schemeClr val="bg1"/>
+                </a:solidFill>
+                <a:latin typeface="Noto Sans CJK KR Black" panose="020B0A00000000000000" pitchFamily="34" charset="-127"/>
+                <a:ea typeface="Noto Sans CJK KR Black" panose="020B0A00000000000000" pitchFamily="34" charset="-127"/>
+              </a:rPr>
+              <a:t>지난시간 내용정리</a:t>
+            </a:r>
+            <a:endParaRPr lang="en-US" altLang="ko-KR" sz="2400" dirty="0">
+              <a:solidFill>
+                <a:schemeClr val="bg1"/>
+              </a:solidFill>
+              <a:latin typeface="Noto Sans CJK KR Black" panose="020B0A00000000000000" pitchFamily="34" charset="-127"/>
+              <a:ea typeface="Noto Sans CJK KR Black" panose="020B0A00000000000000" pitchFamily="34" charset="-127"/>
+            </a:endParaRPr>
+          </a:p>
+          <a:p>
+            <a:pPr marL="896798" lvl="1" indent="-342900">
+              <a:buFont typeface="Wingdings" panose="05000000000000000000" pitchFamily="2" charset="2"/>
+              <a:buChar char="ü"/>
+            </a:pPr>
+            <a:r>
+              <a:rPr lang="en-US" altLang="ko-KR" sz="2000" dirty="0">
+                <a:solidFill>
+                  <a:schemeClr val="bg1"/>
+                </a:solidFill>
+                <a:latin typeface="Noto Sans CJK KR Black" panose="020B0A00000000000000" pitchFamily="34" charset="-127"/>
+                <a:ea typeface="Noto Sans CJK KR Black" panose="020B0A00000000000000" pitchFamily="34" charset="-127"/>
+              </a:rPr>
+              <a:t>Train/Test/Validate </a:t>
+            </a:r>
+            <a:r>
+              <a:rPr lang="ko-KR" altLang="en-US" sz="2000" dirty="0">
+                <a:solidFill>
+                  <a:schemeClr val="bg1"/>
+                </a:solidFill>
+                <a:latin typeface="Noto Sans CJK KR Black" panose="020B0A00000000000000" pitchFamily="34" charset="-127"/>
+                <a:ea typeface="Noto Sans CJK KR Black" panose="020B0A00000000000000" pitchFamily="34" charset="-127"/>
+              </a:rPr>
+              <a:t>데이터로 분리하는 목적</a:t>
+            </a:r>
+            <a:endParaRPr lang="en-US" altLang="ko-KR" sz="2000" dirty="0">
+              <a:solidFill>
+                <a:schemeClr val="bg1"/>
+              </a:solidFill>
+              <a:latin typeface="Noto Sans CJK KR Black" panose="020B0A00000000000000" pitchFamily="34" charset="-127"/>
+              <a:ea typeface="Noto Sans CJK KR Black" panose="020B0A00000000000000" pitchFamily="34" charset="-127"/>
+            </a:endParaRPr>
+          </a:p>
+          <a:p>
+            <a:pPr marL="896798" lvl="1" indent="-342900">
+              <a:buFont typeface="Wingdings" panose="05000000000000000000" pitchFamily="2" charset="2"/>
+              <a:buChar char="ü"/>
+            </a:pPr>
+            <a:r>
+              <a:rPr lang="ko-KR" altLang="en-US" sz="2000" dirty="0">
+                <a:solidFill>
+                  <a:schemeClr val="bg1"/>
+                </a:solidFill>
+                <a:latin typeface="Noto Sans CJK KR Black" panose="020B0A00000000000000" pitchFamily="34" charset="-127"/>
+                <a:ea typeface="Noto Sans CJK KR Black" panose="020B0A00000000000000" pitchFamily="34" charset="-127"/>
+              </a:rPr>
+              <a:t>시계열분석과 비시계열분석의 데이터분리 방향</a:t>
+            </a:r>
+            <a:endParaRPr lang="en-US" altLang="ko-KR" sz="2000" dirty="0">
+              <a:solidFill>
+                <a:schemeClr val="bg1"/>
+              </a:solidFill>
+              <a:latin typeface="Noto Sans CJK KR Black" panose="020B0A00000000000000" pitchFamily="34" charset="-127"/>
+              <a:ea typeface="Noto Sans CJK KR Black" panose="020B0A00000000000000" pitchFamily="34" charset="-127"/>
+            </a:endParaRPr>
+          </a:p>
+          <a:p>
+            <a:pPr marL="342900" indent="-342900">
+              <a:buFont typeface="Wingdings" panose="05000000000000000000" pitchFamily="2" charset="2"/>
+              <a:buChar char="l"/>
+            </a:pPr>
+            <a:endParaRPr lang="en-US" altLang="ko-KR" sz="2400" dirty="0">
+              <a:solidFill>
+                <a:schemeClr val="bg1"/>
+              </a:solidFill>
+              <a:latin typeface="Noto Sans CJK KR Black" panose="020B0A00000000000000" pitchFamily="34" charset="-127"/>
+              <a:ea typeface="Noto Sans CJK KR Black" panose="020B0A00000000000000" pitchFamily="34" charset="-127"/>
+            </a:endParaRPr>
+          </a:p>
+          <a:p>
+            <a:pPr marL="342900" indent="-342900">
+              <a:buFont typeface="Wingdings" panose="05000000000000000000" pitchFamily="2" charset="2"/>
+              <a:buChar char="l"/>
+            </a:pPr>
+            <a:r>
+              <a:rPr lang="ko-KR" altLang="en-US" sz="2400" dirty="0">
+                <a:solidFill>
+                  <a:schemeClr val="bg1"/>
+                </a:solidFill>
+                <a:latin typeface="Noto Sans CJK KR Black" panose="020B0A00000000000000" pitchFamily="34" charset="-127"/>
+                <a:ea typeface="Noto Sans CJK KR Black" panose="020B0A00000000000000" pitchFamily="34" charset="-127"/>
+              </a:rPr>
+              <a:t>이번시간 목표</a:t>
+            </a:r>
+            <a:endParaRPr lang="en-US" altLang="ko-KR" sz="2400" dirty="0">
+              <a:solidFill>
+                <a:schemeClr val="bg1"/>
+              </a:solidFill>
+              <a:latin typeface="Noto Sans CJK KR Black" panose="020B0A00000000000000" pitchFamily="34" charset="-127"/>
+              <a:ea typeface="Noto Sans CJK KR Black" panose="020B0A00000000000000" pitchFamily="34" charset="-127"/>
+            </a:endParaRPr>
+          </a:p>
+          <a:p>
+            <a:pPr marL="896798" lvl="1" indent="-342900">
+              <a:buFont typeface="Wingdings" panose="05000000000000000000" pitchFamily="2" charset="2"/>
+              <a:buChar char="ü"/>
+            </a:pPr>
+            <a:r>
+              <a:rPr lang="ko-KR" altLang="en-US" sz="2000" dirty="0">
+                <a:solidFill>
+                  <a:schemeClr val="bg1"/>
+                </a:solidFill>
+                <a:latin typeface="Noto Sans CJK KR Black" panose="020B0A00000000000000" pitchFamily="34" charset="-127"/>
+                <a:ea typeface="Noto Sans CJK KR Black" panose="020B0A00000000000000" pitchFamily="34" charset="-127"/>
+              </a:rPr>
+              <a:t>시계열분석과 비시계열분석의 데이터분리 실습</a:t>
+            </a:r>
+            <a:endParaRPr lang="en-US" altLang="ko-KR" sz="2000" dirty="0">
+              <a:solidFill>
+                <a:schemeClr val="bg1"/>
+              </a:solidFill>
+              <a:latin typeface="Noto Sans CJK KR Black" panose="020B0A00000000000000" pitchFamily="34" charset="-127"/>
+              <a:ea typeface="Noto Sans CJK KR Black" panose="020B0A00000000000000" pitchFamily="34" charset="-127"/>
+            </a:endParaRPr>
+          </a:p>
+        </p:txBody>
+      </p:sp>
+    </p:spTree>
+    <p:extLst>
+      <p:ext uri="{BB962C8B-B14F-4D97-AF65-F5344CB8AC3E}">
+        <p14:creationId xmlns:p14="http://schemas.microsoft.com/office/powerpoint/2010/main" val="2247303357"/>
+      </p:ext>
+    </p:extLst>
+  </p:cSld>
+  <p:clrMapOvr>
+    <a:masterClrMapping/>
+  </p:clrMapOvr>
+</p:sld>
+</file>
+
+<file path=ppt/slides/slide14.xml><?xml version="1.0" encoding="utf-8"?>
+<p:sld xmlns:a="http://schemas.openxmlformats.org/drawingml/2006/main" xmlns:r="http://schemas.openxmlformats.org/officeDocument/2006/relationships" xmlns:p="http://schemas.openxmlformats.org/presentationml/2006/main">
+  <p:cSld>
+    <p:bg>
+      <p:bgPr>
+        <a:solidFill>
+          <a:schemeClr val="bg1">
+            <a:lumMod val="65000"/>
+          </a:schemeClr>
+        </a:solidFill>
+        <a:effectLst/>
+      </p:bgPr>
+    </p:bg>
+    <p:spTree>
+      <p:nvGrpSpPr>
+        <p:cNvPr id="1" name=""/>
+        <p:cNvGrpSpPr/>
+        <p:nvPr/>
+      </p:nvGrpSpPr>
+      <p:grpSpPr>
+        <a:xfrm>
+          <a:off x="0" y="0"/>
+          <a:ext cx="0" cy="0"/>
+          <a:chOff x="0" y="0"/>
+          <a:chExt cx="0" cy="0"/>
+        </a:xfrm>
+      </p:grpSpPr>
+      <p:sp>
+        <p:nvSpPr>
+          <p:cNvPr id="4" name="슬라이드 번호 개체 틀 3"/>
+          <p:cNvSpPr>
+            <a:spLocks noGrp="1"/>
+          </p:cNvSpPr>
+          <p:nvPr>
+            <p:ph type="sldNum" sz="quarter" idx="12"/>
+          </p:nvPr>
+        </p:nvSpPr>
+        <p:spPr/>
+        <p:txBody>
+          <a:bodyPr/>
+          <a:lstStyle/>
+          <a:p>
+            <a:fld id="{6DDAE2C3-1A0B-474A-8CE8-AE55B8D9D4B1}" type="slidenum">
+              <a:rPr lang="ko-KR" altLang="en-US" smtClean="0"/>
+              <a:pPr/>
+              <a:t>14</a:t>
+            </a:fld>
+            <a:endParaRPr lang="ko-KR" altLang="en-US" dirty="0"/>
+          </a:p>
+        </p:txBody>
+      </p:sp>
+      <p:sp>
+        <p:nvSpPr>
+          <p:cNvPr id="11" name="TextBox 10"/>
+          <p:cNvSpPr txBox="1"/>
+          <p:nvPr/>
+        </p:nvSpPr>
+        <p:spPr>
+          <a:xfrm>
+            <a:off x="204828" y="854694"/>
+            <a:ext cx="11750594" cy="1107996"/>
+          </a:xfrm>
+          <a:prstGeom prst="rect">
+            <a:avLst/>
+          </a:prstGeom>
+          <a:noFill/>
+        </p:spPr>
+        <p:txBody>
+          <a:bodyPr wrap="square" lIns="0" tIns="0" rIns="0" bIns="0" rtlCol="0" anchor="t">
+            <a:spAutoFit/>
+          </a:bodyPr>
+          <a:lstStyle/>
+          <a:p>
+            <a:r>
+              <a:rPr lang="en-US" altLang="ko-KR" sz="2400" b="1" i="0" dirty="0">
+                <a:solidFill>
+                  <a:schemeClr val="bg1"/>
+                </a:solidFill>
+                <a:effectLst/>
+                <a:latin typeface="Arial" panose="020B0604020202020204" pitchFamily="34" charset="0"/>
+                <a:cs typeface="Arial" panose="020B0604020202020204" pitchFamily="34" charset="0"/>
+              </a:rPr>
+              <a:t>Part 01. </a:t>
+            </a:r>
+            <a:r>
+              <a:rPr lang="ko-KR" altLang="en-US" sz="2400" b="1" i="0" dirty="0">
+                <a:solidFill>
+                  <a:schemeClr val="bg1"/>
+                </a:solidFill>
+                <a:effectLst/>
+                <a:latin typeface="Arial" panose="020B0604020202020204" pitchFamily="34" charset="0"/>
+                <a:cs typeface="Arial" panose="020B0604020202020204" pitchFamily="34" charset="0"/>
+              </a:rPr>
+              <a:t>데이터분석 준비하기</a:t>
+            </a:r>
+            <a:endParaRPr lang="en-US" altLang="ko-KR" sz="2400" b="1" i="0" dirty="0">
+              <a:solidFill>
+                <a:schemeClr val="bg1"/>
+              </a:solidFill>
+              <a:effectLst/>
+              <a:latin typeface="Arial" panose="020B0604020202020204" pitchFamily="34" charset="0"/>
+              <a:cs typeface="Arial" panose="020B0604020202020204" pitchFamily="34" charset="0"/>
+            </a:endParaRPr>
+          </a:p>
+          <a:p>
+            <a:endParaRPr lang="en-US" altLang="ko-KR" sz="2400" b="1" dirty="0">
+              <a:solidFill>
+                <a:schemeClr val="bg1"/>
+              </a:solidFill>
+              <a:latin typeface="Arial" panose="020B0604020202020204" pitchFamily="34" charset="0"/>
+              <a:cs typeface="Arial" panose="020B0604020202020204" pitchFamily="34" charset="0"/>
+            </a:endParaRPr>
+          </a:p>
+          <a:p>
+            <a:r>
+              <a:rPr lang="en-US" altLang="ko-KR" sz="2400" b="1" i="0" dirty="0">
+                <a:solidFill>
+                  <a:schemeClr val="bg1"/>
+                </a:solidFill>
+                <a:effectLst/>
+                <a:latin typeface="Arial" panose="020B0604020202020204" pitchFamily="34" charset="0"/>
+                <a:cs typeface="Arial" panose="020B0604020202020204" pitchFamily="34" charset="0"/>
+              </a:rPr>
+              <a:t>: </a:t>
+            </a:r>
+            <a:r>
+              <a:rPr lang="ko-KR" altLang="en-US" sz="2400" b="1" i="0" dirty="0">
+                <a:solidFill>
+                  <a:schemeClr val="bg1"/>
+                </a:solidFill>
+                <a:effectLst/>
+                <a:latin typeface="Arial" panose="020B0604020202020204" pitchFamily="34" charset="0"/>
+                <a:cs typeface="Arial" panose="020B0604020202020204" pitchFamily="34" charset="0"/>
+              </a:rPr>
+              <a:t>레퍼런스 알고리즘 마련 </a:t>
+            </a:r>
+            <a:r>
+              <a:rPr lang="en-US" altLang="ko-KR" sz="2400" b="1" i="0" dirty="0">
+                <a:solidFill>
+                  <a:schemeClr val="bg1"/>
+                </a:solidFill>
+                <a:effectLst/>
+                <a:latin typeface="Arial" panose="020B0604020202020204" pitchFamily="34" charset="0"/>
+                <a:cs typeface="Arial" panose="020B0604020202020204" pitchFamily="34" charset="0"/>
+              </a:rPr>
+              <a:t>- 01. </a:t>
+            </a:r>
+            <a:r>
+              <a:rPr lang="ko-KR" altLang="en-US" sz="2400" b="1" i="0" dirty="0">
+                <a:solidFill>
+                  <a:schemeClr val="bg1"/>
+                </a:solidFill>
+                <a:effectLst/>
+                <a:latin typeface="Arial" panose="020B0604020202020204" pitchFamily="34" charset="0"/>
+                <a:cs typeface="Arial" panose="020B0604020202020204" pitchFamily="34" charset="0"/>
+              </a:rPr>
+              <a:t>시계열 회귀분석 레퍼런스 모델 적용 실습하기</a:t>
+            </a:r>
+            <a:endParaRPr lang="en-US" altLang="ko-KR" sz="2400" b="1" dirty="0">
+              <a:solidFill>
+                <a:schemeClr val="bg1"/>
+              </a:solidFill>
+              <a:latin typeface="Arial" panose="020B0604020202020204" pitchFamily="34" charset="0"/>
+              <a:ea typeface="Noto Sans CJK KR Black" panose="020B0A00000000000000" pitchFamily="34" charset="-127"/>
+              <a:cs typeface="Arial" panose="020B0604020202020204" pitchFamily="34" charset="0"/>
+            </a:endParaRPr>
+          </a:p>
+        </p:txBody>
+      </p:sp>
+      <p:sp>
+        <p:nvSpPr>
+          <p:cNvPr id="12" name="TextBox 11"/>
+          <p:cNvSpPr txBox="1"/>
+          <p:nvPr/>
+        </p:nvSpPr>
+        <p:spPr>
+          <a:xfrm>
+            <a:off x="4783981" y="611957"/>
+            <a:ext cx="7056784" cy="216726"/>
+          </a:xfrm>
+          <a:prstGeom prst="rect">
+            <a:avLst/>
+          </a:prstGeom>
+          <a:noFill/>
+        </p:spPr>
+        <p:txBody>
+          <a:bodyPr wrap="square" lIns="0" tIns="0" rIns="0" bIns="0" rtlCol="0" anchor="t">
+            <a:spAutoFit/>
+          </a:bodyPr>
+          <a:lstStyle/>
+          <a:p>
+            <a:pPr>
+              <a:lnSpc>
+                <a:spcPct val="150000"/>
+              </a:lnSpc>
+            </a:pPr>
+            <a:endParaRPr lang="en-US" altLang="ko-KR" sz="1050" dirty="0">
+              <a:solidFill>
+                <a:schemeClr val="bg1"/>
+              </a:solidFill>
+              <a:latin typeface="Noto Sans CJK KR Medium" panose="020B0600000000000000" pitchFamily="34" charset="-127"/>
+              <a:ea typeface="Noto Sans CJK KR Medium" panose="020B0600000000000000" pitchFamily="34" charset="-127"/>
+            </a:endParaRPr>
+          </a:p>
+        </p:txBody>
+      </p:sp>
+      <p:sp>
+        <p:nvSpPr>
+          <p:cNvPr id="6" name="TextBox 5">
+            <a:extLst>
+              <a:ext uri="{FF2B5EF4-FFF2-40B4-BE49-F238E27FC236}">
+                <a16:creationId xmlns:a16="http://schemas.microsoft.com/office/drawing/2014/main" id="{161CCAE4-E01F-4257-AFB1-00679BC318D7}"/>
+              </a:ext>
+            </a:extLst>
+          </p:cNvPr>
+          <p:cNvSpPr txBox="1"/>
+          <p:nvPr/>
+        </p:nvSpPr>
+        <p:spPr>
+          <a:xfrm>
+            <a:off x="2258841" y="2844205"/>
+            <a:ext cx="7865218" cy="2031325"/>
+          </a:xfrm>
+          <a:prstGeom prst="rect">
+            <a:avLst/>
+          </a:prstGeom>
+          <a:noFill/>
+        </p:spPr>
+        <p:txBody>
+          <a:bodyPr wrap="square" lIns="0" tIns="0" rIns="0" bIns="0" rtlCol="0" anchor="t">
+            <a:spAutoFit/>
+          </a:bodyPr>
+          <a:lstStyle/>
+          <a:p>
+            <a:pPr marL="342900" indent="-342900">
+              <a:buFont typeface="Wingdings" panose="05000000000000000000" pitchFamily="2" charset="2"/>
+              <a:buChar char="l"/>
+            </a:pPr>
+            <a:r>
+              <a:rPr lang="ko-KR" altLang="en-US" sz="2400" dirty="0">
+                <a:solidFill>
+                  <a:schemeClr val="bg1"/>
+                </a:solidFill>
+                <a:latin typeface="Noto Sans CJK KR Black" panose="020B0A00000000000000" pitchFamily="34" charset="-127"/>
+                <a:ea typeface="Noto Sans CJK KR Black" panose="020B0A00000000000000" pitchFamily="34" charset="-127"/>
+              </a:rPr>
+              <a:t>지난시간 내용정리</a:t>
+            </a:r>
+            <a:endParaRPr lang="en-US" altLang="ko-KR" sz="2400" dirty="0">
+              <a:solidFill>
+                <a:schemeClr val="bg1"/>
+              </a:solidFill>
+              <a:latin typeface="Noto Sans CJK KR Black" panose="020B0A00000000000000" pitchFamily="34" charset="-127"/>
+              <a:ea typeface="Noto Sans CJK KR Black" panose="020B0A00000000000000" pitchFamily="34" charset="-127"/>
+            </a:endParaRPr>
+          </a:p>
+          <a:p>
+            <a:pPr marL="896798" lvl="1" indent="-342900">
+              <a:buFont typeface="Wingdings" panose="05000000000000000000" pitchFamily="2" charset="2"/>
+              <a:buChar char="ü"/>
+            </a:pPr>
+            <a:r>
+              <a:rPr lang="ko-KR" altLang="en-US" sz="2000" dirty="0">
+                <a:solidFill>
+                  <a:schemeClr val="bg1"/>
+                </a:solidFill>
+                <a:latin typeface="Noto Sans CJK KR Black" panose="020B0A00000000000000" pitchFamily="34" charset="-127"/>
+                <a:ea typeface="Noto Sans CJK KR Black" panose="020B0A00000000000000" pitchFamily="34" charset="-127"/>
+              </a:rPr>
+              <a:t>시계열분석과 비시계열분석의 데이터분리 실습</a:t>
+            </a:r>
+            <a:endParaRPr lang="en-US" altLang="ko-KR" sz="2000" dirty="0">
+              <a:solidFill>
+                <a:schemeClr val="bg1"/>
+              </a:solidFill>
+              <a:latin typeface="Noto Sans CJK KR Black" panose="020B0A00000000000000" pitchFamily="34" charset="-127"/>
+              <a:ea typeface="Noto Sans CJK KR Black" panose="020B0A00000000000000" pitchFamily="34" charset="-127"/>
+            </a:endParaRPr>
+          </a:p>
+          <a:p>
+            <a:pPr marL="896798" lvl="1" indent="-342900">
+              <a:buFont typeface="Wingdings" panose="05000000000000000000" pitchFamily="2" charset="2"/>
+              <a:buChar char="ü"/>
+            </a:pPr>
+            <a:endParaRPr lang="en-US" altLang="ko-KR" sz="2400" dirty="0">
+              <a:solidFill>
+                <a:schemeClr val="bg1"/>
+              </a:solidFill>
+              <a:latin typeface="Noto Sans CJK KR Black" panose="020B0A00000000000000" pitchFamily="34" charset="-127"/>
+              <a:ea typeface="Noto Sans CJK KR Black" panose="020B0A00000000000000" pitchFamily="34" charset="-127"/>
+            </a:endParaRPr>
+          </a:p>
+          <a:p>
+            <a:pPr marL="342900" indent="-342900">
+              <a:buFont typeface="Wingdings" panose="05000000000000000000" pitchFamily="2" charset="2"/>
+              <a:buChar char="l"/>
+            </a:pPr>
+            <a:r>
+              <a:rPr lang="ko-KR" altLang="en-US" sz="2400" dirty="0">
+                <a:solidFill>
+                  <a:schemeClr val="bg1"/>
+                </a:solidFill>
+                <a:latin typeface="Noto Sans CJK KR Black" panose="020B0A00000000000000" pitchFamily="34" charset="-127"/>
+                <a:ea typeface="Noto Sans CJK KR Black" panose="020B0A00000000000000" pitchFamily="34" charset="-127"/>
+              </a:rPr>
+              <a:t>이번시간 목표</a:t>
+            </a:r>
+            <a:endParaRPr lang="en-US" altLang="ko-KR" sz="2400" dirty="0">
+              <a:solidFill>
+                <a:schemeClr val="bg1"/>
+              </a:solidFill>
+              <a:latin typeface="Noto Sans CJK KR Black" panose="020B0A00000000000000" pitchFamily="34" charset="-127"/>
+              <a:ea typeface="Noto Sans CJK KR Black" panose="020B0A00000000000000" pitchFamily="34" charset="-127"/>
+            </a:endParaRPr>
+          </a:p>
+          <a:p>
+            <a:pPr marL="896798" lvl="1" indent="-342900">
+              <a:buFont typeface="Wingdings" panose="05000000000000000000" pitchFamily="2" charset="2"/>
+              <a:buChar char="ü"/>
+            </a:pPr>
+            <a:r>
+              <a:rPr lang="ko-KR" altLang="en-US" sz="2000" dirty="0">
+                <a:solidFill>
+                  <a:schemeClr val="bg1"/>
+                </a:solidFill>
+                <a:latin typeface="Noto Sans CJK KR Black" panose="020B0A00000000000000" pitchFamily="34" charset="-127"/>
+                <a:ea typeface="Noto Sans CJK KR Black" panose="020B0A00000000000000" pitchFamily="34" charset="-127"/>
+              </a:rPr>
+              <a:t>레퍼런스 알고리즘으로 회귀분석 실습</a:t>
+            </a:r>
+            <a:endParaRPr lang="en-US" altLang="ko-KR" sz="2000" dirty="0">
+              <a:solidFill>
+                <a:schemeClr val="bg1"/>
+              </a:solidFill>
+              <a:latin typeface="Noto Sans CJK KR Black" panose="020B0A00000000000000" pitchFamily="34" charset="-127"/>
+              <a:ea typeface="Noto Sans CJK KR Black" panose="020B0A00000000000000" pitchFamily="34" charset="-127"/>
+            </a:endParaRPr>
+          </a:p>
+          <a:p>
+            <a:pPr marL="896798" lvl="1" indent="-342900">
+              <a:buFont typeface="Wingdings" panose="05000000000000000000" pitchFamily="2" charset="2"/>
+              <a:buChar char="ü"/>
+            </a:pPr>
+            <a:r>
+              <a:rPr lang="ko-KR" altLang="en-US" sz="2000" dirty="0">
+                <a:solidFill>
+                  <a:schemeClr val="bg1"/>
+                </a:solidFill>
+                <a:latin typeface="Noto Sans CJK KR Black" panose="020B0A00000000000000" pitchFamily="34" charset="-127"/>
+                <a:ea typeface="Noto Sans CJK KR Black" panose="020B0A00000000000000" pitchFamily="34" charset="-127"/>
+              </a:rPr>
+              <a:t>회귀분석 결과를 시각화를 통해 검증</a:t>
+            </a:r>
+            <a:endParaRPr lang="en-US" altLang="ko-KR" sz="2000" dirty="0">
+              <a:solidFill>
+                <a:schemeClr val="bg1"/>
+              </a:solidFill>
+              <a:latin typeface="Noto Sans CJK KR Black" panose="020B0A00000000000000" pitchFamily="34" charset="-127"/>
+              <a:ea typeface="Noto Sans CJK KR Black" panose="020B0A00000000000000" pitchFamily="34" charset="-127"/>
+            </a:endParaRPr>
+          </a:p>
+        </p:txBody>
+      </p:sp>
+    </p:spTree>
+    <p:extLst>
+      <p:ext uri="{BB962C8B-B14F-4D97-AF65-F5344CB8AC3E}">
+        <p14:creationId xmlns:p14="http://schemas.microsoft.com/office/powerpoint/2010/main" val="3686652847"/>
       </p:ext>
     </p:extLst>
   </p:cSld>

--- a/[FastCampus] 커리큘럼_김경원박사.pptx
+++ b/[FastCampus] 커리큘럼_김경원박사.pptx
@@ -5,10 +5,10 @@
     <p:sldMasterId id="2147483648" r:id="rId1"/>
   </p:sldMasterIdLst>
   <p:notesMasterIdLst>
-    <p:notesMasterId r:id="rId16"/>
+    <p:notesMasterId r:id="rId18"/>
   </p:notesMasterIdLst>
   <p:handoutMasterIdLst>
-    <p:handoutMasterId r:id="rId17"/>
+    <p:handoutMasterId r:id="rId19"/>
   </p:handoutMasterIdLst>
   <p:sldIdLst>
     <p:sldId id="1066" r:id="rId2"/>
@@ -25,14 +25,16 @@
     <p:sldId id="1077" r:id="rId13"/>
     <p:sldId id="1078" r:id="rId14"/>
     <p:sldId id="1079" r:id="rId15"/>
+    <p:sldId id="1080" r:id="rId16"/>
+    <p:sldId id="1081" r:id="rId17"/>
   </p:sldIdLst>
   <p:sldSz cx="12160250" cy="6840538"/>
   <p:notesSz cx="9874250" cy="6797675"/>
   <p:embeddedFontLst>
     <p:embeddedFont>
       <p:font typeface="맑은 고딕" panose="020B0503020000020004" pitchFamily="50" charset="-127"/>
-      <p:regular r:id="rId18"/>
-      <p:bold r:id="rId19"/>
+      <p:regular r:id="rId20"/>
+      <p:bold r:id="rId21"/>
     </p:embeddedFont>
   </p:embeddedFontLst>
   <p:defaultTextStyle>
@@ -245,7 +247,7 @@
           <a:p>
             <a:fld id="{FC718EE8-BF93-4A17-BED5-FC99EECA5FC7}" type="datetimeFigureOut">
               <a:rPr lang="ko-KR" altLang="en-US" smtClean="0"/>
-              <a:t>2020-08-25</a:t>
+              <a:t>2020-09-02</a:t>
             </a:fld>
             <a:endParaRPr lang="ko-KR" altLang="en-US"/>
           </a:p>
@@ -326,6 +328,60 @@
   </p:cSld>
   <p:clrMap bg1="lt1" tx1="dk1" bg2="lt2" tx2="dk2" accent1="accent1" accent2="accent2" accent3="accent3" accent4="accent4" accent5="accent5" accent6="accent6" hlink="hlink" folHlink="folHlink"/>
 </p:handoutMaster>
+</file>
+
+<file path=ppt/ink/ink1.xml><?xml version="1.0" encoding="utf-8"?>
+<inkml:ink xmlns:inkml="http://www.w3.org/2003/InkML">
+  <inkml:definitions>
+    <inkml:context xml:id="ctx0">
+      <inkml:inkSource xml:id="inkSrc0">
+        <inkml:traceFormat>
+          <inkml:channel name="X" type="integer" max="32767" units="cm"/>
+          <inkml:channel name="Y" type="integer" max="32767" units="cm"/>
+          <inkml:channel name="F" type="integer" max="2047" units="deg"/>
+          <inkml:channel name="T" type="integer" max="2.14748E9" units="dev"/>
+        </inkml:traceFormat>
+        <inkml:channelProperties>
+          <inkml:channelProperty channel="X" name="resolution" value="1516.99072" units="1/cm"/>
+          <inkml:channelProperty channel="Y" name="resolution" value="2427.1853" units="1/cm"/>
+          <inkml:channelProperty channel="F" name="resolution" value="5.68611" units="1/deg"/>
+          <inkml:channelProperty channel="T" name="resolution" value="1" units="1/dev"/>
+        </inkml:channelProperties>
+      </inkml:inkSource>
+      <inkml:timestamp xml:id="ts0" timeString="2020-09-01T15:04:09.189"/>
+    </inkml:context>
+    <inkml:brush xml:id="br0">
+      <inkml:brushProperty name="width" value="0.05292" units="cm"/>
+      <inkml:brushProperty name="height" value="0.05292" units="cm"/>
+      <inkml:brushProperty name="color" value="#FF0000"/>
+    </inkml:brush>
+  </inkml:definitions>
+  <inkml:trace contextRef="#ctx0" brushRef="#br0">12650 4366 462 0,'0'0'13'16,"0"0"-5"-16,0 0 40 16,0 0 20-16,0 0 2 15,0 0 1-15,0 0-19 16,-25-12-15-16,25 12-2 16,0 0 1-16,0 0-12 15,0 0 0-15,0 0 1 0,0 0-7 16,0 0-6-16,0 0 1 15,0 0-2-15,0 0 0 16,0 0-4-16,-1 0-4 16,1 0 4-16,0 0-4 15,0 0-1-15,0 0-2 16,0 0-3-16,0 0-3 16,0 2-4-16,13 6 7 15,8 6 3-15,3 4 1 16,-1 1-1-16,0 5 2 15,3 2 0-15,-4 1-2 16,5 4 0-16,-3 5-2 16,1-1 2-16,-1 1 6 0,-3 0-6 15,0-4 0-15,-3-4 0 16,-3 3 0-16,0 1-3 16,-3 4 3-16,3 3 4 15,-3 2-1-15,4 1 1 16,-2 0-3-16,2-2 0 15,-1-2 2-15,0-2 1 16,-2-1-1-16,-1-1-2 16,-1 0 1-16,-4 0 3 15,-1 1 0-15,-1-1-2 16,-2 2 0-16,-2 0 2 16,1 0 5-16,-2 1-5 15,1-1 6-15,1 0-3 0,-1-1-3 16,5 0-5-16,-2 0 2 15,1 3 0-15,0 0-1 16,-2-1 4-16,0-3-1 16,0-2 0-16,-2-1 0 15,2 3 1-15,1 1-2 16,-2-1-2-16,-1-2 4 16,-1 2-4-16,2-2 0 15,-2 5 2-15,1 5-3 16,1-1 2-16,-1 2-1 15,1 0 2-15,-2 0-2 16,1 5 8-16,-1 4-9 0,0 0 4 16,0-1-3-16,0-3 5 15,0-3-2-15,0-3-4 16,0-1 1-16,0-3 2 16,-3-3-1-16,-1 0-1 15,-1 5 1-15,-3 5 1 16,-1 0-2-16,-2 0 0 15,1 3 5-15,1-2-2 16,-2 3 0-16,-2 5 2 16,2-5-2-16,2-1-2 15,-1-7 3-15,0-6 1 16,2-4-4-16,2-1 0 16,-3-3 1-16,0 0 0 15,2 2 0-15,-4 1 0 16,2 6 1-16,-4 4-3 0,-4 7 0 15,-4 1-1-15,-1-2 3 16,1-2-2-16,-4-2 3 16,-2-1-1-16,-5 0-1 15,3-2 4-15,0-2-3 16,5-1 7-16,0 1 1 16,4-2-3-16,1-1-2 15,-1-2-2-15,0 2 0 16,-2 1-1-16,-4 5-2 15,0 2 2-15,-4 2-1 16,-3 0 3-16,6-1-1 16,-3-1 1-16,2-5 3 0,2-6-2 15,1-3 2-15,8-9 0 16,1 0-3-16,1-2 3 16,4 0-3-16,-6 6-5 15,-2 9 0-15,-3 4 0 16,-3 6 0-16,-3-1 2 15,-2 0-1-15,0-2 5 16,1-3-4-16,-1-6-1 16,4-1 5-16,2-4-5 15,0-1 3-15,3 0-3 16,0 0 1-16,0 0 3 16,-1-2 0-16,-1 2-4 15,1 3 2-15,-2 0 0 16,-1-4-2-16,1 4 0 15,0-3 1-15,-3 3-1 0,-3 0-1 16,3-2 1-16,-1 2 2 16,0 0-2-16,0-1-1 15,0 2 1-15,3-2 1 16,2-5 0-16,7-4-2 16,1-6 3-16,6-5 3 15,3 1-6-15,0-3 1 16,1 3-2-16,-5 3 4 15,1 1-3-15,-5 4 0 16,-2 2 0-16,1 1 0 0,0-5 1 16,2-2 0-16,5-2-1 15,1-5 1-15,4-2 3 16,2-1 3-16,-1-1-5 16,2 0 1-16,0 1-1 15,-1-1 2-15,1 0-4 16,0 0 3-16,0 0 2 15,0 0-3-15,0 0 2 16,0 0 1-16,0 0-2 16,0 0-3-16,0 0 0 15,0 0-1-15,0 0 1 16,0 0 2-16,0 0-2 16,0 0 0-16,0 0 0 15,0 0 1-15,0 0 0 16,0 0-1-16,0 0-1 0,0 0-1 15,0 0 2-15,0 0-10 16,0 0 0-16,0 0-20 16,0 0-22-16,0 0-52 15,0 0-75-15,-3-4-142 16,-7-21-335-16</inkml:trace>
+  <inkml:trace contextRef="#ctx0" brushRef="#br0" timeOffset="1707.44">13843 6312 827 0,'0'0'0'0,"0"0"-41"16,0 0-6-16,0 0 47 16,55 120 74-16,-22-43-3 15,1 4-35-15,1-11-26 16,-4-8-3-16,-6-11-4 16,-5-10 11-16,-7-9-1 15,-5-11-6-15,-5-7 13 0,-2-7 10 16,-1-4 12-16,0-3-5 15,0 0-11-15,2 0-2 16,-1 0-8-16,7 0-1 16,14-14-10-16,11-13 12 15,12-9 2-15,7-8 2 16,-1 0-6-16,-3 4-13 16,-5 3 0-16,-2 6-3 15,-5 4 1-15,-4 4-3 16,-10 8-20-16,-5 5-6 15,-11 6-28-15,-5 4-37 16,-1 0-25-16,0 0-51 0,-6 6-189 16</inkml:trace>
+  <inkml:trace contextRef="#ctx0" brushRef="#br0" timeOffset="1932.83">14752 7112 1183 0,'0'0'12'0,"0"0"22"15,0 0-26 1,0 0-8-16,0 0-11 0,0 0-140 15,-3-48-377-15</inkml:trace>
+  <inkml:trace contextRef="#ctx0" brushRef="#br0" timeOffset="8730.66">11300 9824 488 0,'0'0'81'0,"0"0"-70"15,0 0 27-15,0 0 23 16,0 0-28-16,0 0-12 15,0 0-5-15,0 0-16 16,0-5 14-16,0 5 11 16,0 0 29-16,0 0-13 15,0 0 15-15,0 0-18 16,0 0 2-16,0 0-9 0,0 0-11 16,0 0 0-1,0 0-2-15,0 0 2 0,0 0-1 16,0 0-4-16,0 0-2 15,0 0 0-15,0 0 1 16,0 0 2-16,0 0-5 16,0 0-3-16,0 0 1 15,0 0 4-15,0 0-4 16,0 0-3-16,0 0 5 16,0 0-5-16,0 0-3 15,0 0-2-15,0 0 4 16,0 0-1-16,0 0-3 15,0 0 2-15,0 0-2 16,0 0 4-16,0 0-2 0,0 0-3 16,0 0-3-16,0 0 3 15,0 0 4-15,0 0-4 16,0 0-5-16,0 0 4 16,0 0-4-16,0 0 2 15,3 2 0-15,6 8 3 16,8 3 2-16,3 5-2 15,5 2 3-15,1 4-2 16,1 2 1-16,0 3-2 16,3 0 0-16,-6 2 2 15,3 0-5-15,-3 0 8 16,-1 0-9-16,-3 3 8 16,1 0-4-16,-6-1 3 15,0 3-3-15,-2-3 0 16,-2-3-1-16,-1-2 1 0,-1-3 0 15,-1-1 3-15,-4 2-2 16,-1-1 1-16,-1 2 1 16,0 0 0-16,-2 1 0 15,0 0 0-15,0-2-2 16,0 0-1-16,0-2 3 16,0 1 1-16,0 3-3 15,-4 5 1-15,-3 0 6 16,-2 3-1-16,-2-7-7 15,1 1 0-15,1 1 3 0,-2-3 3 16,-2 3-6 0,1-2 5-16,0 1-3 0,-3-3-1 15,1-5 0-15,1 0 4 16,1-4-4-16,-3 1 1 16,2 1 1-16,-2 1-2 15,-3 2 2-15,3-2 2 16,-3-1-4-16,3-1 8 15,-1-1 1-15,1 1-7 16,0-3 2-16,3-1-1 16,0-3 5-16,-1 1-8 15,0 1 8-15,-3 3-9 16,1 3 0-16,-6 2 2 16,0 3-2-16,0-3 1 15,2-4-1-15,4-4 4 0,3-1-2 16,0-4-1-16,3-1 2 15,0-1-1-15,3-6-1 16,2 2 0-16,4-3 2 16,0 0 0-16,0 0-1 15,-3 0-1-15,3 0-1 16,0 0 2-16,0 0-2 16,0 0 0-16,0 0 2 15,0 0-2-15,0 0-2 16,0 0 2-16,0 0 0 15,0 0-8-15,0 0-13 16,0 0-21-16,0 0-34 0,0 0-34 16,0-4-77-16,3-19-148 15,7-14-260-15</inkml:trace>
+  <inkml:trace contextRef="#ctx0" brushRef="#br0" timeOffset="9620.29">12298 9869 229 0,'0'0'580'0,"0"0"-564"0,0 0-15 15,0 0 35-15,0 0-5 16,0 0-18-16,21-1-11 16,-6 6 6-16,9 18 3 15,6 11 33-15,2 11 9 16,1 8-9-16,-4 6-8 16,-7 2 3-16,-1-6-14 15,-6-10-11-15,-2-13-5 16,-5-11-2-16,-5-11-7 15,0-6 1-15,-3-4 3 16,2 0-2-16,-2 0 5 0,0 0 20 16,4 0-12-16,8-20 8 15,7-10-14-15,10-13 1 16,4-3-1-16,1 1-9 16,-1 5 1-16,-2 7 4 15,-1 2-5-15,-2 5 0 16,-2 3-5-16,-5 4 1 15,-2 4-5-15,-7 3 1 16,-3 7-5-16,-7 1-1 16,-1 2-6-16,-1 2-20 15,0 0-19-15,0 0-38 16,0 0-100-16,-6 0-209 16</inkml:trace>
+  <inkml:trace contextRef="#ctx0" brushRef="#br0" timeOffset="9825.73">13100 10239 1230 0,'0'0'14'0,"0"0"-8"16,0 0 3-16,0 0 15 15,0 0-24-15,0 0-66 0,-23-13-114 16,17 5-322 0</inkml:trace>
+  <inkml:trace contextRef="#ctx0" brushRef="#br0" timeOffset="10867.96">12388 10969 420 0,'0'0'246'0,"0"0"-227"16,0 0-10-16,0 0 66 15,0 0 16-15,0 0-38 16,10-37-21-16,-8 37-28 16,-2 0 15-16,0 0 4 15,0 0-2-15,0 0-1 16,0 0-6-16,1 0 9 15,-1 0-6-15,0 0-7 16,5 0-10-16,8 7 1 16,8 13-1-16,11 11 28 0,6 9-4 15,2 7-7-15,-2-2-13 16,-5-4 3-16,-8-9-4 16,-4-5 0-16,-5-6-2 15,-7-5-1-15,-4-5 0 16,-2-4-1-16,-3-3 1 15,0-4 0-15,0 0 10 16,0 0 0-16,0 0 1 16,0 0 6-16,0 0 9 15,5-7-19-15,1-16-6 16,7-12 5-16,5-9-6 16,9-4 2-16,1 2 0 15,0 7-2-15,-2 4 0 0,-1 4-2 16,1 4-1-16,-3 3-5 15,1 3 3-15,-3 4-19 16,-3 3-3-16,-4 3-11 16,-5 5-27-16,-5 5-28 15,-3 1-55-15,-1 3-76 16,0 15-156-16</inkml:trace>
+  <inkml:trace contextRef="#ctx0" brushRef="#br0" timeOffset="11049.47">13174 11136 810 0,'0'0'332'0,"0"0"-332"15,0 0-8-15,0 0-47 16,0 0-119-16,0 0-342 15</inkml:trace>
+  <inkml:trace contextRef="#ctx0" brushRef="#br0" timeOffset="24153.45">13923 9840 614 0,'0'0'37'16,"0"0"-3"-16,0 0 44 15,0 0-6-15,0 0-34 16,0 0 8-16,0 0-11 15,-44 88-7-15,0-24-7 16,-15 8-11-16,-15 5 1 16,-11 2 5-16,-8-6-1 15,-4-6-5-15,5-6 7 16,14-12 10-16,21-12-5 16,26-15-1-16,17-12-6 15,13-7-15-15,1-3-4 0,15 0-20 16,36 0 1-1,31 0 23-15,30 0 11 0,17-11 5 16,9 1-15-16,-2 1 1 16,-8 2-2-16,-9 5-2 15,-18 0-24-15,-23 2 24 16,-26 0-12-16,-26-1-37 16,-22 1 7-16,-4-2 44 15,-21-4 20-15,-25-7 10 16,-21-9-18-16,-15-8 1 15,-13-10-13-15,-7-12 20 16,-6-12-20-16,-1-11 0 16,3-5 3-16,13 1-3 0,23 11 0 15,22 18-1-15,26 18 1 16,10 18-26-16,12 14-18 16,15 9 42-16,25 46-35 15,21 40 37-15,11 46 25 16,-2 33 11-16,-7 5-18 15,-18-16-11-15,-9-36-5 16,-12-43 6-16,-10-40 19 16,-3-29 9-16,1-23-36 15,10-51 4-15,14-42 48 16,9-40-32-16,6-20-20 16,-6-8-23-16,-17 0-64 0,-16 13-171 15,-12 22-374-15</inkml:trace>
+  <inkml:trace contextRef="#ctx0" brushRef="#br0" timeOffset="27021.78">15069 6870 414 0,'0'0'12'0,"0"0"-10"16,-61 91 2-16,35-50 23 16,-8 7 9-16,-9 11 18 15,-13 9-18-15,-16 5 10 16,-15 3-11-16,-17-1 14 16,-13-5-1-16,-16-4-1 15,-11-10-14-15,-9-16 8 0,1-21-10 16,6-19-6-1,7-11-8-15,8-34 7 0,8-18 5 16,10-23-29-16,14-28 6 16,20-27-5-16,27-24-1 15,35-19-5-15,25-10 5 16,60-13 12-16,43-6-12 16,31 11-3-16,18 19 3 15,11 41 1-15,0 45 15 16,8 43-12-16,5 44-4 15,1 30-16-15,5 59 8 16,-12 46-4-16,-5 42 12 16,-13 29 0-16,-18 8 0 15,-17-14-56-15,-29-19-4 0,-32-25-18 16,-31-11-22-16,-33-11-96 16,-16-17-213-16</inkml:trace>
+  <inkml:trace contextRef="#ctx0" brushRef="#br0" timeOffset="27138.47">15701 7085 828 0,'0'0'0'16,"0"0"-240"-16,0 0 237 16,0 0-67-16,0 0-296 15</inkml:trace>
+  <inkml:trace contextRef="#ctx0" brushRef="#br0" timeOffset="27673.04">15798 6726 852 0,'0'0'40'0,"0"0"-40"16,0 0-50-16,0 0 50 16,129-22 63-16,-31 9 3 15,22-1-9-15,10 3-28 16,4 2-11-16,-1 3-14 16,-10 6-4-16,-19 0-32 15,-17 0-65-15,-29 0-81 16,-22 0-106-16,-23 0-204 15</inkml:trace>
+  <inkml:trace contextRef="#ctx0" brushRef="#br0" timeOffset="27911.44">16791 6331 879 0,'0'0'26'15,"0"0"-20"-15,0 0 34 16,0 0-34-16,0 0-4 15,0 0 19-15,116 98-3 16,-63-34 4-16,-8 6-22 16,-15 3 4-16,-22-1-4 15,-8 0 3-15,-28-3 0 16,-19-4-3-16,-11-8-22 16,-5-11-60-16,-3-14-98 15,6-25-179-15</inkml:trace>
+  <inkml:trace contextRef="#ctx0" brushRef="#br0" timeOffset="28925.72">17492 6551 383 0,'0'0'317'0,"0"0"-303"16,0 0 22-16,0 0-34 15,0 0-2-15,0 0 0 16,-6 99 16-16,-6-24 44 16,-4 5-54-16,-7-5-2 15,-3-8 22-15,-3-8 16 0,2-12 0 16,5-15-3-16,8-15-7 16,10-14 6-16,4-3-4 15,0-13-34-15,12-26-20 16,21-23 9-16,15-18-24 15,13-6 35-15,4 8-4 16,0 14-10-16,-7 17-14 16,-12 18 21-16,-11 17-24 15,-13 12 7-15,-10 12-42 16,-12 28 54-16,0 15 12 16,-14 13 36-16,-11-2-6 15,-2-10-8-15,6-15 2 16,5-17 17-16,8-14-1 0,7-9-14 15,1-1-26 1,13-4-24-16,22-19 24 0,15-2 1 16,10 1 25-16,4 12-23 15,-5 12-3-15,-10 1-22 16,-15 25-17-16,-15 8 15 16,-18 8-5-16,-1 0-8 15,-5-3-10-15,-10-11-101 16,8-9-39-16,3-17-120 15</inkml:trace>
+  <inkml:trace contextRef="#ctx0" brushRef="#br0" timeOffset="29342.58">18488 6647 573 0,'0'0'97'16,"-97"-3"-82"-16,47 3 108 16,3 12-50-16,7 9-14 15,7 7-20-15,6 10-15 16,9 6-14-16,11 4 4 16,7-5 0-16,0-6 6 15,13-11-17-15,10-10-3 16,5-9-3-16,6-7-6 15,5-3-4-15,7-24 3 0,1-10 1 16,-4-6-32-16,-1-2 8 16,-8 5-10-16,-8 6 3 15,-7 10 37-15,-8 10-11 16,-7 8 14-16,-4 6-13 16,0 0 13-16,0 27-9 15,-7 15 9-15,-5 12 15 16,-1 0-2-16,5-7-13 15,8-15-31-15,0-16-89 16,13-16-47-16,13-12-10 16,8-30-62-16</inkml:trace>
+  <inkml:trace contextRef="#ctx0" brushRef="#br0" timeOffset="29659.73">18815 6482 301 0,'0'0'145'0,"0"0"-83"16,0 0-7-16,0 0 10 15,-29 108 34-15,11-34-12 16,3 4-33-16,2-8-19 16,3-12 7-16,6-17 0 15,2-18-7-15,2-13-18 16,0-10-17-16,0-3-5 16,14-29-17-16,16-19 22 15,10-13 25-15,6-1-18 16,-4 10-7-16,-9 17-16 0,-8 16-19 15,-9 15 23 1,-6 7 5-16,-6 24-28 0,-4 22 35 16,0 17 18-16,-10 8 11 15,-10-4-14-15,0-13-15 16,8-16-6-16,9-18-57 16,3-16-58-16,7-6-122 15,15-31-10-15</inkml:trace>
+  <inkml:trace contextRef="#ctx0" brushRef="#br0" timeOffset="30009.83">19229 6525 519 0,'0'0'94'0,"0"0"4"15,0 0-41-15,0 0-48 16,-23 99 25-16,20-36 11 15,-2 5-13-15,4-7-1 16,1-10 21-16,0-17-11 16,0-16-26-16,3-11-15 15,7-7-7-15,9-10-15 16,10-25 22-16,8-18 0 16,5-10 8-16,1-2-8 15,-7 8-23-15,-6 15-14 16,-11 12 16-16,-4 15-7 15,-9 10 28-15,-6 5-17 0,0 4-6 16,0 29 23-16,0 18 3 16,-1 15 44-16,-8 3-35 15,5-8-12-15,4-12-35 16,1-15-104-16,24-20-103 16,10-14-39-16</inkml:trace>
+  <inkml:trace contextRef="#ctx0" brushRef="#br0" timeOffset="30577.28">19825 6422 465 0,'0'0'77'16,"0"0"30"-16,-109 18 12 0,78 17-43 15,9 12-21-15,6 12-5 16,8 3-7-16,8-5-13 15,0-11 4-15,16-12-24 16,5-16-10-16,5-11-10 16,2-7-14-16,3-17 11 15,4-21-58-15,-1-10 45 16,-3-3-14-16,-5 10 22 16,-10 8-16-16,-4 15-15 15,-8 11 49-15,-4 7-9 16,0 0-19-16,2 25 14 0,2 19 14 15,10 11 106 1,7 2-21-16,9-6-49 0,9-14-7 16,4-16-10-16,8-17-19 15,1-4-9-15,2-34-7 16,1-18 7-16,-4-14 4 16,-2-11-10-16,-10-7-5 15,-19-2-4-15,-19 2 16 16,-4 0 8-16,-33 2 0 15,-7 9 18-15,-2 15-4 16,5 23 13-16,5 25 8 16,4 19-11-16,2 48 1 15,4 38 5-15,7 34 19 16,15 16-5-16,3 1-16 0,16-13 4 16,16-28-11-16,8-26-15 15,7-25-6-15,5-24-6 16,7-18-26-16,3-12-80 15,-1-16-186-15,-7-20-439 16</inkml:trace>
+  <inkml:trace contextRef="#ctx0" brushRef="#br0" timeOffset="30683.99">20810 6718 986 0,'0'0'149'16,"0"0"-126"-16,0 0-46 15,0 0-83-15,0 0-467 0</inkml:trace>
+  <inkml:trace contextRef="#ctx0" brushRef="#br0" timeOffset="34750.05">12470 4572 305 0,'0'0'104'0,"0"0"-63"0,0 0 44 15,0 0-12-15,0 0-3 16,0 0-3-16,0 0-12 16,0-24-17-16,0 24-13 15,0 0-4-15,0 0-21 16,0 0-18-16,2 7-28 15,11 12 22-15,5 9 24 16,4 6 22-16,-2 0 10 16,1 0-23-16,-5-6-4 15,-4-4 14-15,0-5-12 16,0-3 2-16,-3-5-1 0,0-2-8 16,-2-5 0-1,0-4-8-15,-2 0-5 0,3 0 13 16,2-4 30-16,8-16-1 15,6-7-13-15,0-7 2 16,4 1-18-16,-1 3-7 16,-3 9-23-16,-8 7-28 15,1 6-62-15,-4 6-23 16,-1 2-48-16,2 0-75 16</inkml:trace>
+  <inkml:trace contextRef="#ctx0" brushRef="#br0" timeOffset="35300.94">12700 5824 286 0,'0'0'76'0,"0"0"-31"16,0 0 47-16,0 0 3 15,0 0-18-15,0 0-1 16,0-46-25-16,0 46-51 16,0 0-9-16,0 13 7 15,15 16 2-15,7 10 46 0,4 4 18 16,-3-9-29-1,-4-11-26-15,-5-13-9 0,-8-8 0 16,0-2-5-16,-1 0-11 16,10-3 16-16,4-17 26 15,11-8 6-15,6-12-13 16,3-4-14-16,4-3-5 16,-4 0-24-16,-3 7-46 15,-8 7-40-15,-5 9-78 16,-10 12-40-16</inkml:trace>
+  <inkml:trace contextRef="#ctx0" brushRef="#br0" timeOffset="35918.29">12026 6973 496 0,'0'0'17'0,"0"0"-1"16,0 0 54-16,0 0 6 16,0 0-5-16,0 0-26 15,-24-41-45-15,24 41-10 16,17 8 10-16,5 18 24 16,5 11 39-16,1 9-7 0,-2 0-44 15,-5-8 5-15,-5-13-12 16,-7-13-5-16,-3-8 0 15,-3-4 13-15,-1 0 7 16,6-2-9-16,6-15-8 16,7-9 18-16,9-12-6 15,1-6-3-15,8-2-12 16,0 2-6-16,0 5-34 16,-2 6-48-16,-4 11-23 15,-5 9-55-15,-5 12-18 16,-11 1-33-16</inkml:trace>
+  <inkml:trace contextRef="#ctx0" brushRef="#br0" timeOffset="36736.14">10816 7649 529 0,'0'0'0'0,"0"0"0"15,0 0 0-15,0 0 23 16,0 0 2-16,0 0-6 15,39 15-7-15,-16 13 46 16,5 12-13-16,0 6 6 16,-1 0-22-16,-3-4-10 15,-6-11-4-15,-2-8-10 16,-5-12 0-16,-5-6 0 16,-3-3 11-16,0-2-4 15,0 0 12-15,7 0-14 16,5-10 0-16,11-13 10 15,8-15-4-15,6-3-13 0,5-5-3 16,1 3-22-16,1 4-56 16,0 5-63-16,-2 6-14 15,-4 9-87-15</inkml:trace>
+  <inkml:trace contextRef="#ctx0" brushRef="#br0" timeOffset="37175.94">11200 8686 148 0,'0'0'383'15,"0"0"-383"-15,0 0-11 16,0 0 11-16,0 0 20 16,0 0-6-16,41 63 69 15,-13-14-12-15,6 13-16 16,-1 3-18-16,-6-3-27 0,-2-13 14 15,-10-17-14 1,-7-11 2-16,-1-12-9 0,-5-6 7 16,-1-3 9-16,5 0-13 15,6-17 8-15,14-14 21 16,6-14 2-16,12-9-9 16,8 1-28-16,1 4-28 15,2 8-86-15,-8 10-143 16,-11 6-102-16</inkml:trace>
+  <inkml:trace contextRef="#ctx0" brushRef="#br0" timeOffset="40412.3">14457 9679 185 0,'0'0'52'16,"0"0"-38"-16,0 0 54 16,0 0 11-16,0 0 21 15,0 0-21-15,0 0-21 16,-12-18-12-16,12 18 13 16,-2 0 6-16,2 0-8 15,0 0-10-15,0 0-2 0,0 0-19 16,0 0 4-1,0 0-12-15,0 0-4 0,0 0-11 16,0 0-3-16,0 0-6 16,0 0-3-16,0 0-23 15,0 3 32-15,0 7 0 16,14 8 3-16,7 7-1 16,6 9 8-16,4 7 3 15,5 7-2-15,4 8-7 16,0 7 7-16,-1 6-4 15,-3 4-1-15,-6 6 0 0,-9 2-4 16,-5-4 4 0,-10-1 1-16,-6 0-6 0,0-3 0 15,-3 2 0-15,-19 4 5 16,-5-1 4-16,-9 5-8 16,-4-2 9-16,-1-7-8 15,3-11-3-15,2-16 0 16,7-12 0-16,9-12 5 15,6-12-4-15,6-4 4 16,1-4 2-16,6-1 2 16,-1 0-9-16,1-2 2 15,1 1-2-15,-2-1 1 16,2 0-2-16,0 0 1 16,0 0 0-16,0 0-1 0,0 0-4 15,0 0-12-15,0 0-7 16,0 0 12-16,0 0 12 15,12-3 0-15,6-6 4 16,9-8 0-16,7-6 0 16,4-6 7-16,1-5-7 15,-2-3 6-15,-3-2-10 16,-4 1 0-16,-5 0 3 16,-4 0 1-16,-7 0-4 15,-7-5-1-15,-4-10-2 16,0-6 4-16,-3-11-2 15,0-11-9-15,-7-3 6 16,-7-4-6-16,-2-1 2 0,1 10-1 16,-3 7 0-16,3 12 9 15,-4 9 0-15,2 7-6 16,-4 5 6-16,0 5-1 16,-4 2-8-16,-3 5 0 15,-5 3-13-15,-2 2 14 16,-2 0 8-16,4 5 4 15,2 1 1-15,2 0 3 16,1 4-7-16,5-1 1 16,3 4 2-16,5 4 1 15,1-1-4-15,5 2 3 16,5 1 2-16,2 2-5 0,1-1 1 16,1 1-4-1,0 1 0-15,0 0-4 0,0-1 6 16,0 1-2-16,0 0 2 15,0 0-6-15,0 0 0 16,0 0 4-16,0 0 1 16,3 1 0-16,13 11-1 15,13 10-4-15,7 10 5 16,7 10 2-16,9 12 0 16,3 8 2-16,1 5-1 15,-3 6 0-15,-3 2 2 16,-6 1-3-16,-11-6-1 15,-6-3 11-15,-10-8-10 0,-8-3-1 16,-6 0-6 0,-3 3 6-16,0 2 13 0,-15-2-10 15,-9-1 1-15,-3 0 0 16,0-9 7-16,0-7-8 16,2-11 0-16,7-11-3 15,6-9 7-15,6-7-2 16,4-4 6-16,2 0-11 15,0 0-13-15,0 0-1 16,0 0-16-16,0 0 30 16,0 0 2-16,0 0-2 15,0 0 5-15,8-5-5 16,7-8 2-16,4-7 0 16,5-5-2-16,1-6 8 0,5-6-7 15,-2-4-1-15,3-3 0 16,-1-6 4-16,-5-5-1 15,-1 2-3-15,-9-3-3 16,-9-2-2-16,-6 1 3 16,0-3-3-16,-6-4 1 15,-18-3 3-15,-5-3-9 16,-8 4 8-16,-1 2 2 16,-3 11-4-16,1 9-3 15,4 9-1-15,1 8-21 16,6 6 21-16,0 4 2 15,2 2 6-15,6 3 0 16,2 0 11-16,5 0-6 0,3 3-5 16,6 2-7-16,1 2-1 15,4 3 5-15,-2 0 3 16,2 1 4-16,0 0-4 16,-1 1 4-16,1 0-1 15,0 0-2-15,0 0 0 16,0 0-1-16,0 0-17 15,0 0 5-15,0 0-2 16,0 4 3-16,15 15 0 16,21 21 11-16,17 20 1 15,10 25 11-15,-2 20-11 16,-8 15 3-16,-13 14-3 0,-21 8-1 16,-17 4-21-1,-4 3-64-15,-28-9-104 0,-10-28-88 16</inkml:trace>
+</inkml:ink>
 </file>
 
 <file path=ppt/notesMasters/notesMaster1.xml><?xml version="1.0" encoding="utf-8"?>
@@ -410,7 +466,7 @@
           <a:p>
             <a:fld id="{6101F873-BA02-446B-9127-C4DE4310B943}" type="datetimeFigureOut">
               <a:rPr lang="ko-KR" altLang="en-US" smtClean="0"/>
-              <a:t>2020-08-25</a:t>
+              <a:t>2020-09-02</a:t>
             </a:fld>
             <a:endParaRPr lang="ko-KR" altLang="en-US"/>
           </a:p>
@@ -1181,6 +1237,174 @@
 </p:notes>
 </file>
 
+<file path=ppt/notesSlides/notesSlide15.xml><?xml version="1.0" encoding="utf-8"?>
+<p:notes xmlns:a="http://schemas.openxmlformats.org/drawingml/2006/main" xmlns:r="http://schemas.openxmlformats.org/officeDocument/2006/relationships" xmlns:p="http://schemas.openxmlformats.org/presentationml/2006/main">
+  <p:cSld>
+    <p:spTree>
+      <p:nvGrpSpPr>
+        <p:cNvPr id="1" name=""/>
+        <p:cNvGrpSpPr/>
+        <p:nvPr/>
+      </p:nvGrpSpPr>
+      <p:grpSpPr>
+        <a:xfrm>
+          <a:off x="0" y="0"/>
+          <a:ext cx="0" cy="0"/>
+          <a:chOff x="0" y="0"/>
+          <a:chExt cx="0" cy="0"/>
+        </a:xfrm>
+      </p:grpSpPr>
+      <p:sp>
+        <p:nvSpPr>
+          <p:cNvPr id="2" name="슬라이드 이미지 개체 틀 1"/>
+          <p:cNvSpPr>
+            <a:spLocks noGrp="1" noRot="1" noChangeAspect="1"/>
+          </p:cNvSpPr>
+          <p:nvPr>
+            <p:ph type="sldImg"/>
+          </p:nvPr>
+        </p:nvSpPr>
+        <p:spPr/>
+      </p:sp>
+      <p:sp>
+        <p:nvSpPr>
+          <p:cNvPr id="3" name="슬라이드 노트 개체 틀 2"/>
+          <p:cNvSpPr>
+            <a:spLocks noGrp="1"/>
+          </p:cNvSpPr>
+          <p:nvPr>
+            <p:ph type="body" idx="1"/>
+          </p:nvPr>
+        </p:nvSpPr>
+        <p:spPr/>
+        <p:txBody>
+          <a:bodyPr/>
+          <a:lstStyle/>
+          <a:p>
+            <a:endParaRPr lang="ko-KR" altLang="en-US" dirty="0"/>
+          </a:p>
+        </p:txBody>
+      </p:sp>
+      <p:sp>
+        <p:nvSpPr>
+          <p:cNvPr id="4" name="슬라이드 번호 개체 틀 3"/>
+          <p:cNvSpPr>
+            <a:spLocks noGrp="1"/>
+          </p:cNvSpPr>
+          <p:nvPr>
+            <p:ph type="sldNum" sz="quarter" idx="10"/>
+          </p:nvPr>
+        </p:nvSpPr>
+        <p:spPr/>
+        <p:txBody>
+          <a:bodyPr/>
+          <a:lstStyle/>
+          <a:p>
+            <a:fld id="{C191BC67-C438-4515-9D3F-F10D40F1354A}" type="slidenum">
+              <a:rPr lang="ko-KR" altLang="en-US" smtClean="0"/>
+              <a:t>15</a:t>
+            </a:fld>
+            <a:endParaRPr lang="ko-KR" altLang="en-US"/>
+          </a:p>
+        </p:txBody>
+      </p:sp>
+    </p:spTree>
+    <p:extLst>
+      <p:ext uri="{BB962C8B-B14F-4D97-AF65-F5344CB8AC3E}">
+        <p14:creationId xmlns:p14="http://schemas.microsoft.com/office/powerpoint/2010/main" val="1581912300"/>
+      </p:ext>
+    </p:extLst>
+  </p:cSld>
+  <p:clrMapOvr>
+    <a:masterClrMapping/>
+  </p:clrMapOvr>
+</p:notes>
+</file>
+
+<file path=ppt/notesSlides/notesSlide16.xml><?xml version="1.0" encoding="utf-8"?>
+<p:notes xmlns:a="http://schemas.openxmlformats.org/drawingml/2006/main" xmlns:r="http://schemas.openxmlformats.org/officeDocument/2006/relationships" xmlns:p="http://schemas.openxmlformats.org/presentationml/2006/main">
+  <p:cSld>
+    <p:spTree>
+      <p:nvGrpSpPr>
+        <p:cNvPr id="1" name=""/>
+        <p:cNvGrpSpPr/>
+        <p:nvPr/>
+      </p:nvGrpSpPr>
+      <p:grpSpPr>
+        <a:xfrm>
+          <a:off x="0" y="0"/>
+          <a:ext cx="0" cy="0"/>
+          <a:chOff x="0" y="0"/>
+          <a:chExt cx="0" cy="0"/>
+        </a:xfrm>
+      </p:grpSpPr>
+      <p:sp>
+        <p:nvSpPr>
+          <p:cNvPr id="2" name="슬라이드 이미지 개체 틀 1"/>
+          <p:cNvSpPr>
+            <a:spLocks noGrp="1" noRot="1" noChangeAspect="1"/>
+          </p:cNvSpPr>
+          <p:nvPr>
+            <p:ph type="sldImg"/>
+          </p:nvPr>
+        </p:nvSpPr>
+        <p:spPr/>
+      </p:sp>
+      <p:sp>
+        <p:nvSpPr>
+          <p:cNvPr id="3" name="슬라이드 노트 개체 틀 2"/>
+          <p:cNvSpPr>
+            <a:spLocks noGrp="1"/>
+          </p:cNvSpPr>
+          <p:nvPr>
+            <p:ph type="body" idx="1"/>
+          </p:nvPr>
+        </p:nvSpPr>
+        <p:spPr/>
+        <p:txBody>
+          <a:bodyPr/>
+          <a:lstStyle/>
+          <a:p>
+            <a:endParaRPr lang="ko-KR" altLang="en-US" dirty="0"/>
+          </a:p>
+        </p:txBody>
+      </p:sp>
+      <p:sp>
+        <p:nvSpPr>
+          <p:cNvPr id="4" name="슬라이드 번호 개체 틀 3"/>
+          <p:cNvSpPr>
+            <a:spLocks noGrp="1"/>
+          </p:cNvSpPr>
+          <p:nvPr>
+            <p:ph type="sldNum" sz="quarter" idx="10"/>
+          </p:nvPr>
+        </p:nvSpPr>
+        <p:spPr/>
+        <p:txBody>
+          <a:bodyPr/>
+          <a:lstStyle/>
+          <a:p>
+            <a:fld id="{C191BC67-C438-4515-9D3F-F10D40F1354A}" type="slidenum">
+              <a:rPr lang="ko-KR" altLang="en-US" smtClean="0"/>
+              <a:t>16</a:t>
+            </a:fld>
+            <a:endParaRPr lang="ko-KR" altLang="en-US"/>
+          </a:p>
+        </p:txBody>
+      </p:sp>
+    </p:spTree>
+    <p:extLst>
+      <p:ext uri="{BB962C8B-B14F-4D97-AF65-F5344CB8AC3E}">
+        <p14:creationId xmlns:p14="http://schemas.microsoft.com/office/powerpoint/2010/main" val="3258675245"/>
+      </p:ext>
+    </p:extLst>
+  </p:cSld>
+  <p:clrMapOvr>
+    <a:masterClrMapping/>
+  </p:clrMapOvr>
+</p:notes>
+</file>
+
 <file path=ppt/notesSlides/notesSlide2.xml><?xml version="1.0" encoding="utf-8"?>
 <p:notes xmlns:a="http://schemas.openxmlformats.org/drawingml/2006/main" xmlns:r="http://schemas.openxmlformats.org/officeDocument/2006/relationships" xmlns:p="http://schemas.openxmlformats.org/presentationml/2006/main">
   <p:cSld>
@@ -2032,7 +2256,7 @@
           <a:p>
             <a:fld id="{89B5E594-86C5-4F1D-8812-38DF40064943}" type="datetime1">
               <a:rPr lang="ko-KR" altLang="en-US" smtClean="0"/>
-              <a:t>2020-08-25</a:t>
+              <a:t>2020-09-02</a:t>
             </a:fld>
             <a:endParaRPr lang="ko-KR" altLang="en-US"/>
           </a:p>
@@ -2240,7 +2464,7 @@
           <a:p>
             <a:fld id="{05C0B17C-522D-4CD8-8139-01EDEBAB2AF6}" type="datetime1">
               <a:rPr lang="ko-KR" altLang="en-US" smtClean="0"/>
-              <a:t>2020-08-25</a:t>
+              <a:t>2020-09-02</a:t>
             </a:fld>
             <a:endParaRPr lang="ko-KR" altLang="en-US"/>
           </a:p>
@@ -2418,7 +2642,7 @@
           <a:p>
             <a:fld id="{7345261C-38F3-40E7-AAA6-CE27B727AA65}" type="datetime1">
               <a:rPr lang="ko-KR" altLang="en-US" smtClean="0"/>
-              <a:t>2020-08-25</a:t>
+              <a:t>2020-09-02</a:t>
             </a:fld>
             <a:endParaRPr lang="ko-KR" altLang="en-US"/>
           </a:p>
@@ -2586,7 +2810,7 @@
           <a:p>
             <a:fld id="{A8472951-AD8C-47B8-8787-30E2F4BFA1EA}" type="datetime1">
               <a:rPr lang="ko-KR" altLang="en-US" smtClean="0"/>
-              <a:t>2020-08-25</a:t>
+              <a:t>2020-09-02</a:t>
             </a:fld>
             <a:endParaRPr lang="ko-KR" altLang="en-US"/>
           </a:p>
@@ -2841,7 +3065,7 @@
           <a:p>
             <a:fld id="{8BCB1BBF-13D1-46E6-8B8B-C9F26A0BAD91}" type="datetime1">
               <a:rPr lang="ko-KR" altLang="en-US" smtClean="0"/>
-              <a:t>2020-08-25</a:t>
+              <a:t>2020-09-02</a:t>
             </a:fld>
             <a:endParaRPr lang="ko-KR" altLang="en-US"/>
           </a:p>
@@ -3126,7 +3350,7 @@
           <a:p>
             <a:fld id="{B16FDC3D-FD6A-49DF-B101-11717D57279F}" type="datetime1">
               <a:rPr lang="ko-KR" altLang="en-US" smtClean="0"/>
-              <a:t>2020-08-25</a:t>
+              <a:t>2020-09-02</a:t>
             </a:fld>
             <a:endParaRPr lang="ko-KR" altLang="en-US"/>
           </a:p>
@@ -3545,7 +3769,7 @@
           <a:p>
             <a:fld id="{42D411A2-FD90-4A19-98A8-25197A66BC26}" type="datetime1">
               <a:rPr lang="ko-KR" altLang="en-US" smtClean="0"/>
-              <a:t>2020-08-25</a:t>
+              <a:t>2020-09-02</a:t>
             </a:fld>
             <a:endParaRPr lang="ko-KR" altLang="en-US"/>
           </a:p>
@@ -3662,7 +3886,7 @@
           <a:p>
             <a:fld id="{F6E6B532-6471-449A-9A2F-4428556C2F98}" type="datetime1">
               <a:rPr lang="ko-KR" altLang="en-US" smtClean="0"/>
-              <a:t>2020-08-25</a:t>
+              <a:t>2020-09-02</a:t>
             </a:fld>
             <a:endParaRPr lang="ko-KR" altLang="en-US"/>
           </a:p>
@@ -3757,7 +3981,7 @@
           <a:p>
             <a:fld id="{45A9E13B-856D-4562-A86D-A2B6F7BF810F}" type="datetime1">
               <a:rPr lang="ko-KR" altLang="en-US" smtClean="0"/>
-              <a:t>2020-08-25</a:t>
+              <a:t>2020-09-02</a:t>
             </a:fld>
             <a:endParaRPr lang="ko-KR" altLang="en-US"/>
           </a:p>
@@ -4032,7 +4256,7 @@
           <a:p>
             <a:fld id="{A672FB3A-7E9E-4380-9381-6FCA87FBB41A}" type="datetime1">
               <a:rPr lang="ko-KR" altLang="en-US" smtClean="0"/>
-              <a:t>2020-08-25</a:t>
+              <a:t>2020-09-02</a:t>
             </a:fld>
             <a:endParaRPr lang="ko-KR" altLang="en-US"/>
           </a:p>
@@ -4284,7 +4508,7 @@
           <a:p>
             <a:fld id="{3948CCBA-1514-4E9E-888A-807450F810B0}" type="datetime1">
               <a:rPr lang="ko-KR" altLang="en-US" smtClean="0"/>
-              <a:t>2020-08-25</a:t>
+              <a:t>2020-09-02</a:t>
             </a:fld>
             <a:endParaRPr lang="ko-KR" altLang="en-US"/>
           </a:p>
@@ -4497,7 +4721,7 @@
           <a:p>
             <a:fld id="{170EDEE7-370E-499F-B978-ABF387098974}" type="datetime1">
               <a:rPr lang="ko-KR" altLang="en-US" smtClean="0"/>
-              <a:t>2020-08-25</a:t>
+              <a:t>2020-09-02</a:t>
             </a:fld>
             <a:endParaRPr lang="ko-KR" altLang="en-US" dirty="0"/>
           </a:p>
@@ -4954,7 +5178,7 @@
         <p:spPr>
           <a:xfrm>
             <a:off x="542135" y="855851"/>
-            <a:ext cx="11298630" cy="4801314"/>
+            <a:ext cx="11298630" cy="5539978"/>
           </a:xfrm>
           <a:prstGeom prst="rect">
             <a:avLst/>
@@ -5242,18 +5466,82 @@
                 <a:ea typeface="Noto Sans CJK KR Black" panose="020B0A00000000000000" pitchFamily="34" charset="-127"/>
                 <a:cs typeface="Arial" panose="020B0604020202020204" pitchFamily="34" charset="0"/>
               </a:rPr>
-              <a:t>레퍼런스 </a:t>
-            </a:r>
-            <a:r>
-              <a:rPr lang="ko-KR" altLang="en-US" sz="2400" b="1">
-                <a:solidFill>
-                  <a:schemeClr val="bg1"/>
-                </a:solidFill>
-                <a:latin typeface="Arial" panose="020B0604020202020204" pitchFamily="34" charset="0"/>
-                <a:ea typeface="Noto Sans CJK KR Black" panose="020B0A00000000000000" pitchFamily="34" charset="-127"/>
-                <a:cs typeface="Arial" panose="020B0604020202020204" pitchFamily="34" charset="0"/>
-              </a:rPr>
-              <a:t>알고리즘 구축</a:t>
+              <a:t>레퍼런스 알고리즘 구축</a:t>
+            </a:r>
+            <a:endParaRPr lang="en-US" altLang="ko-KR" sz="2400" b="1" dirty="0">
+              <a:solidFill>
+                <a:schemeClr val="bg1"/>
+              </a:solidFill>
+              <a:latin typeface="Arial" panose="020B0604020202020204" pitchFamily="34" charset="0"/>
+              <a:ea typeface="Noto Sans CJK KR Black" panose="020B0A00000000000000" pitchFamily="34" charset="-127"/>
+              <a:cs typeface="Arial" panose="020B0604020202020204" pitchFamily="34" charset="0"/>
+            </a:endParaRPr>
+          </a:p>
+          <a:p>
+            <a:r>
+              <a:rPr lang="en-US" altLang="ko-KR" sz="2400" b="1" dirty="0">
+                <a:solidFill>
+                  <a:schemeClr val="bg1"/>
+                </a:solidFill>
+                <a:latin typeface="Arial" panose="020B0604020202020204" pitchFamily="34" charset="0"/>
+                <a:ea typeface="Noto Sans CJK KR Black" panose="020B0A00000000000000" pitchFamily="34" charset="-127"/>
+                <a:cs typeface="Arial" panose="020B0604020202020204" pitchFamily="34" charset="0"/>
+              </a:rPr>
+              <a:t>: </a:t>
+            </a:r>
+            <a:r>
+              <a:rPr lang="ko-KR" altLang="en-US" sz="2400" b="1" dirty="0">
+                <a:solidFill>
+                  <a:schemeClr val="bg1"/>
+                </a:solidFill>
+                <a:latin typeface="Arial" panose="020B0604020202020204" pitchFamily="34" charset="0"/>
+                <a:ea typeface="Noto Sans CJK KR Black" panose="020B0A00000000000000" pitchFamily="34" charset="-127"/>
+                <a:cs typeface="Arial" panose="020B0604020202020204" pitchFamily="34" charset="0"/>
+              </a:rPr>
+              <a:t>분석성능 확인</a:t>
+            </a:r>
+            <a:endParaRPr lang="en-US" altLang="ko-KR" sz="2400" b="1" dirty="0">
+              <a:solidFill>
+                <a:schemeClr val="bg1"/>
+              </a:solidFill>
+              <a:latin typeface="Arial" panose="020B0604020202020204" pitchFamily="34" charset="0"/>
+              <a:ea typeface="Noto Sans CJK KR Black" panose="020B0A00000000000000" pitchFamily="34" charset="-127"/>
+              <a:cs typeface="Arial" panose="020B0604020202020204" pitchFamily="34" charset="0"/>
+            </a:endParaRPr>
+          </a:p>
+          <a:p>
+            <a:r>
+              <a:rPr lang="en-US" altLang="ko-KR" sz="2400" b="1" dirty="0">
+                <a:solidFill>
+                  <a:schemeClr val="bg1"/>
+                </a:solidFill>
+                <a:latin typeface="Arial" panose="020B0604020202020204" pitchFamily="34" charset="0"/>
+                <a:ea typeface="Noto Sans CJK KR Black" panose="020B0A00000000000000" pitchFamily="34" charset="-127"/>
+                <a:cs typeface="Arial" panose="020B0604020202020204" pitchFamily="34" charset="0"/>
+              </a:rPr>
+              <a:t>: </a:t>
+            </a:r>
+            <a:r>
+              <a:rPr lang="ko-KR" altLang="en-US" sz="2400" b="1" dirty="0">
+                <a:solidFill>
+                  <a:schemeClr val="bg1"/>
+                </a:solidFill>
+                <a:latin typeface="Arial" panose="020B0604020202020204" pitchFamily="34" charset="0"/>
+                <a:ea typeface="Noto Sans CJK KR Black" panose="020B0A00000000000000" pitchFamily="34" charset="-127"/>
+                <a:cs typeface="Arial" panose="020B0604020202020204" pitchFamily="34" charset="0"/>
+              </a:rPr>
+              <a:t>분석종료 위한 </a:t>
+            </a:r>
+            <a:r>
+              <a:rPr lang="ko-KR" altLang="en-US" sz="2400" b="1" dirty="0" err="1">
+                <a:solidFill>
+                  <a:schemeClr val="bg1"/>
+                </a:solidFill>
+                <a:latin typeface="Arial" panose="020B0604020202020204" pitchFamily="34" charset="0"/>
+                <a:ea typeface="Noto Sans CJK KR Black" panose="020B0A00000000000000" pitchFamily="34" charset="-127"/>
+                <a:cs typeface="Arial" panose="020B0604020202020204" pitchFamily="34" charset="0"/>
+              </a:rPr>
+              <a:t>잔차진단</a:t>
             </a:r>
             <a:endParaRPr lang="en-US" altLang="ko-KR" sz="2400" b="1" dirty="0">
               <a:solidFill>
@@ -5445,6 +5733,57 @@
           </a:p>
         </p:txBody>
       </p:sp>
+      <mc:AlternateContent xmlns:mc="http://schemas.openxmlformats.org/markup-compatibility/2006">
+        <mc:Choice xmlns:p14="http://schemas.microsoft.com/office/powerpoint/2010/main" Requires="p14">
+          <p:contentPart p14:bwMode="auto" r:id="rId3">
+            <p14:nvContentPartPr>
+              <p14:cNvPr id="2" name="잉크 1">
+                <a:extLst>
+                  <a:ext uri="{FF2B5EF4-FFF2-40B4-BE49-F238E27FC236}">
+                    <a16:creationId xmlns:a16="http://schemas.microsoft.com/office/drawing/2014/main" id="{BF21D53E-3BFC-4B84-A1DC-DA7F3250C8DF}"/>
+                  </a:ext>
+                </a:extLst>
+              </p14:cNvPr>
+              <p14:cNvContentPartPr/>
+              <p14:nvPr/>
+            </p14:nvContentPartPr>
+            <p14:xfrm>
+              <a:off x="3893760" y="1567440"/>
+              <a:ext cx="3598200" cy="2576160"/>
+            </p14:xfrm>
+          </p:contentPart>
+        </mc:Choice>
+        <mc:Fallback>
+          <p:pic>
+            <p:nvPicPr>
+              <p:cNvPr id="2" name="잉크 1">
+                <a:extLst>
+                  <a:ext uri="{FF2B5EF4-FFF2-40B4-BE49-F238E27FC236}">
+                    <a16:creationId xmlns:a16="http://schemas.microsoft.com/office/drawing/2014/main" id="{BF21D53E-3BFC-4B84-A1DC-DA7F3250C8DF}"/>
+                  </a:ext>
+                </a:extLst>
+              </p:cNvPr>
+              <p:cNvPicPr/>
+              <p:nvPr/>
+            </p:nvPicPr>
+            <p:blipFill>
+              <a:blip r:embed="rId4"/>
+              <a:stretch>
+                <a:fillRect/>
+              </a:stretch>
+            </p:blipFill>
+            <p:spPr>
+              <a:xfrm>
+                <a:off x="3884400" y="1558080"/>
+                <a:ext cx="3616920" cy="2594880"/>
+              </a:xfrm>
+              <a:prstGeom prst="rect">
+                <a:avLst/>
+              </a:prstGeom>
+            </p:spPr>
+          </p:pic>
+        </mc:Fallback>
+      </mc:AlternateContent>
     </p:spTree>
     <p:extLst>
       <p:ext uri="{BB962C8B-B14F-4D97-AF65-F5344CB8AC3E}">
@@ -7573,6 +7912,887 @@
     <p:extLst>
       <p:ext uri="{BB962C8B-B14F-4D97-AF65-F5344CB8AC3E}">
         <p14:creationId xmlns:p14="http://schemas.microsoft.com/office/powerpoint/2010/main" val="3686652847"/>
+      </p:ext>
+    </p:extLst>
+  </p:cSld>
+  <p:clrMapOvr>
+    <a:masterClrMapping/>
+  </p:clrMapOvr>
+</p:sld>
+</file>
+
+<file path=ppt/slides/slide15.xml><?xml version="1.0" encoding="utf-8"?>
+<p:sld xmlns:a="http://schemas.openxmlformats.org/drawingml/2006/main" xmlns:r="http://schemas.openxmlformats.org/officeDocument/2006/relationships" xmlns:p="http://schemas.openxmlformats.org/presentationml/2006/main">
+  <p:cSld>
+    <p:bg>
+      <p:bgPr>
+        <a:solidFill>
+          <a:schemeClr val="bg1">
+            <a:lumMod val="65000"/>
+          </a:schemeClr>
+        </a:solidFill>
+        <a:effectLst/>
+      </p:bgPr>
+    </p:bg>
+    <p:spTree>
+      <p:nvGrpSpPr>
+        <p:cNvPr id="1" name=""/>
+        <p:cNvGrpSpPr/>
+        <p:nvPr/>
+      </p:nvGrpSpPr>
+      <p:grpSpPr>
+        <a:xfrm>
+          <a:off x="0" y="0"/>
+          <a:ext cx="0" cy="0"/>
+          <a:chOff x="0" y="0"/>
+          <a:chExt cx="0" cy="0"/>
+        </a:xfrm>
+      </p:grpSpPr>
+      <p:sp>
+        <p:nvSpPr>
+          <p:cNvPr id="4" name="슬라이드 번호 개체 틀 3"/>
+          <p:cNvSpPr>
+            <a:spLocks noGrp="1"/>
+          </p:cNvSpPr>
+          <p:nvPr>
+            <p:ph type="sldNum" sz="quarter" idx="12"/>
+          </p:nvPr>
+        </p:nvSpPr>
+        <p:spPr/>
+        <p:txBody>
+          <a:bodyPr/>
+          <a:lstStyle/>
+          <a:p>
+            <a:fld id="{6DDAE2C3-1A0B-474A-8CE8-AE55B8D9D4B1}" type="slidenum">
+              <a:rPr lang="ko-KR" altLang="en-US" smtClean="0"/>
+              <a:pPr/>
+              <a:t>15</a:t>
+            </a:fld>
+            <a:endParaRPr lang="ko-KR" altLang="en-US" dirty="0"/>
+          </a:p>
+        </p:txBody>
+      </p:sp>
+      <p:sp>
+        <p:nvSpPr>
+          <p:cNvPr id="11" name="TextBox 10"/>
+          <p:cNvSpPr txBox="1"/>
+          <p:nvPr/>
+        </p:nvSpPr>
+        <p:spPr>
+          <a:xfrm>
+            <a:off x="204828" y="854694"/>
+            <a:ext cx="11750594" cy="1107996"/>
+          </a:xfrm>
+          <a:prstGeom prst="rect">
+            <a:avLst/>
+          </a:prstGeom>
+          <a:noFill/>
+        </p:spPr>
+        <p:txBody>
+          <a:bodyPr wrap="square" lIns="0" tIns="0" rIns="0" bIns="0" rtlCol="0" anchor="t">
+            <a:spAutoFit/>
+          </a:bodyPr>
+          <a:lstStyle/>
+          <a:p>
+            <a:r>
+              <a:rPr lang="en-US" altLang="ko-KR" sz="2400" b="1" i="0" dirty="0">
+                <a:solidFill>
+                  <a:schemeClr val="bg1"/>
+                </a:solidFill>
+                <a:effectLst/>
+                <a:latin typeface="Arial" panose="020B0604020202020204" pitchFamily="34" charset="0"/>
+                <a:cs typeface="Arial" panose="020B0604020202020204" pitchFamily="34" charset="0"/>
+              </a:rPr>
+              <a:t>Part 01. </a:t>
+            </a:r>
+            <a:r>
+              <a:rPr lang="ko-KR" altLang="en-US" sz="2400" b="1" i="0" dirty="0">
+                <a:solidFill>
+                  <a:schemeClr val="bg1"/>
+                </a:solidFill>
+                <a:effectLst/>
+                <a:latin typeface="Arial" panose="020B0604020202020204" pitchFamily="34" charset="0"/>
+                <a:cs typeface="Arial" panose="020B0604020202020204" pitchFamily="34" charset="0"/>
+              </a:rPr>
+              <a:t>데이터분석 준비하기</a:t>
+            </a:r>
+            <a:endParaRPr lang="en-US" altLang="ko-KR" sz="2400" b="1" i="0" dirty="0">
+              <a:solidFill>
+                <a:schemeClr val="bg1"/>
+              </a:solidFill>
+              <a:effectLst/>
+              <a:latin typeface="Arial" panose="020B0604020202020204" pitchFamily="34" charset="0"/>
+              <a:cs typeface="Arial" panose="020B0604020202020204" pitchFamily="34" charset="0"/>
+            </a:endParaRPr>
+          </a:p>
+          <a:p>
+            <a:endParaRPr lang="en-US" altLang="ko-KR" sz="2400" b="1" dirty="0">
+              <a:solidFill>
+                <a:schemeClr val="bg1"/>
+              </a:solidFill>
+              <a:latin typeface="Arial" panose="020B0604020202020204" pitchFamily="34" charset="0"/>
+              <a:cs typeface="Arial" panose="020B0604020202020204" pitchFamily="34" charset="0"/>
+            </a:endParaRPr>
+          </a:p>
+          <a:p>
+            <a:r>
+              <a:rPr lang="en-US" altLang="ko-KR" sz="2400" b="1" i="0" dirty="0">
+                <a:solidFill>
+                  <a:schemeClr val="bg1"/>
+                </a:solidFill>
+                <a:effectLst/>
+                <a:latin typeface="Arial" panose="020B0604020202020204" pitchFamily="34" charset="0"/>
+                <a:cs typeface="Arial" panose="020B0604020202020204" pitchFamily="34" charset="0"/>
+              </a:rPr>
+              <a:t>:</a:t>
+            </a:r>
+            <a:r>
+              <a:rPr lang="en-US" altLang="ko-KR" sz="2400" b="1" dirty="0">
+                <a:solidFill>
+                  <a:schemeClr val="bg1"/>
+                </a:solidFill>
+                <a:latin typeface="Arial" panose="020B0604020202020204" pitchFamily="34" charset="0"/>
+                <a:cs typeface="Arial" panose="020B0604020202020204" pitchFamily="34" charset="0"/>
+              </a:rPr>
+              <a:t> </a:t>
+            </a:r>
+            <a:r>
+              <a:rPr lang="ko-KR" altLang="en-US" sz="2400" b="1" i="0" dirty="0">
+                <a:solidFill>
+                  <a:schemeClr val="bg1"/>
+                </a:solidFill>
+                <a:effectLst/>
+                <a:latin typeface="Arial" panose="020B0604020202020204" pitchFamily="34" charset="0"/>
+              </a:rPr>
+              <a:t>분석성능 확인 </a:t>
+            </a:r>
+            <a:r>
+              <a:rPr lang="en-US" altLang="ko-KR" sz="2400" b="1" i="0" dirty="0">
+                <a:solidFill>
+                  <a:schemeClr val="bg1"/>
+                </a:solidFill>
+                <a:effectLst/>
+                <a:latin typeface="Arial" panose="020B0604020202020204" pitchFamily="34" charset="0"/>
+              </a:rPr>
+              <a:t>- 01. </a:t>
+            </a:r>
+            <a:r>
+              <a:rPr lang="ko-KR" altLang="en-US" sz="2400" b="1" i="0" dirty="0">
+                <a:solidFill>
+                  <a:schemeClr val="bg1"/>
+                </a:solidFill>
+                <a:effectLst/>
+                <a:latin typeface="Arial" panose="020B0604020202020204" pitchFamily="34" charset="0"/>
+              </a:rPr>
+              <a:t>검증지표 개념 이해하기 및 분석 활용 팁</a:t>
+            </a:r>
+            <a:endParaRPr lang="en-US" altLang="ko-KR" sz="2400" b="1" dirty="0">
+              <a:solidFill>
+                <a:schemeClr val="bg1"/>
+              </a:solidFill>
+              <a:latin typeface="Arial" panose="020B0604020202020204" pitchFamily="34" charset="0"/>
+              <a:ea typeface="Noto Sans CJK KR Black" panose="020B0A00000000000000" pitchFamily="34" charset="-127"/>
+              <a:cs typeface="Arial" panose="020B0604020202020204" pitchFamily="34" charset="0"/>
+            </a:endParaRPr>
+          </a:p>
+        </p:txBody>
+      </p:sp>
+      <p:sp>
+        <p:nvSpPr>
+          <p:cNvPr id="12" name="TextBox 11"/>
+          <p:cNvSpPr txBox="1"/>
+          <p:nvPr/>
+        </p:nvSpPr>
+        <p:spPr>
+          <a:xfrm>
+            <a:off x="4783981" y="611957"/>
+            <a:ext cx="7056784" cy="216726"/>
+          </a:xfrm>
+          <a:prstGeom prst="rect">
+            <a:avLst/>
+          </a:prstGeom>
+          <a:noFill/>
+        </p:spPr>
+        <p:txBody>
+          <a:bodyPr wrap="square" lIns="0" tIns="0" rIns="0" bIns="0" rtlCol="0" anchor="t">
+            <a:spAutoFit/>
+          </a:bodyPr>
+          <a:lstStyle/>
+          <a:p>
+            <a:pPr>
+              <a:lnSpc>
+                <a:spcPct val="150000"/>
+              </a:lnSpc>
+            </a:pPr>
+            <a:endParaRPr lang="en-US" altLang="ko-KR" sz="1050" dirty="0">
+              <a:solidFill>
+                <a:schemeClr val="bg1"/>
+              </a:solidFill>
+              <a:latin typeface="Noto Sans CJK KR Medium" panose="020B0600000000000000" pitchFamily="34" charset="-127"/>
+              <a:ea typeface="Noto Sans CJK KR Medium" panose="020B0600000000000000" pitchFamily="34" charset="-127"/>
+            </a:endParaRPr>
+          </a:p>
+        </p:txBody>
+      </p:sp>
+      <p:sp>
+        <p:nvSpPr>
+          <p:cNvPr id="6" name="TextBox 5">
+            <a:extLst>
+              <a:ext uri="{FF2B5EF4-FFF2-40B4-BE49-F238E27FC236}">
+                <a16:creationId xmlns:a16="http://schemas.microsoft.com/office/drawing/2014/main" id="{161CCAE4-E01F-4257-AFB1-00679BC318D7}"/>
+              </a:ext>
+            </a:extLst>
+          </p:cNvPr>
+          <p:cNvSpPr txBox="1"/>
+          <p:nvPr/>
+        </p:nvSpPr>
+        <p:spPr>
+          <a:xfrm>
+            <a:off x="2258841" y="2844205"/>
+            <a:ext cx="7865218" cy="2339102"/>
+          </a:xfrm>
+          <a:prstGeom prst="rect">
+            <a:avLst/>
+          </a:prstGeom>
+          <a:noFill/>
+        </p:spPr>
+        <p:txBody>
+          <a:bodyPr wrap="square" lIns="0" tIns="0" rIns="0" bIns="0" rtlCol="0" anchor="t">
+            <a:spAutoFit/>
+          </a:bodyPr>
+          <a:lstStyle/>
+          <a:p>
+            <a:pPr marL="342900" indent="-342900">
+              <a:buFont typeface="Wingdings" panose="05000000000000000000" pitchFamily="2" charset="2"/>
+              <a:buChar char="l"/>
+            </a:pPr>
+            <a:r>
+              <a:rPr lang="ko-KR" altLang="en-US" sz="2400" dirty="0">
+                <a:solidFill>
+                  <a:schemeClr val="bg1"/>
+                </a:solidFill>
+                <a:latin typeface="Noto Sans CJK KR Black" panose="020B0A00000000000000" pitchFamily="34" charset="-127"/>
+                <a:ea typeface="Noto Sans CJK KR Black" panose="020B0A00000000000000" pitchFamily="34" charset="-127"/>
+              </a:rPr>
+              <a:t>지난시간 내용정리</a:t>
+            </a:r>
+            <a:endParaRPr lang="en-US" altLang="ko-KR" sz="2400" dirty="0">
+              <a:solidFill>
+                <a:schemeClr val="bg1"/>
+              </a:solidFill>
+              <a:latin typeface="Noto Sans CJK KR Black" panose="020B0A00000000000000" pitchFamily="34" charset="-127"/>
+              <a:ea typeface="Noto Sans CJK KR Black" panose="020B0A00000000000000" pitchFamily="34" charset="-127"/>
+            </a:endParaRPr>
+          </a:p>
+          <a:p>
+            <a:pPr marL="896798" lvl="1" indent="-342900">
+              <a:buFont typeface="Wingdings" panose="05000000000000000000" pitchFamily="2" charset="2"/>
+              <a:buChar char="ü"/>
+            </a:pPr>
+            <a:r>
+              <a:rPr lang="ko-KR" altLang="en-US" sz="2000" dirty="0">
+                <a:solidFill>
+                  <a:schemeClr val="bg1"/>
+                </a:solidFill>
+                <a:latin typeface="Noto Sans CJK KR Black" panose="020B0A00000000000000" pitchFamily="34" charset="-127"/>
+                <a:ea typeface="Noto Sans CJK KR Black" panose="020B0A00000000000000" pitchFamily="34" charset="-127"/>
+              </a:rPr>
+              <a:t>레퍼런스 알고리즘으로 회귀분석 실습</a:t>
+            </a:r>
+            <a:endParaRPr lang="en-US" altLang="ko-KR" sz="2000" dirty="0">
+              <a:solidFill>
+                <a:schemeClr val="bg1"/>
+              </a:solidFill>
+              <a:latin typeface="Noto Sans CJK KR Black" panose="020B0A00000000000000" pitchFamily="34" charset="-127"/>
+              <a:ea typeface="Noto Sans CJK KR Black" panose="020B0A00000000000000" pitchFamily="34" charset="-127"/>
+            </a:endParaRPr>
+          </a:p>
+          <a:p>
+            <a:pPr marL="896798" lvl="1" indent="-342900">
+              <a:buFont typeface="Wingdings" panose="05000000000000000000" pitchFamily="2" charset="2"/>
+              <a:buChar char="ü"/>
+            </a:pPr>
+            <a:r>
+              <a:rPr lang="ko-KR" altLang="en-US" sz="2000" dirty="0">
+                <a:solidFill>
+                  <a:schemeClr val="bg1"/>
+                </a:solidFill>
+                <a:latin typeface="Noto Sans CJK KR Black" panose="020B0A00000000000000" pitchFamily="34" charset="-127"/>
+                <a:ea typeface="Noto Sans CJK KR Black" panose="020B0A00000000000000" pitchFamily="34" charset="-127"/>
+              </a:rPr>
+              <a:t>회귀분석 결과를 시각화를 통해 검증</a:t>
+            </a:r>
+            <a:endParaRPr lang="en-US" altLang="ko-KR" sz="2000" dirty="0">
+              <a:solidFill>
+                <a:schemeClr val="bg1"/>
+              </a:solidFill>
+              <a:latin typeface="Noto Sans CJK KR Black" panose="020B0A00000000000000" pitchFamily="34" charset="-127"/>
+              <a:ea typeface="Noto Sans CJK KR Black" panose="020B0A00000000000000" pitchFamily="34" charset="-127"/>
+            </a:endParaRPr>
+          </a:p>
+          <a:p>
+            <a:pPr marL="896798" lvl="1" indent="-342900">
+              <a:buFont typeface="Wingdings" panose="05000000000000000000" pitchFamily="2" charset="2"/>
+              <a:buChar char="ü"/>
+            </a:pPr>
+            <a:endParaRPr lang="en-US" altLang="ko-KR" sz="2400" dirty="0">
+              <a:solidFill>
+                <a:schemeClr val="bg1"/>
+              </a:solidFill>
+              <a:latin typeface="Noto Sans CJK KR Black" panose="020B0A00000000000000" pitchFamily="34" charset="-127"/>
+              <a:ea typeface="Noto Sans CJK KR Black" panose="020B0A00000000000000" pitchFamily="34" charset="-127"/>
+            </a:endParaRPr>
+          </a:p>
+          <a:p>
+            <a:pPr marL="342900" indent="-342900">
+              <a:buFont typeface="Wingdings" panose="05000000000000000000" pitchFamily="2" charset="2"/>
+              <a:buChar char="l"/>
+            </a:pPr>
+            <a:r>
+              <a:rPr lang="ko-KR" altLang="en-US" sz="2400" dirty="0">
+                <a:solidFill>
+                  <a:schemeClr val="bg1"/>
+                </a:solidFill>
+                <a:latin typeface="Noto Sans CJK KR Black" panose="020B0A00000000000000" pitchFamily="34" charset="-127"/>
+                <a:ea typeface="Noto Sans CJK KR Black" panose="020B0A00000000000000" pitchFamily="34" charset="-127"/>
+              </a:rPr>
+              <a:t>이번시간 목표</a:t>
+            </a:r>
+            <a:endParaRPr lang="en-US" altLang="ko-KR" sz="2400" dirty="0">
+              <a:solidFill>
+                <a:schemeClr val="bg1"/>
+              </a:solidFill>
+              <a:latin typeface="Noto Sans CJK KR Black" panose="020B0A00000000000000" pitchFamily="34" charset="-127"/>
+              <a:ea typeface="Noto Sans CJK KR Black" panose="020B0A00000000000000" pitchFamily="34" charset="-127"/>
+            </a:endParaRPr>
+          </a:p>
+          <a:p>
+            <a:pPr marL="896798" lvl="1" indent="-342900">
+              <a:buFont typeface="Wingdings" panose="05000000000000000000" pitchFamily="2" charset="2"/>
+              <a:buChar char="ü"/>
+            </a:pPr>
+            <a:r>
+              <a:rPr lang="ko-KR" altLang="en-US" sz="2000" dirty="0">
+                <a:solidFill>
+                  <a:schemeClr val="bg1"/>
+                </a:solidFill>
+                <a:latin typeface="Noto Sans CJK KR Black" panose="020B0A00000000000000" pitchFamily="34" charset="-127"/>
+                <a:ea typeface="Noto Sans CJK KR Black" panose="020B0A00000000000000" pitchFamily="34" charset="-127"/>
+              </a:rPr>
+              <a:t>검증지표가 검증을 해야 하는 목적 확인</a:t>
+            </a:r>
+            <a:endParaRPr lang="en-US" altLang="ko-KR" sz="2000" dirty="0">
+              <a:solidFill>
+                <a:schemeClr val="bg1"/>
+              </a:solidFill>
+              <a:latin typeface="Noto Sans CJK KR Black" panose="020B0A00000000000000" pitchFamily="34" charset="-127"/>
+              <a:ea typeface="Noto Sans CJK KR Black" panose="020B0A00000000000000" pitchFamily="34" charset="-127"/>
+            </a:endParaRPr>
+          </a:p>
+          <a:p>
+            <a:pPr marL="896798" lvl="1" indent="-342900">
+              <a:buFont typeface="Wingdings" panose="05000000000000000000" pitchFamily="2" charset="2"/>
+              <a:buChar char="ü"/>
+            </a:pPr>
+            <a:r>
+              <a:rPr lang="ko-KR" altLang="en-US" sz="2000" dirty="0">
+                <a:solidFill>
+                  <a:schemeClr val="bg1"/>
+                </a:solidFill>
+                <a:latin typeface="Noto Sans CJK KR Black" panose="020B0A00000000000000" pitchFamily="34" charset="-127"/>
+                <a:ea typeface="Noto Sans CJK KR Black" panose="020B0A00000000000000" pitchFamily="34" charset="-127"/>
+              </a:rPr>
+              <a:t>일반적인 검증지표와 시계열분석에서의 검증지표</a:t>
+            </a:r>
+            <a:endParaRPr lang="en-US" altLang="ko-KR" sz="2000" dirty="0">
+              <a:solidFill>
+                <a:schemeClr val="bg1"/>
+              </a:solidFill>
+              <a:latin typeface="Noto Sans CJK KR Black" panose="020B0A00000000000000" pitchFamily="34" charset="-127"/>
+              <a:ea typeface="Noto Sans CJK KR Black" panose="020B0A00000000000000" pitchFamily="34" charset="-127"/>
+            </a:endParaRPr>
+          </a:p>
+        </p:txBody>
+      </p:sp>
+    </p:spTree>
+    <p:extLst>
+      <p:ext uri="{BB962C8B-B14F-4D97-AF65-F5344CB8AC3E}">
+        <p14:creationId xmlns:p14="http://schemas.microsoft.com/office/powerpoint/2010/main" val="1411935874"/>
+      </p:ext>
+    </p:extLst>
+  </p:cSld>
+  <p:clrMapOvr>
+    <a:masterClrMapping/>
+  </p:clrMapOvr>
+</p:sld>
+</file>
+
+<file path=ppt/slides/slide16.xml><?xml version="1.0" encoding="utf-8"?>
+<p:sld xmlns:a="http://schemas.openxmlformats.org/drawingml/2006/main" xmlns:r="http://schemas.openxmlformats.org/officeDocument/2006/relationships" xmlns:p="http://schemas.openxmlformats.org/presentationml/2006/main">
+  <p:cSld>
+    <p:bg>
+      <p:bgPr>
+        <a:solidFill>
+          <a:schemeClr val="bg1">
+            <a:lumMod val="65000"/>
+          </a:schemeClr>
+        </a:solidFill>
+        <a:effectLst/>
+      </p:bgPr>
+    </p:bg>
+    <p:spTree>
+      <p:nvGrpSpPr>
+        <p:cNvPr id="1" name=""/>
+        <p:cNvGrpSpPr/>
+        <p:nvPr/>
+      </p:nvGrpSpPr>
+      <p:grpSpPr>
+        <a:xfrm>
+          <a:off x="0" y="0"/>
+          <a:ext cx="0" cy="0"/>
+          <a:chOff x="0" y="0"/>
+          <a:chExt cx="0" cy="0"/>
+        </a:xfrm>
+      </p:grpSpPr>
+      <p:sp>
+        <p:nvSpPr>
+          <p:cNvPr id="4" name="슬라이드 번호 개체 틀 3"/>
+          <p:cNvSpPr>
+            <a:spLocks noGrp="1"/>
+          </p:cNvSpPr>
+          <p:nvPr>
+            <p:ph type="sldNum" sz="quarter" idx="12"/>
+          </p:nvPr>
+        </p:nvSpPr>
+        <p:spPr/>
+        <p:txBody>
+          <a:bodyPr/>
+          <a:lstStyle/>
+          <a:p>
+            <a:fld id="{6DDAE2C3-1A0B-474A-8CE8-AE55B8D9D4B1}" type="slidenum">
+              <a:rPr lang="ko-KR" altLang="en-US" smtClean="0"/>
+              <a:pPr/>
+              <a:t>16</a:t>
+            </a:fld>
+            <a:endParaRPr lang="ko-KR" altLang="en-US" dirty="0"/>
+          </a:p>
+        </p:txBody>
+      </p:sp>
+      <p:sp>
+        <p:nvSpPr>
+          <p:cNvPr id="11" name="TextBox 10"/>
+          <p:cNvSpPr txBox="1"/>
+          <p:nvPr/>
+        </p:nvSpPr>
+        <p:spPr>
+          <a:xfrm>
+            <a:off x="204828" y="854694"/>
+            <a:ext cx="11750594" cy="1107996"/>
+          </a:xfrm>
+          <a:prstGeom prst="rect">
+            <a:avLst/>
+          </a:prstGeom>
+          <a:noFill/>
+        </p:spPr>
+        <p:txBody>
+          <a:bodyPr wrap="square" lIns="0" tIns="0" rIns="0" bIns="0" rtlCol="0" anchor="t">
+            <a:spAutoFit/>
+          </a:bodyPr>
+          <a:lstStyle/>
+          <a:p>
+            <a:r>
+              <a:rPr lang="en-US" altLang="ko-KR" sz="2400" b="1" i="0" dirty="0">
+                <a:solidFill>
+                  <a:schemeClr val="bg1"/>
+                </a:solidFill>
+                <a:effectLst/>
+                <a:latin typeface="Arial" panose="020B0604020202020204" pitchFamily="34" charset="0"/>
+                <a:cs typeface="Arial" panose="020B0604020202020204" pitchFamily="34" charset="0"/>
+              </a:rPr>
+              <a:t>Part 01. </a:t>
+            </a:r>
+            <a:r>
+              <a:rPr lang="ko-KR" altLang="en-US" sz="2400" b="1" i="0" dirty="0">
+                <a:solidFill>
+                  <a:schemeClr val="bg1"/>
+                </a:solidFill>
+                <a:effectLst/>
+                <a:latin typeface="Arial" panose="020B0604020202020204" pitchFamily="34" charset="0"/>
+                <a:cs typeface="Arial" panose="020B0604020202020204" pitchFamily="34" charset="0"/>
+              </a:rPr>
+              <a:t>데이터분석 준비하기</a:t>
+            </a:r>
+            <a:endParaRPr lang="en-US" altLang="ko-KR" sz="2400" b="1" i="0" dirty="0">
+              <a:solidFill>
+                <a:schemeClr val="bg1"/>
+              </a:solidFill>
+              <a:effectLst/>
+              <a:latin typeface="Arial" panose="020B0604020202020204" pitchFamily="34" charset="0"/>
+              <a:cs typeface="Arial" panose="020B0604020202020204" pitchFamily="34" charset="0"/>
+            </a:endParaRPr>
+          </a:p>
+          <a:p>
+            <a:endParaRPr lang="en-US" altLang="ko-KR" sz="2400" b="1" dirty="0">
+              <a:solidFill>
+                <a:schemeClr val="bg1"/>
+              </a:solidFill>
+              <a:latin typeface="Arial" panose="020B0604020202020204" pitchFamily="34" charset="0"/>
+              <a:cs typeface="Arial" panose="020B0604020202020204" pitchFamily="34" charset="0"/>
+            </a:endParaRPr>
+          </a:p>
+          <a:p>
+            <a:r>
+              <a:rPr lang="en-US" altLang="ko-KR" sz="2400" b="1" i="0" dirty="0">
+                <a:solidFill>
+                  <a:schemeClr val="bg1"/>
+                </a:solidFill>
+                <a:effectLst/>
+                <a:latin typeface="Arial" panose="020B0604020202020204" pitchFamily="34" charset="0"/>
+                <a:cs typeface="Arial" panose="020B0604020202020204" pitchFamily="34" charset="0"/>
+              </a:rPr>
+              <a:t>:</a:t>
+            </a:r>
+            <a:r>
+              <a:rPr lang="en-US" altLang="ko-KR" sz="2400" b="1" dirty="0">
+                <a:solidFill>
+                  <a:schemeClr val="bg1"/>
+                </a:solidFill>
+                <a:latin typeface="Arial" panose="020B0604020202020204" pitchFamily="34" charset="0"/>
+                <a:cs typeface="Arial" panose="020B0604020202020204" pitchFamily="34" charset="0"/>
+              </a:rPr>
+              <a:t> </a:t>
+            </a:r>
+            <a:r>
+              <a:rPr lang="ko-KR" altLang="en-US" sz="2400" b="1" i="0" dirty="0">
+                <a:solidFill>
+                  <a:schemeClr val="bg1"/>
+                </a:solidFill>
+                <a:effectLst/>
+                <a:latin typeface="Arial" panose="020B0604020202020204" pitchFamily="34" charset="0"/>
+                <a:cs typeface="Arial" panose="020B0604020202020204" pitchFamily="34" charset="0"/>
+              </a:rPr>
+              <a:t>분석성능 확인 </a:t>
+            </a:r>
+            <a:r>
+              <a:rPr lang="en-US" altLang="ko-KR" sz="2400" b="1" i="0" dirty="0">
+                <a:solidFill>
+                  <a:schemeClr val="bg1"/>
+                </a:solidFill>
+                <a:effectLst/>
+                <a:latin typeface="Arial" panose="020B0604020202020204" pitchFamily="34" charset="0"/>
+                <a:cs typeface="Arial" panose="020B0604020202020204" pitchFamily="34" charset="0"/>
+              </a:rPr>
+              <a:t>- 02. </a:t>
+            </a:r>
+            <a:r>
+              <a:rPr lang="ko-KR" altLang="en-US" sz="2400" b="1" i="0" dirty="0">
+                <a:solidFill>
+                  <a:schemeClr val="bg1"/>
+                </a:solidFill>
+                <a:effectLst/>
+                <a:latin typeface="Arial" panose="020B0604020202020204" pitchFamily="34" charset="0"/>
+                <a:cs typeface="Arial" panose="020B0604020202020204" pitchFamily="34" charset="0"/>
+              </a:rPr>
+              <a:t>검증지표 해석을 위한 과소적합</a:t>
+            </a:r>
+            <a:r>
+              <a:rPr lang="en-US" altLang="ko-KR" sz="2400" b="1" i="0" dirty="0">
+                <a:solidFill>
+                  <a:schemeClr val="bg1"/>
+                </a:solidFill>
+                <a:effectLst/>
+                <a:latin typeface="Arial" panose="020B0604020202020204" pitchFamily="34" charset="0"/>
+                <a:cs typeface="Arial" panose="020B0604020202020204" pitchFamily="34" charset="0"/>
+              </a:rPr>
+              <a:t>/</a:t>
+            </a:r>
+            <a:r>
+              <a:rPr lang="ko-KR" altLang="en-US" sz="2400" b="1" i="0" dirty="0" err="1">
+                <a:solidFill>
+                  <a:schemeClr val="bg1"/>
+                </a:solidFill>
+                <a:effectLst/>
+                <a:latin typeface="Arial" panose="020B0604020202020204" pitchFamily="34" charset="0"/>
+                <a:cs typeface="Arial" panose="020B0604020202020204" pitchFamily="34" charset="0"/>
+              </a:rPr>
+              <a:t>과적합</a:t>
+            </a:r>
+            <a:r>
+              <a:rPr lang="en-US" altLang="ko-KR" sz="2400" b="1" i="0" dirty="0">
+                <a:solidFill>
+                  <a:schemeClr val="bg1"/>
+                </a:solidFill>
+                <a:effectLst/>
+                <a:latin typeface="Arial" panose="020B0604020202020204" pitchFamily="34" charset="0"/>
+                <a:cs typeface="Arial" panose="020B0604020202020204" pitchFamily="34" charset="0"/>
+              </a:rPr>
+              <a:t>/</a:t>
+            </a:r>
+            <a:r>
+              <a:rPr lang="ko-KR" altLang="en-US" sz="2400" b="1" i="0" dirty="0">
+                <a:solidFill>
+                  <a:schemeClr val="bg1"/>
+                </a:solidFill>
+                <a:effectLst/>
+                <a:latin typeface="Arial" panose="020B0604020202020204" pitchFamily="34" charset="0"/>
+                <a:cs typeface="Arial" panose="020B0604020202020204" pitchFamily="34" charset="0"/>
+              </a:rPr>
+              <a:t>편향</a:t>
+            </a:r>
+            <a:r>
+              <a:rPr lang="en-US" altLang="ko-KR" sz="2400" b="1" i="0" dirty="0">
+                <a:solidFill>
+                  <a:schemeClr val="bg1"/>
+                </a:solidFill>
+                <a:effectLst/>
+                <a:latin typeface="Arial" panose="020B0604020202020204" pitchFamily="34" charset="0"/>
+                <a:cs typeface="Arial" panose="020B0604020202020204" pitchFamily="34" charset="0"/>
+              </a:rPr>
+              <a:t>/</a:t>
+            </a:r>
+            <a:r>
+              <a:rPr lang="ko-KR" altLang="en-US" sz="2400" b="1" i="0" dirty="0">
+                <a:solidFill>
+                  <a:schemeClr val="bg1"/>
+                </a:solidFill>
+                <a:effectLst/>
+                <a:latin typeface="Arial" panose="020B0604020202020204" pitchFamily="34" charset="0"/>
+                <a:cs typeface="Arial" panose="020B0604020202020204" pitchFamily="34" charset="0"/>
+              </a:rPr>
+              <a:t>분산 이해하기</a:t>
+            </a:r>
+            <a:endParaRPr lang="en-US" altLang="ko-KR" sz="2400" b="1" dirty="0">
+              <a:solidFill>
+                <a:schemeClr val="bg1"/>
+              </a:solidFill>
+              <a:latin typeface="Arial" panose="020B0604020202020204" pitchFamily="34" charset="0"/>
+              <a:ea typeface="Noto Sans CJK KR Black" panose="020B0A00000000000000" pitchFamily="34" charset="-127"/>
+              <a:cs typeface="Arial" panose="020B0604020202020204" pitchFamily="34" charset="0"/>
+            </a:endParaRPr>
+          </a:p>
+        </p:txBody>
+      </p:sp>
+      <p:sp>
+        <p:nvSpPr>
+          <p:cNvPr id="12" name="TextBox 11"/>
+          <p:cNvSpPr txBox="1"/>
+          <p:nvPr/>
+        </p:nvSpPr>
+        <p:spPr>
+          <a:xfrm>
+            <a:off x="4783981" y="611957"/>
+            <a:ext cx="7056784" cy="216726"/>
+          </a:xfrm>
+          <a:prstGeom prst="rect">
+            <a:avLst/>
+          </a:prstGeom>
+          <a:noFill/>
+        </p:spPr>
+        <p:txBody>
+          <a:bodyPr wrap="square" lIns="0" tIns="0" rIns="0" bIns="0" rtlCol="0" anchor="t">
+            <a:spAutoFit/>
+          </a:bodyPr>
+          <a:lstStyle/>
+          <a:p>
+            <a:pPr>
+              <a:lnSpc>
+                <a:spcPct val="150000"/>
+              </a:lnSpc>
+            </a:pPr>
+            <a:endParaRPr lang="en-US" altLang="ko-KR" sz="1050" dirty="0">
+              <a:solidFill>
+                <a:schemeClr val="bg1"/>
+              </a:solidFill>
+              <a:latin typeface="Noto Sans CJK KR Medium" panose="020B0600000000000000" pitchFamily="34" charset="-127"/>
+              <a:ea typeface="Noto Sans CJK KR Medium" panose="020B0600000000000000" pitchFamily="34" charset="-127"/>
+            </a:endParaRPr>
+          </a:p>
+        </p:txBody>
+      </p:sp>
+      <p:sp>
+        <p:nvSpPr>
+          <p:cNvPr id="6" name="TextBox 5">
+            <a:extLst>
+              <a:ext uri="{FF2B5EF4-FFF2-40B4-BE49-F238E27FC236}">
+                <a16:creationId xmlns:a16="http://schemas.microsoft.com/office/drawing/2014/main" id="{161CCAE4-E01F-4257-AFB1-00679BC318D7}"/>
+              </a:ext>
+            </a:extLst>
+          </p:cNvPr>
+          <p:cNvSpPr txBox="1"/>
+          <p:nvPr/>
+        </p:nvSpPr>
+        <p:spPr>
+          <a:xfrm>
+            <a:off x="2258841" y="2844205"/>
+            <a:ext cx="7865218" cy="2339102"/>
+          </a:xfrm>
+          <a:prstGeom prst="rect">
+            <a:avLst/>
+          </a:prstGeom>
+          <a:noFill/>
+        </p:spPr>
+        <p:txBody>
+          <a:bodyPr wrap="square" lIns="0" tIns="0" rIns="0" bIns="0" rtlCol="0" anchor="t">
+            <a:spAutoFit/>
+          </a:bodyPr>
+          <a:lstStyle/>
+          <a:p>
+            <a:pPr marL="342900" indent="-342900">
+              <a:buFont typeface="Wingdings" panose="05000000000000000000" pitchFamily="2" charset="2"/>
+              <a:buChar char="l"/>
+            </a:pPr>
+            <a:r>
+              <a:rPr lang="ko-KR" altLang="en-US" sz="2400" dirty="0">
+                <a:solidFill>
+                  <a:schemeClr val="bg1"/>
+                </a:solidFill>
+                <a:latin typeface="Noto Sans CJK KR Black" panose="020B0A00000000000000" pitchFamily="34" charset="-127"/>
+                <a:ea typeface="Noto Sans CJK KR Black" panose="020B0A00000000000000" pitchFamily="34" charset="-127"/>
+              </a:rPr>
+              <a:t>지난시간 내용정리</a:t>
+            </a:r>
+            <a:endParaRPr lang="en-US" altLang="ko-KR" sz="2400" dirty="0">
+              <a:solidFill>
+                <a:schemeClr val="bg1"/>
+              </a:solidFill>
+              <a:latin typeface="Noto Sans CJK KR Black" panose="020B0A00000000000000" pitchFamily="34" charset="-127"/>
+              <a:ea typeface="Noto Sans CJK KR Black" panose="020B0A00000000000000" pitchFamily="34" charset="-127"/>
+            </a:endParaRPr>
+          </a:p>
+          <a:p>
+            <a:pPr marL="896798" lvl="1" indent="-342900">
+              <a:buFont typeface="Wingdings" panose="05000000000000000000" pitchFamily="2" charset="2"/>
+              <a:buChar char="ü"/>
+            </a:pPr>
+            <a:r>
+              <a:rPr lang="ko-KR" altLang="en-US" sz="2000" dirty="0">
+                <a:solidFill>
+                  <a:schemeClr val="bg1"/>
+                </a:solidFill>
+                <a:latin typeface="Noto Sans CJK KR Black" panose="020B0A00000000000000" pitchFamily="34" charset="-127"/>
+                <a:ea typeface="Noto Sans CJK KR Black" panose="020B0A00000000000000" pitchFamily="34" charset="-127"/>
+              </a:rPr>
+              <a:t>검증지표가 검증을 해야 하는 목적 확인</a:t>
+            </a:r>
+            <a:endParaRPr lang="en-US" altLang="ko-KR" sz="2000" dirty="0">
+              <a:solidFill>
+                <a:schemeClr val="bg1"/>
+              </a:solidFill>
+              <a:latin typeface="Noto Sans CJK KR Black" panose="020B0A00000000000000" pitchFamily="34" charset="-127"/>
+              <a:ea typeface="Noto Sans CJK KR Black" panose="020B0A00000000000000" pitchFamily="34" charset="-127"/>
+            </a:endParaRPr>
+          </a:p>
+          <a:p>
+            <a:pPr marL="896798" lvl="1" indent="-342900">
+              <a:buFont typeface="Wingdings" panose="05000000000000000000" pitchFamily="2" charset="2"/>
+              <a:buChar char="ü"/>
+            </a:pPr>
+            <a:r>
+              <a:rPr lang="ko-KR" altLang="en-US" sz="2000" dirty="0">
+                <a:solidFill>
+                  <a:schemeClr val="bg1"/>
+                </a:solidFill>
+                <a:latin typeface="Noto Sans CJK KR Black" panose="020B0A00000000000000" pitchFamily="34" charset="-127"/>
+                <a:ea typeface="Noto Sans CJK KR Black" panose="020B0A00000000000000" pitchFamily="34" charset="-127"/>
+              </a:rPr>
+              <a:t>일반적인 검증지표와 시계열분석에서의 검증지표</a:t>
+            </a:r>
+            <a:endParaRPr lang="en-US" altLang="ko-KR" sz="2000" dirty="0">
+              <a:solidFill>
+                <a:schemeClr val="bg1"/>
+              </a:solidFill>
+              <a:latin typeface="Noto Sans CJK KR Black" panose="020B0A00000000000000" pitchFamily="34" charset="-127"/>
+              <a:ea typeface="Noto Sans CJK KR Black" panose="020B0A00000000000000" pitchFamily="34" charset="-127"/>
+            </a:endParaRPr>
+          </a:p>
+          <a:p>
+            <a:pPr marL="896798" lvl="1" indent="-342900">
+              <a:buFont typeface="Wingdings" panose="05000000000000000000" pitchFamily="2" charset="2"/>
+              <a:buChar char="ü"/>
+            </a:pPr>
+            <a:endParaRPr lang="en-US" altLang="ko-KR" sz="2400" dirty="0">
+              <a:solidFill>
+                <a:schemeClr val="bg1"/>
+              </a:solidFill>
+              <a:latin typeface="Noto Sans CJK KR Black" panose="020B0A00000000000000" pitchFamily="34" charset="-127"/>
+              <a:ea typeface="Noto Sans CJK KR Black" panose="020B0A00000000000000" pitchFamily="34" charset="-127"/>
+            </a:endParaRPr>
+          </a:p>
+          <a:p>
+            <a:pPr marL="342900" indent="-342900">
+              <a:buFont typeface="Wingdings" panose="05000000000000000000" pitchFamily="2" charset="2"/>
+              <a:buChar char="l"/>
+            </a:pPr>
+            <a:r>
+              <a:rPr lang="ko-KR" altLang="en-US" sz="2400" dirty="0">
+                <a:solidFill>
+                  <a:schemeClr val="bg1"/>
+                </a:solidFill>
+                <a:latin typeface="Noto Sans CJK KR Black" panose="020B0A00000000000000" pitchFamily="34" charset="-127"/>
+                <a:ea typeface="Noto Sans CJK KR Black" panose="020B0A00000000000000" pitchFamily="34" charset="-127"/>
+              </a:rPr>
+              <a:t>이번시간 목표</a:t>
+            </a:r>
+            <a:endParaRPr lang="en-US" altLang="ko-KR" sz="2400" dirty="0">
+              <a:solidFill>
+                <a:schemeClr val="bg1"/>
+              </a:solidFill>
+              <a:latin typeface="Noto Sans CJK KR Black" panose="020B0A00000000000000" pitchFamily="34" charset="-127"/>
+              <a:ea typeface="Noto Sans CJK KR Black" panose="020B0A00000000000000" pitchFamily="34" charset="-127"/>
+            </a:endParaRPr>
+          </a:p>
+          <a:p>
+            <a:pPr marL="896798" lvl="1" indent="-342900">
+              <a:buFont typeface="Wingdings" panose="05000000000000000000" pitchFamily="2" charset="2"/>
+              <a:buChar char="ü"/>
+            </a:pPr>
+            <a:r>
+              <a:rPr lang="ko-KR" altLang="en-US" sz="2000" dirty="0">
+                <a:solidFill>
+                  <a:schemeClr val="bg1"/>
+                </a:solidFill>
+                <a:latin typeface="Noto Sans CJK KR Black" panose="020B0A00000000000000" pitchFamily="34" charset="-127"/>
+                <a:ea typeface="Noto Sans CJK KR Black" panose="020B0A00000000000000" pitchFamily="34" charset="-127"/>
+              </a:rPr>
+              <a:t>과적합에 유념하라</a:t>
+            </a:r>
+            <a:endParaRPr lang="en-US" altLang="ko-KR" sz="2000" dirty="0">
+              <a:solidFill>
+                <a:schemeClr val="bg1"/>
+              </a:solidFill>
+              <a:latin typeface="Noto Sans CJK KR Black" panose="020B0A00000000000000" pitchFamily="34" charset="-127"/>
+              <a:ea typeface="Noto Sans CJK KR Black" panose="020B0A00000000000000" pitchFamily="34" charset="-127"/>
+            </a:endParaRPr>
+          </a:p>
+          <a:p>
+            <a:pPr marL="896798" lvl="1" indent="-342900">
+              <a:buFont typeface="Wingdings" panose="05000000000000000000" pitchFamily="2" charset="2"/>
+              <a:buChar char="ü"/>
+            </a:pPr>
+            <a:r>
+              <a:rPr lang="ko-KR" altLang="en-US" sz="2000" dirty="0">
+                <a:solidFill>
+                  <a:schemeClr val="bg1"/>
+                </a:solidFill>
+                <a:latin typeface="Noto Sans CJK KR Black" panose="020B0A00000000000000" pitchFamily="34" charset="-127"/>
+                <a:ea typeface="Noto Sans CJK KR Black" panose="020B0A00000000000000" pitchFamily="34" charset="-127"/>
+              </a:rPr>
+              <a:t>편향과 분산을 고려하라</a:t>
+            </a:r>
+            <a:endParaRPr lang="en-US" altLang="ko-KR" sz="2000" dirty="0">
+              <a:solidFill>
+                <a:schemeClr val="bg1"/>
+              </a:solidFill>
+              <a:latin typeface="Noto Sans CJK KR Black" panose="020B0A00000000000000" pitchFamily="34" charset="-127"/>
+              <a:ea typeface="Noto Sans CJK KR Black" panose="020B0A00000000000000" pitchFamily="34" charset="-127"/>
+            </a:endParaRPr>
+          </a:p>
+        </p:txBody>
+      </p:sp>
+    </p:spTree>
+    <p:extLst>
+      <p:ext uri="{BB962C8B-B14F-4D97-AF65-F5344CB8AC3E}">
+        <p14:creationId xmlns:p14="http://schemas.microsoft.com/office/powerpoint/2010/main" val="4269812587"/>
       </p:ext>
     </p:extLst>
   </p:cSld>

--- a/[FastCampus] 커리큘럼_김경원박사.pptx
+++ b/[FastCampus] 커리큘럼_김경원박사.pptx
@@ -5,10 +5,10 @@
     <p:sldMasterId id="2147483648" r:id="rId1"/>
   </p:sldMasterIdLst>
   <p:notesMasterIdLst>
-    <p:notesMasterId r:id="rId18"/>
+    <p:notesMasterId r:id="rId19"/>
   </p:notesMasterIdLst>
   <p:handoutMasterIdLst>
-    <p:handoutMasterId r:id="rId19"/>
+    <p:handoutMasterId r:id="rId20"/>
   </p:handoutMasterIdLst>
   <p:sldIdLst>
     <p:sldId id="1066" r:id="rId2"/>
@@ -27,14 +27,15 @@
     <p:sldId id="1079" r:id="rId15"/>
     <p:sldId id="1080" r:id="rId16"/>
     <p:sldId id="1081" r:id="rId17"/>
+    <p:sldId id="1082" r:id="rId18"/>
   </p:sldIdLst>
   <p:sldSz cx="12160250" cy="6840538"/>
   <p:notesSz cx="9874250" cy="6797675"/>
   <p:embeddedFontLst>
     <p:embeddedFont>
       <p:font typeface="맑은 고딕" panose="020B0503020000020004" pitchFamily="50" charset="-127"/>
-      <p:regular r:id="rId20"/>
-      <p:bold r:id="rId21"/>
+      <p:regular r:id="rId21"/>
+      <p:bold r:id="rId22"/>
     </p:embeddedFont>
   </p:embeddedFontLst>
   <p:defaultTextStyle>
@@ -330,60 +331,6 @@
 </p:handoutMaster>
 </file>
 
-<file path=ppt/ink/ink1.xml><?xml version="1.0" encoding="utf-8"?>
-<inkml:ink xmlns:inkml="http://www.w3.org/2003/InkML">
-  <inkml:definitions>
-    <inkml:context xml:id="ctx0">
-      <inkml:inkSource xml:id="inkSrc0">
-        <inkml:traceFormat>
-          <inkml:channel name="X" type="integer" max="32767" units="cm"/>
-          <inkml:channel name="Y" type="integer" max="32767" units="cm"/>
-          <inkml:channel name="F" type="integer" max="2047" units="deg"/>
-          <inkml:channel name="T" type="integer" max="2.14748E9" units="dev"/>
-        </inkml:traceFormat>
-        <inkml:channelProperties>
-          <inkml:channelProperty channel="X" name="resolution" value="1516.99072" units="1/cm"/>
-          <inkml:channelProperty channel="Y" name="resolution" value="2427.1853" units="1/cm"/>
-          <inkml:channelProperty channel="F" name="resolution" value="5.68611" units="1/deg"/>
-          <inkml:channelProperty channel="T" name="resolution" value="1" units="1/dev"/>
-        </inkml:channelProperties>
-      </inkml:inkSource>
-      <inkml:timestamp xml:id="ts0" timeString="2020-09-01T15:04:09.189"/>
-    </inkml:context>
-    <inkml:brush xml:id="br0">
-      <inkml:brushProperty name="width" value="0.05292" units="cm"/>
-      <inkml:brushProperty name="height" value="0.05292" units="cm"/>
-      <inkml:brushProperty name="color" value="#FF0000"/>
-    </inkml:brush>
-  </inkml:definitions>
-  <inkml:trace contextRef="#ctx0" brushRef="#br0">12650 4366 462 0,'0'0'13'16,"0"0"-5"-16,0 0 40 16,0 0 20-16,0 0 2 15,0 0 1-15,0 0-19 16,-25-12-15-16,25 12-2 16,0 0 1-16,0 0-12 15,0 0 0-15,0 0 1 0,0 0-7 16,0 0-6-16,0 0 1 15,0 0-2-15,0 0 0 16,0 0-4-16,-1 0-4 16,1 0 4-16,0 0-4 15,0 0-1-15,0 0-2 16,0 0-3-16,0 0-3 16,0 2-4-16,13 6 7 15,8 6 3-15,3 4 1 16,-1 1-1-16,0 5 2 15,3 2 0-15,-4 1-2 16,5 4 0-16,-3 5-2 16,1-1 2-16,-1 1 6 0,-3 0-6 15,0-4 0-15,-3-4 0 16,-3 3 0-16,0 1-3 16,-3 4 3-16,3 3 4 15,-3 2-1-15,4 1 1 16,-2 0-3-16,2-2 0 15,-1-2 2-15,0-2 1 16,-2-1-1-16,-1-1-2 16,-1 0 1-16,-4 0 3 15,-1 1 0-15,-1-1-2 16,-2 2 0-16,-2 0 2 16,1 0 5-16,-2 1-5 15,1-1 6-15,1 0-3 0,-1-1-3 16,5 0-5-16,-2 0 2 15,1 3 0-15,0 0-1 16,-2-1 4-16,0-3-1 16,0-2 0-16,-2-1 0 15,2 3 1-15,1 1-2 16,-2-1-2-16,-1-2 4 16,-1 2-4-16,2-2 0 15,-2 5 2-15,1 5-3 16,1-1 2-16,-1 2-1 15,1 0 2-15,-2 0-2 16,1 5 8-16,-1 4-9 0,0 0 4 16,0-1-3-16,0-3 5 15,0-3-2-15,0-3-4 16,0-1 1-16,0-3 2 16,-3-3-1-16,-1 0-1 15,-1 5 1-15,-3 5 1 16,-1 0-2-16,-2 0 0 15,1 3 5-15,1-2-2 16,-2 3 0-16,-2 5 2 16,2-5-2-16,2-1-2 15,-1-7 3-15,0-6 1 16,2-4-4-16,2-1 0 16,-3-3 1-16,0 0 0 15,2 2 0-15,-4 1 0 16,2 6 1-16,-4 4-3 0,-4 7 0 15,-4 1-1-15,-1-2 3 16,1-2-2-16,-4-2 3 16,-2-1-1-16,-5 0-1 15,3-2 4-15,0-2-3 16,5-1 7-16,0 1 1 16,4-2-3-16,1-1-2 15,-1-2-2-15,0 2 0 16,-2 1-1-16,-4 5-2 15,0 2 2-15,-4 2-1 16,-3 0 3-16,6-1-1 16,-3-1 1-16,2-5 3 0,2-6-2 15,1-3 2-15,8-9 0 16,1 0-3-16,1-2 3 16,4 0-3-16,-6 6-5 15,-2 9 0-15,-3 4 0 16,-3 6 0-16,-3-1 2 15,-2 0-1-15,0-2 5 16,1-3-4-16,-1-6-1 16,4-1 5-16,2-4-5 15,0-1 3-15,3 0-3 16,0 0 1-16,0 0 3 16,-1-2 0-16,-1 2-4 15,1 3 2-15,-2 0 0 16,-1-4-2-16,1 4 0 15,0-3 1-15,-3 3-1 0,-3 0-1 16,3-2 1-16,-1 2 2 16,0 0-2-16,0-1-1 15,0 2 1-15,3-2 1 16,2-5 0-16,7-4-2 16,1-6 3-16,6-5 3 15,3 1-6-15,0-3 1 16,1 3-2-16,-5 3 4 15,1 1-3-15,-5 4 0 16,-2 2 0-16,1 1 0 0,0-5 1 16,2-2 0-16,5-2-1 15,1-5 1-15,4-2 3 16,2-1 3-16,-1-1-5 16,2 0 1-16,0 1-1 15,-1-1 2-15,1 0-4 16,0 0 3-16,0 0 2 15,0 0-3-15,0 0 2 16,0 0 1-16,0 0-2 16,0 0-3-16,0 0 0 15,0 0-1-15,0 0 1 16,0 0 2-16,0 0-2 16,0 0 0-16,0 0 0 15,0 0 1-15,0 0 0 16,0 0-1-16,0 0-1 0,0 0-1 15,0 0 2-15,0 0-10 16,0 0 0-16,0 0-20 16,0 0-22-16,0 0-52 15,0 0-75-15,-3-4-142 16,-7-21-335-16</inkml:trace>
-  <inkml:trace contextRef="#ctx0" brushRef="#br0" timeOffset="1707.44">13843 6312 827 0,'0'0'0'0,"0"0"-41"16,0 0-6-16,0 0 47 16,55 120 74-16,-22-43-3 15,1 4-35-15,1-11-26 16,-4-8-3-16,-6-11-4 16,-5-10 11-16,-7-9-1 15,-5-11-6-15,-5-7 13 0,-2-7 10 16,-1-4 12-16,0-3-5 15,0 0-11-15,2 0-2 16,-1 0-8-16,7 0-1 16,14-14-10-16,11-13 12 15,12-9 2-15,7-8 2 16,-1 0-6-16,-3 4-13 16,-5 3 0-16,-2 6-3 15,-5 4 1-15,-4 4-3 16,-10 8-20-16,-5 5-6 15,-11 6-28-15,-5 4-37 16,-1 0-25-16,0 0-51 0,-6 6-189 16</inkml:trace>
-  <inkml:trace contextRef="#ctx0" brushRef="#br0" timeOffset="1932.83">14752 7112 1183 0,'0'0'12'0,"0"0"22"15,0 0-26 1,0 0-8-16,0 0-11 0,0 0-140 15,-3-48-377-15</inkml:trace>
-  <inkml:trace contextRef="#ctx0" brushRef="#br0" timeOffset="8730.66">11300 9824 488 0,'0'0'81'0,"0"0"-70"15,0 0 27-15,0 0 23 16,0 0-28-16,0 0-12 15,0 0-5-15,0 0-16 16,0-5 14-16,0 5 11 16,0 0 29-16,0 0-13 15,0 0 15-15,0 0-18 16,0 0 2-16,0 0-9 0,0 0-11 16,0 0 0-1,0 0-2-15,0 0 2 0,0 0-1 16,0 0-4-16,0 0-2 15,0 0 0-15,0 0 1 16,0 0 2-16,0 0-5 16,0 0-3-16,0 0 1 15,0 0 4-15,0 0-4 16,0 0-3-16,0 0 5 16,0 0-5-16,0 0-3 15,0 0-2-15,0 0 4 16,0 0-1-16,0 0-3 15,0 0 2-15,0 0-2 16,0 0 4-16,0 0-2 0,0 0-3 16,0 0-3-16,0 0 3 15,0 0 4-15,0 0-4 16,0 0-5-16,0 0 4 16,0 0-4-16,0 0 2 15,3 2 0-15,6 8 3 16,8 3 2-16,3 5-2 15,5 2 3-15,1 4-2 16,1 2 1-16,0 3-2 16,3 0 0-16,-6 2 2 15,3 0-5-15,-3 0 8 16,-1 0-9-16,-3 3 8 16,1 0-4-16,-6-1 3 15,0 3-3-15,-2-3 0 16,-2-3-1-16,-1-2 1 0,-1-3 0 15,-1-1 3-15,-4 2-2 16,-1-1 1-16,-1 2 1 16,0 0 0-16,-2 1 0 15,0 0 0-15,0-2-2 16,0 0-1-16,0-2 3 16,0 1 1-16,0 3-3 15,-4 5 1-15,-3 0 6 16,-2 3-1-16,-2-7-7 15,1 1 0-15,1 1 3 0,-2-3 3 16,-2 3-6 0,1-2 5-16,0 1-3 0,-3-3-1 15,1-5 0-15,1 0 4 16,1-4-4-16,-3 1 1 16,2 1 1-16,-2 1-2 15,-3 2 2-15,3-2 2 16,-3-1-4-16,3-1 8 15,-1-1 1-15,1 1-7 16,0-3 2-16,3-1-1 16,0-3 5-16,-1 1-8 15,0 1 8-15,-3 3-9 16,1 3 0-16,-6 2 2 16,0 3-2-16,0-3 1 15,2-4-1-15,4-4 4 0,3-1-2 16,0-4-1-16,3-1 2 15,0-1-1-15,3-6-1 16,2 2 0-16,4-3 2 16,0 0 0-16,0 0-1 15,-3 0-1-15,3 0-1 16,0 0 2-16,0 0-2 16,0 0 0-16,0 0 2 15,0 0-2-15,0 0-2 16,0 0 2-16,0 0 0 15,0 0-8-15,0 0-13 16,0 0-21-16,0 0-34 0,0 0-34 16,0-4-77-16,3-19-148 15,7-14-260-15</inkml:trace>
-  <inkml:trace contextRef="#ctx0" brushRef="#br0" timeOffset="9620.29">12298 9869 229 0,'0'0'580'0,"0"0"-564"0,0 0-15 15,0 0 35-15,0 0-5 16,0 0-18-16,21-1-11 16,-6 6 6-16,9 18 3 15,6 11 33-15,2 11 9 16,1 8-9-16,-4 6-8 16,-7 2 3-16,-1-6-14 15,-6-10-11-15,-2-13-5 16,-5-11-2-16,-5-11-7 15,0-6 1-15,-3-4 3 16,2 0-2-16,-2 0 5 0,0 0 20 16,4 0-12-16,8-20 8 15,7-10-14-15,10-13 1 16,4-3-1-16,1 1-9 16,-1 5 1-16,-2 7 4 15,-1 2-5-15,-2 5 0 16,-2 3-5-16,-5 4 1 15,-2 4-5-15,-7 3 1 16,-3 7-5-16,-7 1-1 16,-1 2-6-16,-1 2-20 15,0 0-19-15,0 0-38 16,0 0-100-16,-6 0-209 16</inkml:trace>
-  <inkml:trace contextRef="#ctx0" brushRef="#br0" timeOffset="9825.73">13100 10239 1230 0,'0'0'14'0,"0"0"-8"16,0 0 3-16,0 0 15 15,0 0-24-15,0 0-66 0,-23-13-114 16,17 5-322 0</inkml:trace>
-  <inkml:trace contextRef="#ctx0" brushRef="#br0" timeOffset="10867.96">12388 10969 420 0,'0'0'246'0,"0"0"-227"16,0 0-10-16,0 0 66 15,0 0 16-15,0 0-38 16,10-37-21-16,-8 37-28 16,-2 0 15-16,0 0 4 15,0 0-2-15,0 0-1 16,0 0-6-16,1 0 9 15,-1 0-6-15,0 0-7 16,5 0-10-16,8 7 1 16,8 13-1-16,11 11 28 0,6 9-4 15,2 7-7-15,-2-2-13 16,-5-4 3-16,-8-9-4 16,-4-5 0-16,-5-6-2 15,-7-5-1-15,-4-5 0 16,-2-4-1-16,-3-3 1 15,0-4 0-15,0 0 10 16,0 0 0-16,0 0 1 16,0 0 6-16,0 0 9 15,5-7-19-15,1-16-6 16,7-12 5-16,5-9-6 16,9-4 2-16,1 2 0 15,0 7-2-15,-2 4 0 0,-1 4-2 16,1 4-1-16,-3 3-5 15,1 3 3-15,-3 4-19 16,-3 3-3-16,-4 3-11 16,-5 5-27-16,-5 5-28 15,-3 1-55-15,-1 3-76 16,0 15-156-16</inkml:trace>
-  <inkml:trace contextRef="#ctx0" brushRef="#br0" timeOffset="11049.47">13174 11136 810 0,'0'0'332'0,"0"0"-332"15,0 0-8-15,0 0-47 16,0 0-119-16,0 0-342 15</inkml:trace>
-  <inkml:trace contextRef="#ctx0" brushRef="#br0" timeOffset="24153.45">13923 9840 614 0,'0'0'37'16,"0"0"-3"-16,0 0 44 15,0 0-6-15,0 0-34 16,0 0 8-16,0 0-11 15,-44 88-7-15,0-24-7 16,-15 8-11-16,-15 5 1 16,-11 2 5-16,-8-6-1 15,-4-6-5-15,5-6 7 16,14-12 10-16,21-12-5 16,26-15-1-16,17-12-6 15,13-7-15-15,1-3-4 0,15 0-20 16,36 0 1-1,31 0 23-15,30 0 11 0,17-11 5 16,9 1-15-16,-2 1 1 16,-8 2-2-16,-9 5-2 15,-18 0-24-15,-23 2 24 16,-26 0-12-16,-26-1-37 16,-22 1 7-16,-4-2 44 15,-21-4 20-15,-25-7 10 16,-21-9-18-16,-15-8 1 15,-13-10-13-15,-7-12 20 16,-6-12-20-16,-1-11 0 16,3-5 3-16,13 1-3 0,23 11 0 15,22 18-1-15,26 18 1 16,10 18-26-16,12 14-18 16,15 9 42-16,25 46-35 15,21 40 37-15,11 46 25 16,-2 33 11-16,-7 5-18 15,-18-16-11-15,-9-36-5 16,-12-43 6-16,-10-40 19 16,-3-29 9-16,1-23-36 15,10-51 4-15,14-42 48 16,9-40-32-16,6-20-20 16,-6-8-23-16,-17 0-64 0,-16 13-171 15,-12 22-374-15</inkml:trace>
-  <inkml:trace contextRef="#ctx0" brushRef="#br0" timeOffset="27021.78">15069 6870 414 0,'0'0'12'0,"0"0"-10"16,-61 91 2-16,35-50 23 16,-8 7 9-16,-9 11 18 15,-13 9-18-15,-16 5 10 16,-15 3-11-16,-17-1 14 16,-13-5-1-16,-16-4-1 15,-11-10-14-15,-9-16 8 0,1-21-10 16,6-19-6-1,7-11-8-15,8-34 7 0,8-18 5 16,10-23-29-16,14-28 6 16,20-27-5-16,27-24-1 15,35-19-5-15,25-10 5 16,60-13 12-16,43-6-12 16,31 11-3-16,18 19 3 15,11 41 1-15,0 45 15 16,8 43-12-16,5 44-4 15,1 30-16-15,5 59 8 16,-12 46-4-16,-5 42 12 16,-13 29 0-16,-18 8 0 15,-17-14-56-15,-29-19-4 0,-32-25-18 16,-31-11-22-16,-33-11-96 16,-16-17-213-16</inkml:trace>
-  <inkml:trace contextRef="#ctx0" brushRef="#br0" timeOffset="27138.47">15701 7085 828 0,'0'0'0'16,"0"0"-240"-16,0 0 237 16,0 0-67-16,0 0-296 15</inkml:trace>
-  <inkml:trace contextRef="#ctx0" brushRef="#br0" timeOffset="27673.04">15798 6726 852 0,'0'0'40'0,"0"0"-40"16,0 0-50-16,0 0 50 16,129-22 63-16,-31 9 3 15,22-1-9-15,10 3-28 16,4 2-11-16,-1 3-14 16,-10 6-4-16,-19 0-32 15,-17 0-65-15,-29 0-81 16,-22 0-106-16,-23 0-204 15</inkml:trace>
-  <inkml:trace contextRef="#ctx0" brushRef="#br0" timeOffset="27911.44">16791 6331 879 0,'0'0'26'15,"0"0"-20"-15,0 0 34 16,0 0-34-16,0 0-4 15,0 0 19-15,116 98-3 16,-63-34 4-16,-8 6-22 16,-15 3 4-16,-22-1-4 15,-8 0 3-15,-28-3 0 16,-19-4-3-16,-11-8-22 16,-5-11-60-16,-3-14-98 15,6-25-179-15</inkml:trace>
-  <inkml:trace contextRef="#ctx0" brushRef="#br0" timeOffset="28925.72">17492 6551 383 0,'0'0'317'0,"0"0"-303"16,0 0 22-16,0 0-34 15,0 0-2-15,0 0 0 16,-6 99 16-16,-6-24 44 16,-4 5-54-16,-7-5-2 15,-3-8 22-15,-3-8 16 0,2-12 0 16,5-15-3-16,8-15-7 16,10-14 6-16,4-3-4 15,0-13-34-15,12-26-20 16,21-23 9-16,15-18-24 15,13-6 35-15,4 8-4 16,0 14-10-16,-7 17-14 16,-12 18 21-16,-11 17-24 15,-13 12 7-15,-10 12-42 16,-12 28 54-16,0 15 12 16,-14 13 36-16,-11-2-6 15,-2-10-8-15,6-15 2 16,5-17 17-16,8-14-1 0,7-9-14 15,1-1-26 1,13-4-24-16,22-19 24 0,15-2 1 16,10 1 25-16,4 12-23 15,-5 12-3-15,-10 1-22 16,-15 25-17-16,-15 8 15 16,-18 8-5-16,-1 0-8 15,-5-3-10-15,-10-11-101 16,8-9-39-16,3-17-120 15</inkml:trace>
-  <inkml:trace contextRef="#ctx0" brushRef="#br0" timeOffset="29342.58">18488 6647 573 0,'0'0'97'16,"-97"-3"-82"-16,47 3 108 16,3 12-50-16,7 9-14 15,7 7-20-15,6 10-15 16,9 6-14-16,11 4 4 16,7-5 0-16,0-6 6 15,13-11-17-15,10-10-3 16,5-9-3-16,6-7-6 15,5-3-4-15,7-24 3 0,1-10 1 16,-4-6-32-16,-1-2 8 16,-8 5-10-16,-8 6 3 15,-7 10 37-15,-8 10-11 16,-7 8 14-16,-4 6-13 16,0 0 13-16,0 27-9 15,-7 15 9-15,-5 12 15 16,-1 0-2-16,5-7-13 15,8-15-31-15,0-16-89 16,13-16-47-16,13-12-10 16,8-30-62-16</inkml:trace>
-  <inkml:trace contextRef="#ctx0" brushRef="#br0" timeOffset="29659.73">18815 6482 301 0,'0'0'145'0,"0"0"-83"16,0 0-7-16,0 0 10 15,-29 108 34-15,11-34-12 16,3 4-33-16,2-8-19 16,3-12 7-16,6-17 0 15,2-18-7-15,2-13-18 16,0-10-17-16,0-3-5 16,14-29-17-16,16-19 22 15,10-13 25-15,6-1-18 16,-4 10-7-16,-9 17-16 0,-8 16-19 15,-9 15 23 1,-6 7 5-16,-6 24-28 0,-4 22 35 16,0 17 18-16,-10 8 11 15,-10-4-14-15,0-13-15 16,8-16-6-16,9-18-57 16,3-16-58-16,7-6-122 15,15-31-10-15</inkml:trace>
-  <inkml:trace contextRef="#ctx0" brushRef="#br0" timeOffset="30009.83">19229 6525 519 0,'0'0'94'0,"0"0"4"15,0 0-41-15,0 0-48 16,-23 99 25-16,20-36 11 15,-2 5-13-15,4-7-1 16,1-10 21-16,0-17-11 16,0-16-26-16,3-11-15 15,7-7-7-15,9-10-15 16,10-25 22-16,8-18 0 16,5-10 8-16,1-2-8 15,-7 8-23-15,-6 15-14 16,-11 12 16-16,-4 15-7 15,-9 10 28-15,-6 5-17 0,0 4-6 16,0 29 23-16,0 18 3 16,-1 15 44-16,-8 3-35 15,5-8-12-15,4-12-35 16,1-15-104-16,24-20-103 16,10-14-39-16</inkml:trace>
-  <inkml:trace contextRef="#ctx0" brushRef="#br0" timeOffset="30577.28">19825 6422 465 0,'0'0'77'16,"0"0"30"-16,-109 18 12 0,78 17-43 15,9 12-21-15,6 12-5 16,8 3-7-16,8-5-13 15,0-11 4-15,16-12-24 16,5-16-10-16,5-11-10 16,2-7-14-16,3-17 11 15,4-21-58-15,-1-10 45 16,-3-3-14-16,-5 10 22 16,-10 8-16-16,-4 15-15 15,-8 11 49-15,-4 7-9 16,0 0-19-16,2 25 14 0,2 19 14 15,10 11 106 1,7 2-21-16,9-6-49 0,9-14-7 16,4-16-10-16,8-17-19 15,1-4-9-15,2-34-7 16,1-18 7-16,-4-14 4 16,-2-11-10-16,-10-7-5 15,-19-2-4-15,-19 2 16 16,-4 0 8-16,-33 2 0 15,-7 9 18-15,-2 15-4 16,5 23 13-16,5 25 8 16,4 19-11-16,2 48 1 15,4 38 5-15,7 34 19 16,15 16-5-16,3 1-16 0,16-13 4 16,16-28-11-16,8-26-15 15,7-25-6-15,5-24-6 16,7-18-26-16,3-12-80 15,-1-16-186-15,-7-20-439 16</inkml:trace>
-  <inkml:trace contextRef="#ctx0" brushRef="#br0" timeOffset="30683.99">20810 6718 986 0,'0'0'149'16,"0"0"-126"-16,0 0-46 15,0 0-83-15,0 0-467 0</inkml:trace>
-  <inkml:trace contextRef="#ctx0" brushRef="#br0" timeOffset="34750.05">12470 4572 305 0,'0'0'104'0,"0"0"-63"0,0 0 44 15,0 0-12-15,0 0-3 16,0 0-3-16,0 0-12 16,0-24-17-16,0 24-13 15,0 0-4-15,0 0-21 16,0 0-18-16,2 7-28 15,11 12 22-15,5 9 24 16,4 6 22-16,-2 0 10 16,1 0-23-16,-5-6-4 15,-4-4 14-15,0-5-12 16,0-3 2-16,-3-5-1 0,0-2-8 16,-2-5 0-1,0-4-8-15,-2 0-5 0,3 0 13 16,2-4 30-16,8-16-1 15,6-7-13-15,0-7 2 16,4 1-18-16,-1 3-7 16,-3 9-23-16,-8 7-28 15,1 6-62-15,-4 6-23 16,-1 2-48-16,2 0-75 16</inkml:trace>
-  <inkml:trace contextRef="#ctx0" brushRef="#br0" timeOffset="35300.94">12700 5824 286 0,'0'0'76'0,"0"0"-31"16,0 0 47-16,0 0 3 15,0 0-18-15,0 0-1 16,0-46-25-16,0 46-51 16,0 0-9-16,0 13 7 15,15 16 2-15,7 10 46 0,4 4 18 16,-3-9-29-1,-4-11-26-15,-5-13-9 0,-8-8 0 16,0-2-5-16,-1 0-11 16,10-3 16-16,4-17 26 15,11-8 6-15,6-12-13 16,3-4-14-16,4-3-5 16,-4 0-24-16,-3 7-46 15,-8 7-40-15,-5 9-78 16,-10 12-40-16</inkml:trace>
-  <inkml:trace contextRef="#ctx0" brushRef="#br0" timeOffset="35918.29">12026 6973 496 0,'0'0'17'0,"0"0"-1"16,0 0 54-16,0 0 6 16,0 0-5-16,0 0-26 15,-24-41-45-15,24 41-10 16,17 8 10-16,5 18 24 16,5 11 39-16,1 9-7 0,-2 0-44 15,-5-8 5-15,-5-13-12 16,-7-13-5-16,-3-8 0 15,-3-4 13-15,-1 0 7 16,6-2-9-16,6-15-8 16,7-9 18-16,9-12-6 15,1-6-3-15,8-2-12 16,0 2-6-16,0 5-34 16,-2 6-48-16,-4 11-23 15,-5 9-55-15,-5 12-18 16,-11 1-33-16</inkml:trace>
-  <inkml:trace contextRef="#ctx0" brushRef="#br0" timeOffset="36736.14">10816 7649 529 0,'0'0'0'0,"0"0"0"15,0 0 0-15,0 0 23 16,0 0 2-16,0 0-6 15,39 15-7-15,-16 13 46 16,5 12-13-16,0 6 6 16,-1 0-22-16,-3-4-10 15,-6-11-4-15,-2-8-10 16,-5-12 0-16,-5-6 0 16,-3-3 11-16,0-2-4 15,0 0 12-15,7 0-14 16,5-10 0-16,11-13 10 15,8-15-4-15,6-3-13 0,5-5-3 16,1 3-22-16,1 4-56 16,0 5-63-16,-2 6-14 15,-4 9-87-15</inkml:trace>
-  <inkml:trace contextRef="#ctx0" brushRef="#br0" timeOffset="37175.94">11200 8686 148 0,'0'0'383'15,"0"0"-383"-15,0 0-11 16,0 0 11-16,0 0 20 16,0 0-6-16,41 63 69 15,-13-14-12-15,6 13-16 16,-1 3-18-16,-6-3-27 0,-2-13 14 15,-10-17-14 1,-7-11 2-16,-1-12-9 0,-5-6 7 16,-1-3 9-16,5 0-13 15,6-17 8-15,14-14 21 16,6-14 2-16,12-9-9 16,8 1-28-16,1 4-28 15,2 8-86-15,-8 10-143 16,-11 6-102-16</inkml:trace>
-  <inkml:trace contextRef="#ctx0" brushRef="#br0" timeOffset="40412.3">14457 9679 185 0,'0'0'52'16,"0"0"-38"-16,0 0 54 16,0 0 11-16,0 0 21 15,0 0-21-15,0 0-21 16,-12-18-12-16,12 18 13 16,-2 0 6-16,2 0-8 15,0 0-10-15,0 0-2 0,0 0-19 16,0 0 4-1,0 0-12-15,0 0-4 0,0 0-11 16,0 0-3-16,0 0-6 16,0 0-3-16,0 0-23 15,0 3 32-15,0 7 0 16,14 8 3-16,7 7-1 16,6 9 8-16,4 7 3 15,5 7-2-15,4 8-7 16,0 7 7-16,-1 6-4 15,-3 4-1-15,-6 6 0 0,-9 2-4 16,-5-4 4 0,-10-1 1-16,-6 0-6 0,0-3 0 15,-3 2 0-15,-19 4 5 16,-5-1 4-16,-9 5-8 16,-4-2 9-16,-1-7-8 15,3-11-3-15,2-16 0 16,7-12 0-16,9-12 5 15,6-12-4-15,6-4 4 16,1-4 2-16,6-1 2 16,-1 0-9-16,1-2 2 15,1 1-2-15,-2-1 1 16,2 0-2-16,0 0 1 16,0 0 0-16,0 0-1 0,0 0-4 15,0 0-12-15,0 0-7 16,0 0 12-16,0 0 12 15,12-3 0-15,6-6 4 16,9-8 0-16,7-6 0 16,4-6 7-16,1-5-7 15,-2-3 6-15,-3-2-10 16,-4 1 0-16,-5 0 3 16,-4 0 1-16,-7 0-4 15,-7-5-1-15,-4-10-2 16,0-6 4-16,-3-11-2 15,0-11-9-15,-7-3 6 16,-7-4-6-16,-2-1 2 0,1 10-1 16,-3 7 0-16,3 12 9 15,-4 9 0-15,2 7-6 16,-4 5 6-16,0 5-1 16,-4 2-8-16,-3 5 0 15,-5 3-13-15,-2 2 14 16,-2 0 8-16,4 5 4 15,2 1 1-15,2 0 3 16,1 4-7-16,5-1 1 16,3 4 2-16,5 4 1 15,1-1-4-15,5 2 3 16,5 1 2-16,2 2-5 0,1-1 1 16,1 1-4-1,0 1 0-15,0 0-4 0,0-1 6 16,0 1-2-16,0 0 2 15,0 0-6-15,0 0 0 16,0 0 4-16,0 0 1 16,3 1 0-16,13 11-1 15,13 10-4-15,7 10 5 16,7 10 2-16,9 12 0 16,3 8 2-16,1 5-1 15,-3 6 0-15,-3 2 2 16,-6 1-3-16,-11-6-1 15,-6-3 11-15,-10-8-10 0,-8-3-1 16,-6 0-6 0,-3 3 6-16,0 2 13 0,-15-2-10 15,-9-1 1-15,-3 0 0 16,0-9 7-16,0-7-8 16,2-11 0-16,7-11-3 15,6-9 7-15,6-7-2 16,4-4 6-16,2 0-11 15,0 0-13-15,0 0-1 16,0 0-16-16,0 0 30 16,0 0 2-16,0 0-2 15,0 0 5-15,8-5-5 16,7-8 2-16,4-7 0 16,5-5-2-16,1-6 8 0,5-6-7 15,-2-4-1-15,3-3 0 16,-1-6 4-16,-5-5-1 15,-1 2-3-15,-9-3-3 16,-9-2-2-16,-6 1 3 16,0-3-3-16,-6-4 1 15,-18-3 3-15,-5-3-9 16,-8 4 8-16,-1 2 2 16,-3 11-4-16,1 9-3 15,4 9-1-15,1 8-21 16,6 6 21-16,0 4 2 15,2 2 6-15,6 3 0 16,2 0 11-16,5 0-6 0,3 3-5 16,6 2-7-16,1 2-1 15,4 3 5-15,-2 0 3 16,2 1 4-16,0 0-4 16,-1 1 4-16,1 0-1 15,0 0-2-15,0 0 0 16,0 0-1-16,0 0-17 15,0 0 5-15,0 0-2 16,0 4 3-16,15 15 0 16,21 21 11-16,17 20 1 15,10 25 11-15,-2 20-11 16,-8 15 3-16,-13 14-3 0,-21 8-1 16,-17 4-21-1,-4 3-64-15,-28-9-104 0,-10-28-88 16</inkml:trace>
-</inkml:ink>
-</file>
-
 <file path=ppt/notesMasters/notesMaster1.xml><?xml version="1.0" encoding="utf-8"?>
 <p:notesMaster xmlns:a="http://schemas.openxmlformats.org/drawingml/2006/main" xmlns:r="http://schemas.openxmlformats.org/officeDocument/2006/relationships" xmlns:p="http://schemas.openxmlformats.org/presentationml/2006/main">
   <p:cSld>
@@ -1396,6 +1343,90 @@
     <p:extLst>
       <p:ext uri="{BB962C8B-B14F-4D97-AF65-F5344CB8AC3E}">
         <p14:creationId xmlns:p14="http://schemas.microsoft.com/office/powerpoint/2010/main" val="3258675245"/>
+      </p:ext>
+    </p:extLst>
+  </p:cSld>
+  <p:clrMapOvr>
+    <a:masterClrMapping/>
+  </p:clrMapOvr>
+</p:notes>
+</file>
+
+<file path=ppt/notesSlides/notesSlide17.xml><?xml version="1.0" encoding="utf-8"?>
+<p:notes xmlns:a="http://schemas.openxmlformats.org/drawingml/2006/main" xmlns:r="http://schemas.openxmlformats.org/officeDocument/2006/relationships" xmlns:p="http://schemas.openxmlformats.org/presentationml/2006/main">
+  <p:cSld>
+    <p:spTree>
+      <p:nvGrpSpPr>
+        <p:cNvPr id="1" name=""/>
+        <p:cNvGrpSpPr/>
+        <p:nvPr/>
+      </p:nvGrpSpPr>
+      <p:grpSpPr>
+        <a:xfrm>
+          <a:off x="0" y="0"/>
+          <a:ext cx="0" cy="0"/>
+          <a:chOff x="0" y="0"/>
+          <a:chExt cx="0" cy="0"/>
+        </a:xfrm>
+      </p:grpSpPr>
+      <p:sp>
+        <p:nvSpPr>
+          <p:cNvPr id="2" name="슬라이드 이미지 개체 틀 1"/>
+          <p:cNvSpPr>
+            <a:spLocks noGrp="1" noRot="1" noChangeAspect="1"/>
+          </p:cNvSpPr>
+          <p:nvPr>
+            <p:ph type="sldImg"/>
+          </p:nvPr>
+        </p:nvSpPr>
+        <p:spPr/>
+      </p:sp>
+      <p:sp>
+        <p:nvSpPr>
+          <p:cNvPr id="3" name="슬라이드 노트 개체 틀 2"/>
+          <p:cNvSpPr>
+            <a:spLocks noGrp="1"/>
+          </p:cNvSpPr>
+          <p:nvPr>
+            <p:ph type="body" idx="1"/>
+          </p:nvPr>
+        </p:nvSpPr>
+        <p:spPr/>
+        <p:txBody>
+          <a:bodyPr/>
+          <a:lstStyle/>
+          <a:p>
+            <a:endParaRPr lang="ko-KR" altLang="en-US" dirty="0"/>
+          </a:p>
+        </p:txBody>
+      </p:sp>
+      <p:sp>
+        <p:nvSpPr>
+          <p:cNvPr id="4" name="슬라이드 번호 개체 틀 3"/>
+          <p:cNvSpPr>
+            <a:spLocks noGrp="1"/>
+          </p:cNvSpPr>
+          <p:nvPr>
+            <p:ph type="sldNum" sz="quarter" idx="10"/>
+          </p:nvPr>
+        </p:nvSpPr>
+        <p:spPr/>
+        <p:txBody>
+          <a:bodyPr/>
+          <a:lstStyle/>
+          <a:p>
+            <a:fld id="{C191BC67-C438-4515-9D3F-F10D40F1354A}" type="slidenum">
+              <a:rPr lang="ko-KR" altLang="en-US" smtClean="0"/>
+              <a:t>17</a:t>
+            </a:fld>
+            <a:endParaRPr lang="ko-KR" altLang="en-US"/>
+          </a:p>
+        </p:txBody>
+      </p:sp>
+    </p:spTree>
+    <p:extLst>
+      <p:ext uri="{BB962C8B-B14F-4D97-AF65-F5344CB8AC3E}">
+        <p14:creationId xmlns:p14="http://schemas.microsoft.com/office/powerpoint/2010/main" val="2050342785"/>
       </p:ext>
     </p:extLst>
   </p:cSld>
@@ -5733,57 +5764,6 @@
           </a:p>
         </p:txBody>
       </p:sp>
-      <mc:AlternateContent xmlns:mc="http://schemas.openxmlformats.org/markup-compatibility/2006">
-        <mc:Choice xmlns:p14="http://schemas.microsoft.com/office/powerpoint/2010/main" Requires="p14">
-          <p:contentPart p14:bwMode="auto" r:id="rId3">
-            <p14:nvContentPartPr>
-              <p14:cNvPr id="2" name="잉크 1">
-                <a:extLst>
-                  <a:ext uri="{FF2B5EF4-FFF2-40B4-BE49-F238E27FC236}">
-                    <a16:creationId xmlns:a16="http://schemas.microsoft.com/office/drawing/2014/main" id="{BF21D53E-3BFC-4B84-A1DC-DA7F3250C8DF}"/>
-                  </a:ext>
-                </a:extLst>
-              </p14:cNvPr>
-              <p14:cNvContentPartPr/>
-              <p14:nvPr/>
-            </p14:nvContentPartPr>
-            <p14:xfrm>
-              <a:off x="3893760" y="1567440"/>
-              <a:ext cx="3598200" cy="2576160"/>
-            </p14:xfrm>
-          </p:contentPart>
-        </mc:Choice>
-        <mc:Fallback>
-          <p:pic>
-            <p:nvPicPr>
-              <p:cNvPr id="2" name="잉크 1">
-                <a:extLst>
-                  <a:ext uri="{FF2B5EF4-FFF2-40B4-BE49-F238E27FC236}">
-                    <a16:creationId xmlns:a16="http://schemas.microsoft.com/office/drawing/2014/main" id="{BF21D53E-3BFC-4B84-A1DC-DA7F3250C8DF}"/>
-                  </a:ext>
-                </a:extLst>
-              </p:cNvPr>
-              <p:cNvPicPr/>
-              <p:nvPr/>
-            </p:nvPicPr>
-            <p:blipFill>
-              <a:blip r:embed="rId4"/>
-              <a:stretch>
-                <a:fillRect/>
-              </a:stretch>
-            </p:blipFill>
-            <p:spPr>
-              <a:xfrm>
-                <a:off x="3884400" y="1558080"/>
-                <a:ext cx="3616920" cy="2594880"/>
-              </a:xfrm>
-              <a:prstGeom prst="rect">
-                <a:avLst/>
-              </a:prstGeom>
-            </p:spPr>
-          </p:pic>
-        </mc:Fallback>
-      </mc:AlternateContent>
     </p:spTree>
     <p:extLst>
       <p:ext uri="{BB962C8B-B14F-4D97-AF65-F5344CB8AC3E}">
@@ -8793,6 +8773,432 @@
     <p:extLst>
       <p:ext uri="{BB962C8B-B14F-4D97-AF65-F5344CB8AC3E}">
         <p14:creationId xmlns:p14="http://schemas.microsoft.com/office/powerpoint/2010/main" val="4269812587"/>
+      </p:ext>
+    </p:extLst>
+  </p:cSld>
+  <p:clrMapOvr>
+    <a:masterClrMapping/>
+  </p:clrMapOvr>
+</p:sld>
+</file>
+
+<file path=ppt/slides/slide17.xml><?xml version="1.0" encoding="utf-8"?>
+<p:sld xmlns:a="http://schemas.openxmlformats.org/drawingml/2006/main" xmlns:r="http://schemas.openxmlformats.org/officeDocument/2006/relationships" xmlns:p="http://schemas.openxmlformats.org/presentationml/2006/main">
+  <p:cSld>
+    <p:bg>
+      <p:bgPr>
+        <a:solidFill>
+          <a:schemeClr val="bg1">
+            <a:lumMod val="65000"/>
+          </a:schemeClr>
+        </a:solidFill>
+        <a:effectLst/>
+      </p:bgPr>
+    </p:bg>
+    <p:spTree>
+      <p:nvGrpSpPr>
+        <p:cNvPr id="1" name=""/>
+        <p:cNvGrpSpPr/>
+        <p:nvPr/>
+      </p:nvGrpSpPr>
+      <p:grpSpPr>
+        <a:xfrm>
+          <a:off x="0" y="0"/>
+          <a:ext cx="0" cy="0"/>
+          <a:chOff x="0" y="0"/>
+          <a:chExt cx="0" cy="0"/>
+        </a:xfrm>
+      </p:grpSpPr>
+      <p:sp>
+        <p:nvSpPr>
+          <p:cNvPr id="4" name="슬라이드 번호 개체 틀 3"/>
+          <p:cNvSpPr>
+            <a:spLocks noGrp="1"/>
+          </p:cNvSpPr>
+          <p:nvPr>
+            <p:ph type="sldNum" sz="quarter" idx="12"/>
+          </p:nvPr>
+        </p:nvSpPr>
+        <p:spPr/>
+        <p:txBody>
+          <a:bodyPr/>
+          <a:lstStyle/>
+          <a:p>
+            <a:fld id="{6DDAE2C3-1A0B-474A-8CE8-AE55B8D9D4B1}" type="slidenum">
+              <a:rPr lang="ko-KR" altLang="en-US" smtClean="0"/>
+              <a:pPr/>
+              <a:t>17</a:t>
+            </a:fld>
+            <a:endParaRPr lang="ko-KR" altLang="en-US" dirty="0"/>
+          </a:p>
+        </p:txBody>
+      </p:sp>
+      <p:sp>
+        <p:nvSpPr>
+          <p:cNvPr id="11" name="TextBox 10"/>
+          <p:cNvSpPr txBox="1"/>
+          <p:nvPr/>
+        </p:nvSpPr>
+        <p:spPr>
+          <a:xfrm>
+            <a:off x="204828" y="854694"/>
+            <a:ext cx="11750594" cy="1107996"/>
+          </a:xfrm>
+          <a:prstGeom prst="rect">
+            <a:avLst/>
+          </a:prstGeom>
+          <a:noFill/>
+        </p:spPr>
+        <p:txBody>
+          <a:bodyPr wrap="square" lIns="0" tIns="0" rIns="0" bIns="0" rtlCol="0" anchor="t">
+            <a:spAutoFit/>
+          </a:bodyPr>
+          <a:lstStyle/>
+          <a:p>
+            <a:r>
+              <a:rPr lang="en-US" altLang="ko-KR" sz="2400" b="1" i="0" dirty="0">
+                <a:solidFill>
+                  <a:schemeClr val="bg1"/>
+                </a:solidFill>
+                <a:effectLst/>
+                <a:latin typeface="Arial" panose="020B0604020202020204" pitchFamily="34" charset="0"/>
+                <a:cs typeface="Arial" panose="020B0604020202020204" pitchFamily="34" charset="0"/>
+              </a:rPr>
+              <a:t>Part 01. </a:t>
+            </a:r>
+            <a:r>
+              <a:rPr lang="ko-KR" altLang="en-US" sz="2400" b="1" i="0" dirty="0">
+                <a:solidFill>
+                  <a:schemeClr val="bg1"/>
+                </a:solidFill>
+                <a:effectLst/>
+                <a:latin typeface="Arial" panose="020B0604020202020204" pitchFamily="34" charset="0"/>
+                <a:cs typeface="Arial" panose="020B0604020202020204" pitchFamily="34" charset="0"/>
+              </a:rPr>
+              <a:t>데이터분석 준비하기</a:t>
+            </a:r>
+            <a:endParaRPr lang="en-US" altLang="ko-KR" sz="2400" b="1" i="0" dirty="0">
+              <a:solidFill>
+                <a:schemeClr val="bg1"/>
+              </a:solidFill>
+              <a:effectLst/>
+              <a:latin typeface="Arial" panose="020B0604020202020204" pitchFamily="34" charset="0"/>
+              <a:cs typeface="Arial" panose="020B0604020202020204" pitchFamily="34" charset="0"/>
+            </a:endParaRPr>
+          </a:p>
+          <a:p>
+            <a:endParaRPr lang="en-US" altLang="ko-KR" sz="2400" b="1" dirty="0">
+              <a:solidFill>
+                <a:schemeClr val="bg1"/>
+              </a:solidFill>
+              <a:latin typeface="Arial" panose="020B0604020202020204" pitchFamily="34" charset="0"/>
+              <a:cs typeface="Arial" panose="020B0604020202020204" pitchFamily="34" charset="0"/>
+            </a:endParaRPr>
+          </a:p>
+          <a:p>
+            <a:r>
+              <a:rPr lang="en-US" altLang="ko-KR" sz="2400" b="1" i="0" dirty="0">
+                <a:solidFill>
+                  <a:schemeClr val="bg1"/>
+                </a:solidFill>
+                <a:effectLst/>
+                <a:latin typeface="Arial" panose="020B0604020202020204" pitchFamily="34" charset="0"/>
+                <a:cs typeface="Arial" panose="020B0604020202020204" pitchFamily="34" charset="0"/>
+              </a:rPr>
+              <a:t>:</a:t>
+            </a:r>
+            <a:r>
+              <a:rPr lang="en-US" altLang="ko-KR" sz="2400" b="1" dirty="0">
+                <a:solidFill>
+                  <a:schemeClr val="bg1"/>
+                </a:solidFill>
+                <a:latin typeface="Arial" panose="020B0604020202020204" pitchFamily="34" charset="0"/>
+                <a:cs typeface="Arial" panose="020B0604020202020204" pitchFamily="34" charset="0"/>
+              </a:rPr>
+              <a:t> </a:t>
+            </a:r>
+            <a:r>
+              <a:rPr lang="ko-KR" altLang="en-US" sz="2400" b="1" i="0" dirty="0">
+                <a:solidFill>
+                  <a:schemeClr val="bg1"/>
+                </a:solidFill>
+                <a:effectLst/>
+                <a:latin typeface="Arial" panose="020B0604020202020204" pitchFamily="34" charset="0"/>
+              </a:rPr>
+              <a:t>분석성능 확인 </a:t>
+            </a:r>
+            <a:r>
+              <a:rPr lang="en-US" altLang="ko-KR" sz="2400" b="1" i="0" dirty="0">
+                <a:solidFill>
+                  <a:schemeClr val="bg1"/>
+                </a:solidFill>
+                <a:effectLst/>
+                <a:latin typeface="Arial" panose="020B0604020202020204" pitchFamily="34" charset="0"/>
+              </a:rPr>
+              <a:t>- 03. </a:t>
+            </a:r>
+            <a:r>
+              <a:rPr lang="ko-KR" altLang="en-US" sz="2400" b="1" i="0" dirty="0">
+                <a:solidFill>
+                  <a:schemeClr val="bg1"/>
+                </a:solidFill>
+                <a:effectLst/>
+                <a:latin typeface="Arial" panose="020B0604020202020204" pitchFamily="34" charset="0"/>
+              </a:rPr>
+              <a:t>검증지표 적용 실습하기</a:t>
+            </a:r>
+            <a:endParaRPr lang="en-US" altLang="ko-KR" sz="2400" b="1" dirty="0">
+              <a:solidFill>
+                <a:schemeClr val="bg1"/>
+              </a:solidFill>
+              <a:latin typeface="Arial" panose="020B0604020202020204" pitchFamily="34" charset="0"/>
+              <a:ea typeface="Noto Sans CJK KR Black" panose="020B0A00000000000000" pitchFamily="34" charset="-127"/>
+              <a:cs typeface="Arial" panose="020B0604020202020204" pitchFamily="34" charset="0"/>
+            </a:endParaRPr>
+          </a:p>
+        </p:txBody>
+      </p:sp>
+      <p:sp>
+        <p:nvSpPr>
+          <p:cNvPr id="12" name="TextBox 11"/>
+          <p:cNvSpPr txBox="1"/>
+          <p:nvPr/>
+        </p:nvSpPr>
+        <p:spPr>
+          <a:xfrm>
+            <a:off x="4783981" y="611957"/>
+            <a:ext cx="7056784" cy="216726"/>
+          </a:xfrm>
+          <a:prstGeom prst="rect">
+            <a:avLst/>
+          </a:prstGeom>
+          <a:noFill/>
+        </p:spPr>
+        <p:txBody>
+          <a:bodyPr wrap="square" lIns="0" tIns="0" rIns="0" bIns="0" rtlCol="0" anchor="t">
+            <a:spAutoFit/>
+          </a:bodyPr>
+          <a:lstStyle/>
+          <a:p>
+            <a:pPr>
+              <a:lnSpc>
+                <a:spcPct val="150000"/>
+              </a:lnSpc>
+            </a:pPr>
+            <a:endParaRPr lang="en-US" altLang="ko-KR" sz="1050" dirty="0">
+              <a:solidFill>
+                <a:schemeClr val="bg1"/>
+              </a:solidFill>
+              <a:latin typeface="Noto Sans CJK KR Medium" panose="020B0600000000000000" pitchFamily="34" charset="-127"/>
+              <a:ea typeface="Noto Sans CJK KR Medium" panose="020B0600000000000000" pitchFamily="34" charset="-127"/>
+            </a:endParaRPr>
+          </a:p>
+        </p:txBody>
+      </p:sp>
+      <p:sp>
+        <p:nvSpPr>
+          <p:cNvPr id="6" name="TextBox 5">
+            <a:extLst>
+              <a:ext uri="{FF2B5EF4-FFF2-40B4-BE49-F238E27FC236}">
+                <a16:creationId xmlns:a16="http://schemas.microsoft.com/office/drawing/2014/main" id="{161CCAE4-E01F-4257-AFB1-00679BC318D7}"/>
+              </a:ext>
+            </a:extLst>
+          </p:cNvPr>
+          <p:cNvSpPr txBox="1"/>
+          <p:nvPr/>
+        </p:nvSpPr>
+        <p:spPr>
+          <a:xfrm>
+            <a:off x="2258841" y="2844205"/>
+            <a:ext cx="7865218" cy="2339102"/>
+          </a:xfrm>
+          <a:prstGeom prst="rect">
+            <a:avLst/>
+          </a:prstGeom>
+          <a:noFill/>
+        </p:spPr>
+        <p:txBody>
+          <a:bodyPr wrap="square" lIns="0" tIns="0" rIns="0" bIns="0" rtlCol="0" anchor="t">
+            <a:spAutoFit/>
+          </a:bodyPr>
+          <a:lstStyle/>
+          <a:p>
+            <a:pPr marL="342900" indent="-342900">
+              <a:buFont typeface="Wingdings" panose="05000000000000000000" pitchFamily="2" charset="2"/>
+              <a:buChar char="l"/>
+            </a:pPr>
+            <a:r>
+              <a:rPr lang="ko-KR" altLang="en-US" sz="2400" dirty="0">
+                <a:solidFill>
+                  <a:schemeClr val="bg1"/>
+                </a:solidFill>
+                <a:latin typeface="Noto Sans CJK KR Black" panose="020B0A00000000000000" pitchFamily="34" charset="-127"/>
+                <a:ea typeface="Noto Sans CJK KR Black" panose="020B0A00000000000000" pitchFamily="34" charset="-127"/>
+              </a:rPr>
+              <a:t>지난시간 내용정리</a:t>
+            </a:r>
+            <a:endParaRPr lang="en-US" altLang="ko-KR" sz="2400" dirty="0">
+              <a:solidFill>
+                <a:schemeClr val="bg1"/>
+              </a:solidFill>
+              <a:latin typeface="Noto Sans CJK KR Black" panose="020B0A00000000000000" pitchFamily="34" charset="-127"/>
+              <a:ea typeface="Noto Sans CJK KR Black" panose="020B0A00000000000000" pitchFamily="34" charset="-127"/>
+            </a:endParaRPr>
+          </a:p>
+          <a:p>
+            <a:pPr marL="896798" lvl="1" indent="-342900">
+              <a:buFont typeface="Wingdings" panose="05000000000000000000" pitchFamily="2" charset="2"/>
+              <a:buChar char="ü"/>
+            </a:pPr>
+            <a:r>
+              <a:rPr lang="ko-KR" altLang="en-US" sz="2000" dirty="0">
+                <a:solidFill>
+                  <a:schemeClr val="bg1"/>
+                </a:solidFill>
+                <a:latin typeface="Noto Sans CJK KR Black" panose="020B0A00000000000000" pitchFamily="34" charset="-127"/>
+                <a:ea typeface="Noto Sans CJK KR Black" panose="020B0A00000000000000" pitchFamily="34" charset="-127"/>
+              </a:rPr>
+              <a:t>과적합에 유념하라</a:t>
+            </a:r>
+            <a:endParaRPr lang="en-US" altLang="ko-KR" sz="2000" dirty="0">
+              <a:solidFill>
+                <a:schemeClr val="bg1"/>
+              </a:solidFill>
+              <a:latin typeface="Noto Sans CJK KR Black" panose="020B0A00000000000000" pitchFamily="34" charset="-127"/>
+              <a:ea typeface="Noto Sans CJK KR Black" panose="020B0A00000000000000" pitchFamily="34" charset="-127"/>
+            </a:endParaRPr>
+          </a:p>
+          <a:p>
+            <a:pPr marL="896798" lvl="1" indent="-342900">
+              <a:buFont typeface="Wingdings" panose="05000000000000000000" pitchFamily="2" charset="2"/>
+              <a:buChar char="ü"/>
+            </a:pPr>
+            <a:r>
+              <a:rPr lang="ko-KR" altLang="en-US" sz="2000" dirty="0">
+                <a:solidFill>
+                  <a:schemeClr val="bg1"/>
+                </a:solidFill>
+                <a:latin typeface="Noto Sans CJK KR Black" panose="020B0A00000000000000" pitchFamily="34" charset="-127"/>
+                <a:ea typeface="Noto Sans CJK KR Black" panose="020B0A00000000000000" pitchFamily="34" charset="-127"/>
+              </a:rPr>
+              <a:t>편향과 분산을 고려하라</a:t>
+            </a:r>
+            <a:endParaRPr lang="en-US" altLang="ko-KR" sz="2000" dirty="0">
+              <a:solidFill>
+                <a:schemeClr val="bg1"/>
+              </a:solidFill>
+              <a:latin typeface="Noto Sans CJK KR Black" panose="020B0A00000000000000" pitchFamily="34" charset="-127"/>
+              <a:ea typeface="Noto Sans CJK KR Black" panose="020B0A00000000000000" pitchFamily="34" charset="-127"/>
+            </a:endParaRPr>
+          </a:p>
+          <a:p>
+            <a:pPr marL="896798" lvl="1" indent="-342900">
+              <a:buFont typeface="Wingdings" panose="05000000000000000000" pitchFamily="2" charset="2"/>
+              <a:buChar char="ü"/>
+            </a:pPr>
+            <a:endParaRPr lang="en-US" altLang="ko-KR" sz="2400" dirty="0">
+              <a:solidFill>
+                <a:schemeClr val="bg1"/>
+              </a:solidFill>
+              <a:latin typeface="Noto Sans CJK KR Black" panose="020B0A00000000000000" pitchFamily="34" charset="-127"/>
+              <a:ea typeface="Noto Sans CJK KR Black" panose="020B0A00000000000000" pitchFamily="34" charset="-127"/>
+            </a:endParaRPr>
+          </a:p>
+          <a:p>
+            <a:pPr marL="342900" indent="-342900">
+              <a:buFont typeface="Wingdings" panose="05000000000000000000" pitchFamily="2" charset="2"/>
+              <a:buChar char="l"/>
+            </a:pPr>
+            <a:r>
+              <a:rPr lang="ko-KR" altLang="en-US" sz="2400" dirty="0">
+                <a:solidFill>
+                  <a:schemeClr val="bg1"/>
+                </a:solidFill>
+                <a:latin typeface="Noto Sans CJK KR Black" panose="020B0A00000000000000" pitchFamily="34" charset="-127"/>
+                <a:ea typeface="Noto Sans CJK KR Black" panose="020B0A00000000000000" pitchFamily="34" charset="-127"/>
+              </a:rPr>
+              <a:t>이번시간 목표</a:t>
+            </a:r>
+            <a:endParaRPr lang="en-US" altLang="ko-KR" sz="2400" dirty="0">
+              <a:solidFill>
+                <a:schemeClr val="bg1"/>
+              </a:solidFill>
+              <a:latin typeface="Noto Sans CJK KR Black" panose="020B0A00000000000000" pitchFamily="34" charset="-127"/>
+              <a:ea typeface="Noto Sans CJK KR Black" panose="020B0A00000000000000" pitchFamily="34" charset="-127"/>
+            </a:endParaRPr>
+          </a:p>
+          <a:p>
+            <a:pPr marL="896798" lvl="1" indent="-342900">
+              <a:buFont typeface="Wingdings" panose="05000000000000000000" pitchFamily="2" charset="2"/>
+              <a:buChar char="ü"/>
+            </a:pPr>
+            <a:r>
+              <a:rPr lang="ko-KR" altLang="en-US" sz="2000" dirty="0">
+                <a:solidFill>
+                  <a:schemeClr val="bg1"/>
+                </a:solidFill>
+                <a:latin typeface="Noto Sans CJK KR Black" panose="020B0A00000000000000" pitchFamily="34" charset="-127"/>
+                <a:ea typeface="Noto Sans CJK KR Black" panose="020B0A00000000000000" pitchFamily="34" charset="-127"/>
+              </a:rPr>
+              <a:t>검증지표를 구현하기</a:t>
+            </a:r>
+            <a:endParaRPr lang="en-US" altLang="ko-KR" sz="2000" dirty="0">
+              <a:solidFill>
+                <a:schemeClr val="bg1"/>
+              </a:solidFill>
+              <a:latin typeface="Noto Sans CJK KR Black" panose="020B0A00000000000000" pitchFamily="34" charset="-127"/>
+              <a:ea typeface="Noto Sans CJK KR Black" panose="020B0A00000000000000" pitchFamily="34" charset="-127"/>
+            </a:endParaRPr>
+          </a:p>
+          <a:p>
+            <a:pPr marL="896798" lvl="1" indent="-342900">
+              <a:buFont typeface="Wingdings" panose="05000000000000000000" pitchFamily="2" charset="2"/>
+              <a:buChar char="ü"/>
+            </a:pPr>
+            <a:r>
+              <a:rPr lang="ko-KR" altLang="en-US" sz="2000" dirty="0">
+                <a:solidFill>
+                  <a:schemeClr val="bg1"/>
+                </a:solidFill>
+                <a:latin typeface="Noto Sans CJK KR Black" panose="020B0A00000000000000" pitchFamily="34" charset="-127"/>
+                <a:ea typeface="Noto Sans CJK KR Black" panose="020B0A00000000000000" pitchFamily="34" charset="-127"/>
+              </a:rPr>
+              <a:t>시계열 </a:t>
+            </a:r>
+            <a:r>
+              <a:rPr lang="en-US" altLang="ko-KR" sz="2000" dirty="0">
+                <a:solidFill>
+                  <a:schemeClr val="bg1"/>
+                </a:solidFill>
+                <a:latin typeface="Noto Sans CJK KR Black" panose="020B0A00000000000000" pitchFamily="34" charset="-127"/>
+                <a:ea typeface="Noto Sans CJK KR Black" panose="020B0A00000000000000" pitchFamily="34" charset="-127"/>
+              </a:rPr>
+              <a:t>Feature Engineering</a:t>
+            </a:r>
+            <a:r>
+              <a:rPr lang="ko-KR" altLang="en-US" sz="2000">
+                <a:solidFill>
+                  <a:schemeClr val="bg1"/>
+                </a:solidFill>
+                <a:latin typeface="Noto Sans CJK KR Black" panose="020B0A00000000000000" pitchFamily="34" charset="-127"/>
+                <a:ea typeface="Noto Sans CJK KR Black" panose="020B0A00000000000000" pitchFamily="34" charset="-127"/>
+              </a:rPr>
+              <a:t>의 성능 확인</a:t>
+            </a:r>
+            <a:endParaRPr lang="en-US" altLang="ko-KR" sz="2000" dirty="0">
+              <a:solidFill>
+                <a:schemeClr val="bg1"/>
+              </a:solidFill>
+              <a:latin typeface="Noto Sans CJK KR Black" panose="020B0A00000000000000" pitchFamily="34" charset="-127"/>
+              <a:ea typeface="Noto Sans CJK KR Black" panose="020B0A00000000000000" pitchFamily="34" charset="-127"/>
+            </a:endParaRPr>
+          </a:p>
+        </p:txBody>
+      </p:sp>
+    </p:spTree>
+    <p:extLst>
+      <p:ext uri="{BB962C8B-B14F-4D97-AF65-F5344CB8AC3E}">
+        <p14:creationId xmlns:p14="http://schemas.microsoft.com/office/powerpoint/2010/main" val="142888041"/>
       </p:ext>
     </p:extLst>
   </p:cSld>

--- a/[FastCampus] 커리큘럼_김경원박사.pptx
+++ b/[FastCampus] 커리큘럼_김경원박사.pptx
@@ -5,10 +5,10 @@
     <p:sldMasterId id="2147483648" r:id="rId1"/>
   </p:sldMasterIdLst>
   <p:notesMasterIdLst>
-    <p:notesMasterId r:id="rId79"/>
+    <p:notesMasterId r:id="rId92"/>
   </p:notesMasterIdLst>
   <p:handoutMasterIdLst>
-    <p:handoutMasterId r:id="rId80"/>
+    <p:handoutMasterId r:id="rId93"/>
   </p:handoutMasterIdLst>
   <p:sldIdLst>
     <p:sldId id="1090" r:id="rId2"/>
@@ -88,14 +88,27 @@
     <p:sldId id="1142" r:id="rId76"/>
     <p:sldId id="1143" r:id="rId77"/>
     <p:sldId id="1144" r:id="rId78"/>
+    <p:sldId id="1146" r:id="rId79"/>
+    <p:sldId id="1145" r:id="rId80"/>
+    <p:sldId id="1147" r:id="rId81"/>
+    <p:sldId id="1148" r:id="rId82"/>
+    <p:sldId id="1149" r:id="rId83"/>
+    <p:sldId id="1150" r:id="rId84"/>
+    <p:sldId id="1151" r:id="rId85"/>
+    <p:sldId id="1154" r:id="rId86"/>
+    <p:sldId id="1152" r:id="rId87"/>
+    <p:sldId id="1153" r:id="rId88"/>
+    <p:sldId id="1155" r:id="rId89"/>
+    <p:sldId id="1156" r:id="rId90"/>
+    <p:sldId id="1157" r:id="rId91"/>
   </p:sldIdLst>
   <p:sldSz cx="12160250" cy="6840538"/>
   <p:notesSz cx="9874250" cy="6797675"/>
   <p:embeddedFontLst>
     <p:embeddedFont>
       <p:font typeface="맑은 고딕" panose="020B0503020000020004" pitchFamily="50" charset="-127"/>
-      <p:regular r:id="rId81"/>
-      <p:bold r:id="rId82"/>
+      <p:regular r:id="rId94"/>
+      <p:bold r:id="rId95"/>
     </p:embeddedFont>
   </p:embeddedFontLst>
   <p:defaultTextStyle>
@@ -308,7 +321,7 @@
           <a:p>
             <a:fld id="{FC718EE8-BF93-4A17-BED5-FC99EECA5FC7}" type="datetimeFigureOut">
               <a:rPr lang="ko-KR" altLang="en-US" smtClean="0"/>
-              <a:t>2020-10-12</a:t>
+              <a:t>2020-11-29</a:t>
             </a:fld>
             <a:endParaRPr lang="ko-KR" altLang="en-US"/>
           </a:p>
@@ -473,7 +486,7 @@
           <a:p>
             <a:fld id="{6101F873-BA02-446B-9127-C4DE4310B943}" type="datetimeFigureOut">
               <a:rPr lang="ko-KR" altLang="en-US" smtClean="0"/>
-              <a:t>2020-10-12</a:t>
+              <a:t>2020-11-29</a:t>
             </a:fld>
             <a:endParaRPr lang="ko-KR" altLang="en-US"/>
           </a:p>
@@ -7040,6 +7053,174 @@
 </p:notes>
 </file>
 
+<file path=ppt/notesSlides/notesSlide78.xml><?xml version="1.0" encoding="utf-8"?>
+<p:notes xmlns:a="http://schemas.openxmlformats.org/drawingml/2006/main" xmlns:r="http://schemas.openxmlformats.org/officeDocument/2006/relationships" xmlns:p="http://schemas.openxmlformats.org/presentationml/2006/main">
+  <p:cSld>
+    <p:spTree>
+      <p:nvGrpSpPr>
+        <p:cNvPr id="1" name=""/>
+        <p:cNvGrpSpPr/>
+        <p:nvPr/>
+      </p:nvGrpSpPr>
+      <p:grpSpPr>
+        <a:xfrm>
+          <a:off x="0" y="0"/>
+          <a:ext cx="0" cy="0"/>
+          <a:chOff x="0" y="0"/>
+          <a:chExt cx="0" cy="0"/>
+        </a:xfrm>
+      </p:grpSpPr>
+      <p:sp>
+        <p:nvSpPr>
+          <p:cNvPr id="2" name="슬라이드 이미지 개체 틀 1"/>
+          <p:cNvSpPr>
+            <a:spLocks noGrp="1" noRot="1" noChangeAspect="1"/>
+          </p:cNvSpPr>
+          <p:nvPr>
+            <p:ph type="sldImg"/>
+          </p:nvPr>
+        </p:nvSpPr>
+        <p:spPr/>
+      </p:sp>
+      <p:sp>
+        <p:nvSpPr>
+          <p:cNvPr id="3" name="슬라이드 노트 개체 틀 2"/>
+          <p:cNvSpPr>
+            <a:spLocks noGrp="1"/>
+          </p:cNvSpPr>
+          <p:nvPr>
+            <p:ph type="body" idx="1"/>
+          </p:nvPr>
+        </p:nvSpPr>
+        <p:spPr/>
+        <p:txBody>
+          <a:bodyPr/>
+          <a:lstStyle/>
+          <a:p>
+            <a:endParaRPr lang="ko-KR" altLang="en-US" dirty="0"/>
+          </a:p>
+        </p:txBody>
+      </p:sp>
+      <p:sp>
+        <p:nvSpPr>
+          <p:cNvPr id="4" name="슬라이드 번호 개체 틀 3"/>
+          <p:cNvSpPr>
+            <a:spLocks noGrp="1"/>
+          </p:cNvSpPr>
+          <p:nvPr>
+            <p:ph type="sldNum" sz="quarter" idx="10"/>
+          </p:nvPr>
+        </p:nvSpPr>
+        <p:spPr/>
+        <p:txBody>
+          <a:bodyPr/>
+          <a:lstStyle/>
+          <a:p>
+            <a:fld id="{C191BC67-C438-4515-9D3F-F10D40F1354A}" type="slidenum">
+              <a:rPr lang="ko-KR" altLang="en-US" smtClean="0"/>
+              <a:t>78</a:t>
+            </a:fld>
+            <a:endParaRPr lang="ko-KR" altLang="en-US"/>
+          </a:p>
+        </p:txBody>
+      </p:sp>
+    </p:spTree>
+    <p:extLst>
+      <p:ext uri="{BB962C8B-B14F-4D97-AF65-F5344CB8AC3E}">
+        <p14:creationId xmlns:p14="http://schemas.microsoft.com/office/powerpoint/2010/main" val="722198969"/>
+      </p:ext>
+    </p:extLst>
+  </p:cSld>
+  <p:clrMapOvr>
+    <a:masterClrMapping/>
+  </p:clrMapOvr>
+</p:notes>
+</file>
+
+<file path=ppt/notesSlides/notesSlide79.xml><?xml version="1.0" encoding="utf-8"?>
+<p:notes xmlns:a="http://schemas.openxmlformats.org/drawingml/2006/main" xmlns:r="http://schemas.openxmlformats.org/officeDocument/2006/relationships" xmlns:p="http://schemas.openxmlformats.org/presentationml/2006/main">
+  <p:cSld>
+    <p:spTree>
+      <p:nvGrpSpPr>
+        <p:cNvPr id="1" name=""/>
+        <p:cNvGrpSpPr/>
+        <p:nvPr/>
+      </p:nvGrpSpPr>
+      <p:grpSpPr>
+        <a:xfrm>
+          <a:off x="0" y="0"/>
+          <a:ext cx="0" cy="0"/>
+          <a:chOff x="0" y="0"/>
+          <a:chExt cx="0" cy="0"/>
+        </a:xfrm>
+      </p:grpSpPr>
+      <p:sp>
+        <p:nvSpPr>
+          <p:cNvPr id="2" name="슬라이드 이미지 개체 틀 1"/>
+          <p:cNvSpPr>
+            <a:spLocks noGrp="1" noRot="1" noChangeAspect="1"/>
+          </p:cNvSpPr>
+          <p:nvPr>
+            <p:ph type="sldImg"/>
+          </p:nvPr>
+        </p:nvSpPr>
+        <p:spPr/>
+      </p:sp>
+      <p:sp>
+        <p:nvSpPr>
+          <p:cNvPr id="3" name="슬라이드 노트 개체 틀 2"/>
+          <p:cNvSpPr>
+            <a:spLocks noGrp="1"/>
+          </p:cNvSpPr>
+          <p:nvPr>
+            <p:ph type="body" idx="1"/>
+          </p:nvPr>
+        </p:nvSpPr>
+        <p:spPr/>
+        <p:txBody>
+          <a:bodyPr/>
+          <a:lstStyle/>
+          <a:p>
+            <a:endParaRPr lang="ko-KR" altLang="en-US" dirty="0"/>
+          </a:p>
+        </p:txBody>
+      </p:sp>
+      <p:sp>
+        <p:nvSpPr>
+          <p:cNvPr id="4" name="슬라이드 번호 개체 틀 3"/>
+          <p:cNvSpPr>
+            <a:spLocks noGrp="1"/>
+          </p:cNvSpPr>
+          <p:nvPr>
+            <p:ph type="sldNum" sz="quarter" idx="10"/>
+          </p:nvPr>
+        </p:nvSpPr>
+        <p:spPr/>
+        <p:txBody>
+          <a:bodyPr/>
+          <a:lstStyle/>
+          <a:p>
+            <a:fld id="{C191BC67-C438-4515-9D3F-F10D40F1354A}" type="slidenum">
+              <a:rPr lang="ko-KR" altLang="en-US" smtClean="0"/>
+              <a:t>79</a:t>
+            </a:fld>
+            <a:endParaRPr lang="ko-KR" altLang="en-US"/>
+          </a:p>
+        </p:txBody>
+      </p:sp>
+    </p:spTree>
+    <p:extLst>
+      <p:ext uri="{BB962C8B-B14F-4D97-AF65-F5344CB8AC3E}">
+        <p14:creationId xmlns:p14="http://schemas.microsoft.com/office/powerpoint/2010/main" val="563163304"/>
+      </p:ext>
+    </p:extLst>
+  </p:cSld>
+  <p:clrMapOvr>
+    <a:masterClrMapping/>
+  </p:clrMapOvr>
+</p:notes>
+</file>
+
 <file path=ppt/notesSlides/notesSlide8.xml><?xml version="1.0" encoding="utf-8"?>
 <p:notes xmlns:a="http://schemas.openxmlformats.org/drawingml/2006/main" xmlns:r="http://schemas.openxmlformats.org/officeDocument/2006/relationships" xmlns:p="http://schemas.openxmlformats.org/presentationml/2006/main">
   <p:cSld>
@@ -7115,6 +7296,846 @@
     <p:extLst>
       <p:ext uri="{BB962C8B-B14F-4D97-AF65-F5344CB8AC3E}">
         <p14:creationId xmlns:p14="http://schemas.microsoft.com/office/powerpoint/2010/main" val="1911763749"/>
+      </p:ext>
+    </p:extLst>
+  </p:cSld>
+  <p:clrMapOvr>
+    <a:masterClrMapping/>
+  </p:clrMapOvr>
+</p:notes>
+</file>
+
+<file path=ppt/notesSlides/notesSlide80.xml><?xml version="1.0" encoding="utf-8"?>
+<p:notes xmlns:a="http://schemas.openxmlformats.org/drawingml/2006/main" xmlns:r="http://schemas.openxmlformats.org/officeDocument/2006/relationships" xmlns:p="http://schemas.openxmlformats.org/presentationml/2006/main">
+  <p:cSld>
+    <p:spTree>
+      <p:nvGrpSpPr>
+        <p:cNvPr id="1" name=""/>
+        <p:cNvGrpSpPr/>
+        <p:nvPr/>
+      </p:nvGrpSpPr>
+      <p:grpSpPr>
+        <a:xfrm>
+          <a:off x="0" y="0"/>
+          <a:ext cx="0" cy="0"/>
+          <a:chOff x="0" y="0"/>
+          <a:chExt cx="0" cy="0"/>
+        </a:xfrm>
+      </p:grpSpPr>
+      <p:sp>
+        <p:nvSpPr>
+          <p:cNvPr id="2" name="슬라이드 이미지 개체 틀 1"/>
+          <p:cNvSpPr>
+            <a:spLocks noGrp="1" noRot="1" noChangeAspect="1"/>
+          </p:cNvSpPr>
+          <p:nvPr>
+            <p:ph type="sldImg"/>
+          </p:nvPr>
+        </p:nvSpPr>
+        <p:spPr/>
+      </p:sp>
+      <p:sp>
+        <p:nvSpPr>
+          <p:cNvPr id="3" name="슬라이드 노트 개체 틀 2"/>
+          <p:cNvSpPr>
+            <a:spLocks noGrp="1"/>
+          </p:cNvSpPr>
+          <p:nvPr>
+            <p:ph type="body" idx="1"/>
+          </p:nvPr>
+        </p:nvSpPr>
+        <p:spPr/>
+        <p:txBody>
+          <a:bodyPr/>
+          <a:lstStyle/>
+          <a:p>
+            <a:endParaRPr lang="ko-KR" altLang="en-US" dirty="0"/>
+          </a:p>
+        </p:txBody>
+      </p:sp>
+      <p:sp>
+        <p:nvSpPr>
+          <p:cNvPr id="4" name="슬라이드 번호 개체 틀 3"/>
+          <p:cNvSpPr>
+            <a:spLocks noGrp="1"/>
+          </p:cNvSpPr>
+          <p:nvPr>
+            <p:ph type="sldNum" sz="quarter" idx="10"/>
+          </p:nvPr>
+        </p:nvSpPr>
+        <p:spPr/>
+        <p:txBody>
+          <a:bodyPr/>
+          <a:lstStyle/>
+          <a:p>
+            <a:fld id="{C191BC67-C438-4515-9D3F-F10D40F1354A}" type="slidenum">
+              <a:rPr lang="ko-KR" altLang="en-US" smtClean="0"/>
+              <a:t>80</a:t>
+            </a:fld>
+            <a:endParaRPr lang="ko-KR" altLang="en-US"/>
+          </a:p>
+        </p:txBody>
+      </p:sp>
+    </p:spTree>
+    <p:extLst>
+      <p:ext uri="{BB962C8B-B14F-4D97-AF65-F5344CB8AC3E}">
+        <p14:creationId xmlns:p14="http://schemas.microsoft.com/office/powerpoint/2010/main" val="4146324307"/>
+      </p:ext>
+    </p:extLst>
+  </p:cSld>
+  <p:clrMapOvr>
+    <a:masterClrMapping/>
+  </p:clrMapOvr>
+</p:notes>
+</file>
+
+<file path=ppt/notesSlides/notesSlide81.xml><?xml version="1.0" encoding="utf-8"?>
+<p:notes xmlns:a="http://schemas.openxmlformats.org/drawingml/2006/main" xmlns:r="http://schemas.openxmlformats.org/officeDocument/2006/relationships" xmlns:p="http://schemas.openxmlformats.org/presentationml/2006/main">
+  <p:cSld>
+    <p:spTree>
+      <p:nvGrpSpPr>
+        <p:cNvPr id="1" name=""/>
+        <p:cNvGrpSpPr/>
+        <p:nvPr/>
+      </p:nvGrpSpPr>
+      <p:grpSpPr>
+        <a:xfrm>
+          <a:off x="0" y="0"/>
+          <a:ext cx="0" cy="0"/>
+          <a:chOff x="0" y="0"/>
+          <a:chExt cx="0" cy="0"/>
+        </a:xfrm>
+      </p:grpSpPr>
+      <p:sp>
+        <p:nvSpPr>
+          <p:cNvPr id="2" name="슬라이드 이미지 개체 틀 1"/>
+          <p:cNvSpPr>
+            <a:spLocks noGrp="1" noRot="1" noChangeAspect="1"/>
+          </p:cNvSpPr>
+          <p:nvPr>
+            <p:ph type="sldImg"/>
+          </p:nvPr>
+        </p:nvSpPr>
+        <p:spPr/>
+      </p:sp>
+      <p:sp>
+        <p:nvSpPr>
+          <p:cNvPr id="3" name="슬라이드 노트 개체 틀 2"/>
+          <p:cNvSpPr>
+            <a:spLocks noGrp="1"/>
+          </p:cNvSpPr>
+          <p:nvPr>
+            <p:ph type="body" idx="1"/>
+          </p:nvPr>
+        </p:nvSpPr>
+        <p:spPr/>
+        <p:txBody>
+          <a:bodyPr/>
+          <a:lstStyle/>
+          <a:p>
+            <a:endParaRPr lang="ko-KR" altLang="en-US" dirty="0"/>
+          </a:p>
+        </p:txBody>
+      </p:sp>
+      <p:sp>
+        <p:nvSpPr>
+          <p:cNvPr id="4" name="슬라이드 번호 개체 틀 3"/>
+          <p:cNvSpPr>
+            <a:spLocks noGrp="1"/>
+          </p:cNvSpPr>
+          <p:nvPr>
+            <p:ph type="sldNum" sz="quarter" idx="10"/>
+          </p:nvPr>
+        </p:nvSpPr>
+        <p:spPr/>
+        <p:txBody>
+          <a:bodyPr/>
+          <a:lstStyle/>
+          <a:p>
+            <a:fld id="{C191BC67-C438-4515-9D3F-F10D40F1354A}" type="slidenum">
+              <a:rPr lang="ko-KR" altLang="en-US" smtClean="0"/>
+              <a:t>81</a:t>
+            </a:fld>
+            <a:endParaRPr lang="ko-KR" altLang="en-US"/>
+          </a:p>
+        </p:txBody>
+      </p:sp>
+    </p:spTree>
+    <p:extLst>
+      <p:ext uri="{BB962C8B-B14F-4D97-AF65-F5344CB8AC3E}">
+        <p14:creationId xmlns:p14="http://schemas.microsoft.com/office/powerpoint/2010/main" val="215703878"/>
+      </p:ext>
+    </p:extLst>
+  </p:cSld>
+  <p:clrMapOvr>
+    <a:masterClrMapping/>
+  </p:clrMapOvr>
+</p:notes>
+</file>
+
+<file path=ppt/notesSlides/notesSlide82.xml><?xml version="1.0" encoding="utf-8"?>
+<p:notes xmlns:a="http://schemas.openxmlformats.org/drawingml/2006/main" xmlns:r="http://schemas.openxmlformats.org/officeDocument/2006/relationships" xmlns:p="http://schemas.openxmlformats.org/presentationml/2006/main">
+  <p:cSld>
+    <p:spTree>
+      <p:nvGrpSpPr>
+        <p:cNvPr id="1" name=""/>
+        <p:cNvGrpSpPr/>
+        <p:nvPr/>
+      </p:nvGrpSpPr>
+      <p:grpSpPr>
+        <a:xfrm>
+          <a:off x="0" y="0"/>
+          <a:ext cx="0" cy="0"/>
+          <a:chOff x="0" y="0"/>
+          <a:chExt cx="0" cy="0"/>
+        </a:xfrm>
+      </p:grpSpPr>
+      <p:sp>
+        <p:nvSpPr>
+          <p:cNvPr id="2" name="슬라이드 이미지 개체 틀 1"/>
+          <p:cNvSpPr>
+            <a:spLocks noGrp="1" noRot="1" noChangeAspect="1"/>
+          </p:cNvSpPr>
+          <p:nvPr>
+            <p:ph type="sldImg"/>
+          </p:nvPr>
+        </p:nvSpPr>
+        <p:spPr/>
+      </p:sp>
+      <p:sp>
+        <p:nvSpPr>
+          <p:cNvPr id="3" name="슬라이드 노트 개체 틀 2"/>
+          <p:cNvSpPr>
+            <a:spLocks noGrp="1"/>
+          </p:cNvSpPr>
+          <p:nvPr>
+            <p:ph type="body" idx="1"/>
+          </p:nvPr>
+        </p:nvSpPr>
+        <p:spPr/>
+        <p:txBody>
+          <a:bodyPr/>
+          <a:lstStyle/>
+          <a:p>
+            <a:endParaRPr lang="ko-KR" altLang="en-US" dirty="0"/>
+          </a:p>
+        </p:txBody>
+      </p:sp>
+      <p:sp>
+        <p:nvSpPr>
+          <p:cNvPr id="4" name="슬라이드 번호 개체 틀 3"/>
+          <p:cNvSpPr>
+            <a:spLocks noGrp="1"/>
+          </p:cNvSpPr>
+          <p:nvPr>
+            <p:ph type="sldNum" sz="quarter" idx="10"/>
+          </p:nvPr>
+        </p:nvSpPr>
+        <p:spPr/>
+        <p:txBody>
+          <a:bodyPr/>
+          <a:lstStyle/>
+          <a:p>
+            <a:fld id="{C191BC67-C438-4515-9D3F-F10D40F1354A}" type="slidenum">
+              <a:rPr lang="ko-KR" altLang="en-US" smtClean="0"/>
+              <a:t>82</a:t>
+            </a:fld>
+            <a:endParaRPr lang="ko-KR" altLang="en-US"/>
+          </a:p>
+        </p:txBody>
+      </p:sp>
+    </p:spTree>
+    <p:extLst>
+      <p:ext uri="{BB962C8B-B14F-4D97-AF65-F5344CB8AC3E}">
+        <p14:creationId xmlns:p14="http://schemas.microsoft.com/office/powerpoint/2010/main" val="1245008165"/>
+      </p:ext>
+    </p:extLst>
+  </p:cSld>
+  <p:clrMapOvr>
+    <a:masterClrMapping/>
+  </p:clrMapOvr>
+</p:notes>
+</file>
+
+<file path=ppt/notesSlides/notesSlide83.xml><?xml version="1.0" encoding="utf-8"?>
+<p:notes xmlns:a="http://schemas.openxmlformats.org/drawingml/2006/main" xmlns:r="http://schemas.openxmlformats.org/officeDocument/2006/relationships" xmlns:p="http://schemas.openxmlformats.org/presentationml/2006/main">
+  <p:cSld>
+    <p:spTree>
+      <p:nvGrpSpPr>
+        <p:cNvPr id="1" name=""/>
+        <p:cNvGrpSpPr/>
+        <p:nvPr/>
+      </p:nvGrpSpPr>
+      <p:grpSpPr>
+        <a:xfrm>
+          <a:off x="0" y="0"/>
+          <a:ext cx="0" cy="0"/>
+          <a:chOff x="0" y="0"/>
+          <a:chExt cx="0" cy="0"/>
+        </a:xfrm>
+      </p:grpSpPr>
+      <p:sp>
+        <p:nvSpPr>
+          <p:cNvPr id="2" name="슬라이드 이미지 개체 틀 1"/>
+          <p:cNvSpPr>
+            <a:spLocks noGrp="1" noRot="1" noChangeAspect="1"/>
+          </p:cNvSpPr>
+          <p:nvPr>
+            <p:ph type="sldImg"/>
+          </p:nvPr>
+        </p:nvSpPr>
+        <p:spPr/>
+      </p:sp>
+      <p:sp>
+        <p:nvSpPr>
+          <p:cNvPr id="3" name="슬라이드 노트 개체 틀 2"/>
+          <p:cNvSpPr>
+            <a:spLocks noGrp="1"/>
+          </p:cNvSpPr>
+          <p:nvPr>
+            <p:ph type="body" idx="1"/>
+          </p:nvPr>
+        </p:nvSpPr>
+        <p:spPr/>
+        <p:txBody>
+          <a:bodyPr/>
+          <a:lstStyle/>
+          <a:p>
+            <a:endParaRPr lang="ko-KR" altLang="en-US" dirty="0"/>
+          </a:p>
+        </p:txBody>
+      </p:sp>
+      <p:sp>
+        <p:nvSpPr>
+          <p:cNvPr id="4" name="슬라이드 번호 개체 틀 3"/>
+          <p:cNvSpPr>
+            <a:spLocks noGrp="1"/>
+          </p:cNvSpPr>
+          <p:nvPr>
+            <p:ph type="sldNum" sz="quarter" idx="10"/>
+          </p:nvPr>
+        </p:nvSpPr>
+        <p:spPr/>
+        <p:txBody>
+          <a:bodyPr/>
+          <a:lstStyle/>
+          <a:p>
+            <a:fld id="{C191BC67-C438-4515-9D3F-F10D40F1354A}" type="slidenum">
+              <a:rPr lang="ko-KR" altLang="en-US" smtClean="0"/>
+              <a:t>83</a:t>
+            </a:fld>
+            <a:endParaRPr lang="ko-KR" altLang="en-US"/>
+          </a:p>
+        </p:txBody>
+      </p:sp>
+    </p:spTree>
+    <p:extLst>
+      <p:ext uri="{BB962C8B-B14F-4D97-AF65-F5344CB8AC3E}">
+        <p14:creationId xmlns:p14="http://schemas.microsoft.com/office/powerpoint/2010/main" val="2174871938"/>
+      </p:ext>
+    </p:extLst>
+  </p:cSld>
+  <p:clrMapOvr>
+    <a:masterClrMapping/>
+  </p:clrMapOvr>
+</p:notes>
+</file>
+
+<file path=ppt/notesSlides/notesSlide84.xml><?xml version="1.0" encoding="utf-8"?>
+<p:notes xmlns:a="http://schemas.openxmlformats.org/drawingml/2006/main" xmlns:r="http://schemas.openxmlformats.org/officeDocument/2006/relationships" xmlns:p="http://schemas.openxmlformats.org/presentationml/2006/main">
+  <p:cSld>
+    <p:spTree>
+      <p:nvGrpSpPr>
+        <p:cNvPr id="1" name=""/>
+        <p:cNvGrpSpPr/>
+        <p:nvPr/>
+      </p:nvGrpSpPr>
+      <p:grpSpPr>
+        <a:xfrm>
+          <a:off x="0" y="0"/>
+          <a:ext cx="0" cy="0"/>
+          <a:chOff x="0" y="0"/>
+          <a:chExt cx="0" cy="0"/>
+        </a:xfrm>
+      </p:grpSpPr>
+      <p:sp>
+        <p:nvSpPr>
+          <p:cNvPr id="2" name="슬라이드 이미지 개체 틀 1"/>
+          <p:cNvSpPr>
+            <a:spLocks noGrp="1" noRot="1" noChangeAspect="1"/>
+          </p:cNvSpPr>
+          <p:nvPr>
+            <p:ph type="sldImg"/>
+          </p:nvPr>
+        </p:nvSpPr>
+        <p:spPr/>
+      </p:sp>
+      <p:sp>
+        <p:nvSpPr>
+          <p:cNvPr id="3" name="슬라이드 노트 개체 틀 2"/>
+          <p:cNvSpPr>
+            <a:spLocks noGrp="1"/>
+          </p:cNvSpPr>
+          <p:nvPr>
+            <p:ph type="body" idx="1"/>
+          </p:nvPr>
+        </p:nvSpPr>
+        <p:spPr/>
+        <p:txBody>
+          <a:bodyPr/>
+          <a:lstStyle/>
+          <a:p>
+            <a:endParaRPr lang="ko-KR" altLang="en-US" dirty="0"/>
+          </a:p>
+        </p:txBody>
+      </p:sp>
+      <p:sp>
+        <p:nvSpPr>
+          <p:cNvPr id="4" name="슬라이드 번호 개체 틀 3"/>
+          <p:cNvSpPr>
+            <a:spLocks noGrp="1"/>
+          </p:cNvSpPr>
+          <p:nvPr>
+            <p:ph type="sldNum" sz="quarter" idx="10"/>
+          </p:nvPr>
+        </p:nvSpPr>
+        <p:spPr/>
+        <p:txBody>
+          <a:bodyPr/>
+          <a:lstStyle/>
+          <a:p>
+            <a:fld id="{C191BC67-C438-4515-9D3F-F10D40F1354A}" type="slidenum">
+              <a:rPr lang="ko-KR" altLang="en-US" smtClean="0"/>
+              <a:t>84</a:t>
+            </a:fld>
+            <a:endParaRPr lang="ko-KR" altLang="en-US"/>
+          </a:p>
+        </p:txBody>
+      </p:sp>
+    </p:spTree>
+    <p:extLst>
+      <p:ext uri="{BB962C8B-B14F-4D97-AF65-F5344CB8AC3E}">
+        <p14:creationId xmlns:p14="http://schemas.microsoft.com/office/powerpoint/2010/main" val="2267619681"/>
+      </p:ext>
+    </p:extLst>
+  </p:cSld>
+  <p:clrMapOvr>
+    <a:masterClrMapping/>
+  </p:clrMapOvr>
+</p:notes>
+</file>
+
+<file path=ppt/notesSlides/notesSlide85.xml><?xml version="1.0" encoding="utf-8"?>
+<p:notes xmlns:a="http://schemas.openxmlformats.org/drawingml/2006/main" xmlns:r="http://schemas.openxmlformats.org/officeDocument/2006/relationships" xmlns:p="http://schemas.openxmlformats.org/presentationml/2006/main">
+  <p:cSld>
+    <p:spTree>
+      <p:nvGrpSpPr>
+        <p:cNvPr id="1" name=""/>
+        <p:cNvGrpSpPr/>
+        <p:nvPr/>
+      </p:nvGrpSpPr>
+      <p:grpSpPr>
+        <a:xfrm>
+          <a:off x="0" y="0"/>
+          <a:ext cx="0" cy="0"/>
+          <a:chOff x="0" y="0"/>
+          <a:chExt cx="0" cy="0"/>
+        </a:xfrm>
+      </p:grpSpPr>
+      <p:sp>
+        <p:nvSpPr>
+          <p:cNvPr id="2" name="슬라이드 이미지 개체 틀 1"/>
+          <p:cNvSpPr>
+            <a:spLocks noGrp="1" noRot="1" noChangeAspect="1"/>
+          </p:cNvSpPr>
+          <p:nvPr>
+            <p:ph type="sldImg"/>
+          </p:nvPr>
+        </p:nvSpPr>
+        <p:spPr/>
+      </p:sp>
+      <p:sp>
+        <p:nvSpPr>
+          <p:cNvPr id="3" name="슬라이드 노트 개체 틀 2"/>
+          <p:cNvSpPr>
+            <a:spLocks noGrp="1"/>
+          </p:cNvSpPr>
+          <p:nvPr>
+            <p:ph type="body" idx="1"/>
+          </p:nvPr>
+        </p:nvSpPr>
+        <p:spPr/>
+        <p:txBody>
+          <a:bodyPr/>
+          <a:lstStyle/>
+          <a:p>
+            <a:endParaRPr lang="ko-KR" altLang="en-US" dirty="0"/>
+          </a:p>
+        </p:txBody>
+      </p:sp>
+      <p:sp>
+        <p:nvSpPr>
+          <p:cNvPr id="4" name="슬라이드 번호 개체 틀 3"/>
+          <p:cNvSpPr>
+            <a:spLocks noGrp="1"/>
+          </p:cNvSpPr>
+          <p:nvPr>
+            <p:ph type="sldNum" sz="quarter" idx="10"/>
+          </p:nvPr>
+        </p:nvSpPr>
+        <p:spPr/>
+        <p:txBody>
+          <a:bodyPr/>
+          <a:lstStyle/>
+          <a:p>
+            <a:fld id="{C191BC67-C438-4515-9D3F-F10D40F1354A}" type="slidenum">
+              <a:rPr lang="ko-KR" altLang="en-US" smtClean="0"/>
+              <a:t>85</a:t>
+            </a:fld>
+            <a:endParaRPr lang="ko-KR" altLang="en-US"/>
+          </a:p>
+        </p:txBody>
+      </p:sp>
+    </p:spTree>
+    <p:extLst>
+      <p:ext uri="{BB962C8B-B14F-4D97-AF65-F5344CB8AC3E}">
+        <p14:creationId xmlns:p14="http://schemas.microsoft.com/office/powerpoint/2010/main" val="3527268930"/>
+      </p:ext>
+    </p:extLst>
+  </p:cSld>
+  <p:clrMapOvr>
+    <a:masterClrMapping/>
+  </p:clrMapOvr>
+</p:notes>
+</file>
+
+<file path=ppt/notesSlides/notesSlide86.xml><?xml version="1.0" encoding="utf-8"?>
+<p:notes xmlns:a="http://schemas.openxmlformats.org/drawingml/2006/main" xmlns:r="http://schemas.openxmlformats.org/officeDocument/2006/relationships" xmlns:p="http://schemas.openxmlformats.org/presentationml/2006/main">
+  <p:cSld>
+    <p:spTree>
+      <p:nvGrpSpPr>
+        <p:cNvPr id="1" name=""/>
+        <p:cNvGrpSpPr/>
+        <p:nvPr/>
+      </p:nvGrpSpPr>
+      <p:grpSpPr>
+        <a:xfrm>
+          <a:off x="0" y="0"/>
+          <a:ext cx="0" cy="0"/>
+          <a:chOff x="0" y="0"/>
+          <a:chExt cx="0" cy="0"/>
+        </a:xfrm>
+      </p:grpSpPr>
+      <p:sp>
+        <p:nvSpPr>
+          <p:cNvPr id="2" name="슬라이드 이미지 개체 틀 1"/>
+          <p:cNvSpPr>
+            <a:spLocks noGrp="1" noRot="1" noChangeAspect="1"/>
+          </p:cNvSpPr>
+          <p:nvPr>
+            <p:ph type="sldImg"/>
+          </p:nvPr>
+        </p:nvSpPr>
+        <p:spPr/>
+      </p:sp>
+      <p:sp>
+        <p:nvSpPr>
+          <p:cNvPr id="3" name="슬라이드 노트 개체 틀 2"/>
+          <p:cNvSpPr>
+            <a:spLocks noGrp="1"/>
+          </p:cNvSpPr>
+          <p:nvPr>
+            <p:ph type="body" idx="1"/>
+          </p:nvPr>
+        </p:nvSpPr>
+        <p:spPr/>
+        <p:txBody>
+          <a:bodyPr/>
+          <a:lstStyle/>
+          <a:p>
+            <a:endParaRPr lang="ko-KR" altLang="en-US" dirty="0"/>
+          </a:p>
+        </p:txBody>
+      </p:sp>
+      <p:sp>
+        <p:nvSpPr>
+          <p:cNvPr id="4" name="슬라이드 번호 개체 틀 3"/>
+          <p:cNvSpPr>
+            <a:spLocks noGrp="1"/>
+          </p:cNvSpPr>
+          <p:nvPr>
+            <p:ph type="sldNum" sz="quarter" idx="10"/>
+          </p:nvPr>
+        </p:nvSpPr>
+        <p:spPr/>
+        <p:txBody>
+          <a:bodyPr/>
+          <a:lstStyle/>
+          <a:p>
+            <a:fld id="{C191BC67-C438-4515-9D3F-F10D40F1354A}" type="slidenum">
+              <a:rPr lang="ko-KR" altLang="en-US" smtClean="0"/>
+              <a:t>86</a:t>
+            </a:fld>
+            <a:endParaRPr lang="ko-KR" altLang="en-US"/>
+          </a:p>
+        </p:txBody>
+      </p:sp>
+    </p:spTree>
+    <p:extLst>
+      <p:ext uri="{BB962C8B-B14F-4D97-AF65-F5344CB8AC3E}">
+        <p14:creationId xmlns:p14="http://schemas.microsoft.com/office/powerpoint/2010/main" val="2906525745"/>
+      </p:ext>
+    </p:extLst>
+  </p:cSld>
+  <p:clrMapOvr>
+    <a:masterClrMapping/>
+  </p:clrMapOvr>
+</p:notes>
+</file>
+
+<file path=ppt/notesSlides/notesSlide87.xml><?xml version="1.0" encoding="utf-8"?>
+<p:notes xmlns:a="http://schemas.openxmlformats.org/drawingml/2006/main" xmlns:r="http://schemas.openxmlformats.org/officeDocument/2006/relationships" xmlns:p="http://schemas.openxmlformats.org/presentationml/2006/main">
+  <p:cSld>
+    <p:spTree>
+      <p:nvGrpSpPr>
+        <p:cNvPr id="1" name=""/>
+        <p:cNvGrpSpPr/>
+        <p:nvPr/>
+      </p:nvGrpSpPr>
+      <p:grpSpPr>
+        <a:xfrm>
+          <a:off x="0" y="0"/>
+          <a:ext cx="0" cy="0"/>
+          <a:chOff x="0" y="0"/>
+          <a:chExt cx="0" cy="0"/>
+        </a:xfrm>
+      </p:grpSpPr>
+      <p:sp>
+        <p:nvSpPr>
+          <p:cNvPr id="2" name="슬라이드 이미지 개체 틀 1"/>
+          <p:cNvSpPr>
+            <a:spLocks noGrp="1" noRot="1" noChangeAspect="1"/>
+          </p:cNvSpPr>
+          <p:nvPr>
+            <p:ph type="sldImg"/>
+          </p:nvPr>
+        </p:nvSpPr>
+        <p:spPr/>
+      </p:sp>
+      <p:sp>
+        <p:nvSpPr>
+          <p:cNvPr id="3" name="슬라이드 노트 개체 틀 2"/>
+          <p:cNvSpPr>
+            <a:spLocks noGrp="1"/>
+          </p:cNvSpPr>
+          <p:nvPr>
+            <p:ph type="body" idx="1"/>
+          </p:nvPr>
+        </p:nvSpPr>
+        <p:spPr/>
+        <p:txBody>
+          <a:bodyPr/>
+          <a:lstStyle/>
+          <a:p>
+            <a:endParaRPr lang="ko-KR" altLang="en-US" dirty="0"/>
+          </a:p>
+        </p:txBody>
+      </p:sp>
+      <p:sp>
+        <p:nvSpPr>
+          <p:cNvPr id="4" name="슬라이드 번호 개체 틀 3"/>
+          <p:cNvSpPr>
+            <a:spLocks noGrp="1"/>
+          </p:cNvSpPr>
+          <p:nvPr>
+            <p:ph type="sldNum" sz="quarter" idx="10"/>
+          </p:nvPr>
+        </p:nvSpPr>
+        <p:spPr/>
+        <p:txBody>
+          <a:bodyPr/>
+          <a:lstStyle/>
+          <a:p>
+            <a:fld id="{C191BC67-C438-4515-9D3F-F10D40F1354A}" type="slidenum">
+              <a:rPr lang="ko-KR" altLang="en-US" smtClean="0"/>
+              <a:t>87</a:t>
+            </a:fld>
+            <a:endParaRPr lang="ko-KR" altLang="en-US"/>
+          </a:p>
+        </p:txBody>
+      </p:sp>
+    </p:spTree>
+    <p:extLst>
+      <p:ext uri="{BB962C8B-B14F-4D97-AF65-F5344CB8AC3E}">
+        <p14:creationId xmlns:p14="http://schemas.microsoft.com/office/powerpoint/2010/main" val="3923134337"/>
+      </p:ext>
+    </p:extLst>
+  </p:cSld>
+  <p:clrMapOvr>
+    <a:masterClrMapping/>
+  </p:clrMapOvr>
+</p:notes>
+</file>
+
+<file path=ppt/notesSlides/notesSlide88.xml><?xml version="1.0" encoding="utf-8"?>
+<p:notes xmlns:a="http://schemas.openxmlformats.org/drawingml/2006/main" xmlns:r="http://schemas.openxmlformats.org/officeDocument/2006/relationships" xmlns:p="http://schemas.openxmlformats.org/presentationml/2006/main">
+  <p:cSld>
+    <p:spTree>
+      <p:nvGrpSpPr>
+        <p:cNvPr id="1" name=""/>
+        <p:cNvGrpSpPr/>
+        <p:nvPr/>
+      </p:nvGrpSpPr>
+      <p:grpSpPr>
+        <a:xfrm>
+          <a:off x="0" y="0"/>
+          <a:ext cx="0" cy="0"/>
+          <a:chOff x="0" y="0"/>
+          <a:chExt cx="0" cy="0"/>
+        </a:xfrm>
+      </p:grpSpPr>
+      <p:sp>
+        <p:nvSpPr>
+          <p:cNvPr id="2" name="슬라이드 이미지 개체 틀 1"/>
+          <p:cNvSpPr>
+            <a:spLocks noGrp="1" noRot="1" noChangeAspect="1"/>
+          </p:cNvSpPr>
+          <p:nvPr>
+            <p:ph type="sldImg"/>
+          </p:nvPr>
+        </p:nvSpPr>
+        <p:spPr/>
+      </p:sp>
+      <p:sp>
+        <p:nvSpPr>
+          <p:cNvPr id="3" name="슬라이드 노트 개체 틀 2"/>
+          <p:cNvSpPr>
+            <a:spLocks noGrp="1"/>
+          </p:cNvSpPr>
+          <p:nvPr>
+            <p:ph type="body" idx="1"/>
+          </p:nvPr>
+        </p:nvSpPr>
+        <p:spPr/>
+        <p:txBody>
+          <a:bodyPr/>
+          <a:lstStyle/>
+          <a:p>
+            <a:endParaRPr lang="ko-KR" altLang="en-US" dirty="0"/>
+          </a:p>
+        </p:txBody>
+      </p:sp>
+      <p:sp>
+        <p:nvSpPr>
+          <p:cNvPr id="4" name="슬라이드 번호 개체 틀 3"/>
+          <p:cNvSpPr>
+            <a:spLocks noGrp="1"/>
+          </p:cNvSpPr>
+          <p:nvPr>
+            <p:ph type="sldNum" sz="quarter" idx="10"/>
+          </p:nvPr>
+        </p:nvSpPr>
+        <p:spPr/>
+        <p:txBody>
+          <a:bodyPr/>
+          <a:lstStyle/>
+          <a:p>
+            <a:fld id="{C191BC67-C438-4515-9D3F-F10D40F1354A}" type="slidenum">
+              <a:rPr lang="ko-KR" altLang="en-US" smtClean="0"/>
+              <a:t>88</a:t>
+            </a:fld>
+            <a:endParaRPr lang="ko-KR" altLang="en-US"/>
+          </a:p>
+        </p:txBody>
+      </p:sp>
+    </p:spTree>
+    <p:extLst>
+      <p:ext uri="{BB962C8B-B14F-4D97-AF65-F5344CB8AC3E}">
+        <p14:creationId xmlns:p14="http://schemas.microsoft.com/office/powerpoint/2010/main" val="689696755"/>
+      </p:ext>
+    </p:extLst>
+  </p:cSld>
+  <p:clrMapOvr>
+    <a:masterClrMapping/>
+  </p:clrMapOvr>
+</p:notes>
+</file>
+
+<file path=ppt/notesSlides/notesSlide89.xml><?xml version="1.0" encoding="utf-8"?>
+<p:notes xmlns:a="http://schemas.openxmlformats.org/drawingml/2006/main" xmlns:r="http://schemas.openxmlformats.org/officeDocument/2006/relationships" xmlns:p="http://schemas.openxmlformats.org/presentationml/2006/main">
+  <p:cSld>
+    <p:spTree>
+      <p:nvGrpSpPr>
+        <p:cNvPr id="1" name=""/>
+        <p:cNvGrpSpPr/>
+        <p:nvPr/>
+      </p:nvGrpSpPr>
+      <p:grpSpPr>
+        <a:xfrm>
+          <a:off x="0" y="0"/>
+          <a:ext cx="0" cy="0"/>
+          <a:chOff x="0" y="0"/>
+          <a:chExt cx="0" cy="0"/>
+        </a:xfrm>
+      </p:grpSpPr>
+      <p:sp>
+        <p:nvSpPr>
+          <p:cNvPr id="2" name="슬라이드 이미지 개체 틀 1"/>
+          <p:cNvSpPr>
+            <a:spLocks noGrp="1" noRot="1" noChangeAspect="1"/>
+          </p:cNvSpPr>
+          <p:nvPr>
+            <p:ph type="sldImg"/>
+          </p:nvPr>
+        </p:nvSpPr>
+        <p:spPr/>
+      </p:sp>
+      <p:sp>
+        <p:nvSpPr>
+          <p:cNvPr id="3" name="슬라이드 노트 개체 틀 2"/>
+          <p:cNvSpPr>
+            <a:spLocks noGrp="1"/>
+          </p:cNvSpPr>
+          <p:nvPr>
+            <p:ph type="body" idx="1"/>
+          </p:nvPr>
+        </p:nvSpPr>
+        <p:spPr/>
+        <p:txBody>
+          <a:bodyPr/>
+          <a:lstStyle/>
+          <a:p>
+            <a:endParaRPr lang="ko-KR" altLang="en-US" dirty="0"/>
+          </a:p>
+        </p:txBody>
+      </p:sp>
+      <p:sp>
+        <p:nvSpPr>
+          <p:cNvPr id="4" name="슬라이드 번호 개체 틀 3"/>
+          <p:cNvSpPr>
+            <a:spLocks noGrp="1"/>
+          </p:cNvSpPr>
+          <p:nvPr>
+            <p:ph type="sldNum" sz="quarter" idx="10"/>
+          </p:nvPr>
+        </p:nvSpPr>
+        <p:spPr/>
+        <p:txBody>
+          <a:bodyPr/>
+          <a:lstStyle/>
+          <a:p>
+            <a:fld id="{C191BC67-C438-4515-9D3F-F10D40F1354A}" type="slidenum">
+              <a:rPr lang="ko-KR" altLang="en-US" smtClean="0"/>
+              <a:t>89</a:t>
+            </a:fld>
+            <a:endParaRPr lang="ko-KR" altLang="en-US"/>
+          </a:p>
+        </p:txBody>
+      </p:sp>
+    </p:spTree>
+    <p:extLst>
+      <p:ext uri="{BB962C8B-B14F-4D97-AF65-F5344CB8AC3E}">
+        <p14:creationId xmlns:p14="http://schemas.microsoft.com/office/powerpoint/2010/main" val="3126294922"/>
       </p:ext>
     </p:extLst>
   </p:cSld>
@@ -7208,6 +8229,90 @@
 </p:notes>
 </file>
 
+<file path=ppt/notesSlides/notesSlide90.xml><?xml version="1.0" encoding="utf-8"?>
+<p:notes xmlns:a="http://schemas.openxmlformats.org/drawingml/2006/main" xmlns:r="http://schemas.openxmlformats.org/officeDocument/2006/relationships" xmlns:p="http://schemas.openxmlformats.org/presentationml/2006/main">
+  <p:cSld>
+    <p:spTree>
+      <p:nvGrpSpPr>
+        <p:cNvPr id="1" name=""/>
+        <p:cNvGrpSpPr/>
+        <p:nvPr/>
+      </p:nvGrpSpPr>
+      <p:grpSpPr>
+        <a:xfrm>
+          <a:off x="0" y="0"/>
+          <a:ext cx="0" cy="0"/>
+          <a:chOff x="0" y="0"/>
+          <a:chExt cx="0" cy="0"/>
+        </a:xfrm>
+      </p:grpSpPr>
+      <p:sp>
+        <p:nvSpPr>
+          <p:cNvPr id="2" name="슬라이드 이미지 개체 틀 1"/>
+          <p:cNvSpPr>
+            <a:spLocks noGrp="1" noRot="1" noChangeAspect="1"/>
+          </p:cNvSpPr>
+          <p:nvPr>
+            <p:ph type="sldImg"/>
+          </p:nvPr>
+        </p:nvSpPr>
+        <p:spPr/>
+      </p:sp>
+      <p:sp>
+        <p:nvSpPr>
+          <p:cNvPr id="3" name="슬라이드 노트 개체 틀 2"/>
+          <p:cNvSpPr>
+            <a:spLocks noGrp="1"/>
+          </p:cNvSpPr>
+          <p:nvPr>
+            <p:ph type="body" idx="1"/>
+          </p:nvPr>
+        </p:nvSpPr>
+        <p:spPr/>
+        <p:txBody>
+          <a:bodyPr/>
+          <a:lstStyle/>
+          <a:p>
+            <a:endParaRPr lang="ko-KR" altLang="en-US" dirty="0"/>
+          </a:p>
+        </p:txBody>
+      </p:sp>
+      <p:sp>
+        <p:nvSpPr>
+          <p:cNvPr id="4" name="슬라이드 번호 개체 틀 3"/>
+          <p:cNvSpPr>
+            <a:spLocks noGrp="1"/>
+          </p:cNvSpPr>
+          <p:nvPr>
+            <p:ph type="sldNum" sz="quarter" idx="10"/>
+          </p:nvPr>
+        </p:nvSpPr>
+        <p:spPr/>
+        <p:txBody>
+          <a:bodyPr/>
+          <a:lstStyle/>
+          <a:p>
+            <a:fld id="{C191BC67-C438-4515-9D3F-F10D40F1354A}" type="slidenum">
+              <a:rPr lang="ko-KR" altLang="en-US" smtClean="0"/>
+              <a:t>90</a:t>
+            </a:fld>
+            <a:endParaRPr lang="ko-KR" altLang="en-US"/>
+          </a:p>
+        </p:txBody>
+      </p:sp>
+    </p:spTree>
+    <p:extLst>
+      <p:ext uri="{BB962C8B-B14F-4D97-AF65-F5344CB8AC3E}">
+        <p14:creationId xmlns:p14="http://schemas.microsoft.com/office/powerpoint/2010/main" val="1188002703"/>
+      </p:ext>
+    </p:extLst>
+  </p:cSld>
+  <p:clrMapOvr>
+    <a:masterClrMapping/>
+  </p:clrMapOvr>
+</p:notes>
+</file>
+
 <file path=ppt/slideLayouts/slideLayout1.xml><?xml version="1.0" encoding="utf-8"?>
 <p:sldLayout xmlns:a="http://schemas.openxmlformats.org/drawingml/2006/main" xmlns:r="http://schemas.openxmlformats.org/officeDocument/2006/relationships" xmlns:p="http://schemas.openxmlformats.org/presentationml/2006/main" type="title" preserve="1">
   <p:cSld name="제목 슬라이드">
@@ -7387,7 +8492,7 @@
           <a:p>
             <a:fld id="{89B5E594-86C5-4F1D-8812-38DF40064943}" type="datetime1">
               <a:rPr lang="ko-KR" altLang="en-US" smtClean="0"/>
-              <a:t>2020-10-12</a:t>
+              <a:t>2020-11-29</a:t>
             </a:fld>
             <a:endParaRPr lang="ko-KR" altLang="en-US"/>
           </a:p>
@@ -7595,7 +8700,7 @@
           <a:p>
             <a:fld id="{05C0B17C-522D-4CD8-8139-01EDEBAB2AF6}" type="datetime1">
               <a:rPr lang="ko-KR" altLang="en-US" smtClean="0"/>
-              <a:t>2020-10-12</a:t>
+              <a:t>2020-11-29</a:t>
             </a:fld>
             <a:endParaRPr lang="ko-KR" altLang="en-US"/>
           </a:p>
@@ -7773,7 +8878,7 @@
           <a:p>
             <a:fld id="{7345261C-38F3-40E7-AAA6-CE27B727AA65}" type="datetime1">
               <a:rPr lang="ko-KR" altLang="en-US" smtClean="0"/>
-              <a:t>2020-10-12</a:t>
+              <a:t>2020-11-29</a:t>
             </a:fld>
             <a:endParaRPr lang="ko-KR" altLang="en-US"/>
           </a:p>
@@ -7941,7 +9046,7 @@
           <a:p>
             <a:fld id="{A8472951-AD8C-47B8-8787-30E2F4BFA1EA}" type="datetime1">
               <a:rPr lang="ko-KR" altLang="en-US" smtClean="0"/>
-              <a:t>2020-10-12</a:t>
+              <a:t>2020-11-29</a:t>
             </a:fld>
             <a:endParaRPr lang="ko-KR" altLang="en-US"/>
           </a:p>
@@ -8196,7 +9301,7 @@
           <a:p>
             <a:fld id="{8BCB1BBF-13D1-46E6-8B8B-C9F26A0BAD91}" type="datetime1">
               <a:rPr lang="ko-KR" altLang="en-US" smtClean="0"/>
-              <a:t>2020-10-12</a:t>
+              <a:t>2020-11-29</a:t>
             </a:fld>
             <a:endParaRPr lang="ko-KR" altLang="en-US"/>
           </a:p>
@@ -8481,7 +9586,7 @@
           <a:p>
             <a:fld id="{B16FDC3D-FD6A-49DF-B101-11717D57279F}" type="datetime1">
               <a:rPr lang="ko-KR" altLang="en-US" smtClean="0"/>
-              <a:t>2020-10-12</a:t>
+              <a:t>2020-11-29</a:t>
             </a:fld>
             <a:endParaRPr lang="ko-KR" altLang="en-US"/>
           </a:p>
@@ -8900,7 +10005,7 @@
           <a:p>
             <a:fld id="{42D411A2-FD90-4A19-98A8-25197A66BC26}" type="datetime1">
               <a:rPr lang="ko-KR" altLang="en-US" smtClean="0"/>
-              <a:t>2020-10-12</a:t>
+              <a:t>2020-11-29</a:t>
             </a:fld>
             <a:endParaRPr lang="ko-KR" altLang="en-US"/>
           </a:p>
@@ -9017,7 +10122,7 @@
           <a:p>
             <a:fld id="{F6E6B532-6471-449A-9A2F-4428556C2F98}" type="datetime1">
               <a:rPr lang="ko-KR" altLang="en-US" smtClean="0"/>
-              <a:t>2020-10-12</a:t>
+              <a:t>2020-11-29</a:t>
             </a:fld>
             <a:endParaRPr lang="ko-KR" altLang="en-US"/>
           </a:p>
@@ -9112,7 +10217,7 @@
           <a:p>
             <a:fld id="{45A9E13B-856D-4562-A86D-A2B6F7BF810F}" type="datetime1">
               <a:rPr lang="ko-KR" altLang="en-US" smtClean="0"/>
-              <a:t>2020-10-12</a:t>
+              <a:t>2020-11-29</a:t>
             </a:fld>
             <a:endParaRPr lang="ko-KR" altLang="en-US"/>
           </a:p>
@@ -9387,7 +10492,7 @@
           <a:p>
             <a:fld id="{A672FB3A-7E9E-4380-9381-6FCA87FBB41A}" type="datetime1">
               <a:rPr lang="ko-KR" altLang="en-US" smtClean="0"/>
-              <a:t>2020-10-12</a:t>
+              <a:t>2020-11-29</a:t>
             </a:fld>
             <a:endParaRPr lang="ko-KR" altLang="en-US"/>
           </a:p>
@@ -9639,7 +10744,7 @@
           <a:p>
             <a:fld id="{3948CCBA-1514-4E9E-888A-807450F810B0}" type="datetime1">
               <a:rPr lang="ko-KR" altLang="en-US" smtClean="0"/>
-              <a:t>2020-10-12</a:t>
+              <a:t>2020-11-29</a:t>
             </a:fld>
             <a:endParaRPr lang="ko-KR" altLang="en-US"/>
           </a:p>
@@ -9852,7 +10957,7 @@
           <a:p>
             <a:fld id="{170EDEE7-370E-499F-B978-ABF387098974}" type="datetime1">
               <a:rPr lang="ko-KR" altLang="en-US" smtClean="0"/>
-              <a:t>2020-10-12</a:t>
+              <a:t>2020-11-29</a:t>
             </a:fld>
             <a:endParaRPr lang="ko-KR" altLang="en-US" dirty="0"/>
           </a:p>
@@ -42852,6 +43957,1208 @@
 </p:sld>
 </file>
 
+<file path=ppt/slides/slide78.xml><?xml version="1.0" encoding="utf-8"?>
+<p:sld xmlns:a="http://schemas.openxmlformats.org/drawingml/2006/main" xmlns:r="http://schemas.openxmlformats.org/officeDocument/2006/relationships" xmlns:p="http://schemas.openxmlformats.org/presentationml/2006/main">
+  <p:cSld>
+    <p:spTree>
+      <p:nvGrpSpPr>
+        <p:cNvPr id="1" name=""/>
+        <p:cNvGrpSpPr/>
+        <p:nvPr/>
+      </p:nvGrpSpPr>
+      <p:grpSpPr>
+        <a:xfrm>
+          <a:off x="0" y="0"/>
+          <a:ext cx="0" cy="0"/>
+          <a:chOff x="0" y="0"/>
+          <a:chExt cx="0" cy="0"/>
+        </a:xfrm>
+      </p:grpSpPr>
+      <p:sp>
+        <p:nvSpPr>
+          <p:cNvPr id="4" name="슬라이드 번호 개체 틀 3"/>
+          <p:cNvSpPr>
+            <a:spLocks noGrp="1"/>
+          </p:cNvSpPr>
+          <p:nvPr>
+            <p:ph type="sldNum" sz="quarter" idx="12"/>
+          </p:nvPr>
+        </p:nvSpPr>
+        <p:spPr/>
+        <p:txBody>
+          <a:bodyPr/>
+          <a:lstStyle/>
+          <a:p>
+            <a:fld id="{6DDAE2C3-1A0B-474A-8CE8-AE55B8D9D4B1}" type="slidenum">
+              <a:rPr lang="ko-KR" altLang="en-US" smtClean="0"/>
+              <a:pPr/>
+              <a:t>78</a:t>
+            </a:fld>
+            <a:endParaRPr lang="ko-KR" altLang="en-US" dirty="0"/>
+          </a:p>
+        </p:txBody>
+      </p:sp>
+      <p:sp>
+        <p:nvSpPr>
+          <p:cNvPr id="11" name="TextBox 10"/>
+          <p:cNvSpPr txBox="1"/>
+          <p:nvPr/>
+        </p:nvSpPr>
+        <p:spPr>
+          <a:xfrm>
+            <a:off x="162179" y="855851"/>
+            <a:ext cx="11835892" cy="7017306"/>
+          </a:xfrm>
+          <a:prstGeom prst="rect">
+            <a:avLst/>
+          </a:prstGeom>
+          <a:noFill/>
+        </p:spPr>
+        <p:txBody>
+          <a:bodyPr wrap="square" lIns="0" tIns="0" rIns="0" bIns="0" numCol="2" rtlCol="0" anchor="t">
+            <a:spAutoFit/>
+          </a:bodyPr>
+          <a:lstStyle/>
+          <a:p>
+            <a:r>
+              <a:rPr lang="en-US" altLang="ko-KR" sz="2400" b="1" i="0" dirty="0">
+                <a:effectLst/>
+                <a:latin typeface="Arial" panose="020B0604020202020204" pitchFamily="34" charset="0"/>
+                <a:cs typeface="Arial" panose="020B0604020202020204" pitchFamily="34" charset="0"/>
+              </a:rPr>
+              <a:t>Part 01. </a:t>
+            </a:r>
+            <a:r>
+              <a:rPr lang="ko-KR" altLang="en-US" sz="2400" b="1" i="0" dirty="0">
+                <a:effectLst/>
+                <a:latin typeface="Arial" panose="020B0604020202020204" pitchFamily="34" charset="0"/>
+                <a:cs typeface="Arial" panose="020B0604020202020204" pitchFamily="34" charset="0"/>
+              </a:rPr>
+              <a:t>데이터분석 준비하기 </a:t>
+            </a:r>
+            <a:endParaRPr lang="en-US" altLang="ko-KR" sz="2400" b="1" i="0" dirty="0">
+              <a:effectLst/>
+              <a:latin typeface="Arial" panose="020B0604020202020204" pitchFamily="34" charset="0"/>
+              <a:cs typeface="Arial" panose="020B0604020202020204" pitchFamily="34" charset="0"/>
+            </a:endParaRPr>
+          </a:p>
+          <a:p>
+            <a:r>
+              <a:rPr lang="en-US" altLang="ko-KR" sz="2400" b="1" i="0" dirty="0">
+                <a:effectLst/>
+                <a:latin typeface="Arial" panose="020B0604020202020204" pitchFamily="34" charset="0"/>
+                <a:cs typeface="Arial" panose="020B0604020202020204" pitchFamily="34" charset="0"/>
+              </a:rPr>
+              <a:t>(</a:t>
+            </a:r>
+            <a:r>
+              <a:rPr lang="en-US" altLang="ko-KR" sz="2400" b="1" dirty="0">
+                <a:latin typeface="Arial" panose="020B0604020202020204" pitchFamily="34" charset="0"/>
+                <a:cs typeface="Arial" panose="020B0604020202020204" pitchFamily="34" charset="0"/>
+              </a:rPr>
+              <a:t>Chapter</a:t>
+            </a:r>
+            <a:r>
+              <a:rPr lang="ko-KR" altLang="en-US" sz="2400" b="1" dirty="0">
+                <a:latin typeface="Arial" panose="020B0604020202020204" pitchFamily="34" charset="0"/>
+                <a:cs typeface="Arial" panose="020B0604020202020204" pitchFamily="34" charset="0"/>
+              </a:rPr>
+              <a:t> </a:t>
+            </a:r>
+            <a:r>
+              <a:rPr lang="en-US" altLang="ko-KR" sz="2400" b="1" dirty="0">
+                <a:latin typeface="Arial" panose="020B0604020202020204" pitchFamily="34" charset="0"/>
+                <a:cs typeface="Arial" panose="020B0604020202020204" pitchFamily="34" charset="0"/>
+              </a:rPr>
+              <a:t>01~08)</a:t>
+            </a:r>
+            <a:endParaRPr lang="en-US" altLang="ko-KR" sz="2400" b="1" i="0" dirty="0">
+              <a:effectLst/>
+              <a:latin typeface="Arial" panose="020B0604020202020204" pitchFamily="34" charset="0"/>
+              <a:cs typeface="Arial" panose="020B0604020202020204" pitchFamily="34" charset="0"/>
+            </a:endParaRPr>
+          </a:p>
+          <a:p>
+            <a:r>
+              <a:rPr lang="en-US" altLang="ko-KR" sz="2400" b="1" i="0" dirty="0">
+                <a:effectLst/>
+                <a:latin typeface="Arial" panose="020B0604020202020204" pitchFamily="34" charset="0"/>
+                <a:cs typeface="Arial" panose="020B0604020202020204" pitchFamily="34" charset="0"/>
+              </a:rPr>
+              <a:t>: </a:t>
+            </a:r>
+            <a:r>
+              <a:rPr lang="ko-KR" altLang="en-US" sz="2400" b="1" i="0" dirty="0">
+                <a:effectLst/>
+                <a:latin typeface="Arial" panose="020B0604020202020204" pitchFamily="34" charset="0"/>
+                <a:cs typeface="Arial" panose="020B0604020202020204" pitchFamily="34" charset="0"/>
+              </a:rPr>
+              <a:t>분석싸이클</a:t>
+            </a:r>
+            <a:r>
+              <a:rPr lang="en-US" altLang="ko-KR" sz="2400" b="1" i="0" dirty="0">
+                <a:effectLst/>
+                <a:latin typeface="Arial" panose="020B0604020202020204" pitchFamily="34" charset="0"/>
+                <a:cs typeface="Arial" panose="020B0604020202020204" pitchFamily="34" charset="0"/>
+              </a:rPr>
+              <a:t>/</a:t>
+            </a:r>
+            <a:r>
+              <a:rPr lang="ko-KR" altLang="en-US" sz="2400" b="1" i="0" dirty="0">
+                <a:effectLst/>
+                <a:latin typeface="Arial" panose="020B0604020202020204" pitchFamily="34" charset="0"/>
+                <a:cs typeface="Arial" panose="020B0604020202020204" pitchFamily="34" charset="0"/>
+              </a:rPr>
+              <a:t>용어</a:t>
+            </a:r>
+            <a:r>
+              <a:rPr lang="en-US" altLang="ko-KR" sz="2400" b="1" i="0" dirty="0">
+                <a:effectLst/>
+                <a:latin typeface="Arial" panose="020B0604020202020204" pitchFamily="34" charset="0"/>
+                <a:cs typeface="Arial" panose="020B0604020202020204" pitchFamily="34" charset="0"/>
+              </a:rPr>
+              <a:t>/</a:t>
+            </a:r>
+            <a:r>
+              <a:rPr lang="ko-KR" altLang="en-US" sz="2400" b="1" i="0" dirty="0">
+                <a:effectLst/>
+                <a:latin typeface="Arial" panose="020B0604020202020204" pitchFamily="34" charset="0"/>
+                <a:cs typeface="Arial" panose="020B0604020202020204" pitchFamily="34" charset="0"/>
+              </a:rPr>
+              <a:t>결과해석</a:t>
+            </a:r>
+            <a:endParaRPr lang="en-US" altLang="ko-KR" sz="2400" b="1" i="0" dirty="0">
+              <a:effectLst/>
+              <a:latin typeface="Arial" panose="020B0604020202020204" pitchFamily="34" charset="0"/>
+              <a:cs typeface="Arial" panose="020B0604020202020204" pitchFamily="34" charset="0"/>
+            </a:endParaRPr>
+          </a:p>
+          <a:p>
+            <a:r>
+              <a:rPr lang="en-US" altLang="ko-KR" sz="2400" b="1" dirty="0">
+                <a:latin typeface="Arial" panose="020B0604020202020204" pitchFamily="34" charset="0"/>
+                <a:ea typeface="Noto Sans CJK KR Black" panose="020B0A00000000000000" pitchFamily="34" charset="-127"/>
+                <a:cs typeface="Arial" panose="020B0604020202020204" pitchFamily="34" charset="0"/>
+              </a:rPr>
+              <a:t>: </a:t>
+            </a:r>
+            <a:r>
+              <a:rPr lang="ko-KR" altLang="en-US" sz="2400" b="1" dirty="0">
+                <a:latin typeface="Arial" panose="020B0604020202020204" pitchFamily="34" charset="0"/>
+                <a:ea typeface="Noto Sans CJK KR Black" panose="020B0A00000000000000" pitchFamily="34" charset="-127"/>
+                <a:cs typeface="Arial" panose="020B0604020202020204" pitchFamily="34" charset="0"/>
+              </a:rPr>
+              <a:t>시계열 분석 알고리즘 이해</a:t>
+            </a:r>
+            <a:endParaRPr lang="en-US" altLang="ko-KR" sz="2400" b="1" dirty="0">
+              <a:latin typeface="Arial" panose="020B0604020202020204" pitchFamily="34" charset="0"/>
+              <a:ea typeface="Noto Sans CJK KR Black" panose="020B0A00000000000000" pitchFamily="34" charset="-127"/>
+              <a:cs typeface="Arial" panose="020B0604020202020204" pitchFamily="34" charset="0"/>
+            </a:endParaRPr>
+          </a:p>
+          <a:p>
+            <a:r>
+              <a:rPr lang="en-US" altLang="ko-KR" sz="2400" b="1" dirty="0">
+                <a:latin typeface="Arial" panose="020B0604020202020204" pitchFamily="34" charset="0"/>
+                <a:ea typeface="Noto Sans CJK KR Black" panose="020B0A00000000000000" pitchFamily="34" charset="-127"/>
+                <a:cs typeface="Arial" panose="020B0604020202020204" pitchFamily="34" charset="0"/>
+              </a:rPr>
+              <a:t>: </a:t>
+            </a:r>
+            <a:r>
+              <a:rPr lang="ko-KR" altLang="en-US" sz="2400" b="1" dirty="0">
+                <a:latin typeface="Arial" panose="020B0604020202020204" pitchFamily="34" charset="0"/>
+                <a:ea typeface="Noto Sans CJK KR Black" panose="020B0A00000000000000" pitchFamily="34" charset="-127"/>
+                <a:cs typeface="Arial" panose="020B0604020202020204" pitchFamily="34" charset="0"/>
+              </a:rPr>
+              <a:t>시계열 데이터패턴 추출</a:t>
+            </a:r>
+            <a:endParaRPr lang="en-US" altLang="ko-KR" sz="2400" b="1" dirty="0">
+              <a:latin typeface="Arial" panose="020B0604020202020204" pitchFamily="34" charset="0"/>
+              <a:ea typeface="Noto Sans CJK KR Black" panose="020B0A00000000000000" pitchFamily="34" charset="-127"/>
+              <a:cs typeface="Arial" panose="020B0604020202020204" pitchFamily="34" charset="0"/>
+            </a:endParaRPr>
+          </a:p>
+          <a:p>
+            <a:r>
+              <a:rPr lang="en-US" altLang="ko-KR" sz="2400" b="1" dirty="0">
+                <a:latin typeface="Arial" panose="020B0604020202020204" pitchFamily="34" charset="0"/>
+                <a:ea typeface="Noto Sans CJK KR Black" panose="020B0A00000000000000" pitchFamily="34" charset="-127"/>
+                <a:cs typeface="Arial" panose="020B0604020202020204" pitchFamily="34" charset="0"/>
+              </a:rPr>
+              <a:t>: </a:t>
+            </a:r>
+            <a:r>
+              <a:rPr lang="ko-KR" altLang="en-US" sz="2400" b="1" dirty="0">
+                <a:latin typeface="Arial" panose="020B0604020202020204" pitchFamily="34" charset="0"/>
+                <a:ea typeface="Noto Sans CJK KR Black" panose="020B0A00000000000000" pitchFamily="34" charset="-127"/>
+                <a:cs typeface="Arial" panose="020B0604020202020204" pitchFamily="34" charset="0"/>
+              </a:rPr>
+              <a:t>시계열 데이터 분리</a:t>
+            </a:r>
+            <a:endParaRPr lang="en-US" altLang="ko-KR" sz="2400" b="1" dirty="0">
+              <a:latin typeface="Arial" panose="020B0604020202020204" pitchFamily="34" charset="0"/>
+              <a:ea typeface="Noto Sans CJK KR Black" panose="020B0A00000000000000" pitchFamily="34" charset="-127"/>
+              <a:cs typeface="Arial" panose="020B0604020202020204" pitchFamily="34" charset="0"/>
+            </a:endParaRPr>
+          </a:p>
+          <a:p>
+            <a:r>
+              <a:rPr lang="en-US" altLang="ko-KR" sz="2400" b="1" dirty="0">
+                <a:latin typeface="Arial" panose="020B0604020202020204" pitchFamily="34" charset="0"/>
+                <a:ea typeface="Noto Sans CJK KR Black" panose="020B0A00000000000000" pitchFamily="34" charset="-127"/>
+                <a:cs typeface="Arial" panose="020B0604020202020204" pitchFamily="34" charset="0"/>
+              </a:rPr>
+              <a:t>: </a:t>
+            </a:r>
+            <a:r>
+              <a:rPr lang="ko-KR" altLang="en-US" sz="2400" b="1" dirty="0">
+                <a:latin typeface="Arial" panose="020B0604020202020204" pitchFamily="34" charset="0"/>
+                <a:ea typeface="Noto Sans CJK KR Black" panose="020B0A00000000000000" pitchFamily="34" charset="-127"/>
+                <a:cs typeface="Arial" panose="020B0604020202020204" pitchFamily="34" charset="0"/>
+              </a:rPr>
+              <a:t>레퍼런스 알고리즘 구축</a:t>
+            </a:r>
+            <a:endParaRPr lang="en-US" altLang="ko-KR" sz="2400" b="1" dirty="0">
+              <a:latin typeface="Arial" panose="020B0604020202020204" pitchFamily="34" charset="0"/>
+              <a:ea typeface="Noto Sans CJK KR Black" panose="020B0A00000000000000" pitchFamily="34" charset="-127"/>
+              <a:cs typeface="Arial" panose="020B0604020202020204" pitchFamily="34" charset="0"/>
+            </a:endParaRPr>
+          </a:p>
+          <a:p>
+            <a:r>
+              <a:rPr lang="en-US" altLang="ko-KR" sz="2400" b="1" dirty="0">
+                <a:latin typeface="Arial" panose="020B0604020202020204" pitchFamily="34" charset="0"/>
+                <a:ea typeface="Noto Sans CJK KR Black" panose="020B0A00000000000000" pitchFamily="34" charset="-127"/>
+                <a:cs typeface="Arial" panose="020B0604020202020204" pitchFamily="34" charset="0"/>
+              </a:rPr>
+              <a:t>: </a:t>
+            </a:r>
+            <a:r>
+              <a:rPr lang="ko-KR" altLang="en-US" sz="2400" b="1" dirty="0">
+                <a:latin typeface="Arial" panose="020B0604020202020204" pitchFamily="34" charset="0"/>
+                <a:ea typeface="Noto Sans CJK KR Black" panose="020B0A00000000000000" pitchFamily="34" charset="-127"/>
+                <a:cs typeface="Arial" panose="020B0604020202020204" pitchFamily="34" charset="0"/>
+              </a:rPr>
+              <a:t>분석성능 확인</a:t>
+            </a:r>
+            <a:endParaRPr lang="en-US" altLang="ko-KR" sz="2400" b="1" dirty="0">
+              <a:latin typeface="Arial" panose="020B0604020202020204" pitchFamily="34" charset="0"/>
+              <a:ea typeface="Noto Sans CJK KR Black" panose="020B0A00000000000000" pitchFamily="34" charset="-127"/>
+              <a:cs typeface="Arial" panose="020B0604020202020204" pitchFamily="34" charset="0"/>
+            </a:endParaRPr>
+          </a:p>
+          <a:p>
+            <a:r>
+              <a:rPr lang="en-US" altLang="ko-KR" sz="2400" b="1" dirty="0">
+                <a:latin typeface="Arial" panose="020B0604020202020204" pitchFamily="34" charset="0"/>
+                <a:ea typeface="Noto Sans CJK KR Black" panose="020B0A00000000000000" pitchFamily="34" charset="-127"/>
+                <a:cs typeface="Arial" panose="020B0604020202020204" pitchFamily="34" charset="0"/>
+              </a:rPr>
+              <a:t>: </a:t>
+            </a:r>
+            <a:r>
+              <a:rPr lang="ko-KR" altLang="en-US" sz="2400" b="1" dirty="0">
+                <a:latin typeface="Arial" panose="020B0604020202020204" pitchFamily="34" charset="0"/>
+                <a:ea typeface="Noto Sans CJK KR Black" panose="020B0A00000000000000" pitchFamily="34" charset="-127"/>
+                <a:cs typeface="Arial" panose="020B0604020202020204" pitchFamily="34" charset="0"/>
+              </a:rPr>
+              <a:t>분석종료 위한 </a:t>
+            </a:r>
+            <a:r>
+              <a:rPr lang="ko-KR" altLang="en-US" sz="2400" b="1" dirty="0" err="1">
+                <a:latin typeface="Arial" panose="020B0604020202020204" pitchFamily="34" charset="0"/>
+                <a:ea typeface="Noto Sans CJK KR Black" panose="020B0A00000000000000" pitchFamily="34" charset="-127"/>
+                <a:cs typeface="Arial" panose="020B0604020202020204" pitchFamily="34" charset="0"/>
+              </a:rPr>
+              <a:t>잔차진단</a:t>
+            </a:r>
+            <a:endParaRPr lang="en-US" altLang="ko-KR" sz="2400" b="1" dirty="0">
+              <a:latin typeface="Arial" panose="020B0604020202020204" pitchFamily="34" charset="0"/>
+              <a:ea typeface="Noto Sans CJK KR Black" panose="020B0A00000000000000" pitchFamily="34" charset="-127"/>
+              <a:cs typeface="Arial" panose="020B0604020202020204" pitchFamily="34" charset="0"/>
+            </a:endParaRPr>
+          </a:p>
+          <a:p>
+            <a:endParaRPr lang="en-US" altLang="ko-KR" sz="2400" b="1" dirty="0">
+              <a:latin typeface="Arial" panose="020B0604020202020204" pitchFamily="34" charset="0"/>
+              <a:ea typeface="Noto Sans CJK KR Black" panose="020B0A00000000000000" pitchFamily="34" charset="-127"/>
+              <a:cs typeface="Arial" panose="020B0604020202020204" pitchFamily="34" charset="0"/>
+            </a:endParaRPr>
+          </a:p>
+          <a:p>
+            <a:r>
+              <a:rPr lang="en-US" altLang="ko-KR" sz="2400" b="1" i="0" dirty="0">
+                <a:effectLst/>
+                <a:latin typeface="Arial" panose="020B0604020202020204" pitchFamily="34" charset="0"/>
+                <a:cs typeface="Arial" panose="020B0604020202020204" pitchFamily="34" charset="0"/>
+              </a:rPr>
+              <a:t>Part 02. </a:t>
+            </a:r>
+            <a:r>
+              <a:rPr lang="ko-KR" altLang="en-US" sz="2400" b="1" i="0" dirty="0">
+                <a:effectLst/>
+                <a:latin typeface="Arial" panose="020B0604020202020204" pitchFamily="34" charset="0"/>
+                <a:cs typeface="Arial" panose="020B0604020202020204" pitchFamily="34" charset="0"/>
+              </a:rPr>
+              <a:t>시계열 데이터분석 </a:t>
+            </a:r>
+            <a:endParaRPr lang="en-US" altLang="ko-KR" sz="2400" b="1" i="0" dirty="0">
+              <a:effectLst/>
+              <a:latin typeface="Arial" panose="020B0604020202020204" pitchFamily="34" charset="0"/>
+              <a:cs typeface="Arial" panose="020B0604020202020204" pitchFamily="34" charset="0"/>
+            </a:endParaRPr>
+          </a:p>
+          <a:p>
+            <a:r>
+              <a:rPr lang="en-US" altLang="ko-KR" sz="2400" b="1" i="0" dirty="0">
+                <a:effectLst/>
+                <a:latin typeface="Arial" panose="020B0604020202020204" pitchFamily="34" charset="0"/>
+                <a:cs typeface="Arial" panose="020B0604020202020204" pitchFamily="34" charset="0"/>
+              </a:rPr>
+              <a:t>(Chapter 09~11)</a:t>
+            </a:r>
+          </a:p>
+          <a:p>
+            <a:r>
+              <a:rPr lang="en-US" altLang="ko-KR" sz="2400" b="1" dirty="0">
+                <a:latin typeface="Arial" panose="020B0604020202020204" pitchFamily="34" charset="0"/>
+                <a:cs typeface="Arial" panose="020B0604020202020204" pitchFamily="34" charset="0"/>
+              </a:rPr>
+              <a:t>: </a:t>
+            </a:r>
+            <a:r>
+              <a:rPr lang="ko-KR" altLang="en-US" sz="2400" b="1" dirty="0">
+                <a:latin typeface="Arial" panose="020B0604020202020204" pitchFamily="34" charset="0"/>
+                <a:cs typeface="Arial" panose="020B0604020202020204" pitchFamily="34" charset="0"/>
+              </a:rPr>
+              <a:t>설명변수</a:t>
+            </a:r>
+            <a:r>
+              <a:rPr lang="en-US" altLang="ko-KR" sz="2400" b="1" dirty="0">
+                <a:latin typeface="Arial" panose="020B0604020202020204" pitchFamily="34" charset="0"/>
+                <a:cs typeface="Arial" panose="020B0604020202020204" pitchFamily="34" charset="0"/>
+              </a:rPr>
+              <a:t>(X)</a:t>
+            </a:r>
+            <a:r>
+              <a:rPr lang="ko-KR" altLang="en-US" sz="2400" b="1" dirty="0">
+                <a:latin typeface="Arial" panose="020B0604020202020204" pitchFamily="34" charset="0"/>
+                <a:cs typeface="Arial" panose="020B0604020202020204" pitchFamily="34" charset="0"/>
+              </a:rPr>
+              <a:t>의 현실적 데이터 </a:t>
+            </a:r>
+            <a:r>
+              <a:rPr lang="ko-KR" altLang="en-US" sz="2400" b="1" dirty="0" err="1">
+                <a:latin typeface="Arial" panose="020B0604020202020204" pitchFamily="34" charset="0"/>
+                <a:cs typeface="Arial" panose="020B0604020202020204" pitchFamily="34" charset="0"/>
+              </a:rPr>
+              <a:t>전처리</a:t>
+            </a:r>
+            <a:r>
+              <a:rPr lang="ko-KR" altLang="en-US" sz="2400" b="1" dirty="0">
+                <a:latin typeface="Arial" panose="020B0604020202020204" pitchFamily="34" charset="0"/>
+                <a:cs typeface="Arial" panose="020B0604020202020204" pitchFamily="34" charset="0"/>
+              </a:rPr>
+              <a:t> 방향</a:t>
+            </a:r>
+            <a:endParaRPr lang="en-US" altLang="ko-KR" sz="2400" b="1" dirty="0">
+              <a:latin typeface="Arial" panose="020B0604020202020204" pitchFamily="34" charset="0"/>
+              <a:cs typeface="Arial" panose="020B0604020202020204" pitchFamily="34" charset="0"/>
+            </a:endParaRPr>
+          </a:p>
+          <a:p>
+            <a:r>
+              <a:rPr lang="en-US" altLang="ko-KR" sz="2400" b="1" i="0" dirty="0">
+                <a:effectLst/>
+                <a:latin typeface="Arial" panose="020B0604020202020204" pitchFamily="34" charset="0"/>
+                <a:cs typeface="Arial" panose="020B0604020202020204" pitchFamily="34" charset="0"/>
+              </a:rPr>
+              <a:t>: </a:t>
+            </a:r>
+            <a:r>
+              <a:rPr lang="ko-KR" altLang="en-US" sz="2400" b="1" i="0" dirty="0">
+                <a:effectLst/>
+                <a:latin typeface="Arial" panose="020B0604020202020204" pitchFamily="34" charset="0"/>
+                <a:cs typeface="Arial" panose="020B0604020202020204" pitchFamily="34" charset="0"/>
+              </a:rPr>
+              <a:t>종속변수</a:t>
+            </a:r>
+            <a:r>
+              <a:rPr lang="en-US" altLang="ko-KR" sz="2400" b="1" i="0" dirty="0">
+                <a:effectLst/>
+                <a:latin typeface="Arial" panose="020B0604020202020204" pitchFamily="34" charset="0"/>
+                <a:cs typeface="Arial" panose="020B0604020202020204" pitchFamily="34" charset="0"/>
+              </a:rPr>
+              <a:t>(Y)</a:t>
+            </a:r>
+            <a:r>
+              <a:rPr lang="ko-KR" altLang="en-US" sz="2400" b="1" i="0" dirty="0">
+                <a:effectLst/>
+                <a:latin typeface="Arial" panose="020B0604020202020204" pitchFamily="34" charset="0"/>
+                <a:cs typeface="Arial" panose="020B0604020202020204" pitchFamily="34" charset="0"/>
+              </a:rPr>
+              <a:t>의 효과적 데이터 </a:t>
+            </a:r>
+            <a:r>
+              <a:rPr lang="ko-KR" altLang="en-US" sz="2400" b="1" i="0" dirty="0" err="1">
+                <a:effectLst/>
+                <a:latin typeface="Arial" panose="020B0604020202020204" pitchFamily="34" charset="0"/>
+                <a:cs typeface="Arial" panose="020B0604020202020204" pitchFamily="34" charset="0"/>
+              </a:rPr>
+              <a:t>전처리</a:t>
+            </a:r>
+            <a:r>
+              <a:rPr lang="ko-KR" altLang="en-US" sz="2400" b="1" i="0" dirty="0">
+                <a:effectLst/>
+                <a:latin typeface="Arial" panose="020B0604020202020204" pitchFamily="34" charset="0"/>
+                <a:cs typeface="Arial" panose="020B0604020202020204" pitchFamily="34" charset="0"/>
+              </a:rPr>
+              <a:t> 방향</a:t>
+            </a:r>
+            <a:endParaRPr lang="en-US" altLang="ko-KR" sz="2400" b="1" i="0" dirty="0">
+              <a:effectLst/>
+              <a:latin typeface="Arial" panose="020B0604020202020204" pitchFamily="34" charset="0"/>
+              <a:cs typeface="Arial" panose="020B0604020202020204" pitchFamily="34" charset="0"/>
+            </a:endParaRPr>
+          </a:p>
+          <a:p>
+            <a:endParaRPr lang="en-US" altLang="ko-KR" sz="2400" b="1" dirty="0">
+              <a:latin typeface="Arial" panose="020B0604020202020204" pitchFamily="34" charset="0"/>
+              <a:cs typeface="Arial" panose="020B0604020202020204" pitchFamily="34" charset="0"/>
+            </a:endParaRPr>
+          </a:p>
+          <a:p>
+            <a:endParaRPr lang="en-US" altLang="ko-KR" sz="2400" b="1" dirty="0">
+              <a:latin typeface="Arial" panose="020B0604020202020204" pitchFamily="34" charset="0"/>
+              <a:cs typeface="Arial" panose="020B0604020202020204" pitchFamily="34" charset="0"/>
+            </a:endParaRPr>
+          </a:p>
+          <a:p>
+            <a:endParaRPr lang="en-US" altLang="ko-KR" sz="2400" b="1" dirty="0">
+              <a:latin typeface="Arial" panose="020B0604020202020204" pitchFamily="34" charset="0"/>
+              <a:cs typeface="Arial" panose="020B0604020202020204" pitchFamily="34" charset="0"/>
+            </a:endParaRPr>
+          </a:p>
+          <a:p>
+            <a:endParaRPr lang="en-US" altLang="ko-KR" sz="2400" b="1" dirty="0">
+              <a:latin typeface="Arial" panose="020B0604020202020204" pitchFamily="34" charset="0"/>
+              <a:cs typeface="Arial" panose="020B0604020202020204" pitchFamily="34" charset="0"/>
+            </a:endParaRPr>
+          </a:p>
+          <a:p>
+            <a:endParaRPr lang="en-US" altLang="ko-KR" sz="2400" b="1" dirty="0">
+              <a:latin typeface="Arial" panose="020B0604020202020204" pitchFamily="34" charset="0"/>
+              <a:cs typeface="Arial" panose="020B0604020202020204" pitchFamily="34" charset="0"/>
+            </a:endParaRPr>
+          </a:p>
+          <a:p>
+            <a:r>
+              <a:rPr lang="en-US" altLang="ko-KR" sz="2400" b="1" i="0" dirty="0">
+                <a:effectLst/>
+                <a:latin typeface="Arial" panose="020B0604020202020204" pitchFamily="34" charset="0"/>
+                <a:cs typeface="Arial" panose="020B0604020202020204" pitchFamily="34" charset="0"/>
+              </a:rPr>
+              <a:t>Part 03. </a:t>
+            </a:r>
+            <a:r>
+              <a:rPr lang="ko-KR" altLang="en-US" sz="2400" b="1" i="0" dirty="0">
+                <a:effectLst/>
+                <a:latin typeface="Arial" panose="020B0604020202020204" pitchFamily="34" charset="0"/>
+                <a:cs typeface="Arial" panose="020B0604020202020204" pitchFamily="34" charset="0"/>
+              </a:rPr>
+              <a:t>시계열 알고리즘</a:t>
+            </a:r>
+            <a:endParaRPr lang="en-US" altLang="ko-KR" sz="2400" b="1" i="0" dirty="0">
+              <a:effectLst/>
+              <a:latin typeface="Arial" panose="020B0604020202020204" pitchFamily="34" charset="0"/>
+              <a:cs typeface="Arial" panose="020B0604020202020204" pitchFamily="34" charset="0"/>
+            </a:endParaRPr>
+          </a:p>
+          <a:p>
+            <a:r>
+              <a:rPr lang="en-US" altLang="ko-KR" sz="2400" b="1" dirty="0">
+                <a:latin typeface="Arial" panose="020B0604020202020204" pitchFamily="34" charset="0"/>
+                <a:cs typeface="Arial" panose="020B0604020202020204" pitchFamily="34" charset="0"/>
+              </a:rPr>
+              <a:t>(Chapter</a:t>
+            </a:r>
+            <a:r>
+              <a:rPr lang="ko-KR" altLang="en-US" sz="2400" b="1" dirty="0">
+                <a:latin typeface="Arial" panose="020B0604020202020204" pitchFamily="34" charset="0"/>
+                <a:cs typeface="Arial" panose="020B0604020202020204" pitchFamily="34" charset="0"/>
+              </a:rPr>
+              <a:t> </a:t>
+            </a:r>
+            <a:r>
+              <a:rPr lang="en-US" altLang="ko-KR" sz="2400" b="1" dirty="0">
+                <a:latin typeface="Arial" panose="020B0604020202020204" pitchFamily="34" charset="0"/>
+                <a:cs typeface="Arial" panose="020B0604020202020204" pitchFamily="34" charset="0"/>
+              </a:rPr>
+              <a:t>)</a:t>
+            </a:r>
+          </a:p>
+          <a:p>
+            <a:r>
+              <a:rPr lang="en-US" altLang="ko-KR" sz="2400" b="1" i="0" dirty="0">
+                <a:effectLst/>
+                <a:latin typeface="Arial" panose="020B0604020202020204" pitchFamily="34" charset="0"/>
+                <a:cs typeface="Arial" panose="020B0604020202020204" pitchFamily="34" charset="0"/>
+              </a:rPr>
+              <a:t>: </a:t>
+            </a:r>
+            <a:r>
+              <a:rPr lang="ko-KR" altLang="en-US" sz="2400" b="1" dirty="0">
+                <a:latin typeface="Arial" panose="020B0604020202020204" pitchFamily="34" charset="0"/>
+                <a:cs typeface="Arial" panose="020B0604020202020204" pitchFamily="34" charset="0"/>
+              </a:rPr>
+              <a:t>시계열 관련 기계학습 알고리즘</a:t>
+            </a:r>
+            <a:endParaRPr lang="en-US" altLang="ko-KR" sz="2400" b="1" dirty="0">
+              <a:latin typeface="Arial" panose="020B0604020202020204" pitchFamily="34" charset="0"/>
+              <a:cs typeface="Arial" panose="020B0604020202020204" pitchFamily="34" charset="0"/>
+            </a:endParaRPr>
+          </a:p>
+          <a:p>
+            <a:r>
+              <a:rPr lang="en-US" altLang="ko-KR" sz="2400" b="1" i="0" dirty="0">
+                <a:effectLst/>
+                <a:latin typeface="Arial" panose="020B0604020202020204" pitchFamily="34" charset="0"/>
+                <a:cs typeface="Arial" panose="020B0604020202020204" pitchFamily="34" charset="0"/>
+              </a:rPr>
+              <a:t>: </a:t>
+            </a:r>
+            <a:r>
+              <a:rPr lang="ko-KR" altLang="en-US" sz="2400" b="1" i="0" dirty="0">
+                <a:effectLst/>
+                <a:latin typeface="Arial" panose="020B0604020202020204" pitchFamily="34" charset="0"/>
+                <a:cs typeface="Arial" panose="020B0604020202020204" pitchFamily="34" charset="0"/>
+              </a:rPr>
+              <a:t>타겟 데이터의 정상성 변환</a:t>
+            </a:r>
+            <a:r>
+              <a:rPr lang="en-US" altLang="ko-KR" sz="2400" b="1" dirty="0">
+                <a:latin typeface="Arial" panose="020B0604020202020204" pitchFamily="34" charset="0"/>
+                <a:cs typeface="Arial" panose="020B0604020202020204" pitchFamily="34" charset="0"/>
+              </a:rPr>
+              <a:t> </a:t>
+            </a:r>
+            <a:r>
+              <a:rPr lang="ko-KR" altLang="en-US" sz="2400" b="1" dirty="0">
+                <a:latin typeface="Arial" panose="020B0604020202020204" pitchFamily="34" charset="0"/>
+                <a:cs typeface="Arial" panose="020B0604020202020204" pitchFamily="34" charset="0"/>
+              </a:rPr>
+              <a:t>이해하기</a:t>
+            </a:r>
+            <a:endParaRPr lang="en-US" altLang="ko-KR" sz="2400" b="1" dirty="0">
+              <a:latin typeface="Arial" panose="020B0604020202020204" pitchFamily="34" charset="0"/>
+              <a:cs typeface="Arial" panose="020B0604020202020204" pitchFamily="34" charset="0"/>
+            </a:endParaRPr>
+          </a:p>
+          <a:p>
+            <a:r>
+              <a:rPr lang="en-US" altLang="ko-KR" sz="2400" b="1" i="0" dirty="0">
+                <a:effectLst/>
+                <a:latin typeface="Arial" panose="020B0604020202020204" pitchFamily="34" charset="0"/>
+                <a:cs typeface="Arial" panose="020B0604020202020204" pitchFamily="34" charset="0"/>
+              </a:rPr>
+              <a:t>: </a:t>
+            </a:r>
+            <a:r>
+              <a:rPr lang="ko-KR" altLang="en-US" sz="2400" b="1" i="0" dirty="0">
+                <a:effectLst/>
+                <a:latin typeface="Arial" panose="020B0604020202020204" pitchFamily="34" charset="0"/>
+                <a:cs typeface="Arial" panose="020B0604020202020204" pitchFamily="34" charset="0"/>
+              </a:rPr>
+              <a:t>단순 선형 확률과정</a:t>
+            </a:r>
+            <a:endParaRPr lang="en-US" altLang="ko-KR" sz="2400" b="1" i="0" dirty="0">
+              <a:effectLst/>
+              <a:latin typeface="Arial" panose="020B0604020202020204" pitchFamily="34" charset="0"/>
+              <a:cs typeface="Arial" panose="020B0604020202020204" pitchFamily="34" charset="0"/>
+            </a:endParaRPr>
+          </a:p>
+          <a:p>
+            <a:r>
+              <a:rPr lang="en-US" altLang="ko-KR" sz="2400" b="1" dirty="0">
+                <a:latin typeface="Arial" panose="020B0604020202020204" pitchFamily="34" charset="0"/>
+                <a:cs typeface="Arial" panose="020B0604020202020204" pitchFamily="34" charset="0"/>
+              </a:rPr>
+              <a:t>: </a:t>
+            </a:r>
+            <a:r>
+              <a:rPr lang="ko-KR" altLang="en-US" sz="2400" b="1" dirty="0">
+                <a:latin typeface="Arial" panose="020B0604020202020204" pitchFamily="34" charset="0"/>
+                <a:cs typeface="Arial" panose="020B0604020202020204" pitchFamily="34" charset="0"/>
+              </a:rPr>
+              <a:t>적분 선형 확률과정</a:t>
+            </a:r>
+            <a:endParaRPr lang="en-US" altLang="ko-KR" sz="2400" b="1" dirty="0">
+              <a:latin typeface="Arial" panose="020B0604020202020204" pitchFamily="34" charset="0"/>
+              <a:cs typeface="Arial" panose="020B0604020202020204" pitchFamily="34" charset="0"/>
+            </a:endParaRPr>
+          </a:p>
+          <a:p>
+            <a:r>
+              <a:rPr lang="en-US" altLang="ko-KR" sz="2400" b="1" dirty="0">
+                <a:latin typeface="Arial" panose="020B0604020202020204" pitchFamily="34" charset="0"/>
+                <a:cs typeface="Arial" panose="020B0604020202020204" pitchFamily="34" charset="0"/>
+              </a:rPr>
+              <a:t>: </a:t>
+            </a:r>
+            <a:r>
+              <a:rPr lang="ko-KR" altLang="en-US" sz="2400" b="1" dirty="0" err="1">
+                <a:latin typeface="Arial" panose="020B0604020202020204" pitchFamily="34" charset="0"/>
+                <a:cs typeface="Arial" panose="020B0604020202020204" pitchFamily="34" charset="0"/>
+              </a:rPr>
+              <a:t>다변량</a:t>
+            </a:r>
+            <a:r>
+              <a:rPr lang="ko-KR" altLang="en-US" sz="2400" b="1" dirty="0">
+                <a:latin typeface="Arial" panose="020B0604020202020204" pitchFamily="34" charset="0"/>
+                <a:cs typeface="Arial" panose="020B0604020202020204" pitchFamily="34" charset="0"/>
+              </a:rPr>
+              <a:t> 선형확률과정</a:t>
+            </a:r>
+            <a:endParaRPr lang="en-US" altLang="ko-KR" sz="2400" b="1" dirty="0">
+              <a:latin typeface="Arial" panose="020B0604020202020204" pitchFamily="34" charset="0"/>
+              <a:cs typeface="Arial" panose="020B0604020202020204" pitchFamily="34" charset="0"/>
+            </a:endParaRPr>
+          </a:p>
+          <a:p>
+            <a:r>
+              <a:rPr lang="en-US" altLang="ko-KR" sz="2400" b="1" i="0" dirty="0">
+                <a:effectLst/>
+                <a:latin typeface="Arial" panose="020B0604020202020204" pitchFamily="34" charset="0"/>
+                <a:cs typeface="Arial" panose="020B0604020202020204" pitchFamily="34" charset="0"/>
+              </a:rPr>
+              <a:t>: </a:t>
+            </a:r>
+            <a:r>
+              <a:rPr lang="ko-KR" altLang="en-US" sz="2400" b="1" i="0" dirty="0">
+                <a:effectLst/>
+                <a:latin typeface="Arial" panose="020B0604020202020204" pitchFamily="34" charset="0"/>
+                <a:cs typeface="Arial" panose="020B0604020202020204" pitchFamily="34" charset="0"/>
+              </a:rPr>
+              <a:t>비선형 확률과정 </a:t>
+            </a:r>
+            <a:r>
+              <a:rPr lang="en-US" altLang="ko-KR" sz="2400" b="1" i="0" dirty="0">
+                <a:effectLst/>
+                <a:latin typeface="Arial" panose="020B0604020202020204" pitchFamily="34" charset="0"/>
+                <a:cs typeface="Arial" panose="020B0604020202020204" pitchFamily="34" charset="0"/>
+              </a:rPr>
+              <a:t>(with </a:t>
+            </a:r>
+            <a:r>
+              <a:rPr lang="ko-KR" altLang="en-US" sz="2400" b="1" i="0" dirty="0">
+                <a:effectLst/>
+                <a:latin typeface="Arial" panose="020B0604020202020204" pitchFamily="34" charset="0"/>
+                <a:cs typeface="Arial" panose="020B0604020202020204" pitchFamily="34" charset="0"/>
+              </a:rPr>
+              <a:t>딥러닝</a:t>
+            </a:r>
+            <a:r>
+              <a:rPr lang="en-US" altLang="ko-KR" sz="2400" b="1" i="0" dirty="0">
+                <a:effectLst/>
+                <a:latin typeface="Arial" panose="020B0604020202020204" pitchFamily="34" charset="0"/>
+                <a:cs typeface="Arial" panose="020B0604020202020204" pitchFamily="34" charset="0"/>
+              </a:rPr>
+              <a:t>)</a:t>
+            </a:r>
+          </a:p>
+          <a:p>
+            <a:endParaRPr lang="en-US" altLang="ko-KR" sz="2400" b="1" dirty="0">
+              <a:latin typeface="Arial" panose="020B0604020202020204" pitchFamily="34" charset="0"/>
+              <a:cs typeface="Arial" panose="020B0604020202020204" pitchFamily="34" charset="0"/>
+            </a:endParaRPr>
+          </a:p>
+          <a:p>
+            <a:r>
+              <a:rPr lang="en-US" altLang="ko-KR" sz="2400" b="1" dirty="0">
+                <a:latin typeface="Arial" panose="020B0604020202020204" pitchFamily="34" charset="0"/>
+                <a:cs typeface="Arial" panose="020B0604020202020204" pitchFamily="34" charset="0"/>
+              </a:rPr>
+              <a:t>Part</a:t>
+            </a:r>
+            <a:r>
+              <a:rPr lang="ko-KR" altLang="en-US" sz="2400" b="1" dirty="0">
+                <a:latin typeface="Arial" panose="020B0604020202020204" pitchFamily="34" charset="0"/>
+                <a:cs typeface="Arial" panose="020B0604020202020204" pitchFamily="34" charset="0"/>
+              </a:rPr>
+              <a:t> </a:t>
+            </a:r>
+            <a:r>
+              <a:rPr lang="en-US" altLang="ko-KR" sz="2400" b="1" dirty="0">
+                <a:latin typeface="Arial" panose="020B0604020202020204" pitchFamily="34" charset="0"/>
+                <a:cs typeface="Arial" panose="020B0604020202020204" pitchFamily="34" charset="0"/>
+              </a:rPr>
+              <a:t>04.</a:t>
+            </a:r>
+            <a:r>
+              <a:rPr lang="ko-KR" altLang="en-US" sz="2400" b="1" dirty="0">
+                <a:latin typeface="Arial" panose="020B0604020202020204" pitchFamily="34" charset="0"/>
+                <a:cs typeface="Arial" panose="020B0604020202020204" pitchFamily="34" charset="0"/>
+              </a:rPr>
+              <a:t> 미니 프로젝트</a:t>
+            </a:r>
+            <a:endParaRPr lang="en-US" altLang="ko-KR" sz="2400" b="1" i="0" dirty="0">
+              <a:effectLst/>
+              <a:latin typeface="Arial" panose="020B0604020202020204" pitchFamily="34" charset="0"/>
+              <a:cs typeface="Arial" panose="020B0604020202020204" pitchFamily="34" charset="0"/>
+            </a:endParaRPr>
+          </a:p>
+        </p:txBody>
+      </p:sp>
+      <p:sp>
+        <p:nvSpPr>
+          <p:cNvPr id="12" name="TextBox 11"/>
+          <p:cNvSpPr txBox="1"/>
+          <p:nvPr/>
+        </p:nvSpPr>
+        <p:spPr>
+          <a:xfrm>
+            <a:off x="4783981" y="611957"/>
+            <a:ext cx="7056784" cy="216726"/>
+          </a:xfrm>
+          <a:prstGeom prst="rect">
+            <a:avLst/>
+          </a:prstGeom>
+          <a:noFill/>
+        </p:spPr>
+        <p:txBody>
+          <a:bodyPr wrap="square" lIns="0" tIns="0" rIns="0" bIns="0" rtlCol="0" anchor="t">
+            <a:spAutoFit/>
+          </a:bodyPr>
+          <a:lstStyle/>
+          <a:p>
+            <a:pPr>
+              <a:lnSpc>
+                <a:spcPct val="150000"/>
+              </a:lnSpc>
+            </a:pPr>
+            <a:endParaRPr lang="en-US" altLang="ko-KR" sz="1050" dirty="0">
+              <a:solidFill>
+                <a:schemeClr val="bg1"/>
+              </a:solidFill>
+              <a:latin typeface="Noto Sans CJK KR Medium" panose="020B0600000000000000" pitchFamily="34" charset="-127"/>
+              <a:ea typeface="Noto Sans CJK KR Medium" panose="020B0600000000000000" pitchFamily="34" charset="-127"/>
+            </a:endParaRPr>
+          </a:p>
+        </p:txBody>
+      </p:sp>
+    </p:spTree>
+    <p:extLst>
+      <p:ext uri="{BB962C8B-B14F-4D97-AF65-F5344CB8AC3E}">
+        <p14:creationId xmlns:p14="http://schemas.microsoft.com/office/powerpoint/2010/main" val="4230241787"/>
+      </p:ext>
+    </p:extLst>
+  </p:cSld>
+  <p:clrMapOvr>
+    <a:masterClrMapping/>
+  </p:clrMapOvr>
+</p:sld>
+</file>
+
+<file path=ppt/slides/slide79.xml><?xml version="1.0" encoding="utf-8"?>
+<p:sld xmlns:a="http://schemas.openxmlformats.org/drawingml/2006/main" xmlns:r="http://schemas.openxmlformats.org/officeDocument/2006/relationships" xmlns:p="http://schemas.openxmlformats.org/presentationml/2006/main">
+  <p:cSld>
+    <p:bg>
+      <p:bgPr>
+        <a:solidFill>
+          <a:schemeClr val="bg1">
+            <a:lumMod val="65000"/>
+          </a:schemeClr>
+        </a:solidFill>
+        <a:effectLst/>
+      </p:bgPr>
+    </p:bg>
+    <p:spTree>
+      <p:nvGrpSpPr>
+        <p:cNvPr id="1" name=""/>
+        <p:cNvGrpSpPr/>
+        <p:nvPr/>
+      </p:nvGrpSpPr>
+      <p:grpSpPr>
+        <a:xfrm>
+          <a:off x="0" y="0"/>
+          <a:ext cx="0" cy="0"/>
+          <a:chOff x="0" y="0"/>
+          <a:chExt cx="0" cy="0"/>
+        </a:xfrm>
+      </p:grpSpPr>
+      <p:sp>
+        <p:nvSpPr>
+          <p:cNvPr id="4" name="슬라이드 번호 개체 틀 3"/>
+          <p:cNvSpPr>
+            <a:spLocks noGrp="1"/>
+          </p:cNvSpPr>
+          <p:nvPr>
+            <p:ph type="sldNum" sz="quarter" idx="12"/>
+          </p:nvPr>
+        </p:nvSpPr>
+        <p:spPr/>
+        <p:txBody>
+          <a:bodyPr/>
+          <a:lstStyle/>
+          <a:p>
+            <a:fld id="{6DDAE2C3-1A0B-474A-8CE8-AE55B8D9D4B1}" type="slidenum">
+              <a:rPr lang="ko-KR" altLang="en-US" smtClean="0"/>
+              <a:pPr/>
+              <a:t>79</a:t>
+            </a:fld>
+            <a:endParaRPr lang="ko-KR" altLang="en-US" dirty="0"/>
+          </a:p>
+        </p:txBody>
+      </p:sp>
+      <p:sp>
+        <p:nvSpPr>
+          <p:cNvPr id="11" name="TextBox 10"/>
+          <p:cNvSpPr txBox="1"/>
+          <p:nvPr/>
+        </p:nvSpPr>
+        <p:spPr>
+          <a:xfrm>
+            <a:off x="204827" y="854694"/>
+            <a:ext cx="11793243" cy="1107996"/>
+          </a:xfrm>
+          <a:prstGeom prst="rect">
+            <a:avLst/>
+          </a:prstGeom>
+          <a:noFill/>
+        </p:spPr>
+        <p:txBody>
+          <a:bodyPr wrap="square" lIns="0" tIns="0" rIns="0" bIns="0" rtlCol="0" anchor="t">
+            <a:spAutoFit/>
+          </a:bodyPr>
+          <a:lstStyle/>
+          <a:p>
+            <a:r>
+              <a:rPr lang="en-US" altLang="ko-KR" sz="2400" b="1" i="0" dirty="0">
+                <a:solidFill>
+                  <a:schemeClr val="bg1"/>
+                </a:solidFill>
+                <a:effectLst/>
+                <a:latin typeface="Arial" panose="020B0604020202020204" pitchFamily="34" charset="0"/>
+                <a:cs typeface="Arial" panose="020B0604020202020204" pitchFamily="34" charset="0"/>
+              </a:rPr>
+              <a:t>Part 03. </a:t>
+            </a:r>
+            <a:r>
+              <a:rPr lang="ko-KR" altLang="en-US" sz="2400" b="1" i="0" dirty="0">
+                <a:solidFill>
+                  <a:schemeClr val="bg1"/>
+                </a:solidFill>
+                <a:effectLst/>
+                <a:latin typeface="Arial" panose="020B0604020202020204" pitchFamily="34" charset="0"/>
+                <a:cs typeface="Arial" panose="020B0604020202020204" pitchFamily="34" charset="0"/>
+              </a:rPr>
+              <a:t>시계열 알고리즘</a:t>
+            </a:r>
+            <a:endParaRPr lang="en-US" altLang="ko-KR" sz="2400" b="1" i="0" dirty="0">
+              <a:solidFill>
+                <a:schemeClr val="bg1"/>
+              </a:solidFill>
+              <a:effectLst/>
+              <a:latin typeface="Arial" panose="020B0604020202020204" pitchFamily="34" charset="0"/>
+              <a:cs typeface="Arial" panose="020B0604020202020204" pitchFamily="34" charset="0"/>
+            </a:endParaRPr>
+          </a:p>
+          <a:p>
+            <a:endParaRPr lang="en-US" altLang="ko-KR" sz="2400" b="1" dirty="0">
+              <a:solidFill>
+                <a:schemeClr val="bg1"/>
+              </a:solidFill>
+              <a:latin typeface="Arial" panose="020B0604020202020204" pitchFamily="34" charset="0"/>
+              <a:cs typeface="Arial" panose="020B0604020202020204" pitchFamily="34" charset="0"/>
+            </a:endParaRPr>
+          </a:p>
+          <a:p>
+            <a:r>
+              <a:rPr lang="en-US" altLang="ko-KR" sz="2400" b="1" i="0" dirty="0">
+                <a:solidFill>
+                  <a:schemeClr val="bg1"/>
+                </a:solidFill>
+                <a:effectLst/>
+                <a:latin typeface="Arial" panose="020B0604020202020204" pitchFamily="34" charset="0"/>
+                <a:cs typeface="Arial" panose="020B0604020202020204" pitchFamily="34" charset="0"/>
+              </a:rPr>
+              <a:t>:</a:t>
+            </a:r>
+            <a:r>
+              <a:rPr lang="en-US" altLang="ko-KR" sz="2400" b="1" dirty="0">
+                <a:solidFill>
+                  <a:schemeClr val="bg1"/>
+                </a:solidFill>
+                <a:latin typeface="Arial" panose="020B0604020202020204" pitchFamily="34" charset="0"/>
+                <a:cs typeface="Arial" panose="020B0604020202020204" pitchFamily="34" charset="0"/>
+              </a:rPr>
+              <a:t> </a:t>
+            </a:r>
+            <a:r>
+              <a:rPr lang="ko-KR" altLang="en-US" sz="2400" b="1" dirty="0">
+                <a:solidFill>
+                  <a:schemeClr val="bg1"/>
+                </a:solidFill>
+                <a:latin typeface="Arial" panose="020B0604020202020204" pitchFamily="34" charset="0"/>
+                <a:cs typeface="Arial" panose="020B0604020202020204" pitchFamily="34" charset="0"/>
+              </a:rPr>
+              <a:t>딥러닝 시계열 </a:t>
+            </a:r>
+            <a:r>
+              <a:rPr lang="en-US" altLang="ko-KR" sz="2400" b="1" i="0" dirty="0">
+                <a:solidFill>
+                  <a:schemeClr val="bg1"/>
+                </a:solidFill>
+                <a:effectLst/>
+                <a:latin typeface="Arial" panose="020B0604020202020204" pitchFamily="34" charset="0"/>
+              </a:rPr>
+              <a:t>- 01. </a:t>
+            </a:r>
+            <a:r>
+              <a:rPr lang="ko-KR" altLang="en-US" sz="2400" b="1" i="0" dirty="0">
+                <a:solidFill>
+                  <a:schemeClr val="bg1"/>
+                </a:solidFill>
+                <a:effectLst/>
+                <a:latin typeface="Arial" panose="020B0604020202020204" pitchFamily="34" charset="0"/>
+              </a:rPr>
+              <a:t>인공지능 시대의 등장과 딥러닝 알고리즘</a:t>
+            </a:r>
+            <a:endParaRPr lang="en-US" altLang="ko-KR" sz="2400" b="1" dirty="0">
+              <a:solidFill>
+                <a:schemeClr val="bg1"/>
+              </a:solidFill>
+              <a:latin typeface="Arial" panose="020B0604020202020204" pitchFamily="34" charset="0"/>
+              <a:ea typeface="Noto Sans CJK KR Black" panose="020B0A00000000000000" pitchFamily="34" charset="-127"/>
+              <a:cs typeface="Arial" panose="020B0604020202020204" pitchFamily="34" charset="0"/>
+            </a:endParaRPr>
+          </a:p>
+        </p:txBody>
+      </p:sp>
+      <p:sp>
+        <p:nvSpPr>
+          <p:cNvPr id="12" name="TextBox 11"/>
+          <p:cNvSpPr txBox="1"/>
+          <p:nvPr/>
+        </p:nvSpPr>
+        <p:spPr>
+          <a:xfrm>
+            <a:off x="4783981" y="611957"/>
+            <a:ext cx="7056784" cy="216726"/>
+          </a:xfrm>
+          <a:prstGeom prst="rect">
+            <a:avLst/>
+          </a:prstGeom>
+          <a:noFill/>
+        </p:spPr>
+        <p:txBody>
+          <a:bodyPr wrap="square" lIns="0" tIns="0" rIns="0" bIns="0" rtlCol="0" anchor="t">
+            <a:spAutoFit/>
+          </a:bodyPr>
+          <a:lstStyle/>
+          <a:p>
+            <a:pPr>
+              <a:lnSpc>
+                <a:spcPct val="150000"/>
+              </a:lnSpc>
+            </a:pPr>
+            <a:endParaRPr lang="en-US" altLang="ko-KR" sz="1050" dirty="0">
+              <a:solidFill>
+                <a:schemeClr val="bg1"/>
+              </a:solidFill>
+              <a:latin typeface="Noto Sans CJK KR Medium" panose="020B0600000000000000" pitchFamily="34" charset="-127"/>
+              <a:ea typeface="Noto Sans CJK KR Medium" panose="020B0600000000000000" pitchFamily="34" charset="-127"/>
+            </a:endParaRPr>
+          </a:p>
+        </p:txBody>
+      </p:sp>
+      <p:sp>
+        <p:nvSpPr>
+          <p:cNvPr id="6" name="TextBox 5">
+            <a:extLst>
+              <a:ext uri="{FF2B5EF4-FFF2-40B4-BE49-F238E27FC236}">
+                <a16:creationId xmlns:a16="http://schemas.microsoft.com/office/drawing/2014/main" id="{161CCAE4-E01F-4257-AFB1-00679BC318D7}"/>
+              </a:ext>
+            </a:extLst>
+          </p:cNvPr>
+          <p:cNvSpPr txBox="1"/>
+          <p:nvPr/>
+        </p:nvSpPr>
+        <p:spPr>
+          <a:xfrm>
+            <a:off x="2258841" y="2844205"/>
+            <a:ext cx="7865218" cy="2339102"/>
+          </a:xfrm>
+          <a:prstGeom prst="rect">
+            <a:avLst/>
+          </a:prstGeom>
+          <a:noFill/>
+        </p:spPr>
+        <p:txBody>
+          <a:bodyPr wrap="square" lIns="0" tIns="0" rIns="0" bIns="0" rtlCol="0" anchor="t">
+            <a:spAutoFit/>
+          </a:bodyPr>
+          <a:lstStyle/>
+          <a:p>
+            <a:pPr marL="342900" indent="-342900">
+              <a:buFont typeface="Wingdings" panose="05000000000000000000" pitchFamily="2" charset="2"/>
+              <a:buChar char="l"/>
+            </a:pPr>
+            <a:r>
+              <a:rPr lang="ko-KR" altLang="en-US" sz="2400" dirty="0">
+                <a:solidFill>
+                  <a:schemeClr val="bg1"/>
+                </a:solidFill>
+                <a:latin typeface="Noto Sans CJK KR Black" panose="020B0A00000000000000" pitchFamily="34" charset="-127"/>
+                <a:ea typeface="Noto Sans CJK KR Black" panose="020B0A00000000000000" pitchFamily="34" charset="-127"/>
+              </a:rPr>
+              <a:t>지난시간 내용정리</a:t>
+            </a:r>
+            <a:endParaRPr lang="en-US" altLang="ko-KR" sz="2400" dirty="0">
+              <a:solidFill>
+                <a:schemeClr val="bg1"/>
+              </a:solidFill>
+              <a:latin typeface="Noto Sans CJK KR Black" panose="020B0A00000000000000" pitchFamily="34" charset="-127"/>
+              <a:ea typeface="Noto Sans CJK KR Black" panose="020B0A00000000000000" pitchFamily="34" charset="-127"/>
+            </a:endParaRPr>
+          </a:p>
+          <a:p>
+            <a:pPr marL="896798" lvl="1" indent="-342900">
+              <a:buFont typeface="Wingdings" panose="05000000000000000000" pitchFamily="2" charset="2"/>
+              <a:buChar char="ü"/>
+            </a:pPr>
+            <a:r>
+              <a:rPr lang="ko-KR" altLang="en-US" sz="2000" dirty="0">
+                <a:solidFill>
+                  <a:schemeClr val="bg1"/>
+                </a:solidFill>
+                <a:latin typeface="Noto Sans CJK KR Black" panose="020B0A00000000000000" pitchFamily="34" charset="-127"/>
+                <a:ea typeface="Noto Sans CJK KR Black" panose="020B0A00000000000000" pitchFamily="34" charset="-127"/>
+              </a:rPr>
+              <a:t>알고리즘의 발전 및 확장방향 이해하기</a:t>
+            </a:r>
+            <a:endParaRPr lang="en-US" altLang="ko-KR" sz="2000" dirty="0">
+              <a:solidFill>
+                <a:schemeClr val="bg1"/>
+              </a:solidFill>
+              <a:latin typeface="Noto Sans CJK KR Black" panose="020B0A00000000000000" pitchFamily="34" charset="-127"/>
+              <a:ea typeface="Noto Sans CJK KR Black" panose="020B0A00000000000000" pitchFamily="34" charset="-127"/>
+            </a:endParaRPr>
+          </a:p>
+          <a:p>
+            <a:pPr marL="896798" lvl="1" indent="-342900">
+              <a:buFont typeface="Wingdings" panose="05000000000000000000" pitchFamily="2" charset="2"/>
+              <a:buChar char="ü"/>
+            </a:pPr>
+            <a:r>
+              <a:rPr lang="ko-KR" altLang="en-US" sz="2000" dirty="0">
+                <a:solidFill>
+                  <a:schemeClr val="bg1"/>
+                </a:solidFill>
+                <a:latin typeface="Noto Sans CJK KR Black" panose="020B0A00000000000000" pitchFamily="34" charset="-127"/>
+                <a:ea typeface="Noto Sans CJK KR Black" panose="020B0A00000000000000" pitchFamily="34" charset="-127"/>
+              </a:rPr>
+              <a:t>시뮬레이션 데이터를 통해 확인하기</a:t>
+            </a:r>
+            <a:endParaRPr lang="en-US" altLang="ko-KR" sz="2000" dirty="0">
+              <a:solidFill>
+                <a:schemeClr val="bg1"/>
+              </a:solidFill>
+              <a:latin typeface="Noto Sans CJK KR Black" panose="020B0A00000000000000" pitchFamily="34" charset="-127"/>
+              <a:ea typeface="Noto Sans CJK KR Black" panose="020B0A00000000000000" pitchFamily="34" charset="-127"/>
+            </a:endParaRPr>
+          </a:p>
+          <a:p>
+            <a:pPr marL="896798" lvl="1" indent="-342900">
+              <a:buFont typeface="Wingdings" panose="05000000000000000000" pitchFamily="2" charset="2"/>
+              <a:buChar char="ü"/>
+            </a:pPr>
+            <a:endParaRPr lang="en-US" altLang="ko-KR" sz="2400" dirty="0">
+              <a:solidFill>
+                <a:schemeClr val="bg1"/>
+              </a:solidFill>
+              <a:latin typeface="Noto Sans CJK KR Black" panose="020B0A00000000000000" pitchFamily="34" charset="-127"/>
+              <a:ea typeface="Noto Sans CJK KR Black" panose="020B0A00000000000000" pitchFamily="34" charset="-127"/>
+            </a:endParaRPr>
+          </a:p>
+          <a:p>
+            <a:pPr marL="342900" indent="-342900">
+              <a:buFont typeface="Wingdings" panose="05000000000000000000" pitchFamily="2" charset="2"/>
+              <a:buChar char="l"/>
+            </a:pPr>
+            <a:r>
+              <a:rPr lang="ko-KR" altLang="en-US" sz="2400" dirty="0">
+                <a:solidFill>
+                  <a:schemeClr val="bg1"/>
+                </a:solidFill>
+                <a:latin typeface="Noto Sans CJK KR Black" panose="020B0A00000000000000" pitchFamily="34" charset="-127"/>
+                <a:ea typeface="Noto Sans CJK KR Black" panose="020B0A00000000000000" pitchFamily="34" charset="-127"/>
+              </a:rPr>
+              <a:t>이번시간 목표</a:t>
+            </a:r>
+          </a:p>
+          <a:p>
+            <a:pPr marL="896798" lvl="1" indent="-342900">
+              <a:buFont typeface="Wingdings" panose="05000000000000000000" pitchFamily="2" charset="2"/>
+              <a:buChar char="ü"/>
+            </a:pPr>
+            <a:r>
+              <a:rPr lang="ko-KR" altLang="en-US" sz="2000" dirty="0">
+                <a:solidFill>
+                  <a:schemeClr val="bg1"/>
+                </a:solidFill>
+                <a:latin typeface="Noto Sans CJK KR Black" panose="020B0A00000000000000" pitchFamily="34" charset="-127"/>
+                <a:ea typeface="Noto Sans CJK KR Black" panose="020B0A00000000000000" pitchFamily="34" charset="-127"/>
+              </a:rPr>
+              <a:t>인공지능의 정의와 현실 이해하기</a:t>
+            </a:r>
+            <a:endParaRPr lang="en-US" altLang="ko-KR" sz="2000" dirty="0">
+              <a:solidFill>
+                <a:schemeClr val="bg1"/>
+              </a:solidFill>
+              <a:latin typeface="Noto Sans CJK KR Black" panose="020B0A00000000000000" pitchFamily="34" charset="-127"/>
+              <a:ea typeface="Noto Sans CJK KR Black" panose="020B0A00000000000000" pitchFamily="34" charset="-127"/>
+            </a:endParaRPr>
+          </a:p>
+          <a:p>
+            <a:pPr marL="896798" lvl="1" indent="-342900">
+              <a:buFont typeface="Wingdings" panose="05000000000000000000" pitchFamily="2" charset="2"/>
+              <a:buChar char="ü"/>
+            </a:pPr>
+            <a:r>
+              <a:rPr lang="ko-KR" altLang="en-US" sz="2000" dirty="0">
+                <a:solidFill>
+                  <a:schemeClr val="bg1"/>
+                </a:solidFill>
+                <a:latin typeface="Noto Sans CJK KR Black" panose="020B0A00000000000000" pitchFamily="34" charset="-127"/>
+                <a:ea typeface="Noto Sans CJK KR Black" panose="020B0A00000000000000" pitchFamily="34" charset="-127"/>
+              </a:rPr>
+              <a:t>인공지능 알고리즘의 발전 역사</a:t>
+            </a:r>
+            <a:endParaRPr lang="en-US" altLang="ko-KR" sz="2000" dirty="0">
+              <a:solidFill>
+                <a:schemeClr val="bg1"/>
+              </a:solidFill>
+              <a:latin typeface="Noto Sans CJK KR Black" panose="020B0A00000000000000" pitchFamily="34" charset="-127"/>
+              <a:ea typeface="Noto Sans CJK KR Black" panose="020B0A00000000000000" pitchFamily="34" charset="-127"/>
+            </a:endParaRPr>
+          </a:p>
+        </p:txBody>
+      </p:sp>
+    </p:spTree>
+    <p:extLst>
+      <p:ext uri="{BB962C8B-B14F-4D97-AF65-F5344CB8AC3E}">
+        <p14:creationId xmlns:p14="http://schemas.microsoft.com/office/powerpoint/2010/main" val="2582879503"/>
+      </p:ext>
+    </p:extLst>
+  </p:cSld>
+  <p:clrMapOvr>
+    <a:masterClrMapping/>
+  </p:clrMapOvr>
+</p:sld>
+</file>
+
 <file path=ppt/slides/slide8.xml><?xml version="1.0" encoding="utf-8"?>
 <p:sld xmlns:a="http://schemas.openxmlformats.org/drawingml/2006/main" xmlns:r="http://schemas.openxmlformats.org/officeDocument/2006/relationships" xmlns:p="http://schemas.openxmlformats.org/presentationml/2006/main">
   <p:cSld>
@@ -43368,6 +45675,5243 @@
     <p:extLst>
       <p:ext uri="{BB962C8B-B14F-4D97-AF65-F5344CB8AC3E}">
         <p14:creationId xmlns:p14="http://schemas.microsoft.com/office/powerpoint/2010/main" val="520866850"/>
+      </p:ext>
+    </p:extLst>
+  </p:cSld>
+  <p:clrMapOvr>
+    <a:masterClrMapping/>
+  </p:clrMapOvr>
+</p:sld>
+</file>
+
+<file path=ppt/slides/slide80.xml><?xml version="1.0" encoding="utf-8"?>
+<p:sld xmlns:a="http://schemas.openxmlformats.org/drawingml/2006/main" xmlns:r="http://schemas.openxmlformats.org/officeDocument/2006/relationships" xmlns:p="http://schemas.openxmlformats.org/presentationml/2006/main">
+  <p:cSld>
+    <p:bg>
+      <p:bgPr>
+        <a:solidFill>
+          <a:schemeClr val="bg1">
+            <a:lumMod val="65000"/>
+          </a:schemeClr>
+        </a:solidFill>
+        <a:effectLst/>
+      </p:bgPr>
+    </p:bg>
+    <p:spTree>
+      <p:nvGrpSpPr>
+        <p:cNvPr id="1" name=""/>
+        <p:cNvGrpSpPr/>
+        <p:nvPr/>
+      </p:nvGrpSpPr>
+      <p:grpSpPr>
+        <a:xfrm>
+          <a:off x="0" y="0"/>
+          <a:ext cx="0" cy="0"/>
+          <a:chOff x="0" y="0"/>
+          <a:chExt cx="0" cy="0"/>
+        </a:xfrm>
+      </p:grpSpPr>
+      <p:sp>
+        <p:nvSpPr>
+          <p:cNvPr id="4" name="슬라이드 번호 개체 틀 3"/>
+          <p:cNvSpPr>
+            <a:spLocks noGrp="1"/>
+          </p:cNvSpPr>
+          <p:nvPr>
+            <p:ph type="sldNum" sz="quarter" idx="12"/>
+          </p:nvPr>
+        </p:nvSpPr>
+        <p:spPr/>
+        <p:txBody>
+          <a:bodyPr/>
+          <a:lstStyle/>
+          <a:p>
+            <a:fld id="{6DDAE2C3-1A0B-474A-8CE8-AE55B8D9D4B1}" type="slidenum">
+              <a:rPr lang="ko-KR" altLang="en-US" smtClean="0"/>
+              <a:pPr/>
+              <a:t>80</a:t>
+            </a:fld>
+            <a:endParaRPr lang="ko-KR" altLang="en-US" dirty="0"/>
+          </a:p>
+        </p:txBody>
+      </p:sp>
+      <p:sp>
+        <p:nvSpPr>
+          <p:cNvPr id="11" name="TextBox 10"/>
+          <p:cNvSpPr txBox="1"/>
+          <p:nvPr/>
+        </p:nvSpPr>
+        <p:spPr>
+          <a:xfrm>
+            <a:off x="204827" y="854694"/>
+            <a:ext cx="11793243" cy="1107996"/>
+          </a:xfrm>
+          <a:prstGeom prst="rect">
+            <a:avLst/>
+          </a:prstGeom>
+          <a:noFill/>
+        </p:spPr>
+        <p:txBody>
+          <a:bodyPr wrap="square" lIns="0" tIns="0" rIns="0" bIns="0" rtlCol="0" anchor="t">
+            <a:spAutoFit/>
+          </a:bodyPr>
+          <a:lstStyle/>
+          <a:p>
+            <a:r>
+              <a:rPr lang="en-US" altLang="ko-KR" sz="2400" b="1" i="0" dirty="0">
+                <a:solidFill>
+                  <a:schemeClr val="bg1"/>
+                </a:solidFill>
+                <a:effectLst/>
+                <a:latin typeface="Arial" panose="020B0604020202020204" pitchFamily="34" charset="0"/>
+                <a:cs typeface="Arial" panose="020B0604020202020204" pitchFamily="34" charset="0"/>
+              </a:rPr>
+              <a:t>Part 03. </a:t>
+            </a:r>
+            <a:r>
+              <a:rPr lang="ko-KR" altLang="en-US" sz="2400" b="1" i="0" dirty="0">
+                <a:solidFill>
+                  <a:schemeClr val="bg1"/>
+                </a:solidFill>
+                <a:effectLst/>
+                <a:latin typeface="Arial" panose="020B0604020202020204" pitchFamily="34" charset="0"/>
+                <a:cs typeface="Arial" panose="020B0604020202020204" pitchFamily="34" charset="0"/>
+              </a:rPr>
+              <a:t>시계열 알고리즘</a:t>
+            </a:r>
+            <a:endParaRPr lang="en-US" altLang="ko-KR" sz="2400" b="1" i="0" dirty="0">
+              <a:solidFill>
+                <a:schemeClr val="bg1"/>
+              </a:solidFill>
+              <a:effectLst/>
+              <a:latin typeface="Arial" panose="020B0604020202020204" pitchFamily="34" charset="0"/>
+              <a:cs typeface="Arial" panose="020B0604020202020204" pitchFamily="34" charset="0"/>
+            </a:endParaRPr>
+          </a:p>
+          <a:p>
+            <a:endParaRPr lang="en-US" altLang="ko-KR" sz="2400" b="1" dirty="0">
+              <a:solidFill>
+                <a:schemeClr val="bg1"/>
+              </a:solidFill>
+              <a:latin typeface="Arial" panose="020B0604020202020204" pitchFamily="34" charset="0"/>
+              <a:cs typeface="Arial" panose="020B0604020202020204" pitchFamily="34" charset="0"/>
+            </a:endParaRPr>
+          </a:p>
+          <a:p>
+            <a:r>
+              <a:rPr lang="en-US" altLang="ko-KR" sz="2400" b="1" i="0" dirty="0">
+                <a:solidFill>
+                  <a:schemeClr val="bg1"/>
+                </a:solidFill>
+                <a:effectLst/>
+                <a:latin typeface="Arial" panose="020B0604020202020204" pitchFamily="34" charset="0"/>
+                <a:cs typeface="Arial" panose="020B0604020202020204" pitchFamily="34" charset="0"/>
+              </a:rPr>
+              <a:t>:</a:t>
+            </a:r>
+            <a:r>
+              <a:rPr lang="en-US" altLang="ko-KR" sz="2400" b="1" dirty="0">
+                <a:solidFill>
+                  <a:schemeClr val="bg1"/>
+                </a:solidFill>
+                <a:latin typeface="Arial" panose="020B0604020202020204" pitchFamily="34" charset="0"/>
+                <a:cs typeface="Arial" panose="020B0604020202020204" pitchFamily="34" charset="0"/>
+              </a:rPr>
+              <a:t> </a:t>
+            </a:r>
+            <a:r>
+              <a:rPr lang="ko-KR" altLang="en-US" sz="2400" b="1" dirty="0">
+                <a:solidFill>
+                  <a:schemeClr val="bg1"/>
+                </a:solidFill>
+                <a:latin typeface="Arial" panose="020B0604020202020204" pitchFamily="34" charset="0"/>
+                <a:cs typeface="Arial" panose="020B0604020202020204" pitchFamily="34" charset="0"/>
+              </a:rPr>
+              <a:t>딥러닝 시계열 </a:t>
+            </a:r>
+            <a:r>
+              <a:rPr lang="en-US" altLang="ko-KR" sz="2400" b="1" i="0" dirty="0">
+                <a:solidFill>
+                  <a:schemeClr val="bg1"/>
+                </a:solidFill>
+                <a:effectLst/>
+                <a:latin typeface="Arial" panose="020B0604020202020204" pitchFamily="34" charset="0"/>
+              </a:rPr>
+              <a:t>- 02. </a:t>
+            </a:r>
+            <a:r>
+              <a:rPr lang="ko-KR" altLang="en-US" sz="2400" b="1" i="0" dirty="0">
+                <a:solidFill>
+                  <a:schemeClr val="bg1"/>
+                </a:solidFill>
+                <a:effectLst/>
+                <a:latin typeface="Arial" panose="020B0604020202020204" pitchFamily="34" charset="0"/>
+              </a:rPr>
+              <a:t>딥러닝 기술의 발전방향</a:t>
+            </a:r>
+            <a:r>
+              <a:rPr lang="en-US" altLang="ko-KR" sz="2400" b="1" i="0" dirty="0">
+                <a:solidFill>
+                  <a:schemeClr val="bg1"/>
+                </a:solidFill>
+                <a:effectLst/>
+                <a:latin typeface="Arial" panose="020B0604020202020204" pitchFamily="34" charset="0"/>
+              </a:rPr>
+              <a:t>1</a:t>
+            </a:r>
+            <a:endParaRPr lang="en-US" altLang="ko-KR" sz="2400" b="1" dirty="0">
+              <a:solidFill>
+                <a:schemeClr val="bg1"/>
+              </a:solidFill>
+              <a:latin typeface="Arial" panose="020B0604020202020204" pitchFamily="34" charset="0"/>
+              <a:ea typeface="Noto Sans CJK KR Black" panose="020B0A00000000000000" pitchFamily="34" charset="-127"/>
+              <a:cs typeface="Arial" panose="020B0604020202020204" pitchFamily="34" charset="0"/>
+            </a:endParaRPr>
+          </a:p>
+        </p:txBody>
+      </p:sp>
+      <p:sp>
+        <p:nvSpPr>
+          <p:cNvPr id="12" name="TextBox 11"/>
+          <p:cNvSpPr txBox="1"/>
+          <p:nvPr/>
+        </p:nvSpPr>
+        <p:spPr>
+          <a:xfrm>
+            <a:off x="4783981" y="611957"/>
+            <a:ext cx="7056784" cy="216726"/>
+          </a:xfrm>
+          <a:prstGeom prst="rect">
+            <a:avLst/>
+          </a:prstGeom>
+          <a:noFill/>
+        </p:spPr>
+        <p:txBody>
+          <a:bodyPr wrap="square" lIns="0" tIns="0" rIns="0" bIns="0" rtlCol="0" anchor="t">
+            <a:spAutoFit/>
+          </a:bodyPr>
+          <a:lstStyle/>
+          <a:p>
+            <a:pPr>
+              <a:lnSpc>
+                <a:spcPct val="150000"/>
+              </a:lnSpc>
+            </a:pPr>
+            <a:endParaRPr lang="en-US" altLang="ko-KR" sz="1050" dirty="0">
+              <a:solidFill>
+                <a:schemeClr val="bg1"/>
+              </a:solidFill>
+              <a:latin typeface="Noto Sans CJK KR Medium" panose="020B0600000000000000" pitchFamily="34" charset="-127"/>
+              <a:ea typeface="Noto Sans CJK KR Medium" panose="020B0600000000000000" pitchFamily="34" charset="-127"/>
+            </a:endParaRPr>
+          </a:p>
+        </p:txBody>
+      </p:sp>
+      <p:sp>
+        <p:nvSpPr>
+          <p:cNvPr id="6" name="TextBox 5">
+            <a:extLst>
+              <a:ext uri="{FF2B5EF4-FFF2-40B4-BE49-F238E27FC236}">
+                <a16:creationId xmlns:a16="http://schemas.microsoft.com/office/drawing/2014/main" id="{161CCAE4-E01F-4257-AFB1-00679BC318D7}"/>
+              </a:ext>
+            </a:extLst>
+          </p:cNvPr>
+          <p:cNvSpPr txBox="1"/>
+          <p:nvPr/>
+        </p:nvSpPr>
+        <p:spPr>
+          <a:xfrm>
+            <a:off x="2258841" y="2844205"/>
+            <a:ext cx="7865218" cy="2339102"/>
+          </a:xfrm>
+          <a:prstGeom prst="rect">
+            <a:avLst/>
+          </a:prstGeom>
+          <a:noFill/>
+        </p:spPr>
+        <p:txBody>
+          <a:bodyPr wrap="square" lIns="0" tIns="0" rIns="0" bIns="0" rtlCol="0" anchor="t">
+            <a:spAutoFit/>
+          </a:bodyPr>
+          <a:lstStyle/>
+          <a:p>
+            <a:pPr marL="342900" indent="-342900">
+              <a:buFont typeface="Wingdings" panose="05000000000000000000" pitchFamily="2" charset="2"/>
+              <a:buChar char="l"/>
+            </a:pPr>
+            <a:r>
+              <a:rPr lang="ko-KR" altLang="en-US" sz="2400" dirty="0">
+                <a:solidFill>
+                  <a:schemeClr val="bg1"/>
+                </a:solidFill>
+                <a:latin typeface="Noto Sans CJK KR Black" panose="020B0A00000000000000" pitchFamily="34" charset="-127"/>
+                <a:ea typeface="Noto Sans CJK KR Black" panose="020B0A00000000000000" pitchFamily="34" charset="-127"/>
+              </a:rPr>
+              <a:t>지난시간 내용정리</a:t>
+            </a:r>
+            <a:endParaRPr lang="en-US" altLang="ko-KR" sz="2400" dirty="0">
+              <a:solidFill>
+                <a:schemeClr val="bg1"/>
+              </a:solidFill>
+              <a:latin typeface="Noto Sans CJK KR Black" panose="020B0A00000000000000" pitchFamily="34" charset="-127"/>
+              <a:ea typeface="Noto Sans CJK KR Black" panose="020B0A00000000000000" pitchFamily="34" charset="-127"/>
+            </a:endParaRPr>
+          </a:p>
+          <a:p>
+            <a:pPr marL="896798" lvl="1" indent="-342900">
+              <a:buFont typeface="Wingdings" panose="05000000000000000000" pitchFamily="2" charset="2"/>
+              <a:buChar char="ü"/>
+            </a:pPr>
+            <a:r>
+              <a:rPr lang="ko-KR" altLang="en-US" sz="2000" dirty="0">
+                <a:solidFill>
+                  <a:schemeClr val="bg1"/>
+                </a:solidFill>
+                <a:latin typeface="Noto Sans CJK KR Black" panose="020B0A00000000000000" pitchFamily="34" charset="-127"/>
+                <a:ea typeface="Noto Sans CJK KR Black" panose="020B0A00000000000000" pitchFamily="34" charset="-127"/>
+              </a:rPr>
+              <a:t>인공지능의 정의와 현실 이해하기</a:t>
+            </a:r>
+            <a:endParaRPr lang="en-US" altLang="ko-KR" sz="2000" dirty="0">
+              <a:solidFill>
+                <a:schemeClr val="bg1"/>
+              </a:solidFill>
+              <a:latin typeface="Noto Sans CJK KR Black" panose="020B0A00000000000000" pitchFamily="34" charset="-127"/>
+              <a:ea typeface="Noto Sans CJK KR Black" panose="020B0A00000000000000" pitchFamily="34" charset="-127"/>
+            </a:endParaRPr>
+          </a:p>
+          <a:p>
+            <a:pPr marL="896798" lvl="1" indent="-342900">
+              <a:buFont typeface="Wingdings" panose="05000000000000000000" pitchFamily="2" charset="2"/>
+              <a:buChar char="ü"/>
+            </a:pPr>
+            <a:r>
+              <a:rPr lang="ko-KR" altLang="en-US" sz="2000" dirty="0">
+                <a:solidFill>
+                  <a:schemeClr val="bg1"/>
+                </a:solidFill>
+                <a:latin typeface="Noto Sans CJK KR Black" panose="020B0A00000000000000" pitchFamily="34" charset="-127"/>
+                <a:ea typeface="Noto Sans CJK KR Black" panose="020B0A00000000000000" pitchFamily="34" charset="-127"/>
+              </a:rPr>
+              <a:t>인공지능 알고리즘의 발전 역사</a:t>
+            </a:r>
+            <a:endParaRPr lang="en-US" altLang="ko-KR" sz="2000" dirty="0">
+              <a:solidFill>
+                <a:schemeClr val="bg1"/>
+              </a:solidFill>
+              <a:latin typeface="Noto Sans CJK KR Black" panose="020B0A00000000000000" pitchFamily="34" charset="-127"/>
+              <a:ea typeface="Noto Sans CJK KR Black" panose="020B0A00000000000000" pitchFamily="34" charset="-127"/>
+            </a:endParaRPr>
+          </a:p>
+          <a:p>
+            <a:pPr marL="896798" lvl="1" indent="-342900">
+              <a:buFont typeface="Wingdings" panose="05000000000000000000" pitchFamily="2" charset="2"/>
+              <a:buChar char="ü"/>
+            </a:pPr>
+            <a:endParaRPr lang="en-US" altLang="ko-KR" sz="2400" dirty="0">
+              <a:solidFill>
+                <a:schemeClr val="bg1"/>
+              </a:solidFill>
+              <a:latin typeface="Noto Sans CJK KR Black" panose="020B0A00000000000000" pitchFamily="34" charset="-127"/>
+              <a:ea typeface="Noto Sans CJK KR Black" panose="020B0A00000000000000" pitchFamily="34" charset="-127"/>
+            </a:endParaRPr>
+          </a:p>
+          <a:p>
+            <a:pPr marL="342900" indent="-342900">
+              <a:buFont typeface="Wingdings" panose="05000000000000000000" pitchFamily="2" charset="2"/>
+              <a:buChar char="l"/>
+            </a:pPr>
+            <a:r>
+              <a:rPr lang="ko-KR" altLang="en-US" sz="2400" dirty="0">
+                <a:solidFill>
+                  <a:schemeClr val="bg1"/>
+                </a:solidFill>
+                <a:latin typeface="Noto Sans CJK KR Black" panose="020B0A00000000000000" pitchFamily="34" charset="-127"/>
+                <a:ea typeface="Noto Sans CJK KR Black" panose="020B0A00000000000000" pitchFamily="34" charset="-127"/>
+              </a:rPr>
+              <a:t>이번시간 목표</a:t>
+            </a:r>
+          </a:p>
+          <a:p>
+            <a:pPr marL="896798" lvl="1" indent="-342900">
+              <a:buFont typeface="Wingdings" panose="05000000000000000000" pitchFamily="2" charset="2"/>
+              <a:buChar char="ü"/>
+            </a:pPr>
+            <a:r>
+              <a:rPr lang="ko-KR" altLang="en-US" sz="2000" dirty="0">
+                <a:solidFill>
+                  <a:schemeClr val="bg1"/>
+                </a:solidFill>
+                <a:latin typeface="Noto Sans CJK KR Black" panose="020B0A00000000000000" pitchFamily="34" charset="-127"/>
+                <a:ea typeface="Noto Sans CJK KR Black" panose="020B0A00000000000000" pitchFamily="34" charset="-127"/>
+              </a:rPr>
+              <a:t>인공신경망 이해하기</a:t>
+            </a:r>
+            <a:endParaRPr lang="en-US" altLang="ko-KR" sz="2000" dirty="0">
+              <a:solidFill>
+                <a:schemeClr val="bg1"/>
+              </a:solidFill>
+              <a:latin typeface="Noto Sans CJK KR Black" panose="020B0A00000000000000" pitchFamily="34" charset="-127"/>
+              <a:ea typeface="Noto Sans CJK KR Black" panose="020B0A00000000000000" pitchFamily="34" charset="-127"/>
+            </a:endParaRPr>
+          </a:p>
+          <a:p>
+            <a:pPr marL="896798" lvl="1" indent="-342900">
+              <a:buFont typeface="Wingdings" panose="05000000000000000000" pitchFamily="2" charset="2"/>
+              <a:buChar char="ü"/>
+            </a:pPr>
+            <a:r>
+              <a:rPr lang="ko-KR" altLang="en-US" sz="2000" dirty="0">
+                <a:solidFill>
+                  <a:schemeClr val="bg1"/>
+                </a:solidFill>
+                <a:latin typeface="Noto Sans CJK KR Black" panose="020B0A00000000000000" pitchFamily="34" charset="-127"/>
+                <a:ea typeface="Noto Sans CJK KR Black" panose="020B0A00000000000000" pitchFamily="34" charset="-127"/>
+              </a:rPr>
+              <a:t>단층 및 다층 </a:t>
+            </a:r>
+            <a:r>
+              <a:rPr lang="ko-KR" altLang="en-US" sz="2000" dirty="0" err="1">
+                <a:solidFill>
+                  <a:schemeClr val="bg1"/>
+                </a:solidFill>
+                <a:latin typeface="Noto Sans CJK KR Black" panose="020B0A00000000000000" pitchFamily="34" charset="-127"/>
+                <a:ea typeface="Noto Sans CJK KR Black" panose="020B0A00000000000000" pitchFamily="34" charset="-127"/>
+              </a:rPr>
+              <a:t>퍼셉트론</a:t>
+            </a:r>
+            <a:r>
+              <a:rPr lang="ko-KR" altLang="en-US" sz="2000" dirty="0">
+                <a:solidFill>
+                  <a:schemeClr val="bg1"/>
+                </a:solidFill>
+                <a:latin typeface="Noto Sans CJK KR Black" panose="020B0A00000000000000" pitchFamily="34" charset="-127"/>
+                <a:ea typeface="Noto Sans CJK KR Black" panose="020B0A00000000000000" pitchFamily="34" charset="-127"/>
+              </a:rPr>
+              <a:t> 이해하기</a:t>
+            </a:r>
+            <a:endParaRPr lang="en-US" altLang="ko-KR" sz="2000" dirty="0">
+              <a:solidFill>
+                <a:schemeClr val="bg1"/>
+              </a:solidFill>
+              <a:latin typeface="Noto Sans CJK KR Black" panose="020B0A00000000000000" pitchFamily="34" charset="-127"/>
+              <a:ea typeface="Noto Sans CJK KR Black" panose="020B0A00000000000000" pitchFamily="34" charset="-127"/>
+            </a:endParaRPr>
+          </a:p>
+        </p:txBody>
+      </p:sp>
+    </p:spTree>
+    <p:extLst>
+      <p:ext uri="{BB962C8B-B14F-4D97-AF65-F5344CB8AC3E}">
+        <p14:creationId xmlns:p14="http://schemas.microsoft.com/office/powerpoint/2010/main" val="1779459274"/>
+      </p:ext>
+    </p:extLst>
+  </p:cSld>
+  <p:clrMapOvr>
+    <a:masterClrMapping/>
+  </p:clrMapOvr>
+</p:sld>
+</file>
+
+<file path=ppt/slides/slide81.xml><?xml version="1.0" encoding="utf-8"?>
+<p:sld xmlns:a="http://schemas.openxmlformats.org/drawingml/2006/main" xmlns:r="http://schemas.openxmlformats.org/officeDocument/2006/relationships" xmlns:p="http://schemas.openxmlformats.org/presentationml/2006/main">
+  <p:cSld>
+    <p:bg>
+      <p:bgPr>
+        <a:solidFill>
+          <a:schemeClr val="bg1">
+            <a:lumMod val="65000"/>
+          </a:schemeClr>
+        </a:solidFill>
+        <a:effectLst/>
+      </p:bgPr>
+    </p:bg>
+    <p:spTree>
+      <p:nvGrpSpPr>
+        <p:cNvPr id="1" name=""/>
+        <p:cNvGrpSpPr/>
+        <p:nvPr/>
+      </p:nvGrpSpPr>
+      <p:grpSpPr>
+        <a:xfrm>
+          <a:off x="0" y="0"/>
+          <a:ext cx="0" cy="0"/>
+          <a:chOff x="0" y="0"/>
+          <a:chExt cx="0" cy="0"/>
+        </a:xfrm>
+      </p:grpSpPr>
+      <p:sp>
+        <p:nvSpPr>
+          <p:cNvPr id="4" name="슬라이드 번호 개체 틀 3"/>
+          <p:cNvSpPr>
+            <a:spLocks noGrp="1"/>
+          </p:cNvSpPr>
+          <p:nvPr>
+            <p:ph type="sldNum" sz="quarter" idx="12"/>
+          </p:nvPr>
+        </p:nvSpPr>
+        <p:spPr/>
+        <p:txBody>
+          <a:bodyPr/>
+          <a:lstStyle/>
+          <a:p>
+            <a:fld id="{6DDAE2C3-1A0B-474A-8CE8-AE55B8D9D4B1}" type="slidenum">
+              <a:rPr lang="ko-KR" altLang="en-US" smtClean="0"/>
+              <a:pPr/>
+              <a:t>81</a:t>
+            </a:fld>
+            <a:endParaRPr lang="ko-KR" altLang="en-US" dirty="0"/>
+          </a:p>
+        </p:txBody>
+      </p:sp>
+      <p:sp>
+        <p:nvSpPr>
+          <p:cNvPr id="11" name="TextBox 10"/>
+          <p:cNvSpPr txBox="1"/>
+          <p:nvPr/>
+        </p:nvSpPr>
+        <p:spPr>
+          <a:xfrm>
+            <a:off x="204827" y="854694"/>
+            <a:ext cx="11793243" cy="1107996"/>
+          </a:xfrm>
+          <a:prstGeom prst="rect">
+            <a:avLst/>
+          </a:prstGeom>
+          <a:noFill/>
+        </p:spPr>
+        <p:txBody>
+          <a:bodyPr wrap="square" lIns="0" tIns="0" rIns="0" bIns="0" rtlCol="0" anchor="t">
+            <a:spAutoFit/>
+          </a:bodyPr>
+          <a:lstStyle/>
+          <a:p>
+            <a:r>
+              <a:rPr lang="en-US" altLang="ko-KR" sz="2400" b="1" i="0" dirty="0">
+                <a:solidFill>
+                  <a:schemeClr val="bg1"/>
+                </a:solidFill>
+                <a:effectLst/>
+                <a:latin typeface="Arial" panose="020B0604020202020204" pitchFamily="34" charset="0"/>
+                <a:cs typeface="Arial" panose="020B0604020202020204" pitchFamily="34" charset="0"/>
+              </a:rPr>
+              <a:t>Part 03. </a:t>
+            </a:r>
+            <a:r>
+              <a:rPr lang="ko-KR" altLang="en-US" sz="2400" b="1" i="0" dirty="0">
+                <a:solidFill>
+                  <a:schemeClr val="bg1"/>
+                </a:solidFill>
+                <a:effectLst/>
+                <a:latin typeface="Arial" panose="020B0604020202020204" pitchFamily="34" charset="0"/>
+                <a:cs typeface="Arial" panose="020B0604020202020204" pitchFamily="34" charset="0"/>
+              </a:rPr>
+              <a:t>시계열 알고리즘</a:t>
+            </a:r>
+            <a:endParaRPr lang="en-US" altLang="ko-KR" sz="2400" b="1" i="0" dirty="0">
+              <a:solidFill>
+                <a:schemeClr val="bg1"/>
+              </a:solidFill>
+              <a:effectLst/>
+              <a:latin typeface="Arial" panose="020B0604020202020204" pitchFamily="34" charset="0"/>
+              <a:cs typeface="Arial" panose="020B0604020202020204" pitchFamily="34" charset="0"/>
+            </a:endParaRPr>
+          </a:p>
+          <a:p>
+            <a:endParaRPr lang="en-US" altLang="ko-KR" sz="2400" b="1" dirty="0">
+              <a:solidFill>
+                <a:schemeClr val="bg1"/>
+              </a:solidFill>
+              <a:latin typeface="Arial" panose="020B0604020202020204" pitchFamily="34" charset="0"/>
+              <a:cs typeface="Arial" panose="020B0604020202020204" pitchFamily="34" charset="0"/>
+            </a:endParaRPr>
+          </a:p>
+          <a:p>
+            <a:r>
+              <a:rPr lang="en-US" altLang="ko-KR" sz="2400" b="1" i="0" dirty="0">
+                <a:solidFill>
+                  <a:schemeClr val="bg1"/>
+                </a:solidFill>
+                <a:effectLst/>
+                <a:latin typeface="Arial" panose="020B0604020202020204" pitchFamily="34" charset="0"/>
+                <a:cs typeface="Arial" panose="020B0604020202020204" pitchFamily="34" charset="0"/>
+              </a:rPr>
+              <a:t>:</a:t>
+            </a:r>
+            <a:r>
+              <a:rPr lang="en-US" altLang="ko-KR" sz="2400" b="1" dirty="0">
+                <a:solidFill>
+                  <a:schemeClr val="bg1"/>
+                </a:solidFill>
+                <a:latin typeface="Arial" panose="020B0604020202020204" pitchFamily="34" charset="0"/>
+                <a:cs typeface="Arial" panose="020B0604020202020204" pitchFamily="34" charset="0"/>
+              </a:rPr>
+              <a:t> </a:t>
+            </a:r>
+            <a:r>
+              <a:rPr lang="ko-KR" altLang="en-US" sz="2400" b="1" dirty="0">
+                <a:solidFill>
+                  <a:schemeClr val="bg1"/>
+                </a:solidFill>
+                <a:latin typeface="Arial" panose="020B0604020202020204" pitchFamily="34" charset="0"/>
+                <a:cs typeface="Arial" panose="020B0604020202020204" pitchFamily="34" charset="0"/>
+              </a:rPr>
+              <a:t>딥러닝 시계열 </a:t>
+            </a:r>
+            <a:r>
+              <a:rPr lang="en-US" altLang="ko-KR" sz="2400" b="1" i="0" dirty="0">
+                <a:solidFill>
+                  <a:schemeClr val="bg1"/>
+                </a:solidFill>
+                <a:effectLst/>
+                <a:latin typeface="Arial" panose="020B0604020202020204" pitchFamily="34" charset="0"/>
+              </a:rPr>
+              <a:t>- 03. </a:t>
+            </a:r>
+            <a:r>
+              <a:rPr lang="ko-KR" altLang="en-US" sz="2400" b="1" i="0" dirty="0">
+                <a:solidFill>
+                  <a:schemeClr val="bg1"/>
+                </a:solidFill>
+                <a:effectLst/>
+                <a:latin typeface="Arial" panose="020B0604020202020204" pitchFamily="34" charset="0"/>
+              </a:rPr>
+              <a:t>딥러닝 기술의 발전방향</a:t>
+            </a:r>
+            <a:r>
+              <a:rPr lang="en-US" altLang="ko-KR" sz="2400" b="1" i="0" dirty="0">
+                <a:solidFill>
+                  <a:schemeClr val="bg1"/>
+                </a:solidFill>
+                <a:effectLst/>
+                <a:latin typeface="Arial" panose="020B0604020202020204" pitchFamily="34" charset="0"/>
+              </a:rPr>
+              <a:t>2</a:t>
+            </a:r>
+            <a:endParaRPr lang="en-US" altLang="ko-KR" sz="2400" b="1" dirty="0">
+              <a:solidFill>
+                <a:schemeClr val="bg1"/>
+              </a:solidFill>
+              <a:latin typeface="Arial" panose="020B0604020202020204" pitchFamily="34" charset="0"/>
+              <a:ea typeface="Noto Sans CJK KR Black" panose="020B0A00000000000000" pitchFamily="34" charset="-127"/>
+              <a:cs typeface="Arial" panose="020B0604020202020204" pitchFamily="34" charset="0"/>
+            </a:endParaRPr>
+          </a:p>
+        </p:txBody>
+      </p:sp>
+      <p:sp>
+        <p:nvSpPr>
+          <p:cNvPr id="12" name="TextBox 11"/>
+          <p:cNvSpPr txBox="1"/>
+          <p:nvPr/>
+        </p:nvSpPr>
+        <p:spPr>
+          <a:xfrm>
+            <a:off x="4783981" y="611957"/>
+            <a:ext cx="7056784" cy="216726"/>
+          </a:xfrm>
+          <a:prstGeom prst="rect">
+            <a:avLst/>
+          </a:prstGeom>
+          <a:noFill/>
+        </p:spPr>
+        <p:txBody>
+          <a:bodyPr wrap="square" lIns="0" tIns="0" rIns="0" bIns="0" rtlCol="0" anchor="t">
+            <a:spAutoFit/>
+          </a:bodyPr>
+          <a:lstStyle/>
+          <a:p>
+            <a:pPr>
+              <a:lnSpc>
+                <a:spcPct val="150000"/>
+              </a:lnSpc>
+            </a:pPr>
+            <a:endParaRPr lang="en-US" altLang="ko-KR" sz="1050" dirty="0">
+              <a:solidFill>
+                <a:schemeClr val="bg1"/>
+              </a:solidFill>
+              <a:latin typeface="Noto Sans CJK KR Medium" panose="020B0600000000000000" pitchFamily="34" charset="-127"/>
+              <a:ea typeface="Noto Sans CJK KR Medium" panose="020B0600000000000000" pitchFamily="34" charset="-127"/>
+            </a:endParaRPr>
+          </a:p>
+        </p:txBody>
+      </p:sp>
+      <p:sp>
+        <p:nvSpPr>
+          <p:cNvPr id="6" name="TextBox 5">
+            <a:extLst>
+              <a:ext uri="{FF2B5EF4-FFF2-40B4-BE49-F238E27FC236}">
+                <a16:creationId xmlns:a16="http://schemas.microsoft.com/office/drawing/2014/main" id="{161CCAE4-E01F-4257-AFB1-00679BC318D7}"/>
+              </a:ext>
+            </a:extLst>
+          </p:cNvPr>
+          <p:cNvSpPr txBox="1"/>
+          <p:nvPr/>
+        </p:nvSpPr>
+        <p:spPr>
+          <a:xfrm>
+            <a:off x="2258841" y="2844205"/>
+            <a:ext cx="7865218" cy="2339102"/>
+          </a:xfrm>
+          <a:prstGeom prst="rect">
+            <a:avLst/>
+          </a:prstGeom>
+          <a:noFill/>
+        </p:spPr>
+        <p:txBody>
+          <a:bodyPr wrap="square" lIns="0" tIns="0" rIns="0" bIns="0" rtlCol="0" anchor="t">
+            <a:spAutoFit/>
+          </a:bodyPr>
+          <a:lstStyle/>
+          <a:p>
+            <a:pPr marL="342900" indent="-342900">
+              <a:buFont typeface="Wingdings" panose="05000000000000000000" pitchFamily="2" charset="2"/>
+              <a:buChar char="l"/>
+            </a:pPr>
+            <a:r>
+              <a:rPr lang="ko-KR" altLang="en-US" sz="2400" dirty="0">
+                <a:solidFill>
+                  <a:schemeClr val="bg1"/>
+                </a:solidFill>
+                <a:latin typeface="Noto Sans CJK KR Black" panose="020B0A00000000000000" pitchFamily="34" charset="-127"/>
+                <a:ea typeface="Noto Sans CJK KR Black" panose="020B0A00000000000000" pitchFamily="34" charset="-127"/>
+              </a:rPr>
+              <a:t>지난시간 내용정리</a:t>
+            </a:r>
+            <a:endParaRPr lang="en-US" altLang="ko-KR" sz="2400" dirty="0">
+              <a:solidFill>
+                <a:schemeClr val="bg1"/>
+              </a:solidFill>
+              <a:latin typeface="Noto Sans CJK KR Black" panose="020B0A00000000000000" pitchFamily="34" charset="-127"/>
+              <a:ea typeface="Noto Sans CJK KR Black" panose="020B0A00000000000000" pitchFamily="34" charset="-127"/>
+            </a:endParaRPr>
+          </a:p>
+          <a:p>
+            <a:pPr marL="896798" lvl="1" indent="-342900">
+              <a:buFont typeface="Wingdings" panose="05000000000000000000" pitchFamily="2" charset="2"/>
+              <a:buChar char="ü"/>
+            </a:pPr>
+            <a:r>
+              <a:rPr lang="ko-KR" altLang="en-US" sz="2000" dirty="0">
+                <a:solidFill>
+                  <a:schemeClr val="bg1"/>
+                </a:solidFill>
+                <a:latin typeface="Noto Sans CJK KR Black" panose="020B0A00000000000000" pitchFamily="34" charset="-127"/>
+                <a:ea typeface="Noto Sans CJK KR Black" panose="020B0A00000000000000" pitchFamily="34" charset="-127"/>
+              </a:rPr>
+              <a:t>인공신경망 이해하기</a:t>
+            </a:r>
+            <a:endParaRPr lang="en-US" altLang="ko-KR" sz="2000" dirty="0">
+              <a:solidFill>
+                <a:schemeClr val="bg1"/>
+              </a:solidFill>
+              <a:latin typeface="Noto Sans CJK KR Black" panose="020B0A00000000000000" pitchFamily="34" charset="-127"/>
+              <a:ea typeface="Noto Sans CJK KR Black" panose="020B0A00000000000000" pitchFamily="34" charset="-127"/>
+            </a:endParaRPr>
+          </a:p>
+          <a:p>
+            <a:pPr marL="896798" lvl="1" indent="-342900">
+              <a:buFont typeface="Wingdings" panose="05000000000000000000" pitchFamily="2" charset="2"/>
+              <a:buChar char="ü"/>
+            </a:pPr>
+            <a:r>
+              <a:rPr lang="ko-KR" altLang="en-US" sz="2000" dirty="0">
+                <a:solidFill>
+                  <a:schemeClr val="bg1"/>
+                </a:solidFill>
+                <a:latin typeface="Noto Sans CJK KR Black" panose="020B0A00000000000000" pitchFamily="34" charset="-127"/>
+                <a:ea typeface="Noto Sans CJK KR Black" panose="020B0A00000000000000" pitchFamily="34" charset="-127"/>
+              </a:rPr>
+              <a:t>단층 및 다층 </a:t>
+            </a:r>
+            <a:r>
+              <a:rPr lang="ko-KR" altLang="en-US" sz="2000" dirty="0" err="1">
+                <a:solidFill>
+                  <a:schemeClr val="bg1"/>
+                </a:solidFill>
+                <a:latin typeface="Noto Sans CJK KR Black" panose="020B0A00000000000000" pitchFamily="34" charset="-127"/>
+                <a:ea typeface="Noto Sans CJK KR Black" panose="020B0A00000000000000" pitchFamily="34" charset="-127"/>
+              </a:rPr>
+              <a:t>퍼셉트론</a:t>
+            </a:r>
+            <a:r>
+              <a:rPr lang="ko-KR" altLang="en-US" sz="2000" dirty="0">
+                <a:solidFill>
+                  <a:schemeClr val="bg1"/>
+                </a:solidFill>
+                <a:latin typeface="Noto Sans CJK KR Black" panose="020B0A00000000000000" pitchFamily="34" charset="-127"/>
+                <a:ea typeface="Noto Sans CJK KR Black" panose="020B0A00000000000000" pitchFamily="34" charset="-127"/>
+              </a:rPr>
+              <a:t> 이해하기</a:t>
+            </a:r>
+            <a:endParaRPr lang="en-US" altLang="ko-KR" sz="2000" dirty="0">
+              <a:solidFill>
+                <a:schemeClr val="bg1"/>
+              </a:solidFill>
+              <a:latin typeface="Noto Sans CJK KR Black" panose="020B0A00000000000000" pitchFamily="34" charset="-127"/>
+              <a:ea typeface="Noto Sans CJK KR Black" panose="020B0A00000000000000" pitchFamily="34" charset="-127"/>
+            </a:endParaRPr>
+          </a:p>
+          <a:p>
+            <a:pPr marL="896798" lvl="1" indent="-342900">
+              <a:buFont typeface="Wingdings" panose="05000000000000000000" pitchFamily="2" charset="2"/>
+              <a:buChar char="ü"/>
+            </a:pPr>
+            <a:endParaRPr lang="en-US" altLang="ko-KR" sz="2400" dirty="0">
+              <a:solidFill>
+                <a:schemeClr val="bg1"/>
+              </a:solidFill>
+              <a:latin typeface="Noto Sans CJK KR Black" panose="020B0A00000000000000" pitchFamily="34" charset="-127"/>
+              <a:ea typeface="Noto Sans CJK KR Black" panose="020B0A00000000000000" pitchFamily="34" charset="-127"/>
+            </a:endParaRPr>
+          </a:p>
+          <a:p>
+            <a:pPr marL="342900" indent="-342900">
+              <a:buFont typeface="Wingdings" panose="05000000000000000000" pitchFamily="2" charset="2"/>
+              <a:buChar char="l"/>
+            </a:pPr>
+            <a:r>
+              <a:rPr lang="ko-KR" altLang="en-US" sz="2400" dirty="0">
+                <a:solidFill>
+                  <a:schemeClr val="bg1"/>
+                </a:solidFill>
+                <a:latin typeface="Noto Sans CJK KR Black" panose="020B0A00000000000000" pitchFamily="34" charset="-127"/>
+                <a:ea typeface="Noto Sans CJK KR Black" panose="020B0A00000000000000" pitchFamily="34" charset="-127"/>
+              </a:rPr>
+              <a:t>이번시간 목표</a:t>
+            </a:r>
+          </a:p>
+          <a:p>
+            <a:pPr marL="896798" lvl="1" indent="-342900">
+              <a:buFont typeface="Wingdings" panose="05000000000000000000" pitchFamily="2" charset="2"/>
+              <a:buChar char="ü"/>
+            </a:pPr>
+            <a:r>
+              <a:rPr lang="ko-KR" altLang="en-US" sz="2000" dirty="0">
+                <a:solidFill>
+                  <a:schemeClr val="bg1"/>
+                </a:solidFill>
+                <a:latin typeface="Noto Sans CJK KR Black" panose="020B0A00000000000000" pitchFamily="34" charset="-127"/>
+                <a:ea typeface="Noto Sans CJK KR Black" panose="020B0A00000000000000" pitchFamily="34" charset="-127"/>
+              </a:rPr>
+              <a:t>역전파를 활용한 최적화 방법 이해하기</a:t>
+            </a:r>
+            <a:endParaRPr lang="en-US" altLang="ko-KR" sz="2000" dirty="0">
+              <a:solidFill>
+                <a:schemeClr val="bg1"/>
+              </a:solidFill>
+              <a:latin typeface="Noto Sans CJK KR Black" panose="020B0A00000000000000" pitchFamily="34" charset="-127"/>
+              <a:ea typeface="Noto Sans CJK KR Black" panose="020B0A00000000000000" pitchFamily="34" charset="-127"/>
+            </a:endParaRPr>
+          </a:p>
+          <a:p>
+            <a:pPr marL="896798" lvl="1" indent="-342900">
+              <a:buFont typeface="Wingdings" panose="05000000000000000000" pitchFamily="2" charset="2"/>
+              <a:buChar char="ü"/>
+            </a:pPr>
+            <a:r>
+              <a:rPr lang="ko-KR" altLang="en-US" sz="2000" dirty="0">
+                <a:solidFill>
+                  <a:schemeClr val="bg1"/>
+                </a:solidFill>
+                <a:latin typeface="Noto Sans CJK KR Black" panose="020B0A00000000000000" pitchFamily="34" charset="-127"/>
+                <a:ea typeface="Noto Sans CJK KR Black" panose="020B0A00000000000000" pitchFamily="34" charset="-127"/>
+              </a:rPr>
+              <a:t>딥러닝 알고리즘 필요용어 정리</a:t>
+            </a:r>
+            <a:endParaRPr lang="en-US" altLang="ko-KR" sz="2000" dirty="0">
+              <a:solidFill>
+                <a:schemeClr val="bg1"/>
+              </a:solidFill>
+              <a:latin typeface="Noto Sans CJK KR Black" panose="020B0A00000000000000" pitchFamily="34" charset="-127"/>
+              <a:ea typeface="Noto Sans CJK KR Black" panose="020B0A00000000000000" pitchFamily="34" charset="-127"/>
+            </a:endParaRPr>
+          </a:p>
+        </p:txBody>
+      </p:sp>
+    </p:spTree>
+    <p:extLst>
+      <p:ext uri="{BB962C8B-B14F-4D97-AF65-F5344CB8AC3E}">
+        <p14:creationId xmlns:p14="http://schemas.microsoft.com/office/powerpoint/2010/main" val="2556638888"/>
+      </p:ext>
+    </p:extLst>
+  </p:cSld>
+  <p:clrMapOvr>
+    <a:masterClrMapping/>
+  </p:clrMapOvr>
+</p:sld>
+</file>
+
+<file path=ppt/slides/slide82.xml><?xml version="1.0" encoding="utf-8"?>
+<p:sld xmlns:a="http://schemas.openxmlformats.org/drawingml/2006/main" xmlns:r="http://schemas.openxmlformats.org/officeDocument/2006/relationships" xmlns:p="http://schemas.openxmlformats.org/presentationml/2006/main">
+  <p:cSld>
+    <p:bg>
+      <p:bgPr>
+        <a:solidFill>
+          <a:schemeClr val="bg1">
+            <a:lumMod val="65000"/>
+          </a:schemeClr>
+        </a:solidFill>
+        <a:effectLst/>
+      </p:bgPr>
+    </p:bg>
+    <p:spTree>
+      <p:nvGrpSpPr>
+        <p:cNvPr id="1" name=""/>
+        <p:cNvGrpSpPr/>
+        <p:nvPr/>
+      </p:nvGrpSpPr>
+      <p:grpSpPr>
+        <a:xfrm>
+          <a:off x="0" y="0"/>
+          <a:ext cx="0" cy="0"/>
+          <a:chOff x="0" y="0"/>
+          <a:chExt cx="0" cy="0"/>
+        </a:xfrm>
+      </p:grpSpPr>
+      <p:sp>
+        <p:nvSpPr>
+          <p:cNvPr id="4" name="슬라이드 번호 개체 틀 3"/>
+          <p:cNvSpPr>
+            <a:spLocks noGrp="1"/>
+          </p:cNvSpPr>
+          <p:nvPr>
+            <p:ph type="sldNum" sz="quarter" idx="12"/>
+          </p:nvPr>
+        </p:nvSpPr>
+        <p:spPr/>
+        <p:txBody>
+          <a:bodyPr/>
+          <a:lstStyle/>
+          <a:p>
+            <a:fld id="{6DDAE2C3-1A0B-474A-8CE8-AE55B8D9D4B1}" type="slidenum">
+              <a:rPr lang="ko-KR" altLang="en-US" smtClean="0"/>
+              <a:pPr/>
+              <a:t>82</a:t>
+            </a:fld>
+            <a:endParaRPr lang="ko-KR" altLang="en-US" dirty="0"/>
+          </a:p>
+        </p:txBody>
+      </p:sp>
+      <p:sp>
+        <p:nvSpPr>
+          <p:cNvPr id="11" name="TextBox 10"/>
+          <p:cNvSpPr txBox="1"/>
+          <p:nvPr/>
+        </p:nvSpPr>
+        <p:spPr>
+          <a:xfrm>
+            <a:off x="204827" y="854694"/>
+            <a:ext cx="11793243" cy="1107996"/>
+          </a:xfrm>
+          <a:prstGeom prst="rect">
+            <a:avLst/>
+          </a:prstGeom>
+          <a:noFill/>
+        </p:spPr>
+        <p:txBody>
+          <a:bodyPr wrap="square" lIns="0" tIns="0" rIns="0" bIns="0" rtlCol="0" anchor="t">
+            <a:spAutoFit/>
+          </a:bodyPr>
+          <a:lstStyle/>
+          <a:p>
+            <a:r>
+              <a:rPr lang="en-US" altLang="ko-KR" sz="2400" b="1" i="0" dirty="0">
+                <a:solidFill>
+                  <a:schemeClr val="bg1"/>
+                </a:solidFill>
+                <a:effectLst/>
+                <a:latin typeface="Arial" panose="020B0604020202020204" pitchFamily="34" charset="0"/>
+                <a:cs typeface="Arial" panose="020B0604020202020204" pitchFamily="34" charset="0"/>
+              </a:rPr>
+              <a:t>Part 03. </a:t>
+            </a:r>
+            <a:r>
+              <a:rPr lang="ko-KR" altLang="en-US" sz="2400" b="1" i="0" dirty="0">
+                <a:solidFill>
+                  <a:schemeClr val="bg1"/>
+                </a:solidFill>
+                <a:effectLst/>
+                <a:latin typeface="Arial" panose="020B0604020202020204" pitchFamily="34" charset="0"/>
+                <a:cs typeface="Arial" panose="020B0604020202020204" pitchFamily="34" charset="0"/>
+              </a:rPr>
+              <a:t>시계열 알고리즘</a:t>
+            </a:r>
+            <a:endParaRPr lang="en-US" altLang="ko-KR" sz="2400" b="1" i="0" dirty="0">
+              <a:solidFill>
+                <a:schemeClr val="bg1"/>
+              </a:solidFill>
+              <a:effectLst/>
+              <a:latin typeface="Arial" panose="020B0604020202020204" pitchFamily="34" charset="0"/>
+              <a:cs typeface="Arial" panose="020B0604020202020204" pitchFamily="34" charset="0"/>
+            </a:endParaRPr>
+          </a:p>
+          <a:p>
+            <a:endParaRPr lang="en-US" altLang="ko-KR" sz="2400" b="1" dirty="0">
+              <a:solidFill>
+                <a:schemeClr val="bg1"/>
+              </a:solidFill>
+              <a:latin typeface="Arial" panose="020B0604020202020204" pitchFamily="34" charset="0"/>
+              <a:cs typeface="Arial" panose="020B0604020202020204" pitchFamily="34" charset="0"/>
+            </a:endParaRPr>
+          </a:p>
+          <a:p>
+            <a:r>
+              <a:rPr lang="en-US" altLang="ko-KR" sz="2400" b="1" i="0" dirty="0">
+                <a:solidFill>
+                  <a:schemeClr val="bg1"/>
+                </a:solidFill>
+                <a:effectLst/>
+                <a:latin typeface="Arial" panose="020B0604020202020204" pitchFamily="34" charset="0"/>
+                <a:cs typeface="Arial" panose="020B0604020202020204" pitchFamily="34" charset="0"/>
+              </a:rPr>
+              <a:t>:</a:t>
+            </a:r>
+            <a:r>
+              <a:rPr lang="en-US" altLang="ko-KR" sz="2400" b="1" dirty="0">
+                <a:solidFill>
+                  <a:schemeClr val="bg1"/>
+                </a:solidFill>
+                <a:latin typeface="Arial" panose="020B0604020202020204" pitchFamily="34" charset="0"/>
+                <a:cs typeface="Arial" panose="020B0604020202020204" pitchFamily="34" charset="0"/>
+              </a:rPr>
+              <a:t> </a:t>
+            </a:r>
+            <a:r>
+              <a:rPr lang="ko-KR" altLang="en-US" sz="2400" b="1" dirty="0">
+                <a:solidFill>
+                  <a:schemeClr val="bg1"/>
+                </a:solidFill>
+                <a:latin typeface="Arial" panose="020B0604020202020204" pitchFamily="34" charset="0"/>
+                <a:cs typeface="Arial" panose="020B0604020202020204" pitchFamily="34" charset="0"/>
+              </a:rPr>
+              <a:t>딥러닝 시계열 </a:t>
+            </a:r>
+            <a:r>
+              <a:rPr lang="en-US" altLang="ko-KR" sz="2400" b="1" i="0" dirty="0">
+                <a:solidFill>
+                  <a:schemeClr val="bg1"/>
+                </a:solidFill>
+                <a:effectLst/>
+                <a:latin typeface="Arial" panose="020B0604020202020204" pitchFamily="34" charset="0"/>
+              </a:rPr>
+              <a:t>- 04. </a:t>
+            </a:r>
+            <a:r>
+              <a:rPr lang="ko-KR" altLang="en-US" sz="2400" b="1" i="0" dirty="0">
+                <a:solidFill>
+                  <a:schemeClr val="bg1"/>
+                </a:solidFill>
+                <a:effectLst/>
+                <a:latin typeface="Arial" panose="020B0604020202020204" pitchFamily="34" charset="0"/>
+              </a:rPr>
+              <a:t>시계열과 딥러닝 알고리즘 비교</a:t>
+            </a:r>
+            <a:endParaRPr lang="en-US" altLang="ko-KR" sz="2400" b="1" dirty="0">
+              <a:solidFill>
+                <a:schemeClr val="bg1"/>
+              </a:solidFill>
+              <a:latin typeface="Arial" panose="020B0604020202020204" pitchFamily="34" charset="0"/>
+              <a:ea typeface="Noto Sans CJK KR Black" panose="020B0A00000000000000" pitchFamily="34" charset="-127"/>
+              <a:cs typeface="Arial" panose="020B0604020202020204" pitchFamily="34" charset="0"/>
+            </a:endParaRPr>
+          </a:p>
+        </p:txBody>
+      </p:sp>
+      <p:sp>
+        <p:nvSpPr>
+          <p:cNvPr id="12" name="TextBox 11"/>
+          <p:cNvSpPr txBox="1"/>
+          <p:nvPr/>
+        </p:nvSpPr>
+        <p:spPr>
+          <a:xfrm>
+            <a:off x="4783981" y="611957"/>
+            <a:ext cx="7056784" cy="216726"/>
+          </a:xfrm>
+          <a:prstGeom prst="rect">
+            <a:avLst/>
+          </a:prstGeom>
+          <a:noFill/>
+        </p:spPr>
+        <p:txBody>
+          <a:bodyPr wrap="square" lIns="0" tIns="0" rIns="0" bIns="0" rtlCol="0" anchor="t">
+            <a:spAutoFit/>
+          </a:bodyPr>
+          <a:lstStyle/>
+          <a:p>
+            <a:pPr>
+              <a:lnSpc>
+                <a:spcPct val="150000"/>
+              </a:lnSpc>
+            </a:pPr>
+            <a:endParaRPr lang="en-US" altLang="ko-KR" sz="1050" dirty="0">
+              <a:solidFill>
+                <a:schemeClr val="bg1"/>
+              </a:solidFill>
+              <a:latin typeface="Noto Sans CJK KR Medium" panose="020B0600000000000000" pitchFamily="34" charset="-127"/>
+              <a:ea typeface="Noto Sans CJK KR Medium" panose="020B0600000000000000" pitchFamily="34" charset="-127"/>
+            </a:endParaRPr>
+          </a:p>
+        </p:txBody>
+      </p:sp>
+      <p:sp>
+        <p:nvSpPr>
+          <p:cNvPr id="6" name="TextBox 5">
+            <a:extLst>
+              <a:ext uri="{FF2B5EF4-FFF2-40B4-BE49-F238E27FC236}">
+                <a16:creationId xmlns:a16="http://schemas.microsoft.com/office/drawing/2014/main" id="{161CCAE4-E01F-4257-AFB1-00679BC318D7}"/>
+              </a:ext>
+            </a:extLst>
+          </p:cNvPr>
+          <p:cNvSpPr txBox="1"/>
+          <p:nvPr/>
+        </p:nvSpPr>
+        <p:spPr>
+          <a:xfrm>
+            <a:off x="2258841" y="2844205"/>
+            <a:ext cx="7865218" cy="2031325"/>
+          </a:xfrm>
+          <a:prstGeom prst="rect">
+            <a:avLst/>
+          </a:prstGeom>
+          <a:noFill/>
+        </p:spPr>
+        <p:txBody>
+          <a:bodyPr wrap="square" lIns="0" tIns="0" rIns="0" bIns="0" rtlCol="0" anchor="t">
+            <a:spAutoFit/>
+          </a:bodyPr>
+          <a:lstStyle/>
+          <a:p>
+            <a:pPr marL="342900" indent="-342900">
+              <a:buFont typeface="Wingdings" panose="05000000000000000000" pitchFamily="2" charset="2"/>
+              <a:buChar char="l"/>
+            </a:pPr>
+            <a:r>
+              <a:rPr lang="ko-KR" altLang="en-US" sz="2400" dirty="0">
+                <a:solidFill>
+                  <a:schemeClr val="bg1"/>
+                </a:solidFill>
+                <a:latin typeface="Noto Sans CJK KR Black" panose="020B0A00000000000000" pitchFamily="34" charset="-127"/>
+                <a:ea typeface="Noto Sans CJK KR Black" panose="020B0A00000000000000" pitchFamily="34" charset="-127"/>
+              </a:rPr>
+              <a:t>지난시간 내용정리</a:t>
+            </a:r>
+            <a:endParaRPr lang="en-US" altLang="ko-KR" sz="2400" dirty="0">
+              <a:solidFill>
+                <a:schemeClr val="bg1"/>
+              </a:solidFill>
+              <a:latin typeface="Noto Sans CJK KR Black" panose="020B0A00000000000000" pitchFamily="34" charset="-127"/>
+              <a:ea typeface="Noto Sans CJK KR Black" panose="020B0A00000000000000" pitchFamily="34" charset="-127"/>
+            </a:endParaRPr>
+          </a:p>
+          <a:p>
+            <a:pPr marL="896798" lvl="1" indent="-342900">
+              <a:buFont typeface="Wingdings" panose="05000000000000000000" pitchFamily="2" charset="2"/>
+              <a:buChar char="ü"/>
+            </a:pPr>
+            <a:r>
+              <a:rPr lang="ko-KR" altLang="en-US" sz="2000" dirty="0">
+                <a:solidFill>
+                  <a:schemeClr val="bg1"/>
+                </a:solidFill>
+                <a:latin typeface="Noto Sans CJK KR Black" panose="020B0A00000000000000" pitchFamily="34" charset="-127"/>
+                <a:ea typeface="Noto Sans CJK KR Black" panose="020B0A00000000000000" pitchFamily="34" charset="-127"/>
+              </a:rPr>
+              <a:t>역전파를 활용한 최적화 방법 이해하기</a:t>
+            </a:r>
+            <a:endParaRPr lang="en-US" altLang="ko-KR" sz="2000" dirty="0">
+              <a:solidFill>
+                <a:schemeClr val="bg1"/>
+              </a:solidFill>
+              <a:latin typeface="Noto Sans CJK KR Black" panose="020B0A00000000000000" pitchFamily="34" charset="-127"/>
+              <a:ea typeface="Noto Sans CJK KR Black" panose="020B0A00000000000000" pitchFamily="34" charset="-127"/>
+            </a:endParaRPr>
+          </a:p>
+          <a:p>
+            <a:pPr marL="896798" lvl="1" indent="-342900">
+              <a:buFont typeface="Wingdings" panose="05000000000000000000" pitchFamily="2" charset="2"/>
+              <a:buChar char="ü"/>
+            </a:pPr>
+            <a:r>
+              <a:rPr lang="ko-KR" altLang="en-US" sz="2000" dirty="0">
+                <a:solidFill>
+                  <a:schemeClr val="bg1"/>
+                </a:solidFill>
+                <a:latin typeface="Noto Sans CJK KR Black" panose="020B0A00000000000000" pitchFamily="34" charset="-127"/>
+                <a:ea typeface="Noto Sans CJK KR Black" panose="020B0A00000000000000" pitchFamily="34" charset="-127"/>
+              </a:rPr>
+              <a:t>딥러닝 알고리즘 필요용어 정리</a:t>
+            </a:r>
+            <a:endParaRPr lang="en-US" altLang="ko-KR" sz="2000" dirty="0">
+              <a:solidFill>
+                <a:schemeClr val="bg1"/>
+              </a:solidFill>
+              <a:latin typeface="Noto Sans CJK KR Black" panose="020B0A00000000000000" pitchFamily="34" charset="-127"/>
+              <a:ea typeface="Noto Sans CJK KR Black" panose="020B0A00000000000000" pitchFamily="34" charset="-127"/>
+            </a:endParaRPr>
+          </a:p>
+          <a:p>
+            <a:pPr marL="896798" lvl="1" indent="-342900">
+              <a:buFont typeface="Wingdings" panose="05000000000000000000" pitchFamily="2" charset="2"/>
+              <a:buChar char="ü"/>
+            </a:pPr>
+            <a:endParaRPr lang="en-US" altLang="ko-KR" sz="2400" dirty="0">
+              <a:solidFill>
+                <a:schemeClr val="bg1"/>
+              </a:solidFill>
+              <a:latin typeface="Noto Sans CJK KR Black" panose="020B0A00000000000000" pitchFamily="34" charset="-127"/>
+              <a:ea typeface="Noto Sans CJK KR Black" panose="020B0A00000000000000" pitchFamily="34" charset="-127"/>
+            </a:endParaRPr>
+          </a:p>
+          <a:p>
+            <a:pPr marL="342900" indent="-342900">
+              <a:buFont typeface="Wingdings" panose="05000000000000000000" pitchFamily="2" charset="2"/>
+              <a:buChar char="l"/>
+            </a:pPr>
+            <a:r>
+              <a:rPr lang="ko-KR" altLang="en-US" sz="2400" dirty="0">
+                <a:solidFill>
+                  <a:schemeClr val="bg1"/>
+                </a:solidFill>
+                <a:latin typeface="Noto Sans CJK KR Black" panose="020B0A00000000000000" pitchFamily="34" charset="-127"/>
+                <a:ea typeface="Noto Sans CJK KR Black" panose="020B0A00000000000000" pitchFamily="34" charset="-127"/>
+              </a:rPr>
+              <a:t>이번시간 목표</a:t>
+            </a:r>
+          </a:p>
+          <a:p>
+            <a:pPr marL="896798" lvl="1" indent="-342900">
+              <a:buFont typeface="Wingdings" panose="05000000000000000000" pitchFamily="2" charset="2"/>
+              <a:buChar char="ü"/>
+            </a:pPr>
+            <a:r>
+              <a:rPr lang="en-US" altLang="ko-KR" sz="2000" dirty="0">
+                <a:solidFill>
+                  <a:schemeClr val="bg1"/>
+                </a:solidFill>
+                <a:latin typeface="Noto Sans CJK KR Black" panose="020B0A00000000000000" pitchFamily="34" charset="-127"/>
+                <a:ea typeface="Noto Sans CJK KR Black" panose="020B0A00000000000000" pitchFamily="34" charset="-127"/>
+              </a:rPr>
+              <a:t>(</a:t>
+            </a:r>
+            <a:r>
+              <a:rPr lang="ko-KR" altLang="en-US" sz="2000" dirty="0">
+                <a:solidFill>
+                  <a:schemeClr val="bg1"/>
+                </a:solidFill>
+                <a:latin typeface="Noto Sans CJK KR Black" panose="020B0A00000000000000" pitchFamily="34" charset="-127"/>
+                <a:ea typeface="Noto Sans CJK KR Black" panose="020B0A00000000000000" pitchFamily="34" charset="-127"/>
+              </a:rPr>
+              <a:t>시계열</a:t>
+            </a:r>
+            <a:r>
+              <a:rPr lang="en-US" altLang="ko-KR" sz="2000" dirty="0">
+                <a:solidFill>
+                  <a:schemeClr val="bg1"/>
+                </a:solidFill>
+                <a:latin typeface="Noto Sans CJK KR Black" panose="020B0A00000000000000" pitchFamily="34" charset="-127"/>
+                <a:ea typeface="Noto Sans CJK KR Black" panose="020B0A00000000000000" pitchFamily="34" charset="-127"/>
+              </a:rPr>
+              <a:t>)</a:t>
+            </a:r>
+            <a:r>
+              <a:rPr lang="ko-KR" altLang="en-US" sz="2000" dirty="0">
+                <a:solidFill>
+                  <a:schemeClr val="bg1"/>
+                </a:solidFill>
+                <a:latin typeface="Noto Sans CJK KR Black" panose="020B0A00000000000000" pitchFamily="34" charset="-127"/>
+                <a:ea typeface="Noto Sans CJK KR Black" panose="020B0A00000000000000" pitchFamily="34" charset="-127"/>
+              </a:rPr>
+              <a:t>회귀분석과 </a:t>
+            </a:r>
+            <a:r>
+              <a:rPr lang="en-US" altLang="ko-KR" sz="2000" dirty="0">
+                <a:solidFill>
+                  <a:schemeClr val="bg1"/>
+                </a:solidFill>
+                <a:latin typeface="Noto Sans CJK KR Black" panose="020B0A00000000000000" pitchFamily="34" charset="-127"/>
+                <a:ea typeface="Noto Sans CJK KR Black" panose="020B0A00000000000000" pitchFamily="34" charset="-127"/>
+              </a:rPr>
+              <a:t>(</a:t>
+            </a:r>
+            <a:r>
+              <a:rPr lang="ko-KR" altLang="en-US" sz="2000" dirty="0">
+                <a:solidFill>
+                  <a:schemeClr val="bg1"/>
+                </a:solidFill>
+                <a:latin typeface="Noto Sans CJK KR Black" panose="020B0A00000000000000" pitchFamily="34" charset="-127"/>
+                <a:ea typeface="Noto Sans CJK KR Black" panose="020B0A00000000000000" pitchFamily="34" charset="-127"/>
+              </a:rPr>
+              <a:t>딥러닝</a:t>
+            </a:r>
+            <a:r>
+              <a:rPr lang="en-US" altLang="ko-KR" sz="2000" dirty="0">
+                <a:solidFill>
+                  <a:schemeClr val="bg1"/>
+                </a:solidFill>
+                <a:latin typeface="Noto Sans CJK KR Black" panose="020B0A00000000000000" pitchFamily="34" charset="-127"/>
+                <a:ea typeface="Noto Sans CJK KR Black" panose="020B0A00000000000000" pitchFamily="34" charset="-127"/>
+              </a:rPr>
+              <a:t>)</a:t>
+            </a:r>
+            <a:r>
+              <a:rPr lang="ko-KR" altLang="en-US" sz="2000" dirty="0">
+                <a:solidFill>
+                  <a:schemeClr val="bg1"/>
+                </a:solidFill>
+                <a:latin typeface="Noto Sans CJK KR Black" panose="020B0A00000000000000" pitchFamily="34" charset="-127"/>
+                <a:ea typeface="Noto Sans CJK KR Black" panose="020B0A00000000000000" pitchFamily="34" charset="-127"/>
+              </a:rPr>
+              <a:t>인공신경망 차이 이해하기</a:t>
+            </a:r>
+            <a:endParaRPr lang="en-US" altLang="ko-KR" sz="2000" dirty="0">
+              <a:solidFill>
+                <a:schemeClr val="bg1"/>
+              </a:solidFill>
+              <a:latin typeface="Noto Sans CJK KR Black" panose="020B0A00000000000000" pitchFamily="34" charset="-127"/>
+              <a:ea typeface="Noto Sans CJK KR Black" panose="020B0A00000000000000" pitchFamily="34" charset="-127"/>
+            </a:endParaRPr>
+          </a:p>
+        </p:txBody>
+      </p:sp>
+    </p:spTree>
+    <p:extLst>
+      <p:ext uri="{BB962C8B-B14F-4D97-AF65-F5344CB8AC3E}">
+        <p14:creationId xmlns:p14="http://schemas.microsoft.com/office/powerpoint/2010/main" val="3783415659"/>
+      </p:ext>
+    </p:extLst>
+  </p:cSld>
+  <p:clrMapOvr>
+    <a:masterClrMapping/>
+  </p:clrMapOvr>
+</p:sld>
+</file>
+
+<file path=ppt/slides/slide83.xml><?xml version="1.0" encoding="utf-8"?>
+<p:sld xmlns:a="http://schemas.openxmlformats.org/drawingml/2006/main" xmlns:r="http://schemas.openxmlformats.org/officeDocument/2006/relationships" xmlns:p="http://schemas.openxmlformats.org/presentationml/2006/main">
+  <p:cSld>
+    <p:bg>
+      <p:bgPr>
+        <a:solidFill>
+          <a:schemeClr val="bg1">
+            <a:lumMod val="65000"/>
+          </a:schemeClr>
+        </a:solidFill>
+        <a:effectLst/>
+      </p:bgPr>
+    </p:bg>
+    <p:spTree>
+      <p:nvGrpSpPr>
+        <p:cNvPr id="1" name=""/>
+        <p:cNvGrpSpPr/>
+        <p:nvPr/>
+      </p:nvGrpSpPr>
+      <p:grpSpPr>
+        <a:xfrm>
+          <a:off x="0" y="0"/>
+          <a:ext cx="0" cy="0"/>
+          <a:chOff x="0" y="0"/>
+          <a:chExt cx="0" cy="0"/>
+        </a:xfrm>
+      </p:grpSpPr>
+      <p:sp>
+        <p:nvSpPr>
+          <p:cNvPr id="4" name="슬라이드 번호 개체 틀 3"/>
+          <p:cNvSpPr>
+            <a:spLocks noGrp="1"/>
+          </p:cNvSpPr>
+          <p:nvPr>
+            <p:ph type="sldNum" sz="quarter" idx="12"/>
+          </p:nvPr>
+        </p:nvSpPr>
+        <p:spPr/>
+        <p:txBody>
+          <a:bodyPr/>
+          <a:lstStyle/>
+          <a:p>
+            <a:fld id="{6DDAE2C3-1A0B-474A-8CE8-AE55B8D9D4B1}" type="slidenum">
+              <a:rPr lang="ko-KR" altLang="en-US" smtClean="0"/>
+              <a:pPr/>
+              <a:t>83</a:t>
+            </a:fld>
+            <a:endParaRPr lang="ko-KR" altLang="en-US" dirty="0"/>
+          </a:p>
+        </p:txBody>
+      </p:sp>
+      <p:sp>
+        <p:nvSpPr>
+          <p:cNvPr id="11" name="TextBox 10"/>
+          <p:cNvSpPr txBox="1"/>
+          <p:nvPr/>
+        </p:nvSpPr>
+        <p:spPr>
+          <a:xfrm>
+            <a:off x="204827" y="854694"/>
+            <a:ext cx="11793243" cy="1107996"/>
+          </a:xfrm>
+          <a:prstGeom prst="rect">
+            <a:avLst/>
+          </a:prstGeom>
+          <a:noFill/>
+        </p:spPr>
+        <p:txBody>
+          <a:bodyPr wrap="square" lIns="0" tIns="0" rIns="0" bIns="0" rtlCol="0" anchor="t">
+            <a:spAutoFit/>
+          </a:bodyPr>
+          <a:lstStyle/>
+          <a:p>
+            <a:r>
+              <a:rPr lang="en-US" altLang="ko-KR" sz="2400" b="1" i="0" dirty="0">
+                <a:solidFill>
+                  <a:schemeClr val="bg1"/>
+                </a:solidFill>
+                <a:effectLst/>
+                <a:latin typeface="Arial" panose="020B0604020202020204" pitchFamily="34" charset="0"/>
+                <a:cs typeface="Arial" panose="020B0604020202020204" pitchFamily="34" charset="0"/>
+              </a:rPr>
+              <a:t>Part 03. </a:t>
+            </a:r>
+            <a:r>
+              <a:rPr lang="ko-KR" altLang="en-US" sz="2400" b="1" i="0" dirty="0">
+                <a:solidFill>
+                  <a:schemeClr val="bg1"/>
+                </a:solidFill>
+                <a:effectLst/>
+                <a:latin typeface="Arial" panose="020B0604020202020204" pitchFamily="34" charset="0"/>
+                <a:cs typeface="Arial" panose="020B0604020202020204" pitchFamily="34" charset="0"/>
+              </a:rPr>
+              <a:t>시계열 알고리즘</a:t>
+            </a:r>
+            <a:endParaRPr lang="en-US" altLang="ko-KR" sz="2400" b="1" i="0" dirty="0">
+              <a:solidFill>
+                <a:schemeClr val="bg1"/>
+              </a:solidFill>
+              <a:effectLst/>
+              <a:latin typeface="Arial" panose="020B0604020202020204" pitchFamily="34" charset="0"/>
+              <a:cs typeface="Arial" panose="020B0604020202020204" pitchFamily="34" charset="0"/>
+            </a:endParaRPr>
+          </a:p>
+          <a:p>
+            <a:endParaRPr lang="en-US" altLang="ko-KR" sz="2400" b="1" dirty="0">
+              <a:solidFill>
+                <a:schemeClr val="bg1"/>
+              </a:solidFill>
+              <a:latin typeface="Arial" panose="020B0604020202020204" pitchFamily="34" charset="0"/>
+              <a:cs typeface="Arial" panose="020B0604020202020204" pitchFamily="34" charset="0"/>
+            </a:endParaRPr>
+          </a:p>
+          <a:p>
+            <a:r>
+              <a:rPr lang="en-US" altLang="ko-KR" sz="2400" b="1" i="0" dirty="0">
+                <a:solidFill>
+                  <a:schemeClr val="bg1"/>
+                </a:solidFill>
+                <a:effectLst/>
+                <a:latin typeface="Arial" panose="020B0604020202020204" pitchFamily="34" charset="0"/>
+                <a:cs typeface="Arial" panose="020B0604020202020204" pitchFamily="34" charset="0"/>
+              </a:rPr>
+              <a:t>:</a:t>
+            </a:r>
+            <a:r>
+              <a:rPr lang="en-US" altLang="ko-KR" sz="2400" b="1" dirty="0">
+                <a:solidFill>
+                  <a:schemeClr val="bg1"/>
+                </a:solidFill>
+                <a:latin typeface="Arial" panose="020B0604020202020204" pitchFamily="34" charset="0"/>
+                <a:cs typeface="Arial" panose="020B0604020202020204" pitchFamily="34" charset="0"/>
+              </a:rPr>
+              <a:t> </a:t>
+            </a:r>
+            <a:r>
+              <a:rPr lang="ko-KR" altLang="en-US" sz="2400" b="1" dirty="0">
+                <a:solidFill>
+                  <a:schemeClr val="bg1"/>
+                </a:solidFill>
+                <a:latin typeface="Arial" panose="020B0604020202020204" pitchFamily="34" charset="0"/>
+                <a:cs typeface="Arial" panose="020B0604020202020204" pitchFamily="34" charset="0"/>
+              </a:rPr>
+              <a:t>딥러닝 시계열 </a:t>
+            </a:r>
+            <a:r>
+              <a:rPr lang="en-US" altLang="ko-KR" sz="2400" b="1" i="0" dirty="0">
+                <a:solidFill>
+                  <a:schemeClr val="bg1"/>
+                </a:solidFill>
+                <a:effectLst/>
+                <a:latin typeface="Arial" panose="020B0604020202020204" pitchFamily="34" charset="0"/>
+              </a:rPr>
+              <a:t>- 05. </a:t>
+            </a:r>
+            <a:r>
+              <a:rPr lang="ko-KR" altLang="en-US" sz="2400" b="1" i="0" dirty="0">
+                <a:solidFill>
+                  <a:schemeClr val="bg1"/>
+                </a:solidFill>
+                <a:effectLst/>
+                <a:latin typeface="Arial" panose="020B0604020202020204" pitchFamily="34" charset="0"/>
+              </a:rPr>
+              <a:t>시계열분석에 </a:t>
+            </a:r>
+            <a:r>
+              <a:rPr lang="ko-KR" altLang="en-US" sz="2400" b="1" i="0" dirty="0" err="1">
+                <a:solidFill>
+                  <a:schemeClr val="bg1"/>
+                </a:solidFill>
+                <a:effectLst/>
+                <a:latin typeface="Arial" panose="020B0604020202020204" pitchFamily="34" charset="0"/>
+              </a:rPr>
+              <a:t>딥러닝이</a:t>
+            </a:r>
+            <a:r>
+              <a:rPr lang="ko-KR" altLang="en-US" sz="2400" b="1" i="0" dirty="0">
+                <a:solidFill>
+                  <a:schemeClr val="bg1"/>
+                </a:solidFill>
+                <a:effectLst/>
+                <a:latin typeface="Arial" panose="020B0604020202020204" pitchFamily="34" charset="0"/>
+              </a:rPr>
+              <a:t> 필요한 이유</a:t>
+            </a:r>
+            <a:endParaRPr lang="en-US" altLang="ko-KR" sz="2400" b="1" dirty="0">
+              <a:solidFill>
+                <a:schemeClr val="bg1"/>
+              </a:solidFill>
+              <a:latin typeface="Arial" panose="020B0604020202020204" pitchFamily="34" charset="0"/>
+              <a:ea typeface="Noto Sans CJK KR Black" panose="020B0A00000000000000" pitchFamily="34" charset="-127"/>
+              <a:cs typeface="Arial" panose="020B0604020202020204" pitchFamily="34" charset="0"/>
+            </a:endParaRPr>
+          </a:p>
+        </p:txBody>
+      </p:sp>
+      <p:sp>
+        <p:nvSpPr>
+          <p:cNvPr id="12" name="TextBox 11"/>
+          <p:cNvSpPr txBox="1"/>
+          <p:nvPr/>
+        </p:nvSpPr>
+        <p:spPr>
+          <a:xfrm>
+            <a:off x="4783981" y="611957"/>
+            <a:ext cx="7056784" cy="216726"/>
+          </a:xfrm>
+          <a:prstGeom prst="rect">
+            <a:avLst/>
+          </a:prstGeom>
+          <a:noFill/>
+        </p:spPr>
+        <p:txBody>
+          <a:bodyPr wrap="square" lIns="0" tIns="0" rIns="0" bIns="0" rtlCol="0" anchor="t">
+            <a:spAutoFit/>
+          </a:bodyPr>
+          <a:lstStyle/>
+          <a:p>
+            <a:pPr>
+              <a:lnSpc>
+                <a:spcPct val="150000"/>
+              </a:lnSpc>
+            </a:pPr>
+            <a:endParaRPr lang="en-US" altLang="ko-KR" sz="1050" dirty="0">
+              <a:solidFill>
+                <a:schemeClr val="bg1"/>
+              </a:solidFill>
+              <a:latin typeface="Noto Sans CJK KR Medium" panose="020B0600000000000000" pitchFamily="34" charset="-127"/>
+              <a:ea typeface="Noto Sans CJK KR Medium" panose="020B0600000000000000" pitchFamily="34" charset="-127"/>
+            </a:endParaRPr>
+          </a:p>
+        </p:txBody>
+      </p:sp>
+      <p:sp>
+        <p:nvSpPr>
+          <p:cNvPr id="6" name="TextBox 5">
+            <a:extLst>
+              <a:ext uri="{FF2B5EF4-FFF2-40B4-BE49-F238E27FC236}">
+                <a16:creationId xmlns:a16="http://schemas.microsoft.com/office/drawing/2014/main" id="{161CCAE4-E01F-4257-AFB1-00679BC318D7}"/>
+              </a:ext>
+            </a:extLst>
+          </p:cNvPr>
+          <p:cNvSpPr txBox="1"/>
+          <p:nvPr/>
+        </p:nvSpPr>
+        <p:spPr>
+          <a:xfrm>
+            <a:off x="2258841" y="2844205"/>
+            <a:ext cx="7865218" cy="2031325"/>
+          </a:xfrm>
+          <a:prstGeom prst="rect">
+            <a:avLst/>
+          </a:prstGeom>
+          <a:noFill/>
+        </p:spPr>
+        <p:txBody>
+          <a:bodyPr wrap="square" lIns="0" tIns="0" rIns="0" bIns="0" rtlCol="0" anchor="t">
+            <a:spAutoFit/>
+          </a:bodyPr>
+          <a:lstStyle/>
+          <a:p>
+            <a:pPr marL="342900" indent="-342900">
+              <a:buFont typeface="Wingdings" panose="05000000000000000000" pitchFamily="2" charset="2"/>
+              <a:buChar char="l"/>
+            </a:pPr>
+            <a:r>
+              <a:rPr lang="ko-KR" altLang="en-US" sz="2400" dirty="0">
+                <a:solidFill>
+                  <a:schemeClr val="bg1"/>
+                </a:solidFill>
+                <a:latin typeface="Noto Sans CJK KR Black" panose="020B0A00000000000000" pitchFamily="34" charset="-127"/>
+                <a:ea typeface="Noto Sans CJK KR Black" panose="020B0A00000000000000" pitchFamily="34" charset="-127"/>
+              </a:rPr>
+              <a:t>지난시간 내용정리</a:t>
+            </a:r>
+            <a:endParaRPr lang="en-US" altLang="ko-KR" sz="2400" dirty="0">
+              <a:solidFill>
+                <a:schemeClr val="bg1"/>
+              </a:solidFill>
+              <a:latin typeface="Noto Sans CJK KR Black" panose="020B0A00000000000000" pitchFamily="34" charset="-127"/>
+              <a:ea typeface="Noto Sans CJK KR Black" panose="020B0A00000000000000" pitchFamily="34" charset="-127"/>
+            </a:endParaRPr>
+          </a:p>
+          <a:p>
+            <a:pPr marL="896798" lvl="1" indent="-342900">
+              <a:buFont typeface="Wingdings" panose="05000000000000000000" pitchFamily="2" charset="2"/>
+              <a:buChar char="ü"/>
+            </a:pPr>
+            <a:r>
+              <a:rPr lang="en-US" altLang="ko-KR" sz="2000" dirty="0">
+                <a:solidFill>
+                  <a:schemeClr val="bg1"/>
+                </a:solidFill>
+                <a:latin typeface="Noto Sans CJK KR Black" panose="020B0A00000000000000" pitchFamily="34" charset="-127"/>
+                <a:ea typeface="Noto Sans CJK KR Black" panose="020B0A00000000000000" pitchFamily="34" charset="-127"/>
+              </a:rPr>
+              <a:t>(</a:t>
+            </a:r>
+            <a:r>
+              <a:rPr lang="ko-KR" altLang="en-US" sz="2000" dirty="0">
+                <a:solidFill>
+                  <a:schemeClr val="bg1"/>
+                </a:solidFill>
+                <a:latin typeface="Noto Sans CJK KR Black" panose="020B0A00000000000000" pitchFamily="34" charset="-127"/>
+                <a:ea typeface="Noto Sans CJK KR Black" panose="020B0A00000000000000" pitchFamily="34" charset="-127"/>
+              </a:rPr>
+              <a:t>시계열</a:t>
+            </a:r>
+            <a:r>
+              <a:rPr lang="en-US" altLang="ko-KR" sz="2000" dirty="0">
+                <a:solidFill>
+                  <a:schemeClr val="bg1"/>
+                </a:solidFill>
+                <a:latin typeface="Noto Sans CJK KR Black" panose="020B0A00000000000000" pitchFamily="34" charset="-127"/>
+                <a:ea typeface="Noto Sans CJK KR Black" panose="020B0A00000000000000" pitchFamily="34" charset="-127"/>
+              </a:rPr>
+              <a:t>)</a:t>
+            </a:r>
+            <a:r>
+              <a:rPr lang="ko-KR" altLang="en-US" sz="2000" dirty="0">
+                <a:solidFill>
+                  <a:schemeClr val="bg1"/>
+                </a:solidFill>
+                <a:latin typeface="Noto Sans CJK KR Black" panose="020B0A00000000000000" pitchFamily="34" charset="-127"/>
+                <a:ea typeface="Noto Sans CJK KR Black" panose="020B0A00000000000000" pitchFamily="34" charset="-127"/>
+              </a:rPr>
+              <a:t>회귀분석과 </a:t>
+            </a:r>
+            <a:r>
+              <a:rPr lang="en-US" altLang="ko-KR" sz="2000" dirty="0">
+                <a:solidFill>
+                  <a:schemeClr val="bg1"/>
+                </a:solidFill>
+                <a:latin typeface="Noto Sans CJK KR Black" panose="020B0A00000000000000" pitchFamily="34" charset="-127"/>
+                <a:ea typeface="Noto Sans CJK KR Black" panose="020B0A00000000000000" pitchFamily="34" charset="-127"/>
+              </a:rPr>
+              <a:t>(</a:t>
+            </a:r>
+            <a:r>
+              <a:rPr lang="ko-KR" altLang="en-US" sz="2000" dirty="0">
+                <a:solidFill>
+                  <a:schemeClr val="bg1"/>
+                </a:solidFill>
+                <a:latin typeface="Noto Sans CJK KR Black" panose="020B0A00000000000000" pitchFamily="34" charset="-127"/>
+                <a:ea typeface="Noto Sans CJK KR Black" panose="020B0A00000000000000" pitchFamily="34" charset="-127"/>
+              </a:rPr>
+              <a:t>딥러닝</a:t>
+            </a:r>
+            <a:r>
+              <a:rPr lang="en-US" altLang="ko-KR" sz="2000" dirty="0">
+                <a:solidFill>
+                  <a:schemeClr val="bg1"/>
+                </a:solidFill>
+                <a:latin typeface="Noto Sans CJK KR Black" panose="020B0A00000000000000" pitchFamily="34" charset="-127"/>
+                <a:ea typeface="Noto Sans CJK KR Black" panose="020B0A00000000000000" pitchFamily="34" charset="-127"/>
+              </a:rPr>
+              <a:t>)</a:t>
+            </a:r>
+            <a:r>
+              <a:rPr lang="ko-KR" altLang="en-US" sz="2000" dirty="0">
+                <a:solidFill>
+                  <a:schemeClr val="bg1"/>
+                </a:solidFill>
+                <a:latin typeface="Noto Sans CJK KR Black" panose="020B0A00000000000000" pitchFamily="34" charset="-127"/>
+                <a:ea typeface="Noto Sans CJK KR Black" panose="020B0A00000000000000" pitchFamily="34" charset="-127"/>
+              </a:rPr>
+              <a:t>인공신경망 차이 이해하기</a:t>
+            </a:r>
+            <a:endParaRPr lang="en-US" altLang="ko-KR" sz="2000" dirty="0">
+              <a:solidFill>
+                <a:schemeClr val="bg1"/>
+              </a:solidFill>
+              <a:latin typeface="Noto Sans CJK KR Black" panose="020B0A00000000000000" pitchFamily="34" charset="-127"/>
+              <a:ea typeface="Noto Sans CJK KR Black" panose="020B0A00000000000000" pitchFamily="34" charset="-127"/>
+            </a:endParaRPr>
+          </a:p>
+          <a:p>
+            <a:pPr marL="896798" lvl="1" indent="-342900">
+              <a:buFont typeface="Wingdings" panose="05000000000000000000" pitchFamily="2" charset="2"/>
+              <a:buChar char="ü"/>
+            </a:pPr>
+            <a:endParaRPr lang="en-US" altLang="ko-KR" sz="2400" dirty="0">
+              <a:solidFill>
+                <a:schemeClr val="bg1"/>
+              </a:solidFill>
+              <a:latin typeface="Noto Sans CJK KR Black" panose="020B0A00000000000000" pitchFamily="34" charset="-127"/>
+              <a:ea typeface="Noto Sans CJK KR Black" panose="020B0A00000000000000" pitchFamily="34" charset="-127"/>
+            </a:endParaRPr>
+          </a:p>
+          <a:p>
+            <a:pPr marL="342900" indent="-342900">
+              <a:buFont typeface="Wingdings" panose="05000000000000000000" pitchFamily="2" charset="2"/>
+              <a:buChar char="l"/>
+            </a:pPr>
+            <a:r>
+              <a:rPr lang="ko-KR" altLang="en-US" sz="2400" dirty="0">
+                <a:solidFill>
+                  <a:schemeClr val="bg1"/>
+                </a:solidFill>
+                <a:latin typeface="Noto Sans CJK KR Black" panose="020B0A00000000000000" pitchFamily="34" charset="-127"/>
+                <a:ea typeface="Noto Sans CJK KR Black" panose="020B0A00000000000000" pitchFamily="34" charset="-127"/>
+              </a:rPr>
+              <a:t>이번시간 목표</a:t>
+            </a:r>
+          </a:p>
+          <a:p>
+            <a:pPr marL="896798" lvl="1" indent="-342900">
+              <a:buFont typeface="Wingdings" panose="05000000000000000000" pitchFamily="2" charset="2"/>
+              <a:buChar char="ü"/>
+            </a:pPr>
+            <a:r>
+              <a:rPr lang="ko-KR" altLang="en-US" sz="2000" dirty="0">
+                <a:solidFill>
+                  <a:schemeClr val="bg1"/>
+                </a:solidFill>
+                <a:latin typeface="Noto Sans CJK KR Black" panose="020B0A00000000000000" pitchFamily="34" charset="-127"/>
+                <a:ea typeface="Noto Sans CJK KR Black" panose="020B0A00000000000000" pitchFamily="34" charset="-127"/>
+              </a:rPr>
+              <a:t>통계 </a:t>
+            </a:r>
+            <a:r>
+              <a:rPr lang="en-US" altLang="ko-KR" sz="2000" dirty="0">
+                <a:solidFill>
+                  <a:schemeClr val="bg1"/>
+                </a:solidFill>
+                <a:latin typeface="Noto Sans CJK KR Black" panose="020B0A00000000000000" pitchFamily="34" charset="-127"/>
+                <a:ea typeface="Noto Sans CJK KR Black" panose="020B0A00000000000000" pitchFamily="34" charset="-127"/>
+              </a:rPr>
+              <a:t>vs</a:t>
+            </a:r>
+            <a:r>
+              <a:rPr lang="ko-KR" altLang="en-US" sz="2000" dirty="0">
+                <a:solidFill>
+                  <a:schemeClr val="bg1"/>
+                </a:solidFill>
+                <a:latin typeface="Noto Sans CJK KR Black" panose="020B0A00000000000000" pitchFamily="34" charset="-127"/>
+                <a:ea typeface="Noto Sans CJK KR Black" panose="020B0A00000000000000" pitchFamily="34" charset="-127"/>
+              </a:rPr>
+              <a:t> </a:t>
+            </a:r>
+            <a:r>
+              <a:rPr lang="ko-KR" altLang="en-US" sz="2000" dirty="0" err="1">
+                <a:solidFill>
+                  <a:schemeClr val="bg1"/>
+                </a:solidFill>
+                <a:latin typeface="Noto Sans CJK KR Black" panose="020B0A00000000000000" pitchFamily="34" charset="-127"/>
+                <a:ea typeface="Noto Sans CJK KR Black" panose="020B0A00000000000000" pitchFamily="34" charset="-127"/>
+              </a:rPr>
+              <a:t>데이터마이닝</a:t>
+            </a:r>
+            <a:r>
+              <a:rPr lang="ko-KR" altLang="en-US" sz="2000" dirty="0">
+                <a:solidFill>
+                  <a:schemeClr val="bg1"/>
+                </a:solidFill>
+                <a:latin typeface="Noto Sans CJK KR Black" panose="020B0A00000000000000" pitchFamily="34" charset="-127"/>
+                <a:ea typeface="Noto Sans CJK KR Black" panose="020B0A00000000000000" pitchFamily="34" charset="-127"/>
+              </a:rPr>
+              <a:t> </a:t>
+            </a:r>
+            <a:r>
+              <a:rPr lang="en-US" altLang="ko-KR" sz="2000" dirty="0">
+                <a:solidFill>
+                  <a:schemeClr val="bg1"/>
+                </a:solidFill>
+                <a:latin typeface="Noto Sans CJK KR Black" panose="020B0A00000000000000" pitchFamily="34" charset="-127"/>
+                <a:ea typeface="Noto Sans CJK KR Black" panose="020B0A00000000000000" pitchFamily="34" charset="-127"/>
+              </a:rPr>
+              <a:t>vs </a:t>
+            </a:r>
+            <a:r>
+              <a:rPr lang="ko-KR" altLang="en-US" sz="2000" dirty="0">
+                <a:solidFill>
+                  <a:schemeClr val="bg1"/>
+                </a:solidFill>
+                <a:latin typeface="Noto Sans CJK KR Black" panose="020B0A00000000000000" pitchFamily="34" charset="-127"/>
+                <a:ea typeface="Noto Sans CJK KR Black" panose="020B0A00000000000000" pitchFamily="34" charset="-127"/>
+              </a:rPr>
+              <a:t>인공신경망</a:t>
+            </a:r>
+            <a:endParaRPr lang="en-US" altLang="ko-KR" sz="2000" dirty="0">
+              <a:solidFill>
+                <a:schemeClr val="bg1"/>
+              </a:solidFill>
+              <a:latin typeface="Noto Sans CJK KR Black" panose="020B0A00000000000000" pitchFamily="34" charset="-127"/>
+              <a:ea typeface="Noto Sans CJK KR Black" panose="020B0A00000000000000" pitchFamily="34" charset="-127"/>
+            </a:endParaRPr>
+          </a:p>
+          <a:p>
+            <a:pPr marL="896798" lvl="1" indent="-342900">
+              <a:buFont typeface="Wingdings" panose="05000000000000000000" pitchFamily="2" charset="2"/>
+              <a:buChar char="ü"/>
+            </a:pPr>
+            <a:r>
+              <a:rPr lang="ko-KR" altLang="en-US" sz="2000" dirty="0">
+                <a:solidFill>
+                  <a:schemeClr val="bg1"/>
+                </a:solidFill>
+                <a:latin typeface="Noto Sans CJK KR Black" panose="020B0A00000000000000" pitchFamily="34" charset="-127"/>
+                <a:ea typeface="Noto Sans CJK KR Black" panose="020B0A00000000000000" pitchFamily="34" charset="-127"/>
+              </a:rPr>
+              <a:t>최근 </a:t>
+            </a:r>
+            <a:r>
+              <a:rPr lang="ko-KR" altLang="en-US" sz="2000" dirty="0" err="1">
+                <a:solidFill>
+                  <a:schemeClr val="bg1"/>
+                </a:solidFill>
+                <a:latin typeface="Noto Sans CJK KR Black" panose="020B0A00000000000000" pitchFamily="34" charset="-127"/>
+                <a:ea typeface="Noto Sans CJK KR Black" panose="020B0A00000000000000" pitchFamily="34" charset="-127"/>
+              </a:rPr>
+              <a:t>발전발향</a:t>
+            </a:r>
+            <a:r>
+              <a:rPr lang="ko-KR" altLang="en-US" sz="2000" dirty="0">
+                <a:solidFill>
+                  <a:schemeClr val="bg1"/>
+                </a:solidFill>
+                <a:latin typeface="Noto Sans CJK KR Black" panose="020B0A00000000000000" pitchFamily="34" charset="-127"/>
+                <a:ea typeface="Noto Sans CJK KR Black" panose="020B0A00000000000000" pitchFamily="34" charset="-127"/>
+              </a:rPr>
+              <a:t> 및 한계</a:t>
+            </a:r>
+            <a:endParaRPr lang="en-US" altLang="ko-KR" sz="2000" dirty="0">
+              <a:solidFill>
+                <a:schemeClr val="bg1"/>
+              </a:solidFill>
+              <a:latin typeface="Noto Sans CJK KR Black" panose="020B0A00000000000000" pitchFamily="34" charset="-127"/>
+              <a:ea typeface="Noto Sans CJK KR Black" panose="020B0A00000000000000" pitchFamily="34" charset="-127"/>
+            </a:endParaRPr>
+          </a:p>
+        </p:txBody>
+      </p:sp>
+    </p:spTree>
+    <p:extLst>
+      <p:ext uri="{BB962C8B-B14F-4D97-AF65-F5344CB8AC3E}">
+        <p14:creationId xmlns:p14="http://schemas.microsoft.com/office/powerpoint/2010/main" val="3578152133"/>
+      </p:ext>
+    </p:extLst>
+  </p:cSld>
+  <p:clrMapOvr>
+    <a:masterClrMapping/>
+  </p:clrMapOvr>
+</p:sld>
+</file>
+
+<file path=ppt/slides/slide84.xml><?xml version="1.0" encoding="utf-8"?>
+<p:sld xmlns:a="http://schemas.openxmlformats.org/drawingml/2006/main" xmlns:r="http://schemas.openxmlformats.org/officeDocument/2006/relationships" xmlns:p="http://schemas.openxmlformats.org/presentationml/2006/main">
+  <p:cSld>
+    <p:bg>
+      <p:bgPr>
+        <a:solidFill>
+          <a:schemeClr val="bg1">
+            <a:lumMod val="65000"/>
+          </a:schemeClr>
+        </a:solidFill>
+        <a:effectLst/>
+      </p:bgPr>
+    </p:bg>
+    <p:spTree>
+      <p:nvGrpSpPr>
+        <p:cNvPr id="1" name=""/>
+        <p:cNvGrpSpPr/>
+        <p:nvPr/>
+      </p:nvGrpSpPr>
+      <p:grpSpPr>
+        <a:xfrm>
+          <a:off x="0" y="0"/>
+          <a:ext cx="0" cy="0"/>
+          <a:chOff x="0" y="0"/>
+          <a:chExt cx="0" cy="0"/>
+        </a:xfrm>
+      </p:grpSpPr>
+      <p:sp>
+        <p:nvSpPr>
+          <p:cNvPr id="4" name="슬라이드 번호 개체 틀 3"/>
+          <p:cNvSpPr>
+            <a:spLocks noGrp="1"/>
+          </p:cNvSpPr>
+          <p:nvPr>
+            <p:ph type="sldNum" sz="quarter" idx="12"/>
+          </p:nvPr>
+        </p:nvSpPr>
+        <p:spPr/>
+        <p:txBody>
+          <a:bodyPr/>
+          <a:lstStyle/>
+          <a:p>
+            <a:fld id="{6DDAE2C3-1A0B-474A-8CE8-AE55B8D9D4B1}" type="slidenum">
+              <a:rPr lang="ko-KR" altLang="en-US" smtClean="0"/>
+              <a:pPr/>
+              <a:t>84</a:t>
+            </a:fld>
+            <a:endParaRPr lang="ko-KR" altLang="en-US" dirty="0"/>
+          </a:p>
+        </p:txBody>
+      </p:sp>
+      <p:sp>
+        <p:nvSpPr>
+          <p:cNvPr id="11" name="TextBox 10"/>
+          <p:cNvSpPr txBox="1"/>
+          <p:nvPr/>
+        </p:nvSpPr>
+        <p:spPr>
+          <a:xfrm>
+            <a:off x="204827" y="854694"/>
+            <a:ext cx="11793243" cy="1107996"/>
+          </a:xfrm>
+          <a:prstGeom prst="rect">
+            <a:avLst/>
+          </a:prstGeom>
+          <a:noFill/>
+        </p:spPr>
+        <p:txBody>
+          <a:bodyPr wrap="square" lIns="0" tIns="0" rIns="0" bIns="0" rtlCol="0" anchor="t">
+            <a:spAutoFit/>
+          </a:bodyPr>
+          <a:lstStyle/>
+          <a:p>
+            <a:r>
+              <a:rPr lang="en-US" altLang="ko-KR" sz="2400" b="1" i="0" dirty="0">
+                <a:solidFill>
+                  <a:schemeClr val="bg1"/>
+                </a:solidFill>
+                <a:effectLst/>
+                <a:latin typeface="Arial" panose="020B0604020202020204" pitchFamily="34" charset="0"/>
+                <a:cs typeface="Arial" panose="020B0604020202020204" pitchFamily="34" charset="0"/>
+              </a:rPr>
+              <a:t>Part 03. </a:t>
+            </a:r>
+            <a:r>
+              <a:rPr lang="ko-KR" altLang="en-US" sz="2400" b="1" i="0" dirty="0">
+                <a:solidFill>
+                  <a:schemeClr val="bg1"/>
+                </a:solidFill>
+                <a:effectLst/>
+                <a:latin typeface="Arial" panose="020B0604020202020204" pitchFamily="34" charset="0"/>
+                <a:cs typeface="Arial" panose="020B0604020202020204" pitchFamily="34" charset="0"/>
+              </a:rPr>
+              <a:t>시계열 알고리즘</a:t>
+            </a:r>
+            <a:endParaRPr lang="en-US" altLang="ko-KR" sz="2400" b="1" i="0" dirty="0">
+              <a:solidFill>
+                <a:schemeClr val="bg1"/>
+              </a:solidFill>
+              <a:effectLst/>
+              <a:latin typeface="Arial" panose="020B0604020202020204" pitchFamily="34" charset="0"/>
+              <a:cs typeface="Arial" panose="020B0604020202020204" pitchFamily="34" charset="0"/>
+            </a:endParaRPr>
+          </a:p>
+          <a:p>
+            <a:endParaRPr lang="en-US" altLang="ko-KR" sz="2400" b="1" dirty="0">
+              <a:solidFill>
+                <a:schemeClr val="bg1"/>
+              </a:solidFill>
+              <a:latin typeface="Arial" panose="020B0604020202020204" pitchFamily="34" charset="0"/>
+              <a:cs typeface="Arial" panose="020B0604020202020204" pitchFamily="34" charset="0"/>
+            </a:endParaRPr>
+          </a:p>
+          <a:p>
+            <a:r>
+              <a:rPr lang="en-US" altLang="ko-KR" sz="2400" b="1" i="0" dirty="0">
+                <a:solidFill>
+                  <a:schemeClr val="bg1"/>
+                </a:solidFill>
+                <a:effectLst/>
+                <a:latin typeface="Arial" panose="020B0604020202020204" pitchFamily="34" charset="0"/>
+                <a:cs typeface="Arial" panose="020B0604020202020204" pitchFamily="34" charset="0"/>
+              </a:rPr>
+              <a:t>:</a:t>
+            </a:r>
+            <a:r>
+              <a:rPr lang="en-US" altLang="ko-KR" sz="2400" b="1" dirty="0">
+                <a:solidFill>
+                  <a:schemeClr val="bg1"/>
+                </a:solidFill>
+                <a:latin typeface="Arial" panose="020B0604020202020204" pitchFamily="34" charset="0"/>
+                <a:cs typeface="Arial" panose="020B0604020202020204" pitchFamily="34" charset="0"/>
+              </a:rPr>
+              <a:t> </a:t>
+            </a:r>
+            <a:r>
+              <a:rPr lang="ko-KR" altLang="en-US" sz="2400" b="1" dirty="0">
+                <a:solidFill>
+                  <a:schemeClr val="bg1"/>
+                </a:solidFill>
+                <a:latin typeface="Arial" panose="020B0604020202020204" pitchFamily="34" charset="0"/>
+                <a:cs typeface="Arial" panose="020B0604020202020204" pitchFamily="34" charset="0"/>
+              </a:rPr>
+              <a:t>딥러닝 시계열 </a:t>
+            </a:r>
+            <a:r>
+              <a:rPr lang="en-US" altLang="ko-KR" sz="2400" b="1" i="0" dirty="0">
+                <a:solidFill>
+                  <a:schemeClr val="bg1"/>
+                </a:solidFill>
+                <a:effectLst/>
+                <a:latin typeface="Arial" panose="020B0604020202020204" pitchFamily="34" charset="0"/>
+              </a:rPr>
+              <a:t>- 06. </a:t>
+            </a:r>
+            <a:r>
+              <a:rPr lang="ko-KR" altLang="en-US" sz="2400" b="1" i="0" dirty="0" err="1">
+                <a:solidFill>
+                  <a:schemeClr val="bg1"/>
+                </a:solidFill>
+                <a:effectLst/>
+                <a:latin typeface="Arial" panose="020B0604020202020204" pitchFamily="34" charset="0"/>
+              </a:rPr>
+              <a:t>시계열딥러닝</a:t>
+            </a:r>
+            <a:r>
+              <a:rPr lang="ko-KR" altLang="en-US" sz="2400" b="1" i="0" dirty="0">
+                <a:solidFill>
+                  <a:schemeClr val="bg1"/>
+                </a:solidFill>
+                <a:effectLst/>
+                <a:latin typeface="Arial" panose="020B0604020202020204" pitchFamily="34" charset="0"/>
+              </a:rPr>
+              <a:t> 알고리즘</a:t>
+            </a:r>
+            <a:r>
+              <a:rPr lang="en-US" altLang="ko-KR" sz="2400" b="1" i="0" dirty="0">
+                <a:solidFill>
+                  <a:schemeClr val="bg1"/>
+                </a:solidFill>
+                <a:effectLst/>
+                <a:latin typeface="Arial" panose="020B0604020202020204" pitchFamily="34" charset="0"/>
+              </a:rPr>
+              <a:t>1(</a:t>
+            </a:r>
+            <a:r>
+              <a:rPr lang="en-US" altLang="ko-KR" sz="2400" b="1" dirty="0">
+                <a:solidFill>
+                  <a:schemeClr val="bg1"/>
+                </a:solidFill>
+                <a:latin typeface="Arial" panose="020B0604020202020204" pitchFamily="34" charset="0"/>
+              </a:rPr>
+              <a:t>CNN</a:t>
+            </a:r>
+            <a:r>
+              <a:rPr lang="ko-KR" altLang="en-US" sz="2400" b="1" dirty="0">
+                <a:solidFill>
+                  <a:schemeClr val="bg1"/>
+                </a:solidFill>
+                <a:latin typeface="Arial" panose="020B0604020202020204" pitchFamily="34" charset="0"/>
+              </a:rPr>
+              <a:t> </a:t>
+            </a:r>
+            <a:r>
+              <a:rPr lang="en-US" altLang="ko-KR" sz="2400" b="1" dirty="0">
+                <a:solidFill>
+                  <a:schemeClr val="bg1"/>
+                </a:solidFill>
+                <a:latin typeface="Arial" panose="020B0604020202020204" pitchFamily="34" charset="0"/>
+              </a:rPr>
+              <a:t>vs</a:t>
+            </a:r>
+            <a:r>
+              <a:rPr lang="ko-KR" altLang="en-US" sz="2400" b="1" dirty="0">
+                <a:solidFill>
+                  <a:schemeClr val="bg1"/>
+                </a:solidFill>
+                <a:latin typeface="Arial" panose="020B0604020202020204" pitchFamily="34" charset="0"/>
+              </a:rPr>
+              <a:t> </a:t>
+            </a:r>
+            <a:r>
+              <a:rPr lang="en-US" altLang="ko-KR" sz="2400" b="1" i="0" dirty="0">
+                <a:solidFill>
+                  <a:schemeClr val="bg1"/>
+                </a:solidFill>
+                <a:effectLst/>
+                <a:latin typeface="Arial" panose="020B0604020202020204" pitchFamily="34" charset="0"/>
+              </a:rPr>
+              <a:t>RNN)</a:t>
+            </a:r>
+            <a:endParaRPr lang="en-US" altLang="ko-KR" sz="2400" b="1" dirty="0">
+              <a:solidFill>
+                <a:schemeClr val="bg1"/>
+              </a:solidFill>
+              <a:latin typeface="Arial" panose="020B0604020202020204" pitchFamily="34" charset="0"/>
+              <a:ea typeface="Noto Sans CJK KR Black" panose="020B0A00000000000000" pitchFamily="34" charset="-127"/>
+              <a:cs typeface="Arial" panose="020B0604020202020204" pitchFamily="34" charset="0"/>
+            </a:endParaRPr>
+          </a:p>
+        </p:txBody>
+      </p:sp>
+      <p:sp>
+        <p:nvSpPr>
+          <p:cNvPr id="12" name="TextBox 11"/>
+          <p:cNvSpPr txBox="1"/>
+          <p:nvPr/>
+        </p:nvSpPr>
+        <p:spPr>
+          <a:xfrm>
+            <a:off x="4783981" y="611957"/>
+            <a:ext cx="7056784" cy="216726"/>
+          </a:xfrm>
+          <a:prstGeom prst="rect">
+            <a:avLst/>
+          </a:prstGeom>
+          <a:noFill/>
+        </p:spPr>
+        <p:txBody>
+          <a:bodyPr wrap="square" lIns="0" tIns="0" rIns="0" bIns="0" rtlCol="0" anchor="t">
+            <a:spAutoFit/>
+          </a:bodyPr>
+          <a:lstStyle/>
+          <a:p>
+            <a:pPr>
+              <a:lnSpc>
+                <a:spcPct val="150000"/>
+              </a:lnSpc>
+            </a:pPr>
+            <a:endParaRPr lang="en-US" altLang="ko-KR" sz="1050" dirty="0">
+              <a:solidFill>
+                <a:schemeClr val="bg1"/>
+              </a:solidFill>
+              <a:latin typeface="Noto Sans CJK KR Medium" panose="020B0600000000000000" pitchFamily="34" charset="-127"/>
+              <a:ea typeface="Noto Sans CJK KR Medium" panose="020B0600000000000000" pitchFamily="34" charset="-127"/>
+            </a:endParaRPr>
+          </a:p>
+        </p:txBody>
+      </p:sp>
+      <p:sp>
+        <p:nvSpPr>
+          <p:cNvPr id="6" name="TextBox 5">
+            <a:extLst>
+              <a:ext uri="{FF2B5EF4-FFF2-40B4-BE49-F238E27FC236}">
+                <a16:creationId xmlns:a16="http://schemas.microsoft.com/office/drawing/2014/main" id="{161CCAE4-E01F-4257-AFB1-00679BC318D7}"/>
+              </a:ext>
+            </a:extLst>
+          </p:cNvPr>
+          <p:cNvSpPr txBox="1"/>
+          <p:nvPr/>
+        </p:nvSpPr>
+        <p:spPr>
+          <a:xfrm>
+            <a:off x="2258841" y="2844205"/>
+            <a:ext cx="7865218" cy="2339102"/>
+          </a:xfrm>
+          <a:prstGeom prst="rect">
+            <a:avLst/>
+          </a:prstGeom>
+          <a:noFill/>
+        </p:spPr>
+        <p:txBody>
+          <a:bodyPr wrap="square" lIns="0" tIns="0" rIns="0" bIns="0" rtlCol="0" anchor="t">
+            <a:spAutoFit/>
+          </a:bodyPr>
+          <a:lstStyle/>
+          <a:p>
+            <a:pPr marL="342900" indent="-342900">
+              <a:buFont typeface="Wingdings" panose="05000000000000000000" pitchFamily="2" charset="2"/>
+              <a:buChar char="l"/>
+            </a:pPr>
+            <a:r>
+              <a:rPr lang="ko-KR" altLang="en-US" sz="2400" dirty="0">
+                <a:solidFill>
+                  <a:schemeClr val="bg1"/>
+                </a:solidFill>
+                <a:latin typeface="Noto Sans CJK KR Black" panose="020B0A00000000000000" pitchFamily="34" charset="-127"/>
+                <a:ea typeface="Noto Sans CJK KR Black" panose="020B0A00000000000000" pitchFamily="34" charset="-127"/>
+              </a:rPr>
+              <a:t>지난시간 내용정리</a:t>
+            </a:r>
+            <a:endParaRPr lang="en-US" altLang="ko-KR" sz="2400" dirty="0">
+              <a:solidFill>
+                <a:schemeClr val="bg1"/>
+              </a:solidFill>
+              <a:latin typeface="Noto Sans CJK KR Black" panose="020B0A00000000000000" pitchFamily="34" charset="-127"/>
+              <a:ea typeface="Noto Sans CJK KR Black" panose="020B0A00000000000000" pitchFamily="34" charset="-127"/>
+            </a:endParaRPr>
+          </a:p>
+          <a:p>
+            <a:pPr marL="896798" lvl="1" indent="-342900">
+              <a:buFont typeface="Wingdings" panose="05000000000000000000" pitchFamily="2" charset="2"/>
+              <a:buChar char="ü"/>
+            </a:pPr>
+            <a:r>
+              <a:rPr lang="ko-KR" altLang="en-US" sz="2000" dirty="0">
+                <a:solidFill>
+                  <a:schemeClr val="bg1"/>
+                </a:solidFill>
+                <a:latin typeface="Noto Sans CJK KR Black" panose="020B0A00000000000000" pitchFamily="34" charset="-127"/>
+                <a:ea typeface="Noto Sans CJK KR Black" panose="020B0A00000000000000" pitchFamily="34" charset="-127"/>
+              </a:rPr>
+              <a:t>통계 </a:t>
+            </a:r>
+            <a:r>
+              <a:rPr lang="en-US" altLang="ko-KR" sz="2000" dirty="0">
+                <a:solidFill>
+                  <a:schemeClr val="bg1"/>
+                </a:solidFill>
+                <a:latin typeface="Noto Sans CJK KR Black" panose="020B0A00000000000000" pitchFamily="34" charset="-127"/>
+                <a:ea typeface="Noto Sans CJK KR Black" panose="020B0A00000000000000" pitchFamily="34" charset="-127"/>
+              </a:rPr>
+              <a:t>vs</a:t>
+            </a:r>
+            <a:r>
+              <a:rPr lang="ko-KR" altLang="en-US" sz="2000" dirty="0">
+                <a:solidFill>
+                  <a:schemeClr val="bg1"/>
+                </a:solidFill>
+                <a:latin typeface="Noto Sans CJK KR Black" panose="020B0A00000000000000" pitchFamily="34" charset="-127"/>
+                <a:ea typeface="Noto Sans CJK KR Black" panose="020B0A00000000000000" pitchFamily="34" charset="-127"/>
+              </a:rPr>
+              <a:t> </a:t>
+            </a:r>
+            <a:r>
+              <a:rPr lang="ko-KR" altLang="en-US" sz="2000" dirty="0" err="1">
+                <a:solidFill>
+                  <a:schemeClr val="bg1"/>
+                </a:solidFill>
+                <a:latin typeface="Noto Sans CJK KR Black" panose="020B0A00000000000000" pitchFamily="34" charset="-127"/>
+                <a:ea typeface="Noto Sans CJK KR Black" panose="020B0A00000000000000" pitchFamily="34" charset="-127"/>
+              </a:rPr>
+              <a:t>데이터마이닝</a:t>
+            </a:r>
+            <a:r>
+              <a:rPr lang="ko-KR" altLang="en-US" sz="2000" dirty="0">
+                <a:solidFill>
+                  <a:schemeClr val="bg1"/>
+                </a:solidFill>
+                <a:latin typeface="Noto Sans CJK KR Black" panose="020B0A00000000000000" pitchFamily="34" charset="-127"/>
+                <a:ea typeface="Noto Sans CJK KR Black" panose="020B0A00000000000000" pitchFamily="34" charset="-127"/>
+              </a:rPr>
+              <a:t> </a:t>
+            </a:r>
+            <a:r>
+              <a:rPr lang="en-US" altLang="ko-KR" sz="2000" dirty="0">
+                <a:solidFill>
+                  <a:schemeClr val="bg1"/>
+                </a:solidFill>
+                <a:latin typeface="Noto Sans CJK KR Black" panose="020B0A00000000000000" pitchFamily="34" charset="-127"/>
+                <a:ea typeface="Noto Sans CJK KR Black" panose="020B0A00000000000000" pitchFamily="34" charset="-127"/>
+              </a:rPr>
+              <a:t>vs </a:t>
+            </a:r>
+            <a:r>
+              <a:rPr lang="ko-KR" altLang="en-US" sz="2000" dirty="0">
+                <a:solidFill>
+                  <a:schemeClr val="bg1"/>
+                </a:solidFill>
+                <a:latin typeface="Noto Sans CJK KR Black" panose="020B0A00000000000000" pitchFamily="34" charset="-127"/>
+                <a:ea typeface="Noto Sans CJK KR Black" panose="020B0A00000000000000" pitchFamily="34" charset="-127"/>
+              </a:rPr>
+              <a:t>인공신경망</a:t>
+            </a:r>
+            <a:endParaRPr lang="en-US" altLang="ko-KR" sz="2000" dirty="0">
+              <a:solidFill>
+                <a:schemeClr val="bg1"/>
+              </a:solidFill>
+              <a:latin typeface="Noto Sans CJK KR Black" panose="020B0A00000000000000" pitchFamily="34" charset="-127"/>
+              <a:ea typeface="Noto Sans CJK KR Black" panose="020B0A00000000000000" pitchFamily="34" charset="-127"/>
+            </a:endParaRPr>
+          </a:p>
+          <a:p>
+            <a:pPr marL="896798" lvl="1" indent="-342900">
+              <a:buFont typeface="Wingdings" panose="05000000000000000000" pitchFamily="2" charset="2"/>
+              <a:buChar char="ü"/>
+            </a:pPr>
+            <a:r>
+              <a:rPr lang="ko-KR" altLang="en-US" sz="2000" dirty="0">
+                <a:solidFill>
+                  <a:schemeClr val="bg1"/>
+                </a:solidFill>
+                <a:latin typeface="Noto Sans CJK KR Black" panose="020B0A00000000000000" pitchFamily="34" charset="-127"/>
+                <a:ea typeface="Noto Sans CJK KR Black" panose="020B0A00000000000000" pitchFamily="34" charset="-127"/>
+              </a:rPr>
+              <a:t>최근 </a:t>
+            </a:r>
+            <a:r>
+              <a:rPr lang="ko-KR" altLang="en-US" sz="2000" dirty="0" err="1">
+                <a:solidFill>
+                  <a:schemeClr val="bg1"/>
+                </a:solidFill>
+                <a:latin typeface="Noto Sans CJK KR Black" panose="020B0A00000000000000" pitchFamily="34" charset="-127"/>
+                <a:ea typeface="Noto Sans CJK KR Black" panose="020B0A00000000000000" pitchFamily="34" charset="-127"/>
+              </a:rPr>
+              <a:t>발전발향</a:t>
+            </a:r>
+            <a:r>
+              <a:rPr lang="ko-KR" altLang="en-US" sz="2000" dirty="0">
+                <a:solidFill>
+                  <a:schemeClr val="bg1"/>
+                </a:solidFill>
+                <a:latin typeface="Noto Sans CJK KR Black" panose="020B0A00000000000000" pitchFamily="34" charset="-127"/>
+                <a:ea typeface="Noto Sans CJK KR Black" panose="020B0A00000000000000" pitchFamily="34" charset="-127"/>
+              </a:rPr>
+              <a:t> 및 한계</a:t>
+            </a:r>
+            <a:endParaRPr lang="en-US" altLang="ko-KR" sz="2000" dirty="0">
+              <a:solidFill>
+                <a:schemeClr val="bg1"/>
+              </a:solidFill>
+              <a:latin typeface="Noto Sans CJK KR Black" panose="020B0A00000000000000" pitchFamily="34" charset="-127"/>
+              <a:ea typeface="Noto Sans CJK KR Black" panose="020B0A00000000000000" pitchFamily="34" charset="-127"/>
+            </a:endParaRPr>
+          </a:p>
+          <a:p>
+            <a:pPr marL="896798" lvl="1" indent="-342900">
+              <a:buFont typeface="Wingdings" panose="05000000000000000000" pitchFamily="2" charset="2"/>
+              <a:buChar char="ü"/>
+            </a:pPr>
+            <a:endParaRPr lang="en-US" altLang="ko-KR" sz="2400" dirty="0">
+              <a:solidFill>
+                <a:schemeClr val="bg1"/>
+              </a:solidFill>
+              <a:latin typeface="Noto Sans CJK KR Black" panose="020B0A00000000000000" pitchFamily="34" charset="-127"/>
+              <a:ea typeface="Noto Sans CJK KR Black" panose="020B0A00000000000000" pitchFamily="34" charset="-127"/>
+            </a:endParaRPr>
+          </a:p>
+          <a:p>
+            <a:pPr marL="342900" indent="-342900">
+              <a:buFont typeface="Wingdings" panose="05000000000000000000" pitchFamily="2" charset="2"/>
+              <a:buChar char="l"/>
+            </a:pPr>
+            <a:r>
+              <a:rPr lang="ko-KR" altLang="en-US" sz="2400" dirty="0">
+                <a:solidFill>
+                  <a:schemeClr val="bg1"/>
+                </a:solidFill>
+                <a:latin typeface="Noto Sans CJK KR Black" panose="020B0A00000000000000" pitchFamily="34" charset="-127"/>
+                <a:ea typeface="Noto Sans CJK KR Black" panose="020B0A00000000000000" pitchFamily="34" charset="-127"/>
+              </a:rPr>
+              <a:t>이번시간 목표</a:t>
+            </a:r>
+          </a:p>
+          <a:p>
+            <a:pPr marL="896798" lvl="1" indent="-342900">
+              <a:buFont typeface="Wingdings" panose="05000000000000000000" pitchFamily="2" charset="2"/>
+              <a:buChar char="ü"/>
+            </a:pPr>
+            <a:r>
+              <a:rPr lang="en-US" altLang="ko-KR" sz="2000" dirty="0">
+                <a:solidFill>
+                  <a:schemeClr val="bg1"/>
+                </a:solidFill>
+                <a:latin typeface="Noto Sans CJK KR Black" panose="020B0A00000000000000" pitchFamily="34" charset="-127"/>
+                <a:ea typeface="Noto Sans CJK KR Black" panose="020B0A00000000000000" pitchFamily="34" charset="-127"/>
+              </a:rPr>
+              <a:t>CNN</a:t>
+            </a:r>
+            <a:r>
+              <a:rPr lang="ko-KR" altLang="en-US" sz="2000" dirty="0">
+                <a:solidFill>
+                  <a:schemeClr val="bg1"/>
+                </a:solidFill>
+                <a:latin typeface="Noto Sans CJK KR Black" panose="020B0A00000000000000" pitchFamily="34" charset="-127"/>
+                <a:ea typeface="Noto Sans CJK KR Black" panose="020B0A00000000000000" pitchFamily="34" charset="-127"/>
+              </a:rPr>
+              <a:t>과 </a:t>
+            </a:r>
+            <a:r>
+              <a:rPr lang="en-US" altLang="ko-KR" sz="2000" dirty="0">
+                <a:solidFill>
+                  <a:schemeClr val="bg1"/>
+                </a:solidFill>
+                <a:latin typeface="Noto Sans CJK KR Black" panose="020B0A00000000000000" pitchFamily="34" charset="-127"/>
+                <a:ea typeface="Noto Sans CJK KR Black" panose="020B0A00000000000000" pitchFamily="34" charset="-127"/>
+              </a:rPr>
+              <a:t>RNN</a:t>
+            </a:r>
+            <a:r>
+              <a:rPr lang="ko-KR" altLang="en-US" sz="2000" dirty="0">
+                <a:solidFill>
+                  <a:schemeClr val="bg1"/>
+                </a:solidFill>
+                <a:latin typeface="Noto Sans CJK KR Black" panose="020B0A00000000000000" pitchFamily="34" charset="-127"/>
+                <a:ea typeface="Noto Sans CJK KR Black" panose="020B0A00000000000000" pitchFamily="34" charset="-127"/>
+              </a:rPr>
+              <a:t>의 차이 이해하기</a:t>
+            </a:r>
+            <a:endParaRPr lang="en-US" altLang="ko-KR" sz="2000" dirty="0">
+              <a:solidFill>
+                <a:schemeClr val="bg1"/>
+              </a:solidFill>
+              <a:latin typeface="Noto Sans CJK KR Black" panose="020B0A00000000000000" pitchFamily="34" charset="-127"/>
+              <a:ea typeface="Noto Sans CJK KR Black" panose="020B0A00000000000000" pitchFamily="34" charset="-127"/>
+            </a:endParaRPr>
+          </a:p>
+          <a:p>
+            <a:pPr marL="896798" lvl="1" indent="-342900">
+              <a:buFont typeface="Wingdings" panose="05000000000000000000" pitchFamily="2" charset="2"/>
+              <a:buChar char="ü"/>
+            </a:pPr>
+            <a:r>
+              <a:rPr lang="en-US" altLang="ko-KR" sz="2000" dirty="0">
+                <a:solidFill>
+                  <a:schemeClr val="bg1"/>
+                </a:solidFill>
+                <a:latin typeface="Noto Sans CJK KR Black" panose="020B0A00000000000000" pitchFamily="34" charset="-127"/>
+                <a:ea typeface="Noto Sans CJK KR Black" panose="020B0A00000000000000" pitchFamily="34" charset="-127"/>
+              </a:rPr>
+              <a:t>RNN</a:t>
+            </a:r>
+            <a:r>
+              <a:rPr lang="ko-KR" altLang="en-US" sz="2000" dirty="0">
+                <a:solidFill>
+                  <a:schemeClr val="bg1"/>
+                </a:solidFill>
+                <a:latin typeface="Noto Sans CJK KR Black" panose="020B0A00000000000000" pitchFamily="34" charset="-127"/>
+                <a:ea typeface="Noto Sans CJK KR Black" panose="020B0A00000000000000" pitchFamily="34" charset="-127"/>
+              </a:rPr>
+              <a:t>의 종류 이해하기</a:t>
+            </a:r>
+            <a:endParaRPr lang="en-US" altLang="ko-KR" sz="2000" dirty="0">
+              <a:solidFill>
+                <a:schemeClr val="bg1"/>
+              </a:solidFill>
+              <a:latin typeface="Noto Sans CJK KR Black" panose="020B0A00000000000000" pitchFamily="34" charset="-127"/>
+              <a:ea typeface="Noto Sans CJK KR Black" panose="020B0A00000000000000" pitchFamily="34" charset="-127"/>
+            </a:endParaRPr>
+          </a:p>
+        </p:txBody>
+      </p:sp>
+    </p:spTree>
+    <p:extLst>
+      <p:ext uri="{BB962C8B-B14F-4D97-AF65-F5344CB8AC3E}">
+        <p14:creationId xmlns:p14="http://schemas.microsoft.com/office/powerpoint/2010/main" val="1834779169"/>
+      </p:ext>
+    </p:extLst>
+  </p:cSld>
+  <p:clrMapOvr>
+    <a:masterClrMapping/>
+  </p:clrMapOvr>
+</p:sld>
+</file>
+
+<file path=ppt/slides/slide85.xml><?xml version="1.0" encoding="utf-8"?>
+<p:sld xmlns:a="http://schemas.openxmlformats.org/drawingml/2006/main" xmlns:r="http://schemas.openxmlformats.org/officeDocument/2006/relationships" xmlns:p="http://schemas.openxmlformats.org/presentationml/2006/main">
+  <p:cSld>
+    <p:bg>
+      <p:bgPr>
+        <a:solidFill>
+          <a:schemeClr val="bg1">
+            <a:lumMod val="65000"/>
+          </a:schemeClr>
+        </a:solidFill>
+        <a:effectLst/>
+      </p:bgPr>
+    </p:bg>
+    <p:spTree>
+      <p:nvGrpSpPr>
+        <p:cNvPr id="1" name=""/>
+        <p:cNvGrpSpPr/>
+        <p:nvPr/>
+      </p:nvGrpSpPr>
+      <p:grpSpPr>
+        <a:xfrm>
+          <a:off x="0" y="0"/>
+          <a:ext cx="0" cy="0"/>
+          <a:chOff x="0" y="0"/>
+          <a:chExt cx="0" cy="0"/>
+        </a:xfrm>
+      </p:grpSpPr>
+      <p:sp>
+        <p:nvSpPr>
+          <p:cNvPr id="4" name="슬라이드 번호 개체 틀 3"/>
+          <p:cNvSpPr>
+            <a:spLocks noGrp="1"/>
+          </p:cNvSpPr>
+          <p:nvPr>
+            <p:ph type="sldNum" sz="quarter" idx="12"/>
+          </p:nvPr>
+        </p:nvSpPr>
+        <p:spPr/>
+        <p:txBody>
+          <a:bodyPr/>
+          <a:lstStyle/>
+          <a:p>
+            <a:fld id="{6DDAE2C3-1A0B-474A-8CE8-AE55B8D9D4B1}" type="slidenum">
+              <a:rPr lang="ko-KR" altLang="en-US" smtClean="0"/>
+              <a:pPr/>
+              <a:t>85</a:t>
+            </a:fld>
+            <a:endParaRPr lang="ko-KR" altLang="en-US" dirty="0"/>
+          </a:p>
+        </p:txBody>
+      </p:sp>
+      <p:sp>
+        <p:nvSpPr>
+          <p:cNvPr id="11" name="TextBox 10"/>
+          <p:cNvSpPr txBox="1"/>
+          <p:nvPr/>
+        </p:nvSpPr>
+        <p:spPr>
+          <a:xfrm>
+            <a:off x="204827" y="854694"/>
+            <a:ext cx="11793243" cy="1107996"/>
+          </a:xfrm>
+          <a:prstGeom prst="rect">
+            <a:avLst/>
+          </a:prstGeom>
+          <a:noFill/>
+        </p:spPr>
+        <p:txBody>
+          <a:bodyPr wrap="square" lIns="0" tIns="0" rIns="0" bIns="0" rtlCol="0" anchor="t">
+            <a:spAutoFit/>
+          </a:bodyPr>
+          <a:lstStyle/>
+          <a:p>
+            <a:r>
+              <a:rPr lang="en-US" altLang="ko-KR" sz="2400" b="1" i="0" dirty="0">
+                <a:solidFill>
+                  <a:schemeClr val="bg1"/>
+                </a:solidFill>
+                <a:effectLst/>
+                <a:latin typeface="Arial" panose="020B0604020202020204" pitchFamily="34" charset="0"/>
+                <a:cs typeface="Arial" panose="020B0604020202020204" pitchFamily="34" charset="0"/>
+              </a:rPr>
+              <a:t>Part 03. </a:t>
+            </a:r>
+            <a:r>
+              <a:rPr lang="ko-KR" altLang="en-US" sz="2400" b="1" i="0" dirty="0">
+                <a:solidFill>
+                  <a:schemeClr val="bg1"/>
+                </a:solidFill>
+                <a:effectLst/>
+                <a:latin typeface="Arial" panose="020B0604020202020204" pitchFamily="34" charset="0"/>
+                <a:cs typeface="Arial" panose="020B0604020202020204" pitchFamily="34" charset="0"/>
+              </a:rPr>
+              <a:t>시계열 알고리즘</a:t>
+            </a:r>
+            <a:endParaRPr lang="en-US" altLang="ko-KR" sz="2400" b="1" i="0" dirty="0">
+              <a:solidFill>
+                <a:schemeClr val="bg1"/>
+              </a:solidFill>
+              <a:effectLst/>
+              <a:latin typeface="Arial" panose="020B0604020202020204" pitchFamily="34" charset="0"/>
+              <a:cs typeface="Arial" panose="020B0604020202020204" pitchFamily="34" charset="0"/>
+            </a:endParaRPr>
+          </a:p>
+          <a:p>
+            <a:endParaRPr lang="en-US" altLang="ko-KR" sz="2400" b="1" dirty="0">
+              <a:solidFill>
+                <a:schemeClr val="bg1"/>
+              </a:solidFill>
+              <a:latin typeface="Arial" panose="020B0604020202020204" pitchFamily="34" charset="0"/>
+              <a:cs typeface="Arial" panose="020B0604020202020204" pitchFamily="34" charset="0"/>
+            </a:endParaRPr>
+          </a:p>
+          <a:p>
+            <a:r>
+              <a:rPr lang="en-US" altLang="ko-KR" sz="2400" b="1" i="0" dirty="0">
+                <a:solidFill>
+                  <a:schemeClr val="bg1"/>
+                </a:solidFill>
+                <a:effectLst/>
+                <a:latin typeface="Arial" panose="020B0604020202020204" pitchFamily="34" charset="0"/>
+                <a:cs typeface="Arial" panose="020B0604020202020204" pitchFamily="34" charset="0"/>
+              </a:rPr>
+              <a:t>:</a:t>
+            </a:r>
+            <a:r>
+              <a:rPr lang="en-US" altLang="ko-KR" sz="2400" b="1" dirty="0">
+                <a:solidFill>
+                  <a:schemeClr val="bg1"/>
+                </a:solidFill>
+                <a:latin typeface="Arial" panose="020B0604020202020204" pitchFamily="34" charset="0"/>
+                <a:cs typeface="Arial" panose="020B0604020202020204" pitchFamily="34" charset="0"/>
+              </a:rPr>
+              <a:t> </a:t>
+            </a:r>
+            <a:r>
+              <a:rPr lang="ko-KR" altLang="en-US" sz="2400" b="1" dirty="0">
+                <a:solidFill>
+                  <a:schemeClr val="bg1"/>
+                </a:solidFill>
+                <a:latin typeface="Arial" panose="020B0604020202020204" pitchFamily="34" charset="0"/>
+                <a:cs typeface="Arial" panose="020B0604020202020204" pitchFamily="34" charset="0"/>
+              </a:rPr>
+              <a:t>딥러닝 시계열 </a:t>
+            </a:r>
+            <a:r>
+              <a:rPr lang="en-US" altLang="ko-KR" sz="2400" b="1" i="0" dirty="0">
+                <a:solidFill>
+                  <a:schemeClr val="bg1"/>
+                </a:solidFill>
+                <a:effectLst/>
+                <a:latin typeface="Arial" panose="020B0604020202020204" pitchFamily="34" charset="0"/>
+              </a:rPr>
+              <a:t>- 07. </a:t>
+            </a:r>
+            <a:r>
+              <a:rPr lang="ko-KR" altLang="en-US" sz="2400" b="1" i="0" dirty="0" err="1">
+                <a:solidFill>
+                  <a:schemeClr val="bg1"/>
+                </a:solidFill>
+                <a:effectLst/>
+                <a:latin typeface="Arial" panose="020B0604020202020204" pitchFamily="34" charset="0"/>
+              </a:rPr>
+              <a:t>시계열딥러닝</a:t>
+            </a:r>
+            <a:r>
+              <a:rPr lang="ko-KR" altLang="en-US" sz="2400" b="1" i="0" dirty="0">
+                <a:solidFill>
+                  <a:schemeClr val="bg1"/>
+                </a:solidFill>
+                <a:effectLst/>
+                <a:latin typeface="Arial" panose="020B0604020202020204" pitchFamily="34" charset="0"/>
+              </a:rPr>
+              <a:t> 알고리즘</a:t>
+            </a:r>
+            <a:r>
+              <a:rPr lang="en-US" altLang="ko-KR" sz="2400" b="1" i="0" dirty="0">
+                <a:solidFill>
+                  <a:schemeClr val="bg1"/>
+                </a:solidFill>
+                <a:effectLst/>
+                <a:latin typeface="Arial" panose="020B0604020202020204" pitchFamily="34" charset="0"/>
+              </a:rPr>
+              <a:t>2(RNN)</a:t>
+            </a:r>
+            <a:endParaRPr lang="en-US" altLang="ko-KR" sz="2400" b="1" dirty="0">
+              <a:solidFill>
+                <a:schemeClr val="bg1"/>
+              </a:solidFill>
+              <a:latin typeface="Arial" panose="020B0604020202020204" pitchFamily="34" charset="0"/>
+              <a:ea typeface="Noto Sans CJK KR Black" panose="020B0A00000000000000" pitchFamily="34" charset="-127"/>
+              <a:cs typeface="Arial" panose="020B0604020202020204" pitchFamily="34" charset="0"/>
+            </a:endParaRPr>
+          </a:p>
+        </p:txBody>
+      </p:sp>
+      <p:sp>
+        <p:nvSpPr>
+          <p:cNvPr id="12" name="TextBox 11"/>
+          <p:cNvSpPr txBox="1"/>
+          <p:nvPr/>
+        </p:nvSpPr>
+        <p:spPr>
+          <a:xfrm>
+            <a:off x="4783981" y="611957"/>
+            <a:ext cx="7056784" cy="216726"/>
+          </a:xfrm>
+          <a:prstGeom prst="rect">
+            <a:avLst/>
+          </a:prstGeom>
+          <a:noFill/>
+        </p:spPr>
+        <p:txBody>
+          <a:bodyPr wrap="square" lIns="0" tIns="0" rIns="0" bIns="0" rtlCol="0" anchor="t">
+            <a:spAutoFit/>
+          </a:bodyPr>
+          <a:lstStyle/>
+          <a:p>
+            <a:pPr>
+              <a:lnSpc>
+                <a:spcPct val="150000"/>
+              </a:lnSpc>
+            </a:pPr>
+            <a:endParaRPr lang="en-US" altLang="ko-KR" sz="1050" dirty="0">
+              <a:solidFill>
+                <a:schemeClr val="bg1"/>
+              </a:solidFill>
+              <a:latin typeface="Noto Sans CJK KR Medium" panose="020B0600000000000000" pitchFamily="34" charset="-127"/>
+              <a:ea typeface="Noto Sans CJK KR Medium" panose="020B0600000000000000" pitchFamily="34" charset="-127"/>
+            </a:endParaRPr>
+          </a:p>
+        </p:txBody>
+      </p:sp>
+      <p:sp>
+        <p:nvSpPr>
+          <p:cNvPr id="6" name="TextBox 5">
+            <a:extLst>
+              <a:ext uri="{FF2B5EF4-FFF2-40B4-BE49-F238E27FC236}">
+                <a16:creationId xmlns:a16="http://schemas.microsoft.com/office/drawing/2014/main" id="{161CCAE4-E01F-4257-AFB1-00679BC318D7}"/>
+              </a:ext>
+            </a:extLst>
+          </p:cNvPr>
+          <p:cNvSpPr txBox="1"/>
+          <p:nvPr/>
+        </p:nvSpPr>
+        <p:spPr>
+          <a:xfrm>
+            <a:off x="2258841" y="2844205"/>
+            <a:ext cx="7865218" cy="2031325"/>
+          </a:xfrm>
+          <a:prstGeom prst="rect">
+            <a:avLst/>
+          </a:prstGeom>
+          <a:noFill/>
+        </p:spPr>
+        <p:txBody>
+          <a:bodyPr wrap="square" lIns="0" tIns="0" rIns="0" bIns="0" rtlCol="0" anchor="t">
+            <a:spAutoFit/>
+          </a:bodyPr>
+          <a:lstStyle/>
+          <a:p>
+            <a:pPr marL="342900" indent="-342900">
+              <a:buFont typeface="Wingdings" panose="05000000000000000000" pitchFamily="2" charset="2"/>
+              <a:buChar char="l"/>
+            </a:pPr>
+            <a:r>
+              <a:rPr lang="ko-KR" altLang="en-US" sz="2400" dirty="0">
+                <a:solidFill>
+                  <a:schemeClr val="bg1"/>
+                </a:solidFill>
+                <a:latin typeface="Noto Sans CJK KR Black" panose="020B0A00000000000000" pitchFamily="34" charset="-127"/>
+                <a:ea typeface="Noto Sans CJK KR Black" panose="020B0A00000000000000" pitchFamily="34" charset="-127"/>
+              </a:rPr>
+              <a:t>지난시간 내용정리</a:t>
+            </a:r>
+            <a:endParaRPr lang="en-US" altLang="ko-KR" sz="2400" dirty="0">
+              <a:solidFill>
+                <a:schemeClr val="bg1"/>
+              </a:solidFill>
+              <a:latin typeface="Noto Sans CJK KR Black" panose="020B0A00000000000000" pitchFamily="34" charset="-127"/>
+              <a:ea typeface="Noto Sans CJK KR Black" panose="020B0A00000000000000" pitchFamily="34" charset="-127"/>
+            </a:endParaRPr>
+          </a:p>
+          <a:p>
+            <a:pPr marL="896798" lvl="1" indent="-342900">
+              <a:buFont typeface="Wingdings" panose="05000000000000000000" pitchFamily="2" charset="2"/>
+              <a:buChar char="ü"/>
+            </a:pPr>
+            <a:r>
+              <a:rPr lang="en-US" altLang="ko-KR" sz="2000" dirty="0">
+                <a:solidFill>
+                  <a:schemeClr val="bg1"/>
+                </a:solidFill>
+                <a:latin typeface="Noto Sans CJK KR Black" panose="020B0A00000000000000" pitchFamily="34" charset="-127"/>
+                <a:ea typeface="Noto Sans CJK KR Black" panose="020B0A00000000000000" pitchFamily="34" charset="-127"/>
+              </a:rPr>
+              <a:t>CNN</a:t>
+            </a:r>
+            <a:r>
+              <a:rPr lang="ko-KR" altLang="en-US" sz="2000" dirty="0">
+                <a:solidFill>
+                  <a:schemeClr val="bg1"/>
+                </a:solidFill>
+                <a:latin typeface="Noto Sans CJK KR Black" panose="020B0A00000000000000" pitchFamily="34" charset="-127"/>
+                <a:ea typeface="Noto Sans CJK KR Black" panose="020B0A00000000000000" pitchFamily="34" charset="-127"/>
+              </a:rPr>
+              <a:t>과 </a:t>
+            </a:r>
+            <a:r>
+              <a:rPr lang="en-US" altLang="ko-KR" sz="2000" dirty="0">
+                <a:solidFill>
+                  <a:schemeClr val="bg1"/>
+                </a:solidFill>
+                <a:latin typeface="Noto Sans CJK KR Black" panose="020B0A00000000000000" pitchFamily="34" charset="-127"/>
+                <a:ea typeface="Noto Sans CJK KR Black" panose="020B0A00000000000000" pitchFamily="34" charset="-127"/>
+              </a:rPr>
+              <a:t>RNN</a:t>
+            </a:r>
+            <a:r>
+              <a:rPr lang="ko-KR" altLang="en-US" sz="2000" dirty="0">
+                <a:solidFill>
+                  <a:schemeClr val="bg1"/>
+                </a:solidFill>
+                <a:latin typeface="Noto Sans CJK KR Black" panose="020B0A00000000000000" pitchFamily="34" charset="-127"/>
+                <a:ea typeface="Noto Sans CJK KR Black" panose="020B0A00000000000000" pitchFamily="34" charset="-127"/>
+              </a:rPr>
+              <a:t>의 차이 이해하기</a:t>
+            </a:r>
+            <a:endParaRPr lang="en-US" altLang="ko-KR" sz="2000" dirty="0">
+              <a:solidFill>
+                <a:schemeClr val="bg1"/>
+              </a:solidFill>
+              <a:latin typeface="Noto Sans CJK KR Black" panose="020B0A00000000000000" pitchFamily="34" charset="-127"/>
+              <a:ea typeface="Noto Sans CJK KR Black" panose="020B0A00000000000000" pitchFamily="34" charset="-127"/>
+            </a:endParaRPr>
+          </a:p>
+          <a:p>
+            <a:pPr marL="896798" lvl="1" indent="-342900">
+              <a:buFont typeface="Wingdings" panose="05000000000000000000" pitchFamily="2" charset="2"/>
+              <a:buChar char="ü"/>
+            </a:pPr>
+            <a:r>
+              <a:rPr lang="en-US" altLang="ko-KR" sz="2000" dirty="0">
+                <a:solidFill>
+                  <a:schemeClr val="bg1"/>
+                </a:solidFill>
+                <a:latin typeface="Noto Sans CJK KR Black" panose="020B0A00000000000000" pitchFamily="34" charset="-127"/>
+                <a:ea typeface="Noto Sans CJK KR Black" panose="020B0A00000000000000" pitchFamily="34" charset="-127"/>
+              </a:rPr>
+              <a:t>RNN</a:t>
+            </a:r>
+            <a:r>
+              <a:rPr lang="ko-KR" altLang="en-US" sz="2000" dirty="0">
+                <a:solidFill>
+                  <a:schemeClr val="bg1"/>
+                </a:solidFill>
+                <a:latin typeface="Noto Sans CJK KR Black" panose="020B0A00000000000000" pitchFamily="34" charset="-127"/>
+                <a:ea typeface="Noto Sans CJK KR Black" panose="020B0A00000000000000" pitchFamily="34" charset="-127"/>
+              </a:rPr>
+              <a:t>의 종류 이해하기</a:t>
+            </a:r>
+            <a:endParaRPr lang="en-US" altLang="ko-KR" sz="2000" dirty="0">
+              <a:solidFill>
+                <a:schemeClr val="bg1"/>
+              </a:solidFill>
+              <a:latin typeface="Noto Sans CJK KR Black" panose="020B0A00000000000000" pitchFamily="34" charset="-127"/>
+              <a:ea typeface="Noto Sans CJK KR Black" panose="020B0A00000000000000" pitchFamily="34" charset="-127"/>
+            </a:endParaRPr>
+          </a:p>
+          <a:p>
+            <a:pPr marL="896798" lvl="1" indent="-342900">
+              <a:buFont typeface="Wingdings" panose="05000000000000000000" pitchFamily="2" charset="2"/>
+              <a:buChar char="ü"/>
+            </a:pPr>
+            <a:endParaRPr lang="en-US" altLang="ko-KR" sz="2400" dirty="0">
+              <a:solidFill>
+                <a:schemeClr val="bg1"/>
+              </a:solidFill>
+              <a:latin typeface="Noto Sans CJK KR Black" panose="020B0A00000000000000" pitchFamily="34" charset="-127"/>
+              <a:ea typeface="Noto Sans CJK KR Black" panose="020B0A00000000000000" pitchFamily="34" charset="-127"/>
+            </a:endParaRPr>
+          </a:p>
+          <a:p>
+            <a:pPr marL="342900" indent="-342900">
+              <a:buFont typeface="Wingdings" panose="05000000000000000000" pitchFamily="2" charset="2"/>
+              <a:buChar char="l"/>
+            </a:pPr>
+            <a:r>
+              <a:rPr lang="ko-KR" altLang="en-US" sz="2400" dirty="0">
+                <a:solidFill>
+                  <a:schemeClr val="bg1"/>
+                </a:solidFill>
+                <a:latin typeface="Noto Sans CJK KR Black" panose="020B0A00000000000000" pitchFamily="34" charset="-127"/>
+                <a:ea typeface="Noto Sans CJK KR Black" panose="020B0A00000000000000" pitchFamily="34" charset="-127"/>
+              </a:rPr>
+              <a:t>이번시간 목표</a:t>
+            </a:r>
+          </a:p>
+          <a:p>
+            <a:pPr marL="896798" lvl="1" indent="-342900">
+              <a:buFont typeface="Wingdings" panose="05000000000000000000" pitchFamily="2" charset="2"/>
+              <a:buChar char="ü"/>
+            </a:pPr>
+            <a:r>
+              <a:rPr lang="en-US" altLang="ko-KR" sz="2000" dirty="0">
+                <a:solidFill>
+                  <a:schemeClr val="bg1"/>
+                </a:solidFill>
+                <a:latin typeface="Noto Sans CJK KR Black" panose="020B0A00000000000000" pitchFamily="34" charset="-127"/>
+                <a:ea typeface="Noto Sans CJK KR Black" panose="020B0A00000000000000" pitchFamily="34" charset="-127"/>
+              </a:rPr>
+              <a:t>RNN</a:t>
+            </a:r>
+            <a:r>
+              <a:rPr lang="ko-KR" altLang="en-US" sz="2000" dirty="0">
+                <a:solidFill>
+                  <a:schemeClr val="bg1"/>
+                </a:solidFill>
+                <a:latin typeface="Noto Sans CJK KR Black" panose="020B0A00000000000000" pitchFamily="34" charset="-127"/>
+                <a:ea typeface="Noto Sans CJK KR Black" panose="020B0A00000000000000" pitchFamily="34" charset="-127"/>
+              </a:rPr>
+              <a:t>의 학습원리 이해하기</a:t>
+            </a:r>
+            <a:endParaRPr lang="en-US" altLang="ko-KR" sz="2000" dirty="0">
+              <a:solidFill>
+                <a:schemeClr val="bg1"/>
+              </a:solidFill>
+              <a:latin typeface="Noto Sans CJK KR Black" panose="020B0A00000000000000" pitchFamily="34" charset="-127"/>
+              <a:ea typeface="Noto Sans CJK KR Black" panose="020B0A00000000000000" pitchFamily="34" charset="-127"/>
+            </a:endParaRPr>
+          </a:p>
+        </p:txBody>
+      </p:sp>
+    </p:spTree>
+    <p:extLst>
+      <p:ext uri="{BB962C8B-B14F-4D97-AF65-F5344CB8AC3E}">
+        <p14:creationId xmlns:p14="http://schemas.microsoft.com/office/powerpoint/2010/main" val="2954032540"/>
+      </p:ext>
+    </p:extLst>
+  </p:cSld>
+  <p:clrMapOvr>
+    <a:masterClrMapping/>
+  </p:clrMapOvr>
+</p:sld>
+</file>
+
+<file path=ppt/slides/slide86.xml><?xml version="1.0" encoding="utf-8"?>
+<p:sld xmlns:a="http://schemas.openxmlformats.org/drawingml/2006/main" xmlns:r="http://schemas.openxmlformats.org/officeDocument/2006/relationships" xmlns:p="http://schemas.openxmlformats.org/presentationml/2006/main">
+  <p:cSld>
+    <p:bg>
+      <p:bgPr>
+        <a:solidFill>
+          <a:schemeClr val="bg1">
+            <a:lumMod val="65000"/>
+          </a:schemeClr>
+        </a:solidFill>
+        <a:effectLst/>
+      </p:bgPr>
+    </p:bg>
+    <p:spTree>
+      <p:nvGrpSpPr>
+        <p:cNvPr id="1" name=""/>
+        <p:cNvGrpSpPr/>
+        <p:nvPr/>
+      </p:nvGrpSpPr>
+      <p:grpSpPr>
+        <a:xfrm>
+          <a:off x="0" y="0"/>
+          <a:ext cx="0" cy="0"/>
+          <a:chOff x="0" y="0"/>
+          <a:chExt cx="0" cy="0"/>
+        </a:xfrm>
+      </p:grpSpPr>
+      <p:sp>
+        <p:nvSpPr>
+          <p:cNvPr id="4" name="슬라이드 번호 개체 틀 3"/>
+          <p:cNvSpPr>
+            <a:spLocks noGrp="1"/>
+          </p:cNvSpPr>
+          <p:nvPr>
+            <p:ph type="sldNum" sz="quarter" idx="12"/>
+          </p:nvPr>
+        </p:nvSpPr>
+        <p:spPr/>
+        <p:txBody>
+          <a:bodyPr/>
+          <a:lstStyle/>
+          <a:p>
+            <a:fld id="{6DDAE2C3-1A0B-474A-8CE8-AE55B8D9D4B1}" type="slidenum">
+              <a:rPr lang="ko-KR" altLang="en-US" smtClean="0"/>
+              <a:pPr/>
+              <a:t>86</a:t>
+            </a:fld>
+            <a:endParaRPr lang="ko-KR" altLang="en-US" dirty="0"/>
+          </a:p>
+        </p:txBody>
+      </p:sp>
+      <p:sp>
+        <p:nvSpPr>
+          <p:cNvPr id="11" name="TextBox 10"/>
+          <p:cNvSpPr txBox="1"/>
+          <p:nvPr/>
+        </p:nvSpPr>
+        <p:spPr>
+          <a:xfrm>
+            <a:off x="204827" y="854694"/>
+            <a:ext cx="11793243" cy="1107996"/>
+          </a:xfrm>
+          <a:prstGeom prst="rect">
+            <a:avLst/>
+          </a:prstGeom>
+          <a:noFill/>
+        </p:spPr>
+        <p:txBody>
+          <a:bodyPr wrap="square" lIns="0" tIns="0" rIns="0" bIns="0" rtlCol="0" anchor="t">
+            <a:spAutoFit/>
+          </a:bodyPr>
+          <a:lstStyle/>
+          <a:p>
+            <a:r>
+              <a:rPr lang="en-US" altLang="ko-KR" sz="2400" b="1" i="0" dirty="0">
+                <a:solidFill>
+                  <a:schemeClr val="bg1"/>
+                </a:solidFill>
+                <a:effectLst/>
+                <a:latin typeface="Arial" panose="020B0604020202020204" pitchFamily="34" charset="0"/>
+                <a:cs typeface="Arial" panose="020B0604020202020204" pitchFamily="34" charset="0"/>
+              </a:rPr>
+              <a:t>Part 03. </a:t>
+            </a:r>
+            <a:r>
+              <a:rPr lang="ko-KR" altLang="en-US" sz="2400" b="1" i="0" dirty="0">
+                <a:solidFill>
+                  <a:schemeClr val="bg1"/>
+                </a:solidFill>
+                <a:effectLst/>
+                <a:latin typeface="Arial" panose="020B0604020202020204" pitchFamily="34" charset="0"/>
+                <a:cs typeface="Arial" panose="020B0604020202020204" pitchFamily="34" charset="0"/>
+              </a:rPr>
+              <a:t>시계열 알고리즘</a:t>
+            </a:r>
+            <a:endParaRPr lang="en-US" altLang="ko-KR" sz="2400" b="1" i="0" dirty="0">
+              <a:solidFill>
+                <a:schemeClr val="bg1"/>
+              </a:solidFill>
+              <a:effectLst/>
+              <a:latin typeface="Arial" panose="020B0604020202020204" pitchFamily="34" charset="0"/>
+              <a:cs typeface="Arial" panose="020B0604020202020204" pitchFamily="34" charset="0"/>
+            </a:endParaRPr>
+          </a:p>
+          <a:p>
+            <a:endParaRPr lang="en-US" altLang="ko-KR" sz="2400" b="1" dirty="0">
+              <a:solidFill>
+                <a:schemeClr val="bg1"/>
+              </a:solidFill>
+              <a:latin typeface="Arial" panose="020B0604020202020204" pitchFamily="34" charset="0"/>
+              <a:cs typeface="Arial" panose="020B0604020202020204" pitchFamily="34" charset="0"/>
+            </a:endParaRPr>
+          </a:p>
+          <a:p>
+            <a:r>
+              <a:rPr lang="en-US" altLang="ko-KR" sz="2400" b="1" i="0" dirty="0">
+                <a:solidFill>
+                  <a:schemeClr val="bg1"/>
+                </a:solidFill>
+                <a:effectLst/>
+                <a:latin typeface="Arial" panose="020B0604020202020204" pitchFamily="34" charset="0"/>
+                <a:cs typeface="Arial" panose="020B0604020202020204" pitchFamily="34" charset="0"/>
+              </a:rPr>
+              <a:t>:</a:t>
+            </a:r>
+            <a:r>
+              <a:rPr lang="en-US" altLang="ko-KR" sz="2400" b="1" dirty="0">
+                <a:solidFill>
+                  <a:schemeClr val="bg1"/>
+                </a:solidFill>
+                <a:latin typeface="Arial" panose="020B0604020202020204" pitchFamily="34" charset="0"/>
+                <a:cs typeface="Arial" panose="020B0604020202020204" pitchFamily="34" charset="0"/>
+              </a:rPr>
+              <a:t> </a:t>
+            </a:r>
+            <a:r>
+              <a:rPr lang="ko-KR" altLang="en-US" sz="2400" b="1" dirty="0">
+                <a:solidFill>
+                  <a:schemeClr val="bg1"/>
+                </a:solidFill>
+                <a:latin typeface="Arial" panose="020B0604020202020204" pitchFamily="34" charset="0"/>
+                <a:cs typeface="Arial" panose="020B0604020202020204" pitchFamily="34" charset="0"/>
+              </a:rPr>
+              <a:t>딥러닝 시계열 </a:t>
+            </a:r>
+            <a:r>
+              <a:rPr lang="en-US" altLang="ko-KR" sz="2400" b="1" i="0" dirty="0">
+                <a:solidFill>
+                  <a:schemeClr val="bg1"/>
+                </a:solidFill>
+                <a:effectLst/>
+                <a:latin typeface="Arial" panose="020B0604020202020204" pitchFamily="34" charset="0"/>
+              </a:rPr>
+              <a:t>- 08. </a:t>
+            </a:r>
+            <a:r>
+              <a:rPr lang="ko-KR" altLang="en-US" sz="2400" b="1" i="0" dirty="0" err="1">
+                <a:solidFill>
+                  <a:schemeClr val="bg1"/>
+                </a:solidFill>
+                <a:effectLst/>
+                <a:latin typeface="Arial" panose="020B0604020202020204" pitchFamily="34" charset="0"/>
+              </a:rPr>
+              <a:t>시계열딥러닝</a:t>
+            </a:r>
+            <a:r>
+              <a:rPr lang="ko-KR" altLang="en-US" sz="2400" b="1" i="0" dirty="0">
+                <a:solidFill>
+                  <a:schemeClr val="bg1"/>
+                </a:solidFill>
+                <a:effectLst/>
+                <a:latin typeface="Arial" panose="020B0604020202020204" pitchFamily="34" charset="0"/>
+              </a:rPr>
+              <a:t> 알고리즘</a:t>
+            </a:r>
+            <a:r>
+              <a:rPr lang="en-US" altLang="ko-KR" sz="2400" b="1" i="0" dirty="0">
+                <a:solidFill>
+                  <a:schemeClr val="bg1"/>
+                </a:solidFill>
+                <a:effectLst/>
+                <a:latin typeface="Arial" panose="020B0604020202020204" pitchFamily="34" charset="0"/>
+              </a:rPr>
+              <a:t>3(LSTM &amp; GRU)</a:t>
+            </a:r>
+            <a:endParaRPr lang="en-US" altLang="ko-KR" sz="2400" b="1" dirty="0">
+              <a:solidFill>
+                <a:schemeClr val="bg1"/>
+              </a:solidFill>
+              <a:latin typeface="Arial" panose="020B0604020202020204" pitchFamily="34" charset="0"/>
+              <a:ea typeface="Noto Sans CJK KR Black" panose="020B0A00000000000000" pitchFamily="34" charset="-127"/>
+              <a:cs typeface="Arial" panose="020B0604020202020204" pitchFamily="34" charset="0"/>
+            </a:endParaRPr>
+          </a:p>
+        </p:txBody>
+      </p:sp>
+      <p:sp>
+        <p:nvSpPr>
+          <p:cNvPr id="12" name="TextBox 11"/>
+          <p:cNvSpPr txBox="1"/>
+          <p:nvPr/>
+        </p:nvSpPr>
+        <p:spPr>
+          <a:xfrm>
+            <a:off x="4783981" y="611957"/>
+            <a:ext cx="7056784" cy="216726"/>
+          </a:xfrm>
+          <a:prstGeom prst="rect">
+            <a:avLst/>
+          </a:prstGeom>
+          <a:noFill/>
+        </p:spPr>
+        <p:txBody>
+          <a:bodyPr wrap="square" lIns="0" tIns="0" rIns="0" bIns="0" rtlCol="0" anchor="t">
+            <a:spAutoFit/>
+          </a:bodyPr>
+          <a:lstStyle/>
+          <a:p>
+            <a:pPr>
+              <a:lnSpc>
+                <a:spcPct val="150000"/>
+              </a:lnSpc>
+            </a:pPr>
+            <a:endParaRPr lang="en-US" altLang="ko-KR" sz="1050" dirty="0">
+              <a:solidFill>
+                <a:schemeClr val="bg1"/>
+              </a:solidFill>
+              <a:latin typeface="Noto Sans CJK KR Medium" panose="020B0600000000000000" pitchFamily="34" charset="-127"/>
+              <a:ea typeface="Noto Sans CJK KR Medium" panose="020B0600000000000000" pitchFamily="34" charset="-127"/>
+            </a:endParaRPr>
+          </a:p>
+        </p:txBody>
+      </p:sp>
+      <p:sp>
+        <p:nvSpPr>
+          <p:cNvPr id="6" name="TextBox 5">
+            <a:extLst>
+              <a:ext uri="{FF2B5EF4-FFF2-40B4-BE49-F238E27FC236}">
+                <a16:creationId xmlns:a16="http://schemas.microsoft.com/office/drawing/2014/main" id="{161CCAE4-E01F-4257-AFB1-00679BC318D7}"/>
+              </a:ext>
+            </a:extLst>
+          </p:cNvPr>
+          <p:cNvSpPr txBox="1"/>
+          <p:nvPr/>
+        </p:nvSpPr>
+        <p:spPr>
+          <a:xfrm>
+            <a:off x="2258841" y="2844205"/>
+            <a:ext cx="7865218" cy="2031325"/>
+          </a:xfrm>
+          <a:prstGeom prst="rect">
+            <a:avLst/>
+          </a:prstGeom>
+          <a:noFill/>
+        </p:spPr>
+        <p:txBody>
+          <a:bodyPr wrap="square" lIns="0" tIns="0" rIns="0" bIns="0" rtlCol="0" anchor="t">
+            <a:spAutoFit/>
+          </a:bodyPr>
+          <a:lstStyle/>
+          <a:p>
+            <a:pPr marL="342900" indent="-342900">
+              <a:buFont typeface="Wingdings" panose="05000000000000000000" pitchFamily="2" charset="2"/>
+              <a:buChar char="l"/>
+            </a:pPr>
+            <a:r>
+              <a:rPr lang="ko-KR" altLang="en-US" sz="2400" dirty="0">
+                <a:solidFill>
+                  <a:schemeClr val="bg1"/>
+                </a:solidFill>
+                <a:latin typeface="Noto Sans CJK KR Black" panose="020B0A00000000000000" pitchFamily="34" charset="-127"/>
+                <a:ea typeface="Noto Sans CJK KR Black" panose="020B0A00000000000000" pitchFamily="34" charset="-127"/>
+              </a:rPr>
+              <a:t>지난시간 내용정리</a:t>
+            </a:r>
+            <a:endParaRPr lang="en-US" altLang="ko-KR" sz="2400" dirty="0">
+              <a:solidFill>
+                <a:schemeClr val="bg1"/>
+              </a:solidFill>
+              <a:latin typeface="Noto Sans CJK KR Black" panose="020B0A00000000000000" pitchFamily="34" charset="-127"/>
+              <a:ea typeface="Noto Sans CJK KR Black" panose="020B0A00000000000000" pitchFamily="34" charset="-127"/>
+            </a:endParaRPr>
+          </a:p>
+          <a:p>
+            <a:pPr marL="896798" lvl="1" indent="-342900">
+              <a:buFont typeface="Wingdings" panose="05000000000000000000" pitchFamily="2" charset="2"/>
+              <a:buChar char="ü"/>
+            </a:pPr>
+            <a:r>
+              <a:rPr lang="en-US" altLang="ko-KR" sz="2000" dirty="0">
+                <a:solidFill>
+                  <a:schemeClr val="bg1"/>
+                </a:solidFill>
+                <a:latin typeface="Noto Sans CJK KR Black" panose="020B0A00000000000000" pitchFamily="34" charset="-127"/>
+                <a:ea typeface="Noto Sans CJK KR Black" panose="020B0A00000000000000" pitchFamily="34" charset="-127"/>
+              </a:rPr>
+              <a:t>RNN</a:t>
+            </a:r>
+            <a:r>
+              <a:rPr lang="ko-KR" altLang="en-US" sz="2000" dirty="0">
+                <a:solidFill>
+                  <a:schemeClr val="bg1"/>
+                </a:solidFill>
+                <a:latin typeface="Noto Sans CJK KR Black" panose="020B0A00000000000000" pitchFamily="34" charset="-127"/>
+                <a:ea typeface="Noto Sans CJK KR Black" panose="020B0A00000000000000" pitchFamily="34" charset="-127"/>
+              </a:rPr>
+              <a:t>의 학습원리 이해하기</a:t>
+            </a:r>
+            <a:endParaRPr lang="en-US" altLang="ko-KR" sz="2000" dirty="0">
+              <a:solidFill>
+                <a:schemeClr val="bg1"/>
+              </a:solidFill>
+              <a:latin typeface="Noto Sans CJK KR Black" panose="020B0A00000000000000" pitchFamily="34" charset="-127"/>
+              <a:ea typeface="Noto Sans CJK KR Black" panose="020B0A00000000000000" pitchFamily="34" charset="-127"/>
+            </a:endParaRPr>
+          </a:p>
+          <a:p>
+            <a:pPr marL="896798" lvl="1" indent="-342900">
+              <a:buFont typeface="Wingdings" panose="05000000000000000000" pitchFamily="2" charset="2"/>
+              <a:buChar char="ü"/>
+            </a:pPr>
+            <a:endParaRPr lang="en-US" altLang="ko-KR" sz="2400" dirty="0">
+              <a:solidFill>
+                <a:schemeClr val="bg1"/>
+              </a:solidFill>
+              <a:latin typeface="Noto Sans CJK KR Black" panose="020B0A00000000000000" pitchFamily="34" charset="-127"/>
+              <a:ea typeface="Noto Sans CJK KR Black" panose="020B0A00000000000000" pitchFamily="34" charset="-127"/>
+            </a:endParaRPr>
+          </a:p>
+          <a:p>
+            <a:pPr marL="342900" indent="-342900">
+              <a:buFont typeface="Wingdings" panose="05000000000000000000" pitchFamily="2" charset="2"/>
+              <a:buChar char="l"/>
+            </a:pPr>
+            <a:r>
+              <a:rPr lang="ko-KR" altLang="en-US" sz="2400" dirty="0">
+                <a:solidFill>
+                  <a:schemeClr val="bg1"/>
+                </a:solidFill>
+                <a:latin typeface="Noto Sans CJK KR Black" panose="020B0A00000000000000" pitchFamily="34" charset="-127"/>
+                <a:ea typeface="Noto Sans CJK KR Black" panose="020B0A00000000000000" pitchFamily="34" charset="-127"/>
+              </a:rPr>
+              <a:t>이번시간 목표</a:t>
+            </a:r>
+          </a:p>
+          <a:p>
+            <a:pPr marL="896798" lvl="1" indent="-342900">
+              <a:buFont typeface="Wingdings" panose="05000000000000000000" pitchFamily="2" charset="2"/>
+              <a:buChar char="ü"/>
+            </a:pPr>
+            <a:r>
+              <a:rPr lang="en-US" altLang="ko-KR" sz="2000" dirty="0">
+                <a:solidFill>
+                  <a:schemeClr val="bg1"/>
+                </a:solidFill>
+                <a:latin typeface="Noto Sans CJK KR Black" panose="020B0A00000000000000" pitchFamily="34" charset="-127"/>
+                <a:ea typeface="Noto Sans CJK KR Black" panose="020B0A00000000000000" pitchFamily="34" charset="-127"/>
+              </a:rPr>
+              <a:t>RNN</a:t>
+            </a:r>
+            <a:r>
+              <a:rPr lang="ko-KR" altLang="en-US" sz="2000" dirty="0">
+                <a:solidFill>
+                  <a:schemeClr val="bg1"/>
+                </a:solidFill>
+                <a:latin typeface="Noto Sans CJK KR Black" panose="020B0A00000000000000" pitchFamily="34" charset="-127"/>
+                <a:ea typeface="Noto Sans CJK KR Black" panose="020B0A00000000000000" pitchFamily="34" charset="-127"/>
+              </a:rPr>
+              <a:t>과 </a:t>
+            </a:r>
+            <a:r>
+              <a:rPr lang="en-US" altLang="ko-KR" sz="2000" dirty="0">
+                <a:solidFill>
+                  <a:schemeClr val="bg1"/>
+                </a:solidFill>
+                <a:latin typeface="Noto Sans CJK KR Black" panose="020B0A00000000000000" pitchFamily="34" charset="-127"/>
+                <a:ea typeface="Noto Sans CJK KR Black" panose="020B0A00000000000000" pitchFamily="34" charset="-127"/>
+              </a:rPr>
+              <a:t>LSTM</a:t>
+            </a:r>
+            <a:r>
+              <a:rPr lang="ko-KR" altLang="en-US" sz="2000" dirty="0">
+                <a:solidFill>
+                  <a:schemeClr val="bg1"/>
+                </a:solidFill>
+                <a:latin typeface="Noto Sans CJK KR Black" panose="020B0A00000000000000" pitchFamily="34" charset="-127"/>
+                <a:ea typeface="Noto Sans CJK KR Black" panose="020B0A00000000000000" pitchFamily="34" charset="-127"/>
+              </a:rPr>
+              <a:t> 차이 이해하기</a:t>
+            </a:r>
+            <a:endParaRPr lang="en-US" altLang="ko-KR" sz="2000" dirty="0">
+              <a:solidFill>
+                <a:schemeClr val="bg1"/>
+              </a:solidFill>
+              <a:latin typeface="Noto Sans CJK KR Black" panose="020B0A00000000000000" pitchFamily="34" charset="-127"/>
+              <a:ea typeface="Noto Sans CJK KR Black" panose="020B0A00000000000000" pitchFamily="34" charset="-127"/>
+            </a:endParaRPr>
+          </a:p>
+          <a:p>
+            <a:pPr marL="896798" lvl="1" indent="-342900">
+              <a:buFont typeface="Wingdings" panose="05000000000000000000" pitchFamily="2" charset="2"/>
+              <a:buChar char="ü"/>
+            </a:pPr>
+            <a:r>
+              <a:rPr lang="en-US" altLang="ko-KR" sz="2000" dirty="0">
+                <a:solidFill>
+                  <a:schemeClr val="bg1"/>
+                </a:solidFill>
+                <a:latin typeface="Noto Sans CJK KR Black" panose="020B0A00000000000000" pitchFamily="34" charset="-127"/>
+                <a:ea typeface="Noto Sans CJK KR Black" panose="020B0A00000000000000" pitchFamily="34" charset="-127"/>
+              </a:rPr>
+              <a:t>LSTM</a:t>
+            </a:r>
+            <a:r>
+              <a:rPr lang="ko-KR" altLang="en-US" sz="2000" dirty="0">
+                <a:solidFill>
+                  <a:schemeClr val="bg1"/>
+                </a:solidFill>
+                <a:latin typeface="Noto Sans CJK KR Black" panose="020B0A00000000000000" pitchFamily="34" charset="-127"/>
+                <a:ea typeface="Noto Sans CJK KR Black" panose="020B0A00000000000000" pitchFamily="34" charset="-127"/>
+              </a:rPr>
+              <a:t>과 </a:t>
+            </a:r>
+            <a:r>
+              <a:rPr lang="en-US" altLang="ko-KR" sz="2000" dirty="0">
+                <a:solidFill>
+                  <a:schemeClr val="bg1"/>
+                </a:solidFill>
+                <a:latin typeface="Noto Sans CJK KR Black" panose="020B0A00000000000000" pitchFamily="34" charset="-127"/>
+                <a:ea typeface="Noto Sans CJK KR Black" panose="020B0A00000000000000" pitchFamily="34" charset="-127"/>
+              </a:rPr>
+              <a:t>GRU </a:t>
+            </a:r>
+            <a:r>
+              <a:rPr lang="ko-KR" altLang="en-US" sz="2000" dirty="0">
+                <a:solidFill>
+                  <a:schemeClr val="bg1"/>
+                </a:solidFill>
+                <a:latin typeface="Noto Sans CJK KR Black" panose="020B0A00000000000000" pitchFamily="34" charset="-127"/>
+                <a:ea typeface="Noto Sans CJK KR Black" panose="020B0A00000000000000" pitchFamily="34" charset="-127"/>
+              </a:rPr>
+              <a:t>차이 이해하기</a:t>
+            </a:r>
+            <a:endParaRPr lang="en-US" altLang="ko-KR" sz="2000" dirty="0">
+              <a:solidFill>
+                <a:schemeClr val="bg1"/>
+              </a:solidFill>
+              <a:latin typeface="Noto Sans CJK KR Black" panose="020B0A00000000000000" pitchFamily="34" charset="-127"/>
+              <a:ea typeface="Noto Sans CJK KR Black" panose="020B0A00000000000000" pitchFamily="34" charset="-127"/>
+            </a:endParaRPr>
+          </a:p>
+        </p:txBody>
+      </p:sp>
+    </p:spTree>
+    <p:extLst>
+      <p:ext uri="{BB962C8B-B14F-4D97-AF65-F5344CB8AC3E}">
+        <p14:creationId xmlns:p14="http://schemas.microsoft.com/office/powerpoint/2010/main" val="1676624074"/>
+      </p:ext>
+    </p:extLst>
+  </p:cSld>
+  <p:clrMapOvr>
+    <a:masterClrMapping/>
+  </p:clrMapOvr>
+</p:sld>
+</file>
+
+<file path=ppt/slides/slide87.xml><?xml version="1.0" encoding="utf-8"?>
+<p:sld xmlns:a="http://schemas.openxmlformats.org/drawingml/2006/main" xmlns:r="http://schemas.openxmlformats.org/officeDocument/2006/relationships" xmlns:p="http://schemas.openxmlformats.org/presentationml/2006/main">
+  <p:cSld>
+    <p:spTree>
+      <p:nvGrpSpPr>
+        <p:cNvPr id="1" name=""/>
+        <p:cNvGrpSpPr/>
+        <p:nvPr/>
+      </p:nvGrpSpPr>
+      <p:grpSpPr>
+        <a:xfrm>
+          <a:off x="0" y="0"/>
+          <a:ext cx="0" cy="0"/>
+          <a:chOff x="0" y="0"/>
+          <a:chExt cx="0" cy="0"/>
+        </a:xfrm>
+      </p:grpSpPr>
+      <p:sp>
+        <p:nvSpPr>
+          <p:cNvPr id="4" name="슬라이드 번호 개체 틀 3"/>
+          <p:cNvSpPr>
+            <a:spLocks noGrp="1"/>
+          </p:cNvSpPr>
+          <p:nvPr>
+            <p:ph type="sldNum" sz="quarter" idx="12"/>
+          </p:nvPr>
+        </p:nvSpPr>
+        <p:spPr/>
+        <p:txBody>
+          <a:bodyPr/>
+          <a:lstStyle/>
+          <a:p>
+            <a:fld id="{6DDAE2C3-1A0B-474A-8CE8-AE55B8D9D4B1}" type="slidenum">
+              <a:rPr lang="ko-KR" altLang="en-US" smtClean="0"/>
+              <a:pPr/>
+              <a:t>87</a:t>
+            </a:fld>
+            <a:endParaRPr lang="ko-KR" altLang="en-US" dirty="0"/>
+          </a:p>
+        </p:txBody>
+      </p:sp>
+      <p:sp>
+        <p:nvSpPr>
+          <p:cNvPr id="11" name="TextBox 10"/>
+          <p:cNvSpPr txBox="1"/>
+          <p:nvPr/>
+        </p:nvSpPr>
+        <p:spPr>
+          <a:xfrm>
+            <a:off x="162179" y="855851"/>
+            <a:ext cx="11835892" cy="7017306"/>
+          </a:xfrm>
+          <a:prstGeom prst="rect">
+            <a:avLst/>
+          </a:prstGeom>
+          <a:noFill/>
+        </p:spPr>
+        <p:txBody>
+          <a:bodyPr wrap="square" lIns="0" tIns="0" rIns="0" bIns="0" numCol="2" rtlCol="0" anchor="t">
+            <a:spAutoFit/>
+          </a:bodyPr>
+          <a:lstStyle/>
+          <a:p>
+            <a:r>
+              <a:rPr lang="en-US" altLang="ko-KR" sz="2400" b="1" i="0" dirty="0">
+                <a:effectLst/>
+                <a:latin typeface="Arial" panose="020B0604020202020204" pitchFamily="34" charset="0"/>
+                <a:cs typeface="Arial" panose="020B0604020202020204" pitchFamily="34" charset="0"/>
+              </a:rPr>
+              <a:t>Part 01. </a:t>
+            </a:r>
+            <a:r>
+              <a:rPr lang="ko-KR" altLang="en-US" sz="2400" b="1" i="0" dirty="0">
+                <a:effectLst/>
+                <a:latin typeface="Arial" panose="020B0604020202020204" pitchFamily="34" charset="0"/>
+                <a:cs typeface="Arial" panose="020B0604020202020204" pitchFamily="34" charset="0"/>
+              </a:rPr>
+              <a:t>데이터분석 준비하기 </a:t>
+            </a:r>
+            <a:endParaRPr lang="en-US" altLang="ko-KR" sz="2400" b="1" i="0" dirty="0">
+              <a:effectLst/>
+              <a:latin typeface="Arial" panose="020B0604020202020204" pitchFamily="34" charset="0"/>
+              <a:cs typeface="Arial" panose="020B0604020202020204" pitchFamily="34" charset="0"/>
+            </a:endParaRPr>
+          </a:p>
+          <a:p>
+            <a:r>
+              <a:rPr lang="en-US" altLang="ko-KR" sz="2400" b="1" i="0" dirty="0">
+                <a:effectLst/>
+                <a:latin typeface="Arial" panose="020B0604020202020204" pitchFamily="34" charset="0"/>
+                <a:cs typeface="Arial" panose="020B0604020202020204" pitchFamily="34" charset="0"/>
+              </a:rPr>
+              <a:t>(</a:t>
+            </a:r>
+            <a:r>
+              <a:rPr lang="en-US" altLang="ko-KR" sz="2400" b="1" dirty="0">
+                <a:latin typeface="Arial" panose="020B0604020202020204" pitchFamily="34" charset="0"/>
+                <a:cs typeface="Arial" panose="020B0604020202020204" pitchFamily="34" charset="0"/>
+              </a:rPr>
+              <a:t>Chapter</a:t>
+            </a:r>
+            <a:r>
+              <a:rPr lang="ko-KR" altLang="en-US" sz="2400" b="1" dirty="0">
+                <a:latin typeface="Arial" panose="020B0604020202020204" pitchFamily="34" charset="0"/>
+                <a:cs typeface="Arial" panose="020B0604020202020204" pitchFamily="34" charset="0"/>
+              </a:rPr>
+              <a:t> </a:t>
+            </a:r>
+            <a:r>
+              <a:rPr lang="en-US" altLang="ko-KR" sz="2400" b="1" dirty="0">
+                <a:latin typeface="Arial" panose="020B0604020202020204" pitchFamily="34" charset="0"/>
+                <a:cs typeface="Arial" panose="020B0604020202020204" pitchFamily="34" charset="0"/>
+              </a:rPr>
+              <a:t>01~08)</a:t>
+            </a:r>
+            <a:endParaRPr lang="en-US" altLang="ko-KR" sz="2400" b="1" i="0" dirty="0">
+              <a:effectLst/>
+              <a:latin typeface="Arial" panose="020B0604020202020204" pitchFamily="34" charset="0"/>
+              <a:cs typeface="Arial" panose="020B0604020202020204" pitchFamily="34" charset="0"/>
+            </a:endParaRPr>
+          </a:p>
+          <a:p>
+            <a:r>
+              <a:rPr lang="en-US" altLang="ko-KR" sz="2400" b="1" i="0" dirty="0">
+                <a:effectLst/>
+                <a:latin typeface="Arial" panose="020B0604020202020204" pitchFamily="34" charset="0"/>
+                <a:cs typeface="Arial" panose="020B0604020202020204" pitchFamily="34" charset="0"/>
+              </a:rPr>
+              <a:t>: </a:t>
+            </a:r>
+            <a:r>
+              <a:rPr lang="ko-KR" altLang="en-US" sz="2400" b="1" i="0" dirty="0">
+                <a:effectLst/>
+                <a:latin typeface="Arial" panose="020B0604020202020204" pitchFamily="34" charset="0"/>
+                <a:cs typeface="Arial" panose="020B0604020202020204" pitchFamily="34" charset="0"/>
+              </a:rPr>
+              <a:t>분석싸이클</a:t>
+            </a:r>
+            <a:r>
+              <a:rPr lang="en-US" altLang="ko-KR" sz="2400" b="1" i="0" dirty="0">
+                <a:effectLst/>
+                <a:latin typeface="Arial" panose="020B0604020202020204" pitchFamily="34" charset="0"/>
+                <a:cs typeface="Arial" panose="020B0604020202020204" pitchFamily="34" charset="0"/>
+              </a:rPr>
+              <a:t>/</a:t>
+            </a:r>
+            <a:r>
+              <a:rPr lang="ko-KR" altLang="en-US" sz="2400" b="1" i="0" dirty="0">
+                <a:effectLst/>
+                <a:latin typeface="Arial" panose="020B0604020202020204" pitchFamily="34" charset="0"/>
+                <a:cs typeface="Arial" panose="020B0604020202020204" pitchFamily="34" charset="0"/>
+              </a:rPr>
+              <a:t>용어</a:t>
+            </a:r>
+            <a:r>
+              <a:rPr lang="en-US" altLang="ko-KR" sz="2400" b="1" i="0" dirty="0">
+                <a:effectLst/>
+                <a:latin typeface="Arial" panose="020B0604020202020204" pitchFamily="34" charset="0"/>
+                <a:cs typeface="Arial" panose="020B0604020202020204" pitchFamily="34" charset="0"/>
+              </a:rPr>
+              <a:t>/</a:t>
+            </a:r>
+            <a:r>
+              <a:rPr lang="ko-KR" altLang="en-US" sz="2400" b="1" i="0" dirty="0">
+                <a:effectLst/>
+                <a:latin typeface="Arial" panose="020B0604020202020204" pitchFamily="34" charset="0"/>
+                <a:cs typeface="Arial" panose="020B0604020202020204" pitchFamily="34" charset="0"/>
+              </a:rPr>
+              <a:t>결과해석</a:t>
+            </a:r>
+            <a:endParaRPr lang="en-US" altLang="ko-KR" sz="2400" b="1" i="0" dirty="0">
+              <a:effectLst/>
+              <a:latin typeface="Arial" panose="020B0604020202020204" pitchFamily="34" charset="0"/>
+              <a:cs typeface="Arial" panose="020B0604020202020204" pitchFamily="34" charset="0"/>
+            </a:endParaRPr>
+          </a:p>
+          <a:p>
+            <a:r>
+              <a:rPr lang="en-US" altLang="ko-KR" sz="2400" b="1" dirty="0">
+                <a:latin typeface="Arial" panose="020B0604020202020204" pitchFamily="34" charset="0"/>
+                <a:ea typeface="Noto Sans CJK KR Black" panose="020B0A00000000000000" pitchFamily="34" charset="-127"/>
+                <a:cs typeface="Arial" panose="020B0604020202020204" pitchFamily="34" charset="0"/>
+              </a:rPr>
+              <a:t>: </a:t>
+            </a:r>
+            <a:r>
+              <a:rPr lang="ko-KR" altLang="en-US" sz="2400" b="1" dirty="0">
+                <a:latin typeface="Arial" panose="020B0604020202020204" pitchFamily="34" charset="0"/>
+                <a:ea typeface="Noto Sans CJK KR Black" panose="020B0A00000000000000" pitchFamily="34" charset="-127"/>
+                <a:cs typeface="Arial" panose="020B0604020202020204" pitchFamily="34" charset="0"/>
+              </a:rPr>
+              <a:t>시계열 분석 알고리즘 이해</a:t>
+            </a:r>
+            <a:endParaRPr lang="en-US" altLang="ko-KR" sz="2400" b="1" dirty="0">
+              <a:latin typeface="Arial" panose="020B0604020202020204" pitchFamily="34" charset="0"/>
+              <a:ea typeface="Noto Sans CJK KR Black" panose="020B0A00000000000000" pitchFamily="34" charset="-127"/>
+              <a:cs typeface="Arial" panose="020B0604020202020204" pitchFamily="34" charset="0"/>
+            </a:endParaRPr>
+          </a:p>
+          <a:p>
+            <a:r>
+              <a:rPr lang="en-US" altLang="ko-KR" sz="2400" b="1" dirty="0">
+                <a:latin typeface="Arial" panose="020B0604020202020204" pitchFamily="34" charset="0"/>
+                <a:ea typeface="Noto Sans CJK KR Black" panose="020B0A00000000000000" pitchFamily="34" charset="-127"/>
+                <a:cs typeface="Arial" panose="020B0604020202020204" pitchFamily="34" charset="0"/>
+              </a:rPr>
+              <a:t>: </a:t>
+            </a:r>
+            <a:r>
+              <a:rPr lang="ko-KR" altLang="en-US" sz="2400" b="1" dirty="0">
+                <a:latin typeface="Arial" panose="020B0604020202020204" pitchFamily="34" charset="0"/>
+                <a:ea typeface="Noto Sans CJK KR Black" panose="020B0A00000000000000" pitchFamily="34" charset="-127"/>
+                <a:cs typeface="Arial" panose="020B0604020202020204" pitchFamily="34" charset="0"/>
+              </a:rPr>
+              <a:t>시계열 데이터패턴 추출</a:t>
+            </a:r>
+            <a:endParaRPr lang="en-US" altLang="ko-KR" sz="2400" b="1" dirty="0">
+              <a:latin typeface="Arial" panose="020B0604020202020204" pitchFamily="34" charset="0"/>
+              <a:ea typeface="Noto Sans CJK KR Black" panose="020B0A00000000000000" pitchFamily="34" charset="-127"/>
+              <a:cs typeface="Arial" panose="020B0604020202020204" pitchFamily="34" charset="0"/>
+            </a:endParaRPr>
+          </a:p>
+          <a:p>
+            <a:r>
+              <a:rPr lang="en-US" altLang="ko-KR" sz="2400" b="1" dirty="0">
+                <a:latin typeface="Arial" panose="020B0604020202020204" pitchFamily="34" charset="0"/>
+                <a:ea typeface="Noto Sans CJK KR Black" panose="020B0A00000000000000" pitchFamily="34" charset="-127"/>
+                <a:cs typeface="Arial" panose="020B0604020202020204" pitchFamily="34" charset="0"/>
+              </a:rPr>
+              <a:t>: </a:t>
+            </a:r>
+            <a:r>
+              <a:rPr lang="ko-KR" altLang="en-US" sz="2400" b="1" dirty="0">
+                <a:latin typeface="Arial" panose="020B0604020202020204" pitchFamily="34" charset="0"/>
+                <a:ea typeface="Noto Sans CJK KR Black" panose="020B0A00000000000000" pitchFamily="34" charset="-127"/>
+                <a:cs typeface="Arial" panose="020B0604020202020204" pitchFamily="34" charset="0"/>
+              </a:rPr>
+              <a:t>시계열 데이터 분리</a:t>
+            </a:r>
+            <a:endParaRPr lang="en-US" altLang="ko-KR" sz="2400" b="1" dirty="0">
+              <a:latin typeface="Arial" panose="020B0604020202020204" pitchFamily="34" charset="0"/>
+              <a:ea typeface="Noto Sans CJK KR Black" panose="020B0A00000000000000" pitchFamily="34" charset="-127"/>
+              <a:cs typeface="Arial" panose="020B0604020202020204" pitchFamily="34" charset="0"/>
+            </a:endParaRPr>
+          </a:p>
+          <a:p>
+            <a:r>
+              <a:rPr lang="en-US" altLang="ko-KR" sz="2400" b="1" dirty="0">
+                <a:latin typeface="Arial" panose="020B0604020202020204" pitchFamily="34" charset="0"/>
+                <a:ea typeface="Noto Sans CJK KR Black" panose="020B0A00000000000000" pitchFamily="34" charset="-127"/>
+                <a:cs typeface="Arial" panose="020B0604020202020204" pitchFamily="34" charset="0"/>
+              </a:rPr>
+              <a:t>: </a:t>
+            </a:r>
+            <a:r>
+              <a:rPr lang="ko-KR" altLang="en-US" sz="2400" b="1" dirty="0">
+                <a:latin typeface="Arial" panose="020B0604020202020204" pitchFamily="34" charset="0"/>
+                <a:ea typeface="Noto Sans CJK KR Black" panose="020B0A00000000000000" pitchFamily="34" charset="-127"/>
+                <a:cs typeface="Arial" panose="020B0604020202020204" pitchFamily="34" charset="0"/>
+              </a:rPr>
+              <a:t>레퍼런스 알고리즘 구축</a:t>
+            </a:r>
+            <a:endParaRPr lang="en-US" altLang="ko-KR" sz="2400" b="1" dirty="0">
+              <a:latin typeface="Arial" panose="020B0604020202020204" pitchFamily="34" charset="0"/>
+              <a:ea typeface="Noto Sans CJK KR Black" panose="020B0A00000000000000" pitchFamily="34" charset="-127"/>
+              <a:cs typeface="Arial" panose="020B0604020202020204" pitchFamily="34" charset="0"/>
+            </a:endParaRPr>
+          </a:p>
+          <a:p>
+            <a:r>
+              <a:rPr lang="en-US" altLang="ko-KR" sz="2400" b="1" dirty="0">
+                <a:latin typeface="Arial" panose="020B0604020202020204" pitchFamily="34" charset="0"/>
+                <a:ea typeface="Noto Sans CJK KR Black" panose="020B0A00000000000000" pitchFamily="34" charset="-127"/>
+                <a:cs typeface="Arial" panose="020B0604020202020204" pitchFamily="34" charset="0"/>
+              </a:rPr>
+              <a:t>: </a:t>
+            </a:r>
+            <a:r>
+              <a:rPr lang="ko-KR" altLang="en-US" sz="2400" b="1" dirty="0">
+                <a:latin typeface="Arial" panose="020B0604020202020204" pitchFamily="34" charset="0"/>
+                <a:ea typeface="Noto Sans CJK KR Black" panose="020B0A00000000000000" pitchFamily="34" charset="-127"/>
+                <a:cs typeface="Arial" panose="020B0604020202020204" pitchFamily="34" charset="0"/>
+              </a:rPr>
+              <a:t>분석성능 확인</a:t>
+            </a:r>
+            <a:endParaRPr lang="en-US" altLang="ko-KR" sz="2400" b="1" dirty="0">
+              <a:latin typeface="Arial" panose="020B0604020202020204" pitchFamily="34" charset="0"/>
+              <a:ea typeface="Noto Sans CJK KR Black" panose="020B0A00000000000000" pitchFamily="34" charset="-127"/>
+              <a:cs typeface="Arial" panose="020B0604020202020204" pitchFamily="34" charset="0"/>
+            </a:endParaRPr>
+          </a:p>
+          <a:p>
+            <a:r>
+              <a:rPr lang="en-US" altLang="ko-KR" sz="2400" b="1" dirty="0">
+                <a:latin typeface="Arial" panose="020B0604020202020204" pitchFamily="34" charset="0"/>
+                <a:ea typeface="Noto Sans CJK KR Black" panose="020B0A00000000000000" pitchFamily="34" charset="-127"/>
+                <a:cs typeface="Arial" panose="020B0604020202020204" pitchFamily="34" charset="0"/>
+              </a:rPr>
+              <a:t>: </a:t>
+            </a:r>
+            <a:r>
+              <a:rPr lang="ko-KR" altLang="en-US" sz="2400" b="1" dirty="0">
+                <a:latin typeface="Arial" panose="020B0604020202020204" pitchFamily="34" charset="0"/>
+                <a:ea typeface="Noto Sans CJK KR Black" panose="020B0A00000000000000" pitchFamily="34" charset="-127"/>
+                <a:cs typeface="Arial" panose="020B0604020202020204" pitchFamily="34" charset="0"/>
+              </a:rPr>
+              <a:t>분석종료 위한 </a:t>
+            </a:r>
+            <a:r>
+              <a:rPr lang="ko-KR" altLang="en-US" sz="2400" b="1" dirty="0" err="1">
+                <a:latin typeface="Arial" panose="020B0604020202020204" pitchFamily="34" charset="0"/>
+                <a:ea typeface="Noto Sans CJK KR Black" panose="020B0A00000000000000" pitchFamily="34" charset="-127"/>
+                <a:cs typeface="Arial" panose="020B0604020202020204" pitchFamily="34" charset="0"/>
+              </a:rPr>
+              <a:t>잔차진단</a:t>
+            </a:r>
+            <a:endParaRPr lang="en-US" altLang="ko-KR" sz="2400" b="1" dirty="0">
+              <a:latin typeface="Arial" panose="020B0604020202020204" pitchFamily="34" charset="0"/>
+              <a:ea typeface="Noto Sans CJK KR Black" panose="020B0A00000000000000" pitchFamily="34" charset="-127"/>
+              <a:cs typeface="Arial" panose="020B0604020202020204" pitchFamily="34" charset="0"/>
+            </a:endParaRPr>
+          </a:p>
+          <a:p>
+            <a:endParaRPr lang="en-US" altLang="ko-KR" sz="2400" b="1" dirty="0">
+              <a:latin typeface="Arial" panose="020B0604020202020204" pitchFamily="34" charset="0"/>
+              <a:ea typeface="Noto Sans CJK KR Black" panose="020B0A00000000000000" pitchFamily="34" charset="-127"/>
+              <a:cs typeface="Arial" panose="020B0604020202020204" pitchFamily="34" charset="0"/>
+            </a:endParaRPr>
+          </a:p>
+          <a:p>
+            <a:r>
+              <a:rPr lang="en-US" altLang="ko-KR" sz="2400" b="1" i="0" dirty="0">
+                <a:effectLst/>
+                <a:latin typeface="Arial" panose="020B0604020202020204" pitchFamily="34" charset="0"/>
+                <a:cs typeface="Arial" panose="020B0604020202020204" pitchFamily="34" charset="0"/>
+              </a:rPr>
+              <a:t>Part 02. </a:t>
+            </a:r>
+            <a:r>
+              <a:rPr lang="ko-KR" altLang="en-US" sz="2400" b="1" i="0" dirty="0">
+                <a:effectLst/>
+                <a:latin typeface="Arial" panose="020B0604020202020204" pitchFamily="34" charset="0"/>
+                <a:cs typeface="Arial" panose="020B0604020202020204" pitchFamily="34" charset="0"/>
+              </a:rPr>
+              <a:t>시계열 데이터분석 </a:t>
+            </a:r>
+            <a:endParaRPr lang="en-US" altLang="ko-KR" sz="2400" b="1" i="0" dirty="0">
+              <a:effectLst/>
+              <a:latin typeface="Arial" panose="020B0604020202020204" pitchFamily="34" charset="0"/>
+              <a:cs typeface="Arial" panose="020B0604020202020204" pitchFamily="34" charset="0"/>
+            </a:endParaRPr>
+          </a:p>
+          <a:p>
+            <a:r>
+              <a:rPr lang="en-US" altLang="ko-KR" sz="2400" b="1" i="0" dirty="0">
+                <a:effectLst/>
+                <a:latin typeface="Arial" panose="020B0604020202020204" pitchFamily="34" charset="0"/>
+                <a:cs typeface="Arial" panose="020B0604020202020204" pitchFamily="34" charset="0"/>
+              </a:rPr>
+              <a:t>(Chapter 09~11)</a:t>
+            </a:r>
+          </a:p>
+          <a:p>
+            <a:r>
+              <a:rPr lang="en-US" altLang="ko-KR" sz="2400" b="1" dirty="0">
+                <a:latin typeface="Arial" panose="020B0604020202020204" pitchFamily="34" charset="0"/>
+                <a:cs typeface="Arial" panose="020B0604020202020204" pitchFamily="34" charset="0"/>
+              </a:rPr>
+              <a:t>: </a:t>
+            </a:r>
+            <a:r>
+              <a:rPr lang="ko-KR" altLang="en-US" sz="2400" b="1" dirty="0">
+                <a:latin typeface="Arial" panose="020B0604020202020204" pitchFamily="34" charset="0"/>
+                <a:cs typeface="Arial" panose="020B0604020202020204" pitchFamily="34" charset="0"/>
+              </a:rPr>
+              <a:t>설명변수</a:t>
+            </a:r>
+            <a:r>
+              <a:rPr lang="en-US" altLang="ko-KR" sz="2400" b="1" dirty="0">
+                <a:latin typeface="Arial" panose="020B0604020202020204" pitchFamily="34" charset="0"/>
+                <a:cs typeface="Arial" panose="020B0604020202020204" pitchFamily="34" charset="0"/>
+              </a:rPr>
+              <a:t>(X)</a:t>
+            </a:r>
+            <a:r>
+              <a:rPr lang="ko-KR" altLang="en-US" sz="2400" b="1" dirty="0">
+                <a:latin typeface="Arial" panose="020B0604020202020204" pitchFamily="34" charset="0"/>
+                <a:cs typeface="Arial" panose="020B0604020202020204" pitchFamily="34" charset="0"/>
+              </a:rPr>
+              <a:t>의 현실적 데이터 </a:t>
+            </a:r>
+            <a:r>
+              <a:rPr lang="ko-KR" altLang="en-US" sz="2400" b="1" dirty="0" err="1">
+                <a:latin typeface="Arial" panose="020B0604020202020204" pitchFamily="34" charset="0"/>
+                <a:cs typeface="Arial" panose="020B0604020202020204" pitchFamily="34" charset="0"/>
+              </a:rPr>
+              <a:t>전처리</a:t>
+            </a:r>
+            <a:r>
+              <a:rPr lang="ko-KR" altLang="en-US" sz="2400" b="1" dirty="0">
+                <a:latin typeface="Arial" panose="020B0604020202020204" pitchFamily="34" charset="0"/>
+                <a:cs typeface="Arial" panose="020B0604020202020204" pitchFamily="34" charset="0"/>
+              </a:rPr>
+              <a:t> 방향</a:t>
+            </a:r>
+            <a:endParaRPr lang="en-US" altLang="ko-KR" sz="2400" b="1" dirty="0">
+              <a:latin typeface="Arial" panose="020B0604020202020204" pitchFamily="34" charset="0"/>
+              <a:cs typeface="Arial" panose="020B0604020202020204" pitchFamily="34" charset="0"/>
+            </a:endParaRPr>
+          </a:p>
+          <a:p>
+            <a:r>
+              <a:rPr lang="en-US" altLang="ko-KR" sz="2400" b="1" i="0" dirty="0">
+                <a:effectLst/>
+                <a:latin typeface="Arial" panose="020B0604020202020204" pitchFamily="34" charset="0"/>
+                <a:cs typeface="Arial" panose="020B0604020202020204" pitchFamily="34" charset="0"/>
+              </a:rPr>
+              <a:t>: </a:t>
+            </a:r>
+            <a:r>
+              <a:rPr lang="ko-KR" altLang="en-US" sz="2400" b="1" i="0" dirty="0">
+                <a:effectLst/>
+                <a:latin typeface="Arial" panose="020B0604020202020204" pitchFamily="34" charset="0"/>
+                <a:cs typeface="Arial" panose="020B0604020202020204" pitchFamily="34" charset="0"/>
+              </a:rPr>
+              <a:t>종속변수</a:t>
+            </a:r>
+            <a:r>
+              <a:rPr lang="en-US" altLang="ko-KR" sz="2400" b="1" i="0" dirty="0">
+                <a:effectLst/>
+                <a:latin typeface="Arial" panose="020B0604020202020204" pitchFamily="34" charset="0"/>
+                <a:cs typeface="Arial" panose="020B0604020202020204" pitchFamily="34" charset="0"/>
+              </a:rPr>
+              <a:t>(Y)</a:t>
+            </a:r>
+            <a:r>
+              <a:rPr lang="ko-KR" altLang="en-US" sz="2400" b="1" i="0" dirty="0">
+                <a:effectLst/>
+                <a:latin typeface="Arial" panose="020B0604020202020204" pitchFamily="34" charset="0"/>
+                <a:cs typeface="Arial" panose="020B0604020202020204" pitchFamily="34" charset="0"/>
+              </a:rPr>
+              <a:t>의 효과적 데이터 </a:t>
+            </a:r>
+            <a:r>
+              <a:rPr lang="ko-KR" altLang="en-US" sz="2400" b="1" i="0" dirty="0" err="1">
+                <a:effectLst/>
+                <a:latin typeface="Arial" panose="020B0604020202020204" pitchFamily="34" charset="0"/>
+                <a:cs typeface="Arial" panose="020B0604020202020204" pitchFamily="34" charset="0"/>
+              </a:rPr>
+              <a:t>전처리</a:t>
+            </a:r>
+            <a:r>
+              <a:rPr lang="ko-KR" altLang="en-US" sz="2400" b="1" i="0" dirty="0">
+                <a:effectLst/>
+                <a:latin typeface="Arial" panose="020B0604020202020204" pitchFamily="34" charset="0"/>
+                <a:cs typeface="Arial" panose="020B0604020202020204" pitchFamily="34" charset="0"/>
+              </a:rPr>
+              <a:t> 방향</a:t>
+            </a:r>
+            <a:endParaRPr lang="en-US" altLang="ko-KR" sz="2400" b="1" i="0" dirty="0">
+              <a:effectLst/>
+              <a:latin typeface="Arial" panose="020B0604020202020204" pitchFamily="34" charset="0"/>
+              <a:cs typeface="Arial" panose="020B0604020202020204" pitchFamily="34" charset="0"/>
+            </a:endParaRPr>
+          </a:p>
+          <a:p>
+            <a:endParaRPr lang="en-US" altLang="ko-KR" sz="2400" b="1" dirty="0">
+              <a:latin typeface="Arial" panose="020B0604020202020204" pitchFamily="34" charset="0"/>
+              <a:cs typeface="Arial" panose="020B0604020202020204" pitchFamily="34" charset="0"/>
+            </a:endParaRPr>
+          </a:p>
+          <a:p>
+            <a:endParaRPr lang="en-US" altLang="ko-KR" sz="2400" b="1" dirty="0">
+              <a:latin typeface="Arial" panose="020B0604020202020204" pitchFamily="34" charset="0"/>
+              <a:cs typeface="Arial" panose="020B0604020202020204" pitchFamily="34" charset="0"/>
+            </a:endParaRPr>
+          </a:p>
+          <a:p>
+            <a:endParaRPr lang="en-US" altLang="ko-KR" sz="2400" b="1" dirty="0">
+              <a:latin typeface="Arial" panose="020B0604020202020204" pitchFamily="34" charset="0"/>
+              <a:cs typeface="Arial" panose="020B0604020202020204" pitchFamily="34" charset="0"/>
+            </a:endParaRPr>
+          </a:p>
+          <a:p>
+            <a:endParaRPr lang="en-US" altLang="ko-KR" sz="2400" b="1" dirty="0">
+              <a:latin typeface="Arial" panose="020B0604020202020204" pitchFamily="34" charset="0"/>
+              <a:cs typeface="Arial" panose="020B0604020202020204" pitchFamily="34" charset="0"/>
+            </a:endParaRPr>
+          </a:p>
+          <a:p>
+            <a:endParaRPr lang="en-US" altLang="ko-KR" sz="2400" b="1" dirty="0">
+              <a:latin typeface="Arial" panose="020B0604020202020204" pitchFamily="34" charset="0"/>
+              <a:cs typeface="Arial" panose="020B0604020202020204" pitchFamily="34" charset="0"/>
+            </a:endParaRPr>
+          </a:p>
+          <a:p>
+            <a:r>
+              <a:rPr lang="en-US" altLang="ko-KR" sz="2400" b="1" i="0" dirty="0">
+                <a:effectLst/>
+                <a:latin typeface="Arial" panose="020B0604020202020204" pitchFamily="34" charset="0"/>
+                <a:cs typeface="Arial" panose="020B0604020202020204" pitchFamily="34" charset="0"/>
+              </a:rPr>
+              <a:t>Part 03. </a:t>
+            </a:r>
+            <a:r>
+              <a:rPr lang="ko-KR" altLang="en-US" sz="2400" b="1" i="0" dirty="0">
+                <a:effectLst/>
+                <a:latin typeface="Arial" panose="020B0604020202020204" pitchFamily="34" charset="0"/>
+                <a:cs typeface="Arial" panose="020B0604020202020204" pitchFamily="34" charset="0"/>
+              </a:rPr>
+              <a:t>시계열 알고리즘</a:t>
+            </a:r>
+            <a:endParaRPr lang="en-US" altLang="ko-KR" sz="2400" b="1" i="0" dirty="0">
+              <a:effectLst/>
+              <a:latin typeface="Arial" panose="020B0604020202020204" pitchFamily="34" charset="0"/>
+              <a:cs typeface="Arial" panose="020B0604020202020204" pitchFamily="34" charset="0"/>
+            </a:endParaRPr>
+          </a:p>
+          <a:p>
+            <a:r>
+              <a:rPr lang="en-US" altLang="ko-KR" sz="2400" b="1" dirty="0">
+                <a:latin typeface="Arial" panose="020B0604020202020204" pitchFamily="34" charset="0"/>
+                <a:cs typeface="Arial" panose="020B0604020202020204" pitchFamily="34" charset="0"/>
+              </a:rPr>
+              <a:t>(Chapter</a:t>
+            </a:r>
+            <a:r>
+              <a:rPr lang="ko-KR" altLang="en-US" sz="2400" b="1" dirty="0">
+                <a:latin typeface="Arial" panose="020B0604020202020204" pitchFamily="34" charset="0"/>
+                <a:cs typeface="Arial" panose="020B0604020202020204" pitchFamily="34" charset="0"/>
+              </a:rPr>
+              <a:t> </a:t>
+            </a:r>
+            <a:r>
+              <a:rPr lang="en-US" altLang="ko-KR" sz="2400" b="1" dirty="0">
+                <a:latin typeface="Arial" panose="020B0604020202020204" pitchFamily="34" charset="0"/>
+                <a:cs typeface="Arial" panose="020B0604020202020204" pitchFamily="34" charset="0"/>
+              </a:rPr>
+              <a:t>)</a:t>
+            </a:r>
+          </a:p>
+          <a:p>
+            <a:r>
+              <a:rPr lang="en-US" altLang="ko-KR" sz="2400" b="1" i="0" dirty="0">
+                <a:effectLst/>
+                <a:latin typeface="Arial" panose="020B0604020202020204" pitchFamily="34" charset="0"/>
+                <a:cs typeface="Arial" panose="020B0604020202020204" pitchFamily="34" charset="0"/>
+              </a:rPr>
+              <a:t>: </a:t>
+            </a:r>
+            <a:r>
+              <a:rPr lang="ko-KR" altLang="en-US" sz="2400" b="1" dirty="0">
+                <a:latin typeface="Arial" panose="020B0604020202020204" pitchFamily="34" charset="0"/>
+                <a:cs typeface="Arial" panose="020B0604020202020204" pitchFamily="34" charset="0"/>
+              </a:rPr>
+              <a:t>시계열 관련 기계학습 알고리즘</a:t>
+            </a:r>
+            <a:endParaRPr lang="en-US" altLang="ko-KR" sz="2400" b="1" dirty="0">
+              <a:latin typeface="Arial" panose="020B0604020202020204" pitchFamily="34" charset="0"/>
+              <a:cs typeface="Arial" panose="020B0604020202020204" pitchFamily="34" charset="0"/>
+            </a:endParaRPr>
+          </a:p>
+          <a:p>
+            <a:r>
+              <a:rPr lang="en-US" altLang="ko-KR" sz="2400" b="1" i="0" dirty="0">
+                <a:effectLst/>
+                <a:latin typeface="Arial" panose="020B0604020202020204" pitchFamily="34" charset="0"/>
+                <a:cs typeface="Arial" panose="020B0604020202020204" pitchFamily="34" charset="0"/>
+              </a:rPr>
+              <a:t>: </a:t>
+            </a:r>
+            <a:r>
+              <a:rPr lang="ko-KR" altLang="en-US" sz="2400" b="1" i="0" dirty="0">
+                <a:effectLst/>
+                <a:latin typeface="Arial" panose="020B0604020202020204" pitchFamily="34" charset="0"/>
+                <a:cs typeface="Arial" panose="020B0604020202020204" pitchFamily="34" charset="0"/>
+              </a:rPr>
+              <a:t>타겟 데이터의 정상성 변환</a:t>
+            </a:r>
+            <a:r>
+              <a:rPr lang="en-US" altLang="ko-KR" sz="2400" b="1" dirty="0">
+                <a:latin typeface="Arial" panose="020B0604020202020204" pitchFamily="34" charset="0"/>
+                <a:cs typeface="Arial" panose="020B0604020202020204" pitchFamily="34" charset="0"/>
+              </a:rPr>
+              <a:t> </a:t>
+            </a:r>
+            <a:r>
+              <a:rPr lang="ko-KR" altLang="en-US" sz="2400" b="1" dirty="0">
+                <a:latin typeface="Arial" panose="020B0604020202020204" pitchFamily="34" charset="0"/>
+                <a:cs typeface="Arial" panose="020B0604020202020204" pitchFamily="34" charset="0"/>
+              </a:rPr>
+              <a:t>이해하기</a:t>
+            </a:r>
+            <a:endParaRPr lang="en-US" altLang="ko-KR" sz="2400" b="1" dirty="0">
+              <a:latin typeface="Arial" panose="020B0604020202020204" pitchFamily="34" charset="0"/>
+              <a:cs typeface="Arial" panose="020B0604020202020204" pitchFamily="34" charset="0"/>
+            </a:endParaRPr>
+          </a:p>
+          <a:p>
+            <a:r>
+              <a:rPr lang="en-US" altLang="ko-KR" sz="2400" b="1" i="0" dirty="0">
+                <a:effectLst/>
+                <a:latin typeface="Arial" panose="020B0604020202020204" pitchFamily="34" charset="0"/>
+                <a:cs typeface="Arial" panose="020B0604020202020204" pitchFamily="34" charset="0"/>
+              </a:rPr>
+              <a:t>: </a:t>
+            </a:r>
+            <a:r>
+              <a:rPr lang="ko-KR" altLang="en-US" sz="2400" b="1" i="0" dirty="0">
+                <a:effectLst/>
+                <a:latin typeface="Arial" panose="020B0604020202020204" pitchFamily="34" charset="0"/>
+                <a:cs typeface="Arial" panose="020B0604020202020204" pitchFamily="34" charset="0"/>
+              </a:rPr>
+              <a:t>단순 선형 확률과정</a:t>
+            </a:r>
+            <a:endParaRPr lang="en-US" altLang="ko-KR" sz="2400" b="1" i="0" dirty="0">
+              <a:effectLst/>
+              <a:latin typeface="Arial" panose="020B0604020202020204" pitchFamily="34" charset="0"/>
+              <a:cs typeface="Arial" panose="020B0604020202020204" pitchFamily="34" charset="0"/>
+            </a:endParaRPr>
+          </a:p>
+          <a:p>
+            <a:r>
+              <a:rPr lang="en-US" altLang="ko-KR" sz="2400" b="1" dirty="0">
+                <a:latin typeface="Arial" panose="020B0604020202020204" pitchFamily="34" charset="0"/>
+                <a:cs typeface="Arial" panose="020B0604020202020204" pitchFamily="34" charset="0"/>
+              </a:rPr>
+              <a:t>: </a:t>
+            </a:r>
+            <a:r>
+              <a:rPr lang="ko-KR" altLang="en-US" sz="2400" b="1" dirty="0">
+                <a:latin typeface="Arial" panose="020B0604020202020204" pitchFamily="34" charset="0"/>
+                <a:cs typeface="Arial" panose="020B0604020202020204" pitchFamily="34" charset="0"/>
+              </a:rPr>
+              <a:t>적분 선형 확률과정</a:t>
+            </a:r>
+            <a:endParaRPr lang="en-US" altLang="ko-KR" sz="2400" b="1" dirty="0">
+              <a:latin typeface="Arial" panose="020B0604020202020204" pitchFamily="34" charset="0"/>
+              <a:cs typeface="Arial" panose="020B0604020202020204" pitchFamily="34" charset="0"/>
+            </a:endParaRPr>
+          </a:p>
+          <a:p>
+            <a:r>
+              <a:rPr lang="en-US" altLang="ko-KR" sz="2400" b="1" dirty="0">
+                <a:latin typeface="Arial" panose="020B0604020202020204" pitchFamily="34" charset="0"/>
+                <a:cs typeface="Arial" panose="020B0604020202020204" pitchFamily="34" charset="0"/>
+              </a:rPr>
+              <a:t>: </a:t>
+            </a:r>
+            <a:r>
+              <a:rPr lang="ko-KR" altLang="en-US" sz="2400" b="1" dirty="0" err="1">
+                <a:latin typeface="Arial" panose="020B0604020202020204" pitchFamily="34" charset="0"/>
+                <a:cs typeface="Arial" panose="020B0604020202020204" pitchFamily="34" charset="0"/>
+              </a:rPr>
+              <a:t>다변량</a:t>
+            </a:r>
+            <a:r>
+              <a:rPr lang="ko-KR" altLang="en-US" sz="2400" b="1" dirty="0">
+                <a:latin typeface="Arial" panose="020B0604020202020204" pitchFamily="34" charset="0"/>
+                <a:cs typeface="Arial" panose="020B0604020202020204" pitchFamily="34" charset="0"/>
+              </a:rPr>
+              <a:t> 선형확률과정</a:t>
+            </a:r>
+            <a:endParaRPr lang="en-US" altLang="ko-KR" sz="2400" b="1" dirty="0">
+              <a:latin typeface="Arial" panose="020B0604020202020204" pitchFamily="34" charset="0"/>
+              <a:cs typeface="Arial" panose="020B0604020202020204" pitchFamily="34" charset="0"/>
+            </a:endParaRPr>
+          </a:p>
+          <a:p>
+            <a:r>
+              <a:rPr lang="en-US" altLang="ko-KR" sz="2400" b="1" i="0" dirty="0">
+                <a:effectLst/>
+                <a:latin typeface="Arial" panose="020B0604020202020204" pitchFamily="34" charset="0"/>
+                <a:cs typeface="Arial" panose="020B0604020202020204" pitchFamily="34" charset="0"/>
+              </a:rPr>
+              <a:t>: </a:t>
+            </a:r>
+            <a:r>
+              <a:rPr lang="ko-KR" altLang="en-US" sz="2400" b="1" i="0" dirty="0">
+                <a:effectLst/>
+                <a:latin typeface="Arial" panose="020B0604020202020204" pitchFamily="34" charset="0"/>
+                <a:cs typeface="Arial" panose="020B0604020202020204" pitchFamily="34" charset="0"/>
+              </a:rPr>
+              <a:t>비선형 확률과정 </a:t>
+            </a:r>
+            <a:r>
+              <a:rPr lang="en-US" altLang="ko-KR" sz="2400" b="1" i="0" dirty="0">
+                <a:effectLst/>
+                <a:latin typeface="Arial" panose="020B0604020202020204" pitchFamily="34" charset="0"/>
+                <a:cs typeface="Arial" panose="020B0604020202020204" pitchFamily="34" charset="0"/>
+              </a:rPr>
+              <a:t>(with </a:t>
+            </a:r>
+            <a:r>
+              <a:rPr lang="ko-KR" altLang="en-US" sz="2400" b="1" i="0" dirty="0">
+                <a:effectLst/>
+                <a:latin typeface="Arial" panose="020B0604020202020204" pitchFamily="34" charset="0"/>
+                <a:cs typeface="Arial" panose="020B0604020202020204" pitchFamily="34" charset="0"/>
+              </a:rPr>
+              <a:t>딥러닝</a:t>
+            </a:r>
+            <a:r>
+              <a:rPr lang="en-US" altLang="ko-KR" sz="2400" b="1" i="0" dirty="0">
+                <a:effectLst/>
+                <a:latin typeface="Arial" panose="020B0604020202020204" pitchFamily="34" charset="0"/>
+                <a:cs typeface="Arial" panose="020B0604020202020204" pitchFamily="34" charset="0"/>
+              </a:rPr>
+              <a:t>)</a:t>
+            </a:r>
+          </a:p>
+          <a:p>
+            <a:endParaRPr lang="en-US" altLang="ko-KR" sz="2400" b="1" dirty="0">
+              <a:latin typeface="Arial" panose="020B0604020202020204" pitchFamily="34" charset="0"/>
+              <a:cs typeface="Arial" panose="020B0604020202020204" pitchFamily="34" charset="0"/>
+            </a:endParaRPr>
+          </a:p>
+          <a:p>
+            <a:r>
+              <a:rPr lang="en-US" altLang="ko-KR" sz="2400" b="1" dirty="0">
+                <a:latin typeface="Arial" panose="020B0604020202020204" pitchFamily="34" charset="0"/>
+                <a:cs typeface="Arial" panose="020B0604020202020204" pitchFamily="34" charset="0"/>
+              </a:rPr>
+              <a:t>Part</a:t>
+            </a:r>
+            <a:r>
+              <a:rPr lang="ko-KR" altLang="en-US" sz="2400" b="1" dirty="0">
+                <a:latin typeface="Arial" panose="020B0604020202020204" pitchFamily="34" charset="0"/>
+                <a:cs typeface="Arial" panose="020B0604020202020204" pitchFamily="34" charset="0"/>
+              </a:rPr>
+              <a:t> </a:t>
+            </a:r>
+            <a:r>
+              <a:rPr lang="en-US" altLang="ko-KR" sz="2400" b="1" dirty="0">
+                <a:latin typeface="Arial" panose="020B0604020202020204" pitchFamily="34" charset="0"/>
+                <a:cs typeface="Arial" panose="020B0604020202020204" pitchFamily="34" charset="0"/>
+              </a:rPr>
+              <a:t>04.</a:t>
+            </a:r>
+            <a:r>
+              <a:rPr lang="ko-KR" altLang="en-US" sz="2400" b="1" dirty="0">
+                <a:latin typeface="Arial" panose="020B0604020202020204" pitchFamily="34" charset="0"/>
+                <a:cs typeface="Arial" panose="020B0604020202020204" pitchFamily="34" charset="0"/>
+              </a:rPr>
+              <a:t> 미니 프로젝트 </a:t>
+            </a:r>
+            <a:r>
+              <a:rPr lang="en-US" altLang="ko-KR" sz="2400" b="1" dirty="0">
+                <a:latin typeface="Arial" panose="020B0604020202020204" pitchFamily="34" charset="0"/>
+                <a:cs typeface="Arial" panose="020B0604020202020204" pitchFamily="34" charset="0"/>
+              </a:rPr>
+              <a:t>3</a:t>
+            </a:r>
+            <a:r>
+              <a:rPr lang="ko-KR" altLang="en-US" sz="2400" b="1" dirty="0">
+                <a:latin typeface="Arial" panose="020B0604020202020204" pitchFamily="34" charset="0"/>
+                <a:cs typeface="Arial" panose="020B0604020202020204" pitchFamily="34" charset="0"/>
+              </a:rPr>
+              <a:t>종</a:t>
+            </a:r>
+            <a:endParaRPr lang="en-US" altLang="ko-KR" sz="2400" b="1" dirty="0">
+              <a:latin typeface="Arial" panose="020B0604020202020204" pitchFamily="34" charset="0"/>
+              <a:cs typeface="Arial" panose="020B0604020202020204" pitchFamily="34" charset="0"/>
+            </a:endParaRPr>
+          </a:p>
+          <a:p>
+            <a:r>
+              <a:rPr lang="en-US" altLang="ko-KR" sz="2400" b="1" i="0" dirty="0">
+                <a:effectLst/>
+                <a:latin typeface="Arial" panose="020B0604020202020204" pitchFamily="34" charset="0"/>
+                <a:cs typeface="Arial" panose="020B0604020202020204" pitchFamily="34" charset="0"/>
+              </a:rPr>
+              <a:t>: </a:t>
+            </a:r>
+            <a:r>
+              <a:rPr lang="ko-KR" altLang="en-US" sz="2400" b="1" i="0" dirty="0">
+                <a:effectLst/>
+                <a:latin typeface="Arial" panose="020B0604020202020204" pitchFamily="34" charset="0"/>
+                <a:cs typeface="Arial" panose="020B0604020202020204" pitchFamily="34" charset="0"/>
+              </a:rPr>
+              <a:t>암호화폐 가격 예측하기</a:t>
+            </a:r>
+            <a:endParaRPr lang="en-US" altLang="ko-KR" sz="2400" b="1" i="0" dirty="0">
+              <a:effectLst/>
+              <a:latin typeface="Arial" panose="020B0604020202020204" pitchFamily="34" charset="0"/>
+              <a:cs typeface="Arial" panose="020B0604020202020204" pitchFamily="34" charset="0"/>
+            </a:endParaRPr>
+          </a:p>
+          <a:p>
+            <a:r>
+              <a:rPr lang="en-US" altLang="ko-KR" sz="2400" b="1" dirty="0">
+                <a:latin typeface="Arial" panose="020B0604020202020204" pitchFamily="34" charset="0"/>
+                <a:cs typeface="Arial" panose="020B0604020202020204" pitchFamily="34" charset="0"/>
+              </a:rPr>
+              <a:t>: </a:t>
+            </a:r>
+            <a:r>
+              <a:rPr lang="ko-KR" altLang="en-US" sz="2400" b="1" dirty="0">
+                <a:latin typeface="Arial" panose="020B0604020202020204" pitchFamily="34" charset="0"/>
+                <a:cs typeface="Arial" panose="020B0604020202020204" pitchFamily="34" charset="0"/>
+              </a:rPr>
+              <a:t>자전거 수요 예측하기</a:t>
+            </a:r>
+            <a:endParaRPr lang="en-US" altLang="ko-KR" sz="2400" b="1" dirty="0">
+              <a:latin typeface="Arial" panose="020B0604020202020204" pitchFamily="34" charset="0"/>
+              <a:cs typeface="Arial" panose="020B0604020202020204" pitchFamily="34" charset="0"/>
+            </a:endParaRPr>
+          </a:p>
+          <a:p>
+            <a:r>
+              <a:rPr lang="en-US" altLang="ko-KR" sz="2400" b="1" i="0" dirty="0">
+                <a:effectLst/>
+                <a:latin typeface="Arial" panose="020B0604020202020204" pitchFamily="34" charset="0"/>
+                <a:cs typeface="Arial" panose="020B0604020202020204" pitchFamily="34" charset="0"/>
+              </a:rPr>
+              <a:t>: </a:t>
+            </a:r>
+            <a:r>
+              <a:rPr lang="ko-KR" altLang="en-US" sz="2400" b="1" i="0" dirty="0">
+                <a:effectLst/>
+                <a:latin typeface="Arial" panose="020B0604020202020204" pitchFamily="34" charset="0"/>
+                <a:cs typeface="Arial" panose="020B0604020202020204" pitchFamily="34" charset="0"/>
+              </a:rPr>
+              <a:t>주택가격 예측하기</a:t>
+            </a:r>
+            <a:endParaRPr lang="en-US" altLang="ko-KR" sz="2400" b="1" i="0" dirty="0">
+              <a:effectLst/>
+              <a:latin typeface="Arial" panose="020B0604020202020204" pitchFamily="34" charset="0"/>
+              <a:cs typeface="Arial" panose="020B0604020202020204" pitchFamily="34" charset="0"/>
+            </a:endParaRPr>
+          </a:p>
+        </p:txBody>
+      </p:sp>
+      <p:sp>
+        <p:nvSpPr>
+          <p:cNvPr id="12" name="TextBox 11"/>
+          <p:cNvSpPr txBox="1"/>
+          <p:nvPr/>
+        </p:nvSpPr>
+        <p:spPr>
+          <a:xfrm>
+            <a:off x="4783981" y="611957"/>
+            <a:ext cx="7056784" cy="216726"/>
+          </a:xfrm>
+          <a:prstGeom prst="rect">
+            <a:avLst/>
+          </a:prstGeom>
+          <a:noFill/>
+        </p:spPr>
+        <p:txBody>
+          <a:bodyPr wrap="square" lIns="0" tIns="0" rIns="0" bIns="0" rtlCol="0" anchor="t">
+            <a:spAutoFit/>
+          </a:bodyPr>
+          <a:lstStyle/>
+          <a:p>
+            <a:pPr>
+              <a:lnSpc>
+                <a:spcPct val="150000"/>
+              </a:lnSpc>
+            </a:pPr>
+            <a:endParaRPr lang="en-US" altLang="ko-KR" sz="1050" dirty="0">
+              <a:solidFill>
+                <a:schemeClr val="bg1"/>
+              </a:solidFill>
+              <a:latin typeface="Noto Sans CJK KR Medium" panose="020B0600000000000000" pitchFamily="34" charset="-127"/>
+              <a:ea typeface="Noto Sans CJK KR Medium" panose="020B0600000000000000" pitchFamily="34" charset="-127"/>
+            </a:endParaRPr>
+          </a:p>
+        </p:txBody>
+      </p:sp>
+    </p:spTree>
+    <p:extLst>
+      <p:ext uri="{BB962C8B-B14F-4D97-AF65-F5344CB8AC3E}">
+        <p14:creationId xmlns:p14="http://schemas.microsoft.com/office/powerpoint/2010/main" val="816481270"/>
+      </p:ext>
+    </p:extLst>
+  </p:cSld>
+  <p:clrMapOvr>
+    <a:masterClrMapping/>
+  </p:clrMapOvr>
+</p:sld>
+</file>
+
+<file path=ppt/slides/slide88.xml><?xml version="1.0" encoding="utf-8"?>
+<p:sld xmlns:a="http://schemas.openxmlformats.org/drawingml/2006/main" xmlns:r="http://schemas.openxmlformats.org/officeDocument/2006/relationships" xmlns:p="http://schemas.openxmlformats.org/presentationml/2006/main">
+  <p:cSld>
+    <p:bg>
+      <p:bgPr>
+        <a:solidFill>
+          <a:schemeClr val="bg1">
+            <a:lumMod val="65000"/>
+          </a:schemeClr>
+        </a:solidFill>
+        <a:effectLst/>
+      </p:bgPr>
+    </p:bg>
+    <p:spTree>
+      <p:nvGrpSpPr>
+        <p:cNvPr id="1" name=""/>
+        <p:cNvGrpSpPr/>
+        <p:nvPr/>
+      </p:nvGrpSpPr>
+      <p:grpSpPr>
+        <a:xfrm>
+          <a:off x="0" y="0"/>
+          <a:ext cx="0" cy="0"/>
+          <a:chOff x="0" y="0"/>
+          <a:chExt cx="0" cy="0"/>
+        </a:xfrm>
+      </p:grpSpPr>
+      <p:sp>
+        <p:nvSpPr>
+          <p:cNvPr id="4" name="슬라이드 번호 개체 틀 3"/>
+          <p:cNvSpPr>
+            <a:spLocks noGrp="1"/>
+          </p:cNvSpPr>
+          <p:nvPr>
+            <p:ph type="sldNum" sz="quarter" idx="12"/>
+          </p:nvPr>
+        </p:nvSpPr>
+        <p:spPr/>
+        <p:txBody>
+          <a:bodyPr/>
+          <a:lstStyle/>
+          <a:p>
+            <a:fld id="{6DDAE2C3-1A0B-474A-8CE8-AE55B8D9D4B1}" type="slidenum">
+              <a:rPr lang="ko-KR" altLang="en-US" smtClean="0"/>
+              <a:pPr/>
+              <a:t>88</a:t>
+            </a:fld>
+            <a:endParaRPr lang="ko-KR" altLang="en-US" dirty="0"/>
+          </a:p>
+        </p:txBody>
+      </p:sp>
+      <p:sp>
+        <p:nvSpPr>
+          <p:cNvPr id="11" name="TextBox 10"/>
+          <p:cNvSpPr txBox="1"/>
+          <p:nvPr/>
+        </p:nvSpPr>
+        <p:spPr>
+          <a:xfrm>
+            <a:off x="204827" y="854694"/>
+            <a:ext cx="11793243" cy="1107996"/>
+          </a:xfrm>
+          <a:prstGeom prst="rect">
+            <a:avLst/>
+          </a:prstGeom>
+          <a:noFill/>
+        </p:spPr>
+        <p:txBody>
+          <a:bodyPr wrap="square" lIns="0" tIns="0" rIns="0" bIns="0" rtlCol="0" anchor="t">
+            <a:spAutoFit/>
+          </a:bodyPr>
+          <a:lstStyle/>
+          <a:p>
+            <a:r>
+              <a:rPr lang="en-US" altLang="ko-KR" sz="2400" b="1" i="0" dirty="0">
+                <a:solidFill>
+                  <a:schemeClr val="bg1"/>
+                </a:solidFill>
+                <a:effectLst/>
+                <a:latin typeface="Arial" panose="020B0604020202020204" pitchFamily="34" charset="0"/>
+                <a:cs typeface="Arial" panose="020B0604020202020204" pitchFamily="34" charset="0"/>
+              </a:rPr>
+              <a:t>Part 04. </a:t>
+            </a:r>
+            <a:r>
+              <a:rPr lang="ko-KR" altLang="en-US" sz="2400" b="1" i="0" dirty="0">
+                <a:solidFill>
+                  <a:schemeClr val="bg1"/>
+                </a:solidFill>
+                <a:effectLst/>
+                <a:latin typeface="Arial" panose="020B0604020202020204" pitchFamily="34" charset="0"/>
+                <a:cs typeface="Arial" panose="020B0604020202020204" pitchFamily="34" charset="0"/>
+              </a:rPr>
+              <a:t>미니 프로젝트</a:t>
+            </a:r>
+            <a:endParaRPr lang="en-US" altLang="ko-KR" sz="2400" b="1" i="0" dirty="0">
+              <a:solidFill>
+                <a:schemeClr val="bg1"/>
+              </a:solidFill>
+              <a:effectLst/>
+              <a:latin typeface="Arial" panose="020B0604020202020204" pitchFamily="34" charset="0"/>
+              <a:cs typeface="Arial" panose="020B0604020202020204" pitchFamily="34" charset="0"/>
+            </a:endParaRPr>
+          </a:p>
+          <a:p>
+            <a:endParaRPr lang="en-US" altLang="ko-KR" sz="2400" b="1" dirty="0">
+              <a:solidFill>
+                <a:schemeClr val="bg1"/>
+              </a:solidFill>
+              <a:latin typeface="Arial" panose="020B0604020202020204" pitchFamily="34" charset="0"/>
+              <a:cs typeface="Arial" panose="020B0604020202020204" pitchFamily="34" charset="0"/>
+            </a:endParaRPr>
+          </a:p>
+          <a:p>
+            <a:r>
+              <a:rPr lang="en-US" altLang="ko-KR" sz="2400" b="1" i="0" dirty="0">
+                <a:solidFill>
+                  <a:schemeClr val="bg1"/>
+                </a:solidFill>
+                <a:effectLst/>
+                <a:latin typeface="Arial" panose="020B0604020202020204" pitchFamily="34" charset="0"/>
+                <a:cs typeface="Arial" panose="020B0604020202020204" pitchFamily="34" charset="0"/>
+              </a:rPr>
+              <a:t>:</a:t>
+            </a:r>
+            <a:r>
+              <a:rPr lang="en-US" altLang="ko-KR" sz="2400" b="1" dirty="0">
+                <a:solidFill>
+                  <a:schemeClr val="bg1"/>
+                </a:solidFill>
+                <a:latin typeface="Arial" panose="020B0604020202020204" pitchFamily="34" charset="0"/>
+                <a:cs typeface="Arial" panose="020B0604020202020204" pitchFamily="34" charset="0"/>
+              </a:rPr>
+              <a:t> </a:t>
+            </a:r>
+            <a:r>
+              <a:rPr lang="ko-KR" altLang="en-US" sz="2400" b="1" i="0" dirty="0">
+                <a:solidFill>
+                  <a:schemeClr val="bg1"/>
+                </a:solidFill>
+                <a:effectLst/>
+                <a:latin typeface="Arial" panose="020B0604020202020204" pitchFamily="34" charset="0"/>
+              </a:rPr>
+              <a:t>실전 프로젝트</a:t>
+            </a:r>
+            <a:r>
+              <a:rPr lang="en-US" altLang="ko-KR" sz="2400" b="1" i="0" dirty="0">
+                <a:solidFill>
+                  <a:schemeClr val="bg1"/>
+                </a:solidFill>
+                <a:effectLst/>
+                <a:latin typeface="Arial" panose="020B0604020202020204" pitchFamily="34" charset="0"/>
+              </a:rPr>
+              <a:t> - 01. </a:t>
+            </a:r>
+            <a:r>
+              <a:rPr lang="ko-KR" altLang="en-US" sz="2400" b="1" i="0" dirty="0">
+                <a:solidFill>
+                  <a:schemeClr val="bg1"/>
+                </a:solidFill>
+                <a:effectLst/>
+                <a:latin typeface="Arial" panose="020B0604020202020204" pitchFamily="34" charset="0"/>
+              </a:rPr>
+              <a:t>암호화폐</a:t>
+            </a:r>
+            <a:r>
+              <a:rPr lang="en-US" altLang="ko-KR" sz="2400" b="1" i="0" dirty="0">
+                <a:solidFill>
+                  <a:schemeClr val="bg1"/>
+                </a:solidFill>
+                <a:effectLst/>
+                <a:latin typeface="Arial" panose="020B0604020202020204" pitchFamily="34" charset="0"/>
+              </a:rPr>
+              <a:t>(</a:t>
+            </a:r>
+            <a:r>
+              <a:rPr lang="ko-KR" altLang="en-US" sz="2400" b="1" i="0" dirty="0" err="1">
+                <a:solidFill>
+                  <a:schemeClr val="bg1"/>
+                </a:solidFill>
+                <a:effectLst/>
+                <a:latin typeface="Arial" panose="020B0604020202020204" pitchFamily="34" charset="0"/>
+              </a:rPr>
+              <a:t>비트코인</a:t>
+            </a:r>
+            <a:r>
+              <a:rPr lang="en-US" altLang="ko-KR" sz="2400" b="1" i="0" dirty="0">
+                <a:solidFill>
+                  <a:schemeClr val="bg1"/>
+                </a:solidFill>
+                <a:effectLst/>
+                <a:latin typeface="Arial" panose="020B0604020202020204" pitchFamily="34" charset="0"/>
+              </a:rPr>
+              <a:t>) </a:t>
+            </a:r>
+            <a:r>
+              <a:rPr lang="ko-KR" altLang="en-US" sz="2400" b="1" i="0" dirty="0">
+                <a:solidFill>
+                  <a:schemeClr val="bg1"/>
+                </a:solidFill>
+                <a:effectLst/>
+                <a:latin typeface="Arial" panose="020B0604020202020204" pitchFamily="34" charset="0"/>
+              </a:rPr>
+              <a:t>데이터를 사용한 예측 실습하기</a:t>
+            </a:r>
+            <a:endParaRPr lang="en-US" altLang="ko-KR" sz="2400" b="1" dirty="0">
+              <a:solidFill>
+                <a:schemeClr val="bg1"/>
+              </a:solidFill>
+              <a:latin typeface="Arial" panose="020B0604020202020204" pitchFamily="34" charset="0"/>
+              <a:ea typeface="Noto Sans CJK KR Black" panose="020B0A00000000000000" pitchFamily="34" charset="-127"/>
+              <a:cs typeface="Arial" panose="020B0604020202020204" pitchFamily="34" charset="0"/>
+            </a:endParaRPr>
+          </a:p>
+        </p:txBody>
+      </p:sp>
+      <p:sp>
+        <p:nvSpPr>
+          <p:cNvPr id="12" name="TextBox 11"/>
+          <p:cNvSpPr txBox="1"/>
+          <p:nvPr/>
+        </p:nvSpPr>
+        <p:spPr>
+          <a:xfrm>
+            <a:off x="4783981" y="611957"/>
+            <a:ext cx="7056784" cy="216726"/>
+          </a:xfrm>
+          <a:prstGeom prst="rect">
+            <a:avLst/>
+          </a:prstGeom>
+          <a:noFill/>
+        </p:spPr>
+        <p:txBody>
+          <a:bodyPr wrap="square" lIns="0" tIns="0" rIns="0" bIns="0" rtlCol="0" anchor="t">
+            <a:spAutoFit/>
+          </a:bodyPr>
+          <a:lstStyle/>
+          <a:p>
+            <a:pPr>
+              <a:lnSpc>
+                <a:spcPct val="150000"/>
+              </a:lnSpc>
+            </a:pPr>
+            <a:endParaRPr lang="en-US" altLang="ko-KR" sz="1050" dirty="0">
+              <a:solidFill>
+                <a:schemeClr val="bg1"/>
+              </a:solidFill>
+              <a:latin typeface="Noto Sans CJK KR Medium" panose="020B0600000000000000" pitchFamily="34" charset="-127"/>
+              <a:ea typeface="Noto Sans CJK KR Medium" panose="020B0600000000000000" pitchFamily="34" charset="-127"/>
+            </a:endParaRPr>
+          </a:p>
+        </p:txBody>
+      </p:sp>
+      <p:sp>
+        <p:nvSpPr>
+          <p:cNvPr id="6" name="TextBox 5">
+            <a:extLst>
+              <a:ext uri="{FF2B5EF4-FFF2-40B4-BE49-F238E27FC236}">
+                <a16:creationId xmlns:a16="http://schemas.microsoft.com/office/drawing/2014/main" id="{161CCAE4-E01F-4257-AFB1-00679BC318D7}"/>
+              </a:ext>
+            </a:extLst>
+          </p:cNvPr>
+          <p:cNvSpPr txBox="1"/>
+          <p:nvPr/>
+        </p:nvSpPr>
+        <p:spPr>
+          <a:xfrm>
+            <a:off x="2258841" y="2844205"/>
+            <a:ext cx="7865218" cy="2339102"/>
+          </a:xfrm>
+          <a:prstGeom prst="rect">
+            <a:avLst/>
+          </a:prstGeom>
+          <a:noFill/>
+        </p:spPr>
+        <p:txBody>
+          <a:bodyPr wrap="square" lIns="0" tIns="0" rIns="0" bIns="0" rtlCol="0" anchor="t">
+            <a:spAutoFit/>
+          </a:bodyPr>
+          <a:lstStyle/>
+          <a:p>
+            <a:pPr marL="342900" indent="-342900">
+              <a:buFont typeface="Wingdings" panose="05000000000000000000" pitchFamily="2" charset="2"/>
+              <a:buChar char="l"/>
+            </a:pPr>
+            <a:r>
+              <a:rPr lang="ko-KR" altLang="en-US" sz="2400" dirty="0">
+                <a:solidFill>
+                  <a:schemeClr val="bg1"/>
+                </a:solidFill>
+                <a:latin typeface="Noto Sans CJK KR Black" panose="020B0A00000000000000" pitchFamily="34" charset="-127"/>
+                <a:ea typeface="Noto Sans CJK KR Black" panose="020B0A00000000000000" pitchFamily="34" charset="-127"/>
+              </a:rPr>
+              <a:t>지난시간 내용정리</a:t>
+            </a:r>
+            <a:endParaRPr lang="en-US" altLang="ko-KR" sz="2400" dirty="0">
+              <a:solidFill>
+                <a:schemeClr val="bg1"/>
+              </a:solidFill>
+              <a:latin typeface="Noto Sans CJK KR Black" panose="020B0A00000000000000" pitchFamily="34" charset="-127"/>
+              <a:ea typeface="Noto Sans CJK KR Black" panose="020B0A00000000000000" pitchFamily="34" charset="-127"/>
+            </a:endParaRPr>
+          </a:p>
+          <a:p>
+            <a:pPr marL="896798" lvl="1" indent="-342900">
+              <a:buFont typeface="Wingdings" panose="05000000000000000000" pitchFamily="2" charset="2"/>
+              <a:buChar char="ü"/>
+            </a:pPr>
+            <a:r>
+              <a:rPr lang="en-US" altLang="ko-KR" sz="2000" dirty="0">
+                <a:solidFill>
+                  <a:schemeClr val="bg1"/>
+                </a:solidFill>
+                <a:latin typeface="Noto Sans CJK KR Black" panose="020B0A00000000000000" pitchFamily="34" charset="-127"/>
+                <a:ea typeface="Noto Sans CJK KR Black" panose="020B0A00000000000000" pitchFamily="34" charset="-127"/>
+              </a:rPr>
+              <a:t>RNN</a:t>
+            </a:r>
+            <a:r>
+              <a:rPr lang="ko-KR" altLang="en-US" sz="2000" dirty="0">
+                <a:solidFill>
+                  <a:schemeClr val="bg1"/>
+                </a:solidFill>
+                <a:latin typeface="Noto Sans CJK KR Black" panose="020B0A00000000000000" pitchFamily="34" charset="-127"/>
+                <a:ea typeface="Noto Sans CJK KR Black" panose="020B0A00000000000000" pitchFamily="34" charset="-127"/>
+              </a:rPr>
+              <a:t>과 </a:t>
+            </a:r>
+            <a:r>
+              <a:rPr lang="en-US" altLang="ko-KR" sz="2000" dirty="0">
+                <a:solidFill>
+                  <a:schemeClr val="bg1"/>
+                </a:solidFill>
+                <a:latin typeface="Noto Sans CJK KR Black" panose="020B0A00000000000000" pitchFamily="34" charset="-127"/>
+                <a:ea typeface="Noto Sans CJK KR Black" panose="020B0A00000000000000" pitchFamily="34" charset="-127"/>
+              </a:rPr>
+              <a:t>LSTM</a:t>
+            </a:r>
+            <a:r>
+              <a:rPr lang="ko-KR" altLang="en-US" sz="2000" dirty="0">
+                <a:solidFill>
+                  <a:schemeClr val="bg1"/>
+                </a:solidFill>
+                <a:latin typeface="Noto Sans CJK KR Black" panose="020B0A00000000000000" pitchFamily="34" charset="-127"/>
+                <a:ea typeface="Noto Sans CJK KR Black" panose="020B0A00000000000000" pitchFamily="34" charset="-127"/>
+              </a:rPr>
+              <a:t> 차이 이해하기</a:t>
+            </a:r>
+            <a:endParaRPr lang="en-US" altLang="ko-KR" sz="2000" dirty="0">
+              <a:solidFill>
+                <a:schemeClr val="bg1"/>
+              </a:solidFill>
+              <a:latin typeface="Noto Sans CJK KR Black" panose="020B0A00000000000000" pitchFamily="34" charset="-127"/>
+              <a:ea typeface="Noto Sans CJK KR Black" panose="020B0A00000000000000" pitchFamily="34" charset="-127"/>
+            </a:endParaRPr>
+          </a:p>
+          <a:p>
+            <a:pPr marL="896798" lvl="1" indent="-342900">
+              <a:buFont typeface="Wingdings" panose="05000000000000000000" pitchFamily="2" charset="2"/>
+              <a:buChar char="ü"/>
+            </a:pPr>
+            <a:r>
+              <a:rPr lang="en-US" altLang="ko-KR" sz="2000" dirty="0">
+                <a:solidFill>
+                  <a:schemeClr val="bg1"/>
+                </a:solidFill>
+                <a:latin typeface="Noto Sans CJK KR Black" panose="020B0A00000000000000" pitchFamily="34" charset="-127"/>
+                <a:ea typeface="Noto Sans CJK KR Black" panose="020B0A00000000000000" pitchFamily="34" charset="-127"/>
+              </a:rPr>
+              <a:t>LSTM</a:t>
+            </a:r>
+            <a:r>
+              <a:rPr lang="ko-KR" altLang="en-US" sz="2000" dirty="0">
+                <a:solidFill>
+                  <a:schemeClr val="bg1"/>
+                </a:solidFill>
+                <a:latin typeface="Noto Sans CJK KR Black" panose="020B0A00000000000000" pitchFamily="34" charset="-127"/>
+                <a:ea typeface="Noto Sans CJK KR Black" panose="020B0A00000000000000" pitchFamily="34" charset="-127"/>
+              </a:rPr>
+              <a:t>과 </a:t>
+            </a:r>
+            <a:r>
+              <a:rPr lang="en-US" altLang="ko-KR" sz="2000" dirty="0">
+                <a:solidFill>
+                  <a:schemeClr val="bg1"/>
+                </a:solidFill>
+                <a:latin typeface="Noto Sans CJK KR Black" panose="020B0A00000000000000" pitchFamily="34" charset="-127"/>
+                <a:ea typeface="Noto Sans CJK KR Black" panose="020B0A00000000000000" pitchFamily="34" charset="-127"/>
+              </a:rPr>
+              <a:t>GRU </a:t>
+            </a:r>
+            <a:r>
+              <a:rPr lang="ko-KR" altLang="en-US" sz="2000" dirty="0">
+                <a:solidFill>
+                  <a:schemeClr val="bg1"/>
+                </a:solidFill>
+                <a:latin typeface="Noto Sans CJK KR Black" panose="020B0A00000000000000" pitchFamily="34" charset="-127"/>
+                <a:ea typeface="Noto Sans CJK KR Black" panose="020B0A00000000000000" pitchFamily="34" charset="-127"/>
+              </a:rPr>
+              <a:t>차이 이해하기</a:t>
+            </a:r>
+            <a:endParaRPr lang="en-US" altLang="ko-KR" sz="2000" dirty="0">
+              <a:solidFill>
+                <a:schemeClr val="bg1"/>
+              </a:solidFill>
+              <a:latin typeface="Noto Sans CJK KR Black" panose="020B0A00000000000000" pitchFamily="34" charset="-127"/>
+              <a:ea typeface="Noto Sans CJK KR Black" panose="020B0A00000000000000" pitchFamily="34" charset="-127"/>
+            </a:endParaRPr>
+          </a:p>
+          <a:p>
+            <a:pPr marL="896798" lvl="1" indent="-342900">
+              <a:buFont typeface="Wingdings" panose="05000000000000000000" pitchFamily="2" charset="2"/>
+              <a:buChar char="ü"/>
+            </a:pPr>
+            <a:endParaRPr lang="en-US" altLang="ko-KR" sz="2400" dirty="0">
+              <a:solidFill>
+                <a:schemeClr val="bg1"/>
+              </a:solidFill>
+              <a:latin typeface="Noto Sans CJK KR Black" panose="020B0A00000000000000" pitchFamily="34" charset="-127"/>
+              <a:ea typeface="Noto Sans CJK KR Black" panose="020B0A00000000000000" pitchFamily="34" charset="-127"/>
+            </a:endParaRPr>
+          </a:p>
+          <a:p>
+            <a:pPr marL="342900" indent="-342900">
+              <a:buFont typeface="Wingdings" panose="05000000000000000000" pitchFamily="2" charset="2"/>
+              <a:buChar char="l"/>
+            </a:pPr>
+            <a:r>
+              <a:rPr lang="ko-KR" altLang="en-US" sz="2400" dirty="0">
+                <a:solidFill>
+                  <a:schemeClr val="bg1"/>
+                </a:solidFill>
+                <a:latin typeface="Noto Sans CJK KR Black" panose="020B0A00000000000000" pitchFamily="34" charset="-127"/>
+                <a:ea typeface="Noto Sans CJK KR Black" panose="020B0A00000000000000" pitchFamily="34" charset="-127"/>
+              </a:rPr>
+              <a:t>이번시간 목표</a:t>
+            </a:r>
+          </a:p>
+          <a:p>
+            <a:pPr marL="896798" lvl="1" indent="-342900">
+              <a:buFont typeface="Wingdings" panose="05000000000000000000" pitchFamily="2" charset="2"/>
+              <a:buChar char="ü"/>
+            </a:pPr>
+            <a:r>
+              <a:rPr lang="ko-KR" altLang="en-US" sz="2000" dirty="0">
+                <a:solidFill>
+                  <a:schemeClr val="bg1"/>
+                </a:solidFill>
+                <a:latin typeface="Noto Sans CJK KR Black" panose="020B0A00000000000000" pitchFamily="34" charset="-127"/>
+                <a:ea typeface="Noto Sans CJK KR Black" panose="020B0A00000000000000" pitchFamily="34" charset="-127"/>
+              </a:rPr>
+              <a:t>데이터분석 </a:t>
+            </a:r>
+            <a:r>
+              <a:rPr lang="ko-KR" altLang="en-US" sz="2000" dirty="0" err="1">
+                <a:solidFill>
+                  <a:schemeClr val="bg1"/>
+                </a:solidFill>
+                <a:latin typeface="Noto Sans CJK KR Black" panose="020B0A00000000000000" pitchFamily="34" charset="-127"/>
+                <a:ea typeface="Noto Sans CJK KR Black" panose="020B0A00000000000000" pitchFamily="34" charset="-127"/>
+              </a:rPr>
+              <a:t>싸이클</a:t>
+            </a:r>
+            <a:r>
+              <a:rPr lang="ko-KR" altLang="en-US" sz="2000" dirty="0">
+                <a:solidFill>
+                  <a:schemeClr val="bg1"/>
+                </a:solidFill>
+                <a:latin typeface="Noto Sans CJK KR Black" panose="020B0A00000000000000" pitchFamily="34" charset="-127"/>
+                <a:ea typeface="Noto Sans CJK KR Black" panose="020B0A00000000000000" pitchFamily="34" charset="-127"/>
+              </a:rPr>
+              <a:t> 준비하기</a:t>
+            </a:r>
+            <a:endParaRPr lang="en-US" altLang="ko-KR" sz="2000" dirty="0">
+              <a:solidFill>
+                <a:schemeClr val="bg1"/>
+              </a:solidFill>
+              <a:latin typeface="Noto Sans CJK KR Black" panose="020B0A00000000000000" pitchFamily="34" charset="-127"/>
+              <a:ea typeface="Noto Sans CJK KR Black" panose="020B0A00000000000000" pitchFamily="34" charset="-127"/>
+            </a:endParaRPr>
+          </a:p>
+          <a:p>
+            <a:pPr marL="896798" lvl="1" indent="-342900">
+              <a:buFont typeface="Wingdings" panose="05000000000000000000" pitchFamily="2" charset="2"/>
+              <a:buChar char="ü"/>
+            </a:pPr>
+            <a:r>
+              <a:rPr lang="en-US" altLang="ko-KR" sz="2000" dirty="0">
+                <a:solidFill>
+                  <a:schemeClr val="bg1"/>
+                </a:solidFill>
+                <a:latin typeface="Noto Sans CJK KR Black" panose="020B0A00000000000000" pitchFamily="34" charset="-127"/>
+                <a:ea typeface="Noto Sans CJK KR Black" panose="020B0A00000000000000" pitchFamily="34" charset="-127"/>
+              </a:rPr>
+              <a:t>MLP, RNN, LSTM, GRU</a:t>
+            </a:r>
+            <a:r>
+              <a:rPr lang="ko-KR" altLang="en-US" sz="2000" dirty="0">
+                <a:solidFill>
+                  <a:schemeClr val="bg1"/>
+                </a:solidFill>
+                <a:latin typeface="Noto Sans CJK KR Black" panose="020B0A00000000000000" pitchFamily="34" charset="-127"/>
+                <a:ea typeface="Noto Sans CJK KR Black" panose="020B0A00000000000000" pitchFamily="34" charset="-127"/>
+              </a:rPr>
+              <a:t>로 </a:t>
+            </a:r>
+            <a:r>
+              <a:rPr lang="ko-KR" altLang="en-US" sz="2000" dirty="0" err="1">
+                <a:solidFill>
+                  <a:schemeClr val="bg1"/>
+                </a:solidFill>
+                <a:latin typeface="Noto Sans CJK KR Black" panose="020B0A00000000000000" pitchFamily="34" charset="-127"/>
+                <a:ea typeface="Noto Sans CJK KR Black" panose="020B0A00000000000000" pitchFamily="34" charset="-127"/>
+              </a:rPr>
+              <a:t>비트코인</a:t>
+            </a:r>
+            <a:r>
+              <a:rPr lang="ko-KR" altLang="en-US" sz="2000" dirty="0">
+                <a:solidFill>
+                  <a:schemeClr val="bg1"/>
+                </a:solidFill>
+                <a:latin typeface="Noto Sans CJK KR Black" panose="020B0A00000000000000" pitchFamily="34" charset="-127"/>
+                <a:ea typeface="Noto Sans CJK KR Black" panose="020B0A00000000000000" pitchFamily="34" charset="-127"/>
+              </a:rPr>
+              <a:t> 가격 예측하기</a:t>
+            </a:r>
+            <a:endParaRPr lang="en-US" altLang="ko-KR" sz="2000" dirty="0">
+              <a:solidFill>
+                <a:schemeClr val="bg1"/>
+              </a:solidFill>
+              <a:latin typeface="Noto Sans CJK KR Black" panose="020B0A00000000000000" pitchFamily="34" charset="-127"/>
+              <a:ea typeface="Noto Sans CJK KR Black" panose="020B0A00000000000000" pitchFamily="34" charset="-127"/>
+            </a:endParaRPr>
+          </a:p>
+        </p:txBody>
+      </p:sp>
+    </p:spTree>
+    <p:extLst>
+      <p:ext uri="{BB962C8B-B14F-4D97-AF65-F5344CB8AC3E}">
+        <p14:creationId xmlns:p14="http://schemas.microsoft.com/office/powerpoint/2010/main" val="3984697463"/>
+      </p:ext>
+    </p:extLst>
+  </p:cSld>
+  <p:clrMapOvr>
+    <a:masterClrMapping/>
+  </p:clrMapOvr>
+</p:sld>
+</file>
+
+<file path=ppt/slides/slide89.xml><?xml version="1.0" encoding="utf-8"?>
+<p:sld xmlns:a="http://schemas.openxmlformats.org/drawingml/2006/main" xmlns:r="http://schemas.openxmlformats.org/officeDocument/2006/relationships" xmlns:p="http://schemas.openxmlformats.org/presentationml/2006/main">
+  <p:cSld>
+    <p:bg>
+      <p:bgPr>
+        <a:solidFill>
+          <a:schemeClr val="bg1">
+            <a:lumMod val="65000"/>
+          </a:schemeClr>
+        </a:solidFill>
+        <a:effectLst/>
+      </p:bgPr>
+    </p:bg>
+    <p:spTree>
+      <p:nvGrpSpPr>
+        <p:cNvPr id="1" name=""/>
+        <p:cNvGrpSpPr/>
+        <p:nvPr/>
+      </p:nvGrpSpPr>
+      <p:grpSpPr>
+        <a:xfrm>
+          <a:off x="0" y="0"/>
+          <a:ext cx="0" cy="0"/>
+          <a:chOff x="0" y="0"/>
+          <a:chExt cx="0" cy="0"/>
+        </a:xfrm>
+      </p:grpSpPr>
+      <p:sp>
+        <p:nvSpPr>
+          <p:cNvPr id="4" name="슬라이드 번호 개체 틀 3"/>
+          <p:cNvSpPr>
+            <a:spLocks noGrp="1"/>
+          </p:cNvSpPr>
+          <p:nvPr>
+            <p:ph type="sldNum" sz="quarter" idx="12"/>
+          </p:nvPr>
+        </p:nvSpPr>
+        <p:spPr/>
+        <p:txBody>
+          <a:bodyPr/>
+          <a:lstStyle/>
+          <a:p>
+            <a:fld id="{6DDAE2C3-1A0B-474A-8CE8-AE55B8D9D4B1}" type="slidenum">
+              <a:rPr lang="ko-KR" altLang="en-US" smtClean="0"/>
+              <a:pPr/>
+              <a:t>89</a:t>
+            </a:fld>
+            <a:endParaRPr lang="ko-KR" altLang="en-US" dirty="0"/>
+          </a:p>
+        </p:txBody>
+      </p:sp>
+      <p:sp>
+        <p:nvSpPr>
+          <p:cNvPr id="11" name="TextBox 10"/>
+          <p:cNvSpPr txBox="1"/>
+          <p:nvPr/>
+        </p:nvSpPr>
+        <p:spPr>
+          <a:xfrm>
+            <a:off x="204827" y="854694"/>
+            <a:ext cx="11793243" cy="1107996"/>
+          </a:xfrm>
+          <a:prstGeom prst="rect">
+            <a:avLst/>
+          </a:prstGeom>
+          <a:noFill/>
+        </p:spPr>
+        <p:txBody>
+          <a:bodyPr wrap="square" lIns="0" tIns="0" rIns="0" bIns="0" rtlCol="0" anchor="t">
+            <a:spAutoFit/>
+          </a:bodyPr>
+          <a:lstStyle/>
+          <a:p>
+            <a:r>
+              <a:rPr lang="en-US" altLang="ko-KR" sz="2400" b="1" i="0" dirty="0">
+                <a:solidFill>
+                  <a:schemeClr val="bg1"/>
+                </a:solidFill>
+                <a:effectLst/>
+                <a:latin typeface="Arial" panose="020B0604020202020204" pitchFamily="34" charset="0"/>
+                <a:cs typeface="Arial" panose="020B0604020202020204" pitchFamily="34" charset="0"/>
+              </a:rPr>
+              <a:t>Part 04. </a:t>
+            </a:r>
+            <a:r>
+              <a:rPr lang="ko-KR" altLang="en-US" sz="2400" b="1" i="0" dirty="0">
+                <a:solidFill>
+                  <a:schemeClr val="bg1"/>
+                </a:solidFill>
+                <a:effectLst/>
+                <a:latin typeface="Arial" panose="020B0604020202020204" pitchFamily="34" charset="0"/>
+                <a:cs typeface="Arial" panose="020B0604020202020204" pitchFamily="34" charset="0"/>
+              </a:rPr>
+              <a:t>미니 프로젝트</a:t>
+            </a:r>
+            <a:endParaRPr lang="en-US" altLang="ko-KR" sz="2400" b="1" i="0" dirty="0">
+              <a:solidFill>
+                <a:schemeClr val="bg1"/>
+              </a:solidFill>
+              <a:effectLst/>
+              <a:latin typeface="Arial" panose="020B0604020202020204" pitchFamily="34" charset="0"/>
+              <a:cs typeface="Arial" panose="020B0604020202020204" pitchFamily="34" charset="0"/>
+            </a:endParaRPr>
+          </a:p>
+          <a:p>
+            <a:endParaRPr lang="en-US" altLang="ko-KR" sz="2400" b="1" dirty="0">
+              <a:solidFill>
+                <a:schemeClr val="bg1"/>
+              </a:solidFill>
+              <a:latin typeface="Arial" panose="020B0604020202020204" pitchFamily="34" charset="0"/>
+              <a:cs typeface="Arial" panose="020B0604020202020204" pitchFamily="34" charset="0"/>
+            </a:endParaRPr>
+          </a:p>
+          <a:p>
+            <a:r>
+              <a:rPr lang="en-US" altLang="ko-KR" sz="2400" b="1" i="0" dirty="0">
+                <a:solidFill>
+                  <a:schemeClr val="bg1"/>
+                </a:solidFill>
+                <a:effectLst/>
+                <a:latin typeface="Arial" panose="020B0604020202020204" pitchFamily="34" charset="0"/>
+                <a:cs typeface="Arial" panose="020B0604020202020204" pitchFamily="34" charset="0"/>
+              </a:rPr>
+              <a:t>:</a:t>
+            </a:r>
+            <a:r>
+              <a:rPr lang="en-US" altLang="ko-KR" sz="2400" b="1" dirty="0">
+                <a:solidFill>
+                  <a:schemeClr val="bg1"/>
+                </a:solidFill>
+                <a:latin typeface="Arial" panose="020B0604020202020204" pitchFamily="34" charset="0"/>
+                <a:cs typeface="Arial" panose="020B0604020202020204" pitchFamily="34" charset="0"/>
+              </a:rPr>
+              <a:t> </a:t>
+            </a:r>
+            <a:r>
+              <a:rPr lang="ko-KR" altLang="en-US" sz="2400" b="1" i="0" dirty="0">
+                <a:solidFill>
+                  <a:schemeClr val="bg1"/>
+                </a:solidFill>
+                <a:effectLst/>
+                <a:latin typeface="Arial" panose="020B0604020202020204" pitchFamily="34" charset="0"/>
+              </a:rPr>
+              <a:t>실전 프로젝트</a:t>
+            </a:r>
+            <a:r>
+              <a:rPr lang="en-US" altLang="ko-KR" sz="2400" b="1" i="0" dirty="0">
+                <a:solidFill>
+                  <a:schemeClr val="bg1"/>
+                </a:solidFill>
+                <a:effectLst/>
+                <a:latin typeface="Arial" panose="020B0604020202020204" pitchFamily="34" charset="0"/>
+              </a:rPr>
+              <a:t> - 02. </a:t>
+            </a:r>
+            <a:r>
+              <a:rPr lang="ko-KR" altLang="en-US" sz="2400" b="1" i="0" dirty="0">
+                <a:solidFill>
+                  <a:schemeClr val="bg1"/>
+                </a:solidFill>
+                <a:effectLst/>
+                <a:latin typeface="Arial" panose="020B0604020202020204" pitchFamily="34" charset="0"/>
+              </a:rPr>
+              <a:t>자전거 수요 예측 실습하기</a:t>
+            </a:r>
+            <a:endParaRPr lang="en-US" altLang="ko-KR" sz="2400" b="1" dirty="0">
+              <a:solidFill>
+                <a:schemeClr val="bg1"/>
+              </a:solidFill>
+              <a:latin typeface="Arial" panose="020B0604020202020204" pitchFamily="34" charset="0"/>
+              <a:ea typeface="Noto Sans CJK KR Black" panose="020B0A00000000000000" pitchFamily="34" charset="-127"/>
+              <a:cs typeface="Arial" panose="020B0604020202020204" pitchFamily="34" charset="0"/>
+            </a:endParaRPr>
+          </a:p>
+        </p:txBody>
+      </p:sp>
+      <p:sp>
+        <p:nvSpPr>
+          <p:cNvPr id="12" name="TextBox 11"/>
+          <p:cNvSpPr txBox="1"/>
+          <p:nvPr/>
+        </p:nvSpPr>
+        <p:spPr>
+          <a:xfrm>
+            <a:off x="4783981" y="611957"/>
+            <a:ext cx="7056784" cy="216726"/>
+          </a:xfrm>
+          <a:prstGeom prst="rect">
+            <a:avLst/>
+          </a:prstGeom>
+          <a:noFill/>
+        </p:spPr>
+        <p:txBody>
+          <a:bodyPr wrap="square" lIns="0" tIns="0" rIns="0" bIns="0" rtlCol="0" anchor="t">
+            <a:spAutoFit/>
+          </a:bodyPr>
+          <a:lstStyle/>
+          <a:p>
+            <a:pPr>
+              <a:lnSpc>
+                <a:spcPct val="150000"/>
+              </a:lnSpc>
+            </a:pPr>
+            <a:endParaRPr lang="en-US" altLang="ko-KR" sz="1050" dirty="0">
+              <a:solidFill>
+                <a:schemeClr val="bg1"/>
+              </a:solidFill>
+              <a:latin typeface="Noto Sans CJK KR Medium" panose="020B0600000000000000" pitchFamily="34" charset="-127"/>
+              <a:ea typeface="Noto Sans CJK KR Medium" panose="020B0600000000000000" pitchFamily="34" charset="-127"/>
+            </a:endParaRPr>
+          </a:p>
+        </p:txBody>
+      </p:sp>
+      <p:sp>
+        <p:nvSpPr>
+          <p:cNvPr id="6" name="TextBox 5">
+            <a:extLst>
+              <a:ext uri="{FF2B5EF4-FFF2-40B4-BE49-F238E27FC236}">
+                <a16:creationId xmlns:a16="http://schemas.microsoft.com/office/drawing/2014/main" id="{161CCAE4-E01F-4257-AFB1-00679BC318D7}"/>
+              </a:ext>
+            </a:extLst>
+          </p:cNvPr>
+          <p:cNvSpPr txBox="1"/>
+          <p:nvPr/>
+        </p:nvSpPr>
+        <p:spPr>
+          <a:xfrm>
+            <a:off x="2258841" y="2844205"/>
+            <a:ext cx="7865218" cy="2339102"/>
+          </a:xfrm>
+          <a:prstGeom prst="rect">
+            <a:avLst/>
+          </a:prstGeom>
+          <a:noFill/>
+        </p:spPr>
+        <p:txBody>
+          <a:bodyPr wrap="square" lIns="0" tIns="0" rIns="0" bIns="0" rtlCol="0" anchor="t">
+            <a:spAutoFit/>
+          </a:bodyPr>
+          <a:lstStyle/>
+          <a:p>
+            <a:pPr marL="342900" indent="-342900">
+              <a:buFont typeface="Wingdings" panose="05000000000000000000" pitchFamily="2" charset="2"/>
+              <a:buChar char="l"/>
+            </a:pPr>
+            <a:r>
+              <a:rPr lang="ko-KR" altLang="en-US" sz="2400" dirty="0">
+                <a:solidFill>
+                  <a:schemeClr val="bg1"/>
+                </a:solidFill>
+                <a:latin typeface="Noto Sans CJK KR Black" panose="020B0A00000000000000" pitchFamily="34" charset="-127"/>
+                <a:ea typeface="Noto Sans CJK KR Black" panose="020B0A00000000000000" pitchFamily="34" charset="-127"/>
+              </a:rPr>
+              <a:t>지난시간 내용정리</a:t>
+            </a:r>
+            <a:endParaRPr lang="en-US" altLang="ko-KR" sz="2400" dirty="0">
+              <a:solidFill>
+                <a:schemeClr val="bg1"/>
+              </a:solidFill>
+              <a:latin typeface="Noto Sans CJK KR Black" panose="020B0A00000000000000" pitchFamily="34" charset="-127"/>
+              <a:ea typeface="Noto Sans CJK KR Black" panose="020B0A00000000000000" pitchFamily="34" charset="-127"/>
+            </a:endParaRPr>
+          </a:p>
+          <a:p>
+            <a:pPr marL="896798" lvl="1" indent="-342900">
+              <a:buFont typeface="Wingdings" panose="05000000000000000000" pitchFamily="2" charset="2"/>
+              <a:buChar char="ü"/>
+            </a:pPr>
+            <a:r>
+              <a:rPr lang="ko-KR" altLang="en-US" sz="2000" dirty="0">
+                <a:solidFill>
+                  <a:schemeClr val="bg1"/>
+                </a:solidFill>
+                <a:latin typeface="Noto Sans CJK KR Black" panose="020B0A00000000000000" pitchFamily="34" charset="-127"/>
+                <a:ea typeface="Noto Sans CJK KR Black" panose="020B0A00000000000000" pitchFamily="34" charset="-127"/>
+              </a:rPr>
+              <a:t>데이터분석 </a:t>
+            </a:r>
+            <a:r>
+              <a:rPr lang="ko-KR" altLang="en-US" sz="2000" dirty="0" err="1">
+                <a:solidFill>
+                  <a:schemeClr val="bg1"/>
+                </a:solidFill>
+                <a:latin typeface="Noto Sans CJK KR Black" panose="020B0A00000000000000" pitchFamily="34" charset="-127"/>
+                <a:ea typeface="Noto Sans CJK KR Black" panose="020B0A00000000000000" pitchFamily="34" charset="-127"/>
+              </a:rPr>
+              <a:t>싸이클</a:t>
+            </a:r>
+            <a:r>
+              <a:rPr lang="ko-KR" altLang="en-US" sz="2000" dirty="0">
+                <a:solidFill>
+                  <a:schemeClr val="bg1"/>
+                </a:solidFill>
+                <a:latin typeface="Noto Sans CJK KR Black" panose="020B0A00000000000000" pitchFamily="34" charset="-127"/>
+                <a:ea typeface="Noto Sans CJK KR Black" panose="020B0A00000000000000" pitchFamily="34" charset="-127"/>
+              </a:rPr>
+              <a:t> 준비하기</a:t>
+            </a:r>
+            <a:endParaRPr lang="en-US" altLang="ko-KR" sz="2000" dirty="0">
+              <a:solidFill>
+                <a:schemeClr val="bg1"/>
+              </a:solidFill>
+              <a:latin typeface="Noto Sans CJK KR Black" panose="020B0A00000000000000" pitchFamily="34" charset="-127"/>
+              <a:ea typeface="Noto Sans CJK KR Black" panose="020B0A00000000000000" pitchFamily="34" charset="-127"/>
+            </a:endParaRPr>
+          </a:p>
+          <a:p>
+            <a:pPr marL="896798" lvl="1" indent="-342900">
+              <a:buFont typeface="Wingdings" panose="05000000000000000000" pitchFamily="2" charset="2"/>
+              <a:buChar char="ü"/>
+            </a:pPr>
+            <a:r>
+              <a:rPr lang="en-US" altLang="ko-KR" sz="2000" dirty="0">
+                <a:solidFill>
+                  <a:schemeClr val="bg1"/>
+                </a:solidFill>
+                <a:latin typeface="Noto Sans CJK KR Black" panose="020B0A00000000000000" pitchFamily="34" charset="-127"/>
+                <a:ea typeface="Noto Sans CJK KR Black" panose="020B0A00000000000000" pitchFamily="34" charset="-127"/>
+              </a:rPr>
+              <a:t>MLP, RNN, LSTM, GRU</a:t>
+            </a:r>
+            <a:r>
+              <a:rPr lang="ko-KR" altLang="en-US" sz="2000" dirty="0">
+                <a:solidFill>
+                  <a:schemeClr val="bg1"/>
+                </a:solidFill>
+                <a:latin typeface="Noto Sans CJK KR Black" panose="020B0A00000000000000" pitchFamily="34" charset="-127"/>
+                <a:ea typeface="Noto Sans CJK KR Black" panose="020B0A00000000000000" pitchFamily="34" charset="-127"/>
+              </a:rPr>
+              <a:t>로 </a:t>
+            </a:r>
+            <a:r>
+              <a:rPr lang="ko-KR" altLang="en-US" sz="2000" dirty="0" err="1">
+                <a:solidFill>
+                  <a:schemeClr val="bg1"/>
+                </a:solidFill>
+                <a:latin typeface="Noto Sans CJK KR Black" panose="020B0A00000000000000" pitchFamily="34" charset="-127"/>
+                <a:ea typeface="Noto Sans CJK KR Black" panose="020B0A00000000000000" pitchFamily="34" charset="-127"/>
+              </a:rPr>
+              <a:t>비트코인</a:t>
+            </a:r>
+            <a:r>
+              <a:rPr lang="ko-KR" altLang="en-US" sz="2000" dirty="0">
+                <a:solidFill>
+                  <a:schemeClr val="bg1"/>
+                </a:solidFill>
+                <a:latin typeface="Noto Sans CJK KR Black" panose="020B0A00000000000000" pitchFamily="34" charset="-127"/>
+                <a:ea typeface="Noto Sans CJK KR Black" panose="020B0A00000000000000" pitchFamily="34" charset="-127"/>
+              </a:rPr>
+              <a:t> 가격 예측하기</a:t>
+            </a:r>
+            <a:endParaRPr lang="en-US" altLang="ko-KR" sz="2000" dirty="0">
+              <a:solidFill>
+                <a:schemeClr val="bg1"/>
+              </a:solidFill>
+              <a:latin typeface="Noto Sans CJK KR Black" panose="020B0A00000000000000" pitchFamily="34" charset="-127"/>
+              <a:ea typeface="Noto Sans CJK KR Black" panose="020B0A00000000000000" pitchFamily="34" charset="-127"/>
+            </a:endParaRPr>
+          </a:p>
+          <a:p>
+            <a:pPr marL="896798" lvl="1" indent="-342900">
+              <a:buFont typeface="Wingdings" panose="05000000000000000000" pitchFamily="2" charset="2"/>
+              <a:buChar char="ü"/>
+            </a:pPr>
+            <a:endParaRPr lang="en-US" altLang="ko-KR" sz="2400" dirty="0">
+              <a:solidFill>
+                <a:schemeClr val="bg1"/>
+              </a:solidFill>
+              <a:latin typeface="Noto Sans CJK KR Black" panose="020B0A00000000000000" pitchFamily="34" charset="-127"/>
+              <a:ea typeface="Noto Sans CJK KR Black" panose="020B0A00000000000000" pitchFamily="34" charset="-127"/>
+            </a:endParaRPr>
+          </a:p>
+          <a:p>
+            <a:pPr marL="342900" indent="-342900">
+              <a:buFont typeface="Wingdings" panose="05000000000000000000" pitchFamily="2" charset="2"/>
+              <a:buChar char="l"/>
+            </a:pPr>
+            <a:r>
+              <a:rPr lang="ko-KR" altLang="en-US" sz="2400" dirty="0">
+                <a:solidFill>
+                  <a:schemeClr val="bg1"/>
+                </a:solidFill>
+                <a:latin typeface="Noto Sans CJK KR Black" panose="020B0A00000000000000" pitchFamily="34" charset="-127"/>
+                <a:ea typeface="Noto Sans CJK KR Black" panose="020B0A00000000000000" pitchFamily="34" charset="-127"/>
+              </a:rPr>
+              <a:t>이번시간 목표</a:t>
+            </a:r>
+          </a:p>
+          <a:p>
+            <a:pPr marL="896798" lvl="1" indent="-342900">
+              <a:buFont typeface="Wingdings" panose="05000000000000000000" pitchFamily="2" charset="2"/>
+              <a:buChar char="ü"/>
+            </a:pPr>
+            <a:r>
+              <a:rPr lang="ko-KR" altLang="en-US" sz="2000" dirty="0">
+                <a:solidFill>
+                  <a:schemeClr val="bg1"/>
+                </a:solidFill>
+                <a:latin typeface="Noto Sans CJK KR Black" panose="020B0A00000000000000" pitchFamily="34" charset="-127"/>
+                <a:ea typeface="Noto Sans CJK KR Black" panose="020B0A00000000000000" pitchFamily="34" charset="-127"/>
+              </a:rPr>
+              <a:t>이전 시계열 분석 세팅 복습하기</a:t>
+            </a:r>
+            <a:endParaRPr lang="en-US" altLang="ko-KR" sz="2000" dirty="0">
+              <a:solidFill>
+                <a:schemeClr val="bg1"/>
+              </a:solidFill>
+              <a:latin typeface="Noto Sans CJK KR Black" panose="020B0A00000000000000" pitchFamily="34" charset="-127"/>
+              <a:ea typeface="Noto Sans CJK KR Black" panose="020B0A00000000000000" pitchFamily="34" charset="-127"/>
+            </a:endParaRPr>
+          </a:p>
+          <a:p>
+            <a:pPr marL="896798" lvl="1" indent="-342900">
+              <a:buFont typeface="Wingdings" panose="05000000000000000000" pitchFamily="2" charset="2"/>
+              <a:buChar char="ü"/>
+            </a:pPr>
+            <a:r>
+              <a:rPr lang="en-US" altLang="ko-KR" sz="2000" dirty="0">
+                <a:solidFill>
+                  <a:schemeClr val="bg1"/>
+                </a:solidFill>
+                <a:latin typeface="Noto Sans CJK KR Black" panose="020B0A00000000000000" pitchFamily="34" charset="-127"/>
+                <a:ea typeface="Noto Sans CJK KR Black" panose="020B0A00000000000000" pitchFamily="34" charset="-127"/>
+              </a:rPr>
+              <a:t>MLP, RNN, LSTM, GRU</a:t>
+            </a:r>
+            <a:r>
+              <a:rPr lang="ko-KR" altLang="en-US" sz="2000" dirty="0">
+                <a:solidFill>
+                  <a:schemeClr val="bg1"/>
+                </a:solidFill>
+                <a:latin typeface="Noto Sans CJK KR Black" panose="020B0A00000000000000" pitchFamily="34" charset="-127"/>
+                <a:ea typeface="Noto Sans CJK KR Black" panose="020B0A00000000000000" pitchFamily="34" charset="-127"/>
+              </a:rPr>
+              <a:t>로 자전거 수요 예측하기</a:t>
+            </a:r>
+            <a:endParaRPr lang="en-US" altLang="ko-KR" sz="2000" dirty="0">
+              <a:solidFill>
+                <a:schemeClr val="bg1"/>
+              </a:solidFill>
+              <a:latin typeface="Noto Sans CJK KR Black" panose="020B0A00000000000000" pitchFamily="34" charset="-127"/>
+              <a:ea typeface="Noto Sans CJK KR Black" panose="020B0A00000000000000" pitchFamily="34" charset="-127"/>
+            </a:endParaRPr>
+          </a:p>
+        </p:txBody>
+      </p:sp>
+    </p:spTree>
+    <p:extLst>
+      <p:ext uri="{BB962C8B-B14F-4D97-AF65-F5344CB8AC3E}">
+        <p14:creationId xmlns:p14="http://schemas.microsoft.com/office/powerpoint/2010/main" val="3654777539"/>
       </p:ext>
     </p:extLst>
   </p:cSld>
@@ -43849,6 +51393,425 @@
     <p:extLst>
       <p:ext uri="{BB962C8B-B14F-4D97-AF65-F5344CB8AC3E}">
         <p14:creationId xmlns:p14="http://schemas.microsoft.com/office/powerpoint/2010/main" val="3289510994"/>
+      </p:ext>
+    </p:extLst>
+  </p:cSld>
+  <p:clrMapOvr>
+    <a:masterClrMapping/>
+  </p:clrMapOvr>
+</p:sld>
+</file>
+
+<file path=ppt/slides/slide90.xml><?xml version="1.0" encoding="utf-8"?>
+<p:sld xmlns:a="http://schemas.openxmlformats.org/drawingml/2006/main" xmlns:r="http://schemas.openxmlformats.org/officeDocument/2006/relationships" xmlns:p="http://schemas.openxmlformats.org/presentationml/2006/main">
+  <p:cSld>
+    <p:bg>
+      <p:bgPr>
+        <a:solidFill>
+          <a:schemeClr val="bg1">
+            <a:lumMod val="65000"/>
+          </a:schemeClr>
+        </a:solidFill>
+        <a:effectLst/>
+      </p:bgPr>
+    </p:bg>
+    <p:spTree>
+      <p:nvGrpSpPr>
+        <p:cNvPr id="1" name=""/>
+        <p:cNvGrpSpPr/>
+        <p:nvPr/>
+      </p:nvGrpSpPr>
+      <p:grpSpPr>
+        <a:xfrm>
+          <a:off x="0" y="0"/>
+          <a:ext cx="0" cy="0"/>
+          <a:chOff x="0" y="0"/>
+          <a:chExt cx="0" cy="0"/>
+        </a:xfrm>
+      </p:grpSpPr>
+      <p:sp>
+        <p:nvSpPr>
+          <p:cNvPr id="4" name="슬라이드 번호 개체 틀 3"/>
+          <p:cNvSpPr>
+            <a:spLocks noGrp="1"/>
+          </p:cNvSpPr>
+          <p:nvPr>
+            <p:ph type="sldNum" sz="quarter" idx="12"/>
+          </p:nvPr>
+        </p:nvSpPr>
+        <p:spPr/>
+        <p:txBody>
+          <a:bodyPr/>
+          <a:lstStyle/>
+          <a:p>
+            <a:fld id="{6DDAE2C3-1A0B-474A-8CE8-AE55B8D9D4B1}" type="slidenum">
+              <a:rPr lang="ko-KR" altLang="en-US" smtClean="0"/>
+              <a:pPr/>
+              <a:t>90</a:t>
+            </a:fld>
+            <a:endParaRPr lang="ko-KR" altLang="en-US" dirty="0"/>
+          </a:p>
+        </p:txBody>
+      </p:sp>
+      <p:sp>
+        <p:nvSpPr>
+          <p:cNvPr id="11" name="TextBox 10"/>
+          <p:cNvSpPr txBox="1"/>
+          <p:nvPr/>
+        </p:nvSpPr>
+        <p:spPr>
+          <a:xfrm>
+            <a:off x="204827" y="854694"/>
+            <a:ext cx="11793243" cy="1107996"/>
+          </a:xfrm>
+          <a:prstGeom prst="rect">
+            <a:avLst/>
+          </a:prstGeom>
+          <a:noFill/>
+        </p:spPr>
+        <p:txBody>
+          <a:bodyPr wrap="square" lIns="0" tIns="0" rIns="0" bIns="0" rtlCol="0" anchor="t">
+            <a:spAutoFit/>
+          </a:bodyPr>
+          <a:lstStyle/>
+          <a:p>
+            <a:r>
+              <a:rPr lang="en-US" altLang="ko-KR" sz="2400" b="1" i="0" dirty="0">
+                <a:solidFill>
+                  <a:schemeClr val="bg1"/>
+                </a:solidFill>
+                <a:effectLst/>
+                <a:latin typeface="Arial" panose="020B0604020202020204" pitchFamily="34" charset="0"/>
+                <a:cs typeface="Arial" panose="020B0604020202020204" pitchFamily="34" charset="0"/>
+              </a:rPr>
+              <a:t>Part 04. </a:t>
+            </a:r>
+            <a:r>
+              <a:rPr lang="ko-KR" altLang="en-US" sz="2400" b="1" i="0" dirty="0">
+                <a:solidFill>
+                  <a:schemeClr val="bg1"/>
+                </a:solidFill>
+                <a:effectLst/>
+                <a:latin typeface="Arial" panose="020B0604020202020204" pitchFamily="34" charset="0"/>
+                <a:cs typeface="Arial" panose="020B0604020202020204" pitchFamily="34" charset="0"/>
+              </a:rPr>
+              <a:t>미니 프로젝트</a:t>
+            </a:r>
+            <a:endParaRPr lang="en-US" altLang="ko-KR" sz="2400" b="1" i="0" dirty="0">
+              <a:solidFill>
+                <a:schemeClr val="bg1"/>
+              </a:solidFill>
+              <a:effectLst/>
+              <a:latin typeface="Arial" panose="020B0604020202020204" pitchFamily="34" charset="0"/>
+              <a:cs typeface="Arial" panose="020B0604020202020204" pitchFamily="34" charset="0"/>
+            </a:endParaRPr>
+          </a:p>
+          <a:p>
+            <a:endParaRPr lang="en-US" altLang="ko-KR" sz="2400" b="1" dirty="0">
+              <a:solidFill>
+                <a:schemeClr val="bg1"/>
+              </a:solidFill>
+              <a:latin typeface="Arial" panose="020B0604020202020204" pitchFamily="34" charset="0"/>
+              <a:cs typeface="Arial" panose="020B0604020202020204" pitchFamily="34" charset="0"/>
+            </a:endParaRPr>
+          </a:p>
+          <a:p>
+            <a:r>
+              <a:rPr lang="en-US" altLang="ko-KR" sz="2400" b="1" i="0" dirty="0">
+                <a:solidFill>
+                  <a:schemeClr val="bg1"/>
+                </a:solidFill>
+                <a:effectLst/>
+                <a:latin typeface="Arial" panose="020B0604020202020204" pitchFamily="34" charset="0"/>
+                <a:cs typeface="Arial" panose="020B0604020202020204" pitchFamily="34" charset="0"/>
+              </a:rPr>
+              <a:t>:</a:t>
+            </a:r>
+            <a:r>
+              <a:rPr lang="en-US" altLang="ko-KR" sz="2400" b="1" dirty="0">
+                <a:solidFill>
+                  <a:schemeClr val="bg1"/>
+                </a:solidFill>
+                <a:latin typeface="Arial" panose="020B0604020202020204" pitchFamily="34" charset="0"/>
+                <a:cs typeface="Arial" panose="020B0604020202020204" pitchFamily="34" charset="0"/>
+              </a:rPr>
+              <a:t> </a:t>
+            </a:r>
+            <a:r>
+              <a:rPr lang="ko-KR" altLang="en-US" sz="2400" b="1" i="0" dirty="0">
+                <a:solidFill>
+                  <a:schemeClr val="bg1"/>
+                </a:solidFill>
+                <a:effectLst/>
+                <a:latin typeface="Arial" panose="020B0604020202020204" pitchFamily="34" charset="0"/>
+              </a:rPr>
+              <a:t>실전 프로젝트</a:t>
+            </a:r>
+            <a:r>
+              <a:rPr lang="en-US" altLang="ko-KR" sz="2400" b="1" i="0" dirty="0">
+                <a:solidFill>
+                  <a:schemeClr val="bg1"/>
+                </a:solidFill>
+                <a:effectLst/>
+                <a:latin typeface="Arial" panose="020B0604020202020204" pitchFamily="34" charset="0"/>
+              </a:rPr>
+              <a:t> - 03. </a:t>
+            </a:r>
+            <a:r>
+              <a:rPr lang="ko-KR" altLang="en-US" sz="2400" b="1" i="0" dirty="0">
+                <a:solidFill>
+                  <a:schemeClr val="bg1"/>
+                </a:solidFill>
+                <a:effectLst/>
+                <a:latin typeface="Arial" panose="020B0604020202020204" pitchFamily="34" charset="0"/>
+              </a:rPr>
+              <a:t>주택가격 예측 실습하기</a:t>
+            </a:r>
+            <a:endParaRPr lang="en-US" altLang="ko-KR" sz="2400" b="1" dirty="0">
+              <a:solidFill>
+                <a:schemeClr val="bg1"/>
+              </a:solidFill>
+              <a:latin typeface="Arial" panose="020B0604020202020204" pitchFamily="34" charset="0"/>
+              <a:ea typeface="Noto Sans CJK KR Black" panose="020B0A00000000000000" pitchFamily="34" charset="-127"/>
+              <a:cs typeface="Arial" panose="020B0604020202020204" pitchFamily="34" charset="0"/>
+            </a:endParaRPr>
+          </a:p>
+        </p:txBody>
+      </p:sp>
+      <p:sp>
+        <p:nvSpPr>
+          <p:cNvPr id="12" name="TextBox 11"/>
+          <p:cNvSpPr txBox="1"/>
+          <p:nvPr/>
+        </p:nvSpPr>
+        <p:spPr>
+          <a:xfrm>
+            <a:off x="4783981" y="611957"/>
+            <a:ext cx="7056784" cy="216726"/>
+          </a:xfrm>
+          <a:prstGeom prst="rect">
+            <a:avLst/>
+          </a:prstGeom>
+          <a:noFill/>
+        </p:spPr>
+        <p:txBody>
+          <a:bodyPr wrap="square" lIns="0" tIns="0" rIns="0" bIns="0" rtlCol="0" anchor="t">
+            <a:spAutoFit/>
+          </a:bodyPr>
+          <a:lstStyle/>
+          <a:p>
+            <a:pPr>
+              <a:lnSpc>
+                <a:spcPct val="150000"/>
+              </a:lnSpc>
+            </a:pPr>
+            <a:endParaRPr lang="en-US" altLang="ko-KR" sz="1050" dirty="0">
+              <a:solidFill>
+                <a:schemeClr val="bg1"/>
+              </a:solidFill>
+              <a:latin typeface="Noto Sans CJK KR Medium" panose="020B0600000000000000" pitchFamily="34" charset="-127"/>
+              <a:ea typeface="Noto Sans CJK KR Medium" panose="020B0600000000000000" pitchFamily="34" charset="-127"/>
+            </a:endParaRPr>
+          </a:p>
+        </p:txBody>
+      </p:sp>
+      <p:sp>
+        <p:nvSpPr>
+          <p:cNvPr id="6" name="TextBox 5">
+            <a:extLst>
+              <a:ext uri="{FF2B5EF4-FFF2-40B4-BE49-F238E27FC236}">
+                <a16:creationId xmlns:a16="http://schemas.microsoft.com/office/drawing/2014/main" id="{161CCAE4-E01F-4257-AFB1-00679BC318D7}"/>
+              </a:ext>
+            </a:extLst>
+          </p:cNvPr>
+          <p:cNvSpPr txBox="1"/>
+          <p:nvPr/>
+        </p:nvSpPr>
+        <p:spPr>
+          <a:xfrm>
+            <a:off x="2258841" y="2844205"/>
+            <a:ext cx="7865218" cy="2339102"/>
+          </a:xfrm>
+          <a:prstGeom prst="rect">
+            <a:avLst/>
+          </a:prstGeom>
+          <a:noFill/>
+        </p:spPr>
+        <p:txBody>
+          <a:bodyPr wrap="square" lIns="0" tIns="0" rIns="0" bIns="0" rtlCol="0" anchor="t">
+            <a:spAutoFit/>
+          </a:bodyPr>
+          <a:lstStyle/>
+          <a:p>
+            <a:pPr marL="342900" indent="-342900">
+              <a:buFont typeface="Wingdings" panose="05000000000000000000" pitchFamily="2" charset="2"/>
+              <a:buChar char="l"/>
+            </a:pPr>
+            <a:r>
+              <a:rPr lang="ko-KR" altLang="en-US" sz="2400" dirty="0">
+                <a:solidFill>
+                  <a:schemeClr val="bg1"/>
+                </a:solidFill>
+                <a:latin typeface="Noto Sans CJK KR Black" panose="020B0A00000000000000" pitchFamily="34" charset="-127"/>
+                <a:ea typeface="Noto Sans CJK KR Black" panose="020B0A00000000000000" pitchFamily="34" charset="-127"/>
+              </a:rPr>
+              <a:t>지난시간 내용정리</a:t>
+            </a:r>
+            <a:endParaRPr lang="en-US" altLang="ko-KR" sz="2400" dirty="0">
+              <a:solidFill>
+                <a:schemeClr val="bg1"/>
+              </a:solidFill>
+              <a:latin typeface="Noto Sans CJK KR Black" panose="020B0A00000000000000" pitchFamily="34" charset="-127"/>
+              <a:ea typeface="Noto Sans CJK KR Black" panose="020B0A00000000000000" pitchFamily="34" charset="-127"/>
+            </a:endParaRPr>
+          </a:p>
+          <a:p>
+            <a:pPr marL="896798" lvl="1" indent="-342900">
+              <a:buFont typeface="Wingdings" panose="05000000000000000000" pitchFamily="2" charset="2"/>
+              <a:buChar char="ü"/>
+            </a:pPr>
+            <a:r>
+              <a:rPr lang="ko-KR" altLang="en-US" sz="2000" dirty="0">
+                <a:solidFill>
+                  <a:schemeClr val="bg1"/>
+                </a:solidFill>
+                <a:latin typeface="Noto Sans CJK KR Black" panose="020B0A00000000000000" pitchFamily="34" charset="-127"/>
+                <a:ea typeface="Noto Sans CJK KR Black" panose="020B0A00000000000000" pitchFamily="34" charset="-127"/>
+              </a:rPr>
+              <a:t>이전 시계열 분석 세팅 복습하기</a:t>
+            </a:r>
+            <a:endParaRPr lang="en-US" altLang="ko-KR" sz="2000" dirty="0">
+              <a:solidFill>
+                <a:schemeClr val="bg1"/>
+              </a:solidFill>
+              <a:latin typeface="Noto Sans CJK KR Black" panose="020B0A00000000000000" pitchFamily="34" charset="-127"/>
+              <a:ea typeface="Noto Sans CJK KR Black" panose="020B0A00000000000000" pitchFamily="34" charset="-127"/>
+            </a:endParaRPr>
+          </a:p>
+          <a:p>
+            <a:pPr marL="896798" lvl="1" indent="-342900">
+              <a:buFont typeface="Wingdings" panose="05000000000000000000" pitchFamily="2" charset="2"/>
+              <a:buChar char="ü"/>
+            </a:pPr>
+            <a:r>
+              <a:rPr lang="en-US" altLang="ko-KR" sz="2000" dirty="0">
+                <a:solidFill>
+                  <a:schemeClr val="bg1"/>
+                </a:solidFill>
+                <a:latin typeface="Noto Sans CJK KR Black" panose="020B0A00000000000000" pitchFamily="34" charset="-127"/>
+                <a:ea typeface="Noto Sans CJK KR Black" panose="020B0A00000000000000" pitchFamily="34" charset="-127"/>
+              </a:rPr>
+              <a:t>MLP, RNN, LSTM, GRU</a:t>
+            </a:r>
+            <a:r>
+              <a:rPr lang="ko-KR" altLang="en-US" sz="2000" dirty="0">
+                <a:solidFill>
+                  <a:schemeClr val="bg1"/>
+                </a:solidFill>
+                <a:latin typeface="Noto Sans CJK KR Black" panose="020B0A00000000000000" pitchFamily="34" charset="-127"/>
+                <a:ea typeface="Noto Sans CJK KR Black" panose="020B0A00000000000000" pitchFamily="34" charset="-127"/>
+              </a:rPr>
+              <a:t>로 자전거 수요 예측하기</a:t>
+            </a:r>
+            <a:endParaRPr lang="en-US" altLang="ko-KR" sz="2000" dirty="0">
+              <a:solidFill>
+                <a:schemeClr val="bg1"/>
+              </a:solidFill>
+              <a:latin typeface="Noto Sans CJK KR Black" panose="020B0A00000000000000" pitchFamily="34" charset="-127"/>
+              <a:ea typeface="Noto Sans CJK KR Black" panose="020B0A00000000000000" pitchFamily="34" charset="-127"/>
+            </a:endParaRPr>
+          </a:p>
+          <a:p>
+            <a:pPr marL="896798" lvl="1" indent="-342900">
+              <a:buFont typeface="Wingdings" panose="05000000000000000000" pitchFamily="2" charset="2"/>
+              <a:buChar char="ü"/>
+            </a:pPr>
+            <a:endParaRPr lang="en-US" altLang="ko-KR" sz="2400" dirty="0">
+              <a:solidFill>
+                <a:schemeClr val="bg1"/>
+              </a:solidFill>
+              <a:latin typeface="Noto Sans CJK KR Black" panose="020B0A00000000000000" pitchFamily="34" charset="-127"/>
+              <a:ea typeface="Noto Sans CJK KR Black" panose="020B0A00000000000000" pitchFamily="34" charset="-127"/>
+            </a:endParaRPr>
+          </a:p>
+          <a:p>
+            <a:pPr marL="342900" indent="-342900">
+              <a:buFont typeface="Wingdings" panose="05000000000000000000" pitchFamily="2" charset="2"/>
+              <a:buChar char="l"/>
+            </a:pPr>
+            <a:r>
+              <a:rPr lang="ko-KR" altLang="en-US" sz="2400" dirty="0">
+                <a:solidFill>
+                  <a:schemeClr val="bg1"/>
+                </a:solidFill>
+                <a:latin typeface="Noto Sans CJK KR Black" panose="020B0A00000000000000" pitchFamily="34" charset="-127"/>
+                <a:ea typeface="Noto Sans CJK KR Black" panose="020B0A00000000000000" pitchFamily="34" charset="-127"/>
+              </a:rPr>
+              <a:t>이번시간 목표</a:t>
+            </a:r>
+          </a:p>
+          <a:p>
+            <a:pPr marL="896798" lvl="1" indent="-342900">
+              <a:buFont typeface="Wingdings" panose="05000000000000000000" pitchFamily="2" charset="2"/>
+              <a:buChar char="ü"/>
+            </a:pPr>
+            <a:r>
+              <a:rPr lang="ko-KR" altLang="en-US" sz="2000" dirty="0">
+                <a:solidFill>
+                  <a:schemeClr val="bg1"/>
+                </a:solidFill>
+                <a:latin typeface="Noto Sans CJK KR Black" panose="020B0A00000000000000" pitchFamily="34" charset="-127"/>
+                <a:ea typeface="Noto Sans CJK KR Black" panose="020B0A00000000000000" pitchFamily="34" charset="-127"/>
+              </a:rPr>
+              <a:t>주택가격 데이터 세팅하기</a:t>
+            </a:r>
+            <a:endParaRPr lang="en-US" altLang="ko-KR" sz="2000" dirty="0">
+              <a:solidFill>
+                <a:schemeClr val="bg1"/>
+              </a:solidFill>
+              <a:latin typeface="Noto Sans CJK KR Black" panose="020B0A00000000000000" pitchFamily="34" charset="-127"/>
+              <a:ea typeface="Noto Sans CJK KR Black" panose="020B0A00000000000000" pitchFamily="34" charset="-127"/>
+            </a:endParaRPr>
+          </a:p>
+          <a:p>
+            <a:pPr marL="896798" lvl="1" indent="-342900">
+              <a:buFont typeface="Wingdings" panose="05000000000000000000" pitchFamily="2" charset="2"/>
+              <a:buChar char="ü"/>
+            </a:pPr>
+            <a:r>
+              <a:rPr lang="en-US" altLang="ko-KR" sz="2000" dirty="0">
+                <a:solidFill>
+                  <a:schemeClr val="bg1"/>
+                </a:solidFill>
+                <a:latin typeface="Noto Sans CJK KR Black" panose="020B0A00000000000000" pitchFamily="34" charset="-127"/>
+                <a:ea typeface="Noto Sans CJK KR Black" panose="020B0A00000000000000" pitchFamily="34" charset="-127"/>
+              </a:rPr>
+              <a:t>MLP, RNN, LSTM, GRU</a:t>
+            </a:r>
+            <a:r>
+              <a:rPr lang="ko-KR" altLang="en-US" sz="2000" dirty="0">
+                <a:solidFill>
+                  <a:schemeClr val="bg1"/>
+                </a:solidFill>
+                <a:latin typeface="Noto Sans CJK KR Black" panose="020B0A00000000000000" pitchFamily="34" charset="-127"/>
+                <a:ea typeface="Noto Sans CJK KR Black" panose="020B0A00000000000000" pitchFamily="34" charset="-127"/>
+              </a:rPr>
+              <a:t>로 주택가격 예측하기</a:t>
+            </a:r>
+            <a:endParaRPr lang="en-US" altLang="ko-KR" sz="2000" dirty="0">
+              <a:solidFill>
+                <a:schemeClr val="bg1"/>
+              </a:solidFill>
+              <a:latin typeface="Noto Sans CJK KR Black" panose="020B0A00000000000000" pitchFamily="34" charset="-127"/>
+              <a:ea typeface="Noto Sans CJK KR Black" panose="020B0A00000000000000" pitchFamily="34" charset="-127"/>
+            </a:endParaRPr>
+          </a:p>
+        </p:txBody>
+      </p:sp>
+    </p:spTree>
+    <p:extLst>
+      <p:ext uri="{BB962C8B-B14F-4D97-AF65-F5344CB8AC3E}">
+        <p14:creationId xmlns:p14="http://schemas.microsoft.com/office/powerpoint/2010/main" val="3561296226"/>
       </p:ext>
     </p:extLst>
   </p:cSld>
